--- a/CT6018 Joe Mason s4001719.pptx
+++ b/CT6018 Joe Mason s4001719.pptx
@@ -24471,7 +24471,7 @@
                 <a:latin typeface="Arial" panose="020B0604020202020204" pitchFamily="34" charset="0"/>
                 <a:cs typeface="Arial" panose="020B0604020202020204" pitchFamily="34" charset="0"/>
               </a:rPr>
-              <a:t>Action-based Casual Sandbox</a:t>
+              <a:t>Casual, Action, Arcade, Sandbox</a:t>
             </a:r>
           </a:p>
           <a:p>
@@ -26228,7 +26228,61 @@
             </a:pPr>
             <a:r>
               <a:rPr lang="en-US" dirty="0"/>
-              <a:t>text</a:t>
+              <a:t>from “reflection.io”</a:t>
+            </a:r>
+          </a:p>
+          <a:p>
+            <a:pPr marL="0" indent="0">
+              <a:buNone/>
+            </a:pPr>
+            <a:r>
+              <a:rPr lang="en-US" dirty="0"/>
+              <a:t>“brawlhalla”</a:t>
+            </a:r>
+          </a:p>
+          <a:p>
+            <a:r>
+              <a:rPr lang="en-US" dirty="0"/>
+              <a:t>10m total downloads (free)</a:t>
+            </a:r>
+          </a:p>
+          <a:p>
+            <a:r>
+              <a:rPr lang="en-US" dirty="0"/>
+              <a:t>1.02m new downloads per year</a:t>
+            </a:r>
+          </a:p>
+          <a:p>
+            <a:r>
+              <a:rPr lang="en-US" dirty="0"/>
+              <a:t>£325,000 revenue per year</a:t>
+            </a:r>
+          </a:p>
+          <a:p>
+            <a:pPr marL="0" indent="0">
+              <a:buNone/>
+            </a:pPr>
+            <a:r>
+              <a:rPr lang="en-US" dirty="0"/>
+              <a:t>“terraria”</a:t>
+            </a:r>
+          </a:p>
+          <a:p>
+            <a:r>
+              <a:rPr lang="en-US" dirty="0"/>
+              <a:t>1m total downloads (£4.59)</a:t>
+            </a:r>
+          </a:p>
+          <a:p>
+            <a:r>
+              <a:rPr lang="en-US" dirty="0"/>
+              <a:t>240k new downloads per year</a:t>
+            </a:r>
+          </a:p>
+          <a:p>
+            <a:r>
+              <a:rPr lang="en-US" dirty="0"/>
+              <a:t>£465,000 revenue per year</a:t>
             </a:r>
           </a:p>
         </p:txBody>
@@ -29956,6 +30010,15 @@
 </file>
 
 <file path=customXml/item1.xml><?xml version="1.0" encoding="utf-8"?>
+<?mso-contentType ?>
+<FormTemplates xmlns="http://schemas.microsoft.com/sharepoint/v3/contenttype/forms">
+  <Display>DocumentLibraryForm</Display>
+  <Edit>DocumentLibraryForm</Edit>
+  <New>DocumentLibraryForm</New>
+</FormTemplates>
+</file>
+
+<file path=customXml/item2.xml><?xml version="1.0" encoding="utf-8"?>
 <p:properties xmlns:p="http://schemas.microsoft.com/office/2006/metadata/properties" xmlns:xsi="http://www.w3.org/2001/XMLSchema-instance" xmlns:pc="http://schemas.microsoft.com/office/infopath/2007/PartnerControls">
   <documentManagement>
     <Status xmlns="71af3243-3dd4-4a8d-8c0d-dd76da1f02a5">Not started</Status>
@@ -29972,15 +30035,6 @@
     <MediaServiceKeyPoints xmlns="71af3243-3dd4-4a8d-8c0d-dd76da1f02a5" xsi:nil="true"/>
   </documentManagement>
 </p:properties>
-</file>
-
-<file path=customXml/item2.xml><?xml version="1.0" encoding="utf-8"?>
-<?mso-contentType ?>
-<FormTemplates xmlns="http://schemas.microsoft.com/sharepoint/v3/contenttype/forms">
-  <Display>DocumentLibraryForm</Display>
-  <Edit>DocumentLibraryForm</Edit>
-  <New>DocumentLibraryForm</New>
-</FormTemplates>
 </file>
 
 <file path=customXml/item3.xml><?xml version="1.0" encoding="utf-8"?>
@@ -30260,6 +30314,14 @@
 </file>
 
 <file path=customXml/itemProps1.xml><?xml version="1.0" encoding="utf-8"?>
+<ds:datastoreItem xmlns:ds="http://schemas.openxmlformats.org/officeDocument/2006/customXml" ds:itemID="{A5CCB28C-7D26-4A36-9CFC-D739C28F3D18}">
+  <ds:schemaRefs>
+    <ds:schemaRef ds:uri="http://schemas.microsoft.com/sharepoint/v3/contenttype/forms"/>
+  </ds:schemaRefs>
+</ds:datastoreItem>
+</file>
+
+<file path=customXml/itemProps2.xml><?xml version="1.0" encoding="utf-8"?>
 <ds:datastoreItem xmlns:ds="http://schemas.openxmlformats.org/officeDocument/2006/customXml" ds:itemID="{08757C30-AE9A-4680-90EB-19D282EC2B7C}">
   <ds:schemaRefs>
     <ds:schemaRef ds:uri="http://schemas.microsoft.com/office/2006/metadata/properties"/>
@@ -30267,14 +30329,6 @@
     <ds:schemaRef ds:uri="71af3243-3dd4-4a8d-8c0d-dd76da1f02a5"/>
     <ds:schemaRef ds:uri="http://schemas.microsoft.com/sharepoint/v3"/>
     <ds:schemaRef ds:uri="230e9df3-be65-4c73-a93b-d1236ebd677e"/>
-  </ds:schemaRefs>
-</ds:datastoreItem>
-</file>
-
-<file path=customXml/itemProps2.xml><?xml version="1.0" encoding="utf-8"?>
-<ds:datastoreItem xmlns:ds="http://schemas.openxmlformats.org/officeDocument/2006/customXml" ds:itemID="{A5CCB28C-7D26-4A36-9CFC-D739C28F3D18}">
-  <ds:schemaRefs>
-    <ds:schemaRef ds:uri="http://schemas.microsoft.com/sharepoint/v3/contenttype/forms"/>
   </ds:schemaRefs>
 </ds:datastoreItem>
 </file>

--- a/CT6018 Joe Mason s4001719.pptx
+++ b/CT6018 Joe Mason s4001719.pptx
@@ -23867,12 +23867,6 @@
                 <a:cs typeface="Arial" panose="020B0604020202020204" pitchFamily="34" charset="0"/>
               </a:rPr>
             </a:br>
-            <a:br>
-              <a:rPr lang="en-US" dirty="0">
-                <a:latin typeface="Arial" panose="020B0604020202020204" pitchFamily="34" charset="0"/>
-                <a:cs typeface="Arial" panose="020B0604020202020204" pitchFamily="34" charset="0"/>
-              </a:rPr>
-            </a:br>
             <a:r>
               <a:rPr lang="en-US" sz="5400" dirty="0">
                 <a:latin typeface="Arial" panose="020B0604020202020204" pitchFamily="34" charset="0"/>
@@ -24103,6 +24097,36 @@
           </a:p>
         </p:txBody>
       </p:sp>
+      <p:pic>
+        <p:nvPicPr>
+          <p:cNvPr id="3" name="Picture 2">
+            <a:extLst>
+              <a:ext uri="{FF2B5EF4-FFF2-40B4-BE49-F238E27FC236}">
+                <a16:creationId xmlns:a16="http://schemas.microsoft.com/office/drawing/2014/main" id="{10B72CAF-C024-4F09-BEEE-0AE8939558CA}"/>
+              </a:ext>
+            </a:extLst>
+          </p:cNvPr>
+          <p:cNvPicPr>
+            <a:picLocks noChangeAspect="1"/>
+          </p:cNvPicPr>
+          <p:nvPr/>
+        </p:nvPicPr>
+        <p:blipFill>
+          <a:blip r:embed="rId5"/>
+          <a:stretch>
+            <a:fillRect/>
+          </a:stretch>
+        </p:blipFill>
+        <p:spPr>
+          <a:xfrm>
+            <a:off x="931771" y="4428101"/>
+            <a:ext cx="2065166" cy="1763241"/>
+          </a:xfrm>
+          <a:prstGeom prst="rect">
+            <a:avLst/>
+          </a:prstGeom>
+        </p:spPr>
+      </p:pic>
     </p:spTree>
     <p:extLst>
       <p:ext uri="{BB962C8B-B14F-4D97-AF65-F5344CB8AC3E}">
@@ -24274,6 +24298,36 @@
             <a:off x="9144000" y="4532313"/>
             <a:ext cx="3048000" cy="2325687"/>
           </a:xfrm>
+        </p:spPr>
+      </p:pic>
+      <p:pic>
+        <p:nvPicPr>
+          <p:cNvPr id="2" name="Picture 1">
+            <a:extLst>
+              <a:ext uri="{FF2B5EF4-FFF2-40B4-BE49-F238E27FC236}">
+                <a16:creationId xmlns:a16="http://schemas.microsoft.com/office/drawing/2014/main" id="{B41E8AF8-A94F-A923-7CDC-AB49737D5F56}"/>
+              </a:ext>
+            </a:extLst>
+          </p:cNvPr>
+          <p:cNvPicPr>
+            <a:picLocks noChangeAspect="1"/>
+          </p:cNvPicPr>
+          <p:nvPr/>
+        </p:nvPicPr>
+        <p:blipFill>
+          <a:blip r:embed="rId4"/>
+          <a:stretch>
+            <a:fillRect/>
+          </a:stretch>
+        </p:blipFill>
+        <p:spPr>
+          <a:xfrm>
+            <a:off x="9635417" y="2129039"/>
+            <a:ext cx="2065166" cy="1763241"/>
+          </a:xfrm>
+          <a:prstGeom prst="rect">
+            <a:avLst/>
+          </a:prstGeom>
         </p:spPr>
       </p:pic>
     </p:spTree>
@@ -30010,15 +30064,6 @@
 </file>
 
 <file path=customXml/item1.xml><?xml version="1.0" encoding="utf-8"?>
-<?mso-contentType ?>
-<FormTemplates xmlns="http://schemas.microsoft.com/sharepoint/v3/contenttype/forms">
-  <Display>DocumentLibraryForm</Display>
-  <Edit>DocumentLibraryForm</Edit>
-  <New>DocumentLibraryForm</New>
-</FormTemplates>
-</file>
-
-<file path=customXml/item2.xml><?xml version="1.0" encoding="utf-8"?>
 <p:properties xmlns:p="http://schemas.microsoft.com/office/2006/metadata/properties" xmlns:xsi="http://www.w3.org/2001/XMLSchema-instance" xmlns:pc="http://schemas.microsoft.com/office/infopath/2007/PartnerControls">
   <documentManagement>
     <Status xmlns="71af3243-3dd4-4a8d-8c0d-dd76da1f02a5">Not started</Status>
@@ -30035,6 +30080,15 @@
     <MediaServiceKeyPoints xmlns="71af3243-3dd4-4a8d-8c0d-dd76da1f02a5" xsi:nil="true"/>
   </documentManagement>
 </p:properties>
+</file>
+
+<file path=customXml/item2.xml><?xml version="1.0" encoding="utf-8"?>
+<?mso-contentType ?>
+<FormTemplates xmlns="http://schemas.microsoft.com/sharepoint/v3/contenttype/forms">
+  <Display>DocumentLibraryForm</Display>
+  <Edit>DocumentLibraryForm</Edit>
+  <New>DocumentLibraryForm</New>
+</FormTemplates>
 </file>
 
 <file path=customXml/item3.xml><?xml version="1.0" encoding="utf-8"?>
@@ -30314,14 +30368,6 @@
 </file>
 
 <file path=customXml/itemProps1.xml><?xml version="1.0" encoding="utf-8"?>
-<ds:datastoreItem xmlns:ds="http://schemas.openxmlformats.org/officeDocument/2006/customXml" ds:itemID="{A5CCB28C-7D26-4A36-9CFC-D739C28F3D18}">
-  <ds:schemaRefs>
-    <ds:schemaRef ds:uri="http://schemas.microsoft.com/sharepoint/v3/contenttype/forms"/>
-  </ds:schemaRefs>
-</ds:datastoreItem>
-</file>
-
-<file path=customXml/itemProps2.xml><?xml version="1.0" encoding="utf-8"?>
 <ds:datastoreItem xmlns:ds="http://schemas.openxmlformats.org/officeDocument/2006/customXml" ds:itemID="{08757C30-AE9A-4680-90EB-19D282EC2B7C}">
   <ds:schemaRefs>
     <ds:schemaRef ds:uri="http://schemas.microsoft.com/office/2006/metadata/properties"/>
@@ -30329,6 +30375,14 @@
     <ds:schemaRef ds:uri="71af3243-3dd4-4a8d-8c0d-dd76da1f02a5"/>
     <ds:schemaRef ds:uri="http://schemas.microsoft.com/sharepoint/v3"/>
     <ds:schemaRef ds:uri="230e9df3-be65-4c73-a93b-d1236ebd677e"/>
+  </ds:schemaRefs>
+</ds:datastoreItem>
+</file>
+
+<file path=customXml/itemProps2.xml><?xml version="1.0" encoding="utf-8"?>
+<ds:datastoreItem xmlns:ds="http://schemas.openxmlformats.org/officeDocument/2006/customXml" ds:itemID="{A5CCB28C-7D26-4A36-9CFC-D739C28F3D18}">
+  <ds:schemaRefs>
+    <ds:schemaRef ds:uri="http://schemas.microsoft.com/sharepoint/v3/contenttype/forms"/>
   </ds:schemaRefs>
 </ds:datastoreItem>
 </file>

--- a/CT6018 Joe Mason s4001719.pptx
+++ b/CT6018 Joe Mason s4001719.pptx
@@ -16,9 +16,9 @@
     <p:sldId id="267" r:id="rId7"/>
     <p:sldId id="277" r:id="rId8"/>
     <p:sldId id="292" r:id="rId9"/>
-    <p:sldId id="279" r:id="rId10"/>
-    <p:sldId id="293" r:id="rId11"/>
-    <p:sldId id="280" r:id="rId12"/>
+    <p:sldId id="280" r:id="rId10"/>
+    <p:sldId id="279" r:id="rId11"/>
+    <p:sldId id="293" r:id="rId12"/>
     <p:sldId id="281" r:id="rId13"/>
     <p:sldId id="282" r:id="rId14"/>
     <p:sldId id="283" r:id="rId15"/>
@@ -3885,7 +3885,7 @@
           </a:pPr>
           <a:r>
             <a:rPr lang="en-US" sz="1800" b="0" i="0" dirty="0"/>
-            <a:t>Development planning, finalizing design</a:t>
+            <a:t>Development planning, finalising design</a:t>
           </a:r>
           <a:endParaRPr lang="en-US" sz="1800" dirty="0">
             <a:latin typeface="Calibri" charset="0"/>
@@ -5966,7 +5966,7 @@
           </a:pPr>
           <a:r>
             <a:rPr lang="en-US" sz="1800" b="0" i="0" kern="1200" dirty="0"/>
-            <a:t>Development planning, finalizing design</a:t>
+            <a:t>Development planning, finalising design</a:t>
           </a:r>
           <a:endParaRPr lang="en-US" sz="1800" kern="1200" dirty="0">
             <a:latin typeface="Calibri" charset="0"/>
@@ -19731,7 +19731,6 @@
           </a:bodyPr>
           <a:lstStyle/>
           <a:p>
-            <a:pPr algn="l"/>
             <a:r>
               <a:rPr lang="en-US" dirty="0"/>
               <a:t>Engagement</a:t>
@@ -19767,7 +19766,7 @@
           <a:p>
             <a:r>
               <a:rPr lang="en-US" dirty="0"/>
-              <a:t>Push notifications</a:t>
+              <a:t>Subtitle</a:t>
             </a:r>
           </a:p>
         </p:txBody>
@@ -19805,7 +19804,7 @@
             </a:pPr>
             <a:r>
               <a:rPr lang="en-US" dirty="0"/>
-              <a:t>Frequent rewards</a:t>
+              <a:t>text</a:t>
             </a:r>
           </a:p>
         </p:txBody>
@@ -21817,7 +21816,7 @@
             <p:ph sz="quarter" idx="14"/>
             <p:extLst>
               <p:ext uri="{D42A27DB-BD31-4B8C-83A1-F6EECF244321}">
-                <p14:modId xmlns:p14="http://schemas.microsoft.com/office/powerpoint/2010/main" val="3434726138"/>
+                <p14:modId xmlns:p14="http://schemas.microsoft.com/office/powerpoint/2010/main" val="1196551151"/>
               </p:ext>
             </p:extLst>
           </p:nvPr>
@@ -21980,7 +21979,7 @@
             <p:ph sz="quarter" idx="14"/>
             <p:extLst>
               <p:ext uri="{D42A27DB-BD31-4B8C-83A1-F6EECF244321}">
-                <p14:modId xmlns:p14="http://schemas.microsoft.com/office/powerpoint/2010/main" val="1718924170"/>
+                <p14:modId xmlns:p14="http://schemas.microsoft.com/office/powerpoint/2010/main" val="1010444478"/>
               </p:ext>
             </p:extLst>
           </p:nvPr>
@@ -22048,7 +22047,7 @@
                       <a:pPr algn="ctr"/>
                       <a:r>
                         <a:rPr lang="en-US" b="1" dirty="0"/>
-                        <a:t>Year</a:t>
+                        <a:t>Year End</a:t>
                       </a:r>
                     </a:p>
                   </a:txBody>
@@ -22210,7 +22209,7 @@
                     <a:p>
                       <a:r>
                         <a:rPr lang="en-US" dirty="0"/>
-                        <a:t>11%</a:t>
+                        <a:t>5%</a:t>
                       </a:r>
                     </a:p>
                   </a:txBody>
@@ -22296,7 +22295,7 @@
                     <a:p>
                       <a:r>
                         <a:rPr lang="en-US" dirty="0"/>
-                        <a:t>9%</a:t>
+                        <a:t>4%</a:t>
                       </a:r>
                     </a:p>
                   </a:txBody>
@@ -22382,7 +22381,7 @@
                     <a:p>
                       <a:r>
                         <a:rPr lang="en-US" dirty="0"/>
-                        <a:t>8%</a:t>
+                        <a:t>3%</a:t>
                       </a:r>
                     </a:p>
                   </a:txBody>
@@ -22468,7 +22467,7 @@
                     <a:p>
                       <a:r>
                         <a:rPr lang="en-US" dirty="0"/>
-                        <a:t>8%</a:t>
+                        <a:t>3%</a:t>
                       </a:r>
                     </a:p>
                   </a:txBody>
@@ -22706,11 +22705,16 @@
           </p:cNvGraphicFramePr>
           <p:nvPr>
             <p:ph sz="quarter" idx="14"/>
+            <p:extLst>
+              <p:ext uri="{D42A27DB-BD31-4B8C-83A1-F6EECF244321}">
+                <p14:modId xmlns:p14="http://schemas.microsoft.com/office/powerpoint/2010/main" val="2636604029"/>
+              </p:ext>
+            </p:extLst>
           </p:nvPr>
         </p:nvGraphicFramePr>
         <p:xfrm>
-          <a:off x="3422650" y="996950"/>
-          <a:ext cx="8368870" cy="4544290"/>
+          <a:off x="5243701" y="251840"/>
+          <a:ext cx="5021322" cy="6101970"/>
         </p:xfrm>
         <a:graphic>
           <a:graphicData uri="http://schemas.openxmlformats.org/drawingml/2006/table">
@@ -22719,44 +22723,51 @@
                 <a:tableStyleId>{8799B23B-EC83-4686-B30A-512413B5E67A}</a:tableStyleId>
               </a:tblPr>
               <a:tblGrid>
-                <a:gridCol w="1673774">
+                <a:gridCol w="836887">
                   <a:extLst>
                     <a:ext uri="{9D8B030D-6E8A-4147-A177-3AD203B41FA5}">
                       <a16:colId xmlns:a16="http://schemas.microsoft.com/office/drawing/2014/main" val="1517755082"/>
                     </a:ext>
                   </a:extLst>
                 </a:gridCol>
-                <a:gridCol w="1673774">
+                <a:gridCol w="836887">
+                  <a:extLst>
+                    <a:ext uri="{9D8B030D-6E8A-4147-A177-3AD203B41FA5}">
+                      <a16:colId xmlns:a16="http://schemas.microsoft.com/office/drawing/2014/main" val="3487105871"/>
+                    </a:ext>
+                  </a:extLst>
+                </a:gridCol>
+                <a:gridCol w="836887">
                   <a:extLst>
                     <a:ext uri="{9D8B030D-6E8A-4147-A177-3AD203B41FA5}">
                       <a16:colId xmlns:a16="http://schemas.microsoft.com/office/drawing/2014/main" val="2446386500"/>
                     </a:ext>
                   </a:extLst>
                 </a:gridCol>
-                <a:gridCol w="1673774">
+                <a:gridCol w="836887">
+                  <a:extLst>
+                    <a:ext uri="{9D8B030D-6E8A-4147-A177-3AD203B41FA5}">
+                      <a16:colId xmlns:a16="http://schemas.microsoft.com/office/drawing/2014/main" val="3653984742"/>
+                    </a:ext>
+                  </a:extLst>
+                </a:gridCol>
+                <a:gridCol w="836887">
                   <a:extLst>
                     <a:ext uri="{9D8B030D-6E8A-4147-A177-3AD203B41FA5}">
                       <a16:colId xmlns:a16="http://schemas.microsoft.com/office/drawing/2014/main" val="3308918160"/>
                     </a:ext>
                   </a:extLst>
                 </a:gridCol>
-                <a:gridCol w="1673774">
+                <a:gridCol w="836887">
                   <a:extLst>
                     <a:ext uri="{9D8B030D-6E8A-4147-A177-3AD203B41FA5}">
-                      <a16:colId xmlns:a16="http://schemas.microsoft.com/office/drawing/2014/main" val="1854486728"/>
-                    </a:ext>
-                  </a:extLst>
-                </a:gridCol>
-                <a:gridCol w="1673774">
-                  <a:extLst>
-                    <a:ext uri="{9D8B030D-6E8A-4147-A177-3AD203B41FA5}">
-                      <a16:colId xmlns:a16="http://schemas.microsoft.com/office/drawing/2014/main" val="1808496511"/>
+                      <a16:colId xmlns:a16="http://schemas.microsoft.com/office/drawing/2014/main" val="3257071900"/>
                     </a:ext>
                   </a:extLst>
                 </a:gridCol>
               </a:tblGrid>
-              <a:tr h="908858">
-                <a:tc>
+              <a:tr h="610197">
+                <a:tc rowSpan="2" gridSpan="2">
                   <a:txBody>
                     <a:bodyPr/>
                     <a:lstStyle/>
@@ -22766,6 +22777,16 @@
                     </a:p>
                   </a:txBody>
                   <a:tcPr anchor="ctr"/>
+                </a:tc>
+                <a:tc rowSpan="2" hMerge="1">
+                  <a:txBody>
+                    <a:bodyPr/>
+                    <a:lstStyle/>
+                    <a:p>
+                      <a:endParaRPr lang="en-GB"/>
+                    </a:p>
+                  </a:txBody>
+                  <a:tcPr/>
                 </a:tc>
                 <a:tc>
                   <a:txBody>
@@ -22779,7 +22800,7 @@
                             <a:schemeClr val="accent3"/>
                           </a:solidFill>
                         </a:rPr>
-                        <a:t>Category 1</a:t>
+                        <a:t>1</a:t>
                       </a:r>
                       <a:endParaRPr lang="en-US" sz="1800" b="1" dirty="0">
                         <a:solidFill>
@@ -22802,9 +22823,85 @@
                           <a:solidFill>
                             <a:schemeClr val="accent3"/>
                           </a:solidFill>
+                          <a:latin typeface="+mj-lt"/>
                         </a:rPr>
-                        <a:t>Category 2</a:t>
+                        <a:t>2</a:t>
                       </a:r>
+                    </a:p>
+                  </a:txBody>
+                  <a:tcPr anchor="ctr"/>
+                </a:tc>
+                <a:tc>
+                  <a:txBody>
+                    <a:bodyPr/>
+                    <a:lstStyle/>
+                    <a:p>
+                      <a:pPr algn="l"/>
+                      <a:r>
+                        <a:rPr lang="en-US" sz="1800" b="1" dirty="0">
+                          <a:solidFill>
+                            <a:schemeClr val="accent3"/>
+                          </a:solidFill>
+                          <a:latin typeface="+mj-lt"/>
+                        </a:rPr>
+                        <a:t>3</a:t>
+                      </a:r>
+                    </a:p>
+                  </a:txBody>
+                  <a:tcPr anchor="ctr"/>
+                </a:tc>
+                <a:tc>
+                  <a:txBody>
+                    <a:bodyPr/>
+                    <a:lstStyle/>
+                    <a:p>
+                      <a:pPr algn="l"/>
+                      <a:r>
+                        <a:rPr lang="en-US" sz="1800" b="1" dirty="0">
+                          <a:solidFill>
+                            <a:schemeClr val="accent3"/>
+                          </a:solidFill>
+                          <a:latin typeface="+mj-lt"/>
+                        </a:rPr>
+                        <a:t>4</a:t>
+                      </a:r>
+                    </a:p>
+                  </a:txBody>
+                  <a:tcPr anchor="ctr"/>
+                </a:tc>
+                <a:extLst>
+                  <a:ext uri="{0D108BD9-81ED-4DB2-BD59-A6C34878D82A}">
+                    <a16:rowId xmlns:a16="http://schemas.microsoft.com/office/drawing/2014/main" val="3100351803"/>
+                  </a:ext>
+                </a:extLst>
+              </a:tr>
+              <a:tr h="610197">
+                <a:tc gridSpan="2" vMerge="1">
+                  <a:txBody>
+                    <a:bodyPr/>
+                    <a:lstStyle/>
+                    <a:p>
+                      <a:endParaRPr lang="en-GB"/>
+                    </a:p>
+                  </a:txBody>
+                  <a:tcPr/>
+                </a:tc>
+                <a:tc hMerge="1" vMerge="1">
+                  <a:txBody>
+                    <a:bodyPr/>
+                    <a:lstStyle/>
+                    <a:p>
+                      <a:endParaRPr lang="en-GB"/>
+                    </a:p>
+                  </a:txBody>
+                  <a:tcPr/>
+                </a:tc>
+                <a:tc>
+                  <a:txBody>
+                    <a:bodyPr/>
+                    <a:lstStyle/>
+                    <a:p>
+                      <a:pPr algn="l"/>
                       <a:endParaRPr lang="en-US" sz="1800" b="1" dirty="0">
                         <a:solidFill>
                           <a:schemeClr val="accent3"/>
@@ -22821,14 +22918,6 @@
                     <a:lstStyle/>
                     <a:p>
                       <a:pPr algn="l"/>
-                      <a:r>
-                        <a:rPr lang="en-US" sz="1800" b="1" dirty="0">
-                          <a:solidFill>
-                            <a:schemeClr val="accent3"/>
-                          </a:solidFill>
-                        </a:rPr>
-                        <a:t>Category 3</a:t>
-                      </a:r>
                       <a:endParaRPr lang="en-US" sz="1800" b="1" dirty="0">
                         <a:solidFill>
                           <a:schemeClr val="accent3"/>
@@ -22845,15 +22934,23 @@
                     <a:lstStyle/>
                     <a:p>
                       <a:pPr algn="l"/>
-                      <a:r>
-                        <a:rPr lang="en-US" sz="1800" b="1" i="0" dirty="0">
-                          <a:solidFill>
-                            <a:schemeClr val="accent3"/>
-                          </a:solidFill>
-                        </a:rPr>
-                        <a:t>Category 4</a:t>
-                      </a:r>
-                      <a:endParaRPr lang="en-US" sz="1800" b="1" i="0" dirty="0">
+                      <a:endParaRPr lang="en-US" sz="1800" b="1" dirty="0">
+                        <a:solidFill>
+                          <a:schemeClr val="accent3"/>
+                        </a:solidFill>
+                        <a:latin typeface="+mj-lt"/>
+                      </a:endParaRPr>
+                    </a:p>
+                  </a:txBody>
+                  <a:tcPr anchor="ctr"/>
+                </a:tc>
+                <a:tc>
+                  <a:txBody>
+                    <a:bodyPr/>
+                    <a:lstStyle/>
+                    <a:p>
+                      <a:pPr algn="l"/>
+                      <a:endParaRPr lang="en-US" sz="1800" b="1" dirty="0">
                         <a:solidFill>
                           <a:schemeClr val="accent3"/>
                         </a:solidFill>
@@ -22865,11 +22962,11 @@
                 </a:tc>
                 <a:extLst>
                   <a:ext uri="{0D108BD9-81ED-4DB2-BD59-A6C34878D82A}">
-                    <a16:rowId xmlns:a16="http://schemas.microsoft.com/office/drawing/2014/main" val="3100351803"/>
+                    <a16:rowId xmlns:a16="http://schemas.microsoft.com/office/drawing/2014/main" val="3611474336"/>
                   </a:ext>
                 </a:extLst>
               </a:tr>
-              <a:tr h="908858">
+              <a:tr h="610197">
                 <a:tc>
                   <a:txBody>
                     <a:bodyPr/>
@@ -22877,7 +22974,7 @@
                     <a:p>
                       <a:r>
                         <a:rPr lang="en-US" dirty="0"/>
-                        <a:t>Item 1</a:t>
+                        <a:t>1</a:t>
                       </a:r>
                     </a:p>
                   </a:txBody>
@@ -22888,10 +22985,7 @@
                     <a:bodyPr/>
                     <a:lstStyle/>
                     <a:p>
-                      <a:r>
-                        <a:rPr lang="en-US" dirty="0"/>
-                        <a:t>4.5</a:t>
-                      </a:r>
+                      <a:endParaRPr lang="en-US" dirty="0"/>
                     </a:p>
                   </a:txBody>
                   <a:tcPr anchor="ctr"/>
@@ -22901,10 +22995,7 @@
                     <a:bodyPr/>
                     <a:lstStyle/>
                     <a:p>
-                      <a:r>
-                        <a:rPr lang="en-US" dirty="0"/>
-                        <a:t>2.3</a:t>
-                      </a:r>
+                      <a:endParaRPr lang="en-US" dirty="0"/>
                     </a:p>
                   </a:txBody>
                   <a:tcPr anchor="ctr"/>
@@ -22914,10 +23005,7 @@
                     <a:bodyPr/>
                     <a:lstStyle/>
                     <a:p>
-                      <a:r>
-                        <a:rPr lang="en-US" dirty="0"/>
-                        <a:t>1.7</a:t>
-                      </a:r>
+                      <a:endParaRPr lang="en-US" dirty="0"/>
                     </a:p>
                   </a:txBody>
                   <a:tcPr anchor="ctr"/>
@@ -22927,14 +23015,16 @@
                     <a:bodyPr/>
                     <a:lstStyle/>
                     <a:p>
-                      <a:r>
-                        <a:rPr lang="en-US" dirty="0"/>
-                        <a:t>5</a:t>
-                      </a:r>
-                      <a:r>
-                        <a:rPr lang="en-US" sz="1800" dirty="0"/>
-                        <a:t>.0</a:t>
-                      </a:r>
+                      <a:endParaRPr lang="en-US" dirty="0"/>
+                    </a:p>
+                  </a:txBody>
+                  <a:tcPr anchor="ctr"/>
+                </a:tc>
+                <a:tc>
+                  <a:txBody>
+                    <a:bodyPr/>
+                    <a:lstStyle/>
+                    <a:p>
                       <a:endParaRPr lang="en-US" dirty="0"/>
                     </a:p>
                   </a:txBody>
@@ -22946,7 +23036,7 @@
                   </a:ext>
                 </a:extLst>
               </a:tr>
-              <a:tr h="908858">
+              <a:tr h="610197">
                 <a:tc>
                   <a:txBody>
                     <a:bodyPr/>
@@ -22954,7 +23044,7 @@
                     <a:p>
                       <a:r>
                         <a:rPr lang="en-US" dirty="0"/>
-                        <a:t>Item 2</a:t>
+                        <a:t>2</a:t>
                       </a:r>
                     </a:p>
                   </a:txBody>
@@ -22965,9 +23055,66 @@
                     <a:bodyPr/>
                     <a:lstStyle/>
                     <a:p>
+                      <a:endParaRPr lang="en-US" dirty="0"/>
+                    </a:p>
+                  </a:txBody>
+                  <a:tcPr anchor="ctr"/>
+                </a:tc>
+                <a:tc>
+                  <a:txBody>
+                    <a:bodyPr/>
+                    <a:lstStyle/>
+                    <a:p>
+                      <a:endParaRPr lang="en-US" dirty="0"/>
+                    </a:p>
+                  </a:txBody>
+                  <a:tcPr anchor="ctr"/>
+                </a:tc>
+                <a:tc>
+                  <a:txBody>
+                    <a:bodyPr/>
+                    <a:lstStyle/>
+                    <a:p>
+                      <a:endParaRPr lang="en-US" dirty="0"/>
+                    </a:p>
+                  </a:txBody>
+                  <a:tcPr anchor="ctr"/>
+                </a:tc>
+                <a:tc>
+                  <a:txBody>
+                    <a:bodyPr/>
+                    <a:lstStyle/>
+                    <a:p>
+                      <a:endParaRPr lang="en-US" dirty="0"/>
+                    </a:p>
+                  </a:txBody>
+                  <a:tcPr anchor="ctr"/>
+                </a:tc>
+                <a:tc>
+                  <a:txBody>
+                    <a:bodyPr/>
+                    <a:lstStyle/>
+                    <a:p>
+                      <a:endParaRPr lang="en-US" dirty="0"/>
+                    </a:p>
+                  </a:txBody>
+                  <a:tcPr anchor="ctr"/>
+                </a:tc>
+                <a:extLst>
+                  <a:ext uri="{0D108BD9-81ED-4DB2-BD59-A6C34878D82A}">
+                    <a16:rowId xmlns:a16="http://schemas.microsoft.com/office/drawing/2014/main" val="604734159"/>
+                  </a:ext>
+                </a:extLst>
+              </a:tr>
+              <a:tr h="610197">
+                <a:tc>
+                  <a:txBody>
+                    <a:bodyPr/>
+                    <a:lstStyle/>
+                    <a:p>
                       <a:r>
                         <a:rPr lang="en-US" dirty="0"/>
-                        <a:t>3.2</a:t>
+                        <a:t>3</a:t>
                       </a:r>
                     </a:p>
                   </a:txBody>
@@ -22978,10 +23125,7 @@
                     <a:bodyPr/>
                     <a:lstStyle/>
                     <a:p>
-                      <a:r>
-                        <a:rPr lang="en-US" dirty="0"/>
-                        <a:t>5.1</a:t>
-                      </a:r>
+                      <a:endParaRPr lang="en-US" dirty="0"/>
                     </a:p>
                   </a:txBody>
                   <a:tcPr anchor="ctr"/>
@@ -22991,10 +23135,7 @@
                     <a:bodyPr/>
                     <a:lstStyle/>
                     <a:p>
-                      <a:r>
-                        <a:rPr lang="en-US" dirty="0"/>
-                        <a:t>4.4</a:t>
-                      </a:r>
+                      <a:endParaRPr lang="en-US" dirty="0"/>
                     </a:p>
                   </a:txBody>
                   <a:tcPr anchor="ctr"/>
@@ -23004,14 +23145,26 @@
                     <a:bodyPr/>
                     <a:lstStyle/>
                     <a:p>
-                      <a:r>
-                        <a:rPr lang="en-US" dirty="0"/>
-                        <a:t>3</a:t>
-                      </a:r>
-                      <a:r>
-                        <a:rPr lang="en-US" sz="1800" dirty="0"/>
-                        <a:t>.0</a:t>
-                      </a:r>
+                      <a:endParaRPr lang="en-US" dirty="0"/>
+                    </a:p>
+                  </a:txBody>
+                  <a:tcPr anchor="ctr"/>
+                </a:tc>
+                <a:tc>
+                  <a:txBody>
+                    <a:bodyPr/>
+                    <a:lstStyle/>
+                    <a:p>
+                      <a:endParaRPr lang="en-US" dirty="0"/>
+                    </a:p>
+                  </a:txBody>
+                  <a:tcPr anchor="ctr"/>
+                </a:tc>
+                <a:tc>
+                  <a:txBody>
+                    <a:bodyPr/>
+                    <a:lstStyle/>
+                    <a:p>
                       <a:endParaRPr lang="en-US" dirty="0"/>
                     </a:p>
                   </a:txBody>
@@ -23023,7 +23176,7 @@
                   </a:ext>
                 </a:extLst>
               </a:tr>
-              <a:tr h="908858">
+              <a:tr h="610197">
                 <a:tc>
                   <a:txBody>
                     <a:bodyPr/>
@@ -23031,7 +23184,7 @@
                     <a:p>
                       <a:r>
                         <a:rPr lang="en-US" dirty="0"/>
-                        <a:t>Item 3</a:t>
+                        <a:t>4</a:t>
                       </a:r>
                     </a:p>
                   </a:txBody>
@@ -23042,9 +23195,66 @@
                     <a:bodyPr/>
                     <a:lstStyle/>
                     <a:p>
+                      <a:endParaRPr lang="en-US" dirty="0"/>
+                    </a:p>
+                  </a:txBody>
+                  <a:tcPr anchor="ctr"/>
+                </a:tc>
+                <a:tc>
+                  <a:txBody>
+                    <a:bodyPr/>
+                    <a:lstStyle/>
+                    <a:p>
+                      <a:endParaRPr lang="en-US" dirty="0"/>
+                    </a:p>
+                  </a:txBody>
+                  <a:tcPr anchor="ctr"/>
+                </a:tc>
+                <a:tc>
+                  <a:txBody>
+                    <a:bodyPr/>
+                    <a:lstStyle/>
+                    <a:p>
+                      <a:endParaRPr lang="en-US" dirty="0"/>
+                    </a:p>
+                  </a:txBody>
+                  <a:tcPr anchor="ctr"/>
+                </a:tc>
+                <a:tc>
+                  <a:txBody>
+                    <a:bodyPr/>
+                    <a:lstStyle/>
+                    <a:p>
+                      <a:endParaRPr lang="en-US" dirty="0"/>
+                    </a:p>
+                  </a:txBody>
+                  <a:tcPr anchor="ctr"/>
+                </a:tc>
+                <a:tc>
+                  <a:txBody>
+                    <a:bodyPr/>
+                    <a:lstStyle/>
+                    <a:p>
+                      <a:endParaRPr lang="en-US" dirty="0"/>
+                    </a:p>
+                  </a:txBody>
+                  <a:tcPr anchor="ctr"/>
+                </a:tc>
+                <a:extLst>
+                  <a:ext uri="{0D108BD9-81ED-4DB2-BD59-A6C34878D82A}">
+                    <a16:rowId xmlns:a16="http://schemas.microsoft.com/office/drawing/2014/main" val="488714188"/>
+                  </a:ext>
+                </a:extLst>
+              </a:tr>
+              <a:tr h="610197">
+                <a:tc>
+                  <a:txBody>
+                    <a:bodyPr/>
+                    <a:lstStyle/>
+                    <a:p>
                       <a:r>
                         <a:rPr lang="en-US" dirty="0"/>
-                        <a:t>2.1</a:t>
+                        <a:t>5</a:t>
                       </a:r>
                     </a:p>
                   </a:txBody>
@@ -23055,9 +23265,66 @@
                     <a:bodyPr/>
                     <a:lstStyle/>
                     <a:p>
+                      <a:endParaRPr lang="en-US" dirty="0"/>
+                    </a:p>
+                  </a:txBody>
+                  <a:tcPr anchor="ctr"/>
+                </a:tc>
+                <a:tc>
+                  <a:txBody>
+                    <a:bodyPr/>
+                    <a:lstStyle/>
+                    <a:p>
+                      <a:endParaRPr lang="en-US" dirty="0"/>
+                    </a:p>
+                  </a:txBody>
+                  <a:tcPr anchor="ctr"/>
+                </a:tc>
+                <a:tc>
+                  <a:txBody>
+                    <a:bodyPr/>
+                    <a:lstStyle/>
+                    <a:p>
+                      <a:endParaRPr lang="en-US" dirty="0"/>
+                    </a:p>
+                  </a:txBody>
+                  <a:tcPr anchor="ctr"/>
+                </a:tc>
+                <a:tc>
+                  <a:txBody>
+                    <a:bodyPr/>
+                    <a:lstStyle/>
+                    <a:p>
+                      <a:endParaRPr lang="en-US" dirty="0"/>
+                    </a:p>
+                  </a:txBody>
+                  <a:tcPr anchor="ctr"/>
+                </a:tc>
+                <a:tc>
+                  <a:txBody>
+                    <a:bodyPr/>
+                    <a:lstStyle/>
+                    <a:p>
+                      <a:endParaRPr lang="en-US" dirty="0"/>
+                    </a:p>
+                  </a:txBody>
+                  <a:tcPr anchor="ctr"/>
+                </a:tc>
+                <a:extLst>
+                  <a:ext uri="{0D108BD9-81ED-4DB2-BD59-A6C34878D82A}">
+                    <a16:rowId xmlns:a16="http://schemas.microsoft.com/office/drawing/2014/main" val="3923311043"/>
+                  </a:ext>
+                </a:extLst>
+              </a:tr>
+              <a:tr h="610197">
+                <a:tc>
+                  <a:txBody>
+                    <a:bodyPr/>
+                    <a:lstStyle/>
+                    <a:p>
                       <a:r>
                         <a:rPr lang="en-US" dirty="0"/>
-                        <a:t>1.7</a:t>
+                        <a:t>6</a:t>
                       </a:r>
                     </a:p>
                   </a:txBody>
@@ -23068,9 +23335,66 @@
                     <a:bodyPr/>
                     <a:lstStyle/>
                     <a:p>
+                      <a:endParaRPr lang="en-US" dirty="0"/>
+                    </a:p>
+                  </a:txBody>
+                  <a:tcPr anchor="ctr"/>
+                </a:tc>
+                <a:tc>
+                  <a:txBody>
+                    <a:bodyPr/>
+                    <a:lstStyle/>
+                    <a:p>
+                      <a:endParaRPr lang="en-US" dirty="0"/>
+                    </a:p>
+                  </a:txBody>
+                  <a:tcPr anchor="ctr"/>
+                </a:tc>
+                <a:tc>
+                  <a:txBody>
+                    <a:bodyPr/>
+                    <a:lstStyle/>
+                    <a:p>
+                      <a:endParaRPr lang="en-US" dirty="0"/>
+                    </a:p>
+                  </a:txBody>
+                  <a:tcPr anchor="ctr"/>
+                </a:tc>
+                <a:tc>
+                  <a:txBody>
+                    <a:bodyPr/>
+                    <a:lstStyle/>
+                    <a:p>
+                      <a:endParaRPr lang="en-US" dirty="0"/>
+                    </a:p>
+                  </a:txBody>
+                  <a:tcPr anchor="ctr"/>
+                </a:tc>
+                <a:tc>
+                  <a:txBody>
+                    <a:bodyPr/>
+                    <a:lstStyle/>
+                    <a:p>
+                      <a:endParaRPr lang="en-US" dirty="0"/>
+                    </a:p>
+                  </a:txBody>
+                  <a:tcPr anchor="ctr"/>
+                </a:tc>
+                <a:extLst>
+                  <a:ext uri="{0D108BD9-81ED-4DB2-BD59-A6C34878D82A}">
+                    <a16:rowId xmlns:a16="http://schemas.microsoft.com/office/drawing/2014/main" val="712505685"/>
+                  </a:ext>
+                </a:extLst>
+              </a:tr>
+              <a:tr h="610197">
+                <a:tc>
+                  <a:txBody>
+                    <a:bodyPr/>
+                    <a:lstStyle/>
+                    <a:p>
                       <a:r>
                         <a:rPr lang="en-US" dirty="0"/>
-                        <a:t>2.5</a:t>
+                        <a:t>7</a:t>
                       </a:r>
                     </a:p>
                   </a:txBody>
@@ -23081,21 +23405,58 @@
                     <a:bodyPr/>
                     <a:lstStyle/>
                     <a:p>
-                      <a:r>
-                        <a:rPr lang="en-US" dirty="0"/>
-                        <a:t>2.8</a:t>
-                      </a:r>
+                      <a:endParaRPr lang="en-US" dirty="0"/>
+                    </a:p>
+                  </a:txBody>
+                  <a:tcPr anchor="ctr"/>
+                </a:tc>
+                <a:tc>
+                  <a:txBody>
+                    <a:bodyPr/>
+                    <a:lstStyle/>
+                    <a:p>
+                      <a:endParaRPr lang="en-US" dirty="0"/>
+                    </a:p>
+                  </a:txBody>
+                  <a:tcPr anchor="ctr"/>
+                </a:tc>
+                <a:tc>
+                  <a:txBody>
+                    <a:bodyPr/>
+                    <a:lstStyle/>
+                    <a:p>
+                      <a:endParaRPr lang="en-US" dirty="0"/>
+                    </a:p>
+                  </a:txBody>
+                  <a:tcPr anchor="ctr"/>
+                </a:tc>
+                <a:tc>
+                  <a:txBody>
+                    <a:bodyPr/>
+                    <a:lstStyle/>
+                    <a:p>
+                      <a:endParaRPr lang="en-US" dirty="0"/>
+                    </a:p>
+                  </a:txBody>
+                  <a:tcPr anchor="ctr"/>
+                </a:tc>
+                <a:tc>
+                  <a:txBody>
+                    <a:bodyPr/>
+                    <a:lstStyle/>
+                    <a:p>
+                      <a:endParaRPr lang="en-US" dirty="0"/>
                     </a:p>
                   </a:txBody>
                   <a:tcPr anchor="ctr"/>
                 </a:tc>
                 <a:extLst>
                   <a:ext uri="{0D108BD9-81ED-4DB2-BD59-A6C34878D82A}">
-                    <a16:rowId xmlns:a16="http://schemas.microsoft.com/office/drawing/2014/main" val="3923311043"/>
+                    <a16:rowId xmlns:a16="http://schemas.microsoft.com/office/drawing/2014/main" val="2046739586"/>
                   </a:ext>
                 </a:extLst>
               </a:tr>
-              <a:tr h="908858">
+              <a:tr h="610197">
                 <a:tc>
                   <a:txBody>
                     <a:bodyPr/>
@@ -23103,7 +23464,7 @@
                     <a:p>
                       <a:r>
                         <a:rPr lang="en-US" dirty="0"/>
-                        <a:t>Item 4</a:t>
+                        <a:t>8</a:t>
                       </a:r>
                     </a:p>
                   </a:txBody>
@@ -23114,10 +23475,7 @@
                     <a:bodyPr/>
                     <a:lstStyle/>
                     <a:p>
-                      <a:r>
-                        <a:rPr lang="en-US" dirty="0"/>
-                        <a:t>4.5</a:t>
-                      </a:r>
+                      <a:endParaRPr lang="en-US" dirty="0"/>
                     </a:p>
                   </a:txBody>
                   <a:tcPr anchor="ctr"/>
@@ -23127,10 +23485,7 @@
                     <a:bodyPr/>
                     <a:lstStyle/>
                     <a:p>
-                      <a:r>
-                        <a:rPr lang="en-US" dirty="0"/>
-                        <a:t>2.2</a:t>
-                      </a:r>
+                      <a:endParaRPr lang="en-US" dirty="0"/>
                     </a:p>
                   </a:txBody>
                   <a:tcPr anchor="ctr"/>
@@ -23140,10 +23495,7 @@
                     <a:bodyPr/>
                     <a:lstStyle/>
                     <a:p>
-                      <a:r>
-                        <a:rPr lang="en-US" dirty="0"/>
-                        <a:t>1.7</a:t>
-                      </a:r>
+                      <a:endParaRPr lang="en-US" dirty="0"/>
                     </a:p>
                   </a:txBody>
                   <a:tcPr anchor="ctr"/>
@@ -23153,14 +23505,16 @@
                     <a:bodyPr/>
                     <a:lstStyle/>
                     <a:p>
-                      <a:r>
-                        <a:rPr lang="en-US" dirty="0"/>
-                        <a:t>7</a:t>
-                      </a:r>
-                      <a:r>
-                        <a:rPr lang="en-US" sz="1800" dirty="0"/>
-                        <a:t>.0</a:t>
-                      </a:r>
+                      <a:endParaRPr lang="en-US" dirty="0"/>
+                    </a:p>
+                  </a:txBody>
+                  <a:tcPr anchor="ctr"/>
+                </a:tc>
+                <a:tc>
+                  <a:txBody>
+                    <a:bodyPr/>
+                    <a:lstStyle/>
+                    <a:p>
                       <a:endParaRPr lang="en-US" dirty="0"/>
                     </a:p>
                   </a:txBody>
@@ -23168,7 +23522,7 @@
                 </a:tc>
                 <a:extLst>
                   <a:ext uri="{0D108BD9-81ED-4DB2-BD59-A6C34878D82A}">
-                    <a16:rowId xmlns:a16="http://schemas.microsoft.com/office/drawing/2014/main" val="2046739586"/>
+                    <a16:rowId xmlns:a16="http://schemas.microsoft.com/office/drawing/2014/main" val="972880320"/>
                   </a:ext>
                 </a:extLst>
               </a:tr>
@@ -24501,7 +24855,7 @@
                 <a:latin typeface="Arial" panose="020B0604020202020204" pitchFamily="34" charset="0"/>
                 <a:cs typeface="Arial" panose="020B0604020202020204" pitchFamily="34" charset="0"/>
               </a:rPr>
-              <a:t>Mine, fight and build to outplay your opponents in fast-paced, real-time battles.</a:t>
+              <a:t>Mine, fight and build to outplay your opponents in fast-paced, real-time battles</a:t>
             </a:r>
           </a:p>
           <a:p>
@@ -24525,7 +24879,7 @@
                 <a:latin typeface="Arial" panose="020B0604020202020204" pitchFamily="34" charset="0"/>
                 <a:cs typeface="Arial" panose="020B0604020202020204" pitchFamily="34" charset="0"/>
               </a:rPr>
-              <a:t>Casual, Action, Arcade, Sandbox</a:t>
+              <a:t>Casual, Action, Sandbox, Platformer</a:t>
             </a:r>
           </a:p>
           <a:p>
@@ -26324,7 +26678,7 @@
           <a:p>
             <a:r>
               <a:rPr lang="en-US" dirty="0"/>
-              <a:t>1m total downloads (£4.59)</a:t>
+              <a:t>1.9m total downloads (£4.59)</a:t>
             </a:r>
           </a:p>
           <a:p>
@@ -26555,10 +26909,10 @@
       </p:grpSpPr>
       <p:sp useBgFill="1">
         <p:nvSpPr>
-          <p:cNvPr id="46" name="Rectangle 45">
+          <p:cNvPr id="30" name="Rectangle 29">
             <a:extLst>
               <a:ext uri="{FF2B5EF4-FFF2-40B4-BE49-F238E27FC236}">
-                <a16:creationId xmlns:a16="http://schemas.microsoft.com/office/drawing/2014/main" id="{DA9750BD-DA78-42B2-B5A4-A84E29984CD9}"/>
+                <a16:creationId xmlns:a16="http://schemas.microsoft.com/office/drawing/2014/main" id="{352D3BCF-5FFD-4370-BBC0-949A4CAEC1CF}"/>
               </a:ext>
               <a:ext uri="{C183D7F6-B498-43B3-948B-1728B52AA6E4}">
                 <adec:decorative xmlns:adec="http://schemas.microsoft.com/office/drawing/2017/decorative" val="1"/>
@@ -26631,10 +26985,10 @@
       </p:sp>
       <p:sp>
         <p:nvSpPr>
-          <p:cNvPr id="48" name="Rectangle 47">
+          <p:cNvPr id="32" name="Rectangle 31">
             <a:extLst>
               <a:ext uri="{FF2B5EF4-FFF2-40B4-BE49-F238E27FC236}">
-                <a16:creationId xmlns:a16="http://schemas.microsoft.com/office/drawing/2014/main" id="{C606A26C-8C0A-411E-BF72-5EE06043487A}"/>
+                <a16:creationId xmlns:a16="http://schemas.microsoft.com/office/drawing/2014/main" id="{5AF7891E-857B-435C-B27A-FAA12E672772}"/>
               </a:ext>
               <a:ext uri="{C183D7F6-B498-43B3-948B-1728B52AA6E4}">
                 <adec:decorative xmlns:adec="http://schemas.microsoft.com/office/drawing/2017/decorative" val="1"/>
@@ -26655,7 +27009,7 @@
         <p:spPr>
           <a:xfrm>
             <a:off x="0" y="0"/>
-            <a:ext cx="3048000" cy="6858000"/>
+            <a:ext cx="12192000" cy="1150467"/>
           </a:xfrm>
           <a:prstGeom prst="rect">
             <a:avLst/>
@@ -26691,10 +27045,10 @@
       </p:sp>
       <p:sp>
         <p:nvSpPr>
-          <p:cNvPr id="41" name="Title 40">
+          <p:cNvPr id="25" name="Title 24">
             <a:extLst>
               <a:ext uri="{FF2B5EF4-FFF2-40B4-BE49-F238E27FC236}">
-                <a16:creationId xmlns:a16="http://schemas.microsoft.com/office/drawing/2014/main" id="{0622F47C-D986-4C50-BD14-2C1E537C27FB}"/>
+                <a16:creationId xmlns:a16="http://schemas.microsoft.com/office/drawing/2014/main" id="{330F6403-11BB-440A-81D1-11DAFA7ABF5D}"/>
               </a:ext>
             </a:extLst>
           </p:cNvPr>
@@ -26707,68 +27061,38 @@
         </p:nvSpPr>
         <p:spPr>
           <a:xfrm>
-            <a:off x="126281" y="637886"/>
-            <a:ext cx="1826375" cy="1567986"/>
+            <a:off x="990599" y="190500"/>
+            <a:ext cx="10336013" cy="773777"/>
           </a:xfrm>
         </p:spPr>
         <p:txBody>
-          <a:bodyPr vert="horz" lIns="91440" tIns="45720" rIns="91440" bIns="45720" rtlCol="0" anchor="t">
+          <a:bodyPr vert="horz" lIns="91440" tIns="45720" rIns="91440" bIns="45720" rtlCol="0" anchor="ctr">
             <a:normAutofit/>
           </a:bodyPr>
           <a:lstStyle/>
           <a:p>
-            <a:pPr algn="l">
+            <a:pPr algn="r">
               <a:lnSpc>
                 <a:spcPct val="90000"/>
               </a:lnSpc>
             </a:pPr>
             <a:r>
-              <a:rPr lang="en-US" sz="2800" spc="-40" dirty="0">
+              <a:rPr lang="en-US" sz="4300" spc="-40" dirty="0">
                 <a:solidFill>
                   <a:srgbClr val="FFFFFF"/>
                 </a:solidFill>
               </a:rPr>
-              <a:t>Market Potential</a:t>
+              <a:t>Unique Selling Point</a:t>
             </a:r>
           </a:p>
         </p:txBody>
       </p:sp>
-      <p:pic>
-        <p:nvPicPr>
-          <p:cNvPr id="27" name="Picture 26">
+      <p:sp>
+        <p:nvSpPr>
+          <p:cNvPr id="4" name="Footer Placeholder 3">
             <a:extLst>
               <a:ext uri="{FF2B5EF4-FFF2-40B4-BE49-F238E27FC236}">
-                <a16:creationId xmlns:a16="http://schemas.microsoft.com/office/drawing/2014/main" id="{33091F32-F283-B9C7-4380-2B1AA98AC228}"/>
-              </a:ext>
-            </a:extLst>
-          </p:cNvPr>
-          <p:cNvPicPr>
-            <a:picLocks noChangeAspect="1"/>
-          </p:cNvPicPr>
-          <p:nvPr/>
-        </p:nvPicPr>
-        <p:blipFill>
-          <a:blip r:embed="rId2"/>
-          <a:stretch>
-            <a:fillRect/>
-          </a:stretch>
-        </p:blipFill>
-        <p:spPr>
-          <a:xfrm>
-            <a:off x="5192927" y="76738"/>
-            <a:ext cx="6490288" cy="3326271"/>
-          </a:xfrm>
-          <a:prstGeom prst="rect">
-            <a:avLst/>
-          </a:prstGeom>
-        </p:spPr>
-      </p:pic>
-      <p:sp>
-        <p:nvSpPr>
-          <p:cNvPr id="2" name="Footer Placeholder 1">
-            <a:extLst>
-              <a:ext uri="{FF2B5EF4-FFF2-40B4-BE49-F238E27FC236}">
-                <a16:creationId xmlns:a16="http://schemas.microsoft.com/office/drawing/2014/main" id="{2C20C49D-5E38-4E7C-A240-4B2D015F3AC7}"/>
+                <a16:creationId xmlns:a16="http://schemas.microsoft.com/office/drawing/2014/main" id="{1C63F48C-BFC1-4227-8BB0-C06C473D6F55}"/>
               </a:ext>
             </a:extLst>
           </p:cNvPr>
@@ -26782,7 +27106,7 @@
         <p:spPr>
           <a:xfrm>
             <a:off x="201168" y="6356350"/>
-            <a:ext cx="2713482" cy="365125"/>
+            <a:ext cx="4837176" cy="365125"/>
           </a:xfrm>
         </p:spPr>
         <p:txBody>
@@ -26799,7 +27123,7 @@
             <a:r>
               <a:rPr lang="en-US" kern="1200" noProof="0">
                 <a:solidFill>
-                  <a:srgbClr val="FFFFFF"/>
+                  <a:schemeClr val="tx1"/>
                 </a:solidFill>
                 <a:latin typeface="+mn-lt"/>
                 <a:ea typeface="+mn-ea"/>
@@ -26815,7 +27139,7 @@
           <p:cNvPr id="3" name="Date Placeholder 2">
             <a:extLst>
               <a:ext uri="{FF2B5EF4-FFF2-40B4-BE49-F238E27FC236}">
-                <a16:creationId xmlns:a16="http://schemas.microsoft.com/office/drawing/2014/main" id="{9CE6D34A-9686-45B2-97D0-AD20167B2D54}"/>
+                <a16:creationId xmlns:a16="http://schemas.microsoft.com/office/drawing/2014/main" id="{1E532E67-6C01-41FF-AA5B-AEEE3DFA51CB}"/>
               </a:ext>
             </a:extLst>
           </p:cNvPr>
@@ -26853,10 +27177,10 @@
       </p:sp>
       <p:sp>
         <p:nvSpPr>
-          <p:cNvPr id="4" name="Slide Number Placeholder 3">
+          <p:cNvPr id="5" name="Slide Number Placeholder 4">
             <a:extLst>
               <a:ext uri="{FF2B5EF4-FFF2-40B4-BE49-F238E27FC236}">
-                <a16:creationId xmlns:a16="http://schemas.microsoft.com/office/drawing/2014/main" id="{AC0EC6D8-4D66-4B16-AD3F-2850D613518A}"/>
+                <a16:creationId xmlns:a16="http://schemas.microsoft.com/office/drawing/2014/main" id="{AA33C4C9-9778-4A59-9001-6EC6F52349CA}"/>
               </a:ext>
             </a:extLst>
           </p:cNvPr>
@@ -26897,215 +27221,44 @@
           </a:p>
         </p:txBody>
       </p:sp>
-      <p:pic>
-        <p:nvPicPr>
-          <p:cNvPr id="30" name="Picture 29">
+      <p:graphicFrame>
+        <p:nvGraphicFramePr>
+          <p:cNvPr id="20" name="Content Placeholder 3">
             <a:extLst>
               <a:ext uri="{FF2B5EF4-FFF2-40B4-BE49-F238E27FC236}">
-                <a16:creationId xmlns:a16="http://schemas.microsoft.com/office/drawing/2014/main" id="{87246A19-C527-A977-2EF3-43FB2869CF04}"/>
+                <a16:creationId xmlns:a16="http://schemas.microsoft.com/office/drawing/2014/main" id="{76386ECC-44D1-4D37-AF78-36503EACC84D}"/>
+              </a:ext>
+              <a:ext uri="{C183D7F6-B498-43B3-948B-1728B52AA6E4}">
+                <adec:decorative xmlns:adec="http://schemas.microsoft.com/office/drawing/2017/decorative" val="1"/>
               </a:ext>
             </a:extLst>
           </p:cNvPr>
-          <p:cNvPicPr>
-            <a:picLocks noChangeAspect="1"/>
-          </p:cNvPicPr>
-          <p:nvPr/>
-        </p:nvPicPr>
-        <p:blipFill>
-          <a:blip r:embed="rId3"/>
-          <a:stretch>
-            <a:fillRect/>
-          </a:stretch>
-        </p:blipFill>
-        <p:spPr>
-          <a:xfrm>
-            <a:off x="1897498" y="0"/>
-            <a:ext cx="1375162" cy="6858000"/>
-          </a:xfrm>
-          <a:prstGeom prst="rect">
-            <a:avLst/>
-          </a:prstGeom>
-        </p:spPr>
-      </p:pic>
-      <p:sp>
-        <p:nvSpPr>
-          <p:cNvPr id="25" name="TextBox 24">
-            <a:extLst>
-              <a:ext uri="{FF2B5EF4-FFF2-40B4-BE49-F238E27FC236}">
-                <a16:creationId xmlns:a16="http://schemas.microsoft.com/office/drawing/2014/main" id="{6FDEE004-1220-7B14-EDF9-5227528EB89D}"/>
-              </a:ext>
-            </a:extLst>
-          </p:cNvPr>
-          <p:cNvSpPr txBox="1"/>
-          <p:nvPr/>
-        </p:nvSpPr>
-        <p:spPr>
-          <a:xfrm>
-            <a:off x="2178523" y="274262"/>
-            <a:ext cx="2697059" cy="2931222"/>
-          </a:xfrm>
-          <a:prstGeom prst="rect">
-            <a:avLst/>
-          </a:prstGeom>
-        </p:spPr>
-        <p:txBody>
-          <a:bodyPr vert="horz" lIns="91440" tIns="45720" rIns="91440" bIns="45720" rtlCol="0">
-            <a:normAutofit/>
-          </a:bodyPr>
-          <a:lstStyle/>
-          <a:p>
-            <a:pPr>
-              <a:lnSpc>
-                <a:spcPct val="110000"/>
-              </a:lnSpc>
-              <a:spcAft>
-                <a:spcPts val="600"/>
-              </a:spcAft>
-            </a:pPr>
-            <a:r>
-              <a:rPr lang="en-US" sz="1600" spc="-20" dirty="0"/>
-              <a:t>Number of Unity games</a:t>
-            </a:r>
-          </a:p>
-          <a:p>
-            <a:pPr>
-              <a:lnSpc>
-                <a:spcPct val="110000"/>
-              </a:lnSpc>
-              <a:spcAft>
-                <a:spcPts val="600"/>
-              </a:spcAft>
-            </a:pPr>
-            <a:r>
-              <a:rPr lang="en-US" sz="1600" spc="-20" dirty="0"/>
-              <a:t>published per genre.</a:t>
-            </a:r>
-          </a:p>
-          <a:p>
-            <a:pPr indent="-228600">
-              <a:lnSpc>
-                <a:spcPct val="110000"/>
-              </a:lnSpc>
-              <a:spcAft>
-                <a:spcPts val="600"/>
-              </a:spcAft>
-              <a:buFont typeface="Arial" panose="020B0604020202020204" pitchFamily="34" charset="0"/>
-              <a:buChar char="•"/>
-            </a:pPr>
-            <a:endParaRPr lang="en-US" sz="1600" spc="-20" dirty="0"/>
-          </a:p>
-          <a:p>
-            <a:pPr indent="-228600">
-              <a:lnSpc>
-                <a:spcPct val="110000"/>
-              </a:lnSpc>
-              <a:spcAft>
-                <a:spcPts val="600"/>
-              </a:spcAft>
-              <a:buFont typeface="Arial" panose="020B0604020202020204" pitchFamily="34" charset="0"/>
-              <a:buChar char="•"/>
-            </a:pPr>
-            <a:r>
-              <a:rPr lang="en-US" sz="1600" spc="-20" dirty="0"/>
-              <a:t>Casual up 53%,</a:t>
-            </a:r>
-          </a:p>
-          <a:p>
-            <a:pPr indent="-228600">
-              <a:lnSpc>
-                <a:spcPct val="110000"/>
-              </a:lnSpc>
-              <a:spcAft>
-                <a:spcPts val="600"/>
-              </a:spcAft>
-              <a:buFont typeface="Arial" panose="020B0604020202020204" pitchFamily="34" charset="0"/>
-              <a:buChar char="•"/>
-            </a:pPr>
-            <a:r>
-              <a:rPr lang="en-US" sz="1600" spc="-20" dirty="0"/>
-              <a:t>Midcore up 54%,</a:t>
-            </a:r>
-          </a:p>
-          <a:p>
-            <a:pPr indent="-228600">
-              <a:lnSpc>
-                <a:spcPct val="110000"/>
-              </a:lnSpc>
-              <a:spcAft>
-                <a:spcPts val="600"/>
-              </a:spcAft>
-              <a:buFont typeface="Arial" panose="020B0604020202020204" pitchFamily="34" charset="0"/>
-              <a:buChar char="•"/>
-            </a:pPr>
-            <a:r>
-              <a:rPr lang="en-US" sz="1600" spc="-20" dirty="0"/>
-              <a:t>Hardcore up 55%,</a:t>
-            </a:r>
-          </a:p>
-          <a:p>
-            <a:pPr indent="-228600">
-              <a:lnSpc>
-                <a:spcPct val="110000"/>
-              </a:lnSpc>
-              <a:spcAft>
-                <a:spcPts val="600"/>
-              </a:spcAft>
-              <a:buFont typeface="Arial" panose="020B0604020202020204" pitchFamily="34" charset="0"/>
-              <a:buChar char="•"/>
-            </a:pPr>
-            <a:r>
-              <a:rPr lang="en-US" sz="1600" spc="-20" dirty="0"/>
-              <a:t>Hyper-casual up 137%</a:t>
-            </a:r>
-          </a:p>
-          <a:p>
-            <a:pPr indent="-228600">
-              <a:lnSpc>
-                <a:spcPct val="110000"/>
-              </a:lnSpc>
-              <a:spcAft>
-                <a:spcPts val="600"/>
-              </a:spcAft>
-              <a:buFont typeface="Arial" panose="020B0604020202020204" pitchFamily="34" charset="0"/>
-              <a:buChar char="•"/>
-            </a:pPr>
-            <a:endParaRPr lang="en-US" spc="-20" dirty="0"/>
-          </a:p>
-        </p:txBody>
-      </p:sp>
-      <p:pic>
-        <p:nvPicPr>
-          <p:cNvPr id="24" name="Picture 23">
-            <a:extLst>
-              <a:ext uri="{FF2B5EF4-FFF2-40B4-BE49-F238E27FC236}">
-                <a16:creationId xmlns:a16="http://schemas.microsoft.com/office/drawing/2014/main" id="{686B98B9-65D3-0B05-EAE9-E9DD49A1B1D7}"/>
-              </a:ext>
-            </a:extLst>
-          </p:cNvPr>
-          <p:cNvPicPr>
-            <a:picLocks noChangeAspect="1"/>
-          </p:cNvPicPr>
-          <p:nvPr/>
-        </p:nvPicPr>
-        <p:blipFill rotWithShape="1">
-          <a:blip r:embed="rId4"/>
-          <a:srcRect t="12296"/>
-          <a:stretch/>
-        </p:blipFill>
-        <p:spPr>
-          <a:xfrm>
-            <a:off x="2047381" y="3386022"/>
-            <a:ext cx="5831841" cy="3375738"/>
-          </a:xfrm>
-          <a:prstGeom prst="rect">
-            <a:avLst/>
-          </a:prstGeom>
-        </p:spPr>
-      </p:pic>
+          <p:cNvGraphicFramePr>
+            <a:graphicFrameLocks noGrp="1"/>
+          </p:cNvGraphicFramePr>
+          <p:nvPr>
+            <p:ph sz="quarter" idx="14"/>
+            <p:extLst>
+              <p:ext uri="{D42A27DB-BD31-4B8C-83A1-F6EECF244321}">
+                <p14:modId xmlns:p14="http://schemas.microsoft.com/office/powerpoint/2010/main" val="1906694569"/>
+              </p:ext>
+            </p:extLst>
+          </p:nvPr>
+        </p:nvGraphicFramePr>
+        <p:xfrm>
+          <a:off x="649288" y="1984375"/>
+          <a:ext cx="10552112" cy="4197350"/>
+        </p:xfrm>
+        <a:graphic>
+          <a:graphicData uri="http://schemas.openxmlformats.org/drawingml/2006/diagram">
+            <dgm:relIds xmlns:dgm="http://schemas.openxmlformats.org/drawingml/2006/diagram" xmlns:r="http://schemas.openxmlformats.org/officeDocument/2006/relationships" r:dm="rId2" r:lo="rId3" r:qs="rId4" r:cs="rId5"/>
+          </a:graphicData>
+        </a:graphic>
+      </p:graphicFrame>
     </p:spTree>
     <p:extLst>
       <p:ext uri="{BB962C8B-B14F-4D97-AF65-F5344CB8AC3E}">
-        <p14:creationId xmlns:p14="http://schemas.microsoft.com/office/powerpoint/2010/main" val="1673587675"/>
+        <p14:creationId xmlns:p14="http://schemas.microsoft.com/office/powerpoint/2010/main" val="1351671334"/>
       </p:ext>
     </p:extLst>
   </p:cSld>
@@ -27498,8 +27651,8 @@
         </p:nvSpPr>
         <p:spPr>
           <a:xfrm>
-            <a:off x="2190994" y="363675"/>
-            <a:ext cx="3318320" cy="3104510"/>
+            <a:off x="2178523" y="274262"/>
+            <a:ext cx="2697059" cy="2931222"/>
           </a:xfrm>
           <a:prstGeom prst="rect">
             <a:avLst/>
@@ -27521,19 +27674,8 @@
             </a:pPr>
             <a:r>
               <a:rPr lang="en-US" sz="1600" spc="-20" dirty="0"/>
-              <a:t>Revenue from in-app purchases and advertisements across regions.</a:t>
+              <a:t>Number of Unity games</a:t>
             </a:r>
-          </a:p>
-          <a:p>
-            <a:pPr>
-              <a:lnSpc>
-                <a:spcPct val="110000"/>
-              </a:lnSpc>
-              <a:spcAft>
-                <a:spcPts val="600"/>
-              </a:spcAft>
-            </a:pPr>
-            <a:endParaRPr lang="en-US" sz="1600" spc="-20" dirty="0"/>
           </a:p>
           <a:p>
             <a:pPr>
@@ -27546,11 +27688,24 @@
             </a:pPr>
             <a:r>
               <a:rPr lang="en-US" sz="1600" spc="-20" dirty="0"/>
-              <a:t>From 2020 to 2021:</a:t>
+              <a:t>published per genre</a:t>
             </a:r>
           </a:p>
           <a:p>
-            <a:pPr marL="285750" indent="-285750">
+            <a:pPr indent="-228600">
+              <a:lnSpc>
+                <a:spcPct val="110000"/>
+              </a:lnSpc>
+              <a:spcAft>
+                <a:spcPts val="600"/>
+              </a:spcAft>
+              <a:buFont typeface="Arial" panose="020B0604020202020204" pitchFamily="34" charset="0"/>
+              <a:buChar char="•"/>
+            </a:pPr>
+            <a:endParaRPr lang="en-US" sz="1600" spc="-20" dirty="0"/>
+          </a:p>
+          <a:p>
+            <a:pPr indent="-228600">
               <a:lnSpc>
                 <a:spcPct val="110000"/>
               </a:lnSpc>
@@ -27562,25 +27717,11 @@
             </a:pPr>
             <a:r>
               <a:rPr lang="en-US" sz="1600" spc="-20" dirty="0"/>
-              <a:t>Total revenue grown by 30%</a:t>
+              <a:t>Casual up 53%,</a:t>
             </a:r>
           </a:p>
           <a:p>
-            <a:pPr>
-              <a:lnSpc>
-                <a:spcPct val="110000"/>
-              </a:lnSpc>
-              <a:spcAft>
-                <a:spcPts val="600"/>
-              </a:spcAft>
-            </a:pPr>
-            <a:r>
-              <a:rPr lang="en-US" sz="1600" spc="-20" dirty="0"/>
-              <a:t>From 2019 to 2021:</a:t>
-            </a:r>
-          </a:p>
-          <a:p>
-            <a:pPr marL="285750" indent="-285750">
+            <a:pPr indent="-228600">
               <a:lnSpc>
                 <a:spcPct val="110000"/>
               </a:lnSpc>
@@ -27592,11 +27733,11 @@
             </a:pPr>
             <a:r>
               <a:rPr lang="en-US" sz="1600" spc="-20" dirty="0"/>
-              <a:t>EU Ad revenue grown by 98%</a:t>
+              <a:t>Midcore up 54%,</a:t>
             </a:r>
           </a:p>
           <a:p>
-            <a:pPr marL="285750" indent="-285750">
+            <a:pPr indent="-228600">
               <a:lnSpc>
                 <a:spcPct val="110000"/>
               </a:lnSpc>
@@ -27608,17 +27749,46 @@
             </a:pPr>
             <a:r>
               <a:rPr lang="en-US" sz="1600" spc="-20" dirty="0"/>
-              <a:t>EU IAP grown by 418%</a:t>
+              <a:t>Hardcore up 55%,</a:t>
             </a:r>
+          </a:p>
+          <a:p>
+            <a:pPr indent="-228600">
+              <a:lnSpc>
+                <a:spcPct val="110000"/>
+              </a:lnSpc>
+              <a:spcAft>
+                <a:spcPts val="600"/>
+              </a:spcAft>
+              <a:buFont typeface="Arial" panose="020B0604020202020204" pitchFamily="34" charset="0"/>
+              <a:buChar char="•"/>
+            </a:pPr>
+            <a:r>
+              <a:rPr lang="en-US" sz="1600" spc="-20" dirty="0"/>
+              <a:t>Hyper-casual up 137%</a:t>
+            </a:r>
+          </a:p>
+          <a:p>
+            <a:pPr indent="-228600">
+              <a:lnSpc>
+                <a:spcPct val="110000"/>
+              </a:lnSpc>
+              <a:spcAft>
+                <a:spcPts val="600"/>
+              </a:spcAft>
+              <a:buFont typeface="Arial" panose="020B0604020202020204" pitchFamily="34" charset="0"/>
+              <a:buChar char="•"/>
+            </a:pPr>
+            <a:endParaRPr lang="en-US" spc="-20" dirty="0"/>
           </a:p>
         </p:txBody>
       </p:sp>
       <p:pic>
         <p:nvPicPr>
-          <p:cNvPr id="7" name="Picture 6">
+          <p:cNvPr id="24" name="Picture 23">
             <a:extLst>
               <a:ext uri="{FF2B5EF4-FFF2-40B4-BE49-F238E27FC236}">
-                <a16:creationId xmlns:a16="http://schemas.microsoft.com/office/drawing/2014/main" id="{181A880E-EED8-078C-7AC8-4F7B918D200A}"/>
+                <a16:creationId xmlns:a16="http://schemas.microsoft.com/office/drawing/2014/main" id="{686B98B9-65D3-0B05-EAE9-E9DD49A1B1D7}"/>
               </a:ext>
             </a:extLst>
           </p:cNvPr>
@@ -27629,13 +27799,13 @@
         </p:nvPicPr>
         <p:blipFill rotWithShape="1">
           <a:blip r:embed="rId3"/>
-          <a:srcRect r="19087"/>
+          <a:srcRect t="12296"/>
           <a:stretch/>
         </p:blipFill>
         <p:spPr>
           <a:xfrm>
-            <a:off x="1952657" y="3561940"/>
-            <a:ext cx="4574344" cy="3202304"/>
+            <a:off x="5931609" y="81031"/>
+            <a:ext cx="5692408" cy="3295028"/>
           </a:xfrm>
           <a:prstGeom prst="rect">
             <a:avLst/>
@@ -27644,10 +27814,10 @@
       </p:pic>
       <p:pic>
         <p:nvPicPr>
-          <p:cNvPr id="9" name="Picture 8">
+          <p:cNvPr id="27" name="Picture 26">
             <a:extLst>
               <a:ext uri="{FF2B5EF4-FFF2-40B4-BE49-F238E27FC236}">
-                <a16:creationId xmlns:a16="http://schemas.microsoft.com/office/drawing/2014/main" id="{BE1F526F-368B-C0AE-D8B3-CCCB4EF0CB64}"/>
+                <a16:creationId xmlns:a16="http://schemas.microsoft.com/office/drawing/2014/main" id="{33091F32-F283-B9C7-4380-2B1AA98AC228}"/>
               </a:ext>
             </a:extLst>
           </p:cNvPr>
@@ -27664,38 +27834,8 @@
         </p:blipFill>
         <p:spPr>
           <a:xfrm>
-            <a:off x="6595793" y="3332637"/>
-            <a:ext cx="5469928" cy="3431606"/>
-          </a:xfrm>
-          <a:prstGeom prst="rect">
-            <a:avLst/>
-          </a:prstGeom>
-        </p:spPr>
-      </p:pic>
-      <p:pic>
-        <p:nvPicPr>
-          <p:cNvPr id="11" name="Picture 10">
-            <a:extLst>
-              <a:ext uri="{FF2B5EF4-FFF2-40B4-BE49-F238E27FC236}">
-                <a16:creationId xmlns:a16="http://schemas.microsoft.com/office/drawing/2014/main" id="{4222A479-805C-BD1F-5299-04E5BCFFEB6F}"/>
-              </a:ext>
-            </a:extLst>
-          </p:cNvPr>
-          <p:cNvPicPr>
-            <a:picLocks noChangeAspect="1"/>
-          </p:cNvPicPr>
-          <p:nvPr/>
-        </p:nvPicPr>
-        <p:blipFill>
-          <a:blip r:embed="rId5"/>
-          <a:stretch>
-            <a:fillRect/>
-          </a:stretch>
-        </p:blipFill>
-        <p:spPr>
-          <a:xfrm>
-            <a:off x="6595793" y="93758"/>
-            <a:ext cx="5469926" cy="3212396"/>
+            <a:off x="3115818" y="3416906"/>
+            <a:ext cx="6634632" cy="3400247"/>
           </a:xfrm>
           <a:prstGeom prst="rect">
             <a:avLst/>
@@ -27705,7 +27845,7 @@
     </p:spTree>
     <p:extLst>
       <p:ext uri="{BB962C8B-B14F-4D97-AF65-F5344CB8AC3E}">
-        <p14:creationId xmlns:p14="http://schemas.microsoft.com/office/powerpoint/2010/main" val="3546298949"/>
+        <p14:creationId xmlns:p14="http://schemas.microsoft.com/office/powerpoint/2010/main" val="1673587675"/>
       </p:ext>
     </p:extLst>
   </p:cSld>
@@ -27742,10 +27882,10 @@
       </p:grpSpPr>
       <p:sp useBgFill="1">
         <p:nvSpPr>
-          <p:cNvPr id="30" name="Rectangle 29">
+          <p:cNvPr id="46" name="Rectangle 45">
             <a:extLst>
               <a:ext uri="{FF2B5EF4-FFF2-40B4-BE49-F238E27FC236}">
-                <a16:creationId xmlns:a16="http://schemas.microsoft.com/office/drawing/2014/main" id="{352D3BCF-5FFD-4370-BBC0-949A4CAEC1CF}"/>
+                <a16:creationId xmlns:a16="http://schemas.microsoft.com/office/drawing/2014/main" id="{DA9750BD-DA78-42B2-B5A4-A84E29984CD9}"/>
               </a:ext>
               <a:ext uri="{C183D7F6-B498-43B3-948B-1728B52AA6E4}">
                 <adec:decorative xmlns:adec="http://schemas.microsoft.com/office/drawing/2017/decorative" val="1"/>
@@ -27818,10 +27958,10 @@
       </p:sp>
       <p:sp>
         <p:nvSpPr>
-          <p:cNvPr id="32" name="Rectangle 31">
+          <p:cNvPr id="48" name="Rectangle 47">
             <a:extLst>
               <a:ext uri="{FF2B5EF4-FFF2-40B4-BE49-F238E27FC236}">
-                <a16:creationId xmlns:a16="http://schemas.microsoft.com/office/drawing/2014/main" id="{5AF7891E-857B-435C-B27A-FAA12E672772}"/>
+                <a16:creationId xmlns:a16="http://schemas.microsoft.com/office/drawing/2014/main" id="{C606A26C-8C0A-411E-BF72-5EE06043487A}"/>
               </a:ext>
               <a:ext uri="{C183D7F6-B498-43B3-948B-1728B52AA6E4}">
                 <adec:decorative xmlns:adec="http://schemas.microsoft.com/office/drawing/2017/decorative" val="1"/>
@@ -27842,7 +27982,7 @@
         <p:spPr>
           <a:xfrm>
             <a:off x="0" y="0"/>
-            <a:ext cx="12192000" cy="1150467"/>
+            <a:ext cx="3048000" cy="6858000"/>
           </a:xfrm>
           <a:prstGeom prst="rect">
             <a:avLst/>
@@ -27878,10 +28018,10 @@
       </p:sp>
       <p:sp>
         <p:nvSpPr>
-          <p:cNvPr id="25" name="Title 24">
+          <p:cNvPr id="41" name="Title 40">
             <a:extLst>
               <a:ext uri="{FF2B5EF4-FFF2-40B4-BE49-F238E27FC236}">
-                <a16:creationId xmlns:a16="http://schemas.microsoft.com/office/drawing/2014/main" id="{330F6403-11BB-440A-81D1-11DAFA7ABF5D}"/>
+                <a16:creationId xmlns:a16="http://schemas.microsoft.com/office/drawing/2014/main" id="{0622F47C-D986-4C50-BD14-2C1E537C27FB}"/>
               </a:ext>
             </a:extLst>
           </p:cNvPr>
@@ -27894,38 +28034,38 @@
         </p:nvSpPr>
         <p:spPr>
           <a:xfrm>
-            <a:off x="990599" y="190500"/>
-            <a:ext cx="10336013" cy="773777"/>
+            <a:off x="126281" y="637886"/>
+            <a:ext cx="1826375" cy="1567986"/>
           </a:xfrm>
         </p:spPr>
         <p:txBody>
-          <a:bodyPr vert="horz" lIns="91440" tIns="45720" rIns="91440" bIns="45720" rtlCol="0" anchor="ctr">
+          <a:bodyPr vert="horz" lIns="91440" tIns="45720" rIns="91440" bIns="45720" rtlCol="0" anchor="t">
             <a:normAutofit/>
           </a:bodyPr>
           <a:lstStyle/>
           <a:p>
-            <a:pPr>
+            <a:pPr algn="l">
               <a:lnSpc>
                 <a:spcPct val="90000"/>
               </a:lnSpc>
             </a:pPr>
             <a:r>
-              <a:rPr lang="en-US" sz="4300" spc="-40" dirty="0">
+              <a:rPr lang="en-US" sz="2800" spc="-40" dirty="0">
                 <a:solidFill>
                   <a:srgbClr val="FFFFFF"/>
                 </a:solidFill>
               </a:rPr>
-              <a:t>Unique Selling Point</a:t>
+              <a:t>Market Potential</a:t>
             </a:r>
           </a:p>
         </p:txBody>
       </p:sp>
       <p:sp>
         <p:nvSpPr>
-          <p:cNvPr id="4" name="Footer Placeholder 3">
+          <p:cNvPr id="2" name="Footer Placeholder 1">
             <a:extLst>
               <a:ext uri="{FF2B5EF4-FFF2-40B4-BE49-F238E27FC236}">
-                <a16:creationId xmlns:a16="http://schemas.microsoft.com/office/drawing/2014/main" id="{1C63F48C-BFC1-4227-8BB0-C06C473D6F55}"/>
+                <a16:creationId xmlns:a16="http://schemas.microsoft.com/office/drawing/2014/main" id="{2C20C49D-5E38-4E7C-A240-4B2D015F3AC7}"/>
               </a:ext>
             </a:extLst>
           </p:cNvPr>
@@ -27939,7 +28079,7 @@
         <p:spPr>
           <a:xfrm>
             <a:off x="201168" y="6356350"/>
-            <a:ext cx="4837176" cy="365125"/>
+            <a:ext cx="2713482" cy="365125"/>
           </a:xfrm>
         </p:spPr>
         <p:txBody>
@@ -27956,7 +28096,7 @@
             <a:r>
               <a:rPr lang="en-US" kern="1200" noProof="0">
                 <a:solidFill>
-                  <a:schemeClr val="tx1"/>
+                  <a:srgbClr val="FFFFFF"/>
                 </a:solidFill>
                 <a:latin typeface="+mn-lt"/>
                 <a:ea typeface="+mn-ea"/>
@@ -27967,12 +28107,260 @@
           </a:p>
         </p:txBody>
       </p:sp>
+      <p:pic>
+        <p:nvPicPr>
+          <p:cNvPr id="30" name="Picture 29">
+            <a:extLst>
+              <a:ext uri="{FF2B5EF4-FFF2-40B4-BE49-F238E27FC236}">
+                <a16:creationId xmlns:a16="http://schemas.microsoft.com/office/drawing/2014/main" id="{87246A19-C527-A977-2EF3-43FB2869CF04}"/>
+              </a:ext>
+            </a:extLst>
+          </p:cNvPr>
+          <p:cNvPicPr>
+            <a:picLocks noChangeAspect="1"/>
+          </p:cNvPicPr>
+          <p:nvPr/>
+        </p:nvPicPr>
+        <p:blipFill>
+          <a:blip r:embed="rId2"/>
+          <a:stretch>
+            <a:fillRect/>
+          </a:stretch>
+        </p:blipFill>
+        <p:spPr>
+          <a:xfrm>
+            <a:off x="1897498" y="0"/>
+            <a:ext cx="1375162" cy="6858000"/>
+          </a:xfrm>
+          <a:prstGeom prst="rect">
+            <a:avLst/>
+          </a:prstGeom>
+        </p:spPr>
+      </p:pic>
+      <p:sp>
+        <p:nvSpPr>
+          <p:cNvPr id="25" name="TextBox 24">
+            <a:extLst>
+              <a:ext uri="{FF2B5EF4-FFF2-40B4-BE49-F238E27FC236}">
+                <a16:creationId xmlns:a16="http://schemas.microsoft.com/office/drawing/2014/main" id="{6FDEE004-1220-7B14-EDF9-5227528EB89D}"/>
+              </a:ext>
+            </a:extLst>
+          </p:cNvPr>
+          <p:cNvSpPr txBox="1"/>
+          <p:nvPr/>
+        </p:nvSpPr>
+        <p:spPr>
+          <a:xfrm>
+            <a:off x="2190994" y="363675"/>
+            <a:ext cx="3318320" cy="3104510"/>
+          </a:xfrm>
+          <a:prstGeom prst="rect">
+            <a:avLst/>
+          </a:prstGeom>
+        </p:spPr>
+        <p:txBody>
+          <a:bodyPr vert="horz" lIns="91440" tIns="45720" rIns="91440" bIns="45720" rtlCol="0">
+            <a:normAutofit/>
+          </a:bodyPr>
+          <a:lstStyle/>
+          <a:p>
+            <a:pPr>
+              <a:lnSpc>
+                <a:spcPct val="110000"/>
+              </a:lnSpc>
+              <a:spcAft>
+                <a:spcPts val="600"/>
+              </a:spcAft>
+            </a:pPr>
+            <a:r>
+              <a:rPr lang="en-US" sz="1600" spc="-20" dirty="0"/>
+              <a:t>Revenue from in-app purchases and advertisements across regions.</a:t>
+            </a:r>
+          </a:p>
+          <a:p>
+            <a:pPr>
+              <a:lnSpc>
+                <a:spcPct val="110000"/>
+              </a:lnSpc>
+              <a:spcAft>
+                <a:spcPts val="600"/>
+              </a:spcAft>
+            </a:pPr>
+            <a:endParaRPr lang="en-US" sz="1600" spc="-20" dirty="0"/>
+          </a:p>
+          <a:p>
+            <a:pPr>
+              <a:lnSpc>
+                <a:spcPct val="110000"/>
+              </a:lnSpc>
+              <a:spcAft>
+                <a:spcPts val="600"/>
+              </a:spcAft>
+            </a:pPr>
+            <a:r>
+              <a:rPr lang="en-US" sz="1600" spc="-20" dirty="0"/>
+              <a:t>From 2020 to 2021:</a:t>
+            </a:r>
+          </a:p>
+          <a:p>
+            <a:pPr marL="285750" indent="-285750">
+              <a:lnSpc>
+                <a:spcPct val="110000"/>
+              </a:lnSpc>
+              <a:spcAft>
+                <a:spcPts val="600"/>
+              </a:spcAft>
+              <a:buFont typeface="Arial" panose="020B0604020202020204" pitchFamily="34" charset="0"/>
+              <a:buChar char="•"/>
+            </a:pPr>
+            <a:r>
+              <a:rPr lang="en-US" sz="1600" spc="-20" dirty="0"/>
+              <a:t>Total revenue grown by 30%</a:t>
+            </a:r>
+          </a:p>
+          <a:p>
+            <a:pPr>
+              <a:lnSpc>
+                <a:spcPct val="110000"/>
+              </a:lnSpc>
+              <a:spcAft>
+                <a:spcPts val="600"/>
+              </a:spcAft>
+            </a:pPr>
+            <a:r>
+              <a:rPr lang="en-US" sz="1600" spc="-20" dirty="0"/>
+              <a:t>From 2019 to 2021:</a:t>
+            </a:r>
+          </a:p>
+          <a:p>
+            <a:pPr marL="285750" indent="-285750">
+              <a:lnSpc>
+                <a:spcPct val="110000"/>
+              </a:lnSpc>
+              <a:spcAft>
+                <a:spcPts val="600"/>
+              </a:spcAft>
+              <a:buFont typeface="Arial" panose="020B0604020202020204" pitchFamily="34" charset="0"/>
+              <a:buChar char="•"/>
+            </a:pPr>
+            <a:r>
+              <a:rPr lang="en-US" sz="1600" spc="-20" dirty="0"/>
+              <a:t>EU Ad revenue grown by 98%</a:t>
+            </a:r>
+          </a:p>
+          <a:p>
+            <a:pPr marL="285750" indent="-285750">
+              <a:lnSpc>
+                <a:spcPct val="110000"/>
+              </a:lnSpc>
+              <a:spcAft>
+                <a:spcPts val="600"/>
+              </a:spcAft>
+              <a:buFont typeface="Arial" panose="020B0604020202020204" pitchFamily="34" charset="0"/>
+              <a:buChar char="•"/>
+            </a:pPr>
+            <a:r>
+              <a:rPr lang="en-US" sz="1600" spc="-20" dirty="0"/>
+              <a:t>EU IAP grown by 418%</a:t>
+            </a:r>
+          </a:p>
+        </p:txBody>
+      </p:sp>
+      <p:pic>
+        <p:nvPicPr>
+          <p:cNvPr id="7" name="Picture 6">
+            <a:extLst>
+              <a:ext uri="{FF2B5EF4-FFF2-40B4-BE49-F238E27FC236}">
+                <a16:creationId xmlns:a16="http://schemas.microsoft.com/office/drawing/2014/main" id="{181A880E-EED8-078C-7AC8-4F7B918D200A}"/>
+              </a:ext>
+            </a:extLst>
+          </p:cNvPr>
+          <p:cNvPicPr>
+            <a:picLocks noChangeAspect="1"/>
+          </p:cNvPicPr>
+          <p:nvPr/>
+        </p:nvPicPr>
+        <p:blipFill rotWithShape="1">
+          <a:blip r:embed="rId3"/>
+          <a:srcRect r="19087"/>
+          <a:stretch/>
+        </p:blipFill>
+        <p:spPr>
+          <a:xfrm>
+            <a:off x="1952657" y="3561940"/>
+            <a:ext cx="4574344" cy="3202304"/>
+          </a:xfrm>
+          <a:prstGeom prst="rect">
+            <a:avLst/>
+          </a:prstGeom>
+        </p:spPr>
+      </p:pic>
+      <p:pic>
+        <p:nvPicPr>
+          <p:cNvPr id="9" name="Picture 8">
+            <a:extLst>
+              <a:ext uri="{FF2B5EF4-FFF2-40B4-BE49-F238E27FC236}">
+                <a16:creationId xmlns:a16="http://schemas.microsoft.com/office/drawing/2014/main" id="{BE1F526F-368B-C0AE-D8B3-CCCB4EF0CB64}"/>
+              </a:ext>
+            </a:extLst>
+          </p:cNvPr>
+          <p:cNvPicPr>
+            <a:picLocks noChangeAspect="1"/>
+          </p:cNvPicPr>
+          <p:nvPr/>
+        </p:nvPicPr>
+        <p:blipFill>
+          <a:blip r:embed="rId4"/>
+          <a:stretch>
+            <a:fillRect/>
+          </a:stretch>
+        </p:blipFill>
+        <p:spPr>
+          <a:xfrm>
+            <a:off x="6595793" y="3332636"/>
+            <a:ext cx="5469928" cy="3431606"/>
+          </a:xfrm>
+          <a:prstGeom prst="rect">
+            <a:avLst/>
+          </a:prstGeom>
+        </p:spPr>
+      </p:pic>
+      <p:pic>
+        <p:nvPicPr>
+          <p:cNvPr id="11" name="Picture 10">
+            <a:extLst>
+              <a:ext uri="{FF2B5EF4-FFF2-40B4-BE49-F238E27FC236}">
+                <a16:creationId xmlns:a16="http://schemas.microsoft.com/office/drawing/2014/main" id="{4222A479-805C-BD1F-5299-04E5BCFFEB6F}"/>
+              </a:ext>
+            </a:extLst>
+          </p:cNvPr>
+          <p:cNvPicPr>
+            <a:picLocks noChangeAspect="1"/>
+          </p:cNvPicPr>
+          <p:nvPr/>
+        </p:nvPicPr>
+        <p:blipFill>
+          <a:blip r:embed="rId5"/>
+          <a:stretch>
+            <a:fillRect/>
+          </a:stretch>
+        </p:blipFill>
+        <p:spPr>
+          <a:xfrm>
+            <a:off x="6595793" y="93758"/>
+            <a:ext cx="5469926" cy="3212396"/>
+          </a:xfrm>
+          <a:prstGeom prst="rect">
+            <a:avLst/>
+          </a:prstGeom>
+        </p:spPr>
+      </p:pic>
       <p:sp>
         <p:nvSpPr>
           <p:cNvPr id="3" name="Date Placeholder 2">
             <a:extLst>
               <a:ext uri="{FF2B5EF4-FFF2-40B4-BE49-F238E27FC236}">
-                <a16:creationId xmlns:a16="http://schemas.microsoft.com/office/drawing/2014/main" id="{1E532E67-6C01-41FF-AA5B-AEEE3DFA51CB}"/>
+                <a16:creationId xmlns:a16="http://schemas.microsoft.com/office/drawing/2014/main" id="{9CE6D34A-9686-45B2-97D0-AD20167B2D54}"/>
               </a:ext>
             </a:extLst>
           </p:cNvPr>
@@ -28004,16 +28392,15 @@
               <a:rPr lang="en-US" noProof="0" dirty="0"/>
               <a:t>2022</a:t>
             </a:r>
-            <a:endParaRPr lang="en-US" noProof="0"/>
           </a:p>
         </p:txBody>
       </p:sp>
       <p:sp>
         <p:nvSpPr>
-          <p:cNvPr id="5" name="Slide Number Placeholder 4">
+          <p:cNvPr id="4" name="Slide Number Placeholder 3">
             <a:extLst>
               <a:ext uri="{FF2B5EF4-FFF2-40B4-BE49-F238E27FC236}">
-                <a16:creationId xmlns:a16="http://schemas.microsoft.com/office/drawing/2014/main" id="{AA33C4C9-9778-4A59-9001-6EC6F52349CA}"/>
+                <a16:creationId xmlns:a16="http://schemas.microsoft.com/office/drawing/2014/main" id="{AC0EC6D8-4D66-4B16-AD3F-2850D613518A}"/>
               </a:ext>
             </a:extLst>
           </p:cNvPr>
@@ -28050,48 +28437,14 @@
               </a:pPr>
               <a:t>8</a:t>
             </a:fld>
-            <a:endParaRPr lang="en-US" noProof="0"/>
+            <a:endParaRPr lang="en-US" noProof="0" dirty="0"/>
           </a:p>
         </p:txBody>
       </p:sp>
-      <p:graphicFrame>
-        <p:nvGraphicFramePr>
-          <p:cNvPr id="20" name="Content Placeholder 3">
-            <a:extLst>
-              <a:ext uri="{FF2B5EF4-FFF2-40B4-BE49-F238E27FC236}">
-                <a16:creationId xmlns:a16="http://schemas.microsoft.com/office/drawing/2014/main" id="{76386ECC-44D1-4D37-AF78-36503EACC84D}"/>
-              </a:ext>
-              <a:ext uri="{C183D7F6-B498-43B3-948B-1728B52AA6E4}">
-                <adec:decorative xmlns:adec="http://schemas.microsoft.com/office/drawing/2017/decorative" val="1"/>
-              </a:ext>
-            </a:extLst>
-          </p:cNvPr>
-          <p:cNvGraphicFramePr>
-            <a:graphicFrameLocks noGrp="1"/>
-          </p:cNvGraphicFramePr>
-          <p:nvPr>
-            <p:ph sz="quarter" idx="14"/>
-            <p:extLst>
-              <p:ext uri="{D42A27DB-BD31-4B8C-83A1-F6EECF244321}">
-                <p14:modId xmlns:p14="http://schemas.microsoft.com/office/powerpoint/2010/main" val="1906694569"/>
-              </p:ext>
-            </p:extLst>
-          </p:nvPr>
-        </p:nvGraphicFramePr>
-        <p:xfrm>
-          <a:off x="649288" y="1984375"/>
-          <a:ext cx="10552112" cy="4197350"/>
-        </p:xfrm>
-        <a:graphic>
-          <a:graphicData uri="http://schemas.openxmlformats.org/drawingml/2006/diagram">
-            <dgm:relIds xmlns:dgm="http://schemas.openxmlformats.org/drawingml/2006/diagram" xmlns:r="http://schemas.openxmlformats.org/officeDocument/2006/relationships" r:dm="rId2" r:lo="rId3" r:qs="rId4" r:cs="rId5"/>
-          </a:graphicData>
-        </a:graphic>
-      </p:graphicFrame>
     </p:spTree>
     <p:extLst>
       <p:ext uri="{BB962C8B-B14F-4D97-AF65-F5344CB8AC3E}">
-        <p14:creationId xmlns:p14="http://schemas.microsoft.com/office/powerpoint/2010/main" val="1351671334"/>
+        <p14:creationId xmlns:p14="http://schemas.microsoft.com/office/powerpoint/2010/main" val="3546298949"/>
       </p:ext>
     </p:extLst>
   </p:cSld>
@@ -28146,6 +28499,7 @@
           </a:bodyPr>
           <a:lstStyle/>
           <a:p>
+            <a:pPr algn="l"/>
             <a:r>
               <a:rPr lang="en-US" dirty="0"/>
               <a:t>Marketing Strategy</a:t>
@@ -30064,6 +30418,15 @@
 </file>
 
 <file path=customXml/item1.xml><?xml version="1.0" encoding="utf-8"?>
+<?mso-contentType ?>
+<FormTemplates xmlns="http://schemas.microsoft.com/sharepoint/v3/contenttype/forms">
+  <Display>DocumentLibraryForm</Display>
+  <Edit>DocumentLibraryForm</Edit>
+  <New>DocumentLibraryForm</New>
+</FormTemplates>
+</file>
+
+<file path=customXml/item2.xml><?xml version="1.0" encoding="utf-8"?>
 <p:properties xmlns:p="http://schemas.microsoft.com/office/2006/metadata/properties" xmlns:xsi="http://www.w3.org/2001/XMLSchema-instance" xmlns:pc="http://schemas.microsoft.com/office/infopath/2007/PartnerControls">
   <documentManagement>
     <Status xmlns="71af3243-3dd4-4a8d-8c0d-dd76da1f02a5">Not started</Status>
@@ -30080,15 +30443,6 @@
     <MediaServiceKeyPoints xmlns="71af3243-3dd4-4a8d-8c0d-dd76da1f02a5" xsi:nil="true"/>
   </documentManagement>
 </p:properties>
-</file>
-
-<file path=customXml/item2.xml><?xml version="1.0" encoding="utf-8"?>
-<?mso-contentType ?>
-<FormTemplates xmlns="http://schemas.microsoft.com/sharepoint/v3/contenttype/forms">
-  <Display>DocumentLibraryForm</Display>
-  <Edit>DocumentLibraryForm</Edit>
-  <New>DocumentLibraryForm</New>
-</FormTemplates>
 </file>
 
 <file path=customXml/item3.xml><?xml version="1.0" encoding="utf-8"?>
@@ -30368,6 +30722,14 @@
 </file>
 
 <file path=customXml/itemProps1.xml><?xml version="1.0" encoding="utf-8"?>
+<ds:datastoreItem xmlns:ds="http://schemas.openxmlformats.org/officeDocument/2006/customXml" ds:itemID="{A5CCB28C-7D26-4A36-9CFC-D739C28F3D18}">
+  <ds:schemaRefs>
+    <ds:schemaRef ds:uri="http://schemas.microsoft.com/sharepoint/v3/contenttype/forms"/>
+  </ds:schemaRefs>
+</ds:datastoreItem>
+</file>
+
+<file path=customXml/itemProps2.xml><?xml version="1.0" encoding="utf-8"?>
 <ds:datastoreItem xmlns:ds="http://schemas.openxmlformats.org/officeDocument/2006/customXml" ds:itemID="{08757C30-AE9A-4680-90EB-19D282EC2B7C}">
   <ds:schemaRefs>
     <ds:schemaRef ds:uri="http://schemas.microsoft.com/office/2006/metadata/properties"/>
@@ -30375,14 +30737,6 @@
     <ds:schemaRef ds:uri="71af3243-3dd4-4a8d-8c0d-dd76da1f02a5"/>
     <ds:schemaRef ds:uri="http://schemas.microsoft.com/sharepoint/v3"/>
     <ds:schemaRef ds:uri="230e9df3-be65-4c73-a93b-d1236ebd677e"/>
-  </ds:schemaRefs>
-</ds:datastoreItem>
-</file>
-
-<file path=customXml/itemProps2.xml><?xml version="1.0" encoding="utf-8"?>
-<ds:datastoreItem xmlns:ds="http://schemas.openxmlformats.org/officeDocument/2006/customXml" ds:itemID="{A5CCB28C-7D26-4A36-9CFC-D739C28F3D18}">
-  <ds:schemaRefs>
-    <ds:schemaRef ds:uri="http://schemas.microsoft.com/sharepoint/v3/contenttype/forms"/>
   </ds:schemaRefs>
 </ds:datastoreItem>
 </file>

--- a/CT6018 Joe Mason s4001719.pptx
+++ b/CT6018 Joe Mason s4001719.pptx
@@ -12,8 +12,8 @@
   </p:handoutMasterIdLst>
   <p:sldIdLst>
     <p:sldId id="256" r:id="rId5"/>
-    <p:sldId id="266" r:id="rId6"/>
-    <p:sldId id="267" r:id="rId7"/>
+    <p:sldId id="267" r:id="rId6"/>
+    <p:sldId id="266" r:id="rId7"/>
     <p:sldId id="277" r:id="rId8"/>
     <p:sldId id="292" r:id="rId9"/>
     <p:sldId id="280" r:id="rId10"/>
@@ -21,10 +21,10 @@
     <p:sldId id="293" r:id="rId12"/>
     <p:sldId id="281" r:id="rId13"/>
     <p:sldId id="282" r:id="rId14"/>
-    <p:sldId id="283" r:id="rId15"/>
-    <p:sldId id="285" r:id="rId16"/>
-    <p:sldId id="287" r:id="rId17"/>
-    <p:sldId id="286" r:id="rId18"/>
+    <p:sldId id="286" r:id="rId15"/>
+    <p:sldId id="283" r:id="rId16"/>
+    <p:sldId id="285" r:id="rId17"/>
+    <p:sldId id="287" r:id="rId18"/>
     <p:sldId id="289" r:id="rId19"/>
     <p:sldId id="288" r:id="rId20"/>
     <p:sldId id="290" r:id="rId21"/>
@@ -13169,7 +13169,7 @@
                 <a:tabLst/>
                 <a:defRPr/>
               </a:pPr>
-              <a:t>2</a:t>
+              <a:t>3</a:t>
             </a:fld>
             <a:endParaRPr kumimoji="0" lang="en-US" sz="1200" b="0" i="0" u="none" strike="noStrike" kern="1200" cap="none" spc="0" normalizeH="0" baseline="0" noProof="0" dirty="0">
               <a:ln>
@@ -19875,7 +19875,15 @@
             </a:pPr>
             <a:r>
               <a:rPr lang="en-US" dirty="0"/>
-              <a:t>text</a:t>
+              <a:t>This is content from “growth strategy”, rename other to “growth”, show and explain benefit to users, income </a:t>
+            </a:r>
+            <a:r>
+              <a:rPr lang="en-US" dirty="0" err="1"/>
+              <a:t>etc</a:t>
+            </a:r>
+            <a:r>
+              <a:rPr lang="en-US" dirty="0"/>
+              <a:t> from the engagement tactics</a:t>
             </a:r>
           </a:p>
         </p:txBody>
@@ -20069,6 +20077,284 @@
 </file>
 
 <file path=ppt/slides/slide11.xml><?xml version="1.0" encoding="utf-8"?>
+<p:sld xmlns:a="http://schemas.openxmlformats.org/drawingml/2006/main" xmlns:r="http://schemas.openxmlformats.org/officeDocument/2006/relationships" xmlns:p="http://schemas.openxmlformats.org/presentationml/2006/main">
+  <p:cSld>
+    <p:spTree>
+      <p:nvGrpSpPr>
+        <p:cNvPr id="1" name=""/>
+        <p:cNvGrpSpPr/>
+        <p:nvPr/>
+      </p:nvGrpSpPr>
+      <p:grpSpPr>
+        <a:xfrm>
+          <a:off x="0" y="0"/>
+          <a:ext cx="0" cy="0"/>
+          <a:chOff x="0" y="0"/>
+          <a:chExt cx="0" cy="0"/>
+        </a:xfrm>
+      </p:grpSpPr>
+      <p:sp>
+        <p:nvSpPr>
+          <p:cNvPr id="25" name="Title 24">
+            <a:extLst>
+              <a:ext uri="{FF2B5EF4-FFF2-40B4-BE49-F238E27FC236}">
+                <a16:creationId xmlns:a16="http://schemas.microsoft.com/office/drawing/2014/main" id="{330F6403-11BB-440A-81D1-11DAFA7ABF5D}"/>
+              </a:ext>
+            </a:extLst>
+          </p:cNvPr>
+          <p:cNvSpPr>
+            <a:spLocks noGrp="1"/>
+          </p:cNvSpPr>
+          <p:nvPr>
+            <p:ph type="title"/>
+          </p:nvPr>
+        </p:nvSpPr>
+        <p:spPr>
+          <a:xfrm>
+            <a:off x="1000759" y="194783"/>
+            <a:ext cx="10022841" cy="760892"/>
+          </a:xfrm>
+        </p:spPr>
+        <p:txBody>
+          <a:bodyPr>
+            <a:normAutofit fontScale="90000"/>
+          </a:bodyPr>
+          <a:lstStyle/>
+          <a:p>
+            <a:pPr algn="r"/>
+            <a:r>
+              <a:rPr lang="en-US" dirty="0"/>
+              <a:t>Growth Strategy</a:t>
+            </a:r>
+          </a:p>
+        </p:txBody>
+      </p:sp>
+      <p:sp>
+        <p:nvSpPr>
+          <p:cNvPr id="4" name="Footer Placeholder 3">
+            <a:extLst>
+              <a:ext uri="{FF2B5EF4-FFF2-40B4-BE49-F238E27FC236}">
+                <a16:creationId xmlns:a16="http://schemas.microsoft.com/office/drawing/2014/main" id="{1C63F48C-BFC1-4227-8BB0-C06C473D6F55}"/>
+              </a:ext>
+            </a:extLst>
+          </p:cNvPr>
+          <p:cNvSpPr>
+            <a:spLocks noGrp="1"/>
+          </p:cNvSpPr>
+          <p:nvPr>
+            <p:ph type="ftr" sz="quarter" idx="11"/>
+          </p:nvPr>
+        </p:nvSpPr>
+        <p:spPr>
+          <a:xfrm>
+            <a:off x="201168" y="6356350"/>
+            <a:ext cx="4837176" cy="365125"/>
+          </a:xfrm>
+        </p:spPr>
+        <p:txBody>
+          <a:bodyPr/>
+          <a:lstStyle/>
+          <a:p>
+            <a:pPr lvl="0"/>
+            <a:r>
+              <a:rPr lang="en-US" noProof="0" dirty="0"/>
+              <a:t>OutDig</a:t>
+            </a:r>
+          </a:p>
+        </p:txBody>
+      </p:sp>
+      <p:sp>
+        <p:nvSpPr>
+          <p:cNvPr id="3" name="Date Placeholder 2">
+            <a:extLst>
+              <a:ext uri="{FF2B5EF4-FFF2-40B4-BE49-F238E27FC236}">
+                <a16:creationId xmlns:a16="http://schemas.microsoft.com/office/drawing/2014/main" id="{1E532E67-6C01-41FF-AA5B-AEEE3DFA51CB}"/>
+              </a:ext>
+            </a:extLst>
+          </p:cNvPr>
+          <p:cNvSpPr>
+            <a:spLocks noGrp="1"/>
+          </p:cNvSpPr>
+          <p:nvPr>
+            <p:ph type="dt" sz="half" idx="10"/>
+          </p:nvPr>
+        </p:nvSpPr>
+        <p:spPr>
+          <a:xfrm>
+            <a:off x="7013448" y="6355080"/>
+            <a:ext cx="4352544" cy="365125"/>
+          </a:xfrm>
+        </p:spPr>
+        <p:txBody>
+          <a:bodyPr/>
+          <a:lstStyle/>
+          <a:p>
+            <a:pPr lvl="0"/>
+            <a:r>
+              <a:rPr lang="en-US" noProof="0" dirty="0"/>
+              <a:t>2022</a:t>
+            </a:r>
+          </a:p>
+        </p:txBody>
+      </p:sp>
+      <p:sp>
+        <p:nvSpPr>
+          <p:cNvPr id="5" name="Slide Number Placeholder 4">
+            <a:extLst>
+              <a:ext uri="{FF2B5EF4-FFF2-40B4-BE49-F238E27FC236}">
+                <a16:creationId xmlns:a16="http://schemas.microsoft.com/office/drawing/2014/main" id="{AA33C4C9-9778-4A59-9001-6EC6F52349CA}"/>
+              </a:ext>
+            </a:extLst>
+          </p:cNvPr>
+          <p:cNvSpPr>
+            <a:spLocks noGrp="1"/>
+          </p:cNvSpPr>
+          <p:nvPr>
+            <p:ph type="sldNum" sz="quarter" idx="12"/>
+          </p:nvPr>
+        </p:nvSpPr>
+        <p:spPr>
+          <a:xfrm>
+            <a:off x="11365992" y="6356350"/>
+            <a:ext cx="630936" cy="365125"/>
+          </a:xfrm>
+        </p:spPr>
+        <p:txBody>
+          <a:bodyPr/>
+          <a:lstStyle/>
+          <a:p>
+            <a:pPr lvl="0"/>
+            <a:fld id="{06B786C7-B8F9-4072-AAAA-17258464D730}" type="slidenum">
+              <a:rPr lang="en-US" noProof="0" smtClean="0"/>
+              <a:pPr lvl="0"/>
+              <a:t>11</a:t>
+            </a:fld>
+            <a:endParaRPr lang="en-US" noProof="0" dirty="0"/>
+          </a:p>
+        </p:txBody>
+      </p:sp>
+      <p:sp>
+        <p:nvSpPr>
+          <p:cNvPr id="6" name="Content Placeholder 5">
+            <a:extLst>
+              <a:ext uri="{FF2B5EF4-FFF2-40B4-BE49-F238E27FC236}">
+                <a16:creationId xmlns:a16="http://schemas.microsoft.com/office/drawing/2014/main" id="{B3EC07CF-0B58-D0FC-6837-9D9500A1AE26}"/>
+              </a:ext>
+            </a:extLst>
+          </p:cNvPr>
+          <p:cNvSpPr>
+            <a:spLocks noGrp="1"/>
+          </p:cNvSpPr>
+          <p:nvPr>
+            <p:ph sz="quarter" idx="14"/>
+          </p:nvPr>
+        </p:nvSpPr>
+        <p:spPr>
+          <a:xfrm>
+            <a:off x="646111" y="1560513"/>
+            <a:ext cx="10967623" cy="4341812"/>
+          </a:xfrm>
+        </p:spPr>
+        <p:txBody>
+          <a:bodyPr>
+            <a:normAutofit/>
+          </a:bodyPr>
+          <a:lstStyle/>
+          <a:p>
+            <a:pPr marL="0" indent="0">
+              <a:buNone/>
+            </a:pPr>
+            <a:r>
+              <a:rPr lang="en-GB" dirty="0"/>
+              <a:t>- Onboarding process for new users</a:t>
+            </a:r>
+          </a:p>
+          <a:p>
+            <a:pPr>
+              <a:buFontTx/>
+              <a:buChar char="-"/>
+            </a:pPr>
+            <a:r>
+              <a:rPr lang="en-GB" dirty="0"/>
+              <a:t>No account required, but recommended and rewarded</a:t>
+            </a:r>
+          </a:p>
+          <a:p>
+            <a:pPr>
+              <a:buFontTx/>
+              <a:buChar char="-"/>
+            </a:pPr>
+            <a:r>
+              <a:rPr lang="en-GB" dirty="0"/>
+              <a:t>Linking with socials rewarded, scaling rewards for inviting friends to the game</a:t>
+            </a:r>
+          </a:p>
+          <a:p>
+            <a:pPr>
+              <a:buFontTx/>
+              <a:buChar char="-"/>
+            </a:pPr>
+            <a:r>
+              <a:rPr lang="en-GB" dirty="0"/>
+              <a:t>Reward multiple loot boxes that each take an amount of time to open for free</a:t>
+            </a:r>
+          </a:p>
+          <a:p>
+            <a:pPr>
+              <a:buFontTx/>
+              <a:buChar char="-"/>
+            </a:pPr>
+            <a:r>
+              <a:rPr lang="en-GB" dirty="0"/>
+              <a:t>Targeted &amp; tailored push notifications</a:t>
+            </a:r>
+          </a:p>
+          <a:p>
+            <a:pPr>
+              <a:buFontTx/>
+              <a:buChar char="-"/>
+            </a:pPr>
+            <a:r>
+              <a:rPr lang="en-GB" dirty="0"/>
+              <a:t>Daily, weekly and monthly competitions</a:t>
+            </a:r>
+          </a:p>
+          <a:p>
+            <a:pPr>
+              <a:buFontTx/>
+              <a:buChar char="-"/>
+            </a:pPr>
+            <a:r>
+              <a:rPr lang="en-GB" dirty="0"/>
+              <a:t>Seasonal events Halloween Christmas etc</a:t>
+            </a:r>
+          </a:p>
+          <a:p>
+            <a:pPr>
+              <a:buFontTx/>
+              <a:buChar char="-"/>
+            </a:pPr>
+            <a:r>
+              <a:rPr lang="en-GB" dirty="0"/>
+              <a:t>Keep track of analytics to identify strong and weak areas</a:t>
+            </a:r>
+          </a:p>
+        </p:txBody>
+      </p:sp>
+    </p:spTree>
+    <p:extLst>
+      <p:ext uri="{BB962C8B-B14F-4D97-AF65-F5344CB8AC3E}">
+        <p14:creationId xmlns:p14="http://schemas.microsoft.com/office/powerpoint/2010/main" val="1725933328"/>
+      </p:ext>
+    </p:extLst>
+  </p:cSld>
+  <p:clrMapOvr>
+    <a:masterClrMapping/>
+  </p:clrMapOvr>
+</p:sld>
+</file>
+
+<file path=ppt/slides/slide12.xml><?xml version="1.0" encoding="utf-8"?>
 <p:sld xmlns:a="http://schemas.openxmlformats.org/drawingml/2006/main" xmlns:r="http://schemas.openxmlformats.org/officeDocument/2006/relationships" xmlns:p="http://schemas.openxmlformats.org/presentationml/2006/main">
   <p:cSld>
     <p:spTree>
@@ -20219,7 +20505,7 @@
             <a:fld id="{06B786C7-B8F9-4072-AAAA-17258464D730}" type="slidenum">
               <a:rPr lang="en-US" noProof="0" smtClean="0"/>
               <a:pPr lvl="0"/>
-              <a:t>11</a:t>
+              <a:t>12</a:t>
             </a:fld>
             <a:endParaRPr lang="en-US" noProof="0" dirty="0"/>
           </a:p>
@@ -20298,7 +20584,7 @@
 </p:sld>
 </file>
 
-<file path=ppt/slides/slide12.xml><?xml version="1.0" encoding="utf-8"?>
+<file path=ppt/slides/slide13.xml><?xml version="1.0" encoding="utf-8"?>
 <p:sld xmlns:a="http://schemas.openxmlformats.org/drawingml/2006/main" xmlns:r="http://schemas.openxmlformats.org/officeDocument/2006/relationships" xmlns:p="http://schemas.openxmlformats.org/presentationml/2006/main">
   <p:cSld>
     <p:spTree>
@@ -20504,7 +20790,7 @@
             <a:fld id="{06B786C7-B8F9-4072-AAAA-17258464D730}" type="slidenum">
               <a:rPr lang="en-US" noProof="0" smtClean="0"/>
               <a:pPr lvl="0"/>
-              <a:t>12</a:t>
+              <a:t>13</a:t>
             </a:fld>
             <a:endParaRPr lang="en-US" noProof="0" dirty="0"/>
           </a:p>
@@ -20523,7 +20809,7 @@
 </p:sld>
 </file>
 
-<file path=ppt/slides/slide13.xml><?xml version="1.0" encoding="utf-8"?>
+<file path=ppt/slides/slide14.xml><?xml version="1.0" encoding="utf-8"?>
 <p:sld xmlns:a="http://schemas.openxmlformats.org/drawingml/2006/main" xmlns:r="http://schemas.openxmlformats.org/officeDocument/2006/relationships" xmlns:p="http://schemas.openxmlformats.org/presentationml/2006/main">
   <p:cSld>
     <p:spTree>
@@ -20928,7 +21214,7 @@
             <a:fld id="{06B786C7-B8F9-4072-AAAA-17258464D730}" type="slidenum">
               <a:rPr lang="en-US" noProof="0" smtClean="0"/>
               <a:pPr lvl="0"/>
-              <a:t>13</a:t>
+              <a:t>14</a:t>
             </a:fld>
             <a:endParaRPr lang="en-US" noProof="0" dirty="0"/>
           </a:p>
@@ -21350,280 +21636,204 @@
           </a:p>
         </p:txBody>
       </p:sp>
-    </p:spTree>
-    <p:extLst>
-      <p:ext uri="{BB962C8B-B14F-4D97-AF65-F5344CB8AC3E}">
-        <p14:creationId xmlns:p14="http://schemas.microsoft.com/office/powerpoint/2010/main" val="2556958"/>
-      </p:ext>
-    </p:extLst>
-  </p:cSld>
-  <p:clrMapOvr>
-    <a:masterClrMapping/>
-  </p:clrMapOvr>
-</p:sld>
-</file>
-
-<file path=ppt/slides/slide14.xml><?xml version="1.0" encoding="utf-8"?>
-<p:sld xmlns:a="http://schemas.openxmlformats.org/drawingml/2006/main" xmlns:r="http://schemas.openxmlformats.org/officeDocument/2006/relationships" xmlns:p="http://schemas.openxmlformats.org/presentationml/2006/main">
-  <p:cSld>
-    <p:spTree>
-      <p:nvGrpSpPr>
-        <p:cNvPr id="1" name=""/>
-        <p:cNvGrpSpPr/>
-        <p:nvPr/>
-      </p:nvGrpSpPr>
-      <p:grpSpPr>
-        <a:xfrm>
-          <a:off x="0" y="0"/>
-          <a:ext cx="0" cy="0"/>
-          <a:chOff x="0" y="0"/>
-          <a:chExt cx="0" cy="0"/>
-        </a:xfrm>
-      </p:grpSpPr>
       <p:sp>
         <p:nvSpPr>
-          <p:cNvPr id="25" name="Title 24">
+          <p:cNvPr id="7" name="Content Placeholder 10">
             <a:extLst>
               <a:ext uri="{FF2B5EF4-FFF2-40B4-BE49-F238E27FC236}">
-                <a16:creationId xmlns:a16="http://schemas.microsoft.com/office/drawing/2014/main" id="{330F6403-11BB-440A-81D1-11DAFA7ABF5D}"/>
+                <a16:creationId xmlns:a16="http://schemas.microsoft.com/office/drawing/2014/main" id="{872B1E1D-922A-C971-CC02-3859EFC2C0BC}"/>
               </a:ext>
             </a:extLst>
           </p:cNvPr>
-          <p:cNvSpPr>
-            <a:spLocks noGrp="1"/>
+          <p:cNvSpPr txBox="1">
+            <a:spLocks/>
           </p:cNvSpPr>
-          <p:nvPr>
-            <p:ph type="title"/>
-          </p:nvPr>
+          <p:nvPr/>
         </p:nvSpPr>
         <p:spPr>
           <a:xfrm>
-            <a:off x="1000759" y="194783"/>
-            <a:ext cx="10022841" cy="760892"/>
+            <a:off x="4962282" y="1220719"/>
+            <a:ext cx="3726601" cy="1417097"/>
           </a:xfrm>
+          <a:prstGeom prst="rect">
+            <a:avLst/>
+          </a:prstGeom>
         </p:spPr>
         <p:txBody>
-          <a:bodyPr>
-            <a:normAutofit fontScale="90000"/>
-          </a:bodyPr>
-          <a:lstStyle/>
-          <a:p>
-            <a:pPr algn="r"/>
-            <a:r>
-              <a:rPr lang="en-US" dirty="0"/>
-              <a:t>Growth Strategy</a:t>
-            </a:r>
-          </a:p>
-        </p:txBody>
-      </p:sp>
-      <p:sp>
-        <p:nvSpPr>
-          <p:cNvPr id="4" name="Footer Placeholder 3">
-            <a:extLst>
-              <a:ext uri="{FF2B5EF4-FFF2-40B4-BE49-F238E27FC236}">
-                <a16:creationId xmlns:a16="http://schemas.microsoft.com/office/drawing/2014/main" id="{1C63F48C-BFC1-4227-8BB0-C06C473D6F55}"/>
-              </a:ext>
-            </a:extLst>
-          </p:cNvPr>
-          <p:cNvSpPr>
-            <a:spLocks noGrp="1"/>
-          </p:cNvSpPr>
-          <p:nvPr>
-            <p:ph type="ftr" sz="quarter" idx="11"/>
-          </p:nvPr>
-        </p:nvSpPr>
-        <p:spPr>
-          <a:xfrm>
-            <a:off x="201168" y="6356350"/>
-            <a:ext cx="4837176" cy="365125"/>
-          </a:xfrm>
-        </p:spPr>
-        <p:txBody>
-          <a:bodyPr/>
-          <a:lstStyle/>
-          <a:p>
-            <a:pPr lvl="0"/>
-            <a:r>
-              <a:rPr lang="en-US" noProof="0" dirty="0"/>
-              <a:t>OutDig</a:t>
-            </a:r>
-          </a:p>
-        </p:txBody>
-      </p:sp>
-      <p:sp>
-        <p:nvSpPr>
-          <p:cNvPr id="3" name="Date Placeholder 2">
-            <a:extLst>
-              <a:ext uri="{FF2B5EF4-FFF2-40B4-BE49-F238E27FC236}">
-                <a16:creationId xmlns:a16="http://schemas.microsoft.com/office/drawing/2014/main" id="{1E532E67-6C01-41FF-AA5B-AEEE3DFA51CB}"/>
-              </a:ext>
-            </a:extLst>
-          </p:cNvPr>
-          <p:cNvSpPr>
-            <a:spLocks noGrp="1"/>
-          </p:cNvSpPr>
-          <p:nvPr>
-            <p:ph type="dt" sz="half" idx="10"/>
-          </p:nvPr>
-        </p:nvSpPr>
-        <p:spPr>
-          <a:xfrm>
-            <a:off x="7013448" y="6355080"/>
-            <a:ext cx="4352544" cy="365125"/>
-          </a:xfrm>
-        </p:spPr>
-        <p:txBody>
-          <a:bodyPr/>
-          <a:lstStyle/>
-          <a:p>
-            <a:pPr lvl="0"/>
-            <a:r>
-              <a:rPr lang="en-US" noProof="0" dirty="0"/>
-              <a:t>2022</a:t>
-            </a:r>
-          </a:p>
-        </p:txBody>
-      </p:sp>
-      <p:sp>
-        <p:nvSpPr>
-          <p:cNvPr id="5" name="Slide Number Placeholder 4">
-            <a:extLst>
-              <a:ext uri="{FF2B5EF4-FFF2-40B4-BE49-F238E27FC236}">
-                <a16:creationId xmlns:a16="http://schemas.microsoft.com/office/drawing/2014/main" id="{AA33C4C9-9778-4A59-9001-6EC6F52349CA}"/>
-              </a:ext>
-            </a:extLst>
-          </p:cNvPr>
-          <p:cNvSpPr>
-            <a:spLocks noGrp="1"/>
-          </p:cNvSpPr>
-          <p:nvPr>
-            <p:ph type="sldNum" sz="quarter" idx="12"/>
-          </p:nvPr>
-        </p:nvSpPr>
-        <p:spPr>
-          <a:xfrm>
-            <a:off x="11365992" y="6356350"/>
-            <a:ext cx="630936" cy="365125"/>
-          </a:xfrm>
-        </p:spPr>
-        <p:txBody>
-          <a:bodyPr/>
-          <a:lstStyle/>
-          <a:p>
-            <a:pPr lvl="0"/>
-            <a:fld id="{06B786C7-B8F9-4072-AAAA-17258464D730}" type="slidenum">
-              <a:rPr lang="en-US" noProof="0" smtClean="0"/>
-              <a:pPr lvl="0"/>
-              <a:t>14</a:t>
-            </a:fld>
-            <a:endParaRPr lang="en-US" noProof="0" dirty="0"/>
-          </a:p>
-        </p:txBody>
-      </p:sp>
-      <p:sp>
-        <p:nvSpPr>
-          <p:cNvPr id="6" name="Content Placeholder 5">
-            <a:extLst>
-              <a:ext uri="{FF2B5EF4-FFF2-40B4-BE49-F238E27FC236}">
-                <a16:creationId xmlns:a16="http://schemas.microsoft.com/office/drawing/2014/main" id="{B3EC07CF-0B58-D0FC-6837-9D9500A1AE26}"/>
-              </a:ext>
-            </a:extLst>
-          </p:cNvPr>
-          <p:cNvSpPr>
-            <a:spLocks noGrp="1"/>
-          </p:cNvSpPr>
-          <p:nvPr>
-            <p:ph sz="quarter" idx="14"/>
-          </p:nvPr>
-        </p:nvSpPr>
-        <p:spPr>
-          <a:xfrm>
-            <a:off x="646111" y="1560513"/>
-            <a:ext cx="10967623" cy="4341812"/>
-          </a:xfrm>
-        </p:spPr>
-        <p:txBody>
-          <a:bodyPr>
+          <a:bodyPr vert="horz" lIns="91440" tIns="45720" rIns="91440" bIns="45720" rtlCol="0">
             <a:normAutofit/>
           </a:bodyPr>
-          <a:lstStyle/>
+          <a:lstStyle>
+            <a:lvl1pPr marL="228600" indent="-228600" algn="l" defTabSz="914400" rtl="0" eaLnBrk="1" latinLnBrk="0" hangingPunct="1">
+              <a:lnSpc>
+                <a:spcPct val="110000"/>
+              </a:lnSpc>
+              <a:spcBef>
+                <a:spcPts val="1000"/>
+              </a:spcBef>
+              <a:buFont typeface="Arial" panose="020B0604020202020204" pitchFamily="34" charset="0"/>
+              <a:buChar char="•"/>
+              <a:defRPr sz="2000" kern="1200" spc="-20" baseline="0">
+                <a:solidFill>
+                  <a:schemeClr val="tx1"/>
+                </a:solidFill>
+                <a:latin typeface="+mn-lt"/>
+                <a:ea typeface="+mn-ea"/>
+                <a:cs typeface="+mn-cs"/>
+              </a:defRPr>
+            </a:lvl1pPr>
+            <a:lvl2pPr marL="685800" indent="-228600" algn="l" defTabSz="914400" rtl="0" eaLnBrk="1" latinLnBrk="0" hangingPunct="1">
+              <a:lnSpc>
+                <a:spcPct val="110000"/>
+              </a:lnSpc>
+              <a:spcBef>
+                <a:spcPts val="500"/>
+              </a:spcBef>
+              <a:buFont typeface="Arial" panose="020B0604020202020204" pitchFamily="34" charset="0"/>
+              <a:buChar char="•"/>
+              <a:defRPr sz="2000" kern="1200" spc="-20" baseline="0">
+                <a:solidFill>
+                  <a:schemeClr val="tx1"/>
+                </a:solidFill>
+                <a:latin typeface="+mn-lt"/>
+                <a:ea typeface="+mn-ea"/>
+                <a:cs typeface="+mn-cs"/>
+              </a:defRPr>
+            </a:lvl2pPr>
+            <a:lvl3pPr marL="1143000" indent="-228600" algn="l" defTabSz="914400" rtl="0" eaLnBrk="1" latinLnBrk="0" hangingPunct="1">
+              <a:lnSpc>
+                <a:spcPct val="110000"/>
+              </a:lnSpc>
+              <a:spcBef>
+                <a:spcPts val="500"/>
+              </a:spcBef>
+              <a:buFont typeface="Arial" panose="020B0604020202020204" pitchFamily="34" charset="0"/>
+              <a:buChar char="•"/>
+              <a:defRPr sz="1800" kern="1200" spc="-20" baseline="0">
+                <a:solidFill>
+                  <a:schemeClr val="tx1"/>
+                </a:solidFill>
+                <a:latin typeface="+mn-lt"/>
+                <a:ea typeface="+mn-ea"/>
+                <a:cs typeface="+mn-cs"/>
+              </a:defRPr>
+            </a:lvl3pPr>
+            <a:lvl4pPr marL="1600200" indent="-228600" algn="l" defTabSz="914400" rtl="0" eaLnBrk="1" latinLnBrk="0" hangingPunct="1">
+              <a:lnSpc>
+                <a:spcPct val="110000"/>
+              </a:lnSpc>
+              <a:spcBef>
+                <a:spcPts val="500"/>
+              </a:spcBef>
+              <a:buFont typeface="Arial" panose="020B0604020202020204" pitchFamily="34" charset="0"/>
+              <a:buChar char="•"/>
+              <a:defRPr sz="1600" kern="1200" spc="-20" baseline="0">
+                <a:solidFill>
+                  <a:schemeClr val="tx1"/>
+                </a:solidFill>
+                <a:latin typeface="+mn-lt"/>
+                <a:ea typeface="+mn-ea"/>
+                <a:cs typeface="+mn-cs"/>
+              </a:defRPr>
+            </a:lvl4pPr>
+            <a:lvl5pPr marL="2057400" indent="-228600" algn="l" defTabSz="914400" rtl="0" eaLnBrk="1" latinLnBrk="0" hangingPunct="1">
+              <a:lnSpc>
+                <a:spcPct val="110000"/>
+              </a:lnSpc>
+              <a:spcBef>
+                <a:spcPts val="500"/>
+              </a:spcBef>
+              <a:buFont typeface="Arial" panose="020B0604020202020204" pitchFamily="34" charset="0"/>
+              <a:buChar char="•"/>
+              <a:defRPr sz="1600" kern="1200" spc="-20" baseline="0">
+                <a:solidFill>
+                  <a:schemeClr val="tx1"/>
+                </a:solidFill>
+                <a:latin typeface="+mn-lt"/>
+                <a:ea typeface="+mn-ea"/>
+                <a:cs typeface="+mn-cs"/>
+              </a:defRPr>
+            </a:lvl5pPr>
+            <a:lvl6pPr marL="2514600" indent="-228600" algn="l" defTabSz="914400" rtl="0" eaLnBrk="1" latinLnBrk="0" hangingPunct="1">
+              <a:lnSpc>
+                <a:spcPct val="90000"/>
+              </a:lnSpc>
+              <a:spcBef>
+                <a:spcPts val="500"/>
+              </a:spcBef>
+              <a:buFont typeface="Arial" panose="020B0604020202020204" pitchFamily="34" charset="0"/>
+              <a:buChar char="•"/>
+              <a:defRPr sz="1800" kern="1200">
+                <a:solidFill>
+                  <a:schemeClr val="tx1"/>
+                </a:solidFill>
+                <a:latin typeface="+mn-lt"/>
+                <a:ea typeface="+mn-ea"/>
+                <a:cs typeface="+mn-cs"/>
+              </a:defRPr>
+            </a:lvl6pPr>
+            <a:lvl7pPr marL="2971800" indent="-228600" algn="l" defTabSz="914400" rtl="0" eaLnBrk="1" latinLnBrk="0" hangingPunct="1">
+              <a:lnSpc>
+                <a:spcPct val="90000"/>
+              </a:lnSpc>
+              <a:spcBef>
+                <a:spcPts val="500"/>
+              </a:spcBef>
+              <a:buFont typeface="Arial" panose="020B0604020202020204" pitchFamily="34" charset="0"/>
+              <a:buChar char="•"/>
+              <a:defRPr sz="1800" kern="1200">
+                <a:solidFill>
+                  <a:schemeClr val="tx1"/>
+                </a:solidFill>
+                <a:latin typeface="+mn-lt"/>
+                <a:ea typeface="+mn-ea"/>
+                <a:cs typeface="+mn-cs"/>
+              </a:defRPr>
+            </a:lvl7pPr>
+            <a:lvl8pPr marL="3429000" indent="-228600" algn="l" defTabSz="914400" rtl="0" eaLnBrk="1" latinLnBrk="0" hangingPunct="1">
+              <a:lnSpc>
+                <a:spcPct val="90000"/>
+              </a:lnSpc>
+              <a:spcBef>
+                <a:spcPts val="500"/>
+              </a:spcBef>
+              <a:buFont typeface="Arial" panose="020B0604020202020204" pitchFamily="34" charset="0"/>
+              <a:buChar char="•"/>
+              <a:defRPr sz="1800" kern="1200">
+                <a:solidFill>
+                  <a:schemeClr val="tx1"/>
+                </a:solidFill>
+                <a:latin typeface="+mn-lt"/>
+                <a:ea typeface="+mn-ea"/>
+                <a:cs typeface="+mn-cs"/>
+              </a:defRPr>
+            </a:lvl8pPr>
+            <a:lvl9pPr marL="3886200" indent="-228600" algn="l" defTabSz="914400" rtl="0" eaLnBrk="1" latinLnBrk="0" hangingPunct="1">
+              <a:lnSpc>
+                <a:spcPct val="90000"/>
+              </a:lnSpc>
+              <a:spcBef>
+                <a:spcPts val="500"/>
+              </a:spcBef>
+              <a:buFont typeface="Arial" panose="020B0604020202020204" pitchFamily="34" charset="0"/>
+              <a:buChar char="•"/>
+              <a:defRPr sz="1800" kern="1200">
+                <a:solidFill>
+                  <a:schemeClr val="tx1"/>
+                </a:solidFill>
+                <a:latin typeface="+mn-lt"/>
+                <a:ea typeface="+mn-ea"/>
+                <a:cs typeface="+mn-cs"/>
+              </a:defRPr>
+            </a:lvl9pPr>
+          </a:lstStyle>
           <a:p>
             <a:pPr marL="0" indent="0">
               <a:buNone/>
             </a:pPr>
             <a:r>
-              <a:rPr lang="en-GB" dirty="0"/>
-              <a:t>- Onboarding process for new users</a:t>
-            </a:r>
-          </a:p>
-          <a:p>
-            <a:pPr>
-              <a:buFontTx/>
-              <a:buChar char="-"/>
-            </a:pPr>
-            <a:r>
-              <a:rPr lang="en-GB" dirty="0"/>
-              <a:t>No account required, but recommended and rewarded</a:t>
-            </a:r>
-          </a:p>
-          <a:p>
-            <a:pPr>
-              <a:buFontTx/>
-              <a:buChar char="-"/>
-            </a:pPr>
-            <a:r>
-              <a:rPr lang="en-GB" dirty="0"/>
-              <a:t>Linking with socials rewarded, scaling rewards for inviting friends to the game</a:t>
-            </a:r>
-          </a:p>
-          <a:p>
-            <a:pPr>
-              <a:buFontTx/>
-              <a:buChar char="-"/>
-            </a:pPr>
-            <a:r>
-              <a:rPr lang="en-GB" dirty="0"/>
-              <a:t>Reward multiple loot boxes that each take an amount of time to open for free</a:t>
-            </a:r>
-          </a:p>
-          <a:p>
-            <a:pPr>
-              <a:buFontTx/>
-              <a:buChar char="-"/>
-            </a:pPr>
-            <a:r>
-              <a:rPr lang="en-GB" dirty="0"/>
-              <a:t>Targeted &amp; tailored push notifications</a:t>
-            </a:r>
-          </a:p>
-          <a:p>
-            <a:pPr>
-              <a:buFontTx/>
-              <a:buChar char="-"/>
-            </a:pPr>
-            <a:r>
-              <a:rPr lang="en-GB" dirty="0"/>
-              <a:t>Daily, weekly and monthly competitions</a:t>
-            </a:r>
-          </a:p>
-          <a:p>
-            <a:pPr>
-              <a:buFontTx/>
-              <a:buChar char="-"/>
-            </a:pPr>
-            <a:r>
-              <a:rPr lang="en-GB" dirty="0"/>
-              <a:t>Seasonal events Halloween Christmas etc</a:t>
-            </a:r>
-          </a:p>
-          <a:p>
-            <a:pPr>
-              <a:buFontTx/>
-              <a:buChar char="-"/>
-            </a:pPr>
-            <a:r>
-              <a:rPr lang="en-GB" dirty="0"/>
-              <a:t>Keep track of analytics to identify strong and weak areas</a:t>
+              <a:rPr lang="en-US" sz="1800" dirty="0"/>
+              <a:t>Simplify</a:t>
             </a:r>
           </a:p>
         </p:txBody>
@@ -21631,7 +21841,7 @@
     </p:spTree>
     <p:extLst>
       <p:ext uri="{BB962C8B-B14F-4D97-AF65-F5344CB8AC3E}">
-        <p14:creationId xmlns:p14="http://schemas.microsoft.com/office/powerpoint/2010/main" val="1725933328"/>
+        <p14:creationId xmlns:p14="http://schemas.microsoft.com/office/powerpoint/2010/main" val="2556958"/>
       </p:ext>
     </p:extLst>
   </p:cSld>
@@ -21864,6 +22074,208 @@
           </a:graphicData>
         </a:graphic>
       </p:graphicFrame>
+      <p:sp>
+        <p:nvSpPr>
+          <p:cNvPr id="2" name="Content Placeholder 10">
+            <a:extLst>
+              <a:ext uri="{FF2B5EF4-FFF2-40B4-BE49-F238E27FC236}">
+                <a16:creationId xmlns:a16="http://schemas.microsoft.com/office/drawing/2014/main" id="{C45ED977-B00B-3813-05D8-BDD853C60592}"/>
+              </a:ext>
+            </a:extLst>
+          </p:cNvPr>
+          <p:cNvSpPr txBox="1">
+            <a:spLocks/>
+          </p:cNvSpPr>
+          <p:nvPr/>
+        </p:nvSpPr>
+        <p:spPr>
+          <a:xfrm>
+            <a:off x="408464" y="4460694"/>
+            <a:ext cx="3726601" cy="1417097"/>
+          </a:xfrm>
+          <a:prstGeom prst="rect">
+            <a:avLst/>
+          </a:prstGeom>
+        </p:spPr>
+        <p:txBody>
+          <a:bodyPr vert="horz" lIns="91440" tIns="45720" rIns="91440" bIns="45720" rtlCol="0">
+            <a:normAutofit/>
+          </a:bodyPr>
+          <a:lstStyle>
+            <a:lvl1pPr marL="228600" indent="-228600" algn="l" defTabSz="914400" rtl="0" eaLnBrk="1" latinLnBrk="0" hangingPunct="1">
+              <a:lnSpc>
+                <a:spcPct val="110000"/>
+              </a:lnSpc>
+              <a:spcBef>
+                <a:spcPts val="1000"/>
+              </a:spcBef>
+              <a:buFont typeface="Arial" panose="020B0604020202020204" pitchFamily="34" charset="0"/>
+              <a:buChar char="•"/>
+              <a:defRPr sz="2000" kern="1200" spc="-20" baseline="0">
+                <a:solidFill>
+                  <a:schemeClr val="tx1"/>
+                </a:solidFill>
+                <a:latin typeface="+mn-lt"/>
+                <a:ea typeface="+mn-ea"/>
+                <a:cs typeface="+mn-cs"/>
+              </a:defRPr>
+            </a:lvl1pPr>
+            <a:lvl2pPr marL="685800" indent="-228600" algn="l" defTabSz="914400" rtl="0" eaLnBrk="1" latinLnBrk="0" hangingPunct="1">
+              <a:lnSpc>
+                <a:spcPct val="110000"/>
+              </a:lnSpc>
+              <a:spcBef>
+                <a:spcPts val="500"/>
+              </a:spcBef>
+              <a:buFont typeface="Arial" panose="020B0604020202020204" pitchFamily="34" charset="0"/>
+              <a:buChar char="•"/>
+              <a:defRPr sz="2000" kern="1200" spc="-20" baseline="0">
+                <a:solidFill>
+                  <a:schemeClr val="tx1"/>
+                </a:solidFill>
+                <a:latin typeface="+mn-lt"/>
+                <a:ea typeface="+mn-ea"/>
+                <a:cs typeface="+mn-cs"/>
+              </a:defRPr>
+            </a:lvl2pPr>
+            <a:lvl3pPr marL="1143000" indent="-228600" algn="l" defTabSz="914400" rtl="0" eaLnBrk="1" latinLnBrk="0" hangingPunct="1">
+              <a:lnSpc>
+                <a:spcPct val="110000"/>
+              </a:lnSpc>
+              <a:spcBef>
+                <a:spcPts val="500"/>
+              </a:spcBef>
+              <a:buFont typeface="Arial" panose="020B0604020202020204" pitchFamily="34" charset="0"/>
+              <a:buChar char="•"/>
+              <a:defRPr sz="1800" kern="1200" spc="-20" baseline="0">
+                <a:solidFill>
+                  <a:schemeClr val="tx1"/>
+                </a:solidFill>
+                <a:latin typeface="+mn-lt"/>
+                <a:ea typeface="+mn-ea"/>
+                <a:cs typeface="+mn-cs"/>
+              </a:defRPr>
+            </a:lvl3pPr>
+            <a:lvl4pPr marL="1600200" indent="-228600" algn="l" defTabSz="914400" rtl="0" eaLnBrk="1" latinLnBrk="0" hangingPunct="1">
+              <a:lnSpc>
+                <a:spcPct val="110000"/>
+              </a:lnSpc>
+              <a:spcBef>
+                <a:spcPts val="500"/>
+              </a:spcBef>
+              <a:buFont typeface="Arial" panose="020B0604020202020204" pitchFamily="34" charset="0"/>
+              <a:buChar char="•"/>
+              <a:defRPr sz="1600" kern="1200" spc="-20" baseline="0">
+                <a:solidFill>
+                  <a:schemeClr val="tx1"/>
+                </a:solidFill>
+                <a:latin typeface="+mn-lt"/>
+                <a:ea typeface="+mn-ea"/>
+                <a:cs typeface="+mn-cs"/>
+              </a:defRPr>
+            </a:lvl4pPr>
+            <a:lvl5pPr marL="2057400" indent="-228600" algn="l" defTabSz="914400" rtl="0" eaLnBrk="1" latinLnBrk="0" hangingPunct="1">
+              <a:lnSpc>
+                <a:spcPct val="110000"/>
+              </a:lnSpc>
+              <a:spcBef>
+                <a:spcPts val="500"/>
+              </a:spcBef>
+              <a:buFont typeface="Arial" panose="020B0604020202020204" pitchFamily="34" charset="0"/>
+              <a:buChar char="•"/>
+              <a:defRPr sz="1600" kern="1200" spc="-20" baseline="0">
+                <a:solidFill>
+                  <a:schemeClr val="tx1"/>
+                </a:solidFill>
+                <a:latin typeface="+mn-lt"/>
+                <a:ea typeface="+mn-ea"/>
+                <a:cs typeface="+mn-cs"/>
+              </a:defRPr>
+            </a:lvl5pPr>
+            <a:lvl6pPr marL="2514600" indent="-228600" algn="l" defTabSz="914400" rtl="0" eaLnBrk="1" latinLnBrk="0" hangingPunct="1">
+              <a:lnSpc>
+                <a:spcPct val="90000"/>
+              </a:lnSpc>
+              <a:spcBef>
+                <a:spcPts val="500"/>
+              </a:spcBef>
+              <a:buFont typeface="Arial" panose="020B0604020202020204" pitchFamily="34" charset="0"/>
+              <a:buChar char="•"/>
+              <a:defRPr sz="1800" kern="1200">
+                <a:solidFill>
+                  <a:schemeClr val="tx1"/>
+                </a:solidFill>
+                <a:latin typeface="+mn-lt"/>
+                <a:ea typeface="+mn-ea"/>
+                <a:cs typeface="+mn-cs"/>
+              </a:defRPr>
+            </a:lvl6pPr>
+            <a:lvl7pPr marL="2971800" indent="-228600" algn="l" defTabSz="914400" rtl="0" eaLnBrk="1" latinLnBrk="0" hangingPunct="1">
+              <a:lnSpc>
+                <a:spcPct val="90000"/>
+              </a:lnSpc>
+              <a:spcBef>
+                <a:spcPts val="500"/>
+              </a:spcBef>
+              <a:buFont typeface="Arial" panose="020B0604020202020204" pitchFamily="34" charset="0"/>
+              <a:buChar char="•"/>
+              <a:defRPr sz="1800" kern="1200">
+                <a:solidFill>
+                  <a:schemeClr val="tx1"/>
+                </a:solidFill>
+                <a:latin typeface="+mn-lt"/>
+                <a:ea typeface="+mn-ea"/>
+                <a:cs typeface="+mn-cs"/>
+              </a:defRPr>
+            </a:lvl7pPr>
+            <a:lvl8pPr marL="3429000" indent="-228600" algn="l" defTabSz="914400" rtl="0" eaLnBrk="1" latinLnBrk="0" hangingPunct="1">
+              <a:lnSpc>
+                <a:spcPct val="90000"/>
+              </a:lnSpc>
+              <a:spcBef>
+                <a:spcPts val="500"/>
+              </a:spcBef>
+              <a:buFont typeface="Arial" panose="020B0604020202020204" pitchFamily="34" charset="0"/>
+              <a:buChar char="•"/>
+              <a:defRPr sz="1800" kern="1200">
+                <a:solidFill>
+                  <a:schemeClr val="tx1"/>
+                </a:solidFill>
+                <a:latin typeface="+mn-lt"/>
+                <a:ea typeface="+mn-ea"/>
+                <a:cs typeface="+mn-cs"/>
+              </a:defRPr>
+            </a:lvl8pPr>
+            <a:lvl9pPr marL="3886200" indent="-228600" algn="l" defTabSz="914400" rtl="0" eaLnBrk="1" latinLnBrk="0" hangingPunct="1">
+              <a:lnSpc>
+                <a:spcPct val="90000"/>
+              </a:lnSpc>
+              <a:spcBef>
+                <a:spcPts val="500"/>
+              </a:spcBef>
+              <a:buFont typeface="Arial" panose="020B0604020202020204" pitchFamily="34" charset="0"/>
+              <a:buChar char="•"/>
+              <a:defRPr sz="1800" kern="1200">
+                <a:solidFill>
+                  <a:schemeClr val="tx1"/>
+                </a:solidFill>
+                <a:latin typeface="+mn-lt"/>
+                <a:ea typeface="+mn-ea"/>
+                <a:cs typeface="+mn-cs"/>
+              </a:defRPr>
+            </a:lvl9pPr>
+          </a:lstStyle>
+          <a:p>
+            <a:pPr marL="0" indent="0">
+              <a:buNone/>
+            </a:pPr>
+            <a:r>
+              <a:rPr lang="en-US" sz="1800" dirty="0"/>
+              <a:t>Check over, final release in august, development time much shorter using more skilled freelancers for less time</a:t>
+            </a:r>
+          </a:p>
+        </p:txBody>
+      </p:sp>
     </p:spTree>
     <p:extLst>
       <p:ext uri="{BB962C8B-B14F-4D97-AF65-F5344CB8AC3E}">
@@ -22589,6 +23001,55 @@
               <a:t>16</a:t>
             </a:fld>
             <a:endParaRPr lang="en-US" noProof="0" dirty="0"/>
+          </a:p>
+        </p:txBody>
+      </p:sp>
+      <p:sp>
+        <p:nvSpPr>
+          <p:cNvPr id="2" name="TextBox 1">
+            <a:extLst>
+              <a:ext uri="{FF2B5EF4-FFF2-40B4-BE49-F238E27FC236}">
+                <a16:creationId xmlns:a16="http://schemas.microsoft.com/office/drawing/2014/main" id="{FDF13102-D375-DB87-5FA1-31BB1BCC564E}"/>
+              </a:ext>
+            </a:extLst>
+          </p:cNvPr>
+          <p:cNvSpPr txBox="1"/>
+          <p:nvPr/>
+        </p:nvSpPr>
+        <p:spPr>
+          <a:xfrm>
+            <a:off x="4657458" y="196553"/>
+            <a:ext cx="6486258" cy="1200329"/>
+          </a:xfrm>
+          <a:prstGeom prst="rect">
+            <a:avLst/>
+          </a:prstGeom>
+          <a:noFill/>
+        </p:spPr>
+        <p:txBody>
+          <a:bodyPr wrap="square" rtlCol="0">
+            <a:spAutoFit/>
+          </a:bodyPr>
+          <a:lstStyle/>
+          <a:p>
+            <a:r>
+              <a:rPr lang="en-GB" dirty="0"/>
+              <a:t>Use real examples for accuracy – </a:t>
+            </a:r>
+            <a:r>
+              <a:rPr lang="en-GB" dirty="0" err="1"/>
+              <a:t>avg</a:t>
+            </a:r>
+            <a:r>
+              <a:rPr lang="en-GB" dirty="0"/>
+              <a:t> for casual and stats for the games in competition slide</a:t>
+            </a:r>
+          </a:p>
+          <a:p>
+            <a:r>
+              <a:rPr lang="en-GB" dirty="0"/>
+              <a:t>Account for new costs e.g. smaller team using freelancers for around 4 months</a:t>
+            </a:r>
           </a:p>
         </p:txBody>
       </p:sp>
@@ -23600,6 +24061,58 @@
           </a:p>
         </p:txBody>
       </p:sp>
+      <p:sp>
+        <p:nvSpPr>
+          <p:cNvPr id="7" name="TextBox 6">
+            <a:extLst>
+              <a:ext uri="{FF2B5EF4-FFF2-40B4-BE49-F238E27FC236}">
+                <a16:creationId xmlns:a16="http://schemas.microsoft.com/office/drawing/2014/main" id="{2C8FDA24-0826-6441-532A-6E6401C41855}"/>
+              </a:ext>
+            </a:extLst>
+          </p:cNvPr>
+          <p:cNvSpPr txBox="1"/>
+          <p:nvPr/>
+        </p:nvSpPr>
+        <p:spPr>
+          <a:xfrm>
+            <a:off x="3114322" y="504190"/>
+            <a:ext cx="6486258" cy="1200329"/>
+          </a:xfrm>
+          <a:prstGeom prst="rect">
+            <a:avLst/>
+          </a:prstGeom>
+          <a:noFill/>
+        </p:spPr>
+        <p:txBody>
+          <a:bodyPr wrap="square" rtlCol="0">
+            <a:spAutoFit/>
+          </a:bodyPr>
+          <a:lstStyle/>
+          <a:p>
+            <a:r>
+              <a:rPr lang="en-GB" dirty="0"/>
+              <a:t>Use real examples for accuracy – </a:t>
+            </a:r>
+            <a:r>
+              <a:rPr lang="en-GB" dirty="0" err="1"/>
+              <a:t>avg</a:t>
+            </a:r>
+            <a:r>
+              <a:rPr lang="en-GB" dirty="0"/>
+              <a:t> for casual and stats for the games in competition slide</a:t>
+            </a:r>
+          </a:p>
+          <a:p>
+            <a:endParaRPr lang="en-GB" dirty="0"/>
+          </a:p>
+          <a:p>
+            <a:r>
+              <a:rPr lang="en-GB" dirty="0"/>
+              <a:t>Split income and costs into as many categories as possible</a:t>
+            </a:r>
+          </a:p>
+        </p:txBody>
+      </p:sp>
     </p:spTree>
     <p:extLst>
       <p:ext uri="{BB962C8B-B14F-4D97-AF65-F5344CB8AC3E}">
@@ -23804,6 +24317,41 @@
           </a:p>
         </p:txBody>
       </p:sp>
+      <p:sp>
+        <p:nvSpPr>
+          <p:cNvPr id="2" name="TextBox 1">
+            <a:extLst>
+              <a:ext uri="{FF2B5EF4-FFF2-40B4-BE49-F238E27FC236}">
+                <a16:creationId xmlns:a16="http://schemas.microsoft.com/office/drawing/2014/main" id="{59BA2CDA-3860-6E5F-1266-8D8C8261547B}"/>
+              </a:ext>
+            </a:extLst>
+          </p:cNvPr>
+          <p:cNvSpPr txBox="1"/>
+          <p:nvPr/>
+        </p:nvSpPr>
+        <p:spPr>
+          <a:xfrm>
+            <a:off x="3067940" y="1559243"/>
+            <a:ext cx="6486258" cy="646331"/>
+          </a:xfrm>
+          <a:prstGeom prst="rect">
+            <a:avLst/>
+          </a:prstGeom>
+          <a:noFill/>
+        </p:spPr>
+        <p:txBody>
+          <a:bodyPr wrap="square" rtlCol="0">
+            <a:spAutoFit/>
+          </a:bodyPr>
+          <a:lstStyle/>
+          <a:p>
+            <a:r>
+              <a:rPr lang="en-GB" dirty="0"/>
+              <a:t>How much money is required for each section – salaries, marketing, development costs e.g. licensing, server hosting</a:t>
+            </a:r>
+          </a:p>
+        </p:txBody>
+      </p:sp>
     </p:spTree>
     <p:extLst>
       <p:ext uri="{BB962C8B-B14F-4D97-AF65-F5344CB8AC3E}">
@@ -23895,7 +24443,7 @@
           <a:p>
             <a:r>
               <a:rPr lang="en-US" dirty="0"/>
-              <a:t>text</a:t>
+              <a:t>How much I need, time scale for development, expected revenue costs profit, how long the loaned money + 20% will take to repay</a:t>
             </a:r>
           </a:p>
         </p:txBody>
@@ -24172,10 +24720,10 @@
       </p:grpSpPr>
       <p:sp>
         <p:nvSpPr>
-          <p:cNvPr id="15" name="Title 14">
+          <p:cNvPr id="18" name="Title 17">
             <a:extLst>
               <a:ext uri="{FF2B5EF4-FFF2-40B4-BE49-F238E27FC236}">
-                <a16:creationId xmlns:a16="http://schemas.microsoft.com/office/drawing/2014/main" id="{8DED76B9-5273-4139-ACC9-B6E36ADE2385}"/>
+                <a16:creationId xmlns:a16="http://schemas.microsoft.com/office/drawing/2014/main" id="{9F2FEA60-F900-4C56-9486-48EA30926F6E}"/>
               </a:ext>
             </a:extLst>
           </p:cNvPr>
@@ -24188,72 +24736,32 @@
         </p:nvSpPr>
         <p:spPr>
           <a:xfrm>
-            <a:off x="153823" y="776941"/>
-            <a:ext cx="3828517" cy="5166659"/>
+            <a:off x="92521" y="40801"/>
+            <a:ext cx="6801085" cy="1104543"/>
           </a:xfrm>
         </p:spPr>
         <p:txBody>
-          <a:bodyPr anchor="t"/>
+          <a:bodyPr>
+            <a:normAutofit fontScale="90000"/>
+          </a:bodyPr>
           <a:lstStyle/>
           <a:p>
             <a:r>
-              <a:rPr lang="en-US" sz="4400" dirty="0">
+              <a:rPr lang="en-US" sz="6600" dirty="0">
                 <a:latin typeface="Arial" panose="020B0604020202020204" pitchFamily="34" charset="0"/>
                 <a:cs typeface="Arial" panose="020B0604020202020204" pitchFamily="34" charset="0"/>
               </a:rPr>
-              <a:t>Who are we?</a:t>
+              <a:t>Product Overview</a:t>
             </a:r>
-            <a:br>
-              <a:rPr lang="en-US" dirty="0">
-                <a:latin typeface="Arial" panose="020B0604020202020204" pitchFamily="34" charset="0"/>
-                <a:cs typeface="Arial" panose="020B0604020202020204" pitchFamily="34" charset="0"/>
-              </a:rPr>
-            </a:br>
-            <a:br>
-              <a:rPr lang="en-US" dirty="0">
-                <a:latin typeface="Arial" panose="020B0604020202020204" pitchFamily="34" charset="0"/>
-                <a:cs typeface="Arial" panose="020B0604020202020204" pitchFamily="34" charset="0"/>
-              </a:rPr>
-            </a:br>
-            <a:br>
-              <a:rPr lang="en-US" dirty="0">
-                <a:latin typeface="Arial" panose="020B0604020202020204" pitchFamily="34" charset="0"/>
-                <a:cs typeface="Arial" panose="020B0604020202020204" pitchFamily="34" charset="0"/>
-              </a:rPr>
-            </a:br>
-            <a:r>
-              <a:rPr lang="en-US" sz="5400" dirty="0">
-                <a:latin typeface="Arial" panose="020B0604020202020204" pitchFamily="34" charset="0"/>
-                <a:cs typeface="Arial" panose="020B0604020202020204" pitchFamily="34" charset="0"/>
-              </a:rPr>
-              <a:t>Joe’s</a:t>
-            </a:r>
-            <a:br>
-              <a:rPr lang="en-US" sz="5400" dirty="0">
-                <a:latin typeface="Arial" panose="020B0604020202020204" pitchFamily="34" charset="0"/>
-                <a:cs typeface="Arial" panose="020B0604020202020204" pitchFamily="34" charset="0"/>
-              </a:rPr>
-            </a:br>
-            <a:r>
-              <a:rPr lang="en-US" sz="5400" dirty="0">
-                <a:latin typeface="Arial" panose="020B0604020202020204" pitchFamily="34" charset="0"/>
-                <a:cs typeface="Arial" panose="020B0604020202020204" pitchFamily="34" charset="0"/>
-              </a:rPr>
-              <a:t>Games</a:t>
-            </a:r>
-            <a:endParaRPr lang="en-US" dirty="0">
-              <a:latin typeface="Arial" panose="020B0604020202020204" pitchFamily="34" charset="0"/>
-              <a:cs typeface="Arial" panose="020B0604020202020204" pitchFamily="34" charset="0"/>
-            </a:endParaRPr>
           </a:p>
         </p:txBody>
       </p:sp>
       <p:pic>
         <p:nvPicPr>
-          <p:cNvPr id="5" name="Picture Placeholder 4" descr="A person standing on a rock">
+          <p:cNvPr id="8" name="Picture Placeholder 7" descr="A picture containing mountain, sky, outdoor, nature">
             <a:extLst>
               <a:ext uri="{FF2B5EF4-FFF2-40B4-BE49-F238E27FC236}">
-                <a16:creationId xmlns:a16="http://schemas.microsoft.com/office/drawing/2014/main" id="{633DBDDF-94F3-4001-919E-B56D62CE7A09}"/>
+                <a16:creationId xmlns:a16="http://schemas.microsoft.com/office/drawing/2014/main" id="{7B7F6341-D9BE-4D3C-92A1-37FAA11DE63C}"/>
               </a:ext>
             </a:extLst>
           </p:cNvPr>
@@ -24265,7 +24773,7 @@
           </p:nvPr>
         </p:nvPicPr>
         <p:blipFill rotWithShape="1">
-          <a:blip r:embed="rId3" cstate="screen">
+          <a:blip r:embed="rId2" cstate="screen">
             <a:extLst>
               <a:ext uri="{28A0092B-C50C-407E-A947-70E740481C1C}">
                 <a14:useLocalDpi xmlns:a14="http://schemas.microsoft.com/office/drawing/2010/main" val="0"/>
@@ -24277,51 +24785,17 @@
         </p:blipFill>
         <p:spPr>
           <a:xfrm>
-            <a:off x="4076700" y="0"/>
-            <a:ext cx="4038600" cy="3429000"/>
-          </a:xfrm>
-        </p:spPr>
-      </p:pic>
-      <p:pic>
-        <p:nvPicPr>
-          <p:cNvPr id="44" name="Picture Placeholder 43" descr="A picture containing mountain, sky, nature, outdoor">
-            <a:extLst>
-              <a:ext uri="{FF2B5EF4-FFF2-40B4-BE49-F238E27FC236}">
-                <a16:creationId xmlns:a16="http://schemas.microsoft.com/office/drawing/2014/main" id="{73DD8BED-FB17-4ABE-9B18-B6DDA81A0E05}"/>
-              </a:ext>
-            </a:extLst>
-          </p:cNvPr>
-          <p:cNvPicPr>
-            <a:picLocks noGrp="1" noChangeAspect="1"/>
-          </p:cNvPicPr>
-          <p:nvPr>
-            <p:ph type="pic" sz="quarter" idx="14"/>
-          </p:nvPr>
-        </p:nvPicPr>
-        <p:blipFill rotWithShape="1">
-          <a:blip r:embed="rId4" cstate="screen">
-            <a:extLst>
-              <a:ext uri="{28A0092B-C50C-407E-A947-70E740481C1C}">
-                <a14:useLocalDpi xmlns:a14="http://schemas.microsoft.com/office/drawing/2010/main" val="0"/>
-              </a:ext>
-            </a:extLst>
-          </a:blip>
-          <a:srcRect/>
-          <a:stretch/>
-        </p:blipFill>
-        <p:spPr>
-          <a:xfrm>
-            <a:off x="8115300" y="0"/>
-            <a:ext cx="4076701" cy="3429000"/>
+            <a:off x="0" y="2286000"/>
+            <a:ext cx="5067300" cy="4572000"/>
           </a:xfrm>
         </p:spPr>
       </p:pic>
       <p:sp>
         <p:nvSpPr>
-          <p:cNvPr id="18" name="Text Placeholder 17">
+          <p:cNvPr id="3" name="Footer Placeholder 2">
             <a:extLst>
               <a:ext uri="{FF2B5EF4-FFF2-40B4-BE49-F238E27FC236}">
-                <a16:creationId xmlns:a16="http://schemas.microsoft.com/office/drawing/2014/main" id="{87F2C169-25EA-4609-BC8A-BCA7C433EEE4}"/>
+                <a16:creationId xmlns:a16="http://schemas.microsoft.com/office/drawing/2014/main" id="{88BDA17F-F303-4811-96C4-AD8A09ABEC11}"/>
               </a:ext>
             </a:extLst>
           </p:cNvPr>
@@ -24329,13 +24803,46 @@
             <a:spLocks noGrp="1"/>
           </p:cNvSpPr>
           <p:nvPr>
-            <p:ph type="body" sz="quarter" idx="15"/>
+            <p:ph type="ftr" sz="quarter" idx="11"/>
           </p:nvPr>
         </p:nvSpPr>
         <p:spPr>
           <a:xfrm>
-            <a:off x="4485896" y="3591468"/>
-            <a:ext cx="7258807" cy="2599874"/>
+            <a:off x="201168" y="6356350"/>
+            <a:ext cx="4837176" cy="365125"/>
+          </a:xfrm>
+        </p:spPr>
+        <p:txBody>
+          <a:bodyPr/>
+          <a:lstStyle/>
+          <a:p>
+            <a:r>
+              <a:rPr lang="en-US" dirty="0"/>
+              <a:t>OutDig</a:t>
+            </a:r>
+          </a:p>
+        </p:txBody>
+      </p:sp>
+      <p:sp>
+        <p:nvSpPr>
+          <p:cNvPr id="19" name="Content Placeholder 18">
+            <a:extLst>
+              <a:ext uri="{FF2B5EF4-FFF2-40B4-BE49-F238E27FC236}">
+                <a16:creationId xmlns:a16="http://schemas.microsoft.com/office/drawing/2014/main" id="{AB6583FE-B653-4C01-9ADF-EC8514A0B5ED}"/>
+              </a:ext>
+            </a:extLst>
+          </p:cNvPr>
+          <p:cNvSpPr>
+            <a:spLocks noGrp="1"/>
+          </p:cNvSpPr>
+          <p:nvPr>
+            <p:ph idx="1"/>
+          </p:nvPr>
+        </p:nvSpPr>
+        <p:spPr>
+          <a:xfrm>
+            <a:off x="5195843" y="1495514"/>
+            <a:ext cx="6801085" cy="5224691"/>
           </a:xfrm>
         </p:spPr>
         <p:txBody>
@@ -24344,49 +24851,133 @@
           </a:bodyPr>
           <a:lstStyle/>
           <a:p>
-            <a:pPr marL="0" indent="0">
-              <a:buNone/>
-            </a:pPr>
             <a:r>
-              <a:rPr lang="en-US" sz="1800" dirty="0">
+              <a:rPr lang="en-GB" sz="2000" dirty="0">
+                <a:solidFill>
+                  <a:schemeClr val="bg1"/>
+                </a:solidFill>
                 <a:latin typeface="Arial" panose="020B0604020202020204" pitchFamily="34" charset="0"/>
                 <a:cs typeface="Arial" panose="020B0604020202020204" pitchFamily="34" charset="0"/>
               </a:rPr>
-              <a:t>Limited company, will be producing mobile games in the casual market, employing junior skill level developers. Plan on creating a new game every 2 to 3 years, taking on new hires as required.</a:t>
+              <a:t>Mine, fight and build to outplay your opponents in fast-paced, real-time battles</a:t>
             </a:r>
           </a:p>
           <a:p>
-            <a:pPr marL="0" indent="0">
-              <a:buNone/>
-            </a:pPr>
+            <a:endParaRPr lang="en-GB" sz="1600" dirty="0">
+              <a:latin typeface="Arial" panose="020B0604020202020204" pitchFamily="34" charset="0"/>
+              <a:cs typeface="Arial" panose="020B0604020202020204" pitchFamily="34" charset="0"/>
+            </a:endParaRPr>
+          </a:p>
+          <a:p>
             <a:r>
-              <a:rPr lang="en-US" sz="1800" dirty="0">
+              <a:rPr lang="en-GB" sz="1600" b="1" dirty="0">
                 <a:latin typeface="Arial" panose="020B0604020202020204" pitchFamily="34" charset="0"/>
                 <a:cs typeface="Arial" panose="020B0604020202020204" pitchFamily="34" charset="0"/>
               </a:rPr>
-              <a:t>Products are medium in technological scope, as required by company makeup and present funding available.</a:t>
+              <a:t>Genre</a:t>
             </a:r>
           </a:p>
           <a:p>
-            <a:pPr marL="0" indent="0">
-              <a:buNone/>
-            </a:pPr>
             <a:r>
-              <a:rPr lang="en-US" sz="1800" dirty="0">
+              <a:rPr lang="en-GB" sz="1600" dirty="0">
                 <a:latin typeface="Arial" panose="020B0604020202020204" pitchFamily="34" charset="0"/>
                 <a:cs typeface="Arial" panose="020B0604020202020204" pitchFamily="34" charset="0"/>
               </a:rPr>
-              <a:t>The development team consists of 4 people: Team lead &amp; Programmer, second Programmer, Artist, Marketing analyst.</a:t>
+              <a:t>Casual, Action,</a:t>
             </a:r>
+          </a:p>
+          <a:p>
+            <a:r>
+              <a:rPr lang="en-GB" sz="1600" dirty="0">
+                <a:latin typeface="Arial" panose="020B0604020202020204" pitchFamily="34" charset="0"/>
+                <a:cs typeface="Arial" panose="020B0604020202020204" pitchFamily="34" charset="0"/>
+              </a:rPr>
+              <a:t>Sandbox, Platformer</a:t>
+            </a:r>
+          </a:p>
+          <a:p>
+            <a:endParaRPr lang="en-GB" sz="1600" dirty="0">
+              <a:latin typeface="Arial" panose="020B0604020202020204" pitchFamily="34" charset="0"/>
+              <a:cs typeface="Arial" panose="020B0604020202020204" pitchFamily="34" charset="0"/>
+            </a:endParaRPr>
+          </a:p>
+          <a:p>
+            <a:r>
+              <a:rPr lang="en-GB" sz="1600" b="1" dirty="0">
+                <a:latin typeface="Arial" panose="020B0604020202020204" pitchFamily="34" charset="0"/>
+                <a:cs typeface="Arial" panose="020B0604020202020204" pitchFamily="34" charset="0"/>
+              </a:rPr>
+              <a:t>Target Audience</a:t>
+            </a:r>
+          </a:p>
+          <a:p>
+            <a:r>
+              <a:rPr lang="en-GB" sz="1600" dirty="0">
+                <a:latin typeface="Arial" panose="020B0604020202020204" pitchFamily="34" charset="0"/>
+                <a:cs typeface="Arial" panose="020B0604020202020204" pitchFamily="34" charset="0"/>
+              </a:rPr>
+              <a:t>Casual &amp; competitive players, aged 7 upwards</a:t>
+            </a:r>
+          </a:p>
+          <a:p>
+            <a:endParaRPr lang="en-GB" sz="1600" dirty="0">
+              <a:latin typeface="Arial" panose="020B0604020202020204" pitchFamily="34" charset="0"/>
+              <a:cs typeface="Arial" panose="020B0604020202020204" pitchFamily="34" charset="0"/>
+            </a:endParaRPr>
+          </a:p>
+          <a:p>
+            <a:r>
+              <a:rPr lang="en-GB" sz="1600" b="1" dirty="0">
+                <a:latin typeface="Arial" panose="020B0604020202020204" pitchFamily="34" charset="0"/>
+                <a:cs typeface="Arial" panose="020B0604020202020204" pitchFamily="34" charset="0"/>
+              </a:rPr>
+              <a:t>Revenue</a:t>
+            </a:r>
+          </a:p>
+          <a:p>
+            <a:r>
+              <a:rPr lang="en-GB" sz="1600" dirty="0">
+                <a:latin typeface="Arial" panose="020B0604020202020204" pitchFamily="34" charset="0"/>
+                <a:cs typeface="Arial" panose="020B0604020202020204" pitchFamily="34" charset="0"/>
+              </a:rPr>
+              <a:t>~£340,000 in 4 years (end of 2026)</a:t>
+            </a:r>
+          </a:p>
+          <a:p>
+            <a:r>
+              <a:rPr lang="en-GB" sz="1600" dirty="0">
+                <a:latin typeface="Arial" panose="020B0604020202020204" pitchFamily="34" charset="0"/>
+                <a:cs typeface="Arial" panose="020B0604020202020204" pitchFamily="34" charset="0"/>
+              </a:rPr>
+              <a:t>(cost)</a:t>
+            </a:r>
+          </a:p>
+          <a:p>
+            <a:endParaRPr lang="en-GB" sz="1600" dirty="0">
+              <a:latin typeface="Arial" panose="020B0604020202020204" pitchFamily="34" charset="0"/>
+              <a:cs typeface="Arial" panose="020B0604020202020204" pitchFamily="34" charset="0"/>
+            </a:endParaRPr>
+          </a:p>
+          <a:p>
+            <a:endParaRPr lang="en-GB" sz="1600" dirty="0">
+              <a:latin typeface="Arial" panose="020B0604020202020204" pitchFamily="34" charset="0"/>
+              <a:cs typeface="Arial" panose="020B0604020202020204" pitchFamily="34" charset="0"/>
+            </a:endParaRPr>
+          </a:p>
+          <a:p>
+            <a:endParaRPr lang="en-US" dirty="0"/>
+          </a:p>
+          <a:p>
+            <a:endParaRPr lang="en-US" dirty="0"/>
           </a:p>
         </p:txBody>
       </p:sp>
       <p:sp>
         <p:nvSpPr>
-          <p:cNvPr id="19" name="Date Placeholder 18">
+          <p:cNvPr id="4" name="Date Placeholder 3">
             <a:extLst>
               <a:ext uri="{FF2B5EF4-FFF2-40B4-BE49-F238E27FC236}">
-                <a16:creationId xmlns:a16="http://schemas.microsoft.com/office/drawing/2014/main" id="{CE93697D-BFA2-4D84-A860-BA620414419D}"/>
+                <a16:creationId xmlns:a16="http://schemas.microsoft.com/office/drawing/2014/main" id="{F6D5CF6D-DC44-4734-988C-0AAA60D5F7E2}"/>
               </a:ext>
             </a:extLst>
           </p:cNvPr>
@@ -24417,10 +25008,10 @@
       </p:sp>
       <p:sp>
         <p:nvSpPr>
-          <p:cNvPr id="21" name="Slide Number Placeholder 20">
+          <p:cNvPr id="5" name="Slide Number Placeholder 4">
             <a:extLst>
               <a:ext uri="{FF2B5EF4-FFF2-40B4-BE49-F238E27FC236}">
-                <a16:creationId xmlns:a16="http://schemas.microsoft.com/office/drawing/2014/main" id="{C19BFBA5-3E41-40F8-9EFB-9DF730F5B6E4}"/>
+                <a16:creationId xmlns:a16="http://schemas.microsoft.com/office/drawing/2014/main" id="{3E08B9AF-847F-4250-A53B-82D9036A5EBF}"/>
               </a:ext>
             </a:extLst>
           </p:cNvPr>
@@ -24451,40 +25042,112 @@
           </a:p>
         </p:txBody>
       </p:sp>
-      <p:pic>
-        <p:nvPicPr>
-          <p:cNvPr id="3" name="Picture 2">
+      <p:sp>
+        <p:nvSpPr>
+          <p:cNvPr id="2" name="Title 17">
             <a:extLst>
               <a:ext uri="{FF2B5EF4-FFF2-40B4-BE49-F238E27FC236}">
-                <a16:creationId xmlns:a16="http://schemas.microsoft.com/office/drawing/2014/main" id="{10B72CAF-C024-4F09-BEEE-0AE8939558CA}"/>
+                <a16:creationId xmlns:a16="http://schemas.microsoft.com/office/drawing/2014/main" id="{B86EF493-69FC-2A55-A10B-D435B8FC2C4F}"/>
               </a:ext>
             </a:extLst>
           </p:cNvPr>
-          <p:cNvPicPr>
-            <a:picLocks noChangeAspect="1"/>
-          </p:cNvPicPr>
+          <p:cNvSpPr txBox="1">
+            <a:spLocks/>
+          </p:cNvSpPr>
           <p:nvPr/>
-        </p:nvPicPr>
-        <p:blipFill>
-          <a:blip r:embed="rId5"/>
-          <a:stretch>
-            <a:fillRect/>
-          </a:stretch>
-        </p:blipFill>
+        </p:nvSpPr>
         <p:spPr>
           <a:xfrm>
-            <a:off x="931771" y="4428101"/>
-            <a:ext cx="2065166" cy="1763241"/>
+            <a:off x="-147212" y="1145344"/>
+            <a:ext cx="4587351" cy="867606"/>
           </a:xfrm>
           <a:prstGeom prst="rect">
             <a:avLst/>
           </a:prstGeom>
         </p:spPr>
-      </p:pic>
+        <p:txBody>
+          <a:bodyPr vert="horz" lIns="91440" tIns="45720" rIns="91440" bIns="45720" rtlCol="0" anchor="b">
+            <a:normAutofit/>
+          </a:bodyPr>
+          <a:lstStyle>
+            <a:lvl1pPr algn="l" defTabSz="914400" rtl="0" eaLnBrk="1" latinLnBrk="0" hangingPunct="1">
+              <a:lnSpc>
+                <a:spcPct val="90000"/>
+              </a:lnSpc>
+              <a:spcBef>
+                <a:spcPct val="0"/>
+              </a:spcBef>
+              <a:buNone/>
+              <a:defRPr sz="4800" b="1" kern="1200" spc="-20" baseline="0">
+                <a:solidFill>
+                  <a:schemeClr val="bg1"/>
+                </a:solidFill>
+                <a:latin typeface="+mj-lt"/>
+                <a:ea typeface="+mj-ea"/>
+                <a:cs typeface="+mj-cs"/>
+              </a:defRPr>
+            </a:lvl1pPr>
+          </a:lstStyle>
+          <a:p>
+            <a:pPr algn="ctr"/>
+            <a:r>
+              <a:rPr lang="en-US" dirty="0">
+                <a:latin typeface="Arial" panose="020B0604020202020204" pitchFamily="34" charset="0"/>
+                <a:cs typeface="Arial" panose="020B0604020202020204" pitchFamily="34" charset="0"/>
+              </a:rPr>
+              <a:t>OutDig</a:t>
+            </a:r>
+          </a:p>
+        </p:txBody>
+      </p:sp>
+      <p:sp>
+        <p:nvSpPr>
+          <p:cNvPr id="6" name="TextBox 5">
+            <a:extLst>
+              <a:ext uri="{FF2B5EF4-FFF2-40B4-BE49-F238E27FC236}">
+                <a16:creationId xmlns:a16="http://schemas.microsoft.com/office/drawing/2014/main" id="{63794FE5-D639-2292-02DD-C1C9269D47E1}"/>
+              </a:ext>
+            </a:extLst>
+          </p:cNvPr>
+          <p:cNvSpPr txBox="1"/>
+          <p:nvPr/>
+        </p:nvSpPr>
+        <p:spPr>
+          <a:xfrm>
+            <a:off x="1350236" y="3232655"/>
+            <a:ext cx="2785929" cy="1477328"/>
+          </a:xfrm>
+          <a:prstGeom prst="rect">
+            <a:avLst/>
+          </a:prstGeom>
+          <a:noFill/>
+        </p:spPr>
+        <p:txBody>
+          <a:bodyPr wrap="square" rtlCol="0">
+            <a:spAutoFit/>
+          </a:bodyPr>
+          <a:lstStyle/>
+          <a:p>
+            <a:r>
+              <a:rPr lang="en-GB" dirty="0"/>
+              <a:t>Image showing better what it is</a:t>
+            </a:r>
+          </a:p>
+          <a:p>
+            <a:endParaRPr lang="en-GB" dirty="0"/>
+          </a:p>
+          <a:p>
+            <a:r>
+              <a:rPr lang="en-GB" dirty="0"/>
+              <a:t>Another slide with more examples to help explain</a:t>
+            </a:r>
+          </a:p>
+        </p:txBody>
+      </p:sp>
     </p:spTree>
     <p:extLst>
       <p:ext uri="{BB962C8B-B14F-4D97-AF65-F5344CB8AC3E}">
-        <p14:creationId xmlns:p14="http://schemas.microsoft.com/office/powerpoint/2010/main" val="2106347884"/>
+        <p14:creationId xmlns:p14="http://schemas.microsoft.com/office/powerpoint/2010/main" val="1074753820"/>
       </p:ext>
     </p:extLst>
   </p:cSld>
@@ -24716,10 +25379,10 @@
       </p:grpSpPr>
       <p:sp>
         <p:nvSpPr>
-          <p:cNvPr id="18" name="Title 17">
+          <p:cNvPr id="15" name="Title 14">
             <a:extLst>
               <a:ext uri="{FF2B5EF4-FFF2-40B4-BE49-F238E27FC236}">
-                <a16:creationId xmlns:a16="http://schemas.microsoft.com/office/drawing/2014/main" id="{9F2FEA60-F900-4C56-9486-48EA30926F6E}"/>
+                <a16:creationId xmlns:a16="http://schemas.microsoft.com/office/drawing/2014/main" id="{8DED76B9-5273-4139-ACC9-B6E36ADE2385}"/>
               </a:ext>
             </a:extLst>
           </p:cNvPr>
@@ -24732,32 +25395,72 @@
         </p:nvSpPr>
         <p:spPr>
           <a:xfrm>
-            <a:off x="92521" y="40801"/>
-            <a:ext cx="6801085" cy="1104543"/>
+            <a:off x="153823" y="776941"/>
+            <a:ext cx="3828517" cy="5166659"/>
           </a:xfrm>
         </p:spPr>
         <p:txBody>
-          <a:bodyPr>
-            <a:normAutofit fontScale="90000"/>
-          </a:bodyPr>
+          <a:bodyPr anchor="t"/>
           <a:lstStyle/>
           <a:p>
             <a:r>
-              <a:rPr lang="en-US" sz="6600" dirty="0">
+              <a:rPr lang="en-US" sz="4400" dirty="0">
                 <a:latin typeface="Arial" panose="020B0604020202020204" pitchFamily="34" charset="0"/>
                 <a:cs typeface="Arial" panose="020B0604020202020204" pitchFamily="34" charset="0"/>
               </a:rPr>
-              <a:t>Product Overview</a:t>
+              <a:t>Who are we?</a:t>
             </a:r>
+            <a:br>
+              <a:rPr lang="en-US" dirty="0">
+                <a:latin typeface="Arial" panose="020B0604020202020204" pitchFamily="34" charset="0"/>
+                <a:cs typeface="Arial" panose="020B0604020202020204" pitchFamily="34" charset="0"/>
+              </a:rPr>
+            </a:br>
+            <a:br>
+              <a:rPr lang="en-US" dirty="0">
+                <a:latin typeface="Arial" panose="020B0604020202020204" pitchFamily="34" charset="0"/>
+                <a:cs typeface="Arial" panose="020B0604020202020204" pitchFamily="34" charset="0"/>
+              </a:rPr>
+            </a:br>
+            <a:br>
+              <a:rPr lang="en-US" dirty="0">
+                <a:latin typeface="Arial" panose="020B0604020202020204" pitchFamily="34" charset="0"/>
+                <a:cs typeface="Arial" panose="020B0604020202020204" pitchFamily="34" charset="0"/>
+              </a:rPr>
+            </a:br>
+            <a:r>
+              <a:rPr lang="en-US" sz="5400" dirty="0">
+                <a:latin typeface="Arial" panose="020B0604020202020204" pitchFamily="34" charset="0"/>
+                <a:cs typeface="Arial" panose="020B0604020202020204" pitchFamily="34" charset="0"/>
+              </a:rPr>
+              <a:t>Joe’s</a:t>
+            </a:r>
+            <a:br>
+              <a:rPr lang="en-US" sz="5400" dirty="0">
+                <a:latin typeface="Arial" panose="020B0604020202020204" pitchFamily="34" charset="0"/>
+                <a:cs typeface="Arial" panose="020B0604020202020204" pitchFamily="34" charset="0"/>
+              </a:rPr>
+            </a:br>
+            <a:r>
+              <a:rPr lang="en-US" sz="5400" dirty="0">
+                <a:latin typeface="Arial" panose="020B0604020202020204" pitchFamily="34" charset="0"/>
+                <a:cs typeface="Arial" panose="020B0604020202020204" pitchFamily="34" charset="0"/>
+              </a:rPr>
+              <a:t>Games</a:t>
+            </a:r>
+            <a:endParaRPr lang="en-US" dirty="0">
+              <a:latin typeface="Arial" panose="020B0604020202020204" pitchFamily="34" charset="0"/>
+              <a:cs typeface="Arial" panose="020B0604020202020204" pitchFamily="34" charset="0"/>
+            </a:endParaRPr>
           </a:p>
         </p:txBody>
       </p:sp>
       <p:pic>
         <p:nvPicPr>
-          <p:cNvPr id="8" name="Picture Placeholder 7" descr="A picture containing mountain, sky, outdoor, nature">
+          <p:cNvPr id="5" name="Picture Placeholder 4" descr="A person standing on a rock">
             <a:extLst>
               <a:ext uri="{FF2B5EF4-FFF2-40B4-BE49-F238E27FC236}">
-                <a16:creationId xmlns:a16="http://schemas.microsoft.com/office/drawing/2014/main" id="{7B7F6341-D9BE-4D3C-92A1-37FAA11DE63C}"/>
+                <a16:creationId xmlns:a16="http://schemas.microsoft.com/office/drawing/2014/main" id="{633DBDDF-94F3-4001-919E-B56D62CE7A09}"/>
               </a:ext>
             </a:extLst>
           </p:cNvPr>
@@ -24769,7 +25472,7 @@
           </p:nvPr>
         </p:nvPicPr>
         <p:blipFill rotWithShape="1">
-          <a:blip r:embed="rId2" cstate="screen">
+          <a:blip r:embed="rId3" cstate="screen">
             <a:extLst>
               <a:ext uri="{28A0092B-C50C-407E-A947-70E740481C1C}">
                 <a14:useLocalDpi xmlns:a14="http://schemas.microsoft.com/office/drawing/2010/main" val="0"/>
@@ -24781,17 +25484,51 @@
         </p:blipFill>
         <p:spPr>
           <a:xfrm>
-            <a:off x="0" y="2286000"/>
-            <a:ext cx="5067300" cy="4572000"/>
+            <a:off x="4076700" y="0"/>
+            <a:ext cx="4038600" cy="3429000"/>
+          </a:xfrm>
+        </p:spPr>
+      </p:pic>
+      <p:pic>
+        <p:nvPicPr>
+          <p:cNvPr id="44" name="Picture Placeholder 43" descr="A picture containing mountain, sky, nature, outdoor">
+            <a:extLst>
+              <a:ext uri="{FF2B5EF4-FFF2-40B4-BE49-F238E27FC236}">
+                <a16:creationId xmlns:a16="http://schemas.microsoft.com/office/drawing/2014/main" id="{73DD8BED-FB17-4ABE-9B18-B6DDA81A0E05}"/>
+              </a:ext>
+            </a:extLst>
+          </p:cNvPr>
+          <p:cNvPicPr>
+            <a:picLocks noGrp="1" noChangeAspect="1"/>
+          </p:cNvPicPr>
+          <p:nvPr>
+            <p:ph type="pic" sz="quarter" idx="14"/>
+          </p:nvPr>
+        </p:nvPicPr>
+        <p:blipFill rotWithShape="1">
+          <a:blip r:embed="rId4" cstate="screen">
+            <a:extLst>
+              <a:ext uri="{28A0092B-C50C-407E-A947-70E740481C1C}">
+                <a14:useLocalDpi xmlns:a14="http://schemas.microsoft.com/office/drawing/2010/main" val="0"/>
+              </a:ext>
+            </a:extLst>
+          </a:blip>
+          <a:srcRect/>
+          <a:stretch/>
+        </p:blipFill>
+        <p:spPr>
+          <a:xfrm>
+            <a:off x="8115300" y="0"/>
+            <a:ext cx="4076701" cy="3429000"/>
           </a:xfrm>
         </p:spPr>
       </p:pic>
       <p:sp>
         <p:nvSpPr>
-          <p:cNvPr id="3" name="Footer Placeholder 2">
+          <p:cNvPr id="18" name="Text Placeholder 17">
             <a:extLst>
               <a:ext uri="{FF2B5EF4-FFF2-40B4-BE49-F238E27FC236}">
-                <a16:creationId xmlns:a16="http://schemas.microsoft.com/office/drawing/2014/main" id="{88BDA17F-F303-4811-96C4-AD8A09ABEC11}"/>
+                <a16:creationId xmlns:a16="http://schemas.microsoft.com/office/drawing/2014/main" id="{87F2C169-25EA-4609-BC8A-BCA7C433EEE4}"/>
               </a:ext>
             </a:extLst>
           </p:cNvPr>
@@ -24799,46 +25536,13 @@
             <a:spLocks noGrp="1"/>
           </p:cNvSpPr>
           <p:nvPr>
-            <p:ph type="ftr" sz="quarter" idx="11"/>
+            <p:ph type="body" sz="quarter" idx="15"/>
           </p:nvPr>
         </p:nvSpPr>
         <p:spPr>
           <a:xfrm>
-            <a:off x="201168" y="6356350"/>
-            <a:ext cx="4837176" cy="365125"/>
-          </a:xfrm>
-        </p:spPr>
-        <p:txBody>
-          <a:bodyPr/>
-          <a:lstStyle/>
-          <a:p>
-            <a:r>
-              <a:rPr lang="en-US" dirty="0"/>
-              <a:t>OutDig</a:t>
-            </a:r>
-          </a:p>
-        </p:txBody>
-      </p:sp>
-      <p:sp>
-        <p:nvSpPr>
-          <p:cNvPr id="19" name="Content Placeholder 18">
-            <a:extLst>
-              <a:ext uri="{FF2B5EF4-FFF2-40B4-BE49-F238E27FC236}">
-                <a16:creationId xmlns:a16="http://schemas.microsoft.com/office/drawing/2014/main" id="{AB6583FE-B653-4C01-9ADF-EC8514A0B5ED}"/>
-              </a:ext>
-            </a:extLst>
-          </p:cNvPr>
-          <p:cNvSpPr>
-            <a:spLocks noGrp="1"/>
-          </p:cNvSpPr>
-          <p:nvPr>
-            <p:ph idx="1"/>
-          </p:nvPr>
-        </p:nvSpPr>
-        <p:spPr>
-          <a:xfrm>
-            <a:off x="5195843" y="1495514"/>
-            <a:ext cx="6801085" cy="4751461"/>
+            <a:off x="4485896" y="3591468"/>
+            <a:ext cx="7258807" cy="2599874"/>
           </a:xfrm>
         </p:spPr>
         <p:txBody>
@@ -24847,121 +25551,37 @@
           </a:bodyPr>
           <a:lstStyle/>
           <a:p>
+            <a:pPr marL="0" indent="0">
+              <a:buNone/>
+            </a:pPr>
             <a:r>
-              <a:rPr lang="en-GB" sz="2000" dirty="0">
-                <a:solidFill>
-                  <a:schemeClr val="bg1"/>
-                </a:solidFill>
+              <a:rPr lang="en-US" sz="1800" dirty="0">
                 <a:latin typeface="Arial" panose="020B0604020202020204" pitchFamily="34" charset="0"/>
                 <a:cs typeface="Arial" panose="020B0604020202020204" pitchFamily="34" charset="0"/>
               </a:rPr>
-              <a:t>Mine, fight and build to outplay your opponents in fast-paced, real-time battles</a:t>
+              <a:t>Limited company, will be producing mobile games in the casual market, using freelancers for main development.</a:t>
             </a:r>
           </a:p>
           <a:p>
-            <a:endParaRPr lang="en-GB" sz="1600" dirty="0">
-              <a:latin typeface="Arial" panose="020B0604020202020204" pitchFamily="34" charset="0"/>
-              <a:cs typeface="Arial" panose="020B0604020202020204" pitchFamily="34" charset="0"/>
-            </a:endParaRPr>
-          </a:p>
-          <a:p>
+            <a:pPr marL="0" indent="0">
+              <a:buNone/>
+            </a:pPr>
             <a:r>
-              <a:rPr lang="en-GB" sz="1600" u="sng" dirty="0">
+              <a:rPr lang="en-US" sz="1800" dirty="0">
                 <a:latin typeface="Arial" panose="020B0604020202020204" pitchFamily="34" charset="0"/>
                 <a:cs typeface="Arial" panose="020B0604020202020204" pitchFamily="34" charset="0"/>
               </a:rPr>
-              <a:t>Genre</a:t>
+              <a:t>Myself as development lead, hire marketing analyst to take charge of finances and marketing</a:t>
             </a:r>
-          </a:p>
-          <a:p>
-            <a:r>
-              <a:rPr lang="en-GB" sz="1600" dirty="0">
-                <a:latin typeface="Arial" panose="020B0604020202020204" pitchFamily="34" charset="0"/>
-                <a:cs typeface="Arial" panose="020B0604020202020204" pitchFamily="34" charset="0"/>
-              </a:rPr>
-              <a:t>Casual, Action, Sandbox, Platformer</a:t>
-            </a:r>
-          </a:p>
-          <a:p>
-            <a:endParaRPr lang="en-GB" sz="1600" dirty="0">
-              <a:latin typeface="Arial" panose="020B0604020202020204" pitchFamily="34" charset="0"/>
-              <a:cs typeface="Arial" panose="020B0604020202020204" pitchFamily="34" charset="0"/>
-            </a:endParaRPr>
-          </a:p>
-          <a:p>
-            <a:r>
-              <a:rPr lang="en-GB" sz="1600" u="sng" dirty="0">
-                <a:latin typeface="Arial" panose="020B0604020202020204" pitchFamily="34" charset="0"/>
-                <a:cs typeface="Arial" panose="020B0604020202020204" pitchFamily="34" charset="0"/>
-              </a:rPr>
-              <a:t>Target Audience</a:t>
-            </a:r>
-          </a:p>
-          <a:p>
-            <a:r>
-              <a:rPr lang="en-GB" sz="1600" dirty="0">
-                <a:latin typeface="Arial" panose="020B0604020202020204" pitchFamily="34" charset="0"/>
-                <a:cs typeface="Arial" panose="020B0604020202020204" pitchFamily="34" charset="0"/>
-              </a:rPr>
-              <a:t>Casual &amp; competitive players, aged 7 to 40</a:t>
-            </a:r>
-          </a:p>
-          <a:p>
-            <a:endParaRPr lang="en-GB" sz="1600" dirty="0">
-              <a:latin typeface="Arial" panose="020B0604020202020204" pitchFamily="34" charset="0"/>
-              <a:cs typeface="Arial" panose="020B0604020202020204" pitchFamily="34" charset="0"/>
-            </a:endParaRPr>
-          </a:p>
-          <a:p>
-            <a:r>
-              <a:rPr lang="en-GB" sz="1600" u="sng" dirty="0">
-                <a:latin typeface="Arial" panose="020B0604020202020204" pitchFamily="34" charset="0"/>
-                <a:cs typeface="Arial" panose="020B0604020202020204" pitchFamily="34" charset="0"/>
-              </a:rPr>
-              <a:t>Revenue</a:t>
-            </a:r>
-          </a:p>
-          <a:p>
-            <a:r>
-              <a:rPr lang="en-GB" sz="1600" dirty="0">
-                <a:latin typeface="Arial" panose="020B0604020202020204" pitchFamily="34" charset="0"/>
-                <a:cs typeface="Arial" panose="020B0604020202020204" pitchFamily="34" charset="0"/>
-              </a:rPr>
-              <a:t>~£340,000 in 4 years (end of 2026)</a:t>
-            </a:r>
-          </a:p>
-          <a:p>
-            <a:endParaRPr lang="en-GB" sz="1600" dirty="0">
-              <a:latin typeface="Arial" panose="020B0604020202020204" pitchFamily="34" charset="0"/>
-              <a:cs typeface="Arial" panose="020B0604020202020204" pitchFamily="34" charset="0"/>
-            </a:endParaRPr>
-          </a:p>
-          <a:p>
-            <a:endParaRPr lang="en-GB" sz="1600" dirty="0">
-              <a:latin typeface="Arial" panose="020B0604020202020204" pitchFamily="34" charset="0"/>
-              <a:cs typeface="Arial" panose="020B0604020202020204" pitchFamily="34" charset="0"/>
-            </a:endParaRPr>
-          </a:p>
-          <a:p>
-            <a:endParaRPr lang="en-GB" sz="1600" dirty="0">
-              <a:latin typeface="Arial" panose="020B0604020202020204" pitchFamily="34" charset="0"/>
-              <a:cs typeface="Arial" panose="020B0604020202020204" pitchFamily="34" charset="0"/>
-            </a:endParaRPr>
-          </a:p>
-          <a:p>
-            <a:endParaRPr lang="en-US" dirty="0"/>
-          </a:p>
-          <a:p>
-            <a:endParaRPr lang="en-US" dirty="0"/>
           </a:p>
         </p:txBody>
       </p:sp>
       <p:sp>
         <p:nvSpPr>
-          <p:cNvPr id="4" name="Date Placeholder 3">
+          <p:cNvPr id="19" name="Date Placeholder 18">
             <a:extLst>
               <a:ext uri="{FF2B5EF4-FFF2-40B4-BE49-F238E27FC236}">
-                <a16:creationId xmlns:a16="http://schemas.microsoft.com/office/drawing/2014/main" id="{F6D5CF6D-DC44-4734-988C-0AAA60D5F7E2}"/>
+                <a16:creationId xmlns:a16="http://schemas.microsoft.com/office/drawing/2014/main" id="{CE93697D-BFA2-4D84-A860-BA620414419D}"/>
               </a:ext>
             </a:extLst>
           </p:cNvPr>
@@ -24992,10 +25612,10 @@
       </p:sp>
       <p:sp>
         <p:nvSpPr>
-          <p:cNvPr id="5" name="Slide Number Placeholder 4">
+          <p:cNvPr id="21" name="Slide Number Placeholder 20">
             <a:extLst>
               <a:ext uri="{FF2B5EF4-FFF2-40B4-BE49-F238E27FC236}">
-                <a16:creationId xmlns:a16="http://schemas.microsoft.com/office/drawing/2014/main" id="{3E08B9AF-847F-4250-A53B-82D9036A5EBF}"/>
+                <a16:creationId xmlns:a16="http://schemas.microsoft.com/office/drawing/2014/main" id="{C19BFBA5-3E41-40F8-9EFB-9DF730F5B6E4}"/>
               </a:ext>
             </a:extLst>
           </p:cNvPr>
@@ -25026,68 +25646,40 @@
           </a:p>
         </p:txBody>
       </p:sp>
-      <p:sp>
-        <p:nvSpPr>
-          <p:cNvPr id="2" name="Title 17">
+      <p:pic>
+        <p:nvPicPr>
+          <p:cNvPr id="3" name="Picture 2">
             <a:extLst>
               <a:ext uri="{FF2B5EF4-FFF2-40B4-BE49-F238E27FC236}">
-                <a16:creationId xmlns:a16="http://schemas.microsoft.com/office/drawing/2014/main" id="{B86EF493-69FC-2A55-A10B-D435B8FC2C4F}"/>
+                <a16:creationId xmlns:a16="http://schemas.microsoft.com/office/drawing/2014/main" id="{10B72CAF-C024-4F09-BEEE-0AE8939558CA}"/>
               </a:ext>
             </a:extLst>
           </p:cNvPr>
-          <p:cNvSpPr txBox="1">
-            <a:spLocks/>
-          </p:cNvSpPr>
+          <p:cNvPicPr>
+            <a:picLocks noChangeAspect="1"/>
+          </p:cNvPicPr>
           <p:nvPr/>
-        </p:nvSpPr>
+        </p:nvPicPr>
+        <p:blipFill>
+          <a:blip r:embed="rId5"/>
+          <a:stretch>
+            <a:fillRect/>
+          </a:stretch>
+        </p:blipFill>
         <p:spPr>
           <a:xfrm>
-            <a:off x="-147212" y="1145344"/>
-            <a:ext cx="4587351" cy="867606"/>
+            <a:off x="931771" y="4428101"/>
+            <a:ext cx="2065166" cy="1763241"/>
           </a:xfrm>
           <a:prstGeom prst="rect">
             <a:avLst/>
           </a:prstGeom>
         </p:spPr>
-        <p:txBody>
-          <a:bodyPr vert="horz" lIns="91440" tIns="45720" rIns="91440" bIns="45720" rtlCol="0" anchor="b">
-            <a:normAutofit/>
-          </a:bodyPr>
-          <a:lstStyle>
-            <a:lvl1pPr algn="l" defTabSz="914400" rtl="0" eaLnBrk="1" latinLnBrk="0" hangingPunct="1">
-              <a:lnSpc>
-                <a:spcPct val="90000"/>
-              </a:lnSpc>
-              <a:spcBef>
-                <a:spcPct val="0"/>
-              </a:spcBef>
-              <a:buNone/>
-              <a:defRPr sz="4800" b="1" kern="1200" spc="-20" baseline="0">
-                <a:solidFill>
-                  <a:schemeClr val="bg1"/>
-                </a:solidFill>
-                <a:latin typeface="+mj-lt"/>
-                <a:ea typeface="+mj-ea"/>
-                <a:cs typeface="+mj-cs"/>
-              </a:defRPr>
-            </a:lvl1pPr>
-          </a:lstStyle>
-          <a:p>
-            <a:pPr algn="ctr"/>
-            <a:r>
-              <a:rPr lang="en-US" dirty="0">
-                <a:latin typeface="Arial" panose="020B0604020202020204" pitchFamily="34" charset="0"/>
-                <a:cs typeface="Arial" panose="020B0604020202020204" pitchFamily="34" charset="0"/>
-              </a:rPr>
-              <a:t>OutDig</a:t>
-            </a:r>
-          </a:p>
-        </p:txBody>
-      </p:sp>
+      </p:pic>
     </p:spTree>
     <p:extLst>
       <p:ext uri="{BB962C8B-B14F-4D97-AF65-F5344CB8AC3E}">
-        <p14:creationId xmlns:p14="http://schemas.microsoft.com/office/powerpoint/2010/main" val="1074753820"/>
+        <p14:creationId xmlns:p14="http://schemas.microsoft.com/office/powerpoint/2010/main" val="2106347884"/>
       </p:ext>
     </p:extLst>
   </p:cSld>
@@ -25768,7 +26360,7 @@
                 <a:latin typeface="Arial" panose="020B0604020202020204" pitchFamily="34" charset="0"/>
                 <a:cs typeface="Arial" panose="020B0604020202020204" pitchFamily="34" charset="0"/>
               </a:rPr>
-              <a:t>Use collected resources to strategically place down block tiles and outplay the opponents. </a:t>
+              <a:t>Use collected resources to strategically place down block tiles and outplay the opponents.</a:t>
             </a:r>
           </a:p>
         </p:txBody>
@@ -26400,6 +26992,41 @@
           </a:p>
         </p:txBody>
       </p:sp>
+      <p:sp>
+        <p:nvSpPr>
+          <p:cNvPr id="12" name="TextBox 11">
+            <a:extLst>
+              <a:ext uri="{FF2B5EF4-FFF2-40B4-BE49-F238E27FC236}">
+                <a16:creationId xmlns:a16="http://schemas.microsoft.com/office/drawing/2014/main" id="{5E08B4C4-D48B-8E4E-BC52-66AFF4D32DEF}"/>
+              </a:ext>
+            </a:extLst>
+          </p:cNvPr>
+          <p:cNvSpPr txBox="1"/>
+          <p:nvPr/>
+        </p:nvSpPr>
+        <p:spPr>
+          <a:xfrm>
+            <a:off x="3626265" y="1342682"/>
+            <a:ext cx="2469735" cy="646331"/>
+          </a:xfrm>
+          <a:prstGeom prst="rect">
+            <a:avLst/>
+          </a:prstGeom>
+          <a:noFill/>
+        </p:spPr>
+        <p:txBody>
+          <a:bodyPr wrap="square" rtlCol="0">
+            <a:spAutoFit/>
+          </a:bodyPr>
+          <a:lstStyle/>
+          <a:p>
+            <a:r>
+              <a:rPr lang="en-GB" dirty="0"/>
+              <a:t>Split into 2 slides, use images as examples</a:t>
+            </a:r>
+          </a:p>
+        </p:txBody>
+      </p:sp>
     </p:spTree>
     <p:extLst>
       <p:ext uri="{BB962C8B-B14F-4D97-AF65-F5344CB8AC3E}">
@@ -26560,6 +27187,29 @@
             <a:r>
               <a:rPr lang="en-US" dirty="0"/>
               <a:t>Potential to overtake</a:t>
+            </a:r>
+          </a:p>
+          <a:p>
+            <a:pPr marL="0" lvl="0" indent="0">
+              <a:buNone/>
+            </a:pPr>
+            <a:endParaRPr lang="en-US" dirty="0"/>
+          </a:p>
+          <a:p>
+            <a:pPr marL="0" lvl="0" indent="0">
+              <a:buNone/>
+            </a:pPr>
+            <a:r>
+              <a:rPr lang="en-US" dirty="0"/>
+              <a:t>Use lemmings as 3</a:t>
+            </a:r>
+            <a:r>
+              <a:rPr lang="en-US" baseline="30000" dirty="0"/>
+              <a:t>rd</a:t>
+            </a:r>
+            <a:r>
+              <a:rPr lang="en-US" dirty="0"/>
+              <a:t> example</a:t>
             </a:r>
           </a:p>
           <a:p>
@@ -27255,6 +27905,41 @@
           </a:graphicData>
         </a:graphic>
       </p:graphicFrame>
+      <p:sp>
+        <p:nvSpPr>
+          <p:cNvPr id="2" name="TextBox 1">
+            <a:extLst>
+              <a:ext uri="{FF2B5EF4-FFF2-40B4-BE49-F238E27FC236}">
+                <a16:creationId xmlns:a16="http://schemas.microsoft.com/office/drawing/2014/main" id="{5048ADD0-97F3-F1A8-BA3B-CFF19089621A}"/>
+              </a:ext>
+            </a:extLst>
+          </p:cNvPr>
+          <p:cNvSpPr txBox="1"/>
+          <p:nvPr/>
+        </p:nvSpPr>
+        <p:spPr>
+          <a:xfrm>
+            <a:off x="2709017" y="1198089"/>
+            <a:ext cx="4067798" cy="369332"/>
+          </a:xfrm>
+          <a:prstGeom prst="rect">
+            <a:avLst/>
+          </a:prstGeom>
+          <a:noFill/>
+        </p:spPr>
+        <p:txBody>
+          <a:bodyPr wrap="square" rtlCol="0">
+            <a:spAutoFit/>
+          </a:bodyPr>
+          <a:lstStyle/>
+          <a:p>
+            <a:r>
+              <a:rPr lang="en-GB" dirty="0"/>
+              <a:t>Why will it make money</a:t>
+            </a:r>
+          </a:p>
+        </p:txBody>
+      </p:sp>
     </p:spTree>
     <p:extLst>
       <p:ext uri="{BB962C8B-B14F-4D97-AF65-F5344CB8AC3E}">
@@ -29609,6 +30294,41 @@
             <a:r>
               <a:rPr lang="en-US" dirty="0"/>
               <a:t>Press kit for media</a:t>
+            </a:r>
+          </a:p>
+        </p:txBody>
+      </p:sp>
+      <p:sp>
+        <p:nvSpPr>
+          <p:cNvPr id="4" name="TextBox 3">
+            <a:extLst>
+              <a:ext uri="{FF2B5EF4-FFF2-40B4-BE49-F238E27FC236}">
+                <a16:creationId xmlns:a16="http://schemas.microsoft.com/office/drawing/2014/main" id="{2675238F-3A82-7B73-B9B7-B009FF8D4F10}"/>
+              </a:ext>
+            </a:extLst>
+          </p:cNvPr>
+          <p:cNvSpPr txBox="1"/>
+          <p:nvPr/>
+        </p:nvSpPr>
+        <p:spPr>
+          <a:xfrm>
+            <a:off x="4251069" y="4040555"/>
+            <a:ext cx="2090443" cy="646331"/>
+          </a:xfrm>
+          <a:prstGeom prst="rect">
+            <a:avLst/>
+          </a:prstGeom>
+          <a:noFill/>
+        </p:spPr>
+        <p:txBody>
+          <a:bodyPr wrap="square" rtlCol="0">
+            <a:spAutoFit/>
+          </a:bodyPr>
+          <a:lstStyle/>
+          <a:p>
+            <a:r>
+              <a:rPr lang="en-GB" dirty="0"/>
+              <a:t>Expand on how – 2 slides</a:t>
             </a:r>
           </a:p>
         </p:txBody>
@@ -30418,15 +31138,6 @@
 </file>
 
 <file path=customXml/item1.xml><?xml version="1.0" encoding="utf-8"?>
-<?mso-contentType ?>
-<FormTemplates xmlns="http://schemas.microsoft.com/sharepoint/v3/contenttype/forms">
-  <Display>DocumentLibraryForm</Display>
-  <Edit>DocumentLibraryForm</Edit>
-  <New>DocumentLibraryForm</New>
-</FormTemplates>
-</file>
-
-<file path=customXml/item2.xml><?xml version="1.0" encoding="utf-8"?>
 <p:properties xmlns:p="http://schemas.microsoft.com/office/2006/metadata/properties" xmlns:xsi="http://www.w3.org/2001/XMLSchema-instance" xmlns:pc="http://schemas.microsoft.com/office/infopath/2007/PartnerControls">
   <documentManagement>
     <Status xmlns="71af3243-3dd4-4a8d-8c0d-dd76da1f02a5">Not started</Status>
@@ -30443,6 +31154,15 @@
     <MediaServiceKeyPoints xmlns="71af3243-3dd4-4a8d-8c0d-dd76da1f02a5" xsi:nil="true"/>
   </documentManagement>
 </p:properties>
+</file>
+
+<file path=customXml/item2.xml><?xml version="1.0" encoding="utf-8"?>
+<?mso-contentType ?>
+<FormTemplates xmlns="http://schemas.microsoft.com/sharepoint/v3/contenttype/forms">
+  <Display>DocumentLibraryForm</Display>
+  <Edit>DocumentLibraryForm</Edit>
+  <New>DocumentLibraryForm</New>
+</FormTemplates>
 </file>
 
 <file path=customXml/item3.xml><?xml version="1.0" encoding="utf-8"?>
@@ -30722,14 +31442,6 @@
 </file>
 
 <file path=customXml/itemProps1.xml><?xml version="1.0" encoding="utf-8"?>
-<ds:datastoreItem xmlns:ds="http://schemas.openxmlformats.org/officeDocument/2006/customXml" ds:itemID="{A5CCB28C-7D26-4A36-9CFC-D739C28F3D18}">
-  <ds:schemaRefs>
-    <ds:schemaRef ds:uri="http://schemas.microsoft.com/sharepoint/v3/contenttype/forms"/>
-  </ds:schemaRefs>
-</ds:datastoreItem>
-</file>
-
-<file path=customXml/itemProps2.xml><?xml version="1.0" encoding="utf-8"?>
 <ds:datastoreItem xmlns:ds="http://schemas.openxmlformats.org/officeDocument/2006/customXml" ds:itemID="{08757C30-AE9A-4680-90EB-19D282EC2B7C}">
   <ds:schemaRefs>
     <ds:schemaRef ds:uri="http://schemas.microsoft.com/office/2006/metadata/properties"/>
@@ -30737,6 +31449,14 @@
     <ds:schemaRef ds:uri="71af3243-3dd4-4a8d-8c0d-dd76da1f02a5"/>
     <ds:schemaRef ds:uri="http://schemas.microsoft.com/sharepoint/v3"/>
     <ds:schemaRef ds:uri="230e9df3-be65-4c73-a93b-d1236ebd677e"/>
+  </ds:schemaRefs>
+</ds:datastoreItem>
+</file>
+
+<file path=customXml/itemProps2.xml><?xml version="1.0" encoding="utf-8"?>
+<ds:datastoreItem xmlns:ds="http://schemas.openxmlformats.org/officeDocument/2006/customXml" ds:itemID="{A5CCB28C-7D26-4A36-9CFC-D739C28F3D18}">
+  <ds:schemaRefs>
+    <ds:schemaRef ds:uri="http://schemas.microsoft.com/sharepoint/v3/contenttype/forms"/>
   </ds:schemaRefs>
 </ds:datastoreItem>
 </file>

--- a/CT6018 Joe Mason s4001719.pptx
+++ b/CT6018 Joe Mason s4001719.pptx
@@ -5,32 +5,33 @@
     <p:sldMasterId id="2147483648" r:id="rId4"/>
   </p:sldMasterIdLst>
   <p:notesMasterIdLst>
-    <p:notesMasterId r:id="rId25"/>
+    <p:notesMasterId r:id="rId26"/>
   </p:notesMasterIdLst>
   <p:handoutMasterIdLst>
-    <p:handoutMasterId r:id="rId26"/>
+    <p:handoutMasterId r:id="rId27"/>
   </p:handoutMasterIdLst>
   <p:sldIdLst>
     <p:sldId id="256" r:id="rId5"/>
     <p:sldId id="267" r:id="rId6"/>
-    <p:sldId id="266" r:id="rId7"/>
-    <p:sldId id="277" r:id="rId8"/>
-    <p:sldId id="292" r:id="rId9"/>
-    <p:sldId id="280" r:id="rId10"/>
-    <p:sldId id="279" r:id="rId11"/>
-    <p:sldId id="293" r:id="rId12"/>
-    <p:sldId id="281" r:id="rId13"/>
-    <p:sldId id="282" r:id="rId14"/>
-    <p:sldId id="286" r:id="rId15"/>
-    <p:sldId id="283" r:id="rId16"/>
-    <p:sldId id="285" r:id="rId17"/>
-    <p:sldId id="287" r:id="rId18"/>
-    <p:sldId id="289" r:id="rId19"/>
-    <p:sldId id="288" r:id="rId20"/>
-    <p:sldId id="290" r:id="rId21"/>
-    <p:sldId id="291" r:id="rId22"/>
-    <p:sldId id="275" r:id="rId23"/>
-    <p:sldId id="276" r:id="rId24"/>
+    <p:sldId id="294" r:id="rId7"/>
+    <p:sldId id="266" r:id="rId8"/>
+    <p:sldId id="277" r:id="rId9"/>
+    <p:sldId id="292" r:id="rId10"/>
+    <p:sldId id="280" r:id="rId11"/>
+    <p:sldId id="279" r:id="rId12"/>
+    <p:sldId id="293" r:id="rId13"/>
+    <p:sldId id="281" r:id="rId14"/>
+    <p:sldId id="282" r:id="rId15"/>
+    <p:sldId id="286" r:id="rId16"/>
+    <p:sldId id="283" r:id="rId17"/>
+    <p:sldId id="285" r:id="rId18"/>
+    <p:sldId id="287" r:id="rId19"/>
+    <p:sldId id="289" r:id="rId20"/>
+    <p:sldId id="288" r:id="rId21"/>
+    <p:sldId id="290" r:id="rId22"/>
+    <p:sldId id="291" r:id="rId23"/>
+    <p:sldId id="275" r:id="rId24"/>
+    <p:sldId id="276" r:id="rId25"/>
   </p:sldIdLst>
   <p:sldSz cx="12192000" cy="6858000"/>
   <p:notesSz cx="6858000" cy="9144000"/>
@@ -12596,7 +12597,7 @@
           <a:p>
             <a:fld id="{9410D272-305C-421E-A9EF-95D63D599B42}" type="datetimeFigureOut">
               <a:rPr lang="en-US" smtClean="0"/>
-              <a:t>11/29/2022</a:t>
+              <a:t>11/30/2022</a:t>
             </a:fld>
             <a:endParaRPr lang="en-US" dirty="0"/>
           </a:p>
@@ -12773,7 +12774,7 @@
           <a:p>
             <a:fld id="{05E16E63-7886-43BC-8DD4-4F14C3DD7360}" type="datetimeFigureOut">
               <a:rPr lang="en-US" smtClean="0"/>
-              <a:t>11/29/2022</a:t>
+              <a:t>11/30/2022</a:t>
             </a:fld>
             <a:endParaRPr lang="en-US" dirty="0"/>
           </a:p>
@@ -13169,7 +13170,7 @@
                 <a:tabLst/>
                 <a:defRPr/>
               </a:pPr>
-              <a:t>3</a:t>
+              <a:t>4</a:t>
             </a:fld>
             <a:endParaRPr kumimoji="0" lang="en-US" sz="1200" b="0" i="0" u="none" strike="noStrike" kern="1200" cap="none" spc="0" normalizeH="0" baseline="0" noProof="0" dirty="0">
               <a:ln>
@@ -19705,6 +19706,1213 @@
       </p:grpSpPr>
       <p:sp>
         <p:nvSpPr>
+          <p:cNvPr id="33" name="Title 32">
+            <a:extLst>
+              <a:ext uri="{FF2B5EF4-FFF2-40B4-BE49-F238E27FC236}">
+                <a16:creationId xmlns:a16="http://schemas.microsoft.com/office/drawing/2014/main" id="{2D22322F-E79D-4BEF-8038-DE2C8F5CCA40}"/>
+              </a:ext>
+            </a:extLst>
+          </p:cNvPr>
+          <p:cNvSpPr>
+            <a:spLocks noGrp="1"/>
+          </p:cNvSpPr>
+          <p:nvPr>
+            <p:ph type="title"/>
+          </p:nvPr>
+        </p:nvSpPr>
+        <p:spPr>
+          <a:xfrm>
+            <a:off x="1249680" y="190500"/>
+            <a:ext cx="10036292" cy="773776"/>
+          </a:xfrm>
+        </p:spPr>
+        <p:txBody>
+          <a:bodyPr>
+            <a:normAutofit fontScale="90000"/>
+          </a:bodyPr>
+          <a:lstStyle/>
+          <a:p>
+            <a:pPr algn="l"/>
+            <a:r>
+              <a:rPr lang="en-US" dirty="0"/>
+              <a:t>Marketing Strategy</a:t>
+            </a:r>
+          </a:p>
+        </p:txBody>
+      </p:sp>
+      <p:sp>
+        <p:nvSpPr>
+          <p:cNvPr id="14" name="Text Placeholder 13">
+            <a:extLst>
+              <a:ext uri="{FF2B5EF4-FFF2-40B4-BE49-F238E27FC236}">
+                <a16:creationId xmlns:a16="http://schemas.microsoft.com/office/drawing/2014/main" id="{61A6601B-A3E2-47A2-B731-4FE03C43E2B0}"/>
+              </a:ext>
+            </a:extLst>
+          </p:cNvPr>
+          <p:cNvSpPr>
+            <a:spLocks noGrp="1"/>
+          </p:cNvSpPr>
+          <p:nvPr>
+            <p:ph type="body" sz="quarter" idx="14"/>
+          </p:nvPr>
+        </p:nvSpPr>
+        <p:spPr>
+          <a:xfrm>
+            <a:off x="1173623" y="1340669"/>
+            <a:ext cx="4756714" cy="597604"/>
+          </a:xfrm>
+        </p:spPr>
+        <p:txBody>
+          <a:bodyPr/>
+          <a:lstStyle/>
+          <a:p>
+            <a:r>
+              <a:rPr lang="en-US" dirty="0"/>
+              <a:t>Website</a:t>
+            </a:r>
+          </a:p>
+        </p:txBody>
+      </p:sp>
+      <p:sp>
+        <p:nvSpPr>
+          <p:cNvPr id="13" name="Content Placeholder 12">
+            <a:extLst>
+              <a:ext uri="{FF2B5EF4-FFF2-40B4-BE49-F238E27FC236}">
+                <a16:creationId xmlns:a16="http://schemas.microsoft.com/office/drawing/2014/main" id="{ABAEE544-8FB3-4E56-91A9-A6964539DCB7}"/>
+              </a:ext>
+            </a:extLst>
+          </p:cNvPr>
+          <p:cNvSpPr>
+            <a:spLocks noGrp="1"/>
+          </p:cNvSpPr>
+          <p:nvPr>
+            <p:ph type="body" sz="quarter" idx="17"/>
+          </p:nvPr>
+        </p:nvSpPr>
+        <p:spPr>
+          <a:xfrm>
+            <a:off x="1173623" y="1817136"/>
+            <a:ext cx="4922377" cy="2308195"/>
+          </a:xfrm>
+        </p:spPr>
+        <p:txBody>
+          <a:bodyPr>
+            <a:normAutofit/>
+          </a:bodyPr>
+          <a:lstStyle/>
+          <a:p>
+            <a:r>
+              <a:rPr lang="en-US" dirty="0"/>
+              <a:t>Development blog - weekly updates</a:t>
+            </a:r>
+          </a:p>
+          <a:p>
+            <a:r>
+              <a:rPr lang="en-US" dirty="0"/>
+              <a:t>Planned features</a:t>
+            </a:r>
+          </a:p>
+          <a:p>
+            <a:r>
+              <a:rPr lang="en-US" dirty="0"/>
+              <a:t>Q&amp;A</a:t>
+            </a:r>
+          </a:p>
+          <a:p>
+            <a:r>
+              <a:rPr lang="en-US" dirty="0"/>
+              <a:t>Weekly redeemable codes</a:t>
+            </a:r>
+          </a:p>
+          <a:p>
+            <a:r>
+              <a:rPr lang="en-US" dirty="0"/>
+              <a:t>Customer Support</a:t>
+            </a:r>
+          </a:p>
+        </p:txBody>
+      </p:sp>
+      <p:sp>
+        <p:nvSpPr>
+          <p:cNvPr id="16" name="Text Placeholder 15">
+            <a:extLst>
+              <a:ext uri="{FF2B5EF4-FFF2-40B4-BE49-F238E27FC236}">
+                <a16:creationId xmlns:a16="http://schemas.microsoft.com/office/drawing/2014/main" id="{1ADD5DF7-575E-4C10-815E-CDBBFAB583BF}"/>
+              </a:ext>
+            </a:extLst>
+          </p:cNvPr>
+          <p:cNvSpPr>
+            <a:spLocks noGrp="1"/>
+          </p:cNvSpPr>
+          <p:nvPr>
+            <p:ph type="body" sz="quarter" idx="16"/>
+          </p:nvPr>
+        </p:nvSpPr>
+        <p:spPr>
+          <a:xfrm>
+            <a:off x="6825885" y="1339318"/>
+            <a:ext cx="4756714" cy="597604"/>
+          </a:xfrm>
+        </p:spPr>
+        <p:txBody>
+          <a:bodyPr/>
+          <a:lstStyle/>
+          <a:p>
+            <a:r>
+              <a:rPr lang="en-US" dirty="0"/>
+              <a:t>Social media</a:t>
+            </a:r>
+          </a:p>
+        </p:txBody>
+      </p:sp>
+      <p:sp>
+        <p:nvSpPr>
+          <p:cNvPr id="15" name="Content Placeholder 14">
+            <a:extLst>
+              <a:ext uri="{FF2B5EF4-FFF2-40B4-BE49-F238E27FC236}">
+                <a16:creationId xmlns:a16="http://schemas.microsoft.com/office/drawing/2014/main" id="{A13BE1C0-386B-47CB-BDCE-A24D9918AEEF}"/>
+              </a:ext>
+            </a:extLst>
+          </p:cNvPr>
+          <p:cNvSpPr>
+            <a:spLocks noGrp="1"/>
+          </p:cNvSpPr>
+          <p:nvPr>
+            <p:ph type="body" sz="quarter" idx="18"/>
+          </p:nvPr>
+        </p:nvSpPr>
+        <p:spPr>
+          <a:xfrm>
+            <a:off x="6825885" y="1802291"/>
+            <a:ext cx="4756714" cy="2308195"/>
+          </a:xfrm>
+        </p:spPr>
+        <p:txBody>
+          <a:bodyPr/>
+          <a:lstStyle/>
+          <a:p>
+            <a:r>
+              <a:rPr lang="en-US" dirty="0"/>
+              <a:t>Twitter</a:t>
+            </a:r>
+          </a:p>
+          <a:p>
+            <a:r>
+              <a:rPr lang="en-US" dirty="0"/>
+              <a:t>Facebook</a:t>
+            </a:r>
+          </a:p>
+          <a:p>
+            <a:r>
+              <a:rPr lang="en-US" dirty="0"/>
+              <a:t>TikTok</a:t>
+            </a:r>
+          </a:p>
+          <a:p>
+            <a:r>
+              <a:rPr lang="en-US" dirty="0"/>
+              <a:t>YouTube</a:t>
+            </a:r>
+          </a:p>
+          <a:p>
+            <a:r>
+              <a:rPr lang="en-US" dirty="0"/>
+              <a:t>Live streams</a:t>
+            </a:r>
+          </a:p>
+        </p:txBody>
+      </p:sp>
+      <p:sp>
+        <p:nvSpPr>
+          <p:cNvPr id="7" name="Footer Placeholder 6">
+            <a:extLst>
+              <a:ext uri="{FF2B5EF4-FFF2-40B4-BE49-F238E27FC236}">
+                <a16:creationId xmlns:a16="http://schemas.microsoft.com/office/drawing/2014/main" id="{C4A3939E-B573-4FB2-AD69-18C1A75F947B}"/>
+              </a:ext>
+            </a:extLst>
+          </p:cNvPr>
+          <p:cNvSpPr>
+            <a:spLocks noGrp="1"/>
+          </p:cNvSpPr>
+          <p:nvPr>
+            <p:ph type="ftr" sz="quarter" idx="11"/>
+          </p:nvPr>
+        </p:nvSpPr>
+        <p:spPr>
+          <a:xfrm>
+            <a:off x="201168" y="6356350"/>
+            <a:ext cx="4837176" cy="365125"/>
+          </a:xfrm>
+        </p:spPr>
+        <p:txBody>
+          <a:bodyPr/>
+          <a:lstStyle/>
+          <a:p>
+            <a:pPr lvl="0"/>
+            <a:r>
+              <a:rPr lang="en-US" noProof="0" dirty="0"/>
+              <a:t>OutDig</a:t>
+            </a:r>
+          </a:p>
+        </p:txBody>
+      </p:sp>
+      <p:sp>
+        <p:nvSpPr>
+          <p:cNvPr id="6" name="Date Placeholder 5">
+            <a:extLst>
+              <a:ext uri="{FF2B5EF4-FFF2-40B4-BE49-F238E27FC236}">
+                <a16:creationId xmlns:a16="http://schemas.microsoft.com/office/drawing/2014/main" id="{6EF65B39-4112-473E-B203-73AC0F564D47}"/>
+              </a:ext>
+            </a:extLst>
+          </p:cNvPr>
+          <p:cNvSpPr>
+            <a:spLocks noGrp="1"/>
+          </p:cNvSpPr>
+          <p:nvPr>
+            <p:ph type="dt" sz="half" idx="10"/>
+          </p:nvPr>
+        </p:nvSpPr>
+        <p:spPr>
+          <a:xfrm>
+            <a:off x="7013448" y="6355080"/>
+            <a:ext cx="4352544" cy="365125"/>
+          </a:xfrm>
+        </p:spPr>
+        <p:txBody>
+          <a:bodyPr/>
+          <a:lstStyle/>
+          <a:p>
+            <a:pPr lvl="0"/>
+            <a:r>
+              <a:rPr lang="en-US" noProof="0" dirty="0"/>
+              <a:t>2022</a:t>
+            </a:r>
+          </a:p>
+        </p:txBody>
+      </p:sp>
+      <p:sp>
+        <p:nvSpPr>
+          <p:cNvPr id="8" name="Slide Number Placeholder 7">
+            <a:extLst>
+              <a:ext uri="{FF2B5EF4-FFF2-40B4-BE49-F238E27FC236}">
+                <a16:creationId xmlns:a16="http://schemas.microsoft.com/office/drawing/2014/main" id="{99800B7A-B486-4409-9EDD-0A7B9628EDE8}"/>
+              </a:ext>
+            </a:extLst>
+          </p:cNvPr>
+          <p:cNvSpPr>
+            <a:spLocks noGrp="1"/>
+          </p:cNvSpPr>
+          <p:nvPr>
+            <p:ph type="sldNum" sz="quarter" idx="12"/>
+          </p:nvPr>
+        </p:nvSpPr>
+        <p:spPr>
+          <a:xfrm>
+            <a:off x="11365992" y="6356350"/>
+            <a:ext cx="630936" cy="365125"/>
+          </a:xfrm>
+        </p:spPr>
+        <p:txBody>
+          <a:bodyPr/>
+          <a:lstStyle/>
+          <a:p>
+            <a:pPr lvl="0"/>
+            <a:fld id="{06B786C7-B8F9-4072-AAAA-17258464D730}" type="slidenum">
+              <a:rPr lang="en-US" noProof="0" smtClean="0"/>
+              <a:pPr lvl="0"/>
+              <a:t>10</a:t>
+            </a:fld>
+            <a:endParaRPr lang="en-US" noProof="0" dirty="0"/>
+          </a:p>
+        </p:txBody>
+      </p:sp>
+      <p:sp>
+        <p:nvSpPr>
+          <p:cNvPr id="2" name="Text Placeholder 13">
+            <a:extLst>
+              <a:ext uri="{FF2B5EF4-FFF2-40B4-BE49-F238E27FC236}">
+                <a16:creationId xmlns:a16="http://schemas.microsoft.com/office/drawing/2014/main" id="{A7723031-1344-6B54-21EC-ADC8006663B6}"/>
+              </a:ext>
+            </a:extLst>
+          </p:cNvPr>
+          <p:cNvSpPr txBox="1">
+            <a:spLocks/>
+          </p:cNvSpPr>
+          <p:nvPr/>
+        </p:nvSpPr>
+        <p:spPr>
+          <a:xfrm>
+            <a:off x="1093776" y="4503076"/>
+            <a:ext cx="4756714" cy="597604"/>
+          </a:xfrm>
+          <a:prstGeom prst="rect">
+            <a:avLst/>
+          </a:prstGeom>
+        </p:spPr>
+        <p:txBody>
+          <a:bodyPr vert="horz" lIns="91440" tIns="45720" rIns="91440" bIns="45720" rtlCol="0">
+            <a:normAutofit/>
+          </a:bodyPr>
+          <a:lstStyle>
+            <a:lvl1pPr marL="0" indent="0" algn="l" defTabSz="914400" rtl="0" eaLnBrk="1" latinLnBrk="0" hangingPunct="1">
+              <a:lnSpc>
+                <a:spcPct val="110000"/>
+              </a:lnSpc>
+              <a:spcBef>
+                <a:spcPts val="1000"/>
+              </a:spcBef>
+              <a:buFont typeface="Arial" panose="020B0604020202020204" pitchFamily="34" charset="0"/>
+              <a:buNone/>
+              <a:defRPr sz="2400" b="1" kern="1200" spc="-20" baseline="0">
+                <a:solidFill>
+                  <a:schemeClr val="accent2"/>
+                </a:solidFill>
+                <a:latin typeface="+mn-lt"/>
+                <a:ea typeface="+mn-ea"/>
+                <a:cs typeface="+mn-cs"/>
+              </a:defRPr>
+            </a:lvl1pPr>
+            <a:lvl2pPr marL="685800" indent="-228600" algn="l" defTabSz="914400" rtl="0" eaLnBrk="1" latinLnBrk="0" hangingPunct="1">
+              <a:lnSpc>
+                <a:spcPct val="110000"/>
+              </a:lnSpc>
+              <a:spcBef>
+                <a:spcPts val="500"/>
+              </a:spcBef>
+              <a:buFont typeface="Arial" panose="020B0604020202020204" pitchFamily="34" charset="0"/>
+              <a:buChar char="•"/>
+              <a:defRPr sz="2000" kern="1200" spc="-20" baseline="0">
+                <a:solidFill>
+                  <a:schemeClr val="tx1"/>
+                </a:solidFill>
+                <a:latin typeface="+mn-lt"/>
+                <a:ea typeface="+mn-ea"/>
+                <a:cs typeface="+mn-cs"/>
+              </a:defRPr>
+            </a:lvl2pPr>
+            <a:lvl3pPr marL="1143000" indent="-228600" algn="l" defTabSz="914400" rtl="0" eaLnBrk="1" latinLnBrk="0" hangingPunct="1">
+              <a:lnSpc>
+                <a:spcPct val="110000"/>
+              </a:lnSpc>
+              <a:spcBef>
+                <a:spcPts val="500"/>
+              </a:spcBef>
+              <a:buFont typeface="Arial" panose="020B0604020202020204" pitchFamily="34" charset="0"/>
+              <a:buChar char="•"/>
+              <a:defRPr sz="1800" kern="1200" spc="-20" baseline="0">
+                <a:solidFill>
+                  <a:schemeClr val="tx1"/>
+                </a:solidFill>
+                <a:latin typeface="+mn-lt"/>
+                <a:ea typeface="+mn-ea"/>
+                <a:cs typeface="+mn-cs"/>
+              </a:defRPr>
+            </a:lvl3pPr>
+            <a:lvl4pPr marL="1600200" indent="-228600" algn="l" defTabSz="914400" rtl="0" eaLnBrk="1" latinLnBrk="0" hangingPunct="1">
+              <a:lnSpc>
+                <a:spcPct val="110000"/>
+              </a:lnSpc>
+              <a:spcBef>
+                <a:spcPts val="500"/>
+              </a:spcBef>
+              <a:buFont typeface="Arial" panose="020B0604020202020204" pitchFamily="34" charset="0"/>
+              <a:buChar char="•"/>
+              <a:defRPr sz="1600" kern="1200" spc="-20" baseline="0">
+                <a:solidFill>
+                  <a:schemeClr val="tx1"/>
+                </a:solidFill>
+                <a:latin typeface="+mn-lt"/>
+                <a:ea typeface="+mn-ea"/>
+                <a:cs typeface="+mn-cs"/>
+              </a:defRPr>
+            </a:lvl4pPr>
+            <a:lvl5pPr marL="2057400" indent="-228600" algn="l" defTabSz="914400" rtl="0" eaLnBrk="1" latinLnBrk="0" hangingPunct="1">
+              <a:lnSpc>
+                <a:spcPct val="110000"/>
+              </a:lnSpc>
+              <a:spcBef>
+                <a:spcPts val="500"/>
+              </a:spcBef>
+              <a:buFont typeface="Arial" panose="020B0604020202020204" pitchFamily="34" charset="0"/>
+              <a:buChar char="•"/>
+              <a:defRPr sz="1600" kern="1200" spc="-20" baseline="0">
+                <a:solidFill>
+                  <a:schemeClr val="tx1"/>
+                </a:solidFill>
+                <a:latin typeface="+mn-lt"/>
+                <a:ea typeface="+mn-ea"/>
+                <a:cs typeface="+mn-cs"/>
+              </a:defRPr>
+            </a:lvl5pPr>
+            <a:lvl6pPr marL="2514600" indent="-228600" algn="l" defTabSz="914400" rtl="0" eaLnBrk="1" latinLnBrk="0" hangingPunct="1">
+              <a:lnSpc>
+                <a:spcPct val="90000"/>
+              </a:lnSpc>
+              <a:spcBef>
+                <a:spcPts val="500"/>
+              </a:spcBef>
+              <a:buFont typeface="Arial" panose="020B0604020202020204" pitchFamily="34" charset="0"/>
+              <a:buChar char="•"/>
+              <a:defRPr sz="1800" kern="1200">
+                <a:solidFill>
+                  <a:schemeClr val="tx1"/>
+                </a:solidFill>
+                <a:latin typeface="+mn-lt"/>
+                <a:ea typeface="+mn-ea"/>
+                <a:cs typeface="+mn-cs"/>
+              </a:defRPr>
+            </a:lvl6pPr>
+            <a:lvl7pPr marL="2971800" indent="-228600" algn="l" defTabSz="914400" rtl="0" eaLnBrk="1" latinLnBrk="0" hangingPunct="1">
+              <a:lnSpc>
+                <a:spcPct val="90000"/>
+              </a:lnSpc>
+              <a:spcBef>
+                <a:spcPts val="500"/>
+              </a:spcBef>
+              <a:buFont typeface="Arial" panose="020B0604020202020204" pitchFamily="34" charset="0"/>
+              <a:buChar char="•"/>
+              <a:defRPr sz="1800" kern="1200">
+                <a:solidFill>
+                  <a:schemeClr val="tx1"/>
+                </a:solidFill>
+                <a:latin typeface="+mn-lt"/>
+                <a:ea typeface="+mn-ea"/>
+                <a:cs typeface="+mn-cs"/>
+              </a:defRPr>
+            </a:lvl7pPr>
+            <a:lvl8pPr marL="3429000" indent="-228600" algn="l" defTabSz="914400" rtl="0" eaLnBrk="1" latinLnBrk="0" hangingPunct="1">
+              <a:lnSpc>
+                <a:spcPct val="90000"/>
+              </a:lnSpc>
+              <a:spcBef>
+                <a:spcPts val="500"/>
+              </a:spcBef>
+              <a:buFont typeface="Arial" panose="020B0604020202020204" pitchFamily="34" charset="0"/>
+              <a:buChar char="•"/>
+              <a:defRPr sz="1800" kern="1200">
+                <a:solidFill>
+                  <a:schemeClr val="tx1"/>
+                </a:solidFill>
+                <a:latin typeface="+mn-lt"/>
+                <a:ea typeface="+mn-ea"/>
+                <a:cs typeface="+mn-cs"/>
+              </a:defRPr>
+            </a:lvl8pPr>
+            <a:lvl9pPr marL="3886200" indent="-228600" algn="l" defTabSz="914400" rtl="0" eaLnBrk="1" latinLnBrk="0" hangingPunct="1">
+              <a:lnSpc>
+                <a:spcPct val="90000"/>
+              </a:lnSpc>
+              <a:spcBef>
+                <a:spcPts val="500"/>
+              </a:spcBef>
+              <a:buFont typeface="Arial" panose="020B0604020202020204" pitchFamily="34" charset="0"/>
+              <a:buChar char="•"/>
+              <a:defRPr sz="1800" kern="1200">
+                <a:solidFill>
+                  <a:schemeClr val="tx1"/>
+                </a:solidFill>
+                <a:latin typeface="+mn-lt"/>
+                <a:ea typeface="+mn-ea"/>
+                <a:cs typeface="+mn-cs"/>
+              </a:defRPr>
+            </a:lvl9pPr>
+          </a:lstStyle>
+          <a:p>
+            <a:r>
+              <a:rPr lang="en-US" dirty="0"/>
+              <a:t>Trailer</a:t>
+            </a:r>
+          </a:p>
+        </p:txBody>
+      </p:sp>
+      <p:sp>
+        <p:nvSpPr>
+          <p:cNvPr id="3" name="Content Placeholder 12">
+            <a:extLst>
+              <a:ext uri="{FF2B5EF4-FFF2-40B4-BE49-F238E27FC236}">
+                <a16:creationId xmlns:a16="http://schemas.microsoft.com/office/drawing/2014/main" id="{A299BD4C-B6A0-7AF4-7B38-34829DAD6839}"/>
+              </a:ext>
+            </a:extLst>
+          </p:cNvPr>
+          <p:cNvSpPr txBox="1">
+            <a:spLocks/>
+          </p:cNvSpPr>
+          <p:nvPr/>
+        </p:nvSpPr>
+        <p:spPr>
+          <a:xfrm>
+            <a:off x="1093776" y="4979544"/>
+            <a:ext cx="4922377" cy="1332994"/>
+          </a:xfrm>
+          <a:prstGeom prst="rect">
+            <a:avLst/>
+          </a:prstGeom>
+        </p:spPr>
+        <p:txBody>
+          <a:bodyPr vert="horz" lIns="91440" tIns="45720" rIns="91440" bIns="45720" rtlCol="0">
+            <a:normAutofit/>
+          </a:bodyPr>
+          <a:lstStyle>
+            <a:lvl1pPr marL="228600" indent="-228600" algn="l" defTabSz="914400" rtl="0" eaLnBrk="1" latinLnBrk="0" hangingPunct="1">
+              <a:lnSpc>
+                <a:spcPct val="110000"/>
+              </a:lnSpc>
+              <a:spcBef>
+                <a:spcPts val="1000"/>
+              </a:spcBef>
+              <a:buFont typeface="Arial" panose="020B0604020202020204" pitchFamily="34" charset="0"/>
+              <a:buChar char="•"/>
+              <a:defRPr sz="2000" kern="1200" spc="-20" baseline="0">
+                <a:solidFill>
+                  <a:schemeClr val="tx1"/>
+                </a:solidFill>
+                <a:latin typeface="+mn-lt"/>
+                <a:ea typeface="+mn-ea"/>
+                <a:cs typeface="+mn-cs"/>
+              </a:defRPr>
+            </a:lvl1pPr>
+            <a:lvl2pPr marL="685800" indent="-228600" algn="l" defTabSz="914400" rtl="0" eaLnBrk="1" latinLnBrk="0" hangingPunct="1">
+              <a:lnSpc>
+                <a:spcPct val="110000"/>
+              </a:lnSpc>
+              <a:spcBef>
+                <a:spcPts val="500"/>
+              </a:spcBef>
+              <a:buFont typeface="Arial" panose="020B0604020202020204" pitchFamily="34" charset="0"/>
+              <a:buChar char="•"/>
+              <a:defRPr sz="2000" kern="1200" spc="-20" baseline="0">
+                <a:solidFill>
+                  <a:schemeClr val="tx1"/>
+                </a:solidFill>
+                <a:latin typeface="+mn-lt"/>
+                <a:ea typeface="+mn-ea"/>
+                <a:cs typeface="+mn-cs"/>
+              </a:defRPr>
+            </a:lvl2pPr>
+            <a:lvl3pPr marL="1143000" indent="-228600" algn="l" defTabSz="914400" rtl="0" eaLnBrk="1" latinLnBrk="0" hangingPunct="1">
+              <a:lnSpc>
+                <a:spcPct val="110000"/>
+              </a:lnSpc>
+              <a:spcBef>
+                <a:spcPts val="500"/>
+              </a:spcBef>
+              <a:buFont typeface="Arial" panose="020B0604020202020204" pitchFamily="34" charset="0"/>
+              <a:buChar char="•"/>
+              <a:defRPr sz="1800" kern="1200" spc="-20" baseline="0">
+                <a:solidFill>
+                  <a:schemeClr val="tx1"/>
+                </a:solidFill>
+                <a:latin typeface="+mn-lt"/>
+                <a:ea typeface="+mn-ea"/>
+                <a:cs typeface="+mn-cs"/>
+              </a:defRPr>
+            </a:lvl3pPr>
+            <a:lvl4pPr marL="1600200" indent="-228600" algn="l" defTabSz="914400" rtl="0" eaLnBrk="1" latinLnBrk="0" hangingPunct="1">
+              <a:lnSpc>
+                <a:spcPct val="110000"/>
+              </a:lnSpc>
+              <a:spcBef>
+                <a:spcPts val="500"/>
+              </a:spcBef>
+              <a:buFont typeface="Arial" panose="020B0604020202020204" pitchFamily="34" charset="0"/>
+              <a:buChar char="•"/>
+              <a:defRPr sz="1600" kern="1200" spc="-20" baseline="0">
+                <a:solidFill>
+                  <a:schemeClr val="tx1"/>
+                </a:solidFill>
+                <a:latin typeface="+mn-lt"/>
+                <a:ea typeface="+mn-ea"/>
+                <a:cs typeface="+mn-cs"/>
+              </a:defRPr>
+            </a:lvl4pPr>
+            <a:lvl5pPr marL="2057400" indent="-228600" algn="l" defTabSz="914400" rtl="0" eaLnBrk="1" latinLnBrk="0" hangingPunct="1">
+              <a:lnSpc>
+                <a:spcPct val="110000"/>
+              </a:lnSpc>
+              <a:spcBef>
+                <a:spcPts val="500"/>
+              </a:spcBef>
+              <a:buFont typeface="Arial" panose="020B0604020202020204" pitchFamily="34" charset="0"/>
+              <a:buChar char="•"/>
+              <a:defRPr sz="1600" kern="1200" spc="-20" baseline="0">
+                <a:solidFill>
+                  <a:schemeClr val="tx1"/>
+                </a:solidFill>
+                <a:latin typeface="+mn-lt"/>
+                <a:ea typeface="+mn-ea"/>
+                <a:cs typeface="+mn-cs"/>
+              </a:defRPr>
+            </a:lvl5pPr>
+            <a:lvl6pPr marL="2514600" indent="-228600" algn="l" defTabSz="914400" rtl="0" eaLnBrk="1" latinLnBrk="0" hangingPunct="1">
+              <a:lnSpc>
+                <a:spcPct val="90000"/>
+              </a:lnSpc>
+              <a:spcBef>
+                <a:spcPts val="500"/>
+              </a:spcBef>
+              <a:buFont typeface="Arial" panose="020B0604020202020204" pitchFamily="34" charset="0"/>
+              <a:buChar char="•"/>
+              <a:defRPr sz="1800" kern="1200">
+                <a:solidFill>
+                  <a:schemeClr val="tx1"/>
+                </a:solidFill>
+                <a:latin typeface="+mn-lt"/>
+                <a:ea typeface="+mn-ea"/>
+                <a:cs typeface="+mn-cs"/>
+              </a:defRPr>
+            </a:lvl6pPr>
+            <a:lvl7pPr marL="2971800" indent="-228600" algn="l" defTabSz="914400" rtl="0" eaLnBrk="1" latinLnBrk="0" hangingPunct="1">
+              <a:lnSpc>
+                <a:spcPct val="90000"/>
+              </a:lnSpc>
+              <a:spcBef>
+                <a:spcPts val="500"/>
+              </a:spcBef>
+              <a:buFont typeface="Arial" panose="020B0604020202020204" pitchFamily="34" charset="0"/>
+              <a:buChar char="•"/>
+              <a:defRPr sz="1800" kern="1200">
+                <a:solidFill>
+                  <a:schemeClr val="tx1"/>
+                </a:solidFill>
+                <a:latin typeface="+mn-lt"/>
+                <a:ea typeface="+mn-ea"/>
+                <a:cs typeface="+mn-cs"/>
+              </a:defRPr>
+            </a:lvl7pPr>
+            <a:lvl8pPr marL="3429000" indent="-228600" algn="l" defTabSz="914400" rtl="0" eaLnBrk="1" latinLnBrk="0" hangingPunct="1">
+              <a:lnSpc>
+                <a:spcPct val="90000"/>
+              </a:lnSpc>
+              <a:spcBef>
+                <a:spcPts val="500"/>
+              </a:spcBef>
+              <a:buFont typeface="Arial" panose="020B0604020202020204" pitchFamily="34" charset="0"/>
+              <a:buChar char="•"/>
+              <a:defRPr sz="1800" kern="1200">
+                <a:solidFill>
+                  <a:schemeClr val="tx1"/>
+                </a:solidFill>
+                <a:latin typeface="+mn-lt"/>
+                <a:ea typeface="+mn-ea"/>
+                <a:cs typeface="+mn-cs"/>
+              </a:defRPr>
+            </a:lvl8pPr>
+            <a:lvl9pPr marL="3886200" indent="-228600" algn="l" defTabSz="914400" rtl="0" eaLnBrk="1" latinLnBrk="0" hangingPunct="1">
+              <a:lnSpc>
+                <a:spcPct val="90000"/>
+              </a:lnSpc>
+              <a:spcBef>
+                <a:spcPts val="500"/>
+              </a:spcBef>
+              <a:buFont typeface="Arial" panose="020B0604020202020204" pitchFamily="34" charset="0"/>
+              <a:buChar char="•"/>
+              <a:defRPr sz="1800" kern="1200">
+                <a:solidFill>
+                  <a:schemeClr val="tx1"/>
+                </a:solidFill>
+                <a:latin typeface="+mn-lt"/>
+                <a:ea typeface="+mn-ea"/>
+                <a:cs typeface="+mn-cs"/>
+              </a:defRPr>
+            </a:lvl9pPr>
+          </a:lstStyle>
+          <a:p>
+            <a:r>
+              <a:rPr lang="en-US" dirty="0"/>
+              <a:t>Gameplay footage</a:t>
+            </a:r>
+          </a:p>
+          <a:p>
+            <a:r>
+              <a:rPr lang="en-US" dirty="0"/>
+              <a:t>Mechanics highlight</a:t>
+            </a:r>
+          </a:p>
+          <a:p>
+            <a:r>
+              <a:rPr lang="en-US" dirty="0"/>
+              <a:t>Cosmetics showcase</a:t>
+            </a:r>
+          </a:p>
+        </p:txBody>
+      </p:sp>
+      <p:sp>
+        <p:nvSpPr>
+          <p:cNvPr id="9" name="Text Placeholder 13">
+            <a:extLst>
+              <a:ext uri="{FF2B5EF4-FFF2-40B4-BE49-F238E27FC236}">
+                <a16:creationId xmlns:a16="http://schemas.microsoft.com/office/drawing/2014/main" id="{FCA7DAD5-DE7D-375F-832E-EF16018520F7}"/>
+              </a:ext>
+            </a:extLst>
+          </p:cNvPr>
+          <p:cNvSpPr txBox="1">
+            <a:spLocks/>
+          </p:cNvSpPr>
+          <p:nvPr/>
+        </p:nvSpPr>
+        <p:spPr>
+          <a:xfrm>
+            <a:off x="6825885" y="4503076"/>
+            <a:ext cx="4756714" cy="597604"/>
+          </a:xfrm>
+          <a:prstGeom prst="rect">
+            <a:avLst/>
+          </a:prstGeom>
+        </p:spPr>
+        <p:txBody>
+          <a:bodyPr vert="horz" lIns="91440" tIns="45720" rIns="91440" bIns="45720" rtlCol="0">
+            <a:normAutofit/>
+          </a:bodyPr>
+          <a:lstStyle>
+            <a:lvl1pPr marL="0" indent="0" algn="l" defTabSz="914400" rtl="0" eaLnBrk="1" latinLnBrk="0" hangingPunct="1">
+              <a:lnSpc>
+                <a:spcPct val="110000"/>
+              </a:lnSpc>
+              <a:spcBef>
+                <a:spcPts val="1000"/>
+              </a:spcBef>
+              <a:buFont typeface="Arial" panose="020B0604020202020204" pitchFamily="34" charset="0"/>
+              <a:buNone/>
+              <a:defRPr sz="2400" b="1" kern="1200" spc="-20" baseline="0">
+                <a:solidFill>
+                  <a:schemeClr val="accent2"/>
+                </a:solidFill>
+                <a:latin typeface="+mn-lt"/>
+                <a:ea typeface="+mn-ea"/>
+                <a:cs typeface="+mn-cs"/>
+              </a:defRPr>
+            </a:lvl1pPr>
+            <a:lvl2pPr marL="685800" indent="-228600" algn="l" defTabSz="914400" rtl="0" eaLnBrk="1" latinLnBrk="0" hangingPunct="1">
+              <a:lnSpc>
+                <a:spcPct val="110000"/>
+              </a:lnSpc>
+              <a:spcBef>
+                <a:spcPts val="500"/>
+              </a:spcBef>
+              <a:buFont typeface="Arial" panose="020B0604020202020204" pitchFamily="34" charset="0"/>
+              <a:buChar char="•"/>
+              <a:defRPr sz="2000" kern="1200" spc="-20" baseline="0">
+                <a:solidFill>
+                  <a:schemeClr val="tx1"/>
+                </a:solidFill>
+                <a:latin typeface="+mn-lt"/>
+                <a:ea typeface="+mn-ea"/>
+                <a:cs typeface="+mn-cs"/>
+              </a:defRPr>
+            </a:lvl2pPr>
+            <a:lvl3pPr marL="1143000" indent="-228600" algn="l" defTabSz="914400" rtl="0" eaLnBrk="1" latinLnBrk="0" hangingPunct="1">
+              <a:lnSpc>
+                <a:spcPct val="110000"/>
+              </a:lnSpc>
+              <a:spcBef>
+                <a:spcPts val="500"/>
+              </a:spcBef>
+              <a:buFont typeface="Arial" panose="020B0604020202020204" pitchFamily="34" charset="0"/>
+              <a:buChar char="•"/>
+              <a:defRPr sz="1800" kern="1200" spc="-20" baseline="0">
+                <a:solidFill>
+                  <a:schemeClr val="tx1"/>
+                </a:solidFill>
+                <a:latin typeface="+mn-lt"/>
+                <a:ea typeface="+mn-ea"/>
+                <a:cs typeface="+mn-cs"/>
+              </a:defRPr>
+            </a:lvl3pPr>
+            <a:lvl4pPr marL="1600200" indent="-228600" algn="l" defTabSz="914400" rtl="0" eaLnBrk="1" latinLnBrk="0" hangingPunct="1">
+              <a:lnSpc>
+                <a:spcPct val="110000"/>
+              </a:lnSpc>
+              <a:spcBef>
+                <a:spcPts val="500"/>
+              </a:spcBef>
+              <a:buFont typeface="Arial" panose="020B0604020202020204" pitchFamily="34" charset="0"/>
+              <a:buChar char="•"/>
+              <a:defRPr sz="1600" kern="1200" spc="-20" baseline="0">
+                <a:solidFill>
+                  <a:schemeClr val="tx1"/>
+                </a:solidFill>
+                <a:latin typeface="+mn-lt"/>
+                <a:ea typeface="+mn-ea"/>
+                <a:cs typeface="+mn-cs"/>
+              </a:defRPr>
+            </a:lvl4pPr>
+            <a:lvl5pPr marL="2057400" indent="-228600" algn="l" defTabSz="914400" rtl="0" eaLnBrk="1" latinLnBrk="0" hangingPunct="1">
+              <a:lnSpc>
+                <a:spcPct val="110000"/>
+              </a:lnSpc>
+              <a:spcBef>
+                <a:spcPts val="500"/>
+              </a:spcBef>
+              <a:buFont typeface="Arial" panose="020B0604020202020204" pitchFamily="34" charset="0"/>
+              <a:buChar char="•"/>
+              <a:defRPr sz="1600" kern="1200" spc="-20" baseline="0">
+                <a:solidFill>
+                  <a:schemeClr val="tx1"/>
+                </a:solidFill>
+                <a:latin typeface="+mn-lt"/>
+                <a:ea typeface="+mn-ea"/>
+                <a:cs typeface="+mn-cs"/>
+              </a:defRPr>
+            </a:lvl5pPr>
+            <a:lvl6pPr marL="2514600" indent="-228600" algn="l" defTabSz="914400" rtl="0" eaLnBrk="1" latinLnBrk="0" hangingPunct="1">
+              <a:lnSpc>
+                <a:spcPct val="90000"/>
+              </a:lnSpc>
+              <a:spcBef>
+                <a:spcPts val="500"/>
+              </a:spcBef>
+              <a:buFont typeface="Arial" panose="020B0604020202020204" pitchFamily="34" charset="0"/>
+              <a:buChar char="•"/>
+              <a:defRPr sz="1800" kern="1200">
+                <a:solidFill>
+                  <a:schemeClr val="tx1"/>
+                </a:solidFill>
+                <a:latin typeface="+mn-lt"/>
+                <a:ea typeface="+mn-ea"/>
+                <a:cs typeface="+mn-cs"/>
+              </a:defRPr>
+            </a:lvl6pPr>
+            <a:lvl7pPr marL="2971800" indent="-228600" algn="l" defTabSz="914400" rtl="0" eaLnBrk="1" latinLnBrk="0" hangingPunct="1">
+              <a:lnSpc>
+                <a:spcPct val="90000"/>
+              </a:lnSpc>
+              <a:spcBef>
+                <a:spcPts val="500"/>
+              </a:spcBef>
+              <a:buFont typeface="Arial" panose="020B0604020202020204" pitchFamily="34" charset="0"/>
+              <a:buChar char="•"/>
+              <a:defRPr sz="1800" kern="1200">
+                <a:solidFill>
+                  <a:schemeClr val="tx1"/>
+                </a:solidFill>
+                <a:latin typeface="+mn-lt"/>
+                <a:ea typeface="+mn-ea"/>
+                <a:cs typeface="+mn-cs"/>
+              </a:defRPr>
+            </a:lvl7pPr>
+            <a:lvl8pPr marL="3429000" indent="-228600" algn="l" defTabSz="914400" rtl="0" eaLnBrk="1" latinLnBrk="0" hangingPunct="1">
+              <a:lnSpc>
+                <a:spcPct val="90000"/>
+              </a:lnSpc>
+              <a:spcBef>
+                <a:spcPts val="500"/>
+              </a:spcBef>
+              <a:buFont typeface="Arial" panose="020B0604020202020204" pitchFamily="34" charset="0"/>
+              <a:buChar char="•"/>
+              <a:defRPr sz="1800" kern="1200">
+                <a:solidFill>
+                  <a:schemeClr val="tx1"/>
+                </a:solidFill>
+                <a:latin typeface="+mn-lt"/>
+                <a:ea typeface="+mn-ea"/>
+                <a:cs typeface="+mn-cs"/>
+              </a:defRPr>
+            </a:lvl8pPr>
+            <a:lvl9pPr marL="3886200" indent="-228600" algn="l" defTabSz="914400" rtl="0" eaLnBrk="1" latinLnBrk="0" hangingPunct="1">
+              <a:lnSpc>
+                <a:spcPct val="90000"/>
+              </a:lnSpc>
+              <a:spcBef>
+                <a:spcPts val="500"/>
+              </a:spcBef>
+              <a:buFont typeface="Arial" panose="020B0604020202020204" pitchFamily="34" charset="0"/>
+              <a:buChar char="•"/>
+              <a:defRPr sz="1800" kern="1200">
+                <a:solidFill>
+                  <a:schemeClr val="tx1"/>
+                </a:solidFill>
+                <a:latin typeface="+mn-lt"/>
+                <a:ea typeface="+mn-ea"/>
+                <a:cs typeface="+mn-cs"/>
+              </a:defRPr>
+            </a:lvl9pPr>
+          </a:lstStyle>
+          <a:p>
+            <a:r>
+              <a:rPr lang="en-US" dirty="0"/>
+              <a:t>Advertising</a:t>
+            </a:r>
+          </a:p>
+        </p:txBody>
+      </p:sp>
+      <p:sp>
+        <p:nvSpPr>
+          <p:cNvPr id="10" name="Content Placeholder 12">
+            <a:extLst>
+              <a:ext uri="{FF2B5EF4-FFF2-40B4-BE49-F238E27FC236}">
+                <a16:creationId xmlns:a16="http://schemas.microsoft.com/office/drawing/2014/main" id="{4CB43021-FF40-1B39-71C4-9310FF7D7197}"/>
+              </a:ext>
+            </a:extLst>
+          </p:cNvPr>
+          <p:cNvSpPr txBox="1">
+            <a:spLocks/>
+          </p:cNvSpPr>
+          <p:nvPr/>
+        </p:nvSpPr>
+        <p:spPr>
+          <a:xfrm>
+            <a:off x="6825885" y="4979544"/>
+            <a:ext cx="4922377" cy="1332994"/>
+          </a:xfrm>
+          <a:prstGeom prst="rect">
+            <a:avLst/>
+          </a:prstGeom>
+        </p:spPr>
+        <p:txBody>
+          <a:bodyPr vert="horz" lIns="91440" tIns="45720" rIns="91440" bIns="45720" rtlCol="0">
+            <a:normAutofit/>
+          </a:bodyPr>
+          <a:lstStyle>
+            <a:lvl1pPr marL="228600" indent="-228600" algn="l" defTabSz="914400" rtl="0" eaLnBrk="1" latinLnBrk="0" hangingPunct="1">
+              <a:lnSpc>
+                <a:spcPct val="110000"/>
+              </a:lnSpc>
+              <a:spcBef>
+                <a:spcPts val="1000"/>
+              </a:spcBef>
+              <a:buFont typeface="Arial" panose="020B0604020202020204" pitchFamily="34" charset="0"/>
+              <a:buChar char="•"/>
+              <a:defRPr sz="2000" kern="1200" spc="-20" baseline="0">
+                <a:solidFill>
+                  <a:schemeClr val="tx1"/>
+                </a:solidFill>
+                <a:latin typeface="+mn-lt"/>
+                <a:ea typeface="+mn-ea"/>
+                <a:cs typeface="+mn-cs"/>
+              </a:defRPr>
+            </a:lvl1pPr>
+            <a:lvl2pPr marL="685800" indent="-228600" algn="l" defTabSz="914400" rtl="0" eaLnBrk="1" latinLnBrk="0" hangingPunct="1">
+              <a:lnSpc>
+                <a:spcPct val="110000"/>
+              </a:lnSpc>
+              <a:spcBef>
+                <a:spcPts val="500"/>
+              </a:spcBef>
+              <a:buFont typeface="Arial" panose="020B0604020202020204" pitchFamily="34" charset="0"/>
+              <a:buChar char="•"/>
+              <a:defRPr sz="2000" kern="1200" spc="-20" baseline="0">
+                <a:solidFill>
+                  <a:schemeClr val="tx1"/>
+                </a:solidFill>
+                <a:latin typeface="+mn-lt"/>
+                <a:ea typeface="+mn-ea"/>
+                <a:cs typeface="+mn-cs"/>
+              </a:defRPr>
+            </a:lvl2pPr>
+            <a:lvl3pPr marL="1143000" indent="-228600" algn="l" defTabSz="914400" rtl="0" eaLnBrk="1" latinLnBrk="0" hangingPunct="1">
+              <a:lnSpc>
+                <a:spcPct val="110000"/>
+              </a:lnSpc>
+              <a:spcBef>
+                <a:spcPts val="500"/>
+              </a:spcBef>
+              <a:buFont typeface="Arial" panose="020B0604020202020204" pitchFamily="34" charset="0"/>
+              <a:buChar char="•"/>
+              <a:defRPr sz="1800" kern="1200" spc="-20" baseline="0">
+                <a:solidFill>
+                  <a:schemeClr val="tx1"/>
+                </a:solidFill>
+                <a:latin typeface="+mn-lt"/>
+                <a:ea typeface="+mn-ea"/>
+                <a:cs typeface="+mn-cs"/>
+              </a:defRPr>
+            </a:lvl3pPr>
+            <a:lvl4pPr marL="1600200" indent="-228600" algn="l" defTabSz="914400" rtl="0" eaLnBrk="1" latinLnBrk="0" hangingPunct="1">
+              <a:lnSpc>
+                <a:spcPct val="110000"/>
+              </a:lnSpc>
+              <a:spcBef>
+                <a:spcPts val="500"/>
+              </a:spcBef>
+              <a:buFont typeface="Arial" panose="020B0604020202020204" pitchFamily="34" charset="0"/>
+              <a:buChar char="•"/>
+              <a:defRPr sz="1600" kern="1200" spc="-20" baseline="0">
+                <a:solidFill>
+                  <a:schemeClr val="tx1"/>
+                </a:solidFill>
+                <a:latin typeface="+mn-lt"/>
+                <a:ea typeface="+mn-ea"/>
+                <a:cs typeface="+mn-cs"/>
+              </a:defRPr>
+            </a:lvl4pPr>
+            <a:lvl5pPr marL="2057400" indent="-228600" algn="l" defTabSz="914400" rtl="0" eaLnBrk="1" latinLnBrk="0" hangingPunct="1">
+              <a:lnSpc>
+                <a:spcPct val="110000"/>
+              </a:lnSpc>
+              <a:spcBef>
+                <a:spcPts val="500"/>
+              </a:spcBef>
+              <a:buFont typeface="Arial" panose="020B0604020202020204" pitchFamily="34" charset="0"/>
+              <a:buChar char="•"/>
+              <a:defRPr sz="1600" kern="1200" spc="-20" baseline="0">
+                <a:solidFill>
+                  <a:schemeClr val="tx1"/>
+                </a:solidFill>
+                <a:latin typeface="+mn-lt"/>
+                <a:ea typeface="+mn-ea"/>
+                <a:cs typeface="+mn-cs"/>
+              </a:defRPr>
+            </a:lvl5pPr>
+            <a:lvl6pPr marL="2514600" indent="-228600" algn="l" defTabSz="914400" rtl="0" eaLnBrk="1" latinLnBrk="0" hangingPunct="1">
+              <a:lnSpc>
+                <a:spcPct val="90000"/>
+              </a:lnSpc>
+              <a:spcBef>
+                <a:spcPts val="500"/>
+              </a:spcBef>
+              <a:buFont typeface="Arial" panose="020B0604020202020204" pitchFamily="34" charset="0"/>
+              <a:buChar char="•"/>
+              <a:defRPr sz="1800" kern="1200">
+                <a:solidFill>
+                  <a:schemeClr val="tx1"/>
+                </a:solidFill>
+                <a:latin typeface="+mn-lt"/>
+                <a:ea typeface="+mn-ea"/>
+                <a:cs typeface="+mn-cs"/>
+              </a:defRPr>
+            </a:lvl6pPr>
+            <a:lvl7pPr marL="2971800" indent="-228600" algn="l" defTabSz="914400" rtl="0" eaLnBrk="1" latinLnBrk="0" hangingPunct="1">
+              <a:lnSpc>
+                <a:spcPct val="90000"/>
+              </a:lnSpc>
+              <a:spcBef>
+                <a:spcPts val="500"/>
+              </a:spcBef>
+              <a:buFont typeface="Arial" panose="020B0604020202020204" pitchFamily="34" charset="0"/>
+              <a:buChar char="•"/>
+              <a:defRPr sz="1800" kern="1200">
+                <a:solidFill>
+                  <a:schemeClr val="tx1"/>
+                </a:solidFill>
+                <a:latin typeface="+mn-lt"/>
+                <a:ea typeface="+mn-ea"/>
+                <a:cs typeface="+mn-cs"/>
+              </a:defRPr>
+            </a:lvl7pPr>
+            <a:lvl8pPr marL="3429000" indent="-228600" algn="l" defTabSz="914400" rtl="0" eaLnBrk="1" latinLnBrk="0" hangingPunct="1">
+              <a:lnSpc>
+                <a:spcPct val="90000"/>
+              </a:lnSpc>
+              <a:spcBef>
+                <a:spcPts val="500"/>
+              </a:spcBef>
+              <a:buFont typeface="Arial" panose="020B0604020202020204" pitchFamily="34" charset="0"/>
+              <a:buChar char="•"/>
+              <a:defRPr sz="1800" kern="1200">
+                <a:solidFill>
+                  <a:schemeClr val="tx1"/>
+                </a:solidFill>
+                <a:latin typeface="+mn-lt"/>
+                <a:ea typeface="+mn-ea"/>
+                <a:cs typeface="+mn-cs"/>
+              </a:defRPr>
+            </a:lvl8pPr>
+            <a:lvl9pPr marL="3886200" indent="-228600" algn="l" defTabSz="914400" rtl="0" eaLnBrk="1" latinLnBrk="0" hangingPunct="1">
+              <a:lnSpc>
+                <a:spcPct val="90000"/>
+              </a:lnSpc>
+              <a:spcBef>
+                <a:spcPts val="500"/>
+              </a:spcBef>
+              <a:buFont typeface="Arial" panose="020B0604020202020204" pitchFamily="34" charset="0"/>
+              <a:buChar char="•"/>
+              <a:defRPr sz="1800" kern="1200">
+                <a:solidFill>
+                  <a:schemeClr val="tx1"/>
+                </a:solidFill>
+                <a:latin typeface="+mn-lt"/>
+                <a:ea typeface="+mn-ea"/>
+                <a:cs typeface="+mn-cs"/>
+              </a:defRPr>
+            </a:lvl9pPr>
+          </a:lstStyle>
+          <a:p>
+            <a:r>
+              <a:rPr lang="en-US" dirty="0"/>
+              <a:t>Variety of advertisements</a:t>
+            </a:r>
+          </a:p>
+          <a:p>
+            <a:r>
+              <a:rPr lang="en-US" dirty="0"/>
+              <a:t>Sponsorships</a:t>
+            </a:r>
+          </a:p>
+          <a:p>
+            <a:r>
+              <a:rPr lang="en-US" dirty="0"/>
+              <a:t>Press kit for media</a:t>
+            </a:r>
+          </a:p>
+        </p:txBody>
+      </p:sp>
+      <p:sp>
+        <p:nvSpPr>
+          <p:cNvPr id="4" name="TextBox 3">
+            <a:extLst>
+              <a:ext uri="{FF2B5EF4-FFF2-40B4-BE49-F238E27FC236}">
+                <a16:creationId xmlns:a16="http://schemas.microsoft.com/office/drawing/2014/main" id="{2675238F-3A82-7B73-B9B7-B009FF8D4F10}"/>
+              </a:ext>
+            </a:extLst>
+          </p:cNvPr>
+          <p:cNvSpPr txBox="1"/>
+          <p:nvPr/>
+        </p:nvSpPr>
+        <p:spPr>
+          <a:xfrm>
+            <a:off x="4251069" y="4040555"/>
+            <a:ext cx="2090443" cy="646331"/>
+          </a:xfrm>
+          <a:prstGeom prst="rect">
+            <a:avLst/>
+          </a:prstGeom>
+          <a:noFill/>
+        </p:spPr>
+        <p:txBody>
+          <a:bodyPr wrap="square" rtlCol="0">
+            <a:spAutoFit/>
+          </a:bodyPr>
+          <a:lstStyle/>
+          <a:p>
+            <a:r>
+              <a:rPr lang="en-GB" dirty="0"/>
+              <a:t>Expand on how – 2 slides</a:t>
+            </a:r>
+          </a:p>
+        </p:txBody>
+      </p:sp>
+    </p:spTree>
+    <p:extLst>
+      <p:ext uri="{BB962C8B-B14F-4D97-AF65-F5344CB8AC3E}">
+        <p14:creationId xmlns:p14="http://schemas.microsoft.com/office/powerpoint/2010/main" val="2119425584"/>
+      </p:ext>
+    </p:extLst>
+  </p:cSld>
+  <p:clrMapOvr>
+    <a:masterClrMapping/>
+  </p:clrMapOvr>
+</p:sld>
+</file>
+
+<file path=ppt/slides/slide11.xml><?xml version="1.0" encoding="utf-8"?>
+<p:sld xmlns:a="http://schemas.openxmlformats.org/drawingml/2006/main" xmlns:r="http://schemas.openxmlformats.org/officeDocument/2006/relationships" xmlns:p="http://schemas.openxmlformats.org/presentationml/2006/main">
+  <p:cSld>
+    <p:spTree>
+      <p:nvGrpSpPr>
+        <p:cNvPr id="1" name=""/>
+        <p:cNvGrpSpPr/>
+        <p:nvPr/>
+      </p:nvGrpSpPr>
+      <p:grpSpPr>
+        <a:xfrm>
+          <a:off x="0" y="0"/>
+          <a:ext cx="0" cy="0"/>
+          <a:chOff x="0" y="0"/>
+          <a:chExt cx="0" cy="0"/>
+        </a:xfrm>
+      </p:grpSpPr>
+      <p:sp>
+        <p:nvSpPr>
           <p:cNvPr id="41" name="Title 40">
             <a:extLst>
               <a:ext uri="{FF2B5EF4-FFF2-40B4-BE49-F238E27FC236}">
@@ -20057,7 +21265,7 @@
             <a:fld id="{06B786C7-B8F9-4072-AAAA-17258464D730}" type="slidenum">
               <a:rPr lang="en-US" noProof="0" smtClean="0"/>
               <a:pPr lvl="0"/>
-              <a:t>10</a:t>
+              <a:t>11</a:t>
             </a:fld>
             <a:endParaRPr lang="en-US" noProof="0" dirty="0"/>
           </a:p>
@@ -20076,7 +21284,7 @@
 </p:sld>
 </file>
 
-<file path=ppt/slides/slide11.xml><?xml version="1.0" encoding="utf-8"?>
+<file path=ppt/slides/slide12.xml><?xml version="1.0" encoding="utf-8"?>
 <p:sld xmlns:a="http://schemas.openxmlformats.org/drawingml/2006/main" xmlns:r="http://schemas.openxmlformats.org/officeDocument/2006/relationships" xmlns:p="http://schemas.openxmlformats.org/presentationml/2006/main">
   <p:cSld>
     <p:spTree>
@@ -20227,7 +21435,7 @@
             <a:fld id="{06B786C7-B8F9-4072-AAAA-17258464D730}" type="slidenum">
               <a:rPr lang="en-US" noProof="0" smtClean="0"/>
               <a:pPr lvl="0"/>
-              <a:t>11</a:t>
+              <a:t>12</a:t>
             </a:fld>
             <a:endParaRPr lang="en-US" noProof="0" dirty="0"/>
           </a:p>
@@ -20354,7 +21562,7 @@
 </p:sld>
 </file>
 
-<file path=ppt/slides/slide12.xml><?xml version="1.0" encoding="utf-8"?>
+<file path=ppt/slides/slide13.xml><?xml version="1.0" encoding="utf-8"?>
 <p:sld xmlns:a="http://schemas.openxmlformats.org/drawingml/2006/main" xmlns:r="http://schemas.openxmlformats.org/officeDocument/2006/relationships" xmlns:p="http://schemas.openxmlformats.org/presentationml/2006/main">
   <p:cSld>
     <p:spTree>
@@ -20505,7 +21713,7 @@
             <a:fld id="{06B786C7-B8F9-4072-AAAA-17258464D730}" type="slidenum">
               <a:rPr lang="en-US" noProof="0" smtClean="0"/>
               <a:pPr lvl="0"/>
-              <a:t>12</a:t>
+              <a:t>13</a:t>
             </a:fld>
             <a:endParaRPr lang="en-US" noProof="0" dirty="0"/>
           </a:p>
@@ -20584,7 +21792,7 @@
 </p:sld>
 </file>
 
-<file path=ppt/slides/slide13.xml><?xml version="1.0" encoding="utf-8"?>
+<file path=ppt/slides/slide14.xml><?xml version="1.0" encoding="utf-8"?>
 <p:sld xmlns:a="http://schemas.openxmlformats.org/drawingml/2006/main" xmlns:r="http://schemas.openxmlformats.org/officeDocument/2006/relationships" xmlns:p="http://schemas.openxmlformats.org/presentationml/2006/main">
   <p:cSld>
     <p:spTree>
@@ -20790,7 +21998,7 @@
             <a:fld id="{06B786C7-B8F9-4072-AAAA-17258464D730}" type="slidenum">
               <a:rPr lang="en-US" noProof="0" smtClean="0"/>
               <a:pPr lvl="0"/>
-              <a:t>13</a:t>
+              <a:t>14</a:t>
             </a:fld>
             <a:endParaRPr lang="en-US" noProof="0" dirty="0"/>
           </a:p>
@@ -20809,7 +22017,7 @@
 </p:sld>
 </file>
 
-<file path=ppt/slides/slide14.xml><?xml version="1.0" encoding="utf-8"?>
+<file path=ppt/slides/slide15.xml><?xml version="1.0" encoding="utf-8"?>
 <p:sld xmlns:a="http://schemas.openxmlformats.org/drawingml/2006/main" xmlns:r="http://schemas.openxmlformats.org/officeDocument/2006/relationships" xmlns:p="http://schemas.openxmlformats.org/presentationml/2006/main">
   <p:cSld>
     <p:spTree>
@@ -21214,7 +22422,7 @@
             <a:fld id="{06B786C7-B8F9-4072-AAAA-17258464D730}" type="slidenum">
               <a:rPr lang="en-US" noProof="0" smtClean="0"/>
               <a:pPr lvl="0"/>
-              <a:t>14</a:t>
+              <a:t>15</a:t>
             </a:fld>
             <a:endParaRPr lang="en-US" noProof="0" dirty="0"/>
           </a:p>
@@ -21851,7 +23059,7 @@
 </p:sld>
 </file>
 
-<file path=ppt/slides/slide15.xml><?xml version="1.0" encoding="utf-8"?>
+<file path=ppt/slides/slide16.xml><?xml version="1.0" encoding="utf-8"?>
 <p:sld xmlns:a="http://schemas.openxmlformats.org/drawingml/2006/main" xmlns:r="http://schemas.openxmlformats.org/officeDocument/2006/relationships" xmlns:p="http://schemas.openxmlformats.org/presentationml/2006/main">
   <p:cSld>
     <p:spTree>
@@ -22001,7 +23209,7 @@
             <a:fld id="{06B786C7-B8F9-4072-AAAA-17258464D730}" type="slidenum">
               <a:rPr lang="en-US" noProof="0" smtClean="0"/>
               <a:pPr lvl="0"/>
-              <a:t>15</a:t>
+              <a:t>16</a:t>
             </a:fld>
             <a:endParaRPr lang="en-US" noProof="0" dirty="0"/>
           </a:p>
@@ -22289,7 +23497,7 @@
 </p:sld>
 </file>
 
-<file path=ppt/slides/slide16.xml><?xml version="1.0" encoding="utf-8"?>
+<file path=ppt/slides/slide17.xml><?xml version="1.0" encoding="utf-8"?>
 <p:sld xmlns:a="http://schemas.openxmlformats.org/drawingml/2006/main" xmlns:r="http://schemas.openxmlformats.org/officeDocument/2006/relationships" xmlns:p="http://schemas.openxmlformats.org/presentationml/2006/main">
   <p:cSld>
     <p:spTree>
@@ -22998,7 +24206,7 @@
             <a:fld id="{06B786C7-B8F9-4072-AAAA-17258464D730}" type="slidenum">
               <a:rPr lang="en-US" noProof="0" smtClean="0"/>
               <a:pPr lvl="0"/>
-              <a:t>16</a:t>
+              <a:t>17</a:t>
             </a:fld>
             <a:endParaRPr lang="en-US" noProof="0" dirty="0"/>
           </a:p>
@@ -23066,7 +24274,7 @@
 </p:sld>
 </file>
 
-<file path=ppt/slides/slide17.xml><?xml version="1.0" encoding="utf-8"?>
+<file path=ppt/slides/slide18.xml><?xml version="1.0" encoding="utf-8"?>
 <p:sld xmlns:a="http://schemas.openxmlformats.org/drawingml/2006/main" xmlns:r="http://schemas.openxmlformats.org/officeDocument/2006/relationships" xmlns:p="http://schemas.openxmlformats.org/presentationml/2006/main">
   <p:cSld>
     <p:spTree>
@@ -24055,7 +25263,7 @@
             <a:fld id="{06B786C7-B8F9-4072-AAAA-17258464D730}" type="slidenum">
               <a:rPr lang="en-US" noProof="0" smtClean="0"/>
               <a:pPr lvl="0"/>
-              <a:t>17</a:t>
+              <a:t>18</a:t>
             </a:fld>
             <a:endParaRPr lang="en-US" noProof="0" dirty="0"/>
           </a:p>
@@ -24126,7 +25334,7 @@
 </p:sld>
 </file>
 
-<file path=ppt/slides/slide18.xml><?xml version="1.0" encoding="utf-8"?>
+<file path=ppt/slides/slide19.xml><?xml version="1.0" encoding="utf-8"?>
 <p:sld xmlns:a="http://schemas.openxmlformats.org/drawingml/2006/main" xmlns:r="http://schemas.openxmlformats.org/officeDocument/2006/relationships" xmlns:p="http://schemas.openxmlformats.org/presentationml/2006/main">
   <p:cSld>
     <p:spTree>
@@ -24311,7 +25519,7 @@
             <a:fld id="{06B786C7-B8F9-4072-AAAA-17258464D730}" type="slidenum">
               <a:rPr lang="en-US" noProof="0" smtClean="0"/>
               <a:pPr lvl="0"/>
-              <a:t>18</a:t>
+              <a:t>19</a:t>
             </a:fld>
             <a:endParaRPr lang="en-US" noProof="0" dirty="0"/>
           </a:p>
@@ -24365,7 +25573,719 @@
 </p:sld>
 </file>
 
-<file path=ppt/slides/slide19.xml><?xml version="1.0" encoding="utf-8"?>
+<file path=ppt/slides/slide2.xml><?xml version="1.0" encoding="utf-8"?>
+<p:sld xmlns:a="http://schemas.openxmlformats.org/drawingml/2006/main" xmlns:r="http://schemas.openxmlformats.org/officeDocument/2006/relationships" xmlns:p="http://schemas.openxmlformats.org/presentationml/2006/main">
+  <p:cSld>
+    <p:spTree>
+      <p:nvGrpSpPr>
+        <p:cNvPr id="1" name=""/>
+        <p:cNvGrpSpPr/>
+        <p:nvPr/>
+      </p:nvGrpSpPr>
+      <p:grpSpPr>
+        <a:xfrm>
+          <a:off x="0" y="0"/>
+          <a:ext cx="0" cy="0"/>
+          <a:chOff x="0" y="0"/>
+          <a:chExt cx="0" cy="0"/>
+        </a:xfrm>
+      </p:grpSpPr>
+      <p:sp>
+        <p:nvSpPr>
+          <p:cNvPr id="18" name="Title 17">
+            <a:extLst>
+              <a:ext uri="{FF2B5EF4-FFF2-40B4-BE49-F238E27FC236}">
+                <a16:creationId xmlns:a16="http://schemas.microsoft.com/office/drawing/2014/main" id="{9F2FEA60-F900-4C56-9486-48EA30926F6E}"/>
+              </a:ext>
+            </a:extLst>
+          </p:cNvPr>
+          <p:cNvSpPr>
+            <a:spLocks noGrp="1"/>
+          </p:cNvSpPr>
+          <p:nvPr>
+            <p:ph type="title"/>
+          </p:nvPr>
+        </p:nvSpPr>
+        <p:spPr>
+          <a:xfrm>
+            <a:off x="92521" y="40801"/>
+            <a:ext cx="6801085" cy="1104543"/>
+          </a:xfrm>
+        </p:spPr>
+        <p:txBody>
+          <a:bodyPr>
+            <a:normAutofit fontScale="90000"/>
+          </a:bodyPr>
+          <a:lstStyle/>
+          <a:p>
+            <a:r>
+              <a:rPr lang="en-US" sz="6600" dirty="0">
+                <a:latin typeface="Arial" panose="020B0604020202020204" pitchFamily="34" charset="0"/>
+                <a:cs typeface="Arial" panose="020B0604020202020204" pitchFamily="34" charset="0"/>
+              </a:rPr>
+              <a:t>Product Overview</a:t>
+            </a:r>
+          </a:p>
+        </p:txBody>
+      </p:sp>
+      <p:sp>
+        <p:nvSpPr>
+          <p:cNvPr id="3" name="Footer Placeholder 2">
+            <a:extLst>
+              <a:ext uri="{FF2B5EF4-FFF2-40B4-BE49-F238E27FC236}">
+                <a16:creationId xmlns:a16="http://schemas.microsoft.com/office/drawing/2014/main" id="{88BDA17F-F303-4811-96C4-AD8A09ABEC11}"/>
+              </a:ext>
+            </a:extLst>
+          </p:cNvPr>
+          <p:cNvSpPr>
+            <a:spLocks noGrp="1"/>
+          </p:cNvSpPr>
+          <p:nvPr>
+            <p:ph type="ftr" sz="quarter" idx="11"/>
+          </p:nvPr>
+        </p:nvSpPr>
+        <p:spPr>
+          <a:xfrm>
+            <a:off x="201168" y="6356350"/>
+            <a:ext cx="4837176" cy="365125"/>
+          </a:xfrm>
+        </p:spPr>
+        <p:txBody>
+          <a:bodyPr/>
+          <a:lstStyle/>
+          <a:p>
+            <a:r>
+              <a:rPr lang="en-US" dirty="0"/>
+              <a:t>OutDig</a:t>
+            </a:r>
+          </a:p>
+        </p:txBody>
+      </p:sp>
+      <p:sp>
+        <p:nvSpPr>
+          <p:cNvPr id="19" name="Content Placeholder 18">
+            <a:extLst>
+              <a:ext uri="{FF2B5EF4-FFF2-40B4-BE49-F238E27FC236}">
+                <a16:creationId xmlns:a16="http://schemas.microsoft.com/office/drawing/2014/main" id="{AB6583FE-B653-4C01-9ADF-EC8514A0B5ED}"/>
+              </a:ext>
+            </a:extLst>
+          </p:cNvPr>
+          <p:cNvSpPr>
+            <a:spLocks noGrp="1"/>
+          </p:cNvSpPr>
+          <p:nvPr>
+            <p:ph idx="1"/>
+          </p:nvPr>
+        </p:nvSpPr>
+        <p:spPr>
+          <a:xfrm>
+            <a:off x="7403480" y="2270836"/>
+            <a:ext cx="4587352" cy="4509551"/>
+          </a:xfrm>
+        </p:spPr>
+        <p:txBody>
+          <a:bodyPr>
+            <a:normAutofit lnSpcReduction="10000"/>
+          </a:bodyPr>
+          <a:lstStyle/>
+          <a:p>
+            <a:r>
+              <a:rPr lang="en-GB" sz="1600" b="1" dirty="0">
+                <a:latin typeface="Arial" panose="020B0604020202020204" pitchFamily="34" charset="0"/>
+                <a:cs typeface="Arial" panose="020B0604020202020204" pitchFamily="34" charset="0"/>
+              </a:rPr>
+              <a:t>Genre</a:t>
+            </a:r>
+          </a:p>
+          <a:p>
+            <a:r>
+              <a:rPr lang="en-GB" sz="1600" dirty="0">
+                <a:latin typeface="Arial" panose="020B0604020202020204" pitchFamily="34" charset="0"/>
+                <a:cs typeface="Arial" panose="020B0604020202020204" pitchFamily="34" charset="0"/>
+              </a:rPr>
+              <a:t>Casual, Action</a:t>
+            </a:r>
+          </a:p>
+          <a:p>
+            <a:endParaRPr lang="en-GB" sz="1600" dirty="0">
+              <a:latin typeface="Arial" panose="020B0604020202020204" pitchFamily="34" charset="0"/>
+              <a:cs typeface="Arial" panose="020B0604020202020204" pitchFamily="34" charset="0"/>
+            </a:endParaRPr>
+          </a:p>
+          <a:p>
+            <a:r>
+              <a:rPr lang="en-GB" sz="1600" b="1" dirty="0">
+                <a:latin typeface="Arial" panose="020B0604020202020204" pitchFamily="34" charset="0"/>
+                <a:cs typeface="Arial" panose="020B0604020202020204" pitchFamily="34" charset="0"/>
+              </a:rPr>
+              <a:t>Type</a:t>
+            </a:r>
+            <a:endParaRPr lang="en-GB" b="1" dirty="0"/>
+          </a:p>
+          <a:p>
+            <a:r>
+              <a:rPr lang="en-GB" sz="1600" dirty="0">
+                <a:latin typeface="Arial" panose="020B0604020202020204" pitchFamily="34" charset="0"/>
+                <a:cs typeface="Arial" panose="020B0604020202020204" pitchFamily="34" charset="0"/>
+              </a:rPr>
+              <a:t>Platformer, Sandbox</a:t>
+            </a:r>
+          </a:p>
+          <a:p>
+            <a:endParaRPr lang="en-GB" sz="1600" dirty="0">
+              <a:latin typeface="Arial" panose="020B0604020202020204" pitchFamily="34" charset="0"/>
+              <a:cs typeface="Arial" panose="020B0604020202020204" pitchFamily="34" charset="0"/>
+            </a:endParaRPr>
+          </a:p>
+          <a:p>
+            <a:r>
+              <a:rPr lang="en-GB" sz="1600" b="1" dirty="0">
+                <a:latin typeface="Arial" panose="020B0604020202020204" pitchFamily="34" charset="0"/>
+                <a:cs typeface="Arial" panose="020B0604020202020204" pitchFamily="34" charset="0"/>
+              </a:rPr>
+              <a:t>Target Audience</a:t>
+            </a:r>
+          </a:p>
+          <a:p>
+            <a:r>
+              <a:rPr lang="en-GB" sz="1600" dirty="0">
+                <a:latin typeface="Arial" panose="020B0604020202020204" pitchFamily="34" charset="0"/>
+                <a:cs typeface="Arial" panose="020B0604020202020204" pitchFamily="34" charset="0"/>
+              </a:rPr>
+              <a:t>Casual &amp; competitive players, aged 7 upwards</a:t>
+            </a:r>
+          </a:p>
+          <a:p>
+            <a:endParaRPr lang="en-GB" sz="1600" dirty="0">
+              <a:latin typeface="Arial" panose="020B0604020202020204" pitchFamily="34" charset="0"/>
+              <a:cs typeface="Arial" panose="020B0604020202020204" pitchFamily="34" charset="0"/>
+            </a:endParaRPr>
+          </a:p>
+          <a:p>
+            <a:r>
+              <a:rPr lang="en-GB" sz="1600" b="1" dirty="0">
+                <a:latin typeface="Arial" panose="020B0604020202020204" pitchFamily="34" charset="0"/>
+                <a:cs typeface="Arial" panose="020B0604020202020204" pitchFamily="34" charset="0"/>
+              </a:rPr>
+              <a:t>Financials </a:t>
+            </a:r>
+            <a:r>
+              <a:rPr lang="en-GB" sz="1600" dirty="0">
+                <a:latin typeface="Arial" panose="020B0604020202020204" pitchFamily="34" charset="0"/>
+                <a:cs typeface="Arial" panose="020B0604020202020204" pitchFamily="34" charset="0"/>
+              </a:rPr>
+              <a:t>(end of 2026)</a:t>
+            </a:r>
+            <a:endParaRPr lang="en-GB" sz="1600" b="1" dirty="0">
+              <a:latin typeface="Arial" panose="020B0604020202020204" pitchFamily="34" charset="0"/>
+              <a:cs typeface="Arial" panose="020B0604020202020204" pitchFamily="34" charset="0"/>
+            </a:endParaRPr>
+          </a:p>
+          <a:p>
+            <a:r>
+              <a:rPr lang="en-GB" sz="1600" dirty="0">
+                <a:latin typeface="Arial" panose="020B0604020202020204" pitchFamily="34" charset="0"/>
+                <a:cs typeface="Arial" panose="020B0604020202020204" pitchFamily="34" charset="0"/>
+              </a:rPr>
+              <a:t>~£340,000 total revenue</a:t>
+            </a:r>
+          </a:p>
+          <a:p>
+            <a:r>
+              <a:rPr lang="en-GB" sz="1600" dirty="0">
+                <a:latin typeface="Arial" panose="020B0604020202020204" pitchFamily="34" charset="0"/>
+                <a:cs typeface="Arial" panose="020B0604020202020204" pitchFamily="34" charset="0"/>
+              </a:rPr>
+              <a:t>~£225,000 total cost</a:t>
+            </a:r>
+          </a:p>
+          <a:p>
+            <a:endParaRPr lang="en-GB" sz="1600" dirty="0">
+              <a:latin typeface="Arial" panose="020B0604020202020204" pitchFamily="34" charset="0"/>
+              <a:cs typeface="Arial" panose="020B0604020202020204" pitchFamily="34" charset="0"/>
+            </a:endParaRPr>
+          </a:p>
+          <a:p>
+            <a:endParaRPr lang="en-GB" sz="1600" dirty="0">
+              <a:latin typeface="Arial" panose="020B0604020202020204" pitchFamily="34" charset="0"/>
+              <a:cs typeface="Arial" panose="020B0604020202020204" pitchFamily="34" charset="0"/>
+            </a:endParaRPr>
+          </a:p>
+          <a:p>
+            <a:endParaRPr lang="en-US" dirty="0"/>
+          </a:p>
+          <a:p>
+            <a:endParaRPr lang="en-US" dirty="0"/>
+          </a:p>
+        </p:txBody>
+      </p:sp>
+      <p:sp>
+        <p:nvSpPr>
+          <p:cNvPr id="4" name="Date Placeholder 3">
+            <a:extLst>
+              <a:ext uri="{FF2B5EF4-FFF2-40B4-BE49-F238E27FC236}">
+                <a16:creationId xmlns:a16="http://schemas.microsoft.com/office/drawing/2014/main" id="{F6D5CF6D-DC44-4734-988C-0AAA60D5F7E2}"/>
+              </a:ext>
+            </a:extLst>
+          </p:cNvPr>
+          <p:cNvSpPr>
+            <a:spLocks noGrp="1"/>
+          </p:cNvSpPr>
+          <p:nvPr>
+            <p:ph type="dt" sz="half" idx="10"/>
+          </p:nvPr>
+        </p:nvSpPr>
+        <p:spPr>
+          <a:xfrm>
+            <a:off x="7013448" y="6355080"/>
+            <a:ext cx="4352544" cy="365125"/>
+          </a:xfrm>
+        </p:spPr>
+        <p:txBody>
+          <a:bodyPr/>
+          <a:lstStyle/>
+          <a:p>
+            <a:pPr lvl="0"/>
+            <a:r>
+              <a:rPr lang="en-US" noProof="0" dirty="0"/>
+              <a:t>2022</a:t>
+            </a:r>
+          </a:p>
+        </p:txBody>
+      </p:sp>
+      <p:sp>
+        <p:nvSpPr>
+          <p:cNvPr id="5" name="Slide Number Placeholder 4">
+            <a:extLst>
+              <a:ext uri="{FF2B5EF4-FFF2-40B4-BE49-F238E27FC236}">
+                <a16:creationId xmlns:a16="http://schemas.microsoft.com/office/drawing/2014/main" id="{3E08B9AF-847F-4250-A53B-82D9036A5EBF}"/>
+              </a:ext>
+            </a:extLst>
+          </p:cNvPr>
+          <p:cNvSpPr>
+            <a:spLocks noGrp="1"/>
+          </p:cNvSpPr>
+          <p:nvPr>
+            <p:ph type="sldNum" sz="quarter" idx="12"/>
+          </p:nvPr>
+        </p:nvSpPr>
+        <p:spPr>
+          <a:xfrm>
+            <a:off x="11365992" y="6356350"/>
+            <a:ext cx="630936" cy="365125"/>
+          </a:xfrm>
+        </p:spPr>
+        <p:txBody>
+          <a:bodyPr/>
+          <a:lstStyle/>
+          <a:p>
+            <a:pPr lvl="0"/>
+            <a:fld id="{244D815C-8BF3-4ECF-A945-A2A7C2983AF9}" type="slidenum">
+              <a:rPr lang="en-US" noProof="0" smtClean="0"/>
+              <a:pPr lvl="0"/>
+              <a:t>2</a:t>
+            </a:fld>
+            <a:endParaRPr lang="en-US" noProof="0" dirty="0"/>
+          </a:p>
+        </p:txBody>
+      </p:sp>
+      <p:sp>
+        <p:nvSpPr>
+          <p:cNvPr id="2" name="Title 17">
+            <a:extLst>
+              <a:ext uri="{FF2B5EF4-FFF2-40B4-BE49-F238E27FC236}">
+                <a16:creationId xmlns:a16="http://schemas.microsoft.com/office/drawing/2014/main" id="{B86EF493-69FC-2A55-A10B-D435B8FC2C4F}"/>
+              </a:ext>
+            </a:extLst>
+          </p:cNvPr>
+          <p:cNvSpPr txBox="1">
+            <a:spLocks/>
+          </p:cNvSpPr>
+          <p:nvPr/>
+        </p:nvSpPr>
+        <p:spPr>
+          <a:xfrm>
+            <a:off x="-147212" y="1145344"/>
+            <a:ext cx="4587351" cy="867606"/>
+          </a:xfrm>
+          <a:prstGeom prst="rect">
+            <a:avLst/>
+          </a:prstGeom>
+        </p:spPr>
+        <p:txBody>
+          <a:bodyPr vert="horz" lIns="91440" tIns="45720" rIns="91440" bIns="45720" rtlCol="0" anchor="b">
+            <a:normAutofit/>
+          </a:bodyPr>
+          <a:lstStyle>
+            <a:lvl1pPr algn="l" defTabSz="914400" rtl="0" eaLnBrk="1" latinLnBrk="0" hangingPunct="1">
+              <a:lnSpc>
+                <a:spcPct val="90000"/>
+              </a:lnSpc>
+              <a:spcBef>
+                <a:spcPct val="0"/>
+              </a:spcBef>
+              <a:buNone/>
+              <a:defRPr sz="4800" b="1" kern="1200" spc="-20" baseline="0">
+                <a:solidFill>
+                  <a:schemeClr val="bg1"/>
+                </a:solidFill>
+                <a:latin typeface="+mj-lt"/>
+                <a:ea typeface="+mj-ea"/>
+                <a:cs typeface="+mj-cs"/>
+              </a:defRPr>
+            </a:lvl1pPr>
+          </a:lstStyle>
+          <a:p>
+            <a:pPr algn="ctr"/>
+            <a:r>
+              <a:rPr lang="en-US" dirty="0">
+                <a:latin typeface="Arial" panose="020B0604020202020204" pitchFamily="34" charset="0"/>
+                <a:cs typeface="Arial" panose="020B0604020202020204" pitchFamily="34" charset="0"/>
+              </a:rPr>
+              <a:t>OutDig</a:t>
+            </a:r>
+          </a:p>
+        </p:txBody>
+      </p:sp>
+      <p:sp>
+        <p:nvSpPr>
+          <p:cNvPr id="6" name="TextBox 5">
+            <a:extLst>
+              <a:ext uri="{FF2B5EF4-FFF2-40B4-BE49-F238E27FC236}">
+                <a16:creationId xmlns:a16="http://schemas.microsoft.com/office/drawing/2014/main" id="{63794FE5-D639-2292-02DD-C1C9269D47E1}"/>
+              </a:ext>
+            </a:extLst>
+          </p:cNvPr>
+          <p:cNvSpPr txBox="1"/>
+          <p:nvPr/>
+        </p:nvSpPr>
+        <p:spPr>
+          <a:xfrm>
+            <a:off x="9189720" y="212124"/>
+            <a:ext cx="2785929" cy="1477328"/>
+          </a:xfrm>
+          <a:prstGeom prst="rect">
+            <a:avLst/>
+          </a:prstGeom>
+          <a:noFill/>
+        </p:spPr>
+        <p:txBody>
+          <a:bodyPr wrap="square" rtlCol="0">
+            <a:spAutoFit/>
+          </a:bodyPr>
+          <a:lstStyle/>
+          <a:p>
+            <a:r>
+              <a:rPr lang="en-GB" dirty="0"/>
+              <a:t>Image showing better what it is</a:t>
+            </a:r>
+          </a:p>
+          <a:p>
+            <a:endParaRPr lang="en-GB" dirty="0"/>
+          </a:p>
+          <a:p>
+            <a:r>
+              <a:rPr lang="en-GB" dirty="0"/>
+              <a:t>Another slide with more examples to help explain</a:t>
+            </a:r>
+          </a:p>
+        </p:txBody>
+      </p:sp>
+      <p:pic>
+        <p:nvPicPr>
+          <p:cNvPr id="11" name="Picture 10">
+            <a:extLst>
+              <a:ext uri="{FF2B5EF4-FFF2-40B4-BE49-F238E27FC236}">
+                <a16:creationId xmlns:a16="http://schemas.microsoft.com/office/drawing/2014/main" id="{5D43E590-F98B-C809-9245-CCA1B6A9A45D}"/>
+              </a:ext>
+            </a:extLst>
+          </p:cNvPr>
+          <p:cNvPicPr>
+            <a:picLocks noChangeAspect="1"/>
+          </p:cNvPicPr>
+          <p:nvPr/>
+        </p:nvPicPr>
+        <p:blipFill>
+          <a:blip r:embed="rId2"/>
+          <a:stretch>
+            <a:fillRect/>
+          </a:stretch>
+        </p:blipFill>
+        <p:spPr>
+          <a:xfrm>
+            <a:off x="0" y="2270836"/>
+            <a:ext cx="7191829" cy="4213186"/>
+          </a:xfrm>
+          <a:prstGeom prst="rect">
+            <a:avLst/>
+          </a:prstGeom>
+        </p:spPr>
+      </p:pic>
+      <p:sp>
+        <p:nvSpPr>
+          <p:cNvPr id="12" name="Content Placeholder 18">
+            <a:extLst>
+              <a:ext uri="{FF2B5EF4-FFF2-40B4-BE49-F238E27FC236}">
+                <a16:creationId xmlns:a16="http://schemas.microsoft.com/office/drawing/2014/main" id="{C206C77A-5558-4DD0-9653-2929998E9874}"/>
+              </a:ext>
+            </a:extLst>
+          </p:cNvPr>
+          <p:cNvSpPr txBox="1">
+            <a:spLocks/>
+          </p:cNvSpPr>
+          <p:nvPr/>
+        </p:nvSpPr>
+        <p:spPr>
+          <a:xfrm>
+            <a:off x="5178751" y="1447316"/>
+            <a:ext cx="5436342" cy="867606"/>
+          </a:xfrm>
+          <a:prstGeom prst="rect">
+            <a:avLst/>
+          </a:prstGeom>
+        </p:spPr>
+        <p:txBody>
+          <a:bodyPr vert="horz" lIns="91440" tIns="45720" rIns="91440" bIns="45720" rtlCol="0">
+            <a:normAutofit/>
+          </a:bodyPr>
+          <a:lstStyle>
+            <a:lvl1pPr marL="0" indent="0" algn="l" defTabSz="914400" rtl="0" eaLnBrk="1" latinLnBrk="0" hangingPunct="1">
+              <a:lnSpc>
+                <a:spcPct val="110000"/>
+              </a:lnSpc>
+              <a:spcBef>
+                <a:spcPts val="1000"/>
+              </a:spcBef>
+              <a:buFont typeface="Arial" panose="020B0604020202020204" pitchFamily="34" charset="0"/>
+              <a:buNone/>
+              <a:defRPr sz="2400" kern="1200" spc="-20" baseline="0">
+                <a:solidFill>
+                  <a:schemeClr val="tx1"/>
+                </a:solidFill>
+                <a:latin typeface="+mn-lt"/>
+                <a:ea typeface="+mn-ea"/>
+                <a:cs typeface="+mn-cs"/>
+              </a:defRPr>
+            </a:lvl1pPr>
+            <a:lvl2pPr marL="685800" indent="-228600" algn="l" defTabSz="914400" rtl="0" eaLnBrk="1" latinLnBrk="0" hangingPunct="1">
+              <a:lnSpc>
+                <a:spcPct val="110000"/>
+              </a:lnSpc>
+              <a:spcBef>
+                <a:spcPts val="500"/>
+              </a:spcBef>
+              <a:buFont typeface="Arial" panose="020B0604020202020204" pitchFamily="34" charset="0"/>
+              <a:buChar char="•"/>
+              <a:defRPr sz="2000" kern="1200" spc="-20" baseline="0">
+                <a:solidFill>
+                  <a:schemeClr val="tx1"/>
+                </a:solidFill>
+                <a:latin typeface="+mn-lt"/>
+                <a:ea typeface="+mn-ea"/>
+                <a:cs typeface="+mn-cs"/>
+              </a:defRPr>
+            </a:lvl2pPr>
+            <a:lvl3pPr marL="1143000" indent="-228600" algn="l" defTabSz="914400" rtl="0" eaLnBrk="1" latinLnBrk="0" hangingPunct="1">
+              <a:lnSpc>
+                <a:spcPct val="110000"/>
+              </a:lnSpc>
+              <a:spcBef>
+                <a:spcPts val="500"/>
+              </a:spcBef>
+              <a:buFont typeface="Arial" panose="020B0604020202020204" pitchFamily="34" charset="0"/>
+              <a:buChar char="•"/>
+              <a:defRPr sz="1800" kern="1200" spc="-20" baseline="0">
+                <a:solidFill>
+                  <a:schemeClr val="tx1"/>
+                </a:solidFill>
+                <a:latin typeface="+mn-lt"/>
+                <a:ea typeface="+mn-ea"/>
+                <a:cs typeface="+mn-cs"/>
+              </a:defRPr>
+            </a:lvl3pPr>
+            <a:lvl4pPr marL="1600200" indent="-228600" algn="l" defTabSz="914400" rtl="0" eaLnBrk="1" latinLnBrk="0" hangingPunct="1">
+              <a:lnSpc>
+                <a:spcPct val="110000"/>
+              </a:lnSpc>
+              <a:spcBef>
+                <a:spcPts val="500"/>
+              </a:spcBef>
+              <a:buFont typeface="Arial" panose="020B0604020202020204" pitchFamily="34" charset="0"/>
+              <a:buChar char="•"/>
+              <a:defRPr sz="1600" kern="1200" spc="-20" baseline="0">
+                <a:solidFill>
+                  <a:schemeClr val="tx1"/>
+                </a:solidFill>
+                <a:latin typeface="+mn-lt"/>
+                <a:ea typeface="+mn-ea"/>
+                <a:cs typeface="+mn-cs"/>
+              </a:defRPr>
+            </a:lvl4pPr>
+            <a:lvl5pPr marL="2057400" indent="-228600" algn="l" defTabSz="914400" rtl="0" eaLnBrk="1" latinLnBrk="0" hangingPunct="1">
+              <a:lnSpc>
+                <a:spcPct val="110000"/>
+              </a:lnSpc>
+              <a:spcBef>
+                <a:spcPts val="500"/>
+              </a:spcBef>
+              <a:buFont typeface="Arial" panose="020B0604020202020204" pitchFamily="34" charset="0"/>
+              <a:buChar char="•"/>
+              <a:defRPr sz="1600" kern="1200" spc="-20" baseline="0">
+                <a:solidFill>
+                  <a:schemeClr val="tx1"/>
+                </a:solidFill>
+                <a:latin typeface="+mn-lt"/>
+                <a:ea typeface="+mn-ea"/>
+                <a:cs typeface="+mn-cs"/>
+              </a:defRPr>
+            </a:lvl5pPr>
+            <a:lvl6pPr marL="2514600" indent="-228600" algn="l" defTabSz="914400" rtl="0" eaLnBrk="1" latinLnBrk="0" hangingPunct="1">
+              <a:lnSpc>
+                <a:spcPct val="90000"/>
+              </a:lnSpc>
+              <a:spcBef>
+                <a:spcPts val="500"/>
+              </a:spcBef>
+              <a:buFont typeface="Arial" panose="020B0604020202020204" pitchFamily="34" charset="0"/>
+              <a:buChar char="•"/>
+              <a:defRPr sz="1800" kern="1200">
+                <a:solidFill>
+                  <a:schemeClr val="tx1"/>
+                </a:solidFill>
+                <a:latin typeface="+mn-lt"/>
+                <a:ea typeface="+mn-ea"/>
+                <a:cs typeface="+mn-cs"/>
+              </a:defRPr>
+            </a:lvl6pPr>
+            <a:lvl7pPr marL="2971800" indent="-228600" algn="l" defTabSz="914400" rtl="0" eaLnBrk="1" latinLnBrk="0" hangingPunct="1">
+              <a:lnSpc>
+                <a:spcPct val="90000"/>
+              </a:lnSpc>
+              <a:spcBef>
+                <a:spcPts val="500"/>
+              </a:spcBef>
+              <a:buFont typeface="Arial" panose="020B0604020202020204" pitchFamily="34" charset="0"/>
+              <a:buChar char="•"/>
+              <a:defRPr sz="1800" kern="1200">
+                <a:solidFill>
+                  <a:schemeClr val="tx1"/>
+                </a:solidFill>
+                <a:latin typeface="+mn-lt"/>
+                <a:ea typeface="+mn-ea"/>
+                <a:cs typeface="+mn-cs"/>
+              </a:defRPr>
+            </a:lvl7pPr>
+            <a:lvl8pPr marL="3429000" indent="-228600" algn="l" defTabSz="914400" rtl="0" eaLnBrk="1" latinLnBrk="0" hangingPunct="1">
+              <a:lnSpc>
+                <a:spcPct val="90000"/>
+              </a:lnSpc>
+              <a:spcBef>
+                <a:spcPts val="500"/>
+              </a:spcBef>
+              <a:buFont typeface="Arial" panose="020B0604020202020204" pitchFamily="34" charset="0"/>
+              <a:buChar char="•"/>
+              <a:defRPr sz="1800" kern="1200">
+                <a:solidFill>
+                  <a:schemeClr val="tx1"/>
+                </a:solidFill>
+                <a:latin typeface="+mn-lt"/>
+                <a:ea typeface="+mn-ea"/>
+                <a:cs typeface="+mn-cs"/>
+              </a:defRPr>
+            </a:lvl8pPr>
+            <a:lvl9pPr marL="3886200" indent="-228600" algn="l" defTabSz="914400" rtl="0" eaLnBrk="1" latinLnBrk="0" hangingPunct="1">
+              <a:lnSpc>
+                <a:spcPct val="90000"/>
+              </a:lnSpc>
+              <a:spcBef>
+                <a:spcPts val="500"/>
+              </a:spcBef>
+              <a:buFont typeface="Arial" panose="020B0604020202020204" pitchFamily="34" charset="0"/>
+              <a:buChar char="•"/>
+              <a:defRPr sz="1800" kern="1200">
+                <a:solidFill>
+                  <a:schemeClr val="tx1"/>
+                </a:solidFill>
+                <a:latin typeface="+mn-lt"/>
+                <a:ea typeface="+mn-ea"/>
+                <a:cs typeface="+mn-cs"/>
+              </a:defRPr>
+            </a:lvl9pPr>
+          </a:lstStyle>
+          <a:p>
+            <a:r>
+              <a:rPr lang="en-GB" sz="2000" dirty="0">
+                <a:solidFill>
+                  <a:schemeClr val="bg1"/>
+                </a:solidFill>
+                <a:latin typeface="Arial" panose="020B0604020202020204" pitchFamily="34" charset="0"/>
+                <a:cs typeface="Arial" panose="020B0604020202020204" pitchFamily="34" charset="0"/>
+              </a:rPr>
+              <a:t>Mine, fight and build to outplay your opponents in fast-paced, real-time battles</a:t>
+            </a:r>
+            <a:endParaRPr lang="en-GB" sz="1600" dirty="0">
+              <a:latin typeface="Arial" panose="020B0604020202020204" pitchFamily="34" charset="0"/>
+              <a:cs typeface="Arial" panose="020B0604020202020204" pitchFamily="34" charset="0"/>
+            </a:endParaRPr>
+          </a:p>
+          <a:p>
+            <a:endParaRPr lang="en-GB" sz="1600" dirty="0">
+              <a:latin typeface="Arial" panose="020B0604020202020204" pitchFamily="34" charset="0"/>
+              <a:cs typeface="Arial" panose="020B0604020202020204" pitchFamily="34" charset="0"/>
+            </a:endParaRPr>
+          </a:p>
+          <a:p>
+            <a:endParaRPr lang="en-US" dirty="0"/>
+          </a:p>
+          <a:p>
+            <a:endParaRPr lang="en-US" dirty="0"/>
+          </a:p>
+        </p:txBody>
+      </p:sp>
+      <p:pic>
+        <p:nvPicPr>
+          <p:cNvPr id="14" name="Picture 13">
+            <a:extLst>
+              <a:ext uri="{FF2B5EF4-FFF2-40B4-BE49-F238E27FC236}">
+                <a16:creationId xmlns:a16="http://schemas.microsoft.com/office/drawing/2014/main" id="{A8989456-4D9C-931B-697F-E0EB8A4D3B66}"/>
+              </a:ext>
+            </a:extLst>
+          </p:cNvPr>
+          <p:cNvPicPr>
+            <a:picLocks noChangeAspect="1"/>
+          </p:cNvPicPr>
+          <p:nvPr/>
+        </p:nvPicPr>
+        <p:blipFill>
+          <a:blip r:embed="rId3"/>
+          <a:stretch>
+            <a:fillRect/>
+          </a:stretch>
+        </p:blipFill>
+        <p:spPr>
+          <a:xfrm>
+            <a:off x="0" y="6483175"/>
+            <a:ext cx="7191829" cy="495369"/>
+          </a:xfrm>
+          <a:prstGeom prst="rect">
+            <a:avLst/>
+          </a:prstGeom>
+        </p:spPr>
+      </p:pic>
+    </p:spTree>
+    <p:extLst>
+      <p:ext uri="{BB962C8B-B14F-4D97-AF65-F5344CB8AC3E}">
+        <p14:creationId xmlns:p14="http://schemas.microsoft.com/office/powerpoint/2010/main" val="1074753820"/>
+      </p:ext>
+    </p:extLst>
+  </p:cSld>
+  <p:clrMapOvr>
+    <a:masterClrMapping/>
+  </p:clrMapOvr>
+</p:sld>
+</file>
+
+<file path=ppt/slides/slide20.xml><?xml version="1.0" encoding="utf-8"?>
 <p:sld xmlns:a="http://schemas.openxmlformats.org/drawingml/2006/main" xmlns:r="http://schemas.openxmlformats.org/officeDocument/2006/relationships" xmlns:p="http://schemas.openxmlformats.org/presentationml/2006/main">
   <p:cSld>
     <p:spTree>
@@ -24682,7 +26602,7 @@
             <a:fld id="{D39F39FF-F5CB-4ACA-9B46-4CCF89ECA75F}" type="slidenum">
               <a:rPr lang="en-US" noProof="0" smtClean="0"/>
               <a:pPr lvl="0"/>
-              <a:t>19</a:t>
+              <a:t>20</a:t>
             </a:fld>
             <a:endParaRPr lang="en-US" noProof="0" dirty="0"/>
           </a:p>
@@ -24701,463 +26621,7 @@
 </p:sld>
 </file>
 
-<file path=ppt/slides/slide2.xml><?xml version="1.0" encoding="utf-8"?>
-<p:sld xmlns:a="http://schemas.openxmlformats.org/drawingml/2006/main" xmlns:r="http://schemas.openxmlformats.org/officeDocument/2006/relationships" xmlns:p="http://schemas.openxmlformats.org/presentationml/2006/main">
-  <p:cSld>
-    <p:spTree>
-      <p:nvGrpSpPr>
-        <p:cNvPr id="1" name=""/>
-        <p:cNvGrpSpPr/>
-        <p:nvPr/>
-      </p:nvGrpSpPr>
-      <p:grpSpPr>
-        <a:xfrm>
-          <a:off x="0" y="0"/>
-          <a:ext cx="0" cy="0"/>
-          <a:chOff x="0" y="0"/>
-          <a:chExt cx="0" cy="0"/>
-        </a:xfrm>
-      </p:grpSpPr>
-      <p:sp>
-        <p:nvSpPr>
-          <p:cNvPr id="18" name="Title 17">
-            <a:extLst>
-              <a:ext uri="{FF2B5EF4-FFF2-40B4-BE49-F238E27FC236}">
-                <a16:creationId xmlns:a16="http://schemas.microsoft.com/office/drawing/2014/main" id="{9F2FEA60-F900-4C56-9486-48EA30926F6E}"/>
-              </a:ext>
-            </a:extLst>
-          </p:cNvPr>
-          <p:cNvSpPr>
-            <a:spLocks noGrp="1"/>
-          </p:cNvSpPr>
-          <p:nvPr>
-            <p:ph type="title"/>
-          </p:nvPr>
-        </p:nvSpPr>
-        <p:spPr>
-          <a:xfrm>
-            <a:off x="92521" y="40801"/>
-            <a:ext cx="6801085" cy="1104543"/>
-          </a:xfrm>
-        </p:spPr>
-        <p:txBody>
-          <a:bodyPr>
-            <a:normAutofit fontScale="90000"/>
-          </a:bodyPr>
-          <a:lstStyle/>
-          <a:p>
-            <a:r>
-              <a:rPr lang="en-US" sz="6600" dirty="0">
-                <a:latin typeface="Arial" panose="020B0604020202020204" pitchFamily="34" charset="0"/>
-                <a:cs typeface="Arial" panose="020B0604020202020204" pitchFamily="34" charset="0"/>
-              </a:rPr>
-              <a:t>Product Overview</a:t>
-            </a:r>
-          </a:p>
-        </p:txBody>
-      </p:sp>
-      <p:pic>
-        <p:nvPicPr>
-          <p:cNvPr id="8" name="Picture Placeholder 7" descr="A picture containing mountain, sky, outdoor, nature">
-            <a:extLst>
-              <a:ext uri="{FF2B5EF4-FFF2-40B4-BE49-F238E27FC236}">
-                <a16:creationId xmlns:a16="http://schemas.microsoft.com/office/drawing/2014/main" id="{7B7F6341-D9BE-4D3C-92A1-37FAA11DE63C}"/>
-              </a:ext>
-            </a:extLst>
-          </p:cNvPr>
-          <p:cNvPicPr>
-            <a:picLocks noGrp="1" noChangeAspect="1"/>
-          </p:cNvPicPr>
-          <p:nvPr>
-            <p:ph type="pic" sz="quarter" idx="13"/>
-          </p:nvPr>
-        </p:nvPicPr>
-        <p:blipFill rotWithShape="1">
-          <a:blip r:embed="rId2" cstate="screen">
-            <a:extLst>
-              <a:ext uri="{28A0092B-C50C-407E-A947-70E740481C1C}">
-                <a14:useLocalDpi xmlns:a14="http://schemas.microsoft.com/office/drawing/2010/main" val="0"/>
-              </a:ext>
-            </a:extLst>
-          </a:blip>
-          <a:srcRect/>
-          <a:stretch/>
-        </p:blipFill>
-        <p:spPr>
-          <a:xfrm>
-            <a:off x="0" y="2286000"/>
-            <a:ext cx="5067300" cy="4572000"/>
-          </a:xfrm>
-        </p:spPr>
-      </p:pic>
-      <p:sp>
-        <p:nvSpPr>
-          <p:cNvPr id="3" name="Footer Placeholder 2">
-            <a:extLst>
-              <a:ext uri="{FF2B5EF4-FFF2-40B4-BE49-F238E27FC236}">
-                <a16:creationId xmlns:a16="http://schemas.microsoft.com/office/drawing/2014/main" id="{88BDA17F-F303-4811-96C4-AD8A09ABEC11}"/>
-              </a:ext>
-            </a:extLst>
-          </p:cNvPr>
-          <p:cNvSpPr>
-            <a:spLocks noGrp="1"/>
-          </p:cNvSpPr>
-          <p:nvPr>
-            <p:ph type="ftr" sz="quarter" idx="11"/>
-          </p:nvPr>
-        </p:nvSpPr>
-        <p:spPr>
-          <a:xfrm>
-            <a:off x="201168" y="6356350"/>
-            <a:ext cx="4837176" cy="365125"/>
-          </a:xfrm>
-        </p:spPr>
-        <p:txBody>
-          <a:bodyPr/>
-          <a:lstStyle/>
-          <a:p>
-            <a:r>
-              <a:rPr lang="en-US" dirty="0"/>
-              <a:t>OutDig</a:t>
-            </a:r>
-          </a:p>
-        </p:txBody>
-      </p:sp>
-      <p:sp>
-        <p:nvSpPr>
-          <p:cNvPr id="19" name="Content Placeholder 18">
-            <a:extLst>
-              <a:ext uri="{FF2B5EF4-FFF2-40B4-BE49-F238E27FC236}">
-                <a16:creationId xmlns:a16="http://schemas.microsoft.com/office/drawing/2014/main" id="{AB6583FE-B653-4C01-9ADF-EC8514A0B5ED}"/>
-              </a:ext>
-            </a:extLst>
-          </p:cNvPr>
-          <p:cNvSpPr>
-            <a:spLocks noGrp="1"/>
-          </p:cNvSpPr>
-          <p:nvPr>
-            <p:ph idx="1"/>
-          </p:nvPr>
-        </p:nvSpPr>
-        <p:spPr>
-          <a:xfrm>
-            <a:off x="5195843" y="1495514"/>
-            <a:ext cx="6801085" cy="5224691"/>
-          </a:xfrm>
-        </p:spPr>
-        <p:txBody>
-          <a:bodyPr>
-            <a:normAutofit/>
-          </a:bodyPr>
-          <a:lstStyle/>
-          <a:p>
-            <a:r>
-              <a:rPr lang="en-GB" sz="2000" dirty="0">
-                <a:solidFill>
-                  <a:schemeClr val="bg1"/>
-                </a:solidFill>
-                <a:latin typeface="Arial" panose="020B0604020202020204" pitchFamily="34" charset="0"/>
-                <a:cs typeface="Arial" panose="020B0604020202020204" pitchFamily="34" charset="0"/>
-              </a:rPr>
-              <a:t>Mine, fight and build to outplay your opponents in fast-paced, real-time battles</a:t>
-            </a:r>
-          </a:p>
-          <a:p>
-            <a:endParaRPr lang="en-GB" sz="1600" dirty="0">
-              <a:latin typeface="Arial" panose="020B0604020202020204" pitchFamily="34" charset="0"/>
-              <a:cs typeface="Arial" panose="020B0604020202020204" pitchFamily="34" charset="0"/>
-            </a:endParaRPr>
-          </a:p>
-          <a:p>
-            <a:r>
-              <a:rPr lang="en-GB" sz="1600" b="1" dirty="0">
-                <a:latin typeface="Arial" panose="020B0604020202020204" pitchFamily="34" charset="0"/>
-                <a:cs typeface="Arial" panose="020B0604020202020204" pitchFamily="34" charset="0"/>
-              </a:rPr>
-              <a:t>Genre</a:t>
-            </a:r>
-          </a:p>
-          <a:p>
-            <a:r>
-              <a:rPr lang="en-GB" sz="1600" dirty="0">
-                <a:latin typeface="Arial" panose="020B0604020202020204" pitchFamily="34" charset="0"/>
-                <a:cs typeface="Arial" panose="020B0604020202020204" pitchFamily="34" charset="0"/>
-              </a:rPr>
-              <a:t>Casual, Action,</a:t>
-            </a:r>
-          </a:p>
-          <a:p>
-            <a:r>
-              <a:rPr lang="en-GB" sz="1600" dirty="0">
-                <a:latin typeface="Arial" panose="020B0604020202020204" pitchFamily="34" charset="0"/>
-                <a:cs typeface="Arial" panose="020B0604020202020204" pitchFamily="34" charset="0"/>
-              </a:rPr>
-              <a:t>Sandbox, Platformer</a:t>
-            </a:r>
-          </a:p>
-          <a:p>
-            <a:endParaRPr lang="en-GB" sz="1600" dirty="0">
-              <a:latin typeface="Arial" panose="020B0604020202020204" pitchFamily="34" charset="0"/>
-              <a:cs typeface="Arial" panose="020B0604020202020204" pitchFamily="34" charset="0"/>
-            </a:endParaRPr>
-          </a:p>
-          <a:p>
-            <a:r>
-              <a:rPr lang="en-GB" sz="1600" b="1" dirty="0">
-                <a:latin typeface="Arial" panose="020B0604020202020204" pitchFamily="34" charset="0"/>
-                <a:cs typeface="Arial" panose="020B0604020202020204" pitchFamily="34" charset="0"/>
-              </a:rPr>
-              <a:t>Target Audience</a:t>
-            </a:r>
-          </a:p>
-          <a:p>
-            <a:r>
-              <a:rPr lang="en-GB" sz="1600" dirty="0">
-                <a:latin typeface="Arial" panose="020B0604020202020204" pitchFamily="34" charset="0"/>
-                <a:cs typeface="Arial" panose="020B0604020202020204" pitchFamily="34" charset="0"/>
-              </a:rPr>
-              <a:t>Casual &amp; competitive players, aged 7 upwards</a:t>
-            </a:r>
-          </a:p>
-          <a:p>
-            <a:endParaRPr lang="en-GB" sz="1600" dirty="0">
-              <a:latin typeface="Arial" panose="020B0604020202020204" pitchFamily="34" charset="0"/>
-              <a:cs typeface="Arial" panose="020B0604020202020204" pitchFamily="34" charset="0"/>
-            </a:endParaRPr>
-          </a:p>
-          <a:p>
-            <a:r>
-              <a:rPr lang="en-GB" sz="1600" b="1" dirty="0">
-                <a:latin typeface="Arial" panose="020B0604020202020204" pitchFamily="34" charset="0"/>
-                <a:cs typeface="Arial" panose="020B0604020202020204" pitchFamily="34" charset="0"/>
-              </a:rPr>
-              <a:t>Revenue</a:t>
-            </a:r>
-          </a:p>
-          <a:p>
-            <a:r>
-              <a:rPr lang="en-GB" sz="1600" dirty="0">
-                <a:latin typeface="Arial" panose="020B0604020202020204" pitchFamily="34" charset="0"/>
-                <a:cs typeface="Arial" panose="020B0604020202020204" pitchFamily="34" charset="0"/>
-              </a:rPr>
-              <a:t>~£340,000 in 4 years (end of 2026)</a:t>
-            </a:r>
-          </a:p>
-          <a:p>
-            <a:r>
-              <a:rPr lang="en-GB" sz="1600" dirty="0">
-                <a:latin typeface="Arial" panose="020B0604020202020204" pitchFamily="34" charset="0"/>
-                <a:cs typeface="Arial" panose="020B0604020202020204" pitchFamily="34" charset="0"/>
-              </a:rPr>
-              <a:t>(cost)</a:t>
-            </a:r>
-          </a:p>
-          <a:p>
-            <a:endParaRPr lang="en-GB" sz="1600" dirty="0">
-              <a:latin typeface="Arial" panose="020B0604020202020204" pitchFamily="34" charset="0"/>
-              <a:cs typeface="Arial" panose="020B0604020202020204" pitchFamily="34" charset="0"/>
-            </a:endParaRPr>
-          </a:p>
-          <a:p>
-            <a:endParaRPr lang="en-GB" sz="1600" dirty="0">
-              <a:latin typeface="Arial" panose="020B0604020202020204" pitchFamily="34" charset="0"/>
-              <a:cs typeface="Arial" panose="020B0604020202020204" pitchFamily="34" charset="0"/>
-            </a:endParaRPr>
-          </a:p>
-          <a:p>
-            <a:endParaRPr lang="en-US" dirty="0"/>
-          </a:p>
-          <a:p>
-            <a:endParaRPr lang="en-US" dirty="0"/>
-          </a:p>
-        </p:txBody>
-      </p:sp>
-      <p:sp>
-        <p:nvSpPr>
-          <p:cNvPr id="4" name="Date Placeholder 3">
-            <a:extLst>
-              <a:ext uri="{FF2B5EF4-FFF2-40B4-BE49-F238E27FC236}">
-                <a16:creationId xmlns:a16="http://schemas.microsoft.com/office/drawing/2014/main" id="{F6D5CF6D-DC44-4734-988C-0AAA60D5F7E2}"/>
-              </a:ext>
-            </a:extLst>
-          </p:cNvPr>
-          <p:cNvSpPr>
-            <a:spLocks noGrp="1"/>
-          </p:cNvSpPr>
-          <p:nvPr>
-            <p:ph type="dt" sz="half" idx="10"/>
-          </p:nvPr>
-        </p:nvSpPr>
-        <p:spPr>
-          <a:xfrm>
-            <a:off x="7013448" y="6355080"/>
-            <a:ext cx="4352544" cy="365125"/>
-          </a:xfrm>
-        </p:spPr>
-        <p:txBody>
-          <a:bodyPr/>
-          <a:lstStyle/>
-          <a:p>
-            <a:pPr lvl="0"/>
-            <a:r>
-              <a:rPr lang="en-US" noProof="0" dirty="0"/>
-              <a:t>2022</a:t>
-            </a:r>
-          </a:p>
-        </p:txBody>
-      </p:sp>
-      <p:sp>
-        <p:nvSpPr>
-          <p:cNvPr id="5" name="Slide Number Placeholder 4">
-            <a:extLst>
-              <a:ext uri="{FF2B5EF4-FFF2-40B4-BE49-F238E27FC236}">
-                <a16:creationId xmlns:a16="http://schemas.microsoft.com/office/drawing/2014/main" id="{3E08B9AF-847F-4250-A53B-82D9036A5EBF}"/>
-              </a:ext>
-            </a:extLst>
-          </p:cNvPr>
-          <p:cNvSpPr>
-            <a:spLocks noGrp="1"/>
-          </p:cNvSpPr>
-          <p:nvPr>
-            <p:ph type="sldNum" sz="quarter" idx="12"/>
-          </p:nvPr>
-        </p:nvSpPr>
-        <p:spPr>
-          <a:xfrm>
-            <a:off x="11365992" y="6356350"/>
-            <a:ext cx="630936" cy="365125"/>
-          </a:xfrm>
-        </p:spPr>
-        <p:txBody>
-          <a:bodyPr/>
-          <a:lstStyle/>
-          <a:p>
-            <a:pPr lvl="0"/>
-            <a:fld id="{244D815C-8BF3-4ECF-A945-A2A7C2983AF9}" type="slidenum">
-              <a:rPr lang="en-US" noProof="0" smtClean="0"/>
-              <a:pPr lvl="0"/>
-              <a:t>2</a:t>
-            </a:fld>
-            <a:endParaRPr lang="en-US" noProof="0" dirty="0"/>
-          </a:p>
-        </p:txBody>
-      </p:sp>
-      <p:sp>
-        <p:nvSpPr>
-          <p:cNvPr id="2" name="Title 17">
-            <a:extLst>
-              <a:ext uri="{FF2B5EF4-FFF2-40B4-BE49-F238E27FC236}">
-                <a16:creationId xmlns:a16="http://schemas.microsoft.com/office/drawing/2014/main" id="{B86EF493-69FC-2A55-A10B-D435B8FC2C4F}"/>
-              </a:ext>
-            </a:extLst>
-          </p:cNvPr>
-          <p:cNvSpPr txBox="1">
-            <a:spLocks/>
-          </p:cNvSpPr>
-          <p:nvPr/>
-        </p:nvSpPr>
-        <p:spPr>
-          <a:xfrm>
-            <a:off x="-147212" y="1145344"/>
-            <a:ext cx="4587351" cy="867606"/>
-          </a:xfrm>
-          <a:prstGeom prst="rect">
-            <a:avLst/>
-          </a:prstGeom>
-        </p:spPr>
-        <p:txBody>
-          <a:bodyPr vert="horz" lIns="91440" tIns="45720" rIns="91440" bIns="45720" rtlCol="0" anchor="b">
-            <a:normAutofit/>
-          </a:bodyPr>
-          <a:lstStyle>
-            <a:lvl1pPr algn="l" defTabSz="914400" rtl="0" eaLnBrk="1" latinLnBrk="0" hangingPunct="1">
-              <a:lnSpc>
-                <a:spcPct val="90000"/>
-              </a:lnSpc>
-              <a:spcBef>
-                <a:spcPct val="0"/>
-              </a:spcBef>
-              <a:buNone/>
-              <a:defRPr sz="4800" b="1" kern="1200" spc="-20" baseline="0">
-                <a:solidFill>
-                  <a:schemeClr val="bg1"/>
-                </a:solidFill>
-                <a:latin typeface="+mj-lt"/>
-                <a:ea typeface="+mj-ea"/>
-                <a:cs typeface="+mj-cs"/>
-              </a:defRPr>
-            </a:lvl1pPr>
-          </a:lstStyle>
-          <a:p>
-            <a:pPr algn="ctr"/>
-            <a:r>
-              <a:rPr lang="en-US" dirty="0">
-                <a:latin typeface="Arial" panose="020B0604020202020204" pitchFamily="34" charset="0"/>
-                <a:cs typeface="Arial" panose="020B0604020202020204" pitchFamily="34" charset="0"/>
-              </a:rPr>
-              <a:t>OutDig</a:t>
-            </a:r>
-          </a:p>
-        </p:txBody>
-      </p:sp>
-      <p:sp>
-        <p:nvSpPr>
-          <p:cNvPr id="6" name="TextBox 5">
-            <a:extLst>
-              <a:ext uri="{FF2B5EF4-FFF2-40B4-BE49-F238E27FC236}">
-                <a16:creationId xmlns:a16="http://schemas.microsoft.com/office/drawing/2014/main" id="{63794FE5-D639-2292-02DD-C1C9269D47E1}"/>
-              </a:ext>
-            </a:extLst>
-          </p:cNvPr>
-          <p:cNvSpPr txBox="1"/>
-          <p:nvPr/>
-        </p:nvSpPr>
-        <p:spPr>
-          <a:xfrm>
-            <a:off x="1350236" y="3232655"/>
-            <a:ext cx="2785929" cy="1477328"/>
-          </a:xfrm>
-          <a:prstGeom prst="rect">
-            <a:avLst/>
-          </a:prstGeom>
-          <a:noFill/>
-        </p:spPr>
-        <p:txBody>
-          <a:bodyPr wrap="square" rtlCol="0">
-            <a:spAutoFit/>
-          </a:bodyPr>
-          <a:lstStyle/>
-          <a:p>
-            <a:r>
-              <a:rPr lang="en-GB" dirty="0"/>
-              <a:t>Image showing better what it is</a:t>
-            </a:r>
-          </a:p>
-          <a:p>
-            <a:endParaRPr lang="en-GB" dirty="0"/>
-          </a:p>
-          <a:p>
-            <a:r>
-              <a:rPr lang="en-GB" dirty="0"/>
-              <a:t>Another slide with more examples to help explain</a:t>
-            </a:r>
-          </a:p>
-        </p:txBody>
-      </p:sp>
-    </p:spTree>
-    <p:extLst>
-      <p:ext uri="{BB962C8B-B14F-4D97-AF65-F5344CB8AC3E}">
-        <p14:creationId xmlns:p14="http://schemas.microsoft.com/office/powerpoint/2010/main" val="1074753820"/>
-      </p:ext>
-    </p:extLst>
-  </p:cSld>
-  <p:clrMapOvr>
-    <a:masterClrMapping/>
-  </p:clrMapOvr>
-</p:sld>
-</file>
-
-<file path=ppt/slides/slide20.xml><?xml version="1.0" encoding="utf-8"?>
+<file path=ppt/slides/slide21.xml><?xml version="1.0" encoding="utf-8"?>
 <p:sld xmlns:a="http://schemas.openxmlformats.org/drawingml/2006/main" xmlns:r="http://schemas.openxmlformats.org/officeDocument/2006/relationships" xmlns:p="http://schemas.openxmlformats.org/presentationml/2006/main">
   <p:cSld>
     <p:spTree>
@@ -25377,6 +26841,289 @@
           <a:chExt cx="0" cy="0"/>
         </a:xfrm>
       </p:grpSpPr>
+      <p:pic>
+        <p:nvPicPr>
+          <p:cNvPr id="12" name="Picture 11">
+            <a:extLst>
+              <a:ext uri="{FF2B5EF4-FFF2-40B4-BE49-F238E27FC236}">
+                <a16:creationId xmlns:a16="http://schemas.microsoft.com/office/drawing/2014/main" id="{71ABD2BE-8AC5-34F6-DED6-69ACF833D515}"/>
+              </a:ext>
+            </a:extLst>
+          </p:cNvPr>
+          <p:cNvPicPr>
+            <a:picLocks noChangeAspect="1"/>
+          </p:cNvPicPr>
+          <p:nvPr/>
+        </p:nvPicPr>
+        <p:blipFill>
+          <a:blip r:embed="rId2">
+            <a:clrChange>
+              <a:clrFrom>
+                <a:srgbClr val="000000"/>
+              </a:clrFrom>
+              <a:clrTo>
+                <a:srgbClr val="000000">
+                  <a:alpha val="0"/>
+                </a:srgbClr>
+              </a:clrTo>
+            </a:clrChange>
+          </a:blip>
+          <a:stretch>
+            <a:fillRect/>
+          </a:stretch>
+        </p:blipFill>
+        <p:spPr>
+          <a:xfrm rot="4788131">
+            <a:off x="5409" y="-4467737"/>
+            <a:ext cx="10849412" cy="12934821"/>
+          </a:xfrm>
+          <a:prstGeom prst="rect">
+            <a:avLst/>
+          </a:prstGeom>
+        </p:spPr>
+      </p:pic>
+      <p:sp>
+        <p:nvSpPr>
+          <p:cNvPr id="4" name="Footer Placeholder 3">
+            <a:extLst>
+              <a:ext uri="{FF2B5EF4-FFF2-40B4-BE49-F238E27FC236}">
+                <a16:creationId xmlns:a16="http://schemas.microsoft.com/office/drawing/2014/main" id="{914B0064-0125-F7D0-119A-B4E85E7D94FC}"/>
+              </a:ext>
+            </a:extLst>
+          </p:cNvPr>
+          <p:cNvSpPr>
+            <a:spLocks noGrp="1"/>
+          </p:cNvSpPr>
+          <p:nvPr>
+            <p:ph type="ftr" sz="quarter" idx="11"/>
+          </p:nvPr>
+        </p:nvSpPr>
+        <p:spPr/>
+        <p:txBody>
+          <a:bodyPr/>
+          <a:lstStyle/>
+          <a:p>
+            <a:pPr marL="0" marR="0" lvl="0" indent="0" algn="l" defTabSz="914400" rtl="0" eaLnBrk="1" fontAlgn="auto" latinLnBrk="0" hangingPunct="1">
+              <a:lnSpc>
+                <a:spcPct val="100000"/>
+              </a:lnSpc>
+              <a:spcBef>
+                <a:spcPts val="0"/>
+              </a:spcBef>
+              <a:spcAft>
+                <a:spcPts val="0"/>
+              </a:spcAft>
+              <a:buClrTx/>
+              <a:buSzTx/>
+              <a:buFontTx/>
+              <a:buNone/>
+              <a:tabLst/>
+              <a:defRPr/>
+            </a:pPr>
+            <a:r>
+              <a:rPr kumimoji="0" lang="en-US" sz="1050" b="0" i="0" u="none" strike="noStrike" kern="1200" cap="none" spc="0" normalizeH="0" baseline="0" noProof="0" dirty="0">
+                <a:ln>
+                  <a:noFill/>
+                </a:ln>
+                <a:solidFill>
+                  <a:prstClr val="black"/>
+                </a:solidFill>
+                <a:effectLst/>
+                <a:uLnTx/>
+                <a:uFillTx/>
+                <a:latin typeface="Avenir Next LT Pro"/>
+                <a:ea typeface="+mn-ea"/>
+                <a:cs typeface="+mn-cs"/>
+              </a:rPr>
+              <a:t>OutDig</a:t>
+            </a:r>
+          </a:p>
+        </p:txBody>
+      </p:sp>
+      <p:sp>
+        <p:nvSpPr>
+          <p:cNvPr id="9" name="Date Placeholder 8">
+            <a:extLst>
+              <a:ext uri="{FF2B5EF4-FFF2-40B4-BE49-F238E27FC236}">
+                <a16:creationId xmlns:a16="http://schemas.microsoft.com/office/drawing/2014/main" id="{208A3604-FA84-0C32-D6CF-FB7E449814FC}"/>
+              </a:ext>
+            </a:extLst>
+          </p:cNvPr>
+          <p:cNvSpPr>
+            <a:spLocks noGrp="1"/>
+          </p:cNvSpPr>
+          <p:nvPr>
+            <p:ph type="dt" sz="half" idx="10"/>
+          </p:nvPr>
+        </p:nvSpPr>
+        <p:spPr/>
+        <p:txBody>
+          <a:bodyPr/>
+          <a:lstStyle/>
+          <a:p>
+            <a:pPr>
+              <a:defRPr/>
+            </a:pPr>
+            <a:r>
+              <a:rPr lang="en-US" dirty="0">
+                <a:solidFill>
+                  <a:prstClr val="black"/>
+                </a:solidFill>
+              </a:rPr>
+              <a:t>2022</a:t>
+            </a:r>
+          </a:p>
+        </p:txBody>
+      </p:sp>
+      <p:sp>
+        <p:nvSpPr>
+          <p:cNvPr id="10" name="Slide Number Placeholder 9">
+            <a:extLst>
+              <a:ext uri="{FF2B5EF4-FFF2-40B4-BE49-F238E27FC236}">
+                <a16:creationId xmlns:a16="http://schemas.microsoft.com/office/drawing/2014/main" id="{26C520CC-C2C5-7C01-C81D-82003AC06D54}"/>
+              </a:ext>
+            </a:extLst>
+          </p:cNvPr>
+          <p:cNvSpPr>
+            <a:spLocks noGrp="1"/>
+          </p:cNvSpPr>
+          <p:nvPr>
+            <p:ph type="sldNum" sz="quarter" idx="12"/>
+          </p:nvPr>
+        </p:nvSpPr>
+        <p:spPr/>
+        <p:txBody>
+          <a:bodyPr/>
+          <a:lstStyle/>
+          <a:p>
+            <a:pPr marL="0" marR="0" lvl="0" indent="0" algn="r" defTabSz="914400" rtl="0" eaLnBrk="1" fontAlgn="auto" latinLnBrk="0" hangingPunct="1">
+              <a:lnSpc>
+                <a:spcPct val="100000"/>
+              </a:lnSpc>
+              <a:spcBef>
+                <a:spcPts val="0"/>
+              </a:spcBef>
+              <a:spcAft>
+                <a:spcPts val="0"/>
+              </a:spcAft>
+              <a:buClrTx/>
+              <a:buSzTx/>
+              <a:buFontTx/>
+              <a:buNone/>
+              <a:tabLst/>
+              <a:defRPr/>
+            </a:pPr>
+            <a:fld id="{D39F39FF-F5CB-4ACA-9B46-4CCF89ECA75F}" type="slidenum">
+              <a:rPr kumimoji="0" lang="en-US" sz="1050" b="0" i="0" u="none" strike="noStrike" kern="1200" cap="none" spc="0" normalizeH="0" baseline="0" noProof="0" smtClean="0">
+                <a:ln>
+                  <a:noFill/>
+                </a:ln>
+                <a:solidFill>
+                  <a:prstClr val="black"/>
+                </a:solidFill>
+                <a:effectLst/>
+                <a:uLnTx/>
+                <a:uFillTx/>
+                <a:latin typeface="Avenir Next LT Pro"/>
+                <a:ea typeface="+mn-ea"/>
+                <a:cs typeface="+mn-cs"/>
+              </a:rPr>
+              <a:pPr marL="0" marR="0" lvl="0" indent="0" algn="r" defTabSz="914400" rtl="0" eaLnBrk="1" fontAlgn="auto" latinLnBrk="0" hangingPunct="1">
+                <a:lnSpc>
+                  <a:spcPct val="100000"/>
+                </a:lnSpc>
+                <a:spcBef>
+                  <a:spcPts val="0"/>
+                </a:spcBef>
+                <a:spcAft>
+                  <a:spcPts val="0"/>
+                </a:spcAft>
+                <a:buClrTx/>
+                <a:buSzTx/>
+                <a:buFontTx/>
+                <a:buNone/>
+                <a:tabLst/>
+                <a:defRPr/>
+              </a:pPr>
+              <a:t>3</a:t>
+            </a:fld>
+            <a:endParaRPr kumimoji="0" lang="en-US" sz="1050" b="0" i="0" u="none" strike="noStrike" kern="1200" cap="none" spc="0" normalizeH="0" baseline="0" noProof="0" dirty="0">
+              <a:ln>
+                <a:noFill/>
+              </a:ln>
+              <a:solidFill>
+                <a:prstClr val="black"/>
+              </a:solidFill>
+              <a:effectLst/>
+              <a:uLnTx/>
+              <a:uFillTx/>
+              <a:latin typeface="Avenir Next LT Pro"/>
+              <a:ea typeface="+mn-ea"/>
+              <a:cs typeface="+mn-cs"/>
+            </a:endParaRPr>
+          </a:p>
+        </p:txBody>
+      </p:sp>
+      <p:pic>
+        <p:nvPicPr>
+          <p:cNvPr id="13" name="Picture 12">
+            <a:extLst>
+              <a:ext uri="{FF2B5EF4-FFF2-40B4-BE49-F238E27FC236}">
+                <a16:creationId xmlns:a16="http://schemas.microsoft.com/office/drawing/2014/main" id="{47E4E155-D98F-E5CC-489B-ABA7D0AC57B3}"/>
+              </a:ext>
+            </a:extLst>
+          </p:cNvPr>
+          <p:cNvPicPr>
+            <a:picLocks noChangeAspect="1"/>
+          </p:cNvPicPr>
+          <p:nvPr/>
+        </p:nvPicPr>
+        <p:blipFill>
+          <a:blip r:embed="rId3"/>
+          <a:stretch>
+            <a:fillRect/>
+          </a:stretch>
+        </p:blipFill>
+        <p:spPr>
+          <a:xfrm>
+            <a:off x="2514599" y="1151792"/>
+            <a:ext cx="7798778" cy="4393155"/>
+          </a:xfrm>
+          <a:prstGeom prst="rect">
+            <a:avLst/>
+          </a:prstGeom>
+        </p:spPr>
+      </p:pic>
+    </p:spTree>
+    <p:extLst>
+      <p:ext uri="{BB962C8B-B14F-4D97-AF65-F5344CB8AC3E}">
+        <p14:creationId xmlns:p14="http://schemas.microsoft.com/office/powerpoint/2010/main" val="3286939063"/>
+      </p:ext>
+    </p:extLst>
+  </p:cSld>
+  <p:clrMapOvr>
+    <a:masterClrMapping/>
+  </p:clrMapOvr>
+</p:sld>
+</file>
+
+<file path=ppt/slides/slide4.xml><?xml version="1.0" encoding="utf-8"?>
+<p:sld xmlns:a="http://schemas.openxmlformats.org/drawingml/2006/main" xmlns:r="http://schemas.openxmlformats.org/officeDocument/2006/relationships" xmlns:p="http://schemas.openxmlformats.org/presentationml/2006/main">
+  <p:cSld>
+    <p:spTree>
+      <p:nvGrpSpPr>
+        <p:cNvPr id="1" name=""/>
+        <p:cNvGrpSpPr/>
+        <p:nvPr/>
+      </p:nvGrpSpPr>
+      <p:grpSpPr>
+        <a:xfrm>
+          <a:off x="0" y="0"/>
+          <a:ext cx="0" cy="0"/>
+          <a:chOff x="0" y="0"/>
+          <a:chExt cx="0" cy="0"/>
+        </a:xfrm>
+      </p:grpSpPr>
       <p:sp>
         <p:nvSpPr>
           <p:cNvPr id="15" name="Title 14">
@@ -25640,7 +27387,7 @@
             <a:fld id="{244D815C-8BF3-4ECF-A945-A2A7C2983AF9}" type="slidenum">
               <a:rPr lang="en-US" noProof="0" smtClean="0"/>
               <a:pPr lvl="0"/>
-              <a:t>3</a:t>
+              <a:t>4</a:t>
             </a:fld>
             <a:endParaRPr lang="en-US" noProof="0" dirty="0"/>
           </a:p>
@@ -25689,7 +27436,7 @@
 </p:sld>
 </file>
 
-<file path=ppt/slides/slide4.xml><?xml version="1.0" encoding="utf-8"?>
+<file path=ppt/slides/slide5.xml><?xml version="1.0" encoding="utf-8"?>
 <p:sld xmlns:a="http://schemas.openxmlformats.org/drawingml/2006/main" xmlns:r="http://schemas.openxmlformats.org/officeDocument/2006/relationships" xmlns:p="http://schemas.openxmlformats.org/presentationml/2006/main">
   <p:cSld>
     <p:spTree>
@@ -25951,7 +27698,7 @@
             <a:fld id="{06B786C7-B8F9-4072-AAAA-17258464D730}" type="slidenum">
               <a:rPr lang="en-US" noProof="0" smtClean="0"/>
               <a:pPr lvl="0"/>
-              <a:t>4</a:t>
+              <a:t>5</a:t>
             </a:fld>
             <a:endParaRPr lang="en-US" noProof="0" dirty="0"/>
           </a:p>
@@ -27040,7 +28787,7 @@
 </p:sld>
 </file>
 
-<file path=ppt/slides/slide5.xml><?xml version="1.0" encoding="utf-8"?>
+<file path=ppt/slides/slide6.xml><?xml version="1.0" encoding="utf-8"?>
 <p:sld xmlns:a="http://schemas.openxmlformats.org/drawingml/2006/main" xmlns:r="http://schemas.openxmlformats.org/officeDocument/2006/relationships" xmlns:p="http://schemas.openxmlformats.org/presentationml/2006/main">
   <p:cSld>
     <p:spTree>
@@ -27443,7 +29190,7 @@
             <a:fld id="{06B786C7-B8F9-4072-AAAA-17258464D730}" type="slidenum">
               <a:rPr lang="en-US" noProof="0" smtClean="0"/>
               <a:pPr lvl="0"/>
-              <a:t>5</a:t>
+              <a:t>6</a:t>
             </a:fld>
             <a:endParaRPr lang="en-US" noProof="0" dirty="0"/>
           </a:p>
@@ -27532,7 +29279,7 @@
 </p:sld>
 </file>
 
-<file path=ppt/slides/slide6.xml><?xml version="1.0" encoding="utf-8"?>
+<file path=ppt/slides/slide7.xml><?xml version="1.0" encoding="utf-8"?>
 <p:sld xmlns:a="http://schemas.openxmlformats.org/drawingml/2006/main" xmlns:r="http://schemas.openxmlformats.org/officeDocument/2006/relationships" xmlns:p="http://schemas.openxmlformats.org/presentationml/2006/main">
   <p:cSld>
     <p:bg>
@@ -27865,7 +29612,7 @@
                   <a:spcPts val="600"/>
                 </a:spcAft>
               </a:pPr>
-              <a:t>6</a:t>
+              <a:t>7</a:t>
             </a:fld>
             <a:endParaRPr lang="en-US" noProof="0"/>
           </a:p>
@@ -27953,7 +29700,7 @@
 </p:sld>
 </file>
 
-<file path=ppt/slides/slide7.xml><?xml version="1.0" encoding="utf-8"?>
+<file path=ppt/slides/slide8.xml><?xml version="1.0" encoding="utf-8"?>
 <p:sld xmlns:a="http://schemas.openxmlformats.org/drawingml/2006/main" xmlns:r="http://schemas.openxmlformats.org/officeDocument/2006/relationships" xmlns:p="http://schemas.openxmlformats.org/presentationml/2006/main">
   <p:cSld>
     <p:bg>
@@ -28286,7 +30033,7 @@
                   <a:spcPts val="600"/>
                 </a:spcAft>
               </a:pPr>
-              <a:t>7</a:t>
+              <a:t>8</a:t>
             </a:fld>
             <a:endParaRPr lang="en-US" noProof="0"/>
           </a:p>
@@ -28540,7 +30287,7 @@
 </p:sld>
 </file>
 
-<file path=ppt/slides/slide8.xml><?xml version="1.0" encoding="utf-8"?>
+<file path=ppt/slides/slide9.xml><?xml version="1.0" encoding="utf-8"?>
 <p:sld xmlns:a="http://schemas.openxmlformats.org/drawingml/2006/main" xmlns:r="http://schemas.openxmlformats.org/officeDocument/2006/relationships" xmlns:p="http://schemas.openxmlformats.org/presentationml/2006/main">
   <p:cSld>
     <p:bg>
@@ -29120,7 +30867,7 @@
                   <a:spcPts val="600"/>
                 </a:spcAft>
               </a:pPr>
-              <a:t>8</a:t>
+              <a:t>9</a:t>
             </a:fld>
             <a:endParaRPr lang="en-US" noProof="0" dirty="0"/>
           </a:p>
@@ -29130,1213 +30877,6 @@
     <p:extLst>
       <p:ext uri="{BB962C8B-B14F-4D97-AF65-F5344CB8AC3E}">
         <p14:creationId xmlns:p14="http://schemas.microsoft.com/office/powerpoint/2010/main" val="3546298949"/>
-      </p:ext>
-    </p:extLst>
-  </p:cSld>
-  <p:clrMapOvr>
-    <a:masterClrMapping/>
-  </p:clrMapOvr>
-</p:sld>
-</file>
-
-<file path=ppt/slides/slide9.xml><?xml version="1.0" encoding="utf-8"?>
-<p:sld xmlns:a="http://schemas.openxmlformats.org/drawingml/2006/main" xmlns:r="http://schemas.openxmlformats.org/officeDocument/2006/relationships" xmlns:p="http://schemas.openxmlformats.org/presentationml/2006/main">
-  <p:cSld>
-    <p:spTree>
-      <p:nvGrpSpPr>
-        <p:cNvPr id="1" name=""/>
-        <p:cNvGrpSpPr/>
-        <p:nvPr/>
-      </p:nvGrpSpPr>
-      <p:grpSpPr>
-        <a:xfrm>
-          <a:off x="0" y="0"/>
-          <a:ext cx="0" cy="0"/>
-          <a:chOff x="0" y="0"/>
-          <a:chExt cx="0" cy="0"/>
-        </a:xfrm>
-      </p:grpSpPr>
-      <p:sp>
-        <p:nvSpPr>
-          <p:cNvPr id="33" name="Title 32">
-            <a:extLst>
-              <a:ext uri="{FF2B5EF4-FFF2-40B4-BE49-F238E27FC236}">
-                <a16:creationId xmlns:a16="http://schemas.microsoft.com/office/drawing/2014/main" id="{2D22322F-E79D-4BEF-8038-DE2C8F5CCA40}"/>
-              </a:ext>
-            </a:extLst>
-          </p:cNvPr>
-          <p:cNvSpPr>
-            <a:spLocks noGrp="1"/>
-          </p:cNvSpPr>
-          <p:nvPr>
-            <p:ph type="title"/>
-          </p:nvPr>
-        </p:nvSpPr>
-        <p:spPr>
-          <a:xfrm>
-            <a:off x="1249680" y="190500"/>
-            <a:ext cx="10036292" cy="773776"/>
-          </a:xfrm>
-        </p:spPr>
-        <p:txBody>
-          <a:bodyPr>
-            <a:normAutofit fontScale="90000"/>
-          </a:bodyPr>
-          <a:lstStyle/>
-          <a:p>
-            <a:pPr algn="l"/>
-            <a:r>
-              <a:rPr lang="en-US" dirty="0"/>
-              <a:t>Marketing Strategy</a:t>
-            </a:r>
-          </a:p>
-        </p:txBody>
-      </p:sp>
-      <p:sp>
-        <p:nvSpPr>
-          <p:cNvPr id="14" name="Text Placeholder 13">
-            <a:extLst>
-              <a:ext uri="{FF2B5EF4-FFF2-40B4-BE49-F238E27FC236}">
-                <a16:creationId xmlns:a16="http://schemas.microsoft.com/office/drawing/2014/main" id="{61A6601B-A3E2-47A2-B731-4FE03C43E2B0}"/>
-              </a:ext>
-            </a:extLst>
-          </p:cNvPr>
-          <p:cNvSpPr>
-            <a:spLocks noGrp="1"/>
-          </p:cNvSpPr>
-          <p:nvPr>
-            <p:ph type="body" sz="quarter" idx="14"/>
-          </p:nvPr>
-        </p:nvSpPr>
-        <p:spPr>
-          <a:xfrm>
-            <a:off x="1173623" y="1340669"/>
-            <a:ext cx="4756714" cy="597604"/>
-          </a:xfrm>
-        </p:spPr>
-        <p:txBody>
-          <a:bodyPr/>
-          <a:lstStyle/>
-          <a:p>
-            <a:r>
-              <a:rPr lang="en-US" dirty="0"/>
-              <a:t>Website</a:t>
-            </a:r>
-          </a:p>
-        </p:txBody>
-      </p:sp>
-      <p:sp>
-        <p:nvSpPr>
-          <p:cNvPr id="13" name="Content Placeholder 12">
-            <a:extLst>
-              <a:ext uri="{FF2B5EF4-FFF2-40B4-BE49-F238E27FC236}">
-                <a16:creationId xmlns:a16="http://schemas.microsoft.com/office/drawing/2014/main" id="{ABAEE544-8FB3-4E56-91A9-A6964539DCB7}"/>
-              </a:ext>
-            </a:extLst>
-          </p:cNvPr>
-          <p:cNvSpPr>
-            <a:spLocks noGrp="1"/>
-          </p:cNvSpPr>
-          <p:nvPr>
-            <p:ph type="body" sz="quarter" idx="17"/>
-          </p:nvPr>
-        </p:nvSpPr>
-        <p:spPr>
-          <a:xfrm>
-            <a:off x="1173623" y="1817136"/>
-            <a:ext cx="4922377" cy="2308195"/>
-          </a:xfrm>
-        </p:spPr>
-        <p:txBody>
-          <a:bodyPr>
-            <a:normAutofit/>
-          </a:bodyPr>
-          <a:lstStyle/>
-          <a:p>
-            <a:r>
-              <a:rPr lang="en-US" dirty="0"/>
-              <a:t>Development blog - weekly updates</a:t>
-            </a:r>
-          </a:p>
-          <a:p>
-            <a:r>
-              <a:rPr lang="en-US" dirty="0"/>
-              <a:t>Planned features</a:t>
-            </a:r>
-          </a:p>
-          <a:p>
-            <a:r>
-              <a:rPr lang="en-US" dirty="0"/>
-              <a:t>Q&amp;A</a:t>
-            </a:r>
-          </a:p>
-          <a:p>
-            <a:r>
-              <a:rPr lang="en-US" dirty="0"/>
-              <a:t>Weekly redeemable codes</a:t>
-            </a:r>
-          </a:p>
-          <a:p>
-            <a:r>
-              <a:rPr lang="en-US" dirty="0"/>
-              <a:t>Customer Support</a:t>
-            </a:r>
-          </a:p>
-        </p:txBody>
-      </p:sp>
-      <p:sp>
-        <p:nvSpPr>
-          <p:cNvPr id="16" name="Text Placeholder 15">
-            <a:extLst>
-              <a:ext uri="{FF2B5EF4-FFF2-40B4-BE49-F238E27FC236}">
-                <a16:creationId xmlns:a16="http://schemas.microsoft.com/office/drawing/2014/main" id="{1ADD5DF7-575E-4C10-815E-CDBBFAB583BF}"/>
-              </a:ext>
-            </a:extLst>
-          </p:cNvPr>
-          <p:cNvSpPr>
-            <a:spLocks noGrp="1"/>
-          </p:cNvSpPr>
-          <p:nvPr>
-            <p:ph type="body" sz="quarter" idx="16"/>
-          </p:nvPr>
-        </p:nvSpPr>
-        <p:spPr>
-          <a:xfrm>
-            <a:off x="6825885" y="1339318"/>
-            <a:ext cx="4756714" cy="597604"/>
-          </a:xfrm>
-        </p:spPr>
-        <p:txBody>
-          <a:bodyPr/>
-          <a:lstStyle/>
-          <a:p>
-            <a:r>
-              <a:rPr lang="en-US" dirty="0"/>
-              <a:t>Social media</a:t>
-            </a:r>
-          </a:p>
-        </p:txBody>
-      </p:sp>
-      <p:sp>
-        <p:nvSpPr>
-          <p:cNvPr id="15" name="Content Placeholder 14">
-            <a:extLst>
-              <a:ext uri="{FF2B5EF4-FFF2-40B4-BE49-F238E27FC236}">
-                <a16:creationId xmlns:a16="http://schemas.microsoft.com/office/drawing/2014/main" id="{A13BE1C0-386B-47CB-BDCE-A24D9918AEEF}"/>
-              </a:ext>
-            </a:extLst>
-          </p:cNvPr>
-          <p:cNvSpPr>
-            <a:spLocks noGrp="1"/>
-          </p:cNvSpPr>
-          <p:nvPr>
-            <p:ph type="body" sz="quarter" idx="18"/>
-          </p:nvPr>
-        </p:nvSpPr>
-        <p:spPr>
-          <a:xfrm>
-            <a:off x="6825885" y="1802291"/>
-            <a:ext cx="4756714" cy="2308195"/>
-          </a:xfrm>
-        </p:spPr>
-        <p:txBody>
-          <a:bodyPr/>
-          <a:lstStyle/>
-          <a:p>
-            <a:r>
-              <a:rPr lang="en-US" dirty="0"/>
-              <a:t>Twitter</a:t>
-            </a:r>
-          </a:p>
-          <a:p>
-            <a:r>
-              <a:rPr lang="en-US" dirty="0"/>
-              <a:t>Facebook</a:t>
-            </a:r>
-          </a:p>
-          <a:p>
-            <a:r>
-              <a:rPr lang="en-US" dirty="0"/>
-              <a:t>TikTok</a:t>
-            </a:r>
-          </a:p>
-          <a:p>
-            <a:r>
-              <a:rPr lang="en-US" dirty="0"/>
-              <a:t>YouTube</a:t>
-            </a:r>
-          </a:p>
-          <a:p>
-            <a:r>
-              <a:rPr lang="en-US" dirty="0"/>
-              <a:t>Live streams</a:t>
-            </a:r>
-          </a:p>
-        </p:txBody>
-      </p:sp>
-      <p:sp>
-        <p:nvSpPr>
-          <p:cNvPr id="7" name="Footer Placeholder 6">
-            <a:extLst>
-              <a:ext uri="{FF2B5EF4-FFF2-40B4-BE49-F238E27FC236}">
-                <a16:creationId xmlns:a16="http://schemas.microsoft.com/office/drawing/2014/main" id="{C4A3939E-B573-4FB2-AD69-18C1A75F947B}"/>
-              </a:ext>
-            </a:extLst>
-          </p:cNvPr>
-          <p:cNvSpPr>
-            <a:spLocks noGrp="1"/>
-          </p:cNvSpPr>
-          <p:nvPr>
-            <p:ph type="ftr" sz="quarter" idx="11"/>
-          </p:nvPr>
-        </p:nvSpPr>
-        <p:spPr>
-          <a:xfrm>
-            <a:off x="201168" y="6356350"/>
-            <a:ext cx="4837176" cy="365125"/>
-          </a:xfrm>
-        </p:spPr>
-        <p:txBody>
-          <a:bodyPr/>
-          <a:lstStyle/>
-          <a:p>
-            <a:pPr lvl="0"/>
-            <a:r>
-              <a:rPr lang="en-US" noProof="0" dirty="0"/>
-              <a:t>OutDig</a:t>
-            </a:r>
-          </a:p>
-        </p:txBody>
-      </p:sp>
-      <p:sp>
-        <p:nvSpPr>
-          <p:cNvPr id="6" name="Date Placeholder 5">
-            <a:extLst>
-              <a:ext uri="{FF2B5EF4-FFF2-40B4-BE49-F238E27FC236}">
-                <a16:creationId xmlns:a16="http://schemas.microsoft.com/office/drawing/2014/main" id="{6EF65B39-4112-473E-B203-73AC0F564D47}"/>
-              </a:ext>
-            </a:extLst>
-          </p:cNvPr>
-          <p:cNvSpPr>
-            <a:spLocks noGrp="1"/>
-          </p:cNvSpPr>
-          <p:nvPr>
-            <p:ph type="dt" sz="half" idx="10"/>
-          </p:nvPr>
-        </p:nvSpPr>
-        <p:spPr>
-          <a:xfrm>
-            <a:off x="7013448" y="6355080"/>
-            <a:ext cx="4352544" cy="365125"/>
-          </a:xfrm>
-        </p:spPr>
-        <p:txBody>
-          <a:bodyPr/>
-          <a:lstStyle/>
-          <a:p>
-            <a:pPr lvl="0"/>
-            <a:r>
-              <a:rPr lang="en-US" noProof="0" dirty="0"/>
-              <a:t>2022</a:t>
-            </a:r>
-          </a:p>
-        </p:txBody>
-      </p:sp>
-      <p:sp>
-        <p:nvSpPr>
-          <p:cNvPr id="8" name="Slide Number Placeholder 7">
-            <a:extLst>
-              <a:ext uri="{FF2B5EF4-FFF2-40B4-BE49-F238E27FC236}">
-                <a16:creationId xmlns:a16="http://schemas.microsoft.com/office/drawing/2014/main" id="{99800B7A-B486-4409-9EDD-0A7B9628EDE8}"/>
-              </a:ext>
-            </a:extLst>
-          </p:cNvPr>
-          <p:cNvSpPr>
-            <a:spLocks noGrp="1"/>
-          </p:cNvSpPr>
-          <p:nvPr>
-            <p:ph type="sldNum" sz="quarter" idx="12"/>
-          </p:nvPr>
-        </p:nvSpPr>
-        <p:spPr>
-          <a:xfrm>
-            <a:off x="11365992" y="6356350"/>
-            <a:ext cx="630936" cy="365125"/>
-          </a:xfrm>
-        </p:spPr>
-        <p:txBody>
-          <a:bodyPr/>
-          <a:lstStyle/>
-          <a:p>
-            <a:pPr lvl="0"/>
-            <a:fld id="{06B786C7-B8F9-4072-AAAA-17258464D730}" type="slidenum">
-              <a:rPr lang="en-US" noProof="0" smtClean="0"/>
-              <a:pPr lvl="0"/>
-              <a:t>9</a:t>
-            </a:fld>
-            <a:endParaRPr lang="en-US" noProof="0" dirty="0"/>
-          </a:p>
-        </p:txBody>
-      </p:sp>
-      <p:sp>
-        <p:nvSpPr>
-          <p:cNvPr id="2" name="Text Placeholder 13">
-            <a:extLst>
-              <a:ext uri="{FF2B5EF4-FFF2-40B4-BE49-F238E27FC236}">
-                <a16:creationId xmlns:a16="http://schemas.microsoft.com/office/drawing/2014/main" id="{A7723031-1344-6B54-21EC-ADC8006663B6}"/>
-              </a:ext>
-            </a:extLst>
-          </p:cNvPr>
-          <p:cNvSpPr txBox="1">
-            <a:spLocks/>
-          </p:cNvSpPr>
-          <p:nvPr/>
-        </p:nvSpPr>
-        <p:spPr>
-          <a:xfrm>
-            <a:off x="1093776" y="4503076"/>
-            <a:ext cx="4756714" cy="597604"/>
-          </a:xfrm>
-          <a:prstGeom prst="rect">
-            <a:avLst/>
-          </a:prstGeom>
-        </p:spPr>
-        <p:txBody>
-          <a:bodyPr vert="horz" lIns="91440" tIns="45720" rIns="91440" bIns="45720" rtlCol="0">
-            <a:normAutofit/>
-          </a:bodyPr>
-          <a:lstStyle>
-            <a:lvl1pPr marL="0" indent="0" algn="l" defTabSz="914400" rtl="0" eaLnBrk="1" latinLnBrk="0" hangingPunct="1">
-              <a:lnSpc>
-                <a:spcPct val="110000"/>
-              </a:lnSpc>
-              <a:spcBef>
-                <a:spcPts val="1000"/>
-              </a:spcBef>
-              <a:buFont typeface="Arial" panose="020B0604020202020204" pitchFamily="34" charset="0"/>
-              <a:buNone/>
-              <a:defRPr sz="2400" b="1" kern="1200" spc="-20" baseline="0">
-                <a:solidFill>
-                  <a:schemeClr val="accent2"/>
-                </a:solidFill>
-                <a:latin typeface="+mn-lt"/>
-                <a:ea typeface="+mn-ea"/>
-                <a:cs typeface="+mn-cs"/>
-              </a:defRPr>
-            </a:lvl1pPr>
-            <a:lvl2pPr marL="685800" indent="-228600" algn="l" defTabSz="914400" rtl="0" eaLnBrk="1" latinLnBrk="0" hangingPunct="1">
-              <a:lnSpc>
-                <a:spcPct val="110000"/>
-              </a:lnSpc>
-              <a:spcBef>
-                <a:spcPts val="500"/>
-              </a:spcBef>
-              <a:buFont typeface="Arial" panose="020B0604020202020204" pitchFamily="34" charset="0"/>
-              <a:buChar char="•"/>
-              <a:defRPr sz="2000" kern="1200" spc="-20" baseline="0">
-                <a:solidFill>
-                  <a:schemeClr val="tx1"/>
-                </a:solidFill>
-                <a:latin typeface="+mn-lt"/>
-                <a:ea typeface="+mn-ea"/>
-                <a:cs typeface="+mn-cs"/>
-              </a:defRPr>
-            </a:lvl2pPr>
-            <a:lvl3pPr marL="1143000" indent="-228600" algn="l" defTabSz="914400" rtl="0" eaLnBrk="1" latinLnBrk="0" hangingPunct="1">
-              <a:lnSpc>
-                <a:spcPct val="110000"/>
-              </a:lnSpc>
-              <a:spcBef>
-                <a:spcPts val="500"/>
-              </a:spcBef>
-              <a:buFont typeface="Arial" panose="020B0604020202020204" pitchFamily="34" charset="0"/>
-              <a:buChar char="•"/>
-              <a:defRPr sz="1800" kern="1200" spc="-20" baseline="0">
-                <a:solidFill>
-                  <a:schemeClr val="tx1"/>
-                </a:solidFill>
-                <a:latin typeface="+mn-lt"/>
-                <a:ea typeface="+mn-ea"/>
-                <a:cs typeface="+mn-cs"/>
-              </a:defRPr>
-            </a:lvl3pPr>
-            <a:lvl4pPr marL="1600200" indent="-228600" algn="l" defTabSz="914400" rtl="0" eaLnBrk="1" latinLnBrk="0" hangingPunct="1">
-              <a:lnSpc>
-                <a:spcPct val="110000"/>
-              </a:lnSpc>
-              <a:spcBef>
-                <a:spcPts val="500"/>
-              </a:spcBef>
-              <a:buFont typeface="Arial" panose="020B0604020202020204" pitchFamily="34" charset="0"/>
-              <a:buChar char="•"/>
-              <a:defRPr sz="1600" kern="1200" spc="-20" baseline="0">
-                <a:solidFill>
-                  <a:schemeClr val="tx1"/>
-                </a:solidFill>
-                <a:latin typeface="+mn-lt"/>
-                <a:ea typeface="+mn-ea"/>
-                <a:cs typeface="+mn-cs"/>
-              </a:defRPr>
-            </a:lvl4pPr>
-            <a:lvl5pPr marL="2057400" indent="-228600" algn="l" defTabSz="914400" rtl="0" eaLnBrk="1" latinLnBrk="0" hangingPunct="1">
-              <a:lnSpc>
-                <a:spcPct val="110000"/>
-              </a:lnSpc>
-              <a:spcBef>
-                <a:spcPts val="500"/>
-              </a:spcBef>
-              <a:buFont typeface="Arial" panose="020B0604020202020204" pitchFamily="34" charset="0"/>
-              <a:buChar char="•"/>
-              <a:defRPr sz="1600" kern="1200" spc="-20" baseline="0">
-                <a:solidFill>
-                  <a:schemeClr val="tx1"/>
-                </a:solidFill>
-                <a:latin typeface="+mn-lt"/>
-                <a:ea typeface="+mn-ea"/>
-                <a:cs typeface="+mn-cs"/>
-              </a:defRPr>
-            </a:lvl5pPr>
-            <a:lvl6pPr marL="2514600" indent="-228600" algn="l" defTabSz="914400" rtl="0" eaLnBrk="1" latinLnBrk="0" hangingPunct="1">
-              <a:lnSpc>
-                <a:spcPct val="90000"/>
-              </a:lnSpc>
-              <a:spcBef>
-                <a:spcPts val="500"/>
-              </a:spcBef>
-              <a:buFont typeface="Arial" panose="020B0604020202020204" pitchFamily="34" charset="0"/>
-              <a:buChar char="•"/>
-              <a:defRPr sz="1800" kern="1200">
-                <a:solidFill>
-                  <a:schemeClr val="tx1"/>
-                </a:solidFill>
-                <a:latin typeface="+mn-lt"/>
-                <a:ea typeface="+mn-ea"/>
-                <a:cs typeface="+mn-cs"/>
-              </a:defRPr>
-            </a:lvl6pPr>
-            <a:lvl7pPr marL="2971800" indent="-228600" algn="l" defTabSz="914400" rtl="0" eaLnBrk="1" latinLnBrk="0" hangingPunct="1">
-              <a:lnSpc>
-                <a:spcPct val="90000"/>
-              </a:lnSpc>
-              <a:spcBef>
-                <a:spcPts val="500"/>
-              </a:spcBef>
-              <a:buFont typeface="Arial" panose="020B0604020202020204" pitchFamily="34" charset="0"/>
-              <a:buChar char="•"/>
-              <a:defRPr sz="1800" kern="1200">
-                <a:solidFill>
-                  <a:schemeClr val="tx1"/>
-                </a:solidFill>
-                <a:latin typeface="+mn-lt"/>
-                <a:ea typeface="+mn-ea"/>
-                <a:cs typeface="+mn-cs"/>
-              </a:defRPr>
-            </a:lvl7pPr>
-            <a:lvl8pPr marL="3429000" indent="-228600" algn="l" defTabSz="914400" rtl="0" eaLnBrk="1" latinLnBrk="0" hangingPunct="1">
-              <a:lnSpc>
-                <a:spcPct val="90000"/>
-              </a:lnSpc>
-              <a:spcBef>
-                <a:spcPts val="500"/>
-              </a:spcBef>
-              <a:buFont typeface="Arial" panose="020B0604020202020204" pitchFamily="34" charset="0"/>
-              <a:buChar char="•"/>
-              <a:defRPr sz="1800" kern="1200">
-                <a:solidFill>
-                  <a:schemeClr val="tx1"/>
-                </a:solidFill>
-                <a:latin typeface="+mn-lt"/>
-                <a:ea typeface="+mn-ea"/>
-                <a:cs typeface="+mn-cs"/>
-              </a:defRPr>
-            </a:lvl8pPr>
-            <a:lvl9pPr marL="3886200" indent="-228600" algn="l" defTabSz="914400" rtl="0" eaLnBrk="1" latinLnBrk="0" hangingPunct="1">
-              <a:lnSpc>
-                <a:spcPct val="90000"/>
-              </a:lnSpc>
-              <a:spcBef>
-                <a:spcPts val="500"/>
-              </a:spcBef>
-              <a:buFont typeface="Arial" panose="020B0604020202020204" pitchFamily="34" charset="0"/>
-              <a:buChar char="•"/>
-              <a:defRPr sz="1800" kern="1200">
-                <a:solidFill>
-                  <a:schemeClr val="tx1"/>
-                </a:solidFill>
-                <a:latin typeface="+mn-lt"/>
-                <a:ea typeface="+mn-ea"/>
-                <a:cs typeface="+mn-cs"/>
-              </a:defRPr>
-            </a:lvl9pPr>
-          </a:lstStyle>
-          <a:p>
-            <a:r>
-              <a:rPr lang="en-US" dirty="0"/>
-              <a:t>Trailer</a:t>
-            </a:r>
-          </a:p>
-        </p:txBody>
-      </p:sp>
-      <p:sp>
-        <p:nvSpPr>
-          <p:cNvPr id="3" name="Content Placeholder 12">
-            <a:extLst>
-              <a:ext uri="{FF2B5EF4-FFF2-40B4-BE49-F238E27FC236}">
-                <a16:creationId xmlns:a16="http://schemas.microsoft.com/office/drawing/2014/main" id="{A299BD4C-B6A0-7AF4-7B38-34829DAD6839}"/>
-              </a:ext>
-            </a:extLst>
-          </p:cNvPr>
-          <p:cNvSpPr txBox="1">
-            <a:spLocks/>
-          </p:cNvSpPr>
-          <p:nvPr/>
-        </p:nvSpPr>
-        <p:spPr>
-          <a:xfrm>
-            <a:off x="1093776" y="4979544"/>
-            <a:ext cx="4922377" cy="1332994"/>
-          </a:xfrm>
-          <a:prstGeom prst="rect">
-            <a:avLst/>
-          </a:prstGeom>
-        </p:spPr>
-        <p:txBody>
-          <a:bodyPr vert="horz" lIns="91440" tIns="45720" rIns="91440" bIns="45720" rtlCol="0">
-            <a:normAutofit/>
-          </a:bodyPr>
-          <a:lstStyle>
-            <a:lvl1pPr marL="228600" indent="-228600" algn="l" defTabSz="914400" rtl="0" eaLnBrk="1" latinLnBrk="0" hangingPunct="1">
-              <a:lnSpc>
-                <a:spcPct val="110000"/>
-              </a:lnSpc>
-              <a:spcBef>
-                <a:spcPts val="1000"/>
-              </a:spcBef>
-              <a:buFont typeface="Arial" panose="020B0604020202020204" pitchFamily="34" charset="0"/>
-              <a:buChar char="•"/>
-              <a:defRPr sz="2000" kern="1200" spc="-20" baseline="0">
-                <a:solidFill>
-                  <a:schemeClr val="tx1"/>
-                </a:solidFill>
-                <a:latin typeface="+mn-lt"/>
-                <a:ea typeface="+mn-ea"/>
-                <a:cs typeface="+mn-cs"/>
-              </a:defRPr>
-            </a:lvl1pPr>
-            <a:lvl2pPr marL="685800" indent="-228600" algn="l" defTabSz="914400" rtl="0" eaLnBrk="1" latinLnBrk="0" hangingPunct="1">
-              <a:lnSpc>
-                <a:spcPct val="110000"/>
-              </a:lnSpc>
-              <a:spcBef>
-                <a:spcPts val="500"/>
-              </a:spcBef>
-              <a:buFont typeface="Arial" panose="020B0604020202020204" pitchFamily="34" charset="0"/>
-              <a:buChar char="•"/>
-              <a:defRPr sz="2000" kern="1200" spc="-20" baseline="0">
-                <a:solidFill>
-                  <a:schemeClr val="tx1"/>
-                </a:solidFill>
-                <a:latin typeface="+mn-lt"/>
-                <a:ea typeface="+mn-ea"/>
-                <a:cs typeface="+mn-cs"/>
-              </a:defRPr>
-            </a:lvl2pPr>
-            <a:lvl3pPr marL="1143000" indent="-228600" algn="l" defTabSz="914400" rtl="0" eaLnBrk="1" latinLnBrk="0" hangingPunct="1">
-              <a:lnSpc>
-                <a:spcPct val="110000"/>
-              </a:lnSpc>
-              <a:spcBef>
-                <a:spcPts val="500"/>
-              </a:spcBef>
-              <a:buFont typeface="Arial" panose="020B0604020202020204" pitchFamily="34" charset="0"/>
-              <a:buChar char="•"/>
-              <a:defRPr sz="1800" kern="1200" spc="-20" baseline="0">
-                <a:solidFill>
-                  <a:schemeClr val="tx1"/>
-                </a:solidFill>
-                <a:latin typeface="+mn-lt"/>
-                <a:ea typeface="+mn-ea"/>
-                <a:cs typeface="+mn-cs"/>
-              </a:defRPr>
-            </a:lvl3pPr>
-            <a:lvl4pPr marL="1600200" indent="-228600" algn="l" defTabSz="914400" rtl="0" eaLnBrk="1" latinLnBrk="0" hangingPunct="1">
-              <a:lnSpc>
-                <a:spcPct val="110000"/>
-              </a:lnSpc>
-              <a:spcBef>
-                <a:spcPts val="500"/>
-              </a:spcBef>
-              <a:buFont typeface="Arial" panose="020B0604020202020204" pitchFamily="34" charset="0"/>
-              <a:buChar char="•"/>
-              <a:defRPr sz="1600" kern="1200" spc="-20" baseline="0">
-                <a:solidFill>
-                  <a:schemeClr val="tx1"/>
-                </a:solidFill>
-                <a:latin typeface="+mn-lt"/>
-                <a:ea typeface="+mn-ea"/>
-                <a:cs typeface="+mn-cs"/>
-              </a:defRPr>
-            </a:lvl4pPr>
-            <a:lvl5pPr marL="2057400" indent="-228600" algn="l" defTabSz="914400" rtl="0" eaLnBrk="1" latinLnBrk="0" hangingPunct="1">
-              <a:lnSpc>
-                <a:spcPct val="110000"/>
-              </a:lnSpc>
-              <a:spcBef>
-                <a:spcPts val="500"/>
-              </a:spcBef>
-              <a:buFont typeface="Arial" panose="020B0604020202020204" pitchFamily="34" charset="0"/>
-              <a:buChar char="•"/>
-              <a:defRPr sz="1600" kern="1200" spc="-20" baseline="0">
-                <a:solidFill>
-                  <a:schemeClr val="tx1"/>
-                </a:solidFill>
-                <a:latin typeface="+mn-lt"/>
-                <a:ea typeface="+mn-ea"/>
-                <a:cs typeface="+mn-cs"/>
-              </a:defRPr>
-            </a:lvl5pPr>
-            <a:lvl6pPr marL="2514600" indent="-228600" algn="l" defTabSz="914400" rtl="0" eaLnBrk="1" latinLnBrk="0" hangingPunct="1">
-              <a:lnSpc>
-                <a:spcPct val="90000"/>
-              </a:lnSpc>
-              <a:spcBef>
-                <a:spcPts val="500"/>
-              </a:spcBef>
-              <a:buFont typeface="Arial" panose="020B0604020202020204" pitchFamily="34" charset="0"/>
-              <a:buChar char="•"/>
-              <a:defRPr sz="1800" kern="1200">
-                <a:solidFill>
-                  <a:schemeClr val="tx1"/>
-                </a:solidFill>
-                <a:latin typeface="+mn-lt"/>
-                <a:ea typeface="+mn-ea"/>
-                <a:cs typeface="+mn-cs"/>
-              </a:defRPr>
-            </a:lvl6pPr>
-            <a:lvl7pPr marL="2971800" indent="-228600" algn="l" defTabSz="914400" rtl="0" eaLnBrk="1" latinLnBrk="0" hangingPunct="1">
-              <a:lnSpc>
-                <a:spcPct val="90000"/>
-              </a:lnSpc>
-              <a:spcBef>
-                <a:spcPts val="500"/>
-              </a:spcBef>
-              <a:buFont typeface="Arial" panose="020B0604020202020204" pitchFamily="34" charset="0"/>
-              <a:buChar char="•"/>
-              <a:defRPr sz="1800" kern="1200">
-                <a:solidFill>
-                  <a:schemeClr val="tx1"/>
-                </a:solidFill>
-                <a:latin typeface="+mn-lt"/>
-                <a:ea typeface="+mn-ea"/>
-                <a:cs typeface="+mn-cs"/>
-              </a:defRPr>
-            </a:lvl7pPr>
-            <a:lvl8pPr marL="3429000" indent="-228600" algn="l" defTabSz="914400" rtl="0" eaLnBrk="1" latinLnBrk="0" hangingPunct="1">
-              <a:lnSpc>
-                <a:spcPct val="90000"/>
-              </a:lnSpc>
-              <a:spcBef>
-                <a:spcPts val="500"/>
-              </a:spcBef>
-              <a:buFont typeface="Arial" panose="020B0604020202020204" pitchFamily="34" charset="0"/>
-              <a:buChar char="•"/>
-              <a:defRPr sz="1800" kern="1200">
-                <a:solidFill>
-                  <a:schemeClr val="tx1"/>
-                </a:solidFill>
-                <a:latin typeface="+mn-lt"/>
-                <a:ea typeface="+mn-ea"/>
-                <a:cs typeface="+mn-cs"/>
-              </a:defRPr>
-            </a:lvl8pPr>
-            <a:lvl9pPr marL="3886200" indent="-228600" algn="l" defTabSz="914400" rtl="0" eaLnBrk="1" latinLnBrk="0" hangingPunct="1">
-              <a:lnSpc>
-                <a:spcPct val="90000"/>
-              </a:lnSpc>
-              <a:spcBef>
-                <a:spcPts val="500"/>
-              </a:spcBef>
-              <a:buFont typeface="Arial" panose="020B0604020202020204" pitchFamily="34" charset="0"/>
-              <a:buChar char="•"/>
-              <a:defRPr sz="1800" kern="1200">
-                <a:solidFill>
-                  <a:schemeClr val="tx1"/>
-                </a:solidFill>
-                <a:latin typeface="+mn-lt"/>
-                <a:ea typeface="+mn-ea"/>
-                <a:cs typeface="+mn-cs"/>
-              </a:defRPr>
-            </a:lvl9pPr>
-          </a:lstStyle>
-          <a:p>
-            <a:r>
-              <a:rPr lang="en-US" dirty="0"/>
-              <a:t>Gameplay footage</a:t>
-            </a:r>
-          </a:p>
-          <a:p>
-            <a:r>
-              <a:rPr lang="en-US" dirty="0"/>
-              <a:t>Mechanics highlight</a:t>
-            </a:r>
-          </a:p>
-          <a:p>
-            <a:r>
-              <a:rPr lang="en-US" dirty="0"/>
-              <a:t>Cosmetics showcase</a:t>
-            </a:r>
-          </a:p>
-        </p:txBody>
-      </p:sp>
-      <p:sp>
-        <p:nvSpPr>
-          <p:cNvPr id="9" name="Text Placeholder 13">
-            <a:extLst>
-              <a:ext uri="{FF2B5EF4-FFF2-40B4-BE49-F238E27FC236}">
-                <a16:creationId xmlns:a16="http://schemas.microsoft.com/office/drawing/2014/main" id="{FCA7DAD5-DE7D-375F-832E-EF16018520F7}"/>
-              </a:ext>
-            </a:extLst>
-          </p:cNvPr>
-          <p:cNvSpPr txBox="1">
-            <a:spLocks/>
-          </p:cNvSpPr>
-          <p:nvPr/>
-        </p:nvSpPr>
-        <p:spPr>
-          <a:xfrm>
-            <a:off x="6825885" y="4503076"/>
-            <a:ext cx="4756714" cy="597604"/>
-          </a:xfrm>
-          <a:prstGeom prst="rect">
-            <a:avLst/>
-          </a:prstGeom>
-        </p:spPr>
-        <p:txBody>
-          <a:bodyPr vert="horz" lIns="91440" tIns="45720" rIns="91440" bIns="45720" rtlCol="0">
-            <a:normAutofit/>
-          </a:bodyPr>
-          <a:lstStyle>
-            <a:lvl1pPr marL="0" indent="0" algn="l" defTabSz="914400" rtl="0" eaLnBrk="1" latinLnBrk="0" hangingPunct="1">
-              <a:lnSpc>
-                <a:spcPct val="110000"/>
-              </a:lnSpc>
-              <a:spcBef>
-                <a:spcPts val="1000"/>
-              </a:spcBef>
-              <a:buFont typeface="Arial" panose="020B0604020202020204" pitchFamily="34" charset="0"/>
-              <a:buNone/>
-              <a:defRPr sz="2400" b="1" kern="1200" spc="-20" baseline="0">
-                <a:solidFill>
-                  <a:schemeClr val="accent2"/>
-                </a:solidFill>
-                <a:latin typeface="+mn-lt"/>
-                <a:ea typeface="+mn-ea"/>
-                <a:cs typeface="+mn-cs"/>
-              </a:defRPr>
-            </a:lvl1pPr>
-            <a:lvl2pPr marL="685800" indent="-228600" algn="l" defTabSz="914400" rtl="0" eaLnBrk="1" latinLnBrk="0" hangingPunct="1">
-              <a:lnSpc>
-                <a:spcPct val="110000"/>
-              </a:lnSpc>
-              <a:spcBef>
-                <a:spcPts val="500"/>
-              </a:spcBef>
-              <a:buFont typeface="Arial" panose="020B0604020202020204" pitchFamily="34" charset="0"/>
-              <a:buChar char="•"/>
-              <a:defRPr sz="2000" kern="1200" spc="-20" baseline="0">
-                <a:solidFill>
-                  <a:schemeClr val="tx1"/>
-                </a:solidFill>
-                <a:latin typeface="+mn-lt"/>
-                <a:ea typeface="+mn-ea"/>
-                <a:cs typeface="+mn-cs"/>
-              </a:defRPr>
-            </a:lvl2pPr>
-            <a:lvl3pPr marL="1143000" indent="-228600" algn="l" defTabSz="914400" rtl="0" eaLnBrk="1" latinLnBrk="0" hangingPunct="1">
-              <a:lnSpc>
-                <a:spcPct val="110000"/>
-              </a:lnSpc>
-              <a:spcBef>
-                <a:spcPts val="500"/>
-              </a:spcBef>
-              <a:buFont typeface="Arial" panose="020B0604020202020204" pitchFamily="34" charset="0"/>
-              <a:buChar char="•"/>
-              <a:defRPr sz="1800" kern="1200" spc="-20" baseline="0">
-                <a:solidFill>
-                  <a:schemeClr val="tx1"/>
-                </a:solidFill>
-                <a:latin typeface="+mn-lt"/>
-                <a:ea typeface="+mn-ea"/>
-                <a:cs typeface="+mn-cs"/>
-              </a:defRPr>
-            </a:lvl3pPr>
-            <a:lvl4pPr marL="1600200" indent="-228600" algn="l" defTabSz="914400" rtl="0" eaLnBrk="1" latinLnBrk="0" hangingPunct="1">
-              <a:lnSpc>
-                <a:spcPct val="110000"/>
-              </a:lnSpc>
-              <a:spcBef>
-                <a:spcPts val="500"/>
-              </a:spcBef>
-              <a:buFont typeface="Arial" panose="020B0604020202020204" pitchFamily="34" charset="0"/>
-              <a:buChar char="•"/>
-              <a:defRPr sz="1600" kern="1200" spc="-20" baseline="0">
-                <a:solidFill>
-                  <a:schemeClr val="tx1"/>
-                </a:solidFill>
-                <a:latin typeface="+mn-lt"/>
-                <a:ea typeface="+mn-ea"/>
-                <a:cs typeface="+mn-cs"/>
-              </a:defRPr>
-            </a:lvl4pPr>
-            <a:lvl5pPr marL="2057400" indent="-228600" algn="l" defTabSz="914400" rtl="0" eaLnBrk="1" latinLnBrk="0" hangingPunct="1">
-              <a:lnSpc>
-                <a:spcPct val="110000"/>
-              </a:lnSpc>
-              <a:spcBef>
-                <a:spcPts val="500"/>
-              </a:spcBef>
-              <a:buFont typeface="Arial" panose="020B0604020202020204" pitchFamily="34" charset="0"/>
-              <a:buChar char="•"/>
-              <a:defRPr sz="1600" kern="1200" spc="-20" baseline="0">
-                <a:solidFill>
-                  <a:schemeClr val="tx1"/>
-                </a:solidFill>
-                <a:latin typeface="+mn-lt"/>
-                <a:ea typeface="+mn-ea"/>
-                <a:cs typeface="+mn-cs"/>
-              </a:defRPr>
-            </a:lvl5pPr>
-            <a:lvl6pPr marL="2514600" indent="-228600" algn="l" defTabSz="914400" rtl="0" eaLnBrk="1" latinLnBrk="0" hangingPunct="1">
-              <a:lnSpc>
-                <a:spcPct val="90000"/>
-              </a:lnSpc>
-              <a:spcBef>
-                <a:spcPts val="500"/>
-              </a:spcBef>
-              <a:buFont typeface="Arial" panose="020B0604020202020204" pitchFamily="34" charset="0"/>
-              <a:buChar char="•"/>
-              <a:defRPr sz="1800" kern="1200">
-                <a:solidFill>
-                  <a:schemeClr val="tx1"/>
-                </a:solidFill>
-                <a:latin typeface="+mn-lt"/>
-                <a:ea typeface="+mn-ea"/>
-                <a:cs typeface="+mn-cs"/>
-              </a:defRPr>
-            </a:lvl6pPr>
-            <a:lvl7pPr marL="2971800" indent="-228600" algn="l" defTabSz="914400" rtl="0" eaLnBrk="1" latinLnBrk="0" hangingPunct="1">
-              <a:lnSpc>
-                <a:spcPct val="90000"/>
-              </a:lnSpc>
-              <a:spcBef>
-                <a:spcPts val="500"/>
-              </a:spcBef>
-              <a:buFont typeface="Arial" panose="020B0604020202020204" pitchFamily="34" charset="0"/>
-              <a:buChar char="•"/>
-              <a:defRPr sz="1800" kern="1200">
-                <a:solidFill>
-                  <a:schemeClr val="tx1"/>
-                </a:solidFill>
-                <a:latin typeface="+mn-lt"/>
-                <a:ea typeface="+mn-ea"/>
-                <a:cs typeface="+mn-cs"/>
-              </a:defRPr>
-            </a:lvl7pPr>
-            <a:lvl8pPr marL="3429000" indent="-228600" algn="l" defTabSz="914400" rtl="0" eaLnBrk="1" latinLnBrk="0" hangingPunct="1">
-              <a:lnSpc>
-                <a:spcPct val="90000"/>
-              </a:lnSpc>
-              <a:spcBef>
-                <a:spcPts val="500"/>
-              </a:spcBef>
-              <a:buFont typeface="Arial" panose="020B0604020202020204" pitchFamily="34" charset="0"/>
-              <a:buChar char="•"/>
-              <a:defRPr sz="1800" kern="1200">
-                <a:solidFill>
-                  <a:schemeClr val="tx1"/>
-                </a:solidFill>
-                <a:latin typeface="+mn-lt"/>
-                <a:ea typeface="+mn-ea"/>
-                <a:cs typeface="+mn-cs"/>
-              </a:defRPr>
-            </a:lvl8pPr>
-            <a:lvl9pPr marL="3886200" indent="-228600" algn="l" defTabSz="914400" rtl="0" eaLnBrk="1" latinLnBrk="0" hangingPunct="1">
-              <a:lnSpc>
-                <a:spcPct val="90000"/>
-              </a:lnSpc>
-              <a:spcBef>
-                <a:spcPts val="500"/>
-              </a:spcBef>
-              <a:buFont typeface="Arial" panose="020B0604020202020204" pitchFamily="34" charset="0"/>
-              <a:buChar char="•"/>
-              <a:defRPr sz="1800" kern="1200">
-                <a:solidFill>
-                  <a:schemeClr val="tx1"/>
-                </a:solidFill>
-                <a:latin typeface="+mn-lt"/>
-                <a:ea typeface="+mn-ea"/>
-                <a:cs typeface="+mn-cs"/>
-              </a:defRPr>
-            </a:lvl9pPr>
-          </a:lstStyle>
-          <a:p>
-            <a:r>
-              <a:rPr lang="en-US" dirty="0"/>
-              <a:t>Advertising</a:t>
-            </a:r>
-          </a:p>
-        </p:txBody>
-      </p:sp>
-      <p:sp>
-        <p:nvSpPr>
-          <p:cNvPr id="10" name="Content Placeholder 12">
-            <a:extLst>
-              <a:ext uri="{FF2B5EF4-FFF2-40B4-BE49-F238E27FC236}">
-                <a16:creationId xmlns:a16="http://schemas.microsoft.com/office/drawing/2014/main" id="{4CB43021-FF40-1B39-71C4-9310FF7D7197}"/>
-              </a:ext>
-            </a:extLst>
-          </p:cNvPr>
-          <p:cNvSpPr txBox="1">
-            <a:spLocks/>
-          </p:cNvSpPr>
-          <p:nvPr/>
-        </p:nvSpPr>
-        <p:spPr>
-          <a:xfrm>
-            <a:off x="6825885" y="4979544"/>
-            <a:ext cx="4922377" cy="1332994"/>
-          </a:xfrm>
-          <a:prstGeom prst="rect">
-            <a:avLst/>
-          </a:prstGeom>
-        </p:spPr>
-        <p:txBody>
-          <a:bodyPr vert="horz" lIns="91440" tIns="45720" rIns="91440" bIns="45720" rtlCol="0">
-            <a:normAutofit/>
-          </a:bodyPr>
-          <a:lstStyle>
-            <a:lvl1pPr marL="228600" indent="-228600" algn="l" defTabSz="914400" rtl="0" eaLnBrk="1" latinLnBrk="0" hangingPunct="1">
-              <a:lnSpc>
-                <a:spcPct val="110000"/>
-              </a:lnSpc>
-              <a:spcBef>
-                <a:spcPts val="1000"/>
-              </a:spcBef>
-              <a:buFont typeface="Arial" panose="020B0604020202020204" pitchFamily="34" charset="0"/>
-              <a:buChar char="•"/>
-              <a:defRPr sz="2000" kern="1200" spc="-20" baseline="0">
-                <a:solidFill>
-                  <a:schemeClr val="tx1"/>
-                </a:solidFill>
-                <a:latin typeface="+mn-lt"/>
-                <a:ea typeface="+mn-ea"/>
-                <a:cs typeface="+mn-cs"/>
-              </a:defRPr>
-            </a:lvl1pPr>
-            <a:lvl2pPr marL="685800" indent="-228600" algn="l" defTabSz="914400" rtl="0" eaLnBrk="1" latinLnBrk="0" hangingPunct="1">
-              <a:lnSpc>
-                <a:spcPct val="110000"/>
-              </a:lnSpc>
-              <a:spcBef>
-                <a:spcPts val="500"/>
-              </a:spcBef>
-              <a:buFont typeface="Arial" panose="020B0604020202020204" pitchFamily="34" charset="0"/>
-              <a:buChar char="•"/>
-              <a:defRPr sz="2000" kern="1200" spc="-20" baseline="0">
-                <a:solidFill>
-                  <a:schemeClr val="tx1"/>
-                </a:solidFill>
-                <a:latin typeface="+mn-lt"/>
-                <a:ea typeface="+mn-ea"/>
-                <a:cs typeface="+mn-cs"/>
-              </a:defRPr>
-            </a:lvl2pPr>
-            <a:lvl3pPr marL="1143000" indent="-228600" algn="l" defTabSz="914400" rtl="0" eaLnBrk="1" latinLnBrk="0" hangingPunct="1">
-              <a:lnSpc>
-                <a:spcPct val="110000"/>
-              </a:lnSpc>
-              <a:spcBef>
-                <a:spcPts val="500"/>
-              </a:spcBef>
-              <a:buFont typeface="Arial" panose="020B0604020202020204" pitchFamily="34" charset="0"/>
-              <a:buChar char="•"/>
-              <a:defRPr sz="1800" kern="1200" spc="-20" baseline="0">
-                <a:solidFill>
-                  <a:schemeClr val="tx1"/>
-                </a:solidFill>
-                <a:latin typeface="+mn-lt"/>
-                <a:ea typeface="+mn-ea"/>
-                <a:cs typeface="+mn-cs"/>
-              </a:defRPr>
-            </a:lvl3pPr>
-            <a:lvl4pPr marL="1600200" indent="-228600" algn="l" defTabSz="914400" rtl="0" eaLnBrk="1" latinLnBrk="0" hangingPunct="1">
-              <a:lnSpc>
-                <a:spcPct val="110000"/>
-              </a:lnSpc>
-              <a:spcBef>
-                <a:spcPts val="500"/>
-              </a:spcBef>
-              <a:buFont typeface="Arial" panose="020B0604020202020204" pitchFamily="34" charset="0"/>
-              <a:buChar char="•"/>
-              <a:defRPr sz="1600" kern="1200" spc="-20" baseline="0">
-                <a:solidFill>
-                  <a:schemeClr val="tx1"/>
-                </a:solidFill>
-                <a:latin typeface="+mn-lt"/>
-                <a:ea typeface="+mn-ea"/>
-                <a:cs typeface="+mn-cs"/>
-              </a:defRPr>
-            </a:lvl4pPr>
-            <a:lvl5pPr marL="2057400" indent="-228600" algn="l" defTabSz="914400" rtl="0" eaLnBrk="1" latinLnBrk="0" hangingPunct="1">
-              <a:lnSpc>
-                <a:spcPct val="110000"/>
-              </a:lnSpc>
-              <a:spcBef>
-                <a:spcPts val="500"/>
-              </a:spcBef>
-              <a:buFont typeface="Arial" panose="020B0604020202020204" pitchFamily="34" charset="0"/>
-              <a:buChar char="•"/>
-              <a:defRPr sz="1600" kern="1200" spc="-20" baseline="0">
-                <a:solidFill>
-                  <a:schemeClr val="tx1"/>
-                </a:solidFill>
-                <a:latin typeface="+mn-lt"/>
-                <a:ea typeface="+mn-ea"/>
-                <a:cs typeface="+mn-cs"/>
-              </a:defRPr>
-            </a:lvl5pPr>
-            <a:lvl6pPr marL="2514600" indent="-228600" algn="l" defTabSz="914400" rtl="0" eaLnBrk="1" latinLnBrk="0" hangingPunct="1">
-              <a:lnSpc>
-                <a:spcPct val="90000"/>
-              </a:lnSpc>
-              <a:spcBef>
-                <a:spcPts val="500"/>
-              </a:spcBef>
-              <a:buFont typeface="Arial" panose="020B0604020202020204" pitchFamily="34" charset="0"/>
-              <a:buChar char="•"/>
-              <a:defRPr sz="1800" kern="1200">
-                <a:solidFill>
-                  <a:schemeClr val="tx1"/>
-                </a:solidFill>
-                <a:latin typeface="+mn-lt"/>
-                <a:ea typeface="+mn-ea"/>
-                <a:cs typeface="+mn-cs"/>
-              </a:defRPr>
-            </a:lvl6pPr>
-            <a:lvl7pPr marL="2971800" indent="-228600" algn="l" defTabSz="914400" rtl="0" eaLnBrk="1" latinLnBrk="0" hangingPunct="1">
-              <a:lnSpc>
-                <a:spcPct val="90000"/>
-              </a:lnSpc>
-              <a:spcBef>
-                <a:spcPts val="500"/>
-              </a:spcBef>
-              <a:buFont typeface="Arial" panose="020B0604020202020204" pitchFamily="34" charset="0"/>
-              <a:buChar char="•"/>
-              <a:defRPr sz="1800" kern="1200">
-                <a:solidFill>
-                  <a:schemeClr val="tx1"/>
-                </a:solidFill>
-                <a:latin typeface="+mn-lt"/>
-                <a:ea typeface="+mn-ea"/>
-                <a:cs typeface="+mn-cs"/>
-              </a:defRPr>
-            </a:lvl7pPr>
-            <a:lvl8pPr marL="3429000" indent="-228600" algn="l" defTabSz="914400" rtl="0" eaLnBrk="1" latinLnBrk="0" hangingPunct="1">
-              <a:lnSpc>
-                <a:spcPct val="90000"/>
-              </a:lnSpc>
-              <a:spcBef>
-                <a:spcPts val="500"/>
-              </a:spcBef>
-              <a:buFont typeface="Arial" panose="020B0604020202020204" pitchFamily="34" charset="0"/>
-              <a:buChar char="•"/>
-              <a:defRPr sz="1800" kern="1200">
-                <a:solidFill>
-                  <a:schemeClr val="tx1"/>
-                </a:solidFill>
-                <a:latin typeface="+mn-lt"/>
-                <a:ea typeface="+mn-ea"/>
-                <a:cs typeface="+mn-cs"/>
-              </a:defRPr>
-            </a:lvl8pPr>
-            <a:lvl9pPr marL="3886200" indent="-228600" algn="l" defTabSz="914400" rtl="0" eaLnBrk="1" latinLnBrk="0" hangingPunct="1">
-              <a:lnSpc>
-                <a:spcPct val="90000"/>
-              </a:lnSpc>
-              <a:spcBef>
-                <a:spcPts val="500"/>
-              </a:spcBef>
-              <a:buFont typeface="Arial" panose="020B0604020202020204" pitchFamily="34" charset="0"/>
-              <a:buChar char="•"/>
-              <a:defRPr sz="1800" kern="1200">
-                <a:solidFill>
-                  <a:schemeClr val="tx1"/>
-                </a:solidFill>
-                <a:latin typeface="+mn-lt"/>
-                <a:ea typeface="+mn-ea"/>
-                <a:cs typeface="+mn-cs"/>
-              </a:defRPr>
-            </a:lvl9pPr>
-          </a:lstStyle>
-          <a:p>
-            <a:r>
-              <a:rPr lang="en-US" dirty="0"/>
-              <a:t>Variety of advertisements</a:t>
-            </a:r>
-          </a:p>
-          <a:p>
-            <a:r>
-              <a:rPr lang="en-US" dirty="0"/>
-              <a:t>Sponsorships</a:t>
-            </a:r>
-          </a:p>
-          <a:p>
-            <a:r>
-              <a:rPr lang="en-US" dirty="0"/>
-              <a:t>Press kit for media</a:t>
-            </a:r>
-          </a:p>
-        </p:txBody>
-      </p:sp>
-      <p:sp>
-        <p:nvSpPr>
-          <p:cNvPr id="4" name="TextBox 3">
-            <a:extLst>
-              <a:ext uri="{FF2B5EF4-FFF2-40B4-BE49-F238E27FC236}">
-                <a16:creationId xmlns:a16="http://schemas.microsoft.com/office/drawing/2014/main" id="{2675238F-3A82-7B73-B9B7-B009FF8D4F10}"/>
-              </a:ext>
-            </a:extLst>
-          </p:cNvPr>
-          <p:cNvSpPr txBox="1"/>
-          <p:nvPr/>
-        </p:nvSpPr>
-        <p:spPr>
-          <a:xfrm>
-            <a:off x="4251069" y="4040555"/>
-            <a:ext cx="2090443" cy="646331"/>
-          </a:xfrm>
-          <a:prstGeom prst="rect">
-            <a:avLst/>
-          </a:prstGeom>
-          <a:noFill/>
-        </p:spPr>
-        <p:txBody>
-          <a:bodyPr wrap="square" rtlCol="0">
-            <a:spAutoFit/>
-          </a:bodyPr>
-          <a:lstStyle/>
-          <a:p>
-            <a:r>
-              <a:rPr lang="en-GB" dirty="0"/>
-              <a:t>Expand on how – 2 slides</a:t>
-            </a:r>
-          </a:p>
-        </p:txBody>
-      </p:sp>
-    </p:spTree>
-    <p:extLst>
-      <p:ext uri="{BB962C8B-B14F-4D97-AF65-F5344CB8AC3E}">
-        <p14:creationId xmlns:p14="http://schemas.microsoft.com/office/powerpoint/2010/main" val="2119425584"/>
       </p:ext>
     </p:extLst>
   </p:cSld>
@@ -31138,6 +31678,15 @@
 </file>
 
 <file path=customXml/item1.xml><?xml version="1.0" encoding="utf-8"?>
+<?mso-contentType ?>
+<FormTemplates xmlns="http://schemas.microsoft.com/sharepoint/v3/contenttype/forms">
+  <Display>DocumentLibraryForm</Display>
+  <Edit>DocumentLibraryForm</Edit>
+  <New>DocumentLibraryForm</New>
+</FormTemplates>
+</file>
+
+<file path=customXml/item2.xml><?xml version="1.0" encoding="utf-8"?>
 <p:properties xmlns:p="http://schemas.microsoft.com/office/2006/metadata/properties" xmlns:xsi="http://www.w3.org/2001/XMLSchema-instance" xmlns:pc="http://schemas.microsoft.com/office/infopath/2007/PartnerControls">
   <documentManagement>
     <Status xmlns="71af3243-3dd4-4a8d-8c0d-dd76da1f02a5">Not started</Status>
@@ -31154,15 +31703,6 @@
     <MediaServiceKeyPoints xmlns="71af3243-3dd4-4a8d-8c0d-dd76da1f02a5" xsi:nil="true"/>
   </documentManagement>
 </p:properties>
-</file>
-
-<file path=customXml/item2.xml><?xml version="1.0" encoding="utf-8"?>
-<?mso-contentType ?>
-<FormTemplates xmlns="http://schemas.microsoft.com/sharepoint/v3/contenttype/forms">
-  <Display>DocumentLibraryForm</Display>
-  <Edit>DocumentLibraryForm</Edit>
-  <New>DocumentLibraryForm</New>
-</FormTemplates>
 </file>
 
 <file path=customXml/item3.xml><?xml version="1.0" encoding="utf-8"?>
@@ -31442,6 +31982,14 @@
 </file>
 
 <file path=customXml/itemProps1.xml><?xml version="1.0" encoding="utf-8"?>
+<ds:datastoreItem xmlns:ds="http://schemas.openxmlformats.org/officeDocument/2006/customXml" ds:itemID="{A5CCB28C-7D26-4A36-9CFC-D739C28F3D18}">
+  <ds:schemaRefs>
+    <ds:schemaRef ds:uri="http://schemas.microsoft.com/sharepoint/v3/contenttype/forms"/>
+  </ds:schemaRefs>
+</ds:datastoreItem>
+</file>
+
+<file path=customXml/itemProps2.xml><?xml version="1.0" encoding="utf-8"?>
 <ds:datastoreItem xmlns:ds="http://schemas.openxmlformats.org/officeDocument/2006/customXml" ds:itemID="{08757C30-AE9A-4680-90EB-19D282EC2B7C}">
   <ds:schemaRefs>
     <ds:schemaRef ds:uri="http://schemas.microsoft.com/office/2006/metadata/properties"/>
@@ -31449,14 +31997,6 @@
     <ds:schemaRef ds:uri="71af3243-3dd4-4a8d-8c0d-dd76da1f02a5"/>
     <ds:schemaRef ds:uri="http://schemas.microsoft.com/sharepoint/v3"/>
     <ds:schemaRef ds:uri="230e9df3-be65-4c73-a93b-d1236ebd677e"/>
-  </ds:schemaRefs>
-</ds:datastoreItem>
-</file>
-
-<file path=customXml/itemProps2.xml><?xml version="1.0" encoding="utf-8"?>
-<ds:datastoreItem xmlns:ds="http://schemas.openxmlformats.org/officeDocument/2006/customXml" ds:itemID="{A5CCB28C-7D26-4A36-9CFC-D739C28F3D18}">
-  <ds:schemaRefs>
-    <ds:schemaRef ds:uri="http://schemas.microsoft.com/sharepoint/v3/contenttype/forms"/>
   </ds:schemaRefs>
 </ds:datastoreItem>
 </file>

--- a/CT6018 Joe Mason s4001719.pptx
+++ b/CT6018 Joe Mason s4001719.pptx
@@ -5,33 +5,34 @@
     <p:sldMasterId id="2147483648" r:id="rId4"/>
   </p:sldMasterIdLst>
   <p:notesMasterIdLst>
-    <p:notesMasterId r:id="rId26"/>
+    <p:notesMasterId r:id="rId27"/>
   </p:notesMasterIdLst>
   <p:handoutMasterIdLst>
-    <p:handoutMasterId r:id="rId27"/>
+    <p:handoutMasterId r:id="rId28"/>
   </p:handoutMasterIdLst>
   <p:sldIdLst>
     <p:sldId id="256" r:id="rId5"/>
-    <p:sldId id="267" r:id="rId6"/>
-    <p:sldId id="294" r:id="rId7"/>
-    <p:sldId id="266" r:id="rId8"/>
+    <p:sldId id="266" r:id="rId6"/>
+    <p:sldId id="267" r:id="rId7"/>
+    <p:sldId id="294" r:id="rId8"/>
     <p:sldId id="277" r:id="rId9"/>
-    <p:sldId id="292" r:id="rId10"/>
-    <p:sldId id="280" r:id="rId11"/>
-    <p:sldId id="279" r:id="rId12"/>
-    <p:sldId id="293" r:id="rId13"/>
-    <p:sldId id="281" r:id="rId14"/>
-    <p:sldId id="282" r:id="rId15"/>
-    <p:sldId id="286" r:id="rId16"/>
-    <p:sldId id="283" r:id="rId17"/>
-    <p:sldId id="285" r:id="rId18"/>
-    <p:sldId id="287" r:id="rId19"/>
-    <p:sldId id="289" r:id="rId20"/>
-    <p:sldId id="288" r:id="rId21"/>
-    <p:sldId id="290" r:id="rId22"/>
-    <p:sldId id="291" r:id="rId23"/>
-    <p:sldId id="275" r:id="rId24"/>
-    <p:sldId id="276" r:id="rId25"/>
+    <p:sldId id="295" r:id="rId10"/>
+    <p:sldId id="292" r:id="rId11"/>
+    <p:sldId id="280" r:id="rId12"/>
+    <p:sldId id="279" r:id="rId13"/>
+    <p:sldId id="293" r:id="rId14"/>
+    <p:sldId id="281" r:id="rId15"/>
+    <p:sldId id="282" r:id="rId16"/>
+    <p:sldId id="286" r:id="rId17"/>
+    <p:sldId id="283" r:id="rId18"/>
+    <p:sldId id="285" r:id="rId19"/>
+    <p:sldId id="287" r:id="rId20"/>
+    <p:sldId id="289" r:id="rId21"/>
+    <p:sldId id="288" r:id="rId22"/>
+    <p:sldId id="290" r:id="rId23"/>
+    <p:sldId id="291" r:id="rId24"/>
+    <p:sldId id="275" r:id="rId25"/>
+    <p:sldId id="276" r:id="rId26"/>
   </p:sldIdLst>
   <p:sldSz cx="12192000" cy="6858000"/>
   <p:notesSz cx="6858000" cy="9144000"/>
@@ -13170,7 +13171,7 @@
                 <a:tabLst/>
                 <a:defRPr/>
               </a:pPr>
-              <a:t>4</a:t>
+              <a:t>2</a:t>
             </a:fld>
             <a:endParaRPr kumimoji="0" lang="en-US" sz="1200" b="0" i="0" u="none" strike="noStrike" kern="1200" cap="none" spc="0" normalizeH="0" baseline="0" noProof="0" dirty="0">
               <a:ln>
@@ -13193,6 +13194,408 @@
     <p:extLst>
       <p:ext uri="{BB962C8B-B14F-4D97-AF65-F5344CB8AC3E}">
         <p14:creationId xmlns:p14="http://schemas.microsoft.com/office/powerpoint/2010/main" val="704907707"/>
+      </p:ext>
+    </p:extLst>
+  </p:cSld>
+  <p:clrMapOvr>
+    <a:masterClrMapping/>
+  </p:clrMapOvr>
+</p:notes>
+</file>
+
+<file path=ppt/notesSlides/notesSlide2.xml><?xml version="1.0" encoding="utf-8"?>
+<p:notes xmlns:a="http://schemas.openxmlformats.org/drawingml/2006/main" xmlns:r="http://schemas.openxmlformats.org/officeDocument/2006/relationships" xmlns:p="http://schemas.openxmlformats.org/presentationml/2006/main">
+  <p:cSld>
+    <p:spTree>
+      <p:nvGrpSpPr>
+        <p:cNvPr id="1" name=""/>
+        <p:cNvGrpSpPr/>
+        <p:nvPr/>
+      </p:nvGrpSpPr>
+      <p:grpSpPr>
+        <a:xfrm>
+          <a:off x="0" y="0"/>
+          <a:ext cx="0" cy="0"/>
+          <a:chOff x="0" y="0"/>
+          <a:chExt cx="0" cy="0"/>
+        </a:xfrm>
+      </p:grpSpPr>
+      <p:sp>
+        <p:nvSpPr>
+          <p:cNvPr id="2" name="Slide Image Placeholder 1"/>
+          <p:cNvSpPr>
+            <a:spLocks noGrp="1" noRot="1" noChangeAspect="1"/>
+          </p:cNvSpPr>
+          <p:nvPr>
+            <p:ph type="sldImg"/>
+          </p:nvPr>
+        </p:nvSpPr>
+        <p:spPr/>
+      </p:sp>
+      <p:sp>
+        <p:nvSpPr>
+          <p:cNvPr id="3" name="Notes Placeholder 2"/>
+          <p:cNvSpPr>
+            <a:spLocks noGrp="1"/>
+          </p:cNvSpPr>
+          <p:nvPr>
+            <p:ph type="body" idx="1"/>
+          </p:nvPr>
+        </p:nvSpPr>
+        <p:spPr/>
+        <p:txBody>
+          <a:bodyPr/>
+          <a:lstStyle/>
+          <a:p>
+            <a:r>
+              <a:rPr lang="en-GB" dirty="0"/>
+              <a:t>Unranked for strictly casual players, ranked for more competitive players</a:t>
+            </a:r>
+          </a:p>
+          <a:p>
+            <a:r>
+              <a:rPr lang="en-GB" dirty="0"/>
+              <a:t>Total costs through marketing, salaries, software etc</a:t>
+            </a:r>
+          </a:p>
+          <a:p>
+            <a:r>
+              <a:rPr lang="en-GB" dirty="0"/>
+              <a:t>Total revenue through In App Purchases, Ad Revenue</a:t>
+            </a:r>
+          </a:p>
+          <a:p>
+            <a:r>
+              <a:rPr lang="en-GB" dirty="0"/>
+              <a:t>Leaving a profit of x at the end of 4 years from development beginning</a:t>
+            </a:r>
+          </a:p>
+        </p:txBody>
+      </p:sp>
+      <p:sp>
+        <p:nvSpPr>
+          <p:cNvPr id="4" name="Slide Number Placeholder 3"/>
+          <p:cNvSpPr>
+            <a:spLocks noGrp="1"/>
+          </p:cNvSpPr>
+          <p:nvPr>
+            <p:ph type="sldNum" sz="quarter" idx="5"/>
+          </p:nvPr>
+        </p:nvSpPr>
+        <p:spPr/>
+        <p:txBody>
+          <a:bodyPr/>
+          <a:lstStyle/>
+          <a:p>
+            <a:fld id="{798C5307-140F-447F-BCBA-BB92E3A2906B}" type="slidenum">
+              <a:rPr lang="en-US" smtClean="0"/>
+              <a:t>3</a:t>
+            </a:fld>
+            <a:endParaRPr lang="en-US" dirty="0"/>
+          </a:p>
+        </p:txBody>
+      </p:sp>
+    </p:spTree>
+    <p:extLst>
+      <p:ext uri="{BB962C8B-B14F-4D97-AF65-F5344CB8AC3E}">
+        <p14:creationId xmlns:p14="http://schemas.microsoft.com/office/powerpoint/2010/main" val="1416494701"/>
+      </p:ext>
+    </p:extLst>
+  </p:cSld>
+  <p:clrMapOvr>
+    <a:masterClrMapping/>
+  </p:clrMapOvr>
+</p:notes>
+</file>
+
+<file path=ppt/notesSlides/notesSlide3.xml><?xml version="1.0" encoding="utf-8"?>
+<p:notes xmlns:a="http://schemas.openxmlformats.org/drawingml/2006/main" xmlns:r="http://schemas.openxmlformats.org/officeDocument/2006/relationships" xmlns:p="http://schemas.openxmlformats.org/presentationml/2006/main">
+  <p:cSld>
+    <p:spTree>
+      <p:nvGrpSpPr>
+        <p:cNvPr id="1" name=""/>
+        <p:cNvGrpSpPr/>
+        <p:nvPr/>
+      </p:nvGrpSpPr>
+      <p:grpSpPr>
+        <a:xfrm>
+          <a:off x="0" y="0"/>
+          <a:ext cx="0" cy="0"/>
+          <a:chOff x="0" y="0"/>
+          <a:chExt cx="0" cy="0"/>
+        </a:xfrm>
+      </p:grpSpPr>
+      <p:sp>
+        <p:nvSpPr>
+          <p:cNvPr id="2" name="Slide Image Placeholder 1"/>
+          <p:cNvSpPr>
+            <a:spLocks noGrp="1" noRot="1" noChangeAspect="1"/>
+          </p:cNvSpPr>
+          <p:nvPr>
+            <p:ph type="sldImg"/>
+          </p:nvPr>
+        </p:nvSpPr>
+        <p:spPr/>
+      </p:sp>
+      <p:sp>
+        <p:nvSpPr>
+          <p:cNvPr id="3" name="Notes Placeholder 2"/>
+          <p:cNvSpPr>
+            <a:spLocks noGrp="1"/>
+          </p:cNvSpPr>
+          <p:nvPr>
+            <p:ph type="body" idx="1"/>
+          </p:nvPr>
+        </p:nvSpPr>
+        <p:spPr/>
+        <p:txBody>
+          <a:bodyPr/>
+          <a:lstStyle/>
+          <a:p>
+            <a:r>
+              <a:rPr lang="en-GB" dirty="0"/>
+              <a:t>UI elements in corners</a:t>
+            </a:r>
+          </a:p>
+          <a:p>
+            <a:r>
+              <a:rPr lang="en-GB" dirty="0"/>
+              <a:t>Melee, ranged weapons, pickaxe, wood &amp; stone blocks</a:t>
+            </a:r>
+          </a:p>
+          <a:p>
+            <a:r>
+              <a:rPr lang="en-GB" dirty="0"/>
+              <a:t>Open inventory via backpack icon to manage ores</a:t>
+            </a:r>
+          </a:p>
+          <a:p>
+            <a:r>
+              <a:rPr lang="en-GB" dirty="0"/>
+              <a:t>Menu for audio, UI layouts, reporting, quitting</a:t>
+            </a:r>
+          </a:p>
+          <a:p>
+            <a:r>
+              <a:rPr lang="en-GB" dirty="0"/>
+              <a:t>Team shared line of sight player vision</a:t>
+            </a:r>
+          </a:p>
+        </p:txBody>
+      </p:sp>
+      <p:sp>
+        <p:nvSpPr>
+          <p:cNvPr id="4" name="Slide Number Placeholder 3"/>
+          <p:cNvSpPr>
+            <a:spLocks noGrp="1"/>
+          </p:cNvSpPr>
+          <p:nvPr>
+            <p:ph type="sldNum" sz="quarter" idx="5"/>
+          </p:nvPr>
+        </p:nvSpPr>
+        <p:spPr/>
+        <p:txBody>
+          <a:bodyPr/>
+          <a:lstStyle/>
+          <a:p>
+            <a:fld id="{798C5307-140F-447F-BCBA-BB92E3A2906B}" type="slidenum">
+              <a:rPr lang="en-US" smtClean="0"/>
+              <a:t>4</a:t>
+            </a:fld>
+            <a:endParaRPr lang="en-US" dirty="0"/>
+          </a:p>
+        </p:txBody>
+      </p:sp>
+    </p:spTree>
+    <p:extLst>
+      <p:ext uri="{BB962C8B-B14F-4D97-AF65-F5344CB8AC3E}">
+        <p14:creationId xmlns:p14="http://schemas.microsoft.com/office/powerpoint/2010/main" val="2523138427"/>
+      </p:ext>
+    </p:extLst>
+  </p:cSld>
+  <p:clrMapOvr>
+    <a:masterClrMapping/>
+  </p:clrMapOvr>
+</p:notes>
+</file>
+
+<file path=ppt/notesSlides/notesSlide4.xml><?xml version="1.0" encoding="utf-8"?>
+<p:notes xmlns:a="http://schemas.openxmlformats.org/drawingml/2006/main" xmlns:r="http://schemas.openxmlformats.org/officeDocument/2006/relationships" xmlns:p="http://schemas.openxmlformats.org/presentationml/2006/main">
+  <p:cSld>
+    <p:spTree>
+      <p:nvGrpSpPr>
+        <p:cNvPr id="1" name=""/>
+        <p:cNvGrpSpPr/>
+        <p:nvPr/>
+      </p:nvGrpSpPr>
+      <p:grpSpPr>
+        <a:xfrm>
+          <a:off x="0" y="0"/>
+          <a:ext cx="0" cy="0"/>
+          <a:chOff x="0" y="0"/>
+          <a:chExt cx="0" cy="0"/>
+        </a:xfrm>
+      </p:grpSpPr>
+      <p:sp>
+        <p:nvSpPr>
+          <p:cNvPr id="2" name="Slide Image Placeholder 1"/>
+          <p:cNvSpPr>
+            <a:spLocks noGrp="1" noRot="1" noChangeAspect="1"/>
+          </p:cNvSpPr>
+          <p:nvPr>
+            <p:ph type="sldImg"/>
+          </p:nvPr>
+        </p:nvSpPr>
+        <p:spPr/>
+      </p:sp>
+      <p:sp>
+        <p:nvSpPr>
+          <p:cNvPr id="3" name="Notes Placeholder 2"/>
+          <p:cNvSpPr>
+            <a:spLocks noGrp="1"/>
+          </p:cNvSpPr>
+          <p:nvPr>
+            <p:ph type="body" idx="1"/>
+          </p:nvPr>
+        </p:nvSpPr>
+        <p:spPr/>
+        <p:txBody>
+          <a:bodyPr/>
+          <a:lstStyle/>
+          <a:p>
+            <a:r>
+              <a:rPr lang="en-GB" dirty="0"/>
+              <a:t>Focus on fighting mechanics – physics based, accurate on all players devices, fluid</a:t>
+            </a:r>
+          </a:p>
+          <a:p>
+            <a:endParaRPr lang="en-GB" dirty="0"/>
+          </a:p>
+          <a:p>
+            <a:r>
+              <a:rPr lang="en-GB" dirty="0"/>
+              <a:t>Dig through environment with pickaxe, collecting ores, dirt, cobblestone.</a:t>
+            </a:r>
+          </a:p>
+          <a:p>
+            <a:r>
+              <a:rPr lang="en-GB" dirty="0"/>
+              <a:t>Sell for gold, ores also add to team’s total for unlocking equipment with that metal</a:t>
+            </a:r>
+          </a:p>
+        </p:txBody>
+      </p:sp>
+      <p:sp>
+        <p:nvSpPr>
+          <p:cNvPr id="4" name="Slide Number Placeholder 3"/>
+          <p:cNvSpPr>
+            <a:spLocks noGrp="1"/>
+          </p:cNvSpPr>
+          <p:nvPr>
+            <p:ph type="sldNum" sz="quarter" idx="5"/>
+          </p:nvPr>
+        </p:nvSpPr>
+        <p:spPr/>
+        <p:txBody>
+          <a:bodyPr/>
+          <a:lstStyle/>
+          <a:p>
+            <a:fld id="{798C5307-140F-447F-BCBA-BB92E3A2906B}" type="slidenum">
+              <a:rPr lang="en-US" smtClean="0"/>
+              <a:t>5</a:t>
+            </a:fld>
+            <a:endParaRPr lang="en-US" dirty="0"/>
+          </a:p>
+        </p:txBody>
+      </p:sp>
+    </p:spTree>
+    <p:extLst>
+      <p:ext uri="{BB962C8B-B14F-4D97-AF65-F5344CB8AC3E}">
+        <p14:creationId xmlns:p14="http://schemas.microsoft.com/office/powerpoint/2010/main" val="2975946571"/>
+      </p:ext>
+    </p:extLst>
+  </p:cSld>
+  <p:clrMapOvr>
+    <a:masterClrMapping/>
+  </p:clrMapOvr>
+</p:notes>
+</file>
+
+<file path=ppt/notesSlides/notesSlide5.xml><?xml version="1.0" encoding="utf-8"?>
+<p:notes xmlns:a="http://schemas.openxmlformats.org/drawingml/2006/main" xmlns:r="http://schemas.openxmlformats.org/officeDocument/2006/relationships" xmlns:p="http://schemas.openxmlformats.org/presentationml/2006/main">
+  <p:cSld>
+    <p:spTree>
+      <p:nvGrpSpPr>
+        <p:cNvPr id="1" name=""/>
+        <p:cNvGrpSpPr/>
+        <p:nvPr/>
+      </p:nvGrpSpPr>
+      <p:grpSpPr>
+        <a:xfrm>
+          <a:off x="0" y="0"/>
+          <a:ext cx="0" cy="0"/>
+          <a:chOff x="0" y="0"/>
+          <a:chExt cx="0" cy="0"/>
+        </a:xfrm>
+      </p:grpSpPr>
+      <p:sp>
+        <p:nvSpPr>
+          <p:cNvPr id="2" name="Slide Image Placeholder 1"/>
+          <p:cNvSpPr>
+            <a:spLocks noGrp="1" noRot="1" noChangeAspect="1"/>
+          </p:cNvSpPr>
+          <p:nvPr>
+            <p:ph type="sldImg"/>
+          </p:nvPr>
+        </p:nvSpPr>
+        <p:spPr/>
+      </p:sp>
+      <p:sp>
+        <p:nvSpPr>
+          <p:cNvPr id="3" name="Notes Placeholder 2"/>
+          <p:cNvSpPr>
+            <a:spLocks noGrp="1"/>
+          </p:cNvSpPr>
+          <p:nvPr>
+            <p:ph type="body" idx="1"/>
+          </p:nvPr>
+        </p:nvSpPr>
+        <p:spPr/>
+        <p:txBody>
+          <a:bodyPr/>
+          <a:lstStyle/>
+          <a:p>
+            <a:endParaRPr lang="en-GB" dirty="0"/>
+          </a:p>
+        </p:txBody>
+      </p:sp>
+      <p:sp>
+        <p:nvSpPr>
+          <p:cNvPr id="4" name="Slide Number Placeholder 3"/>
+          <p:cNvSpPr>
+            <a:spLocks noGrp="1"/>
+          </p:cNvSpPr>
+          <p:nvPr>
+            <p:ph type="sldNum" sz="quarter" idx="5"/>
+          </p:nvPr>
+        </p:nvSpPr>
+        <p:spPr/>
+        <p:txBody>
+          <a:bodyPr/>
+          <a:lstStyle/>
+          <a:p>
+            <a:fld id="{798C5307-140F-447F-BCBA-BB92E3A2906B}" type="slidenum">
+              <a:rPr lang="en-US" smtClean="0"/>
+              <a:t>6</a:t>
+            </a:fld>
+            <a:endParaRPr lang="en-US" dirty="0"/>
+          </a:p>
+        </p:txBody>
+      </p:sp>
+    </p:spTree>
+    <p:extLst>
+      <p:ext uri="{BB962C8B-B14F-4D97-AF65-F5344CB8AC3E}">
+        <p14:creationId xmlns:p14="http://schemas.microsoft.com/office/powerpoint/2010/main" val="731838837"/>
       </p:ext>
     </p:extLst>
   </p:cSld>
@@ -19690,6 +20093,605 @@
 <file path=ppt/slides/slide10.xml><?xml version="1.0" encoding="utf-8"?>
 <p:sld xmlns:a="http://schemas.openxmlformats.org/drawingml/2006/main" xmlns:r="http://schemas.openxmlformats.org/officeDocument/2006/relationships" xmlns:p="http://schemas.openxmlformats.org/presentationml/2006/main">
   <p:cSld>
+    <p:bg>
+      <p:bgPr>
+        <a:solidFill>
+          <a:schemeClr val="bg1"/>
+        </a:solidFill>
+        <a:effectLst/>
+      </p:bgPr>
+    </p:bg>
+    <p:spTree>
+      <p:nvGrpSpPr>
+        <p:cNvPr id="1" name=""/>
+        <p:cNvGrpSpPr/>
+        <p:nvPr/>
+      </p:nvGrpSpPr>
+      <p:grpSpPr>
+        <a:xfrm>
+          <a:off x="0" y="0"/>
+          <a:ext cx="0" cy="0"/>
+          <a:chOff x="0" y="0"/>
+          <a:chExt cx="0" cy="0"/>
+        </a:xfrm>
+      </p:grpSpPr>
+      <p:sp useBgFill="1">
+        <p:nvSpPr>
+          <p:cNvPr id="46" name="Rectangle 45">
+            <a:extLst>
+              <a:ext uri="{FF2B5EF4-FFF2-40B4-BE49-F238E27FC236}">
+                <a16:creationId xmlns:a16="http://schemas.microsoft.com/office/drawing/2014/main" id="{DA9750BD-DA78-42B2-B5A4-A84E29984CD9}"/>
+              </a:ext>
+              <a:ext uri="{C183D7F6-B498-43B3-948B-1728B52AA6E4}">
+                <adec:decorative xmlns:adec="http://schemas.microsoft.com/office/drawing/2017/decorative" val="1"/>
+              </a:ext>
+            </a:extLst>
+          </p:cNvPr>
+          <p:cNvSpPr>
+            <a:spLocks noGrp="1" noRot="1" noChangeAspect="1" noMove="1" noResize="1" noEditPoints="1" noAdjustHandles="1" noChangeArrowheads="1" noChangeShapeType="1" noTextEdit="1"/>
+          </p:cNvSpPr>
+          <p:nvPr>
+            <p:extLst>
+              <p:ext uri="{386F3935-93C4-4BCD-93E2-E3B085C9AB24}">
+                <p16:designElem xmlns:p16="http://schemas.microsoft.com/office/powerpoint/2015/main" val="1"/>
+              </p:ext>
+            </p:extLst>
+          </p:nvPr>
+        </p:nvSpPr>
+        <p:spPr>
+          <a:xfrm>
+            <a:off x="0" y="0"/>
+            <a:ext cx="12192000" cy="6858000"/>
+          </a:xfrm>
+          <a:prstGeom prst="rect">
+            <a:avLst/>
+          </a:prstGeom>
+          <a:ln w="12700" cap="flat" cmpd="sng" algn="ctr">
+            <a:noFill/>
+            <a:prstDash val="solid"/>
+            <a:miter lim="800000"/>
+          </a:ln>
+          <a:effectLst/>
+          <a:extLst>
+            <a:ext uri="{91240B29-F687-4F45-9708-019B960494DF}">
+              <a14:hiddenLine xmlns:a14="http://schemas.microsoft.com/office/drawing/2010/main" w="12700" cap="flat" cmpd="sng" algn="ctr">
+                <a:solidFill>
+                  <a:schemeClr val="accent1">
+                    <a:shade val="50000"/>
+                  </a:schemeClr>
+                </a:solidFill>
+                <a:prstDash val="solid"/>
+                <a:miter lim="800000"/>
+              </a14:hiddenLine>
+            </a:ext>
+          </a:extLst>
+        </p:spPr>
+        <p:style>
+          <a:lnRef idx="2">
+            <a:schemeClr val="accent1">
+              <a:shade val="50000"/>
+            </a:schemeClr>
+          </a:lnRef>
+          <a:fillRef idx="1">
+            <a:schemeClr val="accent1"/>
+          </a:fillRef>
+          <a:effectRef idx="0">
+            <a:schemeClr val="accent1"/>
+          </a:effectRef>
+          <a:fontRef idx="minor">
+            <a:schemeClr val="lt1"/>
+          </a:fontRef>
+        </p:style>
+        <p:txBody>
+          <a:bodyPr rtlCol="0" anchor="ctr"/>
+          <a:lstStyle/>
+          <a:p>
+            <a:pPr algn="ctr"/>
+            <a:endParaRPr lang="en-US"/>
+          </a:p>
+        </p:txBody>
+      </p:sp>
+      <p:sp>
+        <p:nvSpPr>
+          <p:cNvPr id="48" name="Rectangle 47">
+            <a:extLst>
+              <a:ext uri="{FF2B5EF4-FFF2-40B4-BE49-F238E27FC236}">
+                <a16:creationId xmlns:a16="http://schemas.microsoft.com/office/drawing/2014/main" id="{C606A26C-8C0A-411E-BF72-5EE06043487A}"/>
+              </a:ext>
+              <a:ext uri="{C183D7F6-B498-43B3-948B-1728B52AA6E4}">
+                <adec:decorative xmlns:adec="http://schemas.microsoft.com/office/drawing/2017/decorative" val="1"/>
+              </a:ext>
+            </a:extLst>
+          </p:cNvPr>
+          <p:cNvSpPr>
+            <a:spLocks noGrp="1" noRot="1" noChangeAspect="1" noMove="1" noResize="1" noEditPoints="1" noAdjustHandles="1" noChangeArrowheads="1" noChangeShapeType="1" noTextEdit="1"/>
+          </p:cNvSpPr>
+          <p:nvPr>
+            <p:extLst>
+              <p:ext uri="{386F3935-93C4-4BCD-93E2-E3B085C9AB24}">
+                <p16:designElem xmlns:p16="http://schemas.microsoft.com/office/powerpoint/2015/main" val="1"/>
+              </p:ext>
+            </p:extLst>
+          </p:nvPr>
+        </p:nvSpPr>
+        <p:spPr>
+          <a:xfrm>
+            <a:off x="0" y="0"/>
+            <a:ext cx="3048000" cy="6858000"/>
+          </a:xfrm>
+          <a:prstGeom prst="rect">
+            <a:avLst/>
+          </a:prstGeom>
+          <a:ln>
+            <a:noFill/>
+          </a:ln>
+        </p:spPr>
+        <p:style>
+          <a:lnRef idx="2">
+            <a:schemeClr val="accent1">
+              <a:shade val="50000"/>
+            </a:schemeClr>
+          </a:lnRef>
+          <a:fillRef idx="1">
+            <a:schemeClr val="accent1"/>
+          </a:fillRef>
+          <a:effectRef idx="0">
+            <a:schemeClr val="accent1"/>
+          </a:effectRef>
+          <a:fontRef idx="minor">
+            <a:schemeClr val="lt1"/>
+          </a:fontRef>
+        </p:style>
+        <p:txBody>
+          <a:bodyPr rtlCol="0" anchor="ctr"/>
+          <a:lstStyle/>
+          <a:p>
+            <a:pPr algn="ctr"/>
+            <a:endParaRPr lang="en-US"/>
+          </a:p>
+        </p:txBody>
+      </p:sp>
+      <p:sp>
+        <p:nvSpPr>
+          <p:cNvPr id="41" name="Title 40">
+            <a:extLst>
+              <a:ext uri="{FF2B5EF4-FFF2-40B4-BE49-F238E27FC236}">
+                <a16:creationId xmlns:a16="http://schemas.microsoft.com/office/drawing/2014/main" id="{0622F47C-D986-4C50-BD14-2C1E537C27FB}"/>
+              </a:ext>
+            </a:extLst>
+          </p:cNvPr>
+          <p:cNvSpPr>
+            <a:spLocks noGrp="1"/>
+          </p:cNvSpPr>
+          <p:nvPr>
+            <p:ph type="title"/>
+          </p:nvPr>
+        </p:nvSpPr>
+        <p:spPr>
+          <a:xfrm>
+            <a:off x="126281" y="637886"/>
+            <a:ext cx="1826375" cy="1567986"/>
+          </a:xfrm>
+        </p:spPr>
+        <p:txBody>
+          <a:bodyPr vert="horz" lIns="91440" tIns="45720" rIns="91440" bIns="45720" rtlCol="0" anchor="t">
+            <a:normAutofit/>
+          </a:bodyPr>
+          <a:lstStyle/>
+          <a:p>
+            <a:pPr algn="l">
+              <a:lnSpc>
+                <a:spcPct val="90000"/>
+              </a:lnSpc>
+            </a:pPr>
+            <a:r>
+              <a:rPr lang="en-US" sz="2800" spc="-40" dirty="0">
+                <a:solidFill>
+                  <a:srgbClr val="FFFFFF"/>
+                </a:solidFill>
+              </a:rPr>
+              <a:t>Market Potential</a:t>
+            </a:r>
+          </a:p>
+        </p:txBody>
+      </p:sp>
+      <p:sp>
+        <p:nvSpPr>
+          <p:cNvPr id="2" name="Footer Placeholder 1">
+            <a:extLst>
+              <a:ext uri="{FF2B5EF4-FFF2-40B4-BE49-F238E27FC236}">
+                <a16:creationId xmlns:a16="http://schemas.microsoft.com/office/drawing/2014/main" id="{2C20C49D-5E38-4E7C-A240-4B2D015F3AC7}"/>
+              </a:ext>
+            </a:extLst>
+          </p:cNvPr>
+          <p:cNvSpPr>
+            <a:spLocks noGrp="1"/>
+          </p:cNvSpPr>
+          <p:nvPr>
+            <p:ph type="ftr" sz="quarter" idx="11"/>
+          </p:nvPr>
+        </p:nvSpPr>
+        <p:spPr>
+          <a:xfrm>
+            <a:off x="201168" y="6356350"/>
+            <a:ext cx="2713482" cy="365125"/>
+          </a:xfrm>
+        </p:spPr>
+        <p:txBody>
+          <a:bodyPr vert="horz" lIns="91440" tIns="45720" rIns="91440" bIns="45720" rtlCol="0" anchor="ctr">
+            <a:normAutofit/>
+          </a:bodyPr>
+          <a:lstStyle/>
+          <a:p>
+            <a:pPr lvl="0">
+              <a:spcAft>
+                <a:spcPts val="600"/>
+              </a:spcAft>
+            </a:pPr>
+            <a:r>
+              <a:rPr lang="en-US" kern="1200" noProof="0">
+                <a:solidFill>
+                  <a:srgbClr val="FFFFFF"/>
+                </a:solidFill>
+                <a:latin typeface="+mn-lt"/>
+                <a:ea typeface="+mn-ea"/>
+                <a:cs typeface="+mn-cs"/>
+              </a:rPr>
+              <a:t>OutDig</a:t>
+            </a:r>
+          </a:p>
+        </p:txBody>
+      </p:sp>
+      <p:pic>
+        <p:nvPicPr>
+          <p:cNvPr id="30" name="Picture 29">
+            <a:extLst>
+              <a:ext uri="{FF2B5EF4-FFF2-40B4-BE49-F238E27FC236}">
+                <a16:creationId xmlns:a16="http://schemas.microsoft.com/office/drawing/2014/main" id="{87246A19-C527-A977-2EF3-43FB2869CF04}"/>
+              </a:ext>
+            </a:extLst>
+          </p:cNvPr>
+          <p:cNvPicPr>
+            <a:picLocks noChangeAspect="1"/>
+          </p:cNvPicPr>
+          <p:nvPr/>
+        </p:nvPicPr>
+        <p:blipFill>
+          <a:blip r:embed="rId2"/>
+          <a:stretch>
+            <a:fillRect/>
+          </a:stretch>
+        </p:blipFill>
+        <p:spPr>
+          <a:xfrm>
+            <a:off x="1897498" y="0"/>
+            <a:ext cx="1375162" cy="6858000"/>
+          </a:xfrm>
+          <a:prstGeom prst="rect">
+            <a:avLst/>
+          </a:prstGeom>
+        </p:spPr>
+      </p:pic>
+      <p:sp>
+        <p:nvSpPr>
+          <p:cNvPr id="25" name="TextBox 24">
+            <a:extLst>
+              <a:ext uri="{FF2B5EF4-FFF2-40B4-BE49-F238E27FC236}">
+                <a16:creationId xmlns:a16="http://schemas.microsoft.com/office/drawing/2014/main" id="{6FDEE004-1220-7B14-EDF9-5227528EB89D}"/>
+              </a:ext>
+            </a:extLst>
+          </p:cNvPr>
+          <p:cNvSpPr txBox="1"/>
+          <p:nvPr/>
+        </p:nvSpPr>
+        <p:spPr>
+          <a:xfrm>
+            <a:off x="2190994" y="363675"/>
+            <a:ext cx="3318320" cy="3104510"/>
+          </a:xfrm>
+          <a:prstGeom prst="rect">
+            <a:avLst/>
+          </a:prstGeom>
+        </p:spPr>
+        <p:txBody>
+          <a:bodyPr vert="horz" lIns="91440" tIns="45720" rIns="91440" bIns="45720" rtlCol="0">
+            <a:normAutofit/>
+          </a:bodyPr>
+          <a:lstStyle/>
+          <a:p>
+            <a:pPr>
+              <a:lnSpc>
+                <a:spcPct val="110000"/>
+              </a:lnSpc>
+              <a:spcAft>
+                <a:spcPts val="600"/>
+              </a:spcAft>
+            </a:pPr>
+            <a:r>
+              <a:rPr lang="en-US" sz="1600" spc="-20" dirty="0"/>
+              <a:t>Revenue from in-app purchases and advertisements across regions.</a:t>
+            </a:r>
+          </a:p>
+          <a:p>
+            <a:pPr>
+              <a:lnSpc>
+                <a:spcPct val="110000"/>
+              </a:lnSpc>
+              <a:spcAft>
+                <a:spcPts val="600"/>
+              </a:spcAft>
+            </a:pPr>
+            <a:endParaRPr lang="en-US" sz="1600" spc="-20" dirty="0"/>
+          </a:p>
+          <a:p>
+            <a:pPr>
+              <a:lnSpc>
+                <a:spcPct val="110000"/>
+              </a:lnSpc>
+              <a:spcAft>
+                <a:spcPts val="600"/>
+              </a:spcAft>
+            </a:pPr>
+            <a:r>
+              <a:rPr lang="en-US" sz="1600" spc="-20" dirty="0"/>
+              <a:t>From 2020 to 2021:</a:t>
+            </a:r>
+          </a:p>
+          <a:p>
+            <a:pPr marL="285750" indent="-285750">
+              <a:lnSpc>
+                <a:spcPct val="110000"/>
+              </a:lnSpc>
+              <a:spcAft>
+                <a:spcPts val="600"/>
+              </a:spcAft>
+              <a:buFont typeface="Arial" panose="020B0604020202020204" pitchFamily="34" charset="0"/>
+              <a:buChar char="•"/>
+            </a:pPr>
+            <a:r>
+              <a:rPr lang="en-US" sz="1600" spc="-20" dirty="0"/>
+              <a:t>Total revenue grown by 30%</a:t>
+            </a:r>
+          </a:p>
+          <a:p>
+            <a:pPr>
+              <a:lnSpc>
+                <a:spcPct val="110000"/>
+              </a:lnSpc>
+              <a:spcAft>
+                <a:spcPts val="600"/>
+              </a:spcAft>
+            </a:pPr>
+            <a:r>
+              <a:rPr lang="en-US" sz="1600" spc="-20" dirty="0"/>
+              <a:t>From 2019 to 2021:</a:t>
+            </a:r>
+          </a:p>
+          <a:p>
+            <a:pPr marL="285750" indent="-285750">
+              <a:lnSpc>
+                <a:spcPct val="110000"/>
+              </a:lnSpc>
+              <a:spcAft>
+                <a:spcPts val="600"/>
+              </a:spcAft>
+              <a:buFont typeface="Arial" panose="020B0604020202020204" pitchFamily="34" charset="0"/>
+              <a:buChar char="•"/>
+            </a:pPr>
+            <a:r>
+              <a:rPr lang="en-US" sz="1600" spc="-20" dirty="0"/>
+              <a:t>EU Ad revenue grown by 98%</a:t>
+            </a:r>
+          </a:p>
+          <a:p>
+            <a:pPr marL="285750" indent="-285750">
+              <a:lnSpc>
+                <a:spcPct val="110000"/>
+              </a:lnSpc>
+              <a:spcAft>
+                <a:spcPts val="600"/>
+              </a:spcAft>
+              <a:buFont typeface="Arial" panose="020B0604020202020204" pitchFamily="34" charset="0"/>
+              <a:buChar char="•"/>
+            </a:pPr>
+            <a:r>
+              <a:rPr lang="en-US" sz="1600" spc="-20" dirty="0"/>
+              <a:t>EU IAP grown by 418%</a:t>
+            </a:r>
+          </a:p>
+        </p:txBody>
+      </p:sp>
+      <p:pic>
+        <p:nvPicPr>
+          <p:cNvPr id="7" name="Picture 6">
+            <a:extLst>
+              <a:ext uri="{FF2B5EF4-FFF2-40B4-BE49-F238E27FC236}">
+                <a16:creationId xmlns:a16="http://schemas.microsoft.com/office/drawing/2014/main" id="{181A880E-EED8-078C-7AC8-4F7B918D200A}"/>
+              </a:ext>
+            </a:extLst>
+          </p:cNvPr>
+          <p:cNvPicPr>
+            <a:picLocks noChangeAspect="1"/>
+          </p:cNvPicPr>
+          <p:nvPr/>
+        </p:nvPicPr>
+        <p:blipFill rotWithShape="1">
+          <a:blip r:embed="rId3"/>
+          <a:srcRect r="19087"/>
+          <a:stretch/>
+        </p:blipFill>
+        <p:spPr>
+          <a:xfrm>
+            <a:off x="1952657" y="3561940"/>
+            <a:ext cx="4574344" cy="3202304"/>
+          </a:xfrm>
+          <a:prstGeom prst="rect">
+            <a:avLst/>
+          </a:prstGeom>
+        </p:spPr>
+      </p:pic>
+      <p:pic>
+        <p:nvPicPr>
+          <p:cNvPr id="9" name="Picture 8">
+            <a:extLst>
+              <a:ext uri="{FF2B5EF4-FFF2-40B4-BE49-F238E27FC236}">
+                <a16:creationId xmlns:a16="http://schemas.microsoft.com/office/drawing/2014/main" id="{BE1F526F-368B-C0AE-D8B3-CCCB4EF0CB64}"/>
+              </a:ext>
+            </a:extLst>
+          </p:cNvPr>
+          <p:cNvPicPr>
+            <a:picLocks noChangeAspect="1"/>
+          </p:cNvPicPr>
+          <p:nvPr/>
+        </p:nvPicPr>
+        <p:blipFill>
+          <a:blip r:embed="rId4"/>
+          <a:stretch>
+            <a:fillRect/>
+          </a:stretch>
+        </p:blipFill>
+        <p:spPr>
+          <a:xfrm>
+            <a:off x="6595793" y="3332636"/>
+            <a:ext cx="5469928" cy="3431606"/>
+          </a:xfrm>
+          <a:prstGeom prst="rect">
+            <a:avLst/>
+          </a:prstGeom>
+        </p:spPr>
+      </p:pic>
+      <p:pic>
+        <p:nvPicPr>
+          <p:cNvPr id="11" name="Picture 10">
+            <a:extLst>
+              <a:ext uri="{FF2B5EF4-FFF2-40B4-BE49-F238E27FC236}">
+                <a16:creationId xmlns:a16="http://schemas.microsoft.com/office/drawing/2014/main" id="{4222A479-805C-BD1F-5299-04E5BCFFEB6F}"/>
+              </a:ext>
+            </a:extLst>
+          </p:cNvPr>
+          <p:cNvPicPr>
+            <a:picLocks noChangeAspect="1"/>
+          </p:cNvPicPr>
+          <p:nvPr/>
+        </p:nvPicPr>
+        <p:blipFill>
+          <a:blip r:embed="rId5"/>
+          <a:stretch>
+            <a:fillRect/>
+          </a:stretch>
+        </p:blipFill>
+        <p:spPr>
+          <a:xfrm>
+            <a:off x="6595793" y="93758"/>
+            <a:ext cx="5469926" cy="3212396"/>
+          </a:xfrm>
+          <a:prstGeom prst="rect">
+            <a:avLst/>
+          </a:prstGeom>
+        </p:spPr>
+      </p:pic>
+      <p:sp>
+        <p:nvSpPr>
+          <p:cNvPr id="3" name="Date Placeholder 2">
+            <a:extLst>
+              <a:ext uri="{FF2B5EF4-FFF2-40B4-BE49-F238E27FC236}">
+                <a16:creationId xmlns:a16="http://schemas.microsoft.com/office/drawing/2014/main" id="{9CE6D34A-9686-45B2-97D0-AD20167B2D54}"/>
+              </a:ext>
+            </a:extLst>
+          </p:cNvPr>
+          <p:cNvSpPr>
+            <a:spLocks noGrp="1"/>
+          </p:cNvSpPr>
+          <p:nvPr>
+            <p:ph type="dt" sz="half" idx="10"/>
+          </p:nvPr>
+        </p:nvSpPr>
+        <p:spPr>
+          <a:xfrm>
+            <a:off x="7013448" y="6355080"/>
+            <a:ext cx="4352544" cy="365125"/>
+          </a:xfrm>
+        </p:spPr>
+        <p:txBody>
+          <a:bodyPr vert="horz" lIns="91440" tIns="45720" rIns="91440" bIns="45720" rtlCol="0" anchor="ctr">
+            <a:normAutofit/>
+          </a:bodyPr>
+          <a:lstStyle/>
+          <a:p>
+            <a:pPr lvl="0">
+              <a:spcAft>
+                <a:spcPts val="600"/>
+              </a:spcAft>
+            </a:pPr>
+            <a:r>
+              <a:rPr lang="en-US" noProof="0" dirty="0"/>
+              <a:t>2022</a:t>
+            </a:r>
+          </a:p>
+        </p:txBody>
+      </p:sp>
+      <p:sp>
+        <p:nvSpPr>
+          <p:cNvPr id="4" name="Slide Number Placeholder 3">
+            <a:extLst>
+              <a:ext uri="{FF2B5EF4-FFF2-40B4-BE49-F238E27FC236}">
+                <a16:creationId xmlns:a16="http://schemas.microsoft.com/office/drawing/2014/main" id="{AC0EC6D8-4D66-4B16-AD3F-2850D613518A}"/>
+              </a:ext>
+            </a:extLst>
+          </p:cNvPr>
+          <p:cNvSpPr>
+            <a:spLocks noGrp="1"/>
+          </p:cNvSpPr>
+          <p:nvPr>
+            <p:ph type="sldNum" sz="quarter" idx="12"/>
+          </p:nvPr>
+        </p:nvSpPr>
+        <p:spPr>
+          <a:xfrm>
+            <a:off x="11365992" y="6356350"/>
+            <a:ext cx="630936" cy="365125"/>
+          </a:xfrm>
+        </p:spPr>
+        <p:txBody>
+          <a:bodyPr vert="horz" lIns="91440" tIns="45720" rIns="91440" bIns="45720" rtlCol="0" anchor="ctr">
+            <a:normAutofit/>
+          </a:bodyPr>
+          <a:lstStyle/>
+          <a:p>
+            <a:pPr lvl="0">
+              <a:spcAft>
+                <a:spcPts val="600"/>
+              </a:spcAft>
+            </a:pPr>
+            <a:fld id="{06B786C7-B8F9-4072-AAAA-17258464D730}" type="slidenum">
+              <a:rPr lang="en-US" noProof="0" smtClean="0"/>
+              <a:pPr lvl="0">
+                <a:spcAft>
+                  <a:spcPts val="600"/>
+                </a:spcAft>
+              </a:pPr>
+              <a:t>10</a:t>
+            </a:fld>
+            <a:endParaRPr lang="en-US" noProof="0" dirty="0"/>
+          </a:p>
+        </p:txBody>
+      </p:sp>
+    </p:spTree>
+    <p:extLst>
+      <p:ext uri="{BB962C8B-B14F-4D97-AF65-F5344CB8AC3E}">
+        <p14:creationId xmlns:p14="http://schemas.microsoft.com/office/powerpoint/2010/main" val="3546298949"/>
+      </p:ext>
+    </p:extLst>
+  </p:cSld>
+  <p:clrMapOvr>
+    <a:masterClrMapping/>
+  </p:clrMapOvr>
+</p:sld>
+</file>
+
+<file path=ppt/slides/slide11.xml><?xml version="1.0" encoding="utf-8"?>
+<p:sld xmlns:a="http://schemas.openxmlformats.org/drawingml/2006/main" xmlns:r="http://schemas.openxmlformats.org/officeDocument/2006/relationships" xmlns:p="http://schemas.openxmlformats.org/presentationml/2006/main">
+  <p:cSld>
     <p:spTree>
       <p:nvGrpSpPr>
         <p:cNvPr id="1" name=""/>
@@ -20020,7 +21022,7 @@
             <a:fld id="{06B786C7-B8F9-4072-AAAA-17258464D730}" type="slidenum">
               <a:rPr lang="en-US" noProof="0" smtClean="0"/>
               <a:pPr lvl="0"/>
-              <a:t>10</a:t>
+              <a:t>11</a:t>
             </a:fld>
             <a:endParaRPr lang="en-US" noProof="0" dirty="0"/>
           </a:p>
@@ -20894,7 +21896,7 @@
 </p:sld>
 </file>
 
-<file path=ppt/slides/slide11.xml><?xml version="1.0" encoding="utf-8"?>
+<file path=ppt/slides/slide12.xml><?xml version="1.0" encoding="utf-8"?>
 <p:sld xmlns:a="http://schemas.openxmlformats.org/drawingml/2006/main" xmlns:r="http://schemas.openxmlformats.org/officeDocument/2006/relationships" xmlns:p="http://schemas.openxmlformats.org/presentationml/2006/main">
   <p:cSld>
     <p:spTree>
@@ -21265,7 +22267,7 @@
             <a:fld id="{06B786C7-B8F9-4072-AAAA-17258464D730}" type="slidenum">
               <a:rPr lang="en-US" noProof="0" smtClean="0"/>
               <a:pPr lvl="0"/>
-              <a:t>11</a:t>
+              <a:t>12</a:t>
             </a:fld>
             <a:endParaRPr lang="en-US" noProof="0" dirty="0"/>
           </a:p>
@@ -21284,7 +22286,7 @@
 </p:sld>
 </file>
 
-<file path=ppt/slides/slide12.xml><?xml version="1.0" encoding="utf-8"?>
+<file path=ppt/slides/slide13.xml><?xml version="1.0" encoding="utf-8"?>
 <p:sld xmlns:a="http://schemas.openxmlformats.org/drawingml/2006/main" xmlns:r="http://schemas.openxmlformats.org/officeDocument/2006/relationships" xmlns:p="http://schemas.openxmlformats.org/presentationml/2006/main">
   <p:cSld>
     <p:spTree>
@@ -21435,7 +22437,7 @@
             <a:fld id="{06B786C7-B8F9-4072-AAAA-17258464D730}" type="slidenum">
               <a:rPr lang="en-US" noProof="0" smtClean="0"/>
               <a:pPr lvl="0"/>
-              <a:t>12</a:t>
+              <a:t>13</a:t>
             </a:fld>
             <a:endParaRPr lang="en-US" noProof="0" dirty="0"/>
           </a:p>
@@ -21562,7 +22564,7 @@
 </p:sld>
 </file>
 
-<file path=ppt/slides/slide13.xml><?xml version="1.0" encoding="utf-8"?>
+<file path=ppt/slides/slide14.xml><?xml version="1.0" encoding="utf-8"?>
 <p:sld xmlns:a="http://schemas.openxmlformats.org/drawingml/2006/main" xmlns:r="http://schemas.openxmlformats.org/officeDocument/2006/relationships" xmlns:p="http://schemas.openxmlformats.org/presentationml/2006/main">
   <p:cSld>
     <p:spTree>
@@ -21713,7 +22715,7 @@
             <a:fld id="{06B786C7-B8F9-4072-AAAA-17258464D730}" type="slidenum">
               <a:rPr lang="en-US" noProof="0" smtClean="0"/>
               <a:pPr lvl="0"/>
-              <a:t>13</a:t>
+              <a:t>14</a:t>
             </a:fld>
             <a:endParaRPr lang="en-US" noProof="0" dirty="0"/>
           </a:p>
@@ -21792,7 +22794,7 @@
 </p:sld>
 </file>
 
-<file path=ppt/slides/slide14.xml><?xml version="1.0" encoding="utf-8"?>
+<file path=ppt/slides/slide15.xml><?xml version="1.0" encoding="utf-8"?>
 <p:sld xmlns:a="http://schemas.openxmlformats.org/drawingml/2006/main" xmlns:r="http://schemas.openxmlformats.org/officeDocument/2006/relationships" xmlns:p="http://schemas.openxmlformats.org/presentationml/2006/main">
   <p:cSld>
     <p:spTree>
@@ -21998,7 +23000,7 @@
             <a:fld id="{06B786C7-B8F9-4072-AAAA-17258464D730}" type="slidenum">
               <a:rPr lang="en-US" noProof="0" smtClean="0"/>
               <a:pPr lvl="0"/>
-              <a:t>14</a:t>
+              <a:t>15</a:t>
             </a:fld>
             <a:endParaRPr lang="en-US" noProof="0" dirty="0"/>
           </a:p>
@@ -22017,7 +23019,7 @@
 </p:sld>
 </file>
 
-<file path=ppt/slides/slide15.xml><?xml version="1.0" encoding="utf-8"?>
+<file path=ppt/slides/slide16.xml><?xml version="1.0" encoding="utf-8"?>
 <p:sld xmlns:a="http://schemas.openxmlformats.org/drawingml/2006/main" xmlns:r="http://schemas.openxmlformats.org/officeDocument/2006/relationships" xmlns:p="http://schemas.openxmlformats.org/presentationml/2006/main">
   <p:cSld>
     <p:spTree>
@@ -22422,7 +23424,7 @@
             <a:fld id="{06B786C7-B8F9-4072-AAAA-17258464D730}" type="slidenum">
               <a:rPr lang="en-US" noProof="0" smtClean="0"/>
               <a:pPr lvl="0"/>
-              <a:t>15</a:t>
+              <a:t>16</a:t>
             </a:fld>
             <a:endParaRPr lang="en-US" noProof="0" dirty="0"/>
           </a:p>
@@ -23059,7 +24061,7 @@
 </p:sld>
 </file>
 
-<file path=ppt/slides/slide16.xml><?xml version="1.0" encoding="utf-8"?>
+<file path=ppt/slides/slide17.xml><?xml version="1.0" encoding="utf-8"?>
 <p:sld xmlns:a="http://schemas.openxmlformats.org/drawingml/2006/main" xmlns:r="http://schemas.openxmlformats.org/officeDocument/2006/relationships" xmlns:p="http://schemas.openxmlformats.org/presentationml/2006/main">
   <p:cSld>
     <p:spTree>
@@ -23209,7 +24211,7 @@
             <a:fld id="{06B786C7-B8F9-4072-AAAA-17258464D730}" type="slidenum">
               <a:rPr lang="en-US" noProof="0" smtClean="0"/>
               <a:pPr lvl="0"/>
-              <a:t>16</a:t>
+              <a:t>17</a:t>
             </a:fld>
             <a:endParaRPr lang="en-US" noProof="0" dirty="0"/>
           </a:p>
@@ -23497,7 +24499,7 @@
 </p:sld>
 </file>
 
-<file path=ppt/slides/slide17.xml><?xml version="1.0" encoding="utf-8"?>
+<file path=ppt/slides/slide18.xml><?xml version="1.0" encoding="utf-8"?>
 <p:sld xmlns:a="http://schemas.openxmlformats.org/drawingml/2006/main" xmlns:r="http://schemas.openxmlformats.org/officeDocument/2006/relationships" xmlns:p="http://schemas.openxmlformats.org/presentationml/2006/main">
   <p:cSld>
     <p:spTree>
@@ -24206,7 +25208,7 @@
             <a:fld id="{06B786C7-B8F9-4072-AAAA-17258464D730}" type="slidenum">
               <a:rPr lang="en-US" noProof="0" smtClean="0"/>
               <a:pPr lvl="0"/>
-              <a:t>17</a:t>
+              <a:t>18</a:t>
             </a:fld>
             <a:endParaRPr lang="en-US" noProof="0" dirty="0"/>
           </a:p>
@@ -24274,7 +25276,7 @@
 </p:sld>
 </file>
 
-<file path=ppt/slides/slide18.xml><?xml version="1.0" encoding="utf-8"?>
+<file path=ppt/slides/slide19.xml><?xml version="1.0" encoding="utf-8"?>
 <p:sld xmlns:a="http://schemas.openxmlformats.org/drawingml/2006/main" xmlns:r="http://schemas.openxmlformats.org/officeDocument/2006/relationships" xmlns:p="http://schemas.openxmlformats.org/presentationml/2006/main">
   <p:cSld>
     <p:spTree>
@@ -25263,7 +26265,7 @@
             <a:fld id="{06B786C7-B8F9-4072-AAAA-17258464D730}" type="slidenum">
               <a:rPr lang="en-US" noProof="0" smtClean="0"/>
               <a:pPr lvl="0"/>
-              <a:t>18</a:t>
+              <a:t>19</a:t>
             </a:fld>
             <a:endParaRPr lang="en-US" noProof="0" dirty="0"/>
           </a:p>
@@ -25334,7 +26336,438 @@
 </p:sld>
 </file>
 
-<file path=ppt/slides/slide19.xml><?xml version="1.0" encoding="utf-8"?>
+<file path=ppt/slides/slide2.xml><?xml version="1.0" encoding="utf-8"?>
+<p:sld xmlns:a="http://schemas.openxmlformats.org/drawingml/2006/main" xmlns:r="http://schemas.openxmlformats.org/officeDocument/2006/relationships" xmlns:p="http://schemas.openxmlformats.org/presentationml/2006/main">
+  <p:cSld>
+    <p:bg>
+      <p:bgPr>
+        <a:solidFill>
+          <a:schemeClr val="bg1"/>
+        </a:solidFill>
+        <a:effectLst/>
+      </p:bgPr>
+    </p:bg>
+    <p:spTree>
+      <p:nvGrpSpPr>
+        <p:cNvPr id="1" name=""/>
+        <p:cNvGrpSpPr/>
+        <p:nvPr/>
+      </p:nvGrpSpPr>
+      <p:grpSpPr>
+        <a:xfrm>
+          <a:off x="0" y="0"/>
+          <a:ext cx="0" cy="0"/>
+          <a:chOff x="0" y="0"/>
+          <a:chExt cx="0" cy="0"/>
+        </a:xfrm>
+      </p:grpSpPr>
+      <p:sp useBgFill="1">
+        <p:nvSpPr>
+          <p:cNvPr id="26" name="Rectangle 25">
+            <a:extLst>
+              <a:ext uri="{FF2B5EF4-FFF2-40B4-BE49-F238E27FC236}">
+                <a16:creationId xmlns:a16="http://schemas.microsoft.com/office/drawing/2014/main" id="{36B9F8E7-EAA1-4B1C-BC13-EEB5C78CFCAF}"/>
+              </a:ext>
+              <a:ext uri="{C183D7F6-B498-43B3-948B-1728B52AA6E4}">
+                <adec:decorative xmlns:adec="http://schemas.microsoft.com/office/drawing/2017/decorative" val="1"/>
+              </a:ext>
+            </a:extLst>
+          </p:cNvPr>
+          <p:cNvSpPr>
+            <a:spLocks noGrp="1" noRot="1" noChangeAspect="1" noMove="1" noResize="1" noEditPoints="1" noAdjustHandles="1" noChangeArrowheads="1" noChangeShapeType="1" noTextEdit="1"/>
+          </p:cNvSpPr>
+          <p:nvPr>
+            <p:extLst>
+              <p:ext uri="{386F3935-93C4-4BCD-93E2-E3B085C9AB24}">
+                <p16:designElem xmlns:p16="http://schemas.microsoft.com/office/powerpoint/2015/main" val="1"/>
+              </p:ext>
+            </p:extLst>
+          </p:nvPr>
+        </p:nvSpPr>
+        <p:spPr>
+          <a:xfrm>
+            <a:off x="0" y="0"/>
+            <a:ext cx="12192000" cy="6858000"/>
+          </a:xfrm>
+          <a:prstGeom prst="rect">
+            <a:avLst/>
+          </a:prstGeom>
+          <a:ln w="12700" cap="flat" cmpd="sng" algn="ctr">
+            <a:noFill/>
+            <a:prstDash val="solid"/>
+            <a:miter lim="800000"/>
+          </a:ln>
+          <a:effectLst/>
+          <a:extLst>
+            <a:ext uri="{91240B29-F687-4F45-9708-019B960494DF}">
+              <a14:hiddenLine xmlns:a14="http://schemas.microsoft.com/office/drawing/2010/main" w="12700" cap="flat" cmpd="sng" algn="ctr">
+                <a:solidFill>
+                  <a:schemeClr val="accent1">
+                    <a:shade val="50000"/>
+                  </a:schemeClr>
+                </a:solidFill>
+                <a:prstDash val="solid"/>
+                <a:miter lim="800000"/>
+              </a14:hiddenLine>
+            </a:ext>
+          </a:extLst>
+        </p:spPr>
+        <p:style>
+          <a:lnRef idx="2">
+            <a:schemeClr val="accent1">
+              <a:shade val="50000"/>
+            </a:schemeClr>
+          </a:lnRef>
+          <a:fillRef idx="1">
+            <a:schemeClr val="accent1"/>
+          </a:fillRef>
+          <a:effectRef idx="0">
+            <a:schemeClr val="accent1"/>
+          </a:effectRef>
+          <a:fontRef idx="minor">
+            <a:schemeClr val="lt1"/>
+          </a:fontRef>
+        </p:style>
+        <p:txBody>
+          <a:bodyPr rtlCol="0" anchor="ctr"/>
+          <a:lstStyle/>
+          <a:p>
+            <a:pPr algn="ctr"/>
+            <a:endParaRPr lang="en-US"/>
+          </a:p>
+        </p:txBody>
+      </p:sp>
+      <p:sp>
+        <p:nvSpPr>
+          <p:cNvPr id="28" name="Rectangle 27">
+            <a:extLst>
+              <a:ext uri="{FF2B5EF4-FFF2-40B4-BE49-F238E27FC236}">
+                <a16:creationId xmlns:a16="http://schemas.microsoft.com/office/drawing/2014/main" id="{18A7734B-518B-46E3-AF41-1134F2FF7BA1}"/>
+              </a:ext>
+              <a:ext uri="{C183D7F6-B498-43B3-948B-1728B52AA6E4}">
+                <adec:decorative xmlns:adec="http://schemas.microsoft.com/office/drawing/2017/decorative" val="1"/>
+              </a:ext>
+            </a:extLst>
+          </p:cNvPr>
+          <p:cNvSpPr>
+            <a:spLocks noGrp="1" noRot="1" noChangeAspect="1" noMove="1" noResize="1" noEditPoints="1" noAdjustHandles="1" noChangeArrowheads="1" noChangeShapeType="1" noTextEdit="1"/>
+          </p:cNvSpPr>
+          <p:nvPr>
+            <p:extLst>
+              <p:ext uri="{386F3935-93C4-4BCD-93E2-E3B085C9AB24}">
+                <p16:designElem xmlns:p16="http://schemas.microsoft.com/office/powerpoint/2015/main" val="1"/>
+              </p:ext>
+            </p:extLst>
+          </p:nvPr>
+        </p:nvSpPr>
+        <p:spPr>
+          <a:xfrm>
+            <a:off x="0" y="0"/>
+            <a:ext cx="12192000" cy="2286000"/>
+          </a:xfrm>
+          <a:prstGeom prst="rect">
+            <a:avLst/>
+          </a:prstGeom>
+          <a:ln>
+            <a:noFill/>
+          </a:ln>
+        </p:spPr>
+        <p:style>
+          <a:lnRef idx="2">
+            <a:schemeClr val="accent1">
+              <a:shade val="50000"/>
+            </a:schemeClr>
+          </a:lnRef>
+          <a:fillRef idx="1">
+            <a:schemeClr val="accent1"/>
+          </a:fillRef>
+          <a:effectRef idx="0">
+            <a:schemeClr val="accent1"/>
+          </a:effectRef>
+          <a:fontRef idx="minor">
+            <a:schemeClr val="lt1"/>
+          </a:fontRef>
+        </p:style>
+        <p:txBody>
+          <a:bodyPr rtlCol="0" anchor="ctr"/>
+          <a:lstStyle/>
+          <a:p>
+            <a:pPr algn="ctr"/>
+            <a:endParaRPr lang="en-US"/>
+          </a:p>
+        </p:txBody>
+      </p:sp>
+      <p:sp>
+        <p:nvSpPr>
+          <p:cNvPr id="15" name="Title 14">
+            <a:extLst>
+              <a:ext uri="{FF2B5EF4-FFF2-40B4-BE49-F238E27FC236}">
+                <a16:creationId xmlns:a16="http://schemas.microsoft.com/office/drawing/2014/main" id="{8DED76B9-5273-4139-ACC9-B6E36ADE2385}"/>
+              </a:ext>
+            </a:extLst>
+          </p:cNvPr>
+          <p:cNvSpPr>
+            <a:spLocks noGrp="1"/>
+          </p:cNvSpPr>
+          <p:nvPr>
+            <p:ph type="title"/>
+          </p:nvPr>
+        </p:nvSpPr>
+        <p:spPr>
+          <a:xfrm>
+            <a:off x="305473" y="193589"/>
+            <a:ext cx="11496269" cy="1919606"/>
+          </a:xfrm>
+        </p:spPr>
+        <p:txBody>
+          <a:bodyPr vert="horz" lIns="91440" tIns="45720" rIns="91440" bIns="45720" rtlCol="0" anchor="t">
+            <a:normAutofit/>
+          </a:bodyPr>
+          <a:lstStyle/>
+          <a:p>
+            <a:r>
+              <a:rPr lang="en-US" spc="-40" dirty="0">
+                <a:solidFill>
+                  <a:srgbClr val="FFFFFF"/>
+                </a:solidFill>
+                <a:latin typeface="Arial" panose="020B0604020202020204" pitchFamily="34" charset="0"/>
+                <a:cs typeface="Arial" panose="020B0604020202020204" pitchFamily="34" charset="0"/>
+              </a:rPr>
+              <a:t>Who are we?</a:t>
+            </a:r>
+            <a:br>
+              <a:rPr lang="en-US" sz="5400" spc="-40" dirty="0">
+                <a:solidFill>
+                  <a:srgbClr val="FFFFFF"/>
+                </a:solidFill>
+                <a:latin typeface="Arial" panose="020B0604020202020204" pitchFamily="34" charset="0"/>
+                <a:cs typeface="Arial" panose="020B0604020202020204" pitchFamily="34" charset="0"/>
+              </a:rPr>
+            </a:br>
+            <a:r>
+              <a:rPr lang="en-US" sz="5400" spc="-40" dirty="0">
+                <a:solidFill>
+                  <a:srgbClr val="FFFFFF"/>
+                </a:solidFill>
+                <a:latin typeface="Arial" panose="020B0604020202020204" pitchFamily="34" charset="0"/>
+                <a:cs typeface="Arial" panose="020B0604020202020204" pitchFamily="34" charset="0"/>
+              </a:rPr>
+              <a:t>					</a:t>
+            </a:r>
+            <a:r>
+              <a:rPr lang="en-US" sz="6700" spc="-40" dirty="0">
+                <a:solidFill>
+                  <a:srgbClr val="FFFFFF"/>
+                </a:solidFill>
+                <a:latin typeface="Arial" panose="020B0604020202020204" pitchFamily="34" charset="0"/>
+                <a:cs typeface="Arial" panose="020B0604020202020204" pitchFamily="34" charset="0"/>
+              </a:rPr>
+              <a:t>Joe’s Games</a:t>
+            </a:r>
+            <a:endParaRPr lang="en-US" sz="5400" spc="-40" dirty="0">
+              <a:solidFill>
+                <a:srgbClr val="FFFFFF"/>
+              </a:solidFill>
+              <a:latin typeface="Arial" panose="020B0604020202020204" pitchFamily="34" charset="0"/>
+              <a:cs typeface="Arial" panose="020B0604020202020204" pitchFamily="34" charset="0"/>
+            </a:endParaRPr>
+          </a:p>
+        </p:txBody>
+      </p:sp>
+      <p:pic>
+        <p:nvPicPr>
+          <p:cNvPr id="3" name="Picture 2">
+            <a:extLst>
+              <a:ext uri="{FF2B5EF4-FFF2-40B4-BE49-F238E27FC236}">
+                <a16:creationId xmlns:a16="http://schemas.microsoft.com/office/drawing/2014/main" id="{10B72CAF-C024-4F09-BEEE-0AE8939558CA}"/>
+              </a:ext>
+            </a:extLst>
+          </p:cNvPr>
+          <p:cNvPicPr>
+            <a:picLocks noChangeAspect="1"/>
+          </p:cNvPicPr>
+          <p:nvPr/>
+        </p:nvPicPr>
+        <p:blipFill rotWithShape="1">
+          <a:blip r:embed="rId3"/>
+          <a:srcRect l="5370"/>
+          <a:stretch/>
+        </p:blipFill>
+        <p:spPr>
+          <a:xfrm>
+            <a:off x="1" y="2286000"/>
+            <a:ext cx="5067300" cy="4572000"/>
+          </a:xfrm>
+          <a:prstGeom prst="rect">
+            <a:avLst/>
+          </a:prstGeom>
+        </p:spPr>
+      </p:pic>
+      <p:sp>
+        <p:nvSpPr>
+          <p:cNvPr id="18" name="Text Placeholder 17">
+            <a:extLst>
+              <a:ext uri="{FF2B5EF4-FFF2-40B4-BE49-F238E27FC236}">
+                <a16:creationId xmlns:a16="http://schemas.microsoft.com/office/drawing/2014/main" id="{87F2C169-25EA-4609-BC8A-BCA7C433EEE4}"/>
+              </a:ext>
+            </a:extLst>
+          </p:cNvPr>
+          <p:cNvSpPr>
+            <a:spLocks noGrp="1"/>
+          </p:cNvSpPr>
+          <p:nvPr>
+            <p:ph type="body" sz="quarter" idx="15"/>
+          </p:nvPr>
+        </p:nvSpPr>
+        <p:spPr>
+          <a:xfrm>
+            <a:off x="5824594" y="2681488"/>
+            <a:ext cx="5610113" cy="3535797"/>
+          </a:xfrm>
+        </p:spPr>
+        <p:txBody>
+          <a:bodyPr vert="horz" lIns="91440" tIns="45720" rIns="91440" bIns="45720" rtlCol="0">
+            <a:normAutofit/>
+          </a:bodyPr>
+          <a:lstStyle/>
+          <a:p>
+            <a:pPr marL="0" indent="-228600"/>
+            <a:r>
+              <a:rPr lang="en-US" dirty="0"/>
+              <a:t>Limited company founded by Joe Mason</a:t>
+            </a:r>
+          </a:p>
+          <a:p>
+            <a:pPr marL="0" indent="-228600"/>
+            <a:r>
+              <a:rPr lang="en-US" dirty="0"/>
+              <a:t>Indie game studio producing games for mobile devices</a:t>
+            </a:r>
+          </a:p>
+          <a:p>
+            <a:pPr marL="0" indent="-228600"/>
+            <a:r>
+              <a:rPr lang="en-US" dirty="0"/>
+              <a:t>Owner &amp; 1 employee, outsourcing for additional development</a:t>
+            </a:r>
+          </a:p>
+          <a:p>
+            <a:pPr marL="0" indent="-228600"/>
+            <a:r>
+              <a:rPr lang="en-US" dirty="0"/>
+              <a:t>Based in Cheltenham, Gloucestershire</a:t>
+            </a:r>
+          </a:p>
+          <a:p>
+            <a:pPr marL="0" indent="-228600"/>
+            <a:r>
+              <a:rPr lang="en-US" dirty="0"/>
+              <a:t>Content available worldwide on a range of mobile devices</a:t>
+            </a:r>
+          </a:p>
+        </p:txBody>
+      </p:sp>
+      <p:sp>
+        <p:nvSpPr>
+          <p:cNvPr id="19" name="Date Placeholder 18">
+            <a:extLst>
+              <a:ext uri="{FF2B5EF4-FFF2-40B4-BE49-F238E27FC236}">
+                <a16:creationId xmlns:a16="http://schemas.microsoft.com/office/drawing/2014/main" id="{CE93697D-BFA2-4D84-A860-BA620414419D}"/>
+              </a:ext>
+            </a:extLst>
+          </p:cNvPr>
+          <p:cNvSpPr>
+            <a:spLocks noGrp="1"/>
+          </p:cNvSpPr>
+          <p:nvPr>
+            <p:ph type="dt" sz="half" idx="10"/>
+          </p:nvPr>
+        </p:nvSpPr>
+        <p:spPr>
+          <a:xfrm>
+            <a:off x="7013448" y="6355080"/>
+            <a:ext cx="4352544" cy="365125"/>
+          </a:xfrm>
+        </p:spPr>
+        <p:txBody>
+          <a:bodyPr vert="horz" lIns="91440" tIns="45720" rIns="91440" bIns="45720" rtlCol="0" anchor="ctr">
+            <a:normAutofit/>
+          </a:bodyPr>
+          <a:lstStyle/>
+          <a:p>
+            <a:pPr lvl="0">
+              <a:spcAft>
+                <a:spcPts val="600"/>
+              </a:spcAft>
+            </a:pPr>
+            <a:r>
+              <a:rPr lang="en-US" noProof="0" dirty="0"/>
+              <a:t>2022</a:t>
+            </a:r>
+            <a:endParaRPr lang="en-US" noProof="0"/>
+          </a:p>
+        </p:txBody>
+      </p:sp>
+      <p:sp>
+        <p:nvSpPr>
+          <p:cNvPr id="21" name="Slide Number Placeholder 20">
+            <a:extLst>
+              <a:ext uri="{FF2B5EF4-FFF2-40B4-BE49-F238E27FC236}">
+                <a16:creationId xmlns:a16="http://schemas.microsoft.com/office/drawing/2014/main" id="{C19BFBA5-3E41-40F8-9EFB-9DF730F5B6E4}"/>
+              </a:ext>
+            </a:extLst>
+          </p:cNvPr>
+          <p:cNvSpPr>
+            <a:spLocks noGrp="1"/>
+          </p:cNvSpPr>
+          <p:nvPr>
+            <p:ph type="sldNum" sz="quarter" idx="12"/>
+          </p:nvPr>
+        </p:nvSpPr>
+        <p:spPr>
+          <a:xfrm>
+            <a:off x="11365992" y="6356350"/>
+            <a:ext cx="630936" cy="365125"/>
+          </a:xfrm>
+        </p:spPr>
+        <p:txBody>
+          <a:bodyPr vert="horz" lIns="91440" tIns="45720" rIns="91440" bIns="45720" rtlCol="0" anchor="ctr">
+            <a:normAutofit/>
+          </a:bodyPr>
+          <a:lstStyle/>
+          <a:p>
+            <a:pPr lvl="0">
+              <a:spcAft>
+                <a:spcPts val="600"/>
+              </a:spcAft>
+            </a:pPr>
+            <a:fld id="{244D815C-8BF3-4ECF-A945-A2A7C2983AF9}" type="slidenum">
+              <a:rPr lang="en-US" noProof="0" smtClean="0"/>
+              <a:pPr lvl="0">
+                <a:spcAft>
+                  <a:spcPts val="600"/>
+                </a:spcAft>
+              </a:pPr>
+              <a:t>2</a:t>
+            </a:fld>
+            <a:endParaRPr lang="en-US" noProof="0"/>
+          </a:p>
+        </p:txBody>
+      </p:sp>
+    </p:spTree>
+    <p:extLst>
+      <p:ext uri="{BB962C8B-B14F-4D97-AF65-F5344CB8AC3E}">
+        <p14:creationId xmlns:p14="http://schemas.microsoft.com/office/powerpoint/2010/main" val="2106347884"/>
+      </p:ext>
+    </p:extLst>
+  </p:cSld>
+  <p:clrMapOvr>
+    <a:masterClrMapping/>
+  </p:clrMapOvr>
+</p:sld>
+</file>
+
+<file path=ppt/slides/slide20.xml><?xml version="1.0" encoding="utf-8"?>
 <p:sld xmlns:a="http://schemas.openxmlformats.org/drawingml/2006/main" xmlns:r="http://schemas.openxmlformats.org/officeDocument/2006/relationships" xmlns:p="http://schemas.openxmlformats.org/presentationml/2006/main">
   <p:cSld>
     <p:spTree>
@@ -25519,7 +26952,7 @@
             <a:fld id="{06B786C7-B8F9-4072-AAAA-17258464D730}" type="slidenum">
               <a:rPr lang="en-US" noProof="0" smtClean="0"/>
               <a:pPr lvl="0"/>
-              <a:t>19</a:t>
+              <a:t>20</a:t>
             </a:fld>
             <a:endParaRPr lang="en-US" noProof="0" dirty="0"/>
           </a:p>
@@ -25573,7 +27006,546 @@
 </p:sld>
 </file>
 
-<file path=ppt/slides/slide2.xml><?xml version="1.0" encoding="utf-8"?>
+<file path=ppt/slides/slide21.xml><?xml version="1.0" encoding="utf-8"?>
+<p:sld xmlns:a="http://schemas.openxmlformats.org/drawingml/2006/main" xmlns:r="http://schemas.openxmlformats.org/officeDocument/2006/relationships" xmlns:p="http://schemas.openxmlformats.org/presentationml/2006/main">
+  <p:cSld>
+    <p:spTree>
+      <p:nvGrpSpPr>
+        <p:cNvPr id="1" name=""/>
+        <p:cNvGrpSpPr/>
+        <p:nvPr/>
+      </p:nvGrpSpPr>
+      <p:grpSpPr>
+        <a:xfrm>
+          <a:off x="0" y="0"/>
+          <a:ext cx="0" cy="0"/>
+          <a:chOff x="0" y="0"/>
+          <a:chExt cx="0" cy="0"/>
+        </a:xfrm>
+      </p:grpSpPr>
+      <p:sp>
+        <p:nvSpPr>
+          <p:cNvPr id="9" name="Title 8">
+            <a:extLst>
+              <a:ext uri="{FF2B5EF4-FFF2-40B4-BE49-F238E27FC236}">
+                <a16:creationId xmlns:a16="http://schemas.microsoft.com/office/drawing/2014/main" id="{9A92E93D-8BFB-4A21-A47E-78B6DCA21146}"/>
+              </a:ext>
+            </a:extLst>
+          </p:cNvPr>
+          <p:cNvSpPr>
+            <a:spLocks noGrp="1"/>
+          </p:cNvSpPr>
+          <p:nvPr>
+            <p:ph type="title"/>
+          </p:nvPr>
+        </p:nvSpPr>
+        <p:spPr>
+          <a:xfrm>
+            <a:off x="647698" y="484494"/>
+            <a:ext cx="5800867" cy="1569493"/>
+          </a:xfrm>
+        </p:spPr>
+        <p:txBody>
+          <a:bodyPr/>
+          <a:lstStyle/>
+          <a:p>
+            <a:r>
+              <a:rPr lang="en-US" dirty="0"/>
+              <a:t>Summary</a:t>
+            </a:r>
+          </a:p>
+        </p:txBody>
+      </p:sp>
+      <p:sp>
+        <p:nvSpPr>
+          <p:cNvPr id="10" name="Content Placeholder 9">
+            <a:extLst>
+              <a:ext uri="{FF2B5EF4-FFF2-40B4-BE49-F238E27FC236}">
+                <a16:creationId xmlns:a16="http://schemas.microsoft.com/office/drawing/2014/main" id="{C69C1BDB-253B-4642-94A7-F84048E562F7}"/>
+              </a:ext>
+            </a:extLst>
+          </p:cNvPr>
+          <p:cNvSpPr>
+            <a:spLocks noGrp="1"/>
+          </p:cNvSpPr>
+          <p:nvPr>
+            <p:ph idx="1"/>
+          </p:nvPr>
+        </p:nvSpPr>
+        <p:spPr>
+          <a:xfrm>
+            <a:off x="647702" y="2156346"/>
+            <a:ext cx="5800866" cy="3963937"/>
+          </a:xfrm>
+        </p:spPr>
+        <p:txBody>
+          <a:bodyPr/>
+          <a:lstStyle/>
+          <a:p>
+            <a:r>
+              <a:rPr lang="en-US" dirty="0"/>
+              <a:t>How much I need, time scale for development, expected revenue costs profit, how long the loaned money + 20% will take to repay</a:t>
+            </a:r>
+          </a:p>
+        </p:txBody>
+      </p:sp>
+      <p:sp>
+        <p:nvSpPr>
+          <p:cNvPr id="16" name="Footer Placeholder 15">
+            <a:extLst>
+              <a:ext uri="{FF2B5EF4-FFF2-40B4-BE49-F238E27FC236}">
+                <a16:creationId xmlns:a16="http://schemas.microsoft.com/office/drawing/2014/main" id="{C394FA6A-80EA-46C1-8A4C-B4D8E90A7BCE}"/>
+              </a:ext>
+            </a:extLst>
+          </p:cNvPr>
+          <p:cNvSpPr>
+            <a:spLocks noGrp="1"/>
+          </p:cNvSpPr>
+          <p:nvPr>
+            <p:ph type="ftr" sz="quarter" idx="11"/>
+          </p:nvPr>
+        </p:nvSpPr>
+        <p:spPr>
+          <a:xfrm>
+            <a:off x="199277" y="6356350"/>
+            <a:ext cx="3877423" cy="365125"/>
+          </a:xfrm>
+        </p:spPr>
+        <p:txBody>
+          <a:bodyPr/>
+          <a:lstStyle/>
+          <a:p>
+            <a:pPr lvl="0"/>
+            <a:r>
+              <a:rPr lang="en-US" noProof="0" dirty="0"/>
+              <a:t>OutDig</a:t>
+            </a:r>
+          </a:p>
+        </p:txBody>
+      </p:sp>
+      <p:pic>
+        <p:nvPicPr>
+          <p:cNvPr id="23" name="Picture Placeholder 22" descr="A picture containing mountain, outdoor, sky, rock, tent">
+            <a:extLst>
+              <a:ext uri="{FF2B5EF4-FFF2-40B4-BE49-F238E27FC236}">
+                <a16:creationId xmlns:a16="http://schemas.microsoft.com/office/drawing/2014/main" id="{37330047-BDCE-48AE-A7A5-A6A79A7D2923}"/>
+              </a:ext>
+            </a:extLst>
+          </p:cNvPr>
+          <p:cNvPicPr>
+            <a:picLocks noGrp="1" noChangeAspect="1"/>
+          </p:cNvPicPr>
+          <p:nvPr>
+            <p:ph type="pic" sz="quarter" idx="13"/>
+          </p:nvPr>
+        </p:nvPicPr>
+        <p:blipFill rotWithShape="1">
+          <a:blip r:embed="rId2" cstate="screen">
+            <a:extLst>
+              <a:ext uri="{28A0092B-C50C-407E-A947-70E740481C1C}">
+                <a14:useLocalDpi xmlns:a14="http://schemas.microsoft.com/office/drawing/2010/main" val="0"/>
+              </a:ext>
+            </a:extLst>
+          </a:blip>
+          <a:srcRect/>
+          <a:stretch/>
+        </p:blipFill>
+        <p:spPr>
+          <a:xfrm>
+            <a:off x="6700838" y="665163"/>
+            <a:ext cx="2214562" cy="2513012"/>
+          </a:xfrm>
+        </p:spPr>
+      </p:pic>
+      <p:pic>
+        <p:nvPicPr>
+          <p:cNvPr id="53" name="Picture Placeholder 52" descr="A picture containing mountain, sky, snow, outdoor">
+            <a:extLst>
+              <a:ext uri="{FF2B5EF4-FFF2-40B4-BE49-F238E27FC236}">
+                <a16:creationId xmlns:a16="http://schemas.microsoft.com/office/drawing/2014/main" id="{9AFE6654-29BC-4F7D-9F69-C78DCCF2A7AC}"/>
+              </a:ext>
+            </a:extLst>
+          </p:cNvPr>
+          <p:cNvPicPr>
+            <a:picLocks noGrp="1" noChangeAspect="1"/>
+          </p:cNvPicPr>
+          <p:nvPr>
+            <p:ph type="pic" sz="quarter" idx="14"/>
+          </p:nvPr>
+        </p:nvPicPr>
+        <p:blipFill rotWithShape="1">
+          <a:blip r:embed="rId3" cstate="screen">
+            <a:extLst>
+              <a:ext uri="{28A0092B-C50C-407E-A947-70E740481C1C}">
+                <a14:useLocalDpi xmlns:a14="http://schemas.microsoft.com/office/drawing/2010/main" val="0"/>
+              </a:ext>
+            </a:extLst>
+          </a:blip>
+          <a:srcRect/>
+          <a:stretch/>
+        </p:blipFill>
+        <p:spPr>
+          <a:xfrm>
+            <a:off x="9329737" y="665579"/>
+            <a:ext cx="2214562" cy="2513012"/>
+          </a:xfrm>
+        </p:spPr>
+      </p:pic>
+      <p:pic>
+        <p:nvPicPr>
+          <p:cNvPr id="19" name="Picture Placeholder 18" descr="A picture containing outdoor, mountain, sky, nature">
+            <a:extLst>
+              <a:ext uri="{FF2B5EF4-FFF2-40B4-BE49-F238E27FC236}">
+                <a16:creationId xmlns:a16="http://schemas.microsoft.com/office/drawing/2014/main" id="{AA7C515C-968D-4E0E-AE9F-2B4791B73F84}"/>
+              </a:ext>
+            </a:extLst>
+          </p:cNvPr>
+          <p:cNvPicPr>
+            <a:picLocks noGrp="1" noChangeAspect="1"/>
+          </p:cNvPicPr>
+          <p:nvPr>
+            <p:ph type="pic" sz="quarter" idx="15"/>
+          </p:nvPr>
+        </p:nvPicPr>
+        <p:blipFill rotWithShape="1">
+          <a:blip r:embed="rId4" cstate="screen">
+            <a:extLst>
+              <a:ext uri="{28A0092B-C50C-407E-A947-70E740481C1C}">
+                <a14:useLocalDpi xmlns:a14="http://schemas.microsoft.com/office/drawing/2010/main" val="0"/>
+              </a:ext>
+            </a:extLst>
+          </a:blip>
+          <a:srcRect/>
+          <a:stretch/>
+        </p:blipFill>
+        <p:spPr>
+          <a:xfrm>
+            <a:off x="6700854" y="3607271"/>
+            <a:ext cx="2214562" cy="2513012"/>
+          </a:xfrm>
+        </p:spPr>
+      </p:pic>
+      <p:pic>
+        <p:nvPicPr>
+          <p:cNvPr id="25" name="Picture Placeholder 24" descr="A picture containing nature, outdoor, mountain, night sky">
+            <a:extLst>
+              <a:ext uri="{FF2B5EF4-FFF2-40B4-BE49-F238E27FC236}">
+                <a16:creationId xmlns:a16="http://schemas.microsoft.com/office/drawing/2014/main" id="{74AF03B6-7ED2-47DC-A5B8-3F7DB422CEA5}"/>
+              </a:ext>
+            </a:extLst>
+          </p:cNvPr>
+          <p:cNvPicPr>
+            <a:picLocks noGrp="1" noChangeAspect="1"/>
+          </p:cNvPicPr>
+          <p:nvPr>
+            <p:ph type="pic" sz="quarter" idx="16"/>
+          </p:nvPr>
+        </p:nvPicPr>
+        <p:blipFill rotWithShape="1">
+          <a:blip r:embed="rId5" cstate="screen">
+            <a:extLst>
+              <a:ext uri="{28A0092B-C50C-407E-A947-70E740481C1C}">
+                <a14:useLocalDpi xmlns:a14="http://schemas.microsoft.com/office/drawing/2010/main" val="0"/>
+              </a:ext>
+            </a:extLst>
+          </a:blip>
+          <a:srcRect/>
+          <a:stretch/>
+        </p:blipFill>
+        <p:spPr>
+          <a:xfrm>
+            <a:off x="9324845" y="3607271"/>
+            <a:ext cx="2214562" cy="2513012"/>
+          </a:xfrm>
+        </p:spPr>
+      </p:pic>
+      <p:sp>
+        <p:nvSpPr>
+          <p:cNvPr id="15" name="Date Placeholder 14">
+            <a:extLst>
+              <a:ext uri="{FF2B5EF4-FFF2-40B4-BE49-F238E27FC236}">
+                <a16:creationId xmlns:a16="http://schemas.microsoft.com/office/drawing/2014/main" id="{1AEB8108-A042-4614-9BE5-EA75E8653D79}"/>
+              </a:ext>
+            </a:extLst>
+          </p:cNvPr>
+          <p:cNvSpPr>
+            <a:spLocks noGrp="1"/>
+          </p:cNvSpPr>
+          <p:nvPr>
+            <p:ph type="dt" sz="half" idx="10"/>
+          </p:nvPr>
+        </p:nvSpPr>
+        <p:spPr>
+          <a:xfrm>
+            <a:off x="7013448" y="6355080"/>
+            <a:ext cx="4352544" cy="365125"/>
+          </a:xfrm>
+        </p:spPr>
+        <p:txBody>
+          <a:bodyPr/>
+          <a:lstStyle/>
+          <a:p>
+            <a:pPr lvl="0"/>
+            <a:r>
+              <a:rPr lang="en-US" noProof="0" dirty="0"/>
+              <a:t>2022</a:t>
+            </a:r>
+          </a:p>
+        </p:txBody>
+      </p:sp>
+      <p:sp>
+        <p:nvSpPr>
+          <p:cNvPr id="17" name="Slide Number Placeholder 16">
+            <a:extLst>
+              <a:ext uri="{FF2B5EF4-FFF2-40B4-BE49-F238E27FC236}">
+                <a16:creationId xmlns:a16="http://schemas.microsoft.com/office/drawing/2014/main" id="{3F88522D-FC32-4BD0-B916-ED439025B734}"/>
+              </a:ext>
+            </a:extLst>
+          </p:cNvPr>
+          <p:cNvSpPr>
+            <a:spLocks noGrp="1"/>
+          </p:cNvSpPr>
+          <p:nvPr>
+            <p:ph type="sldNum" sz="quarter" idx="12"/>
+          </p:nvPr>
+        </p:nvSpPr>
+        <p:spPr>
+          <a:xfrm>
+            <a:off x="11365992" y="6356350"/>
+            <a:ext cx="630936" cy="365125"/>
+          </a:xfrm>
+        </p:spPr>
+        <p:txBody>
+          <a:bodyPr/>
+          <a:lstStyle/>
+          <a:p>
+            <a:pPr lvl="0"/>
+            <a:fld id="{D39F39FF-F5CB-4ACA-9B46-4CCF89ECA75F}" type="slidenum">
+              <a:rPr lang="en-US" noProof="0" smtClean="0"/>
+              <a:pPr lvl="0"/>
+              <a:t>21</a:t>
+            </a:fld>
+            <a:endParaRPr lang="en-US" noProof="0" dirty="0"/>
+          </a:p>
+        </p:txBody>
+      </p:sp>
+    </p:spTree>
+    <p:extLst>
+      <p:ext uri="{BB962C8B-B14F-4D97-AF65-F5344CB8AC3E}">
+        <p14:creationId xmlns:p14="http://schemas.microsoft.com/office/powerpoint/2010/main" val="4039808263"/>
+      </p:ext>
+    </p:extLst>
+  </p:cSld>
+  <p:clrMapOvr>
+    <a:masterClrMapping/>
+  </p:clrMapOvr>
+</p:sld>
+</file>
+
+<file path=ppt/slides/slide22.xml><?xml version="1.0" encoding="utf-8"?>
+<p:sld xmlns:a="http://schemas.openxmlformats.org/drawingml/2006/main" xmlns:r="http://schemas.openxmlformats.org/officeDocument/2006/relationships" xmlns:p="http://schemas.openxmlformats.org/presentationml/2006/main">
+  <p:cSld>
+    <p:spTree>
+      <p:nvGrpSpPr>
+        <p:cNvPr id="1" name=""/>
+        <p:cNvGrpSpPr/>
+        <p:nvPr/>
+      </p:nvGrpSpPr>
+      <p:grpSpPr>
+        <a:xfrm>
+          <a:off x="0" y="0"/>
+          <a:ext cx="0" cy="0"/>
+          <a:chOff x="0" y="0"/>
+          <a:chExt cx="0" cy="0"/>
+        </a:xfrm>
+      </p:grpSpPr>
+      <p:sp>
+        <p:nvSpPr>
+          <p:cNvPr id="32" name="Title 31">
+            <a:extLst>
+              <a:ext uri="{FF2B5EF4-FFF2-40B4-BE49-F238E27FC236}">
+                <a16:creationId xmlns:a16="http://schemas.microsoft.com/office/drawing/2014/main" id="{30761B21-88ED-449E-B2B9-3FC40844C36D}"/>
+              </a:ext>
+            </a:extLst>
+          </p:cNvPr>
+          <p:cNvSpPr>
+            <a:spLocks noGrp="1"/>
+          </p:cNvSpPr>
+          <p:nvPr>
+            <p:ph type="ctrTitle"/>
+          </p:nvPr>
+        </p:nvSpPr>
+        <p:spPr>
+          <a:xfrm>
+            <a:off x="877001" y="4947313"/>
+            <a:ext cx="7700617" cy="1409037"/>
+          </a:xfrm>
+        </p:spPr>
+        <p:txBody>
+          <a:bodyPr/>
+          <a:lstStyle/>
+          <a:p>
+            <a:r>
+              <a:rPr lang="en-US" dirty="0"/>
+              <a:t>Thank you</a:t>
+            </a:r>
+          </a:p>
+        </p:txBody>
+      </p:sp>
+      <p:sp>
+        <p:nvSpPr>
+          <p:cNvPr id="33" name="Subtitle 32">
+            <a:extLst>
+              <a:ext uri="{FF2B5EF4-FFF2-40B4-BE49-F238E27FC236}">
+                <a16:creationId xmlns:a16="http://schemas.microsoft.com/office/drawing/2014/main" id="{0EEAA874-288B-4330-9FA4-F1144ACD46DE}"/>
+              </a:ext>
+            </a:extLst>
+          </p:cNvPr>
+          <p:cNvSpPr>
+            <a:spLocks noGrp="1"/>
+          </p:cNvSpPr>
+          <p:nvPr>
+            <p:ph type="subTitle" idx="1"/>
+          </p:nvPr>
+        </p:nvSpPr>
+        <p:spPr>
+          <a:xfrm>
+            <a:off x="9446252" y="386989"/>
+            <a:ext cx="2443495" cy="3758334"/>
+          </a:xfrm>
+        </p:spPr>
+        <p:txBody>
+          <a:bodyPr/>
+          <a:lstStyle/>
+          <a:p>
+            <a:r>
+              <a:rPr lang="en-US" dirty="0"/>
+              <a:t>OutDig</a:t>
+            </a:r>
+          </a:p>
+          <a:p>
+            <a:endParaRPr lang="en-US" dirty="0"/>
+          </a:p>
+          <a:p>
+            <a:r>
+              <a:rPr lang="en-US" dirty="0"/>
+              <a:t>Joe’s Games</a:t>
+            </a:r>
+          </a:p>
+        </p:txBody>
+      </p:sp>
+      <p:pic>
+        <p:nvPicPr>
+          <p:cNvPr id="52" name="Picture Placeholder 51" descr="A picture containing sky, outdoor, mountain, nature, stars">
+            <a:extLst>
+              <a:ext uri="{FF2B5EF4-FFF2-40B4-BE49-F238E27FC236}">
+                <a16:creationId xmlns:a16="http://schemas.microsoft.com/office/drawing/2014/main" id="{45DFCBF0-F91E-40C0-A4E6-24E8250C3BAC}"/>
+              </a:ext>
+            </a:extLst>
+          </p:cNvPr>
+          <p:cNvPicPr>
+            <a:picLocks noGrp="1" noChangeAspect="1"/>
+          </p:cNvPicPr>
+          <p:nvPr>
+            <p:ph type="pic" sz="quarter" idx="13"/>
+          </p:nvPr>
+        </p:nvPicPr>
+        <p:blipFill rotWithShape="1">
+          <a:blip r:embed="rId2" cstate="screen">
+            <a:extLst>
+              <a:ext uri="{28A0092B-C50C-407E-A947-70E740481C1C}">
+                <a14:useLocalDpi xmlns:a14="http://schemas.microsoft.com/office/drawing/2010/main" val="0"/>
+              </a:ext>
+            </a:extLst>
+          </a:blip>
+          <a:srcRect/>
+          <a:stretch/>
+        </p:blipFill>
+        <p:spPr>
+          <a:xfrm>
+            <a:off x="0" y="0"/>
+            <a:ext cx="9144000" cy="4546363"/>
+          </a:xfrm>
+        </p:spPr>
+      </p:pic>
+      <p:pic>
+        <p:nvPicPr>
+          <p:cNvPr id="58" name="Picture Placeholder 57" descr="A picture containing mountain, sky, outdoor, nature">
+            <a:extLst>
+              <a:ext uri="{FF2B5EF4-FFF2-40B4-BE49-F238E27FC236}">
+                <a16:creationId xmlns:a16="http://schemas.microsoft.com/office/drawing/2014/main" id="{A51C462C-6D3B-4554-9CDC-86D00D0EA07A}"/>
+              </a:ext>
+            </a:extLst>
+          </p:cNvPr>
+          <p:cNvPicPr>
+            <a:picLocks noGrp="1" noChangeAspect="1"/>
+          </p:cNvPicPr>
+          <p:nvPr>
+            <p:ph type="pic" sz="quarter" idx="14"/>
+          </p:nvPr>
+        </p:nvPicPr>
+        <p:blipFill rotWithShape="1">
+          <a:blip r:embed="rId3" cstate="screen">
+            <a:extLst>
+              <a:ext uri="{28A0092B-C50C-407E-A947-70E740481C1C}">
+                <a14:useLocalDpi xmlns:a14="http://schemas.microsoft.com/office/drawing/2010/main" val="0"/>
+              </a:ext>
+            </a:extLst>
+          </a:blip>
+          <a:srcRect/>
+          <a:stretch/>
+        </p:blipFill>
+        <p:spPr>
+          <a:xfrm>
+            <a:off x="9144000" y="4532313"/>
+            <a:ext cx="3048000" cy="2325687"/>
+          </a:xfrm>
+        </p:spPr>
+      </p:pic>
+      <p:pic>
+        <p:nvPicPr>
+          <p:cNvPr id="2" name="Picture 1">
+            <a:extLst>
+              <a:ext uri="{FF2B5EF4-FFF2-40B4-BE49-F238E27FC236}">
+                <a16:creationId xmlns:a16="http://schemas.microsoft.com/office/drawing/2014/main" id="{B41E8AF8-A94F-A923-7CDC-AB49737D5F56}"/>
+              </a:ext>
+            </a:extLst>
+          </p:cNvPr>
+          <p:cNvPicPr>
+            <a:picLocks noChangeAspect="1"/>
+          </p:cNvPicPr>
+          <p:nvPr/>
+        </p:nvPicPr>
+        <p:blipFill>
+          <a:blip r:embed="rId4"/>
+          <a:stretch>
+            <a:fillRect/>
+          </a:stretch>
+        </p:blipFill>
+        <p:spPr>
+          <a:xfrm>
+            <a:off x="9554347" y="2060673"/>
+            <a:ext cx="2227303" cy="1901674"/>
+          </a:xfrm>
+          <a:prstGeom prst="rect">
+            <a:avLst/>
+          </a:prstGeom>
+        </p:spPr>
+      </p:pic>
+    </p:spTree>
+    <p:extLst>
+      <p:ext uri="{BB962C8B-B14F-4D97-AF65-F5344CB8AC3E}">
+        <p14:creationId xmlns:p14="http://schemas.microsoft.com/office/powerpoint/2010/main" val="767611276"/>
+      </p:ext>
+    </p:extLst>
+  </p:cSld>
+  <p:clrMapOvr>
+    <a:masterClrMapping/>
+  </p:clrMapOvr>
+</p:sld>
+</file>
+
+<file path=ppt/slides/slide3.xml><?xml version="1.0" encoding="utf-8"?>
 <p:sld xmlns:a="http://schemas.openxmlformats.org/drawingml/2006/main" xmlns:r="http://schemas.openxmlformats.org/officeDocument/2006/relationships" xmlns:p="http://schemas.openxmlformats.org/presentationml/2006/main">
   <p:cSld>
     <p:spTree>
@@ -25883,7 +27855,7 @@
             <a:fld id="{244D815C-8BF3-4ECF-A945-A2A7C2983AF9}" type="slidenum">
               <a:rPr lang="en-US" noProof="0" smtClean="0"/>
               <a:pPr lvl="0"/>
-              <a:t>2</a:t>
+              <a:t>3</a:t>
             </a:fld>
             <a:endParaRPr lang="en-US" noProof="0" dirty="0"/>
           </a:p>
@@ -25947,50 +27919,6 @@
           </a:p>
         </p:txBody>
       </p:sp>
-      <p:sp>
-        <p:nvSpPr>
-          <p:cNvPr id="6" name="TextBox 5">
-            <a:extLst>
-              <a:ext uri="{FF2B5EF4-FFF2-40B4-BE49-F238E27FC236}">
-                <a16:creationId xmlns:a16="http://schemas.microsoft.com/office/drawing/2014/main" id="{63794FE5-D639-2292-02DD-C1C9269D47E1}"/>
-              </a:ext>
-            </a:extLst>
-          </p:cNvPr>
-          <p:cNvSpPr txBox="1"/>
-          <p:nvPr/>
-        </p:nvSpPr>
-        <p:spPr>
-          <a:xfrm>
-            <a:off x="9189720" y="212124"/>
-            <a:ext cx="2785929" cy="1477328"/>
-          </a:xfrm>
-          <a:prstGeom prst="rect">
-            <a:avLst/>
-          </a:prstGeom>
-          <a:noFill/>
-        </p:spPr>
-        <p:txBody>
-          <a:bodyPr wrap="square" rtlCol="0">
-            <a:spAutoFit/>
-          </a:bodyPr>
-          <a:lstStyle/>
-          <a:p>
-            <a:r>
-              <a:rPr lang="en-GB" dirty="0"/>
-              <a:t>Image showing better what it is</a:t>
-            </a:r>
-          </a:p>
-          <a:p>
-            <a:endParaRPr lang="en-GB" dirty="0"/>
-          </a:p>
-          <a:p>
-            <a:r>
-              <a:rPr lang="en-GB" dirty="0"/>
-              <a:t>Another slide with more examples to help explain</a:t>
-            </a:r>
-          </a:p>
-        </p:txBody>
-      </p:sp>
       <p:pic>
         <p:nvPicPr>
           <p:cNvPr id="11" name="Picture 10">
@@ -26006,7 +27934,7 @@
           <p:nvPr/>
         </p:nvPicPr>
         <p:blipFill>
-          <a:blip r:embed="rId2"/>
+          <a:blip r:embed="rId3"/>
           <a:stretch>
             <a:fillRect/>
           </a:stretch>
@@ -26257,15 +28185,15 @@
           <p:nvPr/>
         </p:nvPicPr>
         <p:blipFill>
-          <a:blip r:embed="rId3"/>
+          <a:blip r:embed="rId4"/>
           <a:stretch>
             <a:fillRect/>
           </a:stretch>
         </p:blipFill>
         <p:spPr>
           <a:xfrm>
-            <a:off x="0" y="6483175"/>
-            <a:ext cx="7191829" cy="495369"/>
+            <a:off x="-6096" y="6432609"/>
+            <a:ext cx="7191829" cy="575191"/>
           </a:xfrm>
           <a:prstGeom prst="rect">
             <a:avLst/>
@@ -26285,546 +28213,7 @@
 </p:sld>
 </file>
 
-<file path=ppt/slides/slide20.xml><?xml version="1.0" encoding="utf-8"?>
-<p:sld xmlns:a="http://schemas.openxmlformats.org/drawingml/2006/main" xmlns:r="http://schemas.openxmlformats.org/officeDocument/2006/relationships" xmlns:p="http://schemas.openxmlformats.org/presentationml/2006/main">
-  <p:cSld>
-    <p:spTree>
-      <p:nvGrpSpPr>
-        <p:cNvPr id="1" name=""/>
-        <p:cNvGrpSpPr/>
-        <p:nvPr/>
-      </p:nvGrpSpPr>
-      <p:grpSpPr>
-        <a:xfrm>
-          <a:off x="0" y="0"/>
-          <a:ext cx="0" cy="0"/>
-          <a:chOff x="0" y="0"/>
-          <a:chExt cx="0" cy="0"/>
-        </a:xfrm>
-      </p:grpSpPr>
-      <p:sp>
-        <p:nvSpPr>
-          <p:cNvPr id="9" name="Title 8">
-            <a:extLst>
-              <a:ext uri="{FF2B5EF4-FFF2-40B4-BE49-F238E27FC236}">
-                <a16:creationId xmlns:a16="http://schemas.microsoft.com/office/drawing/2014/main" id="{9A92E93D-8BFB-4A21-A47E-78B6DCA21146}"/>
-              </a:ext>
-            </a:extLst>
-          </p:cNvPr>
-          <p:cNvSpPr>
-            <a:spLocks noGrp="1"/>
-          </p:cNvSpPr>
-          <p:nvPr>
-            <p:ph type="title"/>
-          </p:nvPr>
-        </p:nvSpPr>
-        <p:spPr>
-          <a:xfrm>
-            <a:off x="647698" y="484494"/>
-            <a:ext cx="5800867" cy="1569493"/>
-          </a:xfrm>
-        </p:spPr>
-        <p:txBody>
-          <a:bodyPr/>
-          <a:lstStyle/>
-          <a:p>
-            <a:r>
-              <a:rPr lang="en-US" dirty="0"/>
-              <a:t>Summary</a:t>
-            </a:r>
-          </a:p>
-        </p:txBody>
-      </p:sp>
-      <p:sp>
-        <p:nvSpPr>
-          <p:cNvPr id="10" name="Content Placeholder 9">
-            <a:extLst>
-              <a:ext uri="{FF2B5EF4-FFF2-40B4-BE49-F238E27FC236}">
-                <a16:creationId xmlns:a16="http://schemas.microsoft.com/office/drawing/2014/main" id="{C69C1BDB-253B-4642-94A7-F84048E562F7}"/>
-              </a:ext>
-            </a:extLst>
-          </p:cNvPr>
-          <p:cNvSpPr>
-            <a:spLocks noGrp="1"/>
-          </p:cNvSpPr>
-          <p:nvPr>
-            <p:ph idx="1"/>
-          </p:nvPr>
-        </p:nvSpPr>
-        <p:spPr>
-          <a:xfrm>
-            <a:off x="647702" y="2156346"/>
-            <a:ext cx="5800866" cy="3963937"/>
-          </a:xfrm>
-        </p:spPr>
-        <p:txBody>
-          <a:bodyPr/>
-          <a:lstStyle/>
-          <a:p>
-            <a:r>
-              <a:rPr lang="en-US" dirty="0"/>
-              <a:t>How much I need, time scale for development, expected revenue costs profit, how long the loaned money + 20% will take to repay</a:t>
-            </a:r>
-          </a:p>
-        </p:txBody>
-      </p:sp>
-      <p:sp>
-        <p:nvSpPr>
-          <p:cNvPr id="16" name="Footer Placeholder 15">
-            <a:extLst>
-              <a:ext uri="{FF2B5EF4-FFF2-40B4-BE49-F238E27FC236}">
-                <a16:creationId xmlns:a16="http://schemas.microsoft.com/office/drawing/2014/main" id="{C394FA6A-80EA-46C1-8A4C-B4D8E90A7BCE}"/>
-              </a:ext>
-            </a:extLst>
-          </p:cNvPr>
-          <p:cNvSpPr>
-            <a:spLocks noGrp="1"/>
-          </p:cNvSpPr>
-          <p:nvPr>
-            <p:ph type="ftr" sz="quarter" idx="11"/>
-          </p:nvPr>
-        </p:nvSpPr>
-        <p:spPr>
-          <a:xfrm>
-            <a:off x="199277" y="6356350"/>
-            <a:ext cx="3877423" cy="365125"/>
-          </a:xfrm>
-        </p:spPr>
-        <p:txBody>
-          <a:bodyPr/>
-          <a:lstStyle/>
-          <a:p>
-            <a:pPr lvl="0"/>
-            <a:r>
-              <a:rPr lang="en-US" noProof="0" dirty="0"/>
-              <a:t>OutDig</a:t>
-            </a:r>
-          </a:p>
-        </p:txBody>
-      </p:sp>
-      <p:pic>
-        <p:nvPicPr>
-          <p:cNvPr id="23" name="Picture Placeholder 22" descr="A picture containing mountain, outdoor, sky, rock, tent">
-            <a:extLst>
-              <a:ext uri="{FF2B5EF4-FFF2-40B4-BE49-F238E27FC236}">
-                <a16:creationId xmlns:a16="http://schemas.microsoft.com/office/drawing/2014/main" id="{37330047-BDCE-48AE-A7A5-A6A79A7D2923}"/>
-              </a:ext>
-            </a:extLst>
-          </p:cNvPr>
-          <p:cNvPicPr>
-            <a:picLocks noGrp="1" noChangeAspect="1"/>
-          </p:cNvPicPr>
-          <p:nvPr>
-            <p:ph type="pic" sz="quarter" idx="13"/>
-          </p:nvPr>
-        </p:nvPicPr>
-        <p:blipFill rotWithShape="1">
-          <a:blip r:embed="rId2" cstate="screen">
-            <a:extLst>
-              <a:ext uri="{28A0092B-C50C-407E-A947-70E740481C1C}">
-                <a14:useLocalDpi xmlns:a14="http://schemas.microsoft.com/office/drawing/2010/main" val="0"/>
-              </a:ext>
-            </a:extLst>
-          </a:blip>
-          <a:srcRect/>
-          <a:stretch/>
-        </p:blipFill>
-        <p:spPr>
-          <a:xfrm>
-            <a:off x="6700838" y="665163"/>
-            <a:ext cx="2214562" cy="2513012"/>
-          </a:xfrm>
-        </p:spPr>
-      </p:pic>
-      <p:pic>
-        <p:nvPicPr>
-          <p:cNvPr id="53" name="Picture Placeholder 52" descr="A picture containing mountain, sky, snow, outdoor">
-            <a:extLst>
-              <a:ext uri="{FF2B5EF4-FFF2-40B4-BE49-F238E27FC236}">
-                <a16:creationId xmlns:a16="http://schemas.microsoft.com/office/drawing/2014/main" id="{9AFE6654-29BC-4F7D-9F69-C78DCCF2A7AC}"/>
-              </a:ext>
-            </a:extLst>
-          </p:cNvPr>
-          <p:cNvPicPr>
-            <a:picLocks noGrp="1" noChangeAspect="1"/>
-          </p:cNvPicPr>
-          <p:nvPr>
-            <p:ph type="pic" sz="quarter" idx="14"/>
-          </p:nvPr>
-        </p:nvPicPr>
-        <p:blipFill rotWithShape="1">
-          <a:blip r:embed="rId3" cstate="screen">
-            <a:extLst>
-              <a:ext uri="{28A0092B-C50C-407E-A947-70E740481C1C}">
-                <a14:useLocalDpi xmlns:a14="http://schemas.microsoft.com/office/drawing/2010/main" val="0"/>
-              </a:ext>
-            </a:extLst>
-          </a:blip>
-          <a:srcRect/>
-          <a:stretch/>
-        </p:blipFill>
-        <p:spPr>
-          <a:xfrm>
-            <a:off x="9329737" y="665579"/>
-            <a:ext cx="2214562" cy="2513012"/>
-          </a:xfrm>
-        </p:spPr>
-      </p:pic>
-      <p:pic>
-        <p:nvPicPr>
-          <p:cNvPr id="19" name="Picture Placeholder 18" descr="A picture containing outdoor, mountain, sky, nature">
-            <a:extLst>
-              <a:ext uri="{FF2B5EF4-FFF2-40B4-BE49-F238E27FC236}">
-                <a16:creationId xmlns:a16="http://schemas.microsoft.com/office/drawing/2014/main" id="{AA7C515C-968D-4E0E-AE9F-2B4791B73F84}"/>
-              </a:ext>
-            </a:extLst>
-          </p:cNvPr>
-          <p:cNvPicPr>
-            <a:picLocks noGrp="1" noChangeAspect="1"/>
-          </p:cNvPicPr>
-          <p:nvPr>
-            <p:ph type="pic" sz="quarter" idx="15"/>
-          </p:nvPr>
-        </p:nvPicPr>
-        <p:blipFill rotWithShape="1">
-          <a:blip r:embed="rId4" cstate="screen">
-            <a:extLst>
-              <a:ext uri="{28A0092B-C50C-407E-A947-70E740481C1C}">
-                <a14:useLocalDpi xmlns:a14="http://schemas.microsoft.com/office/drawing/2010/main" val="0"/>
-              </a:ext>
-            </a:extLst>
-          </a:blip>
-          <a:srcRect/>
-          <a:stretch/>
-        </p:blipFill>
-        <p:spPr>
-          <a:xfrm>
-            <a:off x="6700854" y="3607271"/>
-            <a:ext cx="2214562" cy="2513012"/>
-          </a:xfrm>
-        </p:spPr>
-      </p:pic>
-      <p:pic>
-        <p:nvPicPr>
-          <p:cNvPr id="25" name="Picture Placeholder 24" descr="A picture containing nature, outdoor, mountain, night sky">
-            <a:extLst>
-              <a:ext uri="{FF2B5EF4-FFF2-40B4-BE49-F238E27FC236}">
-                <a16:creationId xmlns:a16="http://schemas.microsoft.com/office/drawing/2014/main" id="{74AF03B6-7ED2-47DC-A5B8-3F7DB422CEA5}"/>
-              </a:ext>
-            </a:extLst>
-          </p:cNvPr>
-          <p:cNvPicPr>
-            <a:picLocks noGrp="1" noChangeAspect="1"/>
-          </p:cNvPicPr>
-          <p:nvPr>
-            <p:ph type="pic" sz="quarter" idx="16"/>
-          </p:nvPr>
-        </p:nvPicPr>
-        <p:blipFill rotWithShape="1">
-          <a:blip r:embed="rId5" cstate="screen">
-            <a:extLst>
-              <a:ext uri="{28A0092B-C50C-407E-A947-70E740481C1C}">
-                <a14:useLocalDpi xmlns:a14="http://schemas.microsoft.com/office/drawing/2010/main" val="0"/>
-              </a:ext>
-            </a:extLst>
-          </a:blip>
-          <a:srcRect/>
-          <a:stretch/>
-        </p:blipFill>
-        <p:spPr>
-          <a:xfrm>
-            <a:off x="9324845" y="3607271"/>
-            <a:ext cx="2214562" cy="2513012"/>
-          </a:xfrm>
-        </p:spPr>
-      </p:pic>
-      <p:sp>
-        <p:nvSpPr>
-          <p:cNvPr id="15" name="Date Placeholder 14">
-            <a:extLst>
-              <a:ext uri="{FF2B5EF4-FFF2-40B4-BE49-F238E27FC236}">
-                <a16:creationId xmlns:a16="http://schemas.microsoft.com/office/drawing/2014/main" id="{1AEB8108-A042-4614-9BE5-EA75E8653D79}"/>
-              </a:ext>
-            </a:extLst>
-          </p:cNvPr>
-          <p:cNvSpPr>
-            <a:spLocks noGrp="1"/>
-          </p:cNvSpPr>
-          <p:nvPr>
-            <p:ph type="dt" sz="half" idx="10"/>
-          </p:nvPr>
-        </p:nvSpPr>
-        <p:spPr>
-          <a:xfrm>
-            <a:off x="7013448" y="6355080"/>
-            <a:ext cx="4352544" cy="365125"/>
-          </a:xfrm>
-        </p:spPr>
-        <p:txBody>
-          <a:bodyPr/>
-          <a:lstStyle/>
-          <a:p>
-            <a:pPr lvl="0"/>
-            <a:r>
-              <a:rPr lang="en-US" noProof="0" dirty="0"/>
-              <a:t>2022</a:t>
-            </a:r>
-          </a:p>
-        </p:txBody>
-      </p:sp>
-      <p:sp>
-        <p:nvSpPr>
-          <p:cNvPr id="17" name="Slide Number Placeholder 16">
-            <a:extLst>
-              <a:ext uri="{FF2B5EF4-FFF2-40B4-BE49-F238E27FC236}">
-                <a16:creationId xmlns:a16="http://schemas.microsoft.com/office/drawing/2014/main" id="{3F88522D-FC32-4BD0-B916-ED439025B734}"/>
-              </a:ext>
-            </a:extLst>
-          </p:cNvPr>
-          <p:cNvSpPr>
-            <a:spLocks noGrp="1"/>
-          </p:cNvSpPr>
-          <p:nvPr>
-            <p:ph type="sldNum" sz="quarter" idx="12"/>
-          </p:nvPr>
-        </p:nvSpPr>
-        <p:spPr>
-          <a:xfrm>
-            <a:off x="11365992" y="6356350"/>
-            <a:ext cx="630936" cy="365125"/>
-          </a:xfrm>
-        </p:spPr>
-        <p:txBody>
-          <a:bodyPr/>
-          <a:lstStyle/>
-          <a:p>
-            <a:pPr lvl="0"/>
-            <a:fld id="{D39F39FF-F5CB-4ACA-9B46-4CCF89ECA75F}" type="slidenum">
-              <a:rPr lang="en-US" noProof="0" smtClean="0"/>
-              <a:pPr lvl="0"/>
-              <a:t>20</a:t>
-            </a:fld>
-            <a:endParaRPr lang="en-US" noProof="0" dirty="0"/>
-          </a:p>
-        </p:txBody>
-      </p:sp>
-    </p:spTree>
-    <p:extLst>
-      <p:ext uri="{BB962C8B-B14F-4D97-AF65-F5344CB8AC3E}">
-        <p14:creationId xmlns:p14="http://schemas.microsoft.com/office/powerpoint/2010/main" val="4039808263"/>
-      </p:ext>
-    </p:extLst>
-  </p:cSld>
-  <p:clrMapOvr>
-    <a:masterClrMapping/>
-  </p:clrMapOvr>
-</p:sld>
-</file>
-
-<file path=ppt/slides/slide21.xml><?xml version="1.0" encoding="utf-8"?>
-<p:sld xmlns:a="http://schemas.openxmlformats.org/drawingml/2006/main" xmlns:r="http://schemas.openxmlformats.org/officeDocument/2006/relationships" xmlns:p="http://schemas.openxmlformats.org/presentationml/2006/main">
-  <p:cSld>
-    <p:spTree>
-      <p:nvGrpSpPr>
-        <p:cNvPr id="1" name=""/>
-        <p:cNvGrpSpPr/>
-        <p:nvPr/>
-      </p:nvGrpSpPr>
-      <p:grpSpPr>
-        <a:xfrm>
-          <a:off x="0" y="0"/>
-          <a:ext cx="0" cy="0"/>
-          <a:chOff x="0" y="0"/>
-          <a:chExt cx="0" cy="0"/>
-        </a:xfrm>
-      </p:grpSpPr>
-      <p:sp>
-        <p:nvSpPr>
-          <p:cNvPr id="32" name="Title 31">
-            <a:extLst>
-              <a:ext uri="{FF2B5EF4-FFF2-40B4-BE49-F238E27FC236}">
-                <a16:creationId xmlns:a16="http://schemas.microsoft.com/office/drawing/2014/main" id="{30761B21-88ED-449E-B2B9-3FC40844C36D}"/>
-              </a:ext>
-            </a:extLst>
-          </p:cNvPr>
-          <p:cNvSpPr>
-            <a:spLocks noGrp="1"/>
-          </p:cNvSpPr>
-          <p:nvPr>
-            <p:ph type="ctrTitle"/>
-          </p:nvPr>
-        </p:nvSpPr>
-        <p:spPr>
-          <a:xfrm>
-            <a:off x="877001" y="4947313"/>
-            <a:ext cx="7700617" cy="1409037"/>
-          </a:xfrm>
-        </p:spPr>
-        <p:txBody>
-          <a:bodyPr/>
-          <a:lstStyle/>
-          <a:p>
-            <a:r>
-              <a:rPr lang="en-US" dirty="0"/>
-              <a:t>Thank you</a:t>
-            </a:r>
-          </a:p>
-        </p:txBody>
-      </p:sp>
-      <p:sp>
-        <p:nvSpPr>
-          <p:cNvPr id="33" name="Subtitle 32">
-            <a:extLst>
-              <a:ext uri="{FF2B5EF4-FFF2-40B4-BE49-F238E27FC236}">
-                <a16:creationId xmlns:a16="http://schemas.microsoft.com/office/drawing/2014/main" id="{0EEAA874-288B-4330-9FA4-F1144ACD46DE}"/>
-              </a:ext>
-            </a:extLst>
-          </p:cNvPr>
-          <p:cNvSpPr>
-            <a:spLocks noGrp="1"/>
-          </p:cNvSpPr>
-          <p:nvPr>
-            <p:ph type="subTitle" idx="1"/>
-          </p:nvPr>
-        </p:nvSpPr>
-        <p:spPr>
-          <a:xfrm>
-            <a:off x="9446252" y="386989"/>
-            <a:ext cx="2443495" cy="3758334"/>
-          </a:xfrm>
-        </p:spPr>
-        <p:txBody>
-          <a:bodyPr/>
-          <a:lstStyle/>
-          <a:p>
-            <a:r>
-              <a:rPr lang="en-US" dirty="0"/>
-              <a:t>OutDig</a:t>
-            </a:r>
-          </a:p>
-          <a:p>
-            <a:endParaRPr lang="en-US" dirty="0"/>
-          </a:p>
-          <a:p>
-            <a:r>
-              <a:rPr lang="en-US" dirty="0"/>
-              <a:t>Joe’s Games</a:t>
-            </a:r>
-          </a:p>
-        </p:txBody>
-      </p:sp>
-      <p:pic>
-        <p:nvPicPr>
-          <p:cNvPr id="52" name="Picture Placeholder 51" descr="A picture containing sky, outdoor, mountain, nature, stars">
-            <a:extLst>
-              <a:ext uri="{FF2B5EF4-FFF2-40B4-BE49-F238E27FC236}">
-                <a16:creationId xmlns:a16="http://schemas.microsoft.com/office/drawing/2014/main" id="{45DFCBF0-F91E-40C0-A4E6-24E8250C3BAC}"/>
-              </a:ext>
-            </a:extLst>
-          </p:cNvPr>
-          <p:cNvPicPr>
-            <a:picLocks noGrp="1" noChangeAspect="1"/>
-          </p:cNvPicPr>
-          <p:nvPr>
-            <p:ph type="pic" sz="quarter" idx="13"/>
-          </p:nvPr>
-        </p:nvPicPr>
-        <p:blipFill rotWithShape="1">
-          <a:blip r:embed="rId2" cstate="screen">
-            <a:extLst>
-              <a:ext uri="{28A0092B-C50C-407E-A947-70E740481C1C}">
-                <a14:useLocalDpi xmlns:a14="http://schemas.microsoft.com/office/drawing/2010/main" val="0"/>
-              </a:ext>
-            </a:extLst>
-          </a:blip>
-          <a:srcRect/>
-          <a:stretch/>
-        </p:blipFill>
-        <p:spPr>
-          <a:xfrm>
-            <a:off x="0" y="0"/>
-            <a:ext cx="9144000" cy="4546363"/>
-          </a:xfrm>
-        </p:spPr>
-      </p:pic>
-      <p:pic>
-        <p:nvPicPr>
-          <p:cNvPr id="58" name="Picture Placeholder 57" descr="A picture containing mountain, sky, outdoor, nature">
-            <a:extLst>
-              <a:ext uri="{FF2B5EF4-FFF2-40B4-BE49-F238E27FC236}">
-                <a16:creationId xmlns:a16="http://schemas.microsoft.com/office/drawing/2014/main" id="{A51C462C-6D3B-4554-9CDC-86D00D0EA07A}"/>
-              </a:ext>
-            </a:extLst>
-          </p:cNvPr>
-          <p:cNvPicPr>
-            <a:picLocks noGrp="1" noChangeAspect="1"/>
-          </p:cNvPicPr>
-          <p:nvPr>
-            <p:ph type="pic" sz="quarter" idx="14"/>
-          </p:nvPr>
-        </p:nvPicPr>
-        <p:blipFill rotWithShape="1">
-          <a:blip r:embed="rId3" cstate="screen">
-            <a:extLst>
-              <a:ext uri="{28A0092B-C50C-407E-A947-70E740481C1C}">
-                <a14:useLocalDpi xmlns:a14="http://schemas.microsoft.com/office/drawing/2010/main" val="0"/>
-              </a:ext>
-            </a:extLst>
-          </a:blip>
-          <a:srcRect/>
-          <a:stretch/>
-        </p:blipFill>
-        <p:spPr>
-          <a:xfrm>
-            <a:off x="9144000" y="4532313"/>
-            <a:ext cx="3048000" cy="2325687"/>
-          </a:xfrm>
-        </p:spPr>
-      </p:pic>
-      <p:pic>
-        <p:nvPicPr>
-          <p:cNvPr id="2" name="Picture 1">
-            <a:extLst>
-              <a:ext uri="{FF2B5EF4-FFF2-40B4-BE49-F238E27FC236}">
-                <a16:creationId xmlns:a16="http://schemas.microsoft.com/office/drawing/2014/main" id="{B41E8AF8-A94F-A923-7CDC-AB49737D5F56}"/>
-              </a:ext>
-            </a:extLst>
-          </p:cNvPr>
-          <p:cNvPicPr>
-            <a:picLocks noChangeAspect="1"/>
-          </p:cNvPicPr>
-          <p:nvPr/>
-        </p:nvPicPr>
-        <p:blipFill>
-          <a:blip r:embed="rId4"/>
-          <a:stretch>
-            <a:fillRect/>
-          </a:stretch>
-        </p:blipFill>
-        <p:spPr>
-          <a:xfrm>
-            <a:off x="9635417" y="2129039"/>
-            <a:ext cx="2065166" cy="1763241"/>
-          </a:xfrm>
-          <a:prstGeom prst="rect">
-            <a:avLst/>
-          </a:prstGeom>
-        </p:spPr>
-      </p:pic>
-    </p:spTree>
-    <p:extLst>
-      <p:ext uri="{BB962C8B-B14F-4D97-AF65-F5344CB8AC3E}">
-        <p14:creationId xmlns:p14="http://schemas.microsoft.com/office/powerpoint/2010/main" val="767611276"/>
-      </p:ext>
-    </p:extLst>
-  </p:cSld>
-  <p:clrMapOvr>
-    <a:masterClrMapping/>
-  </p:clrMapOvr>
-</p:sld>
-</file>
-
-<file path=ppt/slides/slide3.xml><?xml version="1.0" encoding="utf-8"?>
+<file path=ppt/slides/slide4.xml><?xml version="1.0" encoding="utf-8"?>
 <p:sld xmlns:a="http://schemas.openxmlformats.org/drawingml/2006/main" xmlns:r="http://schemas.openxmlformats.org/officeDocument/2006/relationships" xmlns:p="http://schemas.openxmlformats.org/presentationml/2006/main">
   <p:cSld>
     <p:spTree>
@@ -26856,7 +28245,7 @@
           <p:nvPr/>
         </p:nvPicPr>
         <p:blipFill>
-          <a:blip r:embed="rId2">
+          <a:blip r:embed="rId3">
             <a:clrChange>
               <a:clrFrom>
                 <a:srgbClr val="000000"/>
@@ -26874,8 +28263,8 @@
         </p:blipFill>
         <p:spPr>
           <a:xfrm rot="4788131">
-            <a:off x="5409" y="-4467737"/>
-            <a:ext cx="10849412" cy="12934821"/>
+            <a:off x="-244055" y="-4643024"/>
+            <a:ext cx="11213845" cy="13369303"/>
           </a:xfrm>
           <a:prstGeom prst="rect">
             <a:avLst/>
@@ -27045,7 +28434,7 @@
                 <a:tabLst/>
                 <a:defRPr/>
               </a:pPr>
-              <a:t>3</a:t>
+              <a:t>4</a:t>
             </a:fld>
             <a:endParaRPr kumimoji="0" lang="en-US" sz="1050" b="0" i="0" u="none" strike="noStrike" kern="1200" cap="none" spc="0" normalizeH="0" baseline="0" noProof="0" dirty="0">
               <a:ln>
@@ -27066,10 +28455,10 @@
       </p:sp>
       <p:pic>
         <p:nvPicPr>
-          <p:cNvPr id="13" name="Picture 12">
+          <p:cNvPr id="3" name="Picture 2">
             <a:extLst>
               <a:ext uri="{FF2B5EF4-FFF2-40B4-BE49-F238E27FC236}">
-                <a16:creationId xmlns:a16="http://schemas.microsoft.com/office/drawing/2014/main" id="{47E4E155-D98F-E5CC-489B-ABA7D0AC57B3}"/>
+                <a16:creationId xmlns:a16="http://schemas.microsoft.com/office/drawing/2014/main" id="{ABE77DEA-BE57-86B6-4814-22BB9AF80A58}"/>
               </a:ext>
             </a:extLst>
           </p:cNvPr>
@@ -27079,15 +28468,380 @@
           <p:nvPr/>
         </p:nvPicPr>
         <p:blipFill>
-          <a:blip r:embed="rId3"/>
+          <a:blip r:embed="rId4"/>
           <a:stretch>
             <a:fillRect/>
           </a:stretch>
         </p:blipFill>
         <p:spPr>
           <a:xfrm>
-            <a:off x="2514599" y="1151792"/>
-            <a:ext cx="7798778" cy="4393155"/>
+            <a:off x="2331475" y="1161632"/>
+            <a:ext cx="8069825" cy="4534735"/>
+          </a:xfrm>
+          <a:prstGeom prst="rect">
+            <a:avLst/>
+          </a:prstGeom>
+        </p:spPr>
+      </p:pic>
+      <p:pic>
+        <p:nvPicPr>
+          <p:cNvPr id="6" name="Picture 5">
+            <a:extLst>
+              <a:ext uri="{FF2B5EF4-FFF2-40B4-BE49-F238E27FC236}">
+                <a16:creationId xmlns:a16="http://schemas.microsoft.com/office/drawing/2014/main" id="{1BC19385-E83B-FD95-60B8-00A71B82758B}"/>
+              </a:ext>
+            </a:extLst>
+          </p:cNvPr>
+          <p:cNvPicPr>
+            <a:picLocks noChangeAspect="1"/>
+          </p:cNvPicPr>
+          <p:nvPr/>
+        </p:nvPicPr>
+        <p:blipFill>
+          <a:blip r:embed="rId5">
+            <a:extLst>
+              <a:ext uri="{BEBA8EAE-BF5A-486C-A8C5-ECC9F3942E4B}">
+                <a14:imgProps xmlns:a14="http://schemas.microsoft.com/office/drawing/2010/main">
+                  <a14:imgLayer r:embed="rId6">
+                    <a14:imgEffect>
+                      <a14:backgroundRemoval t="10000" b="90000" l="10000" r="90000">
+                        <a14:foregroundMark x1="42424" y1="28713" x2="33333" y2="10891"/>
+                        <a14:foregroundMark x1="48485" y1="14851" x2="61616" y2="17822"/>
+                        <a14:foregroundMark x1="75758" y1="31683" x2="83838" y2="43564"/>
+                        <a14:foregroundMark x1="80808" y1="32673" x2="84848" y2="39604"/>
+                        <a14:foregroundMark x1="80808" y1="28713" x2="84848" y2="40594"/>
+                        <a14:foregroundMark x1="80808" y1="31683" x2="85859" y2="48515"/>
+                        <a14:foregroundMark x1="83838" y1="35644" x2="80808" y2="73267"/>
+                        <a14:foregroundMark x1="84848" y1="62376" x2="71717" y2="82178"/>
+                        <a14:foregroundMark x1="74747" y1="76238" x2="46465" y2="89109"/>
+                        <a14:foregroundMark x1="59596" y1="88119" x2="55556" y2="88119"/>
+                        <a14:foregroundMark x1="48485" y1="88119" x2="23232" y2="80198"/>
+                        <a14:foregroundMark x1="18182" y1="75248" x2="9091" y2="57426"/>
+                        <a14:foregroundMark x1="9091" y1="57426" x2="10101" y2="36634"/>
+                        <a14:foregroundMark x1="10101" y1="36634" x2="12121" y2="30693"/>
+                      </a14:backgroundRemoval>
+                    </a14:imgEffect>
+                  </a14:imgLayer>
+                </a14:imgProps>
+              </a:ext>
+            </a:extLst>
+          </a:blip>
+          <a:stretch>
+            <a:fillRect/>
+          </a:stretch>
+        </p:blipFill>
+        <p:spPr>
+          <a:xfrm>
+            <a:off x="2331475" y="4414090"/>
+            <a:ext cx="1325925" cy="1352710"/>
+          </a:xfrm>
+          <a:prstGeom prst="rect">
+            <a:avLst/>
+          </a:prstGeom>
+        </p:spPr>
+      </p:pic>
+      <p:pic>
+        <p:nvPicPr>
+          <p:cNvPr id="8" name="Picture 7">
+            <a:extLst>
+              <a:ext uri="{FF2B5EF4-FFF2-40B4-BE49-F238E27FC236}">
+                <a16:creationId xmlns:a16="http://schemas.microsoft.com/office/drawing/2014/main" id="{99D45A2A-9611-F46C-F64F-8779F37D0925}"/>
+              </a:ext>
+            </a:extLst>
+          </p:cNvPr>
+          <p:cNvPicPr>
+            <a:picLocks noChangeAspect="1"/>
+          </p:cNvPicPr>
+          <p:nvPr/>
+        </p:nvPicPr>
+        <p:blipFill>
+          <a:blip r:embed="rId7">
+            <a:extLst>
+              <a:ext uri="{BEBA8EAE-BF5A-486C-A8C5-ECC9F3942E4B}">
+                <a14:imgProps xmlns:a14="http://schemas.microsoft.com/office/drawing/2010/main">
+                  <a14:imgLayer r:embed="rId8">
+                    <a14:imgEffect>
+                      <a14:backgroundRemoval t="2725" b="94278" l="5040" r="93899">
+                        <a14:foregroundMark x1="47215" y1="13079" x2="35809" y2="2997"/>
+                        <a14:foregroundMark x1="35809" y1="2997" x2="35809" y2="4360"/>
+                        <a14:foregroundMark x1="45093" y1="4360" x2="25729" y2="9264"/>
+                        <a14:foregroundMark x1="40584" y1="5177" x2="22812" y2="14986"/>
+                        <a14:foregroundMark x1="29178" y1="12807" x2="13528" y2="38147"/>
+                        <a14:foregroundMark x1="13528" y1="38147" x2="11671" y2="46866"/>
+                        <a14:foregroundMark x1="9019" y1="37057" x2="6631" y2="52316"/>
+                        <a14:foregroundMark x1="5305" y1="45777" x2="10875" y2="32153"/>
+                        <a14:foregroundMark x1="12467" y1="77657" x2="15915" y2="78747"/>
+                        <a14:foregroundMark x1="22016" y1="85286" x2="36074" y2="91826"/>
+                        <a14:foregroundMark x1="30769" y1="91553" x2="42175" y2="94278"/>
+                        <a14:foregroundMark x1="93899" y1="50954" x2="92042" y2="65395"/>
+                        <a14:foregroundMark x1="59947" y1="4360" x2="53050" y2="4087"/>
+                      </a14:backgroundRemoval>
+                    </a14:imgEffect>
+                  </a14:imgLayer>
+                </a14:imgProps>
+              </a:ext>
+            </a:extLst>
+          </a:blip>
+          <a:stretch>
+            <a:fillRect/>
+          </a:stretch>
+        </p:blipFill>
+        <p:spPr>
+          <a:xfrm>
+            <a:off x="9033390" y="4349208"/>
+            <a:ext cx="1325925" cy="1290755"/>
+          </a:xfrm>
+          <a:prstGeom prst="rect">
+            <a:avLst/>
+          </a:prstGeom>
+        </p:spPr>
+      </p:pic>
+      <p:pic>
+        <p:nvPicPr>
+          <p:cNvPr id="14" name="Picture 13">
+            <a:extLst>
+              <a:ext uri="{FF2B5EF4-FFF2-40B4-BE49-F238E27FC236}">
+                <a16:creationId xmlns:a16="http://schemas.microsoft.com/office/drawing/2014/main" id="{B0BE7EFC-C14F-9129-2AF4-25D31F2B571A}"/>
+              </a:ext>
+            </a:extLst>
+          </p:cNvPr>
+          <p:cNvPicPr>
+            <a:picLocks noChangeAspect="1"/>
+          </p:cNvPicPr>
+          <p:nvPr/>
+        </p:nvPicPr>
+        <p:blipFill>
+          <a:blip r:embed="rId9">
+            <a:extLst>
+              <a:ext uri="{BEBA8EAE-BF5A-486C-A8C5-ECC9F3942E4B}">
+                <a14:imgProps xmlns:a14="http://schemas.microsoft.com/office/drawing/2010/main">
+                  <a14:imgLayer r:embed="rId10">
+                    <a14:imgEffect>
+                      <a14:backgroundRemoval t="6316" b="92632" l="7509" r="92833">
+                        <a14:foregroundMark x1="56655" y1="43860" x2="47440" y2="42807"/>
+                        <a14:foregroundMark x1="61775" y1="43158" x2="44710" y2="68070"/>
+                        <a14:foregroundMark x1="53925" y1="58596" x2="53925" y2="68772"/>
+                        <a14:foregroundMark x1="46075" y1="43158" x2="59727" y2="56140"/>
+                        <a14:foregroundMark x1="59727" y1="56140" x2="59044" y2="51930"/>
+                        <a14:foregroundMark x1="40614" y1="57193" x2="62116" y2="51228"/>
+                        <a14:foregroundMark x1="62116" y1="51228" x2="54949" y2="41053"/>
+                        <a14:foregroundMark x1="49694" y1="22909" x2="30717" y2="37895"/>
+                        <a14:foregroundMark x1="34747" y1="27011" x2="31058" y2="36140"/>
+                        <a14:foregroundMark x1="51475" y1="20460" x2="48590" y2="20491"/>
+                        <a14:foregroundMark x1="22930" y1="17447" x2="19454" y2="20000"/>
+                        <a14:foregroundMark x1="29010" y1="12982" x2="25089" y2="15861"/>
+                        <a14:foregroundMark x1="7509" y1="39298" x2="9215" y2="52982"/>
+                        <a14:foregroundMark x1="34471" y1="89825" x2="38908" y2="89474"/>
+                        <a14:foregroundMark x1="38225" y1="92281" x2="45392" y2="92281"/>
+                        <a14:foregroundMark x1="48464" y1="93684" x2="55973" y2="93684"/>
+                        <a14:foregroundMark x1="92491" y1="58596" x2="87372" y2="68070"/>
+                        <a14:foregroundMark x1="93174" y1="48421" x2="92833" y2="63158"/>
+                        <a14:foregroundMark x1="65529" y1="9825" x2="56655" y2="9123"/>
+                        <a14:foregroundMark x1="44710" y1="6316" x2="41638" y2="8070"/>
+                        <a14:foregroundMark x1="47782" y1="48772" x2="49147" y2="59649"/>
+                        <a14:foregroundMark x1="42662" y1="47719" x2="41980" y2="58246"/>
+                        <a14:foregroundMark x1="37884" y1="45614" x2="36860" y2="52982"/>
+                        <a14:foregroundMark x1="36519" y1="40351" x2="37543" y2="48421"/>
+                        <a14:foregroundMark x1="38225" y1="38596" x2="45051" y2="37544"/>
+                        <a14:foregroundMark x1="42662" y1="34737" x2="63823" y2="40702"/>
+                        <a14:foregroundMark x1="63823" y1="40702" x2="60068" y2="49474"/>
+                        <a14:foregroundMark x1="61433" y1="38947" x2="44710" y2="37193"/>
+                        <a14:foregroundMark x1="60751" y1="37544" x2="42662" y2="37193"/>
+                        <a14:foregroundMark x1="61433" y1="55439" x2="55290" y2="70877"/>
+                        <a14:foregroundMark x1="61775" y1="57544" x2="59727" y2="71228"/>
+                        <a14:foregroundMark x1="63140" y1="58246" x2="60751" y2="71228"/>
+                        <a14:foregroundMark x1="64164" y1="62807" x2="47782" y2="73684"/>
+                        <a14:foregroundMark x1="39249" y1="57895" x2="41980" y2="75789"/>
+                        <a14:foregroundMark x1="41980" y1="75789" x2="44710" y2="75088"/>
+                        <a14:foregroundMark x1="36860" y1="58246" x2="40273" y2="69123"/>
+                        <a14:foregroundMark x1="35495" y1="59649" x2="40273" y2="70877"/>
+                        <a14:backgroundMark x1="29352" y1="21754" x2="29352" y2="23860"/>
+                        <a14:backgroundMark x1="26962" y1="27719" x2="20478" y2="32982"/>
+                        <a14:backgroundMark x1="18771" y1="33333" x2="18430" y2="40351"/>
+                        <a14:backgroundMark x1="19795" y1="32281" x2="16724" y2="49825"/>
+                        <a14:backgroundMark x1="17065" y1="40000" x2="21502" y2="29474"/>
+                        <a14:backgroundMark x1="17747" y1="34737" x2="22526" y2="29123"/>
+                        <a14:backgroundMark x1="22867" y1="24211" x2="32082" y2="21404"/>
+                        <a14:backgroundMark x1="28669" y1="23509" x2="43003" y2="17895"/>
+                        <a14:backgroundMark x1="46416" y1="15088" x2="25939" y2="21404"/>
+                        <a14:backgroundMark x1="27986" y1="21754" x2="20478" y2="27719"/>
+                        <a14:backgroundMark x1="53242" y1="18246" x2="59727" y2="20702"/>
+                        <a14:backgroundMark x1="63823" y1="21754" x2="59727" y2="18246"/>
+                        <a14:backgroundMark x1="58362" y1="19649" x2="63823" y2="21404"/>
+                        <a14:backgroundMark x1="36519" y1="23860" x2="36177" y2="24912"/>
+                        <a14:backgroundMark x1="48805" y1="18947" x2="49147" y2="20351"/>
+                        <a14:backgroundMark x1="36860" y1="24912" x2="33447" y2="24912"/>
+                      </a14:backgroundRemoval>
+                    </a14:imgEffect>
+                  </a14:imgLayer>
+                </a14:imgProps>
+              </a:ext>
+            </a:extLst>
+          </a:blip>
+          <a:stretch>
+            <a:fillRect/>
+          </a:stretch>
+        </p:blipFill>
+        <p:spPr>
+          <a:xfrm>
+            <a:off x="8097364" y="4729494"/>
+            <a:ext cx="936026" cy="910469"/>
+          </a:xfrm>
+          <a:prstGeom prst="rect">
+            <a:avLst/>
+          </a:prstGeom>
+        </p:spPr>
+      </p:pic>
+      <p:pic>
+        <p:nvPicPr>
+          <p:cNvPr id="16" name="Picture 15">
+            <a:extLst>
+              <a:ext uri="{FF2B5EF4-FFF2-40B4-BE49-F238E27FC236}">
+                <a16:creationId xmlns:a16="http://schemas.microsoft.com/office/drawing/2014/main" id="{7729956B-EE24-4DAB-E085-6D3B42F6E1EE}"/>
+              </a:ext>
+            </a:extLst>
+          </p:cNvPr>
+          <p:cNvPicPr>
+            <a:picLocks noChangeAspect="1"/>
+          </p:cNvPicPr>
+          <p:nvPr/>
+        </p:nvPicPr>
+        <p:blipFill>
+          <a:blip r:embed="rId11">
+            <a:clrChange>
+              <a:clrFrom>
+                <a:srgbClr val="FFFFFF"/>
+              </a:clrFrom>
+              <a:clrTo>
+                <a:srgbClr val="FFFFFF">
+                  <a:alpha val="0"/>
+                </a:srgbClr>
+              </a:clrTo>
+            </a:clrChange>
+          </a:blip>
+          <a:stretch>
+            <a:fillRect/>
+          </a:stretch>
+        </p:blipFill>
+        <p:spPr>
+          <a:xfrm>
+            <a:off x="2529141" y="1232897"/>
+            <a:ext cx="2658321" cy="826836"/>
+          </a:xfrm>
+          <a:prstGeom prst="rect">
+            <a:avLst/>
+          </a:prstGeom>
+        </p:spPr>
+      </p:pic>
+      <p:pic>
+        <p:nvPicPr>
+          <p:cNvPr id="11" name="Picture 10">
+            <a:extLst>
+              <a:ext uri="{FF2B5EF4-FFF2-40B4-BE49-F238E27FC236}">
+                <a16:creationId xmlns:a16="http://schemas.microsoft.com/office/drawing/2014/main" id="{19565090-A906-CAC5-C039-FF2F85869BCF}"/>
+              </a:ext>
+            </a:extLst>
+          </p:cNvPr>
+          <p:cNvPicPr>
+            <a:picLocks noChangeAspect="1"/>
+          </p:cNvPicPr>
+          <p:nvPr/>
+        </p:nvPicPr>
+        <p:blipFill>
+          <a:blip r:embed="rId12">
+            <a:clrChange>
+              <a:clrFrom>
+                <a:srgbClr val="FFFFFF"/>
+              </a:clrFrom>
+              <a:clrTo>
+                <a:srgbClr val="FFFFFF">
+                  <a:alpha val="0"/>
+                </a:srgbClr>
+              </a:clrTo>
+            </a:clrChange>
+          </a:blip>
+          <a:stretch>
+            <a:fillRect/>
+          </a:stretch>
+        </p:blipFill>
+        <p:spPr>
+          <a:xfrm>
+            <a:off x="8041045" y="1302102"/>
+            <a:ext cx="1467055" cy="419158"/>
+          </a:xfrm>
+          <a:prstGeom prst="rect">
+            <a:avLst/>
+          </a:prstGeom>
+        </p:spPr>
+      </p:pic>
+      <p:pic>
+        <p:nvPicPr>
+          <p:cNvPr id="15" name="Picture 14">
+            <a:extLst>
+              <a:ext uri="{FF2B5EF4-FFF2-40B4-BE49-F238E27FC236}">
+                <a16:creationId xmlns:a16="http://schemas.microsoft.com/office/drawing/2014/main" id="{20BD3760-2B66-499F-3A39-8F8AE524AB50}"/>
+              </a:ext>
+            </a:extLst>
+          </p:cNvPr>
+          <p:cNvPicPr>
+            <a:picLocks noChangeAspect="1"/>
+          </p:cNvPicPr>
+          <p:nvPr/>
+        </p:nvPicPr>
+        <p:blipFill>
+          <a:blip r:embed="rId13">
+            <a:extLst>
+              <a:ext uri="{BEBA8EAE-BF5A-486C-A8C5-ECC9F3942E4B}">
+                <a14:imgProps xmlns:a14="http://schemas.microsoft.com/office/drawing/2010/main">
+                  <a14:imgLayer r:embed="rId14">
+                    <a14:imgEffect>
+                      <a14:backgroundRemoval t="4331" b="96457" l="3175" r="94048">
+                        <a14:foregroundMark x1="49206" y1="5906" x2="41270" y2="6693"/>
+                        <a14:foregroundMark x1="91667" y1="42520" x2="90476" y2="48031"/>
+                        <a14:foregroundMark x1="53571" y1="31102" x2="40873" y2="33071"/>
+                        <a14:foregroundMark x1="67460" y1="32677" x2="34524" y2="34252"/>
+                        <a14:foregroundMark x1="44444" y1="31890" x2="28571" y2="29921"/>
+                        <a14:foregroundMark x1="29762" y1="50394" x2="71825" y2="50394"/>
+                        <a14:foregroundMark x1="73016" y1="66142" x2="23810" y2="67717"/>
+                        <a14:foregroundMark x1="42460" y1="89764" x2="52381" y2="89764"/>
+                        <a14:foregroundMark x1="52778" y1="92913" x2="47619" y2="93307"/>
+                        <a14:foregroundMark x1="8333" y1="46457" x2="9524" y2="61024"/>
+                        <a14:foregroundMark x1="4365" y1="47244" x2="4762" y2="52756"/>
+                        <a14:foregroundMark x1="78968" y1="37402" x2="78571" y2="49606"/>
+                        <a14:foregroundMark x1="73016" y1="32677" x2="75794" y2="49213"/>
+                        <a14:foregroundMark x1="71429" y1="23228" x2="82540" y2="48425"/>
+                        <a14:foregroundMark x1="75397" y1="24409" x2="83333" y2="37402"/>
+                        <a14:foregroundMark x1="84127" y1="49213" x2="80952" y2="68110"/>
+                        <a14:foregroundMark x1="78175" y1="72441" x2="57937" y2="80709"/>
+                        <a14:foregroundMark x1="44048" y1="85039" x2="36508" y2="82283"/>
+                        <a14:foregroundMark x1="44048" y1="55512" x2="59127" y2="59055"/>
+                        <a14:foregroundMark x1="60317" y1="78740" x2="45635" y2="78740"/>
+                        <a14:foregroundMark x1="53968" y1="90551" x2="65476" y2="84252"/>
+                        <a14:foregroundMark x1="54365" y1="92913" x2="45238" y2="93701"/>
+                        <a14:foregroundMark x1="89286" y1="38189" x2="91270" y2="62992"/>
+                        <a14:foregroundMark x1="67857" y1="65354" x2="43254" y2="66929"/>
+                        <a14:foregroundMark x1="45635" y1="60236" x2="36111" y2="72047"/>
+                        <a14:foregroundMark x1="92460" y1="40157" x2="90476" y2="51575"/>
+                        <a14:foregroundMark x1="92857" y1="43701" x2="92063" y2="51181"/>
+                        <a14:foregroundMark x1="94841" y1="46850" x2="92857" y2="51575"/>
+                        <a14:foregroundMark x1="4365" y1="48031" x2="3175" y2="50394"/>
+                        <a14:foregroundMark x1="55556" y1="8268" x2="48413" y2="4724"/>
+                        <a14:foregroundMark x1="53175" y1="93307" x2="50397" y2="96457"/>
+                      </a14:backgroundRemoval>
+                    </a14:imgEffect>
+                  </a14:imgLayer>
+                </a14:imgProps>
+              </a:ext>
+            </a:extLst>
+          </a:blip>
+          <a:stretch>
+            <a:fillRect/>
+          </a:stretch>
+        </p:blipFill>
+        <p:spPr>
+          <a:xfrm>
+            <a:off x="9727810" y="1232897"/>
+            <a:ext cx="579735" cy="584336"/>
           </a:xfrm>
           <a:prstGeom prst="rect">
             <a:avLst/>
@@ -27098,335 +28852,6 @@
     <p:extLst>
       <p:ext uri="{BB962C8B-B14F-4D97-AF65-F5344CB8AC3E}">
         <p14:creationId xmlns:p14="http://schemas.microsoft.com/office/powerpoint/2010/main" val="3286939063"/>
-      </p:ext>
-    </p:extLst>
-  </p:cSld>
-  <p:clrMapOvr>
-    <a:masterClrMapping/>
-  </p:clrMapOvr>
-</p:sld>
-</file>
-
-<file path=ppt/slides/slide4.xml><?xml version="1.0" encoding="utf-8"?>
-<p:sld xmlns:a="http://schemas.openxmlformats.org/drawingml/2006/main" xmlns:r="http://schemas.openxmlformats.org/officeDocument/2006/relationships" xmlns:p="http://schemas.openxmlformats.org/presentationml/2006/main">
-  <p:cSld>
-    <p:spTree>
-      <p:nvGrpSpPr>
-        <p:cNvPr id="1" name=""/>
-        <p:cNvGrpSpPr/>
-        <p:nvPr/>
-      </p:nvGrpSpPr>
-      <p:grpSpPr>
-        <a:xfrm>
-          <a:off x="0" y="0"/>
-          <a:ext cx="0" cy="0"/>
-          <a:chOff x="0" y="0"/>
-          <a:chExt cx="0" cy="0"/>
-        </a:xfrm>
-      </p:grpSpPr>
-      <p:sp>
-        <p:nvSpPr>
-          <p:cNvPr id="15" name="Title 14">
-            <a:extLst>
-              <a:ext uri="{FF2B5EF4-FFF2-40B4-BE49-F238E27FC236}">
-                <a16:creationId xmlns:a16="http://schemas.microsoft.com/office/drawing/2014/main" id="{8DED76B9-5273-4139-ACC9-B6E36ADE2385}"/>
-              </a:ext>
-            </a:extLst>
-          </p:cNvPr>
-          <p:cNvSpPr>
-            <a:spLocks noGrp="1"/>
-          </p:cNvSpPr>
-          <p:nvPr>
-            <p:ph type="title"/>
-          </p:nvPr>
-        </p:nvSpPr>
-        <p:spPr>
-          <a:xfrm>
-            <a:off x="153823" y="776941"/>
-            <a:ext cx="3828517" cy="5166659"/>
-          </a:xfrm>
-        </p:spPr>
-        <p:txBody>
-          <a:bodyPr anchor="t"/>
-          <a:lstStyle/>
-          <a:p>
-            <a:r>
-              <a:rPr lang="en-US" sz="4400" dirty="0">
-                <a:latin typeface="Arial" panose="020B0604020202020204" pitchFamily="34" charset="0"/>
-                <a:cs typeface="Arial" panose="020B0604020202020204" pitchFamily="34" charset="0"/>
-              </a:rPr>
-              <a:t>Who are we?</a:t>
-            </a:r>
-            <a:br>
-              <a:rPr lang="en-US" dirty="0">
-                <a:latin typeface="Arial" panose="020B0604020202020204" pitchFamily="34" charset="0"/>
-                <a:cs typeface="Arial" panose="020B0604020202020204" pitchFamily="34" charset="0"/>
-              </a:rPr>
-            </a:br>
-            <a:br>
-              <a:rPr lang="en-US" dirty="0">
-                <a:latin typeface="Arial" panose="020B0604020202020204" pitchFamily="34" charset="0"/>
-                <a:cs typeface="Arial" panose="020B0604020202020204" pitchFamily="34" charset="0"/>
-              </a:rPr>
-            </a:br>
-            <a:br>
-              <a:rPr lang="en-US" dirty="0">
-                <a:latin typeface="Arial" panose="020B0604020202020204" pitchFamily="34" charset="0"/>
-                <a:cs typeface="Arial" panose="020B0604020202020204" pitchFamily="34" charset="0"/>
-              </a:rPr>
-            </a:br>
-            <a:r>
-              <a:rPr lang="en-US" sz="5400" dirty="0">
-                <a:latin typeface="Arial" panose="020B0604020202020204" pitchFamily="34" charset="0"/>
-                <a:cs typeface="Arial" panose="020B0604020202020204" pitchFamily="34" charset="0"/>
-              </a:rPr>
-              <a:t>Joe’s</a:t>
-            </a:r>
-            <a:br>
-              <a:rPr lang="en-US" sz="5400" dirty="0">
-                <a:latin typeface="Arial" panose="020B0604020202020204" pitchFamily="34" charset="0"/>
-                <a:cs typeface="Arial" panose="020B0604020202020204" pitchFamily="34" charset="0"/>
-              </a:rPr>
-            </a:br>
-            <a:r>
-              <a:rPr lang="en-US" sz="5400" dirty="0">
-                <a:latin typeface="Arial" panose="020B0604020202020204" pitchFamily="34" charset="0"/>
-                <a:cs typeface="Arial" panose="020B0604020202020204" pitchFamily="34" charset="0"/>
-              </a:rPr>
-              <a:t>Games</a:t>
-            </a:r>
-            <a:endParaRPr lang="en-US" dirty="0">
-              <a:latin typeface="Arial" panose="020B0604020202020204" pitchFamily="34" charset="0"/>
-              <a:cs typeface="Arial" panose="020B0604020202020204" pitchFamily="34" charset="0"/>
-            </a:endParaRPr>
-          </a:p>
-        </p:txBody>
-      </p:sp>
-      <p:pic>
-        <p:nvPicPr>
-          <p:cNvPr id="5" name="Picture Placeholder 4" descr="A person standing on a rock">
-            <a:extLst>
-              <a:ext uri="{FF2B5EF4-FFF2-40B4-BE49-F238E27FC236}">
-                <a16:creationId xmlns:a16="http://schemas.microsoft.com/office/drawing/2014/main" id="{633DBDDF-94F3-4001-919E-B56D62CE7A09}"/>
-              </a:ext>
-            </a:extLst>
-          </p:cNvPr>
-          <p:cNvPicPr>
-            <a:picLocks noGrp="1" noChangeAspect="1"/>
-          </p:cNvPicPr>
-          <p:nvPr>
-            <p:ph type="pic" sz="quarter" idx="13"/>
-          </p:nvPr>
-        </p:nvPicPr>
-        <p:blipFill rotWithShape="1">
-          <a:blip r:embed="rId3" cstate="screen">
-            <a:extLst>
-              <a:ext uri="{28A0092B-C50C-407E-A947-70E740481C1C}">
-                <a14:useLocalDpi xmlns:a14="http://schemas.microsoft.com/office/drawing/2010/main" val="0"/>
-              </a:ext>
-            </a:extLst>
-          </a:blip>
-          <a:srcRect/>
-          <a:stretch/>
-        </p:blipFill>
-        <p:spPr>
-          <a:xfrm>
-            <a:off x="4076700" y="0"/>
-            <a:ext cx="4038600" cy="3429000"/>
-          </a:xfrm>
-        </p:spPr>
-      </p:pic>
-      <p:pic>
-        <p:nvPicPr>
-          <p:cNvPr id="44" name="Picture Placeholder 43" descr="A picture containing mountain, sky, nature, outdoor">
-            <a:extLst>
-              <a:ext uri="{FF2B5EF4-FFF2-40B4-BE49-F238E27FC236}">
-                <a16:creationId xmlns:a16="http://schemas.microsoft.com/office/drawing/2014/main" id="{73DD8BED-FB17-4ABE-9B18-B6DDA81A0E05}"/>
-              </a:ext>
-            </a:extLst>
-          </p:cNvPr>
-          <p:cNvPicPr>
-            <a:picLocks noGrp="1" noChangeAspect="1"/>
-          </p:cNvPicPr>
-          <p:nvPr>
-            <p:ph type="pic" sz="quarter" idx="14"/>
-          </p:nvPr>
-        </p:nvPicPr>
-        <p:blipFill rotWithShape="1">
-          <a:blip r:embed="rId4" cstate="screen">
-            <a:extLst>
-              <a:ext uri="{28A0092B-C50C-407E-A947-70E740481C1C}">
-                <a14:useLocalDpi xmlns:a14="http://schemas.microsoft.com/office/drawing/2010/main" val="0"/>
-              </a:ext>
-            </a:extLst>
-          </a:blip>
-          <a:srcRect/>
-          <a:stretch/>
-        </p:blipFill>
-        <p:spPr>
-          <a:xfrm>
-            <a:off x="8115300" y="0"/>
-            <a:ext cx="4076701" cy="3429000"/>
-          </a:xfrm>
-        </p:spPr>
-      </p:pic>
-      <p:sp>
-        <p:nvSpPr>
-          <p:cNvPr id="18" name="Text Placeholder 17">
-            <a:extLst>
-              <a:ext uri="{FF2B5EF4-FFF2-40B4-BE49-F238E27FC236}">
-                <a16:creationId xmlns:a16="http://schemas.microsoft.com/office/drawing/2014/main" id="{87F2C169-25EA-4609-BC8A-BCA7C433EEE4}"/>
-              </a:ext>
-            </a:extLst>
-          </p:cNvPr>
-          <p:cNvSpPr>
-            <a:spLocks noGrp="1"/>
-          </p:cNvSpPr>
-          <p:nvPr>
-            <p:ph type="body" sz="quarter" idx="15"/>
-          </p:nvPr>
-        </p:nvSpPr>
-        <p:spPr>
-          <a:xfrm>
-            <a:off x="4485896" y="3591468"/>
-            <a:ext cx="7258807" cy="2599874"/>
-          </a:xfrm>
-        </p:spPr>
-        <p:txBody>
-          <a:bodyPr>
-            <a:normAutofit/>
-          </a:bodyPr>
-          <a:lstStyle/>
-          <a:p>
-            <a:pPr marL="0" indent="0">
-              <a:buNone/>
-            </a:pPr>
-            <a:r>
-              <a:rPr lang="en-US" sz="1800" dirty="0">
-                <a:latin typeface="Arial" panose="020B0604020202020204" pitchFamily="34" charset="0"/>
-                <a:cs typeface="Arial" panose="020B0604020202020204" pitchFamily="34" charset="0"/>
-              </a:rPr>
-              <a:t>Limited company, will be producing mobile games in the casual market, using freelancers for main development.</a:t>
-            </a:r>
-          </a:p>
-          <a:p>
-            <a:pPr marL="0" indent="0">
-              <a:buNone/>
-            </a:pPr>
-            <a:r>
-              <a:rPr lang="en-US" sz="1800" dirty="0">
-                <a:latin typeface="Arial" panose="020B0604020202020204" pitchFamily="34" charset="0"/>
-                <a:cs typeface="Arial" panose="020B0604020202020204" pitchFamily="34" charset="0"/>
-              </a:rPr>
-              <a:t>Myself as development lead, hire marketing analyst to take charge of finances and marketing</a:t>
-            </a:r>
-          </a:p>
-        </p:txBody>
-      </p:sp>
-      <p:sp>
-        <p:nvSpPr>
-          <p:cNvPr id="19" name="Date Placeholder 18">
-            <a:extLst>
-              <a:ext uri="{FF2B5EF4-FFF2-40B4-BE49-F238E27FC236}">
-                <a16:creationId xmlns:a16="http://schemas.microsoft.com/office/drawing/2014/main" id="{CE93697D-BFA2-4D84-A860-BA620414419D}"/>
-              </a:ext>
-            </a:extLst>
-          </p:cNvPr>
-          <p:cNvSpPr>
-            <a:spLocks noGrp="1"/>
-          </p:cNvSpPr>
-          <p:nvPr>
-            <p:ph type="dt" sz="half" idx="10"/>
-          </p:nvPr>
-        </p:nvSpPr>
-        <p:spPr>
-          <a:xfrm>
-            <a:off x="7013448" y="6355080"/>
-            <a:ext cx="4352544" cy="365125"/>
-          </a:xfrm>
-        </p:spPr>
-        <p:txBody>
-          <a:bodyPr/>
-          <a:lstStyle/>
-          <a:p>
-            <a:pPr lvl="0"/>
-            <a:r>
-              <a:rPr lang="en-US" noProof="0" dirty="0"/>
-              <a:t>2022</a:t>
-            </a:r>
-          </a:p>
-        </p:txBody>
-      </p:sp>
-      <p:sp>
-        <p:nvSpPr>
-          <p:cNvPr id="21" name="Slide Number Placeholder 20">
-            <a:extLst>
-              <a:ext uri="{FF2B5EF4-FFF2-40B4-BE49-F238E27FC236}">
-                <a16:creationId xmlns:a16="http://schemas.microsoft.com/office/drawing/2014/main" id="{C19BFBA5-3E41-40F8-9EFB-9DF730F5B6E4}"/>
-              </a:ext>
-            </a:extLst>
-          </p:cNvPr>
-          <p:cNvSpPr>
-            <a:spLocks noGrp="1"/>
-          </p:cNvSpPr>
-          <p:nvPr>
-            <p:ph type="sldNum" sz="quarter" idx="12"/>
-          </p:nvPr>
-        </p:nvSpPr>
-        <p:spPr>
-          <a:xfrm>
-            <a:off x="11365992" y="6356350"/>
-            <a:ext cx="630936" cy="365125"/>
-          </a:xfrm>
-        </p:spPr>
-        <p:txBody>
-          <a:bodyPr/>
-          <a:lstStyle/>
-          <a:p>
-            <a:pPr lvl="0"/>
-            <a:fld id="{244D815C-8BF3-4ECF-A945-A2A7C2983AF9}" type="slidenum">
-              <a:rPr lang="en-US" noProof="0" smtClean="0"/>
-              <a:pPr lvl="0"/>
-              <a:t>4</a:t>
-            </a:fld>
-            <a:endParaRPr lang="en-US" noProof="0" dirty="0"/>
-          </a:p>
-        </p:txBody>
-      </p:sp>
-      <p:pic>
-        <p:nvPicPr>
-          <p:cNvPr id="3" name="Picture 2">
-            <a:extLst>
-              <a:ext uri="{FF2B5EF4-FFF2-40B4-BE49-F238E27FC236}">
-                <a16:creationId xmlns:a16="http://schemas.microsoft.com/office/drawing/2014/main" id="{10B72CAF-C024-4F09-BEEE-0AE8939558CA}"/>
-              </a:ext>
-            </a:extLst>
-          </p:cNvPr>
-          <p:cNvPicPr>
-            <a:picLocks noChangeAspect="1"/>
-          </p:cNvPicPr>
-          <p:nvPr/>
-        </p:nvPicPr>
-        <p:blipFill>
-          <a:blip r:embed="rId5"/>
-          <a:stretch>
-            <a:fillRect/>
-          </a:stretch>
-        </p:blipFill>
-        <p:spPr>
-          <a:xfrm>
-            <a:off x="931771" y="4428101"/>
-            <a:ext cx="2065166" cy="1763241"/>
-          </a:xfrm>
-          <a:prstGeom prst="rect">
-            <a:avLst/>
-          </a:prstGeom>
-        </p:spPr>
-      </p:pic>
-    </p:spTree>
-    <p:extLst>
-      <p:ext uri="{BB962C8B-B14F-4D97-AF65-F5344CB8AC3E}">
-        <p14:creationId xmlns:p14="http://schemas.microsoft.com/office/powerpoint/2010/main" val="2106347884"/>
       </p:ext>
     </p:extLst>
   </p:cSld>
@@ -27507,7 +28932,7 @@
         </p:nvSpPr>
         <p:spPr>
           <a:xfrm>
-            <a:off x="1209243" y="1764139"/>
+            <a:off x="1638988" y="1574953"/>
             <a:ext cx="4756714" cy="597604"/>
           </a:xfrm>
         </p:spPr>
@@ -27543,59 +28968,49 @@
         </p:nvSpPr>
         <p:spPr>
           <a:xfrm>
-            <a:off x="1209243" y="2374899"/>
-            <a:ext cx="4576260" cy="1385853"/>
+            <a:off x="1638988" y="2061209"/>
+            <a:ext cx="4576260" cy="1959499"/>
           </a:xfrm>
         </p:spPr>
         <p:txBody>
-          <a:bodyPr/>
+          <a:bodyPr>
+            <a:normAutofit/>
+          </a:bodyPr>
           <a:lstStyle/>
           <a:p>
-            <a:pPr marL="0" indent="0">
-              <a:buNone/>
-            </a:pPr>
             <a:r>
               <a:rPr lang="en-US" dirty="0">
                 <a:latin typeface="Arial" panose="020B0604020202020204" pitchFamily="34" charset="0"/>
                 <a:cs typeface="Arial" panose="020B0604020202020204" pitchFamily="34" charset="0"/>
               </a:rPr>
-              <a:t>As a multiplayer fighting game, the fighting mechanics are very important. Fluid, accurate, physics reliant.</a:t>
+              <a:t>Sword for Melee</a:t>
             </a:r>
           </a:p>
-        </p:txBody>
-      </p:sp>
-      <p:sp>
-        <p:nvSpPr>
-          <p:cNvPr id="16" name="Text Placeholder 15">
-            <a:extLst>
-              <a:ext uri="{FF2B5EF4-FFF2-40B4-BE49-F238E27FC236}">
-                <a16:creationId xmlns:a16="http://schemas.microsoft.com/office/drawing/2014/main" id="{1ADD5DF7-575E-4C10-815E-CDBBFAB583BF}"/>
-              </a:ext>
-            </a:extLst>
-          </p:cNvPr>
-          <p:cNvSpPr>
-            <a:spLocks noGrp="1"/>
-          </p:cNvSpPr>
-          <p:nvPr>
-            <p:ph type="body" sz="quarter" idx="16"/>
-          </p:nvPr>
-        </p:nvSpPr>
-        <p:spPr>
-          <a:xfrm>
-            <a:off x="6257467" y="1764031"/>
-            <a:ext cx="4756714" cy="597604"/>
-          </a:xfrm>
-        </p:spPr>
-        <p:txBody>
-          <a:bodyPr/>
-          <a:lstStyle/>
           <a:p>
             <a:r>
               <a:rPr lang="en-US" dirty="0">
                 <a:latin typeface="Arial" panose="020B0604020202020204" pitchFamily="34" charset="0"/>
                 <a:cs typeface="Arial" panose="020B0604020202020204" pitchFamily="34" charset="0"/>
               </a:rPr>
-              <a:t>Mining</a:t>
+              <a:t>Bow for ranged</a:t>
+            </a:r>
+          </a:p>
+          <a:p>
+            <a:r>
+              <a:rPr lang="en-US" dirty="0">
+                <a:latin typeface="Arial" panose="020B0604020202020204" pitchFamily="34" charset="0"/>
+                <a:cs typeface="Arial" panose="020B0604020202020204" pitchFamily="34" charset="0"/>
+              </a:rPr>
+              <a:t>Physics based</a:t>
+            </a:r>
+          </a:p>
+          <a:p>
+            <a:r>
+              <a:rPr lang="en-US" dirty="0">
+                <a:latin typeface="Arial" panose="020B0604020202020204" pitchFamily="34" charset="0"/>
+                <a:cs typeface="Arial" panose="020B0604020202020204" pitchFamily="34" charset="0"/>
+              </a:rPr>
+              <a:t>Smooth</a:t>
             </a:r>
           </a:p>
         </p:txBody>
@@ -27720,7 +29135,7 @@
         </p:nvSpPr>
         <p:spPr>
           <a:xfrm>
-            <a:off x="1209243" y="4023398"/>
+            <a:off x="1638988" y="4199187"/>
             <a:ext cx="4756714" cy="597604"/>
           </a:xfrm>
           <a:prstGeom prst="rect">
@@ -27901,7 +29316,7 @@
                 <a:latin typeface="Arial" panose="020B0604020202020204" pitchFamily="34" charset="0"/>
                 <a:cs typeface="Arial" panose="020B0604020202020204" pitchFamily="34" charset="0"/>
               </a:rPr>
-              <a:t>Building</a:t>
+              <a:t>Mining</a:t>
             </a:r>
           </a:p>
         </p:txBody>
@@ -27922,8 +29337,8 @@
         </p:nvSpPr>
         <p:spPr>
           <a:xfrm>
-            <a:off x="1209243" y="4634159"/>
-            <a:ext cx="4576260" cy="1857552"/>
+            <a:off x="1638988" y="4685444"/>
+            <a:ext cx="3969310" cy="1857552"/>
           </a:xfrm>
           <a:prstGeom prst="rect">
             <a:avLst/>
@@ -28098,16 +29513,692 @@
             </a:lvl9pPr>
           </a:lstStyle>
           <a:p>
-            <a:pPr marL="0" indent="0">
-              <a:buFont typeface="Arial" panose="020B0604020202020204" pitchFamily="34" charset="0"/>
-              <a:buNone/>
-            </a:pPr>
             <a:r>
               <a:rPr lang="en-US" dirty="0">
                 <a:latin typeface="Arial" panose="020B0604020202020204" pitchFamily="34" charset="0"/>
                 <a:cs typeface="Arial" panose="020B0604020202020204" pitchFamily="34" charset="0"/>
               </a:rPr>
-              <a:t>Use collected resources to strategically place down block tiles and outplay the opponents.</a:t>
+              <a:t>Dig through environment</a:t>
+            </a:r>
+          </a:p>
+          <a:p>
+            <a:r>
+              <a:rPr lang="en-US" dirty="0">
+                <a:latin typeface="Arial" panose="020B0604020202020204" pitchFamily="34" charset="0"/>
+                <a:cs typeface="Arial" panose="020B0604020202020204" pitchFamily="34" charset="0"/>
+              </a:rPr>
+              <a:t>Sell scrap for gold</a:t>
+            </a:r>
+          </a:p>
+          <a:p>
+            <a:r>
+              <a:rPr lang="en-US" dirty="0">
+                <a:latin typeface="Arial" panose="020B0604020202020204" pitchFamily="34" charset="0"/>
+                <a:cs typeface="Arial" panose="020B0604020202020204" pitchFamily="34" charset="0"/>
+              </a:rPr>
+              <a:t>Obtain enough ores to unlock better equipment</a:t>
+            </a:r>
+          </a:p>
+          <a:p>
+            <a:pPr marL="0" indent="0">
+              <a:buFont typeface="Arial" panose="020B0604020202020204" pitchFamily="34" charset="0"/>
+              <a:buNone/>
+            </a:pPr>
+            <a:endParaRPr lang="en-US" dirty="0">
+              <a:latin typeface="Arial" panose="020B0604020202020204" pitchFamily="34" charset="0"/>
+              <a:cs typeface="Arial" panose="020B0604020202020204" pitchFamily="34" charset="0"/>
+            </a:endParaRPr>
+          </a:p>
+        </p:txBody>
+      </p:sp>
+      <p:pic>
+        <p:nvPicPr>
+          <p:cNvPr id="19" name="Picture 18">
+            <a:extLst>
+              <a:ext uri="{FF2B5EF4-FFF2-40B4-BE49-F238E27FC236}">
+                <a16:creationId xmlns:a16="http://schemas.microsoft.com/office/drawing/2014/main" id="{2B936CFB-721A-0C12-8D2F-0CEB91146A9B}"/>
+              </a:ext>
+            </a:extLst>
+          </p:cNvPr>
+          <p:cNvPicPr>
+            <a:picLocks noChangeAspect="1"/>
+          </p:cNvPicPr>
+          <p:nvPr/>
+        </p:nvPicPr>
+        <p:blipFill>
+          <a:blip r:embed="rId3"/>
+          <a:stretch>
+            <a:fillRect/>
+          </a:stretch>
+        </p:blipFill>
+        <p:spPr>
+          <a:xfrm>
+            <a:off x="5917568" y="1450532"/>
+            <a:ext cx="5368404" cy="2423860"/>
+          </a:xfrm>
+          <a:prstGeom prst="rect">
+            <a:avLst/>
+          </a:prstGeom>
+        </p:spPr>
+      </p:pic>
+      <p:pic>
+        <p:nvPicPr>
+          <p:cNvPr id="21" name="Picture 20">
+            <a:extLst>
+              <a:ext uri="{FF2B5EF4-FFF2-40B4-BE49-F238E27FC236}">
+                <a16:creationId xmlns:a16="http://schemas.microsoft.com/office/drawing/2014/main" id="{A1B041CB-8CCD-BC9F-2A9A-A69847F8368B}"/>
+              </a:ext>
+            </a:extLst>
+          </p:cNvPr>
+          <p:cNvPicPr>
+            <a:picLocks noChangeAspect="1"/>
+          </p:cNvPicPr>
+          <p:nvPr/>
+        </p:nvPicPr>
+        <p:blipFill>
+          <a:blip r:embed="rId4"/>
+          <a:stretch>
+            <a:fillRect/>
+          </a:stretch>
+        </p:blipFill>
+        <p:spPr>
+          <a:xfrm>
+            <a:off x="6848323" y="4020708"/>
+            <a:ext cx="3506894" cy="2540427"/>
+          </a:xfrm>
+          <a:prstGeom prst="rect">
+            <a:avLst/>
+          </a:prstGeom>
+        </p:spPr>
+      </p:pic>
+    </p:spTree>
+    <p:extLst>
+      <p:ext uri="{BB962C8B-B14F-4D97-AF65-F5344CB8AC3E}">
+        <p14:creationId xmlns:p14="http://schemas.microsoft.com/office/powerpoint/2010/main" val="4026302795"/>
+      </p:ext>
+    </p:extLst>
+  </p:cSld>
+  <p:clrMapOvr>
+    <a:masterClrMapping/>
+  </p:clrMapOvr>
+</p:sld>
+</file>
+
+<file path=ppt/slides/slide6.xml><?xml version="1.0" encoding="utf-8"?>
+<p:sld xmlns:a="http://schemas.openxmlformats.org/drawingml/2006/main" xmlns:r="http://schemas.openxmlformats.org/officeDocument/2006/relationships" xmlns:p="http://schemas.openxmlformats.org/presentationml/2006/main">
+  <p:cSld>
+    <p:spTree>
+      <p:nvGrpSpPr>
+        <p:cNvPr id="1" name=""/>
+        <p:cNvGrpSpPr/>
+        <p:nvPr/>
+      </p:nvGrpSpPr>
+      <p:grpSpPr>
+        <a:xfrm>
+          <a:off x="0" y="0"/>
+          <a:ext cx="0" cy="0"/>
+          <a:chOff x="0" y="0"/>
+          <a:chExt cx="0" cy="0"/>
+        </a:xfrm>
+      </p:grpSpPr>
+      <p:sp>
+        <p:nvSpPr>
+          <p:cNvPr id="33" name="Title 32">
+            <a:extLst>
+              <a:ext uri="{FF2B5EF4-FFF2-40B4-BE49-F238E27FC236}">
+                <a16:creationId xmlns:a16="http://schemas.microsoft.com/office/drawing/2014/main" id="{2D22322F-E79D-4BEF-8038-DE2C8F5CCA40}"/>
+              </a:ext>
+            </a:extLst>
+          </p:cNvPr>
+          <p:cNvSpPr>
+            <a:spLocks noGrp="1"/>
+          </p:cNvSpPr>
+          <p:nvPr>
+            <p:ph type="title"/>
+          </p:nvPr>
+        </p:nvSpPr>
+        <p:spPr>
+          <a:xfrm>
+            <a:off x="1249680" y="190500"/>
+            <a:ext cx="10036292" cy="773776"/>
+          </a:xfrm>
+        </p:spPr>
+        <p:txBody>
+          <a:bodyPr>
+            <a:normAutofit fontScale="90000"/>
+          </a:bodyPr>
+          <a:lstStyle/>
+          <a:p>
+            <a:pPr algn="ctr"/>
+            <a:r>
+              <a:rPr lang="en-US" dirty="0"/>
+              <a:t>Core Mechanics</a:t>
+            </a:r>
+          </a:p>
+        </p:txBody>
+      </p:sp>
+      <p:sp>
+        <p:nvSpPr>
+          <p:cNvPr id="7" name="Footer Placeholder 6">
+            <a:extLst>
+              <a:ext uri="{FF2B5EF4-FFF2-40B4-BE49-F238E27FC236}">
+                <a16:creationId xmlns:a16="http://schemas.microsoft.com/office/drawing/2014/main" id="{C4A3939E-B573-4FB2-AD69-18C1A75F947B}"/>
+              </a:ext>
+            </a:extLst>
+          </p:cNvPr>
+          <p:cNvSpPr>
+            <a:spLocks noGrp="1"/>
+          </p:cNvSpPr>
+          <p:nvPr>
+            <p:ph type="ftr" sz="quarter" idx="11"/>
+          </p:nvPr>
+        </p:nvSpPr>
+        <p:spPr>
+          <a:xfrm>
+            <a:off x="201168" y="6356350"/>
+            <a:ext cx="4837176" cy="365125"/>
+          </a:xfrm>
+        </p:spPr>
+        <p:txBody>
+          <a:bodyPr/>
+          <a:lstStyle/>
+          <a:p>
+            <a:pPr lvl="0"/>
+            <a:r>
+              <a:rPr lang="en-US" noProof="0" dirty="0"/>
+              <a:t>OutDig</a:t>
+            </a:r>
+          </a:p>
+        </p:txBody>
+      </p:sp>
+      <p:sp>
+        <p:nvSpPr>
+          <p:cNvPr id="6" name="Date Placeholder 5">
+            <a:extLst>
+              <a:ext uri="{FF2B5EF4-FFF2-40B4-BE49-F238E27FC236}">
+                <a16:creationId xmlns:a16="http://schemas.microsoft.com/office/drawing/2014/main" id="{6EF65B39-4112-473E-B203-73AC0F564D47}"/>
+              </a:ext>
+            </a:extLst>
+          </p:cNvPr>
+          <p:cNvSpPr>
+            <a:spLocks noGrp="1"/>
+          </p:cNvSpPr>
+          <p:nvPr>
+            <p:ph type="dt" sz="half" idx="10"/>
+          </p:nvPr>
+        </p:nvSpPr>
+        <p:spPr>
+          <a:xfrm>
+            <a:off x="7013448" y="6355080"/>
+            <a:ext cx="4352544" cy="365125"/>
+          </a:xfrm>
+        </p:spPr>
+        <p:txBody>
+          <a:bodyPr/>
+          <a:lstStyle/>
+          <a:p>
+            <a:pPr lvl="0"/>
+            <a:r>
+              <a:rPr lang="en-US" noProof="0" dirty="0"/>
+              <a:t>2022</a:t>
+            </a:r>
+          </a:p>
+        </p:txBody>
+      </p:sp>
+      <p:sp>
+        <p:nvSpPr>
+          <p:cNvPr id="8" name="Slide Number Placeholder 7">
+            <a:extLst>
+              <a:ext uri="{FF2B5EF4-FFF2-40B4-BE49-F238E27FC236}">
+                <a16:creationId xmlns:a16="http://schemas.microsoft.com/office/drawing/2014/main" id="{99800B7A-B486-4409-9EDD-0A7B9628EDE8}"/>
+              </a:ext>
+            </a:extLst>
+          </p:cNvPr>
+          <p:cNvSpPr>
+            <a:spLocks noGrp="1"/>
+          </p:cNvSpPr>
+          <p:nvPr>
+            <p:ph type="sldNum" sz="quarter" idx="12"/>
+          </p:nvPr>
+        </p:nvSpPr>
+        <p:spPr>
+          <a:xfrm>
+            <a:off x="11365992" y="6356350"/>
+            <a:ext cx="630936" cy="365125"/>
+          </a:xfrm>
+        </p:spPr>
+        <p:txBody>
+          <a:bodyPr/>
+          <a:lstStyle/>
+          <a:p>
+            <a:pPr lvl="0"/>
+            <a:fld id="{06B786C7-B8F9-4072-AAAA-17258464D730}" type="slidenum">
+              <a:rPr lang="en-US" noProof="0" smtClean="0"/>
+              <a:pPr lvl="0"/>
+              <a:t>6</a:t>
+            </a:fld>
+            <a:endParaRPr lang="en-US" noProof="0" dirty="0"/>
+          </a:p>
+        </p:txBody>
+      </p:sp>
+      <p:sp>
+        <p:nvSpPr>
+          <p:cNvPr id="2" name="Text Placeholder 13">
+            <a:extLst>
+              <a:ext uri="{FF2B5EF4-FFF2-40B4-BE49-F238E27FC236}">
+                <a16:creationId xmlns:a16="http://schemas.microsoft.com/office/drawing/2014/main" id="{73695C54-EDB8-29E6-AC74-53032D62845B}"/>
+              </a:ext>
+            </a:extLst>
+          </p:cNvPr>
+          <p:cNvSpPr txBox="1">
+            <a:spLocks/>
+          </p:cNvSpPr>
+          <p:nvPr/>
+        </p:nvSpPr>
+        <p:spPr>
+          <a:xfrm>
+            <a:off x="1625798" y="4167503"/>
+            <a:ext cx="4756714" cy="597604"/>
+          </a:xfrm>
+          <a:prstGeom prst="rect">
+            <a:avLst/>
+          </a:prstGeom>
+        </p:spPr>
+        <p:txBody>
+          <a:bodyPr vert="horz" lIns="91440" tIns="45720" rIns="91440" bIns="45720" rtlCol="0">
+            <a:normAutofit/>
+          </a:bodyPr>
+          <a:lstStyle>
+            <a:lvl1pPr marL="0" indent="0" algn="l" defTabSz="914400" rtl="0" eaLnBrk="1" latinLnBrk="0" hangingPunct="1">
+              <a:lnSpc>
+                <a:spcPct val="110000"/>
+              </a:lnSpc>
+              <a:spcBef>
+                <a:spcPts val="1000"/>
+              </a:spcBef>
+              <a:buFont typeface="Arial" panose="020B0604020202020204" pitchFamily="34" charset="0"/>
+              <a:buNone/>
+              <a:defRPr sz="2400" b="1" kern="1200" spc="-20" baseline="0">
+                <a:solidFill>
+                  <a:schemeClr val="accent2"/>
+                </a:solidFill>
+                <a:latin typeface="+mn-lt"/>
+                <a:ea typeface="+mn-ea"/>
+                <a:cs typeface="+mn-cs"/>
+              </a:defRPr>
+            </a:lvl1pPr>
+            <a:lvl2pPr marL="685800" indent="-228600" algn="l" defTabSz="914400" rtl="0" eaLnBrk="1" latinLnBrk="0" hangingPunct="1">
+              <a:lnSpc>
+                <a:spcPct val="110000"/>
+              </a:lnSpc>
+              <a:spcBef>
+                <a:spcPts val="500"/>
+              </a:spcBef>
+              <a:buFont typeface="Arial" panose="020B0604020202020204" pitchFamily="34" charset="0"/>
+              <a:buChar char="•"/>
+              <a:defRPr sz="2000" kern="1200" spc="-20" baseline="0">
+                <a:solidFill>
+                  <a:schemeClr val="tx1"/>
+                </a:solidFill>
+                <a:latin typeface="+mn-lt"/>
+                <a:ea typeface="+mn-ea"/>
+                <a:cs typeface="+mn-cs"/>
+              </a:defRPr>
+            </a:lvl2pPr>
+            <a:lvl3pPr marL="1143000" indent="-228600" algn="l" defTabSz="914400" rtl="0" eaLnBrk="1" latinLnBrk="0" hangingPunct="1">
+              <a:lnSpc>
+                <a:spcPct val="110000"/>
+              </a:lnSpc>
+              <a:spcBef>
+                <a:spcPts val="500"/>
+              </a:spcBef>
+              <a:buFont typeface="Arial" panose="020B0604020202020204" pitchFamily="34" charset="0"/>
+              <a:buChar char="•"/>
+              <a:defRPr sz="1800" kern="1200" spc="-20" baseline="0">
+                <a:solidFill>
+                  <a:schemeClr val="tx1"/>
+                </a:solidFill>
+                <a:latin typeface="+mn-lt"/>
+                <a:ea typeface="+mn-ea"/>
+                <a:cs typeface="+mn-cs"/>
+              </a:defRPr>
+            </a:lvl3pPr>
+            <a:lvl4pPr marL="1600200" indent="-228600" algn="l" defTabSz="914400" rtl="0" eaLnBrk="1" latinLnBrk="0" hangingPunct="1">
+              <a:lnSpc>
+                <a:spcPct val="110000"/>
+              </a:lnSpc>
+              <a:spcBef>
+                <a:spcPts val="500"/>
+              </a:spcBef>
+              <a:buFont typeface="Arial" panose="020B0604020202020204" pitchFamily="34" charset="0"/>
+              <a:buChar char="•"/>
+              <a:defRPr sz="1600" kern="1200" spc="-20" baseline="0">
+                <a:solidFill>
+                  <a:schemeClr val="tx1"/>
+                </a:solidFill>
+                <a:latin typeface="+mn-lt"/>
+                <a:ea typeface="+mn-ea"/>
+                <a:cs typeface="+mn-cs"/>
+              </a:defRPr>
+            </a:lvl4pPr>
+            <a:lvl5pPr marL="2057400" indent="-228600" algn="l" defTabSz="914400" rtl="0" eaLnBrk="1" latinLnBrk="0" hangingPunct="1">
+              <a:lnSpc>
+                <a:spcPct val="110000"/>
+              </a:lnSpc>
+              <a:spcBef>
+                <a:spcPts val="500"/>
+              </a:spcBef>
+              <a:buFont typeface="Arial" panose="020B0604020202020204" pitchFamily="34" charset="0"/>
+              <a:buChar char="•"/>
+              <a:defRPr sz="1600" kern="1200" spc="-20" baseline="0">
+                <a:solidFill>
+                  <a:schemeClr val="tx1"/>
+                </a:solidFill>
+                <a:latin typeface="+mn-lt"/>
+                <a:ea typeface="+mn-ea"/>
+                <a:cs typeface="+mn-cs"/>
+              </a:defRPr>
+            </a:lvl5pPr>
+            <a:lvl6pPr marL="2514600" indent="-228600" algn="l" defTabSz="914400" rtl="0" eaLnBrk="1" latinLnBrk="0" hangingPunct="1">
+              <a:lnSpc>
+                <a:spcPct val="90000"/>
+              </a:lnSpc>
+              <a:spcBef>
+                <a:spcPts val="500"/>
+              </a:spcBef>
+              <a:buFont typeface="Arial" panose="020B0604020202020204" pitchFamily="34" charset="0"/>
+              <a:buChar char="•"/>
+              <a:defRPr sz="1800" kern="1200">
+                <a:solidFill>
+                  <a:schemeClr val="tx1"/>
+                </a:solidFill>
+                <a:latin typeface="+mn-lt"/>
+                <a:ea typeface="+mn-ea"/>
+                <a:cs typeface="+mn-cs"/>
+              </a:defRPr>
+            </a:lvl6pPr>
+            <a:lvl7pPr marL="2971800" indent="-228600" algn="l" defTabSz="914400" rtl="0" eaLnBrk="1" latinLnBrk="0" hangingPunct="1">
+              <a:lnSpc>
+                <a:spcPct val="90000"/>
+              </a:lnSpc>
+              <a:spcBef>
+                <a:spcPts val="500"/>
+              </a:spcBef>
+              <a:buFont typeface="Arial" panose="020B0604020202020204" pitchFamily="34" charset="0"/>
+              <a:buChar char="•"/>
+              <a:defRPr sz="1800" kern="1200">
+                <a:solidFill>
+                  <a:schemeClr val="tx1"/>
+                </a:solidFill>
+                <a:latin typeface="+mn-lt"/>
+                <a:ea typeface="+mn-ea"/>
+                <a:cs typeface="+mn-cs"/>
+              </a:defRPr>
+            </a:lvl7pPr>
+            <a:lvl8pPr marL="3429000" indent="-228600" algn="l" defTabSz="914400" rtl="0" eaLnBrk="1" latinLnBrk="0" hangingPunct="1">
+              <a:lnSpc>
+                <a:spcPct val="90000"/>
+              </a:lnSpc>
+              <a:spcBef>
+                <a:spcPts val="500"/>
+              </a:spcBef>
+              <a:buFont typeface="Arial" panose="020B0604020202020204" pitchFamily="34" charset="0"/>
+              <a:buChar char="•"/>
+              <a:defRPr sz="1800" kern="1200">
+                <a:solidFill>
+                  <a:schemeClr val="tx1"/>
+                </a:solidFill>
+                <a:latin typeface="+mn-lt"/>
+                <a:ea typeface="+mn-ea"/>
+                <a:cs typeface="+mn-cs"/>
+              </a:defRPr>
+            </a:lvl8pPr>
+            <a:lvl9pPr marL="3886200" indent="-228600" algn="l" defTabSz="914400" rtl="0" eaLnBrk="1" latinLnBrk="0" hangingPunct="1">
+              <a:lnSpc>
+                <a:spcPct val="90000"/>
+              </a:lnSpc>
+              <a:spcBef>
+                <a:spcPts val="500"/>
+              </a:spcBef>
+              <a:buFont typeface="Arial" panose="020B0604020202020204" pitchFamily="34" charset="0"/>
+              <a:buChar char="•"/>
+              <a:defRPr sz="1800" kern="1200">
+                <a:solidFill>
+                  <a:schemeClr val="tx1"/>
+                </a:solidFill>
+                <a:latin typeface="+mn-lt"/>
+                <a:ea typeface="+mn-ea"/>
+                <a:cs typeface="+mn-cs"/>
+              </a:defRPr>
+            </a:lvl9pPr>
+          </a:lstStyle>
+          <a:p>
+            <a:r>
+              <a:rPr lang="en-US" dirty="0">
+                <a:latin typeface="Arial" panose="020B0604020202020204" pitchFamily="34" charset="0"/>
+                <a:cs typeface="Arial" panose="020B0604020202020204" pitchFamily="34" charset="0"/>
+              </a:rPr>
+              <a:t>Gameplay Objective</a:t>
+            </a:r>
+          </a:p>
+        </p:txBody>
+      </p:sp>
+      <p:sp>
+        <p:nvSpPr>
+          <p:cNvPr id="3" name="Content Placeholder 12">
+            <a:extLst>
+              <a:ext uri="{FF2B5EF4-FFF2-40B4-BE49-F238E27FC236}">
+                <a16:creationId xmlns:a16="http://schemas.microsoft.com/office/drawing/2014/main" id="{6E477520-90E0-1E94-6A0B-5D86FB19E03B}"/>
+              </a:ext>
+            </a:extLst>
+          </p:cNvPr>
+          <p:cNvSpPr txBox="1">
+            <a:spLocks/>
+          </p:cNvSpPr>
+          <p:nvPr/>
+        </p:nvSpPr>
+        <p:spPr>
+          <a:xfrm>
+            <a:off x="1625798" y="4674801"/>
+            <a:ext cx="3808050" cy="1992699"/>
+          </a:xfrm>
+          <a:prstGeom prst="rect">
+            <a:avLst/>
+          </a:prstGeom>
+        </p:spPr>
+        <p:txBody>
+          <a:bodyPr vert="horz" lIns="91440" tIns="45720" rIns="91440" bIns="45720" rtlCol="0">
+            <a:normAutofit lnSpcReduction="10000"/>
+          </a:bodyPr>
+          <a:lstStyle>
+            <a:lvl1pPr marL="228600" indent="-228600" algn="l" defTabSz="914400" rtl="0" eaLnBrk="1" latinLnBrk="0" hangingPunct="1">
+              <a:lnSpc>
+                <a:spcPct val="110000"/>
+              </a:lnSpc>
+              <a:spcBef>
+                <a:spcPts val="1000"/>
+              </a:spcBef>
+              <a:buFont typeface="Arial" panose="020B0604020202020204" pitchFamily="34" charset="0"/>
+              <a:buChar char="•"/>
+              <a:defRPr sz="2000" kern="1200" spc="-20" baseline="0">
+                <a:solidFill>
+                  <a:schemeClr val="tx1"/>
+                </a:solidFill>
+                <a:latin typeface="+mn-lt"/>
+                <a:ea typeface="+mn-ea"/>
+                <a:cs typeface="+mn-cs"/>
+              </a:defRPr>
+            </a:lvl1pPr>
+            <a:lvl2pPr marL="685800" indent="-228600" algn="l" defTabSz="914400" rtl="0" eaLnBrk="1" latinLnBrk="0" hangingPunct="1">
+              <a:lnSpc>
+                <a:spcPct val="110000"/>
+              </a:lnSpc>
+              <a:spcBef>
+                <a:spcPts val="500"/>
+              </a:spcBef>
+              <a:buFont typeface="Arial" panose="020B0604020202020204" pitchFamily="34" charset="0"/>
+              <a:buChar char="•"/>
+              <a:defRPr sz="2000" kern="1200" spc="-20" baseline="0">
+                <a:solidFill>
+                  <a:schemeClr val="tx1"/>
+                </a:solidFill>
+                <a:latin typeface="+mn-lt"/>
+                <a:ea typeface="+mn-ea"/>
+                <a:cs typeface="+mn-cs"/>
+              </a:defRPr>
+            </a:lvl2pPr>
+            <a:lvl3pPr marL="1143000" indent="-228600" algn="l" defTabSz="914400" rtl="0" eaLnBrk="1" latinLnBrk="0" hangingPunct="1">
+              <a:lnSpc>
+                <a:spcPct val="110000"/>
+              </a:lnSpc>
+              <a:spcBef>
+                <a:spcPts val="500"/>
+              </a:spcBef>
+              <a:buFont typeface="Arial" panose="020B0604020202020204" pitchFamily="34" charset="0"/>
+              <a:buChar char="•"/>
+              <a:defRPr sz="1800" kern="1200" spc="-20" baseline="0">
+                <a:solidFill>
+                  <a:schemeClr val="tx1"/>
+                </a:solidFill>
+                <a:latin typeface="+mn-lt"/>
+                <a:ea typeface="+mn-ea"/>
+                <a:cs typeface="+mn-cs"/>
+              </a:defRPr>
+            </a:lvl3pPr>
+            <a:lvl4pPr marL="1600200" indent="-228600" algn="l" defTabSz="914400" rtl="0" eaLnBrk="1" latinLnBrk="0" hangingPunct="1">
+              <a:lnSpc>
+                <a:spcPct val="110000"/>
+              </a:lnSpc>
+              <a:spcBef>
+                <a:spcPts val="500"/>
+              </a:spcBef>
+              <a:buFont typeface="Arial" panose="020B0604020202020204" pitchFamily="34" charset="0"/>
+              <a:buChar char="•"/>
+              <a:defRPr sz="1600" kern="1200" spc="-20" baseline="0">
+                <a:solidFill>
+                  <a:schemeClr val="tx1"/>
+                </a:solidFill>
+                <a:latin typeface="+mn-lt"/>
+                <a:ea typeface="+mn-ea"/>
+                <a:cs typeface="+mn-cs"/>
+              </a:defRPr>
+            </a:lvl4pPr>
+            <a:lvl5pPr marL="2057400" indent="-228600" algn="l" defTabSz="914400" rtl="0" eaLnBrk="1" latinLnBrk="0" hangingPunct="1">
+              <a:lnSpc>
+                <a:spcPct val="110000"/>
+              </a:lnSpc>
+              <a:spcBef>
+                <a:spcPts val="500"/>
+              </a:spcBef>
+              <a:buFont typeface="Arial" panose="020B0604020202020204" pitchFamily="34" charset="0"/>
+              <a:buChar char="•"/>
+              <a:defRPr sz="1600" kern="1200" spc="-20" baseline="0">
+                <a:solidFill>
+                  <a:schemeClr val="tx1"/>
+                </a:solidFill>
+                <a:latin typeface="+mn-lt"/>
+                <a:ea typeface="+mn-ea"/>
+                <a:cs typeface="+mn-cs"/>
+              </a:defRPr>
+            </a:lvl5pPr>
+            <a:lvl6pPr marL="2514600" indent="-228600" algn="l" defTabSz="914400" rtl="0" eaLnBrk="1" latinLnBrk="0" hangingPunct="1">
+              <a:lnSpc>
+                <a:spcPct val="90000"/>
+              </a:lnSpc>
+              <a:spcBef>
+                <a:spcPts val="500"/>
+              </a:spcBef>
+              <a:buFont typeface="Arial" panose="020B0604020202020204" pitchFamily="34" charset="0"/>
+              <a:buChar char="•"/>
+              <a:defRPr sz="1800" kern="1200">
+                <a:solidFill>
+                  <a:schemeClr val="tx1"/>
+                </a:solidFill>
+                <a:latin typeface="+mn-lt"/>
+                <a:ea typeface="+mn-ea"/>
+                <a:cs typeface="+mn-cs"/>
+              </a:defRPr>
+            </a:lvl6pPr>
+            <a:lvl7pPr marL="2971800" indent="-228600" algn="l" defTabSz="914400" rtl="0" eaLnBrk="1" latinLnBrk="0" hangingPunct="1">
+              <a:lnSpc>
+                <a:spcPct val="90000"/>
+              </a:lnSpc>
+              <a:spcBef>
+                <a:spcPts val="500"/>
+              </a:spcBef>
+              <a:buFont typeface="Arial" panose="020B0604020202020204" pitchFamily="34" charset="0"/>
+              <a:buChar char="•"/>
+              <a:defRPr sz="1800" kern="1200">
+                <a:solidFill>
+                  <a:schemeClr val="tx1"/>
+                </a:solidFill>
+                <a:latin typeface="+mn-lt"/>
+                <a:ea typeface="+mn-ea"/>
+                <a:cs typeface="+mn-cs"/>
+              </a:defRPr>
+            </a:lvl7pPr>
+            <a:lvl8pPr marL="3429000" indent="-228600" algn="l" defTabSz="914400" rtl="0" eaLnBrk="1" latinLnBrk="0" hangingPunct="1">
+              <a:lnSpc>
+                <a:spcPct val="90000"/>
+              </a:lnSpc>
+              <a:spcBef>
+                <a:spcPts val="500"/>
+              </a:spcBef>
+              <a:buFont typeface="Arial" panose="020B0604020202020204" pitchFamily="34" charset="0"/>
+              <a:buChar char="•"/>
+              <a:defRPr sz="1800" kern="1200">
+                <a:solidFill>
+                  <a:schemeClr val="tx1"/>
+                </a:solidFill>
+                <a:latin typeface="+mn-lt"/>
+                <a:ea typeface="+mn-ea"/>
+                <a:cs typeface="+mn-cs"/>
+              </a:defRPr>
+            </a:lvl8pPr>
+            <a:lvl9pPr marL="3886200" indent="-228600" algn="l" defTabSz="914400" rtl="0" eaLnBrk="1" latinLnBrk="0" hangingPunct="1">
+              <a:lnSpc>
+                <a:spcPct val="90000"/>
+              </a:lnSpc>
+              <a:spcBef>
+                <a:spcPts val="500"/>
+              </a:spcBef>
+              <a:buFont typeface="Arial" panose="020B0604020202020204" pitchFamily="34" charset="0"/>
+              <a:buChar char="•"/>
+              <a:defRPr sz="1800" kern="1200">
+                <a:solidFill>
+                  <a:schemeClr val="tx1"/>
+                </a:solidFill>
+                <a:latin typeface="+mn-lt"/>
+                <a:ea typeface="+mn-ea"/>
+                <a:cs typeface="+mn-cs"/>
+              </a:defRPr>
+            </a:lvl9pPr>
+          </a:lstStyle>
+          <a:p>
+            <a:r>
+              <a:rPr lang="en-US" dirty="0">
+                <a:latin typeface="Arial" panose="020B0604020202020204" pitchFamily="34" charset="0"/>
+                <a:cs typeface="Arial" panose="020B0604020202020204" pitchFamily="34" charset="0"/>
+              </a:rPr>
+              <a:t>Smaller missions for rewards</a:t>
+            </a:r>
+          </a:p>
+          <a:p>
+            <a:r>
+              <a:rPr lang="en-US" dirty="0">
+                <a:latin typeface="Arial" panose="020B0604020202020204" pitchFamily="34" charset="0"/>
+                <a:cs typeface="Arial" panose="020B0604020202020204" pitchFamily="34" charset="0"/>
+              </a:rPr>
+              <a:t>Main objective is win condition of inner game loop</a:t>
+            </a:r>
+          </a:p>
+          <a:p>
+            <a:r>
+              <a:rPr lang="en-US" dirty="0">
+                <a:latin typeface="Arial" panose="020B0604020202020204" pitchFamily="34" charset="0"/>
+                <a:cs typeface="Arial" panose="020B0604020202020204" pitchFamily="34" charset="0"/>
+              </a:rPr>
+              <a:t>Capture the flag or Siege game modes</a:t>
             </a:r>
           </a:p>
         </p:txBody>
@@ -28308,468 +30399,108 @@
               <a:buFont typeface="Arial" panose="020B0604020202020204" pitchFamily="34" charset="0"/>
               <a:buNone/>
             </a:pPr>
+            <a:endParaRPr lang="en-US" dirty="0">
+              <a:latin typeface="Arial" panose="020B0604020202020204" pitchFamily="34" charset="0"/>
+              <a:cs typeface="Arial" panose="020B0604020202020204" pitchFamily="34" charset="0"/>
+            </a:endParaRPr>
+          </a:p>
+        </p:txBody>
+      </p:sp>
+      <p:sp>
+        <p:nvSpPr>
+          <p:cNvPr id="5" name="Text Placeholder 4">
+            <a:extLst>
+              <a:ext uri="{FF2B5EF4-FFF2-40B4-BE49-F238E27FC236}">
+                <a16:creationId xmlns:a16="http://schemas.microsoft.com/office/drawing/2014/main" id="{98121E63-7190-79C7-80CE-E057B15B8FBC}"/>
+              </a:ext>
+            </a:extLst>
+          </p:cNvPr>
+          <p:cNvSpPr>
+            <a:spLocks noGrp="1"/>
+          </p:cNvSpPr>
+          <p:nvPr>
+            <p:ph type="body" sz="quarter" idx="17"/>
+          </p:nvPr>
+        </p:nvSpPr>
+        <p:spPr>
+          <a:xfrm>
+            <a:off x="1625798" y="2058953"/>
+            <a:ext cx="3808050" cy="2108550"/>
+          </a:xfrm>
+        </p:spPr>
+        <p:txBody>
+          <a:bodyPr/>
+          <a:lstStyle/>
+          <a:p>
             <a:r>
               <a:rPr lang="en-US" dirty="0">
                 <a:latin typeface="Arial" panose="020B0604020202020204" pitchFamily="34" charset="0"/>
                 <a:cs typeface="Arial" panose="020B0604020202020204" pitchFamily="34" charset="0"/>
               </a:rPr>
-              <a:t>Destruction of the environment; creating routes, mining ores, destroying player placed blocks.</a:t>
+              <a:t>Buy building blocks for coins</a:t>
             </a:r>
           </a:p>
-        </p:txBody>
-      </p:sp>
-      <p:sp>
-        <p:nvSpPr>
-          <p:cNvPr id="10" name="Text Placeholder 15">
-            <a:extLst>
-              <a:ext uri="{FF2B5EF4-FFF2-40B4-BE49-F238E27FC236}">
-                <a16:creationId xmlns:a16="http://schemas.microsoft.com/office/drawing/2014/main" id="{9C1E03CA-1E1C-936A-82BB-949B0E68B156}"/>
-              </a:ext>
-            </a:extLst>
-          </p:cNvPr>
-          <p:cNvSpPr txBox="1">
-            <a:spLocks/>
-          </p:cNvSpPr>
-          <p:nvPr/>
-        </p:nvSpPr>
-        <p:spPr>
-          <a:xfrm>
-            <a:off x="6226045" y="3898654"/>
-            <a:ext cx="4756714" cy="597604"/>
-          </a:xfrm>
-          <a:prstGeom prst="rect">
-            <a:avLst/>
-          </a:prstGeom>
-        </p:spPr>
-        <p:txBody>
-          <a:bodyPr vert="horz" lIns="91440" tIns="45720" rIns="91440" bIns="45720" rtlCol="0">
-            <a:normAutofit/>
-          </a:bodyPr>
-          <a:lstStyle>
-            <a:lvl1pPr marL="0" indent="0" algn="l" defTabSz="914400" rtl="0" eaLnBrk="1" latinLnBrk="0" hangingPunct="1">
-              <a:lnSpc>
-                <a:spcPct val="110000"/>
-              </a:lnSpc>
-              <a:spcBef>
-                <a:spcPts val="1000"/>
-              </a:spcBef>
-              <a:buFont typeface="Arial" panose="020B0604020202020204" pitchFamily="34" charset="0"/>
-              <a:buNone/>
-              <a:defRPr sz="2400" b="1" kern="1200" spc="-20" baseline="0">
-                <a:solidFill>
-                  <a:schemeClr val="accent2"/>
-                </a:solidFill>
-                <a:latin typeface="+mn-lt"/>
-                <a:ea typeface="+mn-ea"/>
-                <a:cs typeface="+mn-cs"/>
-              </a:defRPr>
-            </a:lvl1pPr>
-            <a:lvl2pPr marL="685800" indent="-228600" algn="l" defTabSz="914400" rtl="0" eaLnBrk="1" latinLnBrk="0" hangingPunct="1">
-              <a:lnSpc>
-                <a:spcPct val="110000"/>
-              </a:lnSpc>
-              <a:spcBef>
-                <a:spcPts val="500"/>
-              </a:spcBef>
-              <a:buFont typeface="Arial" panose="020B0604020202020204" pitchFamily="34" charset="0"/>
-              <a:buChar char="•"/>
-              <a:defRPr sz="2000" kern="1200" spc="-20" baseline="0">
-                <a:solidFill>
-                  <a:schemeClr val="tx1"/>
-                </a:solidFill>
-                <a:latin typeface="+mn-lt"/>
-                <a:ea typeface="+mn-ea"/>
-                <a:cs typeface="+mn-cs"/>
-              </a:defRPr>
-            </a:lvl2pPr>
-            <a:lvl3pPr marL="1143000" indent="-228600" algn="l" defTabSz="914400" rtl="0" eaLnBrk="1" latinLnBrk="0" hangingPunct="1">
-              <a:lnSpc>
-                <a:spcPct val="110000"/>
-              </a:lnSpc>
-              <a:spcBef>
-                <a:spcPts val="500"/>
-              </a:spcBef>
-              <a:buFont typeface="Arial" panose="020B0604020202020204" pitchFamily="34" charset="0"/>
-              <a:buChar char="•"/>
-              <a:defRPr sz="1800" kern="1200" spc="-20" baseline="0">
-                <a:solidFill>
-                  <a:schemeClr val="tx1"/>
-                </a:solidFill>
-                <a:latin typeface="+mn-lt"/>
-                <a:ea typeface="+mn-ea"/>
-                <a:cs typeface="+mn-cs"/>
-              </a:defRPr>
-            </a:lvl3pPr>
-            <a:lvl4pPr marL="1600200" indent="-228600" algn="l" defTabSz="914400" rtl="0" eaLnBrk="1" latinLnBrk="0" hangingPunct="1">
-              <a:lnSpc>
-                <a:spcPct val="110000"/>
-              </a:lnSpc>
-              <a:spcBef>
-                <a:spcPts val="500"/>
-              </a:spcBef>
-              <a:buFont typeface="Arial" panose="020B0604020202020204" pitchFamily="34" charset="0"/>
-              <a:buChar char="•"/>
-              <a:defRPr sz="1600" kern="1200" spc="-20" baseline="0">
-                <a:solidFill>
-                  <a:schemeClr val="tx1"/>
-                </a:solidFill>
-                <a:latin typeface="+mn-lt"/>
-                <a:ea typeface="+mn-ea"/>
-                <a:cs typeface="+mn-cs"/>
-              </a:defRPr>
-            </a:lvl4pPr>
-            <a:lvl5pPr marL="2057400" indent="-228600" algn="l" defTabSz="914400" rtl="0" eaLnBrk="1" latinLnBrk="0" hangingPunct="1">
-              <a:lnSpc>
-                <a:spcPct val="110000"/>
-              </a:lnSpc>
-              <a:spcBef>
-                <a:spcPts val="500"/>
-              </a:spcBef>
-              <a:buFont typeface="Arial" panose="020B0604020202020204" pitchFamily="34" charset="0"/>
-              <a:buChar char="•"/>
-              <a:defRPr sz="1600" kern="1200" spc="-20" baseline="0">
-                <a:solidFill>
-                  <a:schemeClr val="tx1"/>
-                </a:solidFill>
-                <a:latin typeface="+mn-lt"/>
-                <a:ea typeface="+mn-ea"/>
-                <a:cs typeface="+mn-cs"/>
-              </a:defRPr>
-            </a:lvl5pPr>
-            <a:lvl6pPr marL="2514600" indent="-228600" algn="l" defTabSz="914400" rtl="0" eaLnBrk="1" latinLnBrk="0" hangingPunct="1">
-              <a:lnSpc>
-                <a:spcPct val="90000"/>
-              </a:lnSpc>
-              <a:spcBef>
-                <a:spcPts val="500"/>
-              </a:spcBef>
-              <a:buFont typeface="Arial" panose="020B0604020202020204" pitchFamily="34" charset="0"/>
-              <a:buChar char="•"/>
-              <a:defRPr sz="1800" kern="1200">
-                <a:solidFill>
-                  <a:schemeClr val="tx1"/>
-                </a:solidFill>
-                <a:latin typeface="+mn-lt"/>
-                <a:ea typeface="+mn-ea"/>
-                <a:cs typeface="+mn-cs"/>
-              </a:defRPr>
-            </a:lvl6pPr>
-            <a:lvl7pPr marL="2971800" indent="-228600" algn="l" defTabSz="914400" rtl="0" eaLnBrk="1" latinLnBrk="0" hangingPunct="1">
-              <a:lnSpc>
-                <a:spcPct val="90000"/>
-              </a:lnSpc>
-              <a:spcBef>
-                <a:spcPts val="500"/>
-              </a:spcBef>
-              <a:buFont typeface="Arial" panose="020B0604020202020204" pitchFamily="34" charset="0"/>
-              <a:buChar char="•"/>
-              <a:defRPr sz="1800" kern="1200">
-                <a:solidFill>
-                  <a:schemeClr val="tx1"/>
-                </a:solidFill>
-                <a:latin typeface="+mn-lt"/>
-                <a:ea typeface="+mn-ea"/>
-                <a:cs typeface="+mn-cs"/>
-              </a:defRPr>
-            </a:lvl7pPr>
-            <a:lvl8pPr marL="3429000" indent="-228600" algn="l" defTabSz="914400" rtl="0" eaLnBrk="1" latinLnBrk="0" hangingPunct="1">
-              <a:lnSpc>
-                <a:spcPct val="90000"/>
-              </a:lnSpc>
-              <a:spcBef>
-                <a:spcPts val="500"/>
-              </a:spcBef>
-              <a:buFont typeface="Arial" panose="020B0604020202020204" pitchFamily="34" charset="0"/>
-              <a:buChar char="•"/>
-              <a:defRPr sz="1800" kern="1200">
-                <a:solidFill>
-                  <a:schemeClr val="tx1"/>
-                </a:solidFill>
-                <a:latin typeface="+mn-lt"/>
-                <a:ea typeface="+mn-ea"/>
-                <a:cs typeface="+mn-cs"/>
-              </a:defRPr>
-            </a:lvl8pPr>
-            <a:lvl9pPr marL="3886200" indent="-228600" algn="l" defTabSz="914400" rtl="0" eaLnBrk="1" latinLnBrk="0" hangingPunct="1">
-              <a:lnSpc>
-                <a:spcPct val="90000"/>
-              </a:lnSpc>
-              <a:spcBef>
-                <a:spcPts val="500"/>
-              </a:spcBef>
-              <a:buFont typeface="Arial" panose="020B0604020202020204" pitchFamily="34" charset="0"/>
-              <a:buChar char="•"/>
-              <a:defRPr sz="1800" kern="1200">
-                <a:solidFill>
-                  <a:schemeClr val="tx1"/>
-                </a:solidFill>
-                <a:latin typeface="+mn-lt"/>
-                <a:ea typeface="+mn-ea"/>
-                <a:cs typeface="+mn-cs"/>
-              </a:defRPr>
-            </a:lvl9pPr>
-          </a:lstStyle>
           <a:p>
             <a:r>
               <a:rPr lang="en-US" dirty="0">
                 <a:latin typeface="Arial" panose="020B0604020202020204" pitchFamily="34" charset="0"/>
                 <a:cs typeface="Arial" panose="020B0604020202020204" pitchFamily="34" charset="0"/>
               </a:rPr>
-              <a:t>Gameplay Objective</a:t>
+              <a:t>Cost determines strength</a:t>
             </a:r>
           </a:p>
-        </p:txBody>
-      </p:sp>
-      <p:sp>
-        <p:nvSpPr>
-          <p:cNvPr id="11" name="Content Placeholder 12">
-            <a:extLst>
-              <a:ext uri="{FF2B5EF4-FFF2-40B4-BE49-F238E27FC236}">
-                <a16:creationId xmlns:a16="http://schemas.microsoft.com/office/drawing/2014/main" id="{8CD920CE-5FB4-1D77-7AA4-3A8A6BB5CB08}"/>
-              </a:ext>
-            </a:extLst>
-          </p:cNvPr>
-          <p:cNvSpPr txBox="1">
-            <a:spLocks/>
-          </p:cNvSpPr>
-          <p:nvPr/>
-        </p:nvSpPr>
-        <p:spPr>
-          <a:xfrm>
-            <a:off x="6226045" y="4496257"/>
-            <a:ext cx="4576260" cy="1995454"/>
-          </a:xfrm>
-          <a:prstGeom prst="rect">
-            <a:avLst/>
-          </a:prstGeom>
-        </p:spPr>
-        <p:txBody>
-          <a:bodyPr vert="horz" lIns="91440" tIns="45720" rIns="91440" bIns="45720" rtlCol="0">
-            <a:normAutofit/>
-          </a:bodyPr>
-          <a:lstStyle>
-            <a:lvl1pPr marL="228600" indent="-228600" algn="l" defTabSz="914400" rtl="0" eaLnBrk="1" latinLnBrk="0" hangingPunct="1">
-              <a:lnSpc>
-                <a:spcPct val="110000"/>
-              </a:lnSpc>
-              <a:spcBef>
-                <a:spcPts val="1000"/>
-              </a:spcBef>
-              <a:buFont typeface="Arial" panose="020B0604020202020204" pitchFamily="34" charset="0"/>
-              <a:buChar char="•"/>
-              <a:defRPr sz="2000" kern="1200" spc="-20" baseline="0">
-                <a:solidFill>
-                  <a:schemeClr val="tx1"/>
-                </a:solidFill>
-                <a:latin typeface="+mn-lt"/>
-                <a:ea typeface="+mn-ea"/>
-                <a:cs typeface="+mn-cs"/>
-              </a:defRPr>
-            </a:lvl1pPr>
-            <a:lvl2pPr marL="685800" indent="-228600" algn="l" defTabSz="914400" rtl="0" eaLnBrk="1" latinLnBrk="0" hangingPunct="1">
-              <a:lnSpc>
-                <a:spcPct val="110000"/>
-              </a:lnSpc>
-              <a:spcBef>
-                <a:spcPts val="500"/>
-              </a:spcBef>
-              <a:buFont typeface="Arial" panose="020B0604020202020204" pitchFamily="34" charset="0"/>
-              <a:buChar char="•"/>
-              <a:defRPr sz="2000" kern="1200" spc="-20" baseline="0">
-                <a:solidFill>
-                  <a:schemeClr val="tx1"/>
-                </a:solidFill>
-                <a:latin typeface="+mn-lt"/>
-                <a:ea typeface="+mn-ea"/>
-                <a:cs typeface="+mn-cs"/>
-              </a:defRPr>
-            </a:lvl2pPr>
-            <a:lvl3pPr marL="1143000" indent="-228600" algn="l" defTabSz="914400" rtl="0" eaLnBrk="1" latinLnBrk="0" hangingPunct="1">
-              <a:lnSpc>
-                <a:spcPct val="110000"/>
-              </a:lnSpc>
-              <a:spcBef>
-                <a:spcPts val="500"/>
-              </a:spcBef>
-              <a:buFont typeface="Arial" panose="020B0604020202020204" pitchFamily="34" charset="0"/>
-              <a:buChar char="•"/>
-              <a:defRPr sz="1800" kern="1200" spc="-20" baseline="0">
-                <a:solidFill>
-                  <a:schemeClr val="tx1"/>
-                </a:solidFill>
-                <a:latin typeface="+mn-lt"/>
-                <a:ea typeface="+mn-ea"/>
-                <a:cs typeface="+mn-cs"/>
-              </a:defRPr>
-            </a:lvl3pPr>
-            <a:lvl4pPr marL="1600200" indent="-228600" algn="l" defTabSz="914400" rtl="0" eaLnBrk="1" latinLnBrk="0" hangingPunct="1">
-              <a:lnSpc>
-                <a:spcPct val="110000"/>
-              </a:lnSpc>
-              <a:spcBef>
-                <a:spcPts val="500"/>
-              </a:spcBef>
-              <a:buFont typeface="Arial" panose="020B0604020202020204" pitchFamily="34" charset="0"/>
-              <a:buChar char="•"/>
-              <a:defRPr sz="1600" kern="1200" spc="-20" baseline="0">
-                <a:solidFill>
-                  <a:schemeClr val="tx1"/>
-                </a:solidFill>
-                <a:latin typeface="+mn-lt"/>
-                <a:ea typeface="+mn-ea"/>
-                <a:cs typeface="+mn-cs"/>
-              </a:defRPr>
-            </a:lvl4pPr>
-            <a:lvl5pPr marL="2057400" indent="-228600" algn="l" defTabSz="914400" rtl="0" eaLnBrk="1" latinLnBrk="0" hangingPunct="1">
-              <a:lnSpc>
-                <a:spcPct val="110000"/>
-              </a:lnSpc>
-              <a:spcBef>
-                <a:spcPts val="500"/>
-              </a:spcBef>
-              <a:buFont typeface="Arial" panose="020B0604020202020204" pitchFamily="34" charset="0"/>
-              <a:buChar char="•"/>
-              <a:defRPr sz="1600" kern="1200" spc="-20" baseline="0">
-                <a:solidFill>
-                  <a:schemeClr val="tx1"/>
-                </a:solidFill>
-                <a:latin typeface="+mn-lt"/>
-                <a:ea typeface="+mn-ea"/>
-                <a:cs typeface="+mn-cs"/>
-              </a:defRPr>
-            </a:lvl5pPr>
-            <a:lvl6pPr marL="2514600" indent="-228600" algn="l" defTabSz="914400" rtl="0" eaLnBrk="1" latinLnBrk="0" hangingPunct="1">
-              <a:lnSpc>
-                <a:spcPct val="90000"/>
-              </a:lnSpc>
-              <a:spcBef>
-                <a:spcPts val="500"/>
-              </a:spcBef>
-              <a:buFont typeface="Arial" panose="020B0604020202020204" pitchFamily="34" charset="0"/>
-              <a:buChar char="•"/>
-              <a:defRPr sz="1800" kern="1200">
-                <a:solidFill>
-                  <a:schemeClr val="tx1"/>
-                </a:solidFill>
-                <a:latin typeface="+mn-lt"/>
-                <a:ea typeface="+mn-ea"/>
-                <a:cs typeface="+mn-cs"/>
-              </a:defRPr>
-            </a:lvl6pPr>
-            <a:lvl7pPr marL="2971800" indent="-228600" algn="l" defTabSz="914400" rtl="0" eaLnBrk="1" latinLnBrk="0" hangingPunct="1">
-              <a:lnSpc>
-                <a:spcPct val="90000"/>
-              </a:lnSpc>
-              <a:spcBef>
-                <a:spcPts val="500"/>
-              </a:spcBef>
-              <a:buFont typeface="Arial" panose="020B0604020202020204" pitchFamily="34" charset="0"/>
-              <a:buChar char="•"/>
-              <a:defRPr sz="1800" kern="1200">
-                <a:solidFill>
-                  <a:schemeClr val="tx1"/>
-                </a:solidFill>
-                <a:latin typeface="+mn-lt"/>
-                <a:ea typeface="+mn-ea"/>
-                <a:cs typeface="+mn-cs"/>
-              </a:defRPr>
-            </a:lvl7pPr>
-            <a:lvl8pPr marL="3429000" indent="-228600" algn="l" defTabSz="914400" rtl="0" eaLnBrk="1" latinLnBrk="0" hangingPunct="1">
-              <a:lnSpc>
-                <a:spcPct val="90000"/>
-              </a:lnSpc>
-              <a:spcBef>
-                <a:spcPts val="500"/>
-              </a:spcBef>
-              <a:buFont typeface="Arial" panose="020B0604020202020204" pitchFamily="34" charset="0"/>
-              <a:buChar char="•"/>
-              <a:defRPr sz="1800" kern="1200">
-                <a:solidFill>
-                  <a:schemeClr val="tx1"/>
-                </a:solidFill>
-                <a:latin typeface="+mn-lt"/>
-                <a:ea typeface="+mn-ea"/>
-                <a:cs typeface="+mn-cs"/>
-              </a:defRPr>
-            </a:lvl8pPr>
-            <a:lvl9pPr marL="3886200" indent="-228600" algn="l" defTabSz="914400" rtl="0" eaLnBrk="1" latinLnBrk="0" hangingPunct="1">
-              <a:lnSpc>
-                <a:spcPct val="90000"/>
-              </a:lnSpc>
-              <a:spcBef>
-                <a:spcPts val="500"/>
-              </a:spcBef>
-              <a:buFont typeface="Arial" panose="020B0604020202020204" pitchFamily="34" charset="0"/>
-              <a:buChar char="•"/>
-              <a:defRPr sz="1800" kern="1200">
-                <a:solidFill>
-                  <a:schemeClr val="tx1"/>
-                </a:solidFill>
-                <a:latin typeface="+mn-lt"/>
-                <a:ea typeface="+mn-ea"/>
-                <a:cs typeface="+mn-cs"/>
-              </a:defRPr>
-            </a:lvl9pPr>
-          </a:lstStyle>
-          <a:p>
-            <a:pPr marL="0" indent="0">
-              <a:buFont typeface="Arial" panose="020B0604020202020204" pitchFamily="34" charset="0"/>
-              <a:buNone/>
-            </a:pPr>
+          <a:p>
             <a:r>
               <a:rPr lang="en-US" dirty="0">
                 <a:latin typeface="Arial" panose="020B0604020202020204" pitchFamily="34" charset="0"/>
                 <a:cs typeface="Arial" panose="020B0604020202020204" pitchFamily="34" charset="0"/>
               </a:rPr>
-              <a:t>The win condition of the game loop.</a:t>
+              <a:t>Block off tunnels</a:t>
             </a:r>
           </a:p>
           <a:p>
-            <a:pPr marL="0" indent="0">
-              <a:buFont typeface="Arial" panose="020B0604020202020204" pitchFamily="34" charset="0"/>
-              <a:buNone/>
-            </a:pPr>
             <a:r>
               <a:rPr lang="en-US" dirty="0">
                 <a:latin typeface="Arial" panose="020B0604020202020204" pitchFamily="34" charset="0"/>
                 <a:cs typeface="Arial" panose="020B0604020202020204" pitchFamily="34" charset="0"/>
               </a:rPr>
-              <a:t>Depending on selected game mode, destroy the enemies base or capture the enemies flag more times than they have captured yours.</a:t>
+              <a:t>Build walls to setup a defense</a:t>
             </a:r>
           </a:p>
         </p:txBody>
       </p:sp>
       <p:sp>
         <p:nvSpPr>
-          <p:cNvPr id="12" name="TextBox 11">
+          <p:cNvPr id="17" name="Text Placeholder 16">
             <a:extLst>
               <a:ext uri="{FF2B5EF4-FFF2-40B4-BE49-F238E27FC236}">
-                <a16:creationId xmlns:a16="http://schemas.microsoft.com/office/drawing/2014/main" id="{5E08B4C4-D48B-8E4E-BC52-66AFF4D32DEF}"/>
+                <a16:creationId xmlns:a16="http://schemas.microsoft.com/office/drawing/2014/main" id="{043E8306-1308-CB0F-BB0C-E3AA2FA41809}"/>
               </a:ext>
             </a:extLst>
           </p:cNvPr>
-          <p:cNvSpPr txBox="1"/>
-          <p:nvPr/>
+          <p:cNvSpPr>
+            <a:spLocks noGrp="1"/>
+          </p:cNvSpPr>
+          <p:nvPr>
+            <p:ph type="body" sz="quarter" idx="14"/>
+          </p:nvPr>
         </p:nvSpPr>
         <p:spPr>
           <a:xfrm>
-            <a:off x="3626265" y="1342682"/>
-            <a:ext cx="2469735" cy="646331"/>
+            <a:off x="1625798" y="1551654"/>
+            <a:ext cx="4756714" cy="597604"/>
           </a:xfrm>
-          <a:prstGeom prst="rect">
-            <a:avLst/>
-          </a:prstGeom>
-          <a:noFill/>
         </p:spPr>
         <p:txBody>
-          <a:bodyPr wrap="square" rtlCol="0">
-            <a:spAutoFit/>
-          </a:bodyPr>
+          <a:bodyPr/>
           <a:lstStyle/>
           <a:p>
             <a:r>
-              <a:rPr lang="en-GB" dirty="0"/>
-              <a:t>Split into 2 slides, use images as examples</a:t>
+              <a:rPr lang="en-US" dirty="0">
+                <a:latin typeface="Arial" panose="020B0604020202020204" pitchFamily="34" charset="0"/>
+                <a:cs typeface="Arial" panose="020B0604020202020204" pitchFamily="34" charset="0"/>
+              </a:rPr>
+              <a:t>Building</a:t>
             </a:r>
           </a:p>
         </p:txBody>
@@ -28777,7 +30508,7 @@
     </p:spTree>
     <p:extLst>
       <p:ext uri="{BB962C8B-B14F-4D97-AF65-F5344CB8AC3E}">
-        <p14:creationId xmlns:p14="http://schemas.microsoft.com/office/powerpoint/2010/main" val="4026302795"/>
+        <p14:creationId xmlns:p14="http://schemas.microsoft.com/office/powerpoint/2010/main" val="201945709"/>
       </p:ext>
     </p:extLst>
   </p:cSld>
@@ -28787,7 +30518,7 @@
 </p:sld>
 </file>
 
-<file path=ppt/slides/slide6.xml><?xml version="1.0" encoding="utf-8"?>
+<file path=ppt/slides/slide7.xml><?xml version="1.0" encoding="utf-8"?>
 <p:sld xmlns:a="http://schemas.openxmlformats.org/drawingml/2006/main" xmlns:r="http://schemas.openxmlformats.org/officeDocument/2006/relationships" xmlns:p="http://schemas.openxmlformats.org/presentationml/2006/main">
   <p:cSld>
     <p:spTree>
@@ -29190,7 +30921,7 @@
             <a:fld id="{06B786C7-B8F9-4072-AAAA-17258464D730}" type="slidenum">
               <a:rPr lang="en-US" noProof="0" smtClean="0"/>
               <a:pPr lvl="0"/>
-              <a:t>6</a:t>
+              <a:t>7</a:t>
             </a:fld>
             <a:endParaRPr lang="en-US" noProof="0" dirty="0"/>
           </a:p>
@@ -29279,7 +31010,7 @@
 </p:sld>
 </file>
 
-<file path=ppt/slides/slide7.xml><?xml version="1.0" encoding="utf-8"?>
+<file path=ppt/slides/slide8.xml><?xml version="1.0" encoding="utf-8"?>
 <p:sld xmlns:a="http://schemas.openxmlformats.org/drawingml/2006/main" xmlns:r="http://schemas.openxmlformats.org/officeDocument/2006/relationships" xmlns:p="http://schemas.openxmlformats.org/presentationml/2006/main">
   <p:cSld>
     <p:bg>
@@ -29612,7 +31343,7 @@
                   <a:spcPts val="600"/>
                 </a:spcAft>
               </a:pPr>
-              <a:t>7</a:t>
+              <a:t>8</a:t>
             </a:fld>
             <a:endParaRPr lang="en-US" noProof="0"/>
           </a:p>
@@ -29691,593 +31422,6 @@
     <p:extLst>
       <p:ext uri="{BB962C8B-B14F-4D97-AF65-F5344CB8AC3E}">
         <p14:creationId xmlns:p14="http://schemas.microsoft.com/office/powerpoint/2010/main" val="1351671334"/>
-      </p:ext>
-    </p:extLst>
-  </p:cSld>
-  <p:clrMapOvr>
-    <a:masterClrMapping/>
-  </p:clrMapOvr>
-</p:sld>
-</file>
-
-<file path=ppt/slides/slide8.xml><?xml version="1.0" encoding="utf-8"?>
-<p:sld xmlns:a="http://schemas.openxmlformats.org/drawingml/2006/main" xmlns:r="http://schemas.openxmlformats.org/officeDocument/2006/relationships" xmlns:p="http://schemas.openxmlformats.org/presentationml/2006/main">
-  <p:cSld>
-    <p:bg>
-      <p:bgPr>
-        <a:solidFill>
-          <a:schemeClr val="bg1"/>
-        </a:solidFill>
-        <a:effectLst/>
-      </p:bgPr>
-    </p:bg>
-    <p:spTree>
-      <p:nvGrpSpPr>
-        <p:cNvPr id="1" name=""/>
-        <p:cNvGrpSpPr/>
-        <p:nvPr/>
-      </p:nvGrpSpPr>
-      <p:grpSpPr>
-        <a:xfrm>
-          <a:off x="0" y="0"/>
-          <a:ext cx="0" cy="0"/>
-          <a:chOff x="0" y="0"/>
-          <a:chExt cx="0" cy="0"/>
-        </a:xfrm>
-      </p:grpSpPr>
-      <p:sp useBgFill="1">
-        <p:nvSpPr>
-          <p:cNvPr id="46" name="Rectangle 45">
-            <a:extLst>
-              <a:ext uri="{FF2B5EF4-FFF2-40B4-BE49-F238E27FC236}">
-                <a16:creationId xmlns:a16="http://schemas.microsoft.com/office/drawing/2014/main" id="{DA9750BD-DA78-42B2-B5A4-A84E29984CD9}"/>
-              </a:ext>
-              <a:ext uri="{C183D7F6-B498-43B3-948B-1728B52AA6E4}">
-                <adec:decorative xmlns:adec="http://schemas.microsoft.com/office/drawing/2017/decorative" val="1"/>
-              </a:ext>
-            </a:extLst>
-          </p:cNvPr>
-          <p:cNvSpPr>
-            <a:spLocks noGrp="1" noRot="1" noChangeAspect="1" noMove="1" noResize="1" noEditPoints="1" noAdjustHandles="1" noChangeArrowheads="1" noChangeShapeType="1" noTextEdit="1"/>
-          </p:cNvSpPr>
-          <p:nvPr>
-            <p:extLst>
-              <p:ext uri="{386F3935-93C4-4BCD-93E2-E3B085C9AB24}">
-                <p16:designElem xmlns:p16="http://schemas.microsoft.com/office/powerpoint/2015/main" val="1"/>
-              </p:ext>
-            </p:extLst>
-          </p:nvPr>
-        </p:nvSpPr>
-        <p:spPr>
-          <a:xfrm>
-            <a:off x="0" y="0"/>
-            <a:ext cx="12192000" cy="6858000"/>
-          </a:xfrm>
-          <a:prstGeom prst="rect">
-            <a:avLst/>
-          </a:prstGeom>
-          <a:ln w="12700" cap="flat" cmpd="sng" algn="ctr">
-            <a:noFill/>
-            <a:prstDash val="solid"/>
-            <a:miter lim="800000"/>
-          </a:ln>
-          <a:effectLst/>
-          <a:extLst>
-            <a:ext uri="{91240B29-F687-4F45-9708-019B960494DF}">
-              <a14:hiddenLine xmlns:a14="http://schemas.microsoft.com/office/drawing/2010/main" w="12700" cap="flat" cmpd="sng" algn="ctr">
-                <a:solidFill>
-                  <a:schemeClr val="accent1">
-                    <a:shade val="50000"/>
-                  </a:schemeClr>
-                </a:solidFill>
-                <a:prstDash val="solid"/>
-                <a:miter lim="800000"/>
-              </a14:hiddenLine>
-            </a:ext>
-          </a:extLst>
-        </p:spPr>
-        <p:style>
-          <a:lnRef idx="2">
-            <a:schemeClr val="accent1">
-              <a:shade val="50000"/>
-            </a:schemeClr>
-          </a:lnRef>
-          <a:fillRef idx="1">
-            <a:schemeClr val="accent1"/>
-          </a:fillRef>
-          <a:effectRef idx="0">
-            <a:schemeClr val="accent1"/>
-          </a:effectRef>
-          <a:fontRef idx="minor">
-            <a:schemeClr val="lt1"/>
-          </a:fontRef>
-        </p:style>
-        <p:txBody>
-          <a:bodyPr rtlCol="0" anchor="ctr"/>
-          <a:lstStyle/>
-          <a:p>
-            <a:pPr algn="ctr"/>
-            <a:endParaRPr lang="en-US"/>
-          </a:p>
-        </p:txBody>
-      </p:sp>
-      <p:sp>
-        <p:nvSpPr>
-          <p:cNvPr id="48" name="Rectangle 47">
-            <a:extLst>
-              <a:ext uri="{FF2B5EF4-FFF2-40B4-BE49-F238E27FC236}">
-                <a16:creationId xmlns:a16="http://schemas.microsoft.com/office/drawing/2014/main" id="{C606A26C-8C0A-411E-BF72-5EE06043487A}"/>
-              </a:ext>
-              <a:ext uri="{C183D7F6-B498-43B3-948B-1728B52AA6E4}">
-                <adec:decorative xmlns:adec="http://schemas.microsoft.com/office/drawing/2017/decorative" val="1"/>
-              </a:ext>
-            </a:extLst>
-          </p:cNvPr>
-          <p:cNvSpPr>
-            <a:spLocks noGrp="1" noRot="1" noChangeAspect="1" noMove="1" noResize="1" noEditPoints="1" noAdjustHandles="1" noChangeArrowheads="1" noChangeShapeType="1" noTextEdit="1"/>
-          </p:cNvSpPr>
-          <p:nvPr>
-            <p:extLst>
-              <p:ext uri="{386F3935-93C4-4BCD-93E2-E3B085C9AB24}">
-                <p16:designElem xmlns:p16="http://schemas.microsoft.com/office/powerpoint/2015/main" val="1"/>
-              </p:ext>
-            </p:extLst>
-          </p:nvPr>
-        </p:nvSpPr>
-        <p:spPr>
-          <a:xfrm>
-            <a:off x="0" y="0"/>
-            <a:ext cx="3048000" cy="6858000"/>
-          </a:xfrm>
-          <a:prstGeom prst="rect">
-            <a:avLst/>
-          </a:prstGeom>
-          <a:ln>
-            <a:noFill/>
-          </a:ln>
-        </p:spPr>
-        <p:style>
-          <a:lnRef idx="2">
-            <a:schemeClr val="accent1">
-              <a:shade val="50000"/>
-            </a:schemeClr>
-          </a:lnRef>
-          <a:fillRef idx="1">
-            <a:schemeClr val="accent1"/>
-          </a:fillRef>
-          <a:effectRef idx="0">
-            <a:schemeClr val="accent1"/>
-          </a:effectRef>
-          <a:fontRef idx="minor">
-            <a:schemeClr val="lt1"/>
-          </a:fontRef>
-        </p:style>
-        <p:txBody>
-          <a:bodyPr rtlCol="0" anchor="ctr"/>
-          <a:lstStyle/>
-          <a:p>
-            <a:pPr algn="ctr"/>
-            <a:endParaRPr lang="en-US"/>
-          </a:p>
-        </p:txBody>
-      </p:sp>
-      <p:sp>
-        <p:nvSpPr>
-          <p:cNvPr id="41" name="Title 40">
-            <a:extLst>
-              <a:ext uri="{FF2B5EF4-FFF2-40B4-BE49-F238E27FC236}">
-                <a16:creationId xmlns:a16="http://schemas.microsoft.com/office/drawing/2014/main" id="{0622F47C-D986-4C50-BD14-2C1E537C27FB}"/>
-              </a:ext>
-            </a:extLst>
-          </p:cNvPr>
-          <p:cNvSpPr>
-            <a:spLocks noGrp="1"/>
-          </p:cNvSpPr>
-          <p:nvPr>
-            <p:ph type="title"/>
-          </p:nvPr>
-        </p:nvSpPr>
-        <p:spPr>
-          <a:xfrm>
-            <a:off x="126281" y="637886"/>
-            <a:ext cx="1826375" cy="1567986"/>
-          </a:xfrm>
-        </p:spPr>
-        <p:txBody>
-          <a:bodyPr vert="horz" lIns="91440" tIns="45720" rIns="91440" bIns="45720" rtlCol="0" anchor="t">
-            <a:normAutofit/>
-          </a:bodyPr>
-          <a:lstStyle/>
-          <a:p>
-            <a:pPr algn="l">
-              <a:lnSpc>
-                <a:spcPct val="90000"/>
-              </a:lnSpc>
-            </a:pPr>
-            <a:r>
-              <a:rPr lang="en-US" sz="2800" spc="-40" dirty="0">
-                <a:solidFill>
-                  <a:srgbClr val="FFFFFF"/>
-                </a:solidFill>
-              </a:rPr>
-              <a:t>Market Potential</a:t>
-            </a:r>
-          </a:p>
-        </p:txBody>
-      </p:sp>
-      <p:sp>
-        <p:nvSpPr>
-          <p:cNvPr id="2" name="Footer Placeholder 1">
-            <a:extLst>
-              <a:ext uri="{FF2B5EF4-FFF2-40B4-BE49-F238E27FC236}">
-                <a16:creationId xmlns:a16="http://schemas.microsoft.com/office/drawing/2014/main" id="{2C20C49D-5E38-4E7C-A240-4B2D015F3AC7}"/>
-              </a:ext>
-            </a:extLst>
-          </p:cNvPr>
-          <p:cNvSpPr>
-            <a:spLocks noGrp="1"/>
-          </p:cNvSpPr>
-          <p:nvPr>
-            <p:ph type="ftr" sz="quarter" idx="11"/>
-          </p:nvPr>
-        </p:nvSpPr>
-        <p:spPr>
-          <a:xfrm>
-            <a:off x="201168" y="6356350"/>
-            <a:ext cx="2713482" cy="365125"/>
-          </a:xfrm>
-        </p:spPr>
-        <p:txBody>
-          <a:bodyPr vert="horz" lIns="91440" tIns="45720" rIns="91440" bIns="45720" rtlCol="0" anchor="ctr">
-            <a:normAutofit/>
-          </a:bodyPr>
-          <a:lstStyle/>
-          <a:p>
-            <a:pPr lvl="0">
-              <a:spcAft>
-                <a:spcPts val="600"/>
-              </a:spcAft>
-            </a:pPr>
-            <a:r>
-              <a:rPr lang="en-US" kern="1200" noProof="0">
-                <a:solidFill>
-                  <a:srgbClr val="FFFFFF"/>
-                </a:solidFill>
-                <a:latin typeface="+mn-lt"/>
-                <a:ea typeface="+mn-ea"/>
-                <a:cs typeface="+mn-cs"/>
-              </a:rPr>
-              <a:t>OutDig</a:t>
-            </a:r>
-          </a:p>
-        </p:txBody>
-      </p:sp>
-      <p:sp>
-        <p:nvSpPr>
-          <p:cNvPr id="3" name="Date Placeholder 2">
-            <a:extLst>
-              <a:ext uri="{FF2B5EF4-FFF2-40B4-BE49-F238E27FC236}">
-                <a16:creationId xmlns:a16="http://schemas.microsoft.com/office/drawing/2014/main" id="{9CE6D34A-9686-45B2-97D0-AD20167B2D54}"/>
-              </a:ext>
-            </a:extLst>
-          </p:cNvPr>
-          <p:cNvSpPr>
-            <a:spLocks noGrp="1"/>
-          </p:cNvSpPr>
-          <p:nvPr>
-            <p:ph type="dt" sz="half" idx="10"/>
-          </p:nvPr>
-        </p:nvSpPr>
-        <p:spPr>
-          <a:xfrm>
-            <a:off x="7013448" y="6355080"/>
-            <a:ext cx="4352544" cy="365125"/>
-          </a:xfrm>
-        </p:spPr>
-        <p:txBody>
-          <a:bodyPr vert="horz" lIns="91440" tIns="45720" rIns="91440" bIns="45720" rtlCol="0" anchor="ctr">
-            <a:normAutofit/>
-          </a:bodyPr>
-          <a:lstStyle/>
-          <a:p>
-            <a:pPr lvl="0">
-              <a:spcAft>
-                <a:spcPts val="600"/>
-              </a:spcAft>
-            </a:pPr>
-            <a:r>
-              <a:rPr lang="en-US" noProof="0" dirty="0"/>
-              <a:t>2022</a:t>
-            </a:r>
-            <a:endParaRPr lang="en-US" noProof="0"/>
-          </a:p>
-        </p:txBody>
-      </p:sp>
-      <p:sp>
-        <p:nvSpPr>
-          <p:cNvPr id="4" name="Slide Number Placeholder 3">
-            <a:extLst>
-              <a:ext uri="{FF2B5EF4-FFF2-40B4-BE49-F238E27FC236}">
-                <a16:creationId xmlns:a16="http://schemas.microsoft.com/office/drawing/2014/main" id="{AC0EC6D8-4D66-4B16-AD3F-2850D613518A}"/>
-              </a:ext>
-            </a:extLst>
-          </p:cNvPr>
-          <p:cNvSpPr>
-            <a:spLocks noGrp="1"/>
-          </p:cNvSpPr>
-          <p:nvPr>
-            <p:ph type="sldNum" sz="quarter" idx="12"/>
-          </p:nvPr>
-        </p:nvSpPr>
-        <p:spPr>
-          <a:xfrm>
-            <a:off x="11365992" y="6356350"/>
-            <a:ext cx="630936" cy="365125"/>
-          </a:xfrm>
-        </p:spPr>
-        <p:txBody>
-          <a:bodyPr vert="horz" lIns="91440" tIns="45720" rIns="91440" bIns="45720" rtlCol="0" anchor="ctr">
-            <a:normAutofit/>
-          </a:bodyPr>
-          <a:lstStyle/>
-          <a:p>
-            <a:pPr lvl="0">
-              <a:spcAft>
-                <a:spcPts val="600"/>
-              </a:spcAft>
-            </a:pPr>
-            <a:fld id="{06B786C7-B8F9-4072-AAAA-17258464D730}" type="slidenum">
-              <a:rPr lang="en-US" noProof="0" smtClean="0"/>
-              <a:pPr lvl="0">
-                <a:spcAft>
-                  <a:spcPts val="600"/>
-                </a:spcAft>
-              </a:pPr>
-              <a:t>8</a:t>
-            </a:fld>
-            <a:endParaRPr lang="en-US" noProof="0"/>
-          </a:p>
-        </p:txBody>
-      </p:sp>
-      <p:pic>
-        <p:nvPicPr>
-          <p:cNvPr id="30" name="Picture 29">
-            <a:extLst>
-              <a:ext uri="{FF2B5EF4-FFF2-40B4-BE49-F238E27FC236}">
-                <a16:creationId xmlns:a16="http://schemas.microsoft.com/office/drawing/2014/main" id="{87246A19-C527-A977-2EF3-43FB2869CF04}"/>
-              </a:ext>
-            </a:extLst>
-          </p:cNvPr>
-          <p:cNvPicPr>
-            <a:picLocks noChangeAspect="1"/>
-          </p:cNvPicPr>
-          <p:nvPr/>
-        </p:nvPicPr>
-        <p:blipFill>
-          <a:blip r:embed="rId2"/>
-          <a:stretch>
-            <a:fillRect/>
-          </a:stretch>
-        </p:blipFill>
-        <p:spPr>
-          <a:xfrm>
-            <a:off x="1897498" y="0"/>
-            <a:ext cx="1375162" cy="6858000"/>
-          </a:xfrm>
-          <a:prstGeom prst="rect">
-            <a:avLst/>
-          </a:prstGeom>
-        </p:spPr>
-      </p:pic>
-      <p:sp>
-        <p:nvSpPr>
-          <p:cNvPr id="25" name="TextBox 24">
-            <a:extLst>
-              <a:ext uri="{FF2B5EF4-FFF2-40B4-BE49-F238E27FC236}">
-                <a16:creationId xmlns:a16="http://schemas.microsoft.com/office/drawing/2014/main" id="{6FDEE004-1220-7B14-EDF9-5227528EB89D}"/>
-              </a:ext>
-            </a:extLst>
-          </p:cNvPr>
-          <p:cNvSpPr txBox="1"/>
-          <p:nvPr/>
-        </p:nvSpPr>
-        <p:spPr>
-          <a:xfrm>
-            <a:off x="2178523" y="274262"/>
-            <a:ext cx="2697059" cy="2931222"/>
-          </a:xfrm>
-          <a:prstGeom prst="rect">
-            <a:avLst/>
-          </a:prstGeom>
-        </p:spPr>
-        <p:txBody>
-          <a:bodyPr vert="horz" lIns="91440" tIns="45720" rIns="91440" bIns="45720" rtlCol="0">
-            <a:normAutofit/>
-          </a:bodyPr>
-          <a:lstStyle/>
-          <a:p>
-            <a:pPr>
-              <a:lnSpc>
-                <a:spcPct val="110000"/>
-              </a:lnSpc>
-              <a:spcAft>
-                <a:spcPts val="600"/>
-              </a:spcAft>
-            </a:pPr>
-            <a:r>
-              <a:rPr lang="en-US" sz="1600" spc="-20" dirty="0"/>
-              <a:t>Number of Unity games</a:t>
-            </a:r>
-          </a:p>
-          <a:p>
-            <a:pPr>
-              <a:lnSpc>
-                <a:spcPct val="110000"/>
-              </a:lnSpc>
-              <a:spcAft>
-                <a:spcPts val="600"/>
-              </a:spcAft>
-            </a:pPr>
-            <a:r>
-              <a:rPr lang="en-US" sz="1600" spc="-20" dirty="0"/>
-              <a:t>published per genre</a:t>
-            </a:r>
-          </a:p>
-          <a:p>
-            <a:pPr indent="-228600">
-              <a:lnSpc>
-                <a:spcPct val="110000"/>
-              </a:lnSpc>
-              <a:spcAft>
-                <a:spcPts val="600"/>
-              </a:spcAft>
-              <a:buFont typeface="Arial" panose="020B0604020202020204" pitchFamily="34" charset="0"/>
-              <a:buChar char="•"/>
-            </a:pPr>
-            <a:endParaRPr lang="en-US" sz="1600" spc="-20" dirty="0"/>
-          </a:p>
-          <a:p>
-            <a:pPr indent="-228600">
-              <a:lnSpc>
-                <a:spcPct val="110000"/>
-              </a:lnSpc>
-              <a:spcAft>
-                <a:spcPts val="600"/>
-              </a:spcAft>
-              <a:buFont typeface="Arial" panose="020B0604020202020204" pitchFamily="34" charset="0"/>
-              <a:buChar char="•"/>
-            </a:pPr>
-            <a:r>
-              <a:rPr lang="en-US" sz="1600" spc="-20" dirty="0"/>
-              <a:t>Casual up 53%,</a:t>
-            </a:r>
-          </a:p>
-          <a:p>
-            <a:pPr indent="-228600">
-              <a:lnSpc>
-                <a:spcPct val="110000"/>
-              </a:lnSpc>
-              <a:spcAft>
-                <a:spcPts val="600"/>
-              </a:spcAft>
-              <a:buFont typeface="Arial" panose="020B0604020202020204" pitchFamily="34" charset="0"/>
-              <a:buChar char="•"/>
-            </a:pPr>
-            <a:r>
-              <a:rPr lang="en-US" sz="1600" spc="-20" dirty="0"/>
-              <a:t>Midcore up 54%,</a:t>
-            </a:r>
-          </a:p>
-          <a:p>
-            <a:pPr indent="-228600">
-              <a:lnSpc>
-                <a:spcPct val="110000"/>
-              </a:lnSpc>
-              <a:spcAft>
-                <a:spcPts val="600"/>
-              </a:spcAft>
-              <a:buFont typeface="Arial" panose="020B0604020202020204" pitchFamily="34" charset="0"/>
-              <a:buChar char="•"/>
-            </a:pPr>
-            <a:r>
-              <a:rPr lang="en-US" sz="1600" spc="-20" dirty="0"/>
-              <a:t>Hardcore up 55%,</a:t>
-            </a:r>
-          </a:p>
-          <a:p>
-            <a:pPr indent="-228600">
-              <a:lnSpc>
-                <a:spcPct val="110000"/>
-              </a:lnSpc>
-              <a:spcAft>
-                <a:spcPts val="600"/>
-              </a:spcAft>
-              <a:buFont typeface="Arial" panose="020B0604020202020204" pitchFamily="34" charset="0"/>
-              <a:buChar char="•"/>
-            </a:pPr>
-            <a:r>
-              <a:rPr lang="en-US" sz="1600" spc="-20" dirty="0"/>
-              <a:t>Hyper-casual up 137%</a:t>
-            </a:r>
-          </a:p>
-          <a:p>
-            <a:pPr indent="-228600">
-              <a:lnSpc>
-                <a:spcPct val="110000"/>
-              </a:lnSpc>
-              <a:spcAft>
-                <a:spcPts val="600"/>
-              </a:spcAft>
-              <a:buFont typeface="Arial" panose="020B0604020202020204" pitchFamily="34" charset="0"/>
-              <a:buChar char="•"/>
-            </a:pPr>
-            <a:endParaRPr lang="en-US" spc="-20" dirty="0"/>
-          </a:p>
-        </p:txBody>
-      </p:sp>
-      <p:pic>
-        <p:nvPicPr>
-          <p:cNvPr id="24" name="Picture 23">
-            <a:extLst>
-              <a:ext uri="{FF2B5EF4-FFF2-40B4-BE49-F238E27FC236}">
-                <a16:creationId xmlns:a16="http://schemas.microsoft.com/office/drawing/2014/main" id="{686B98B9-65D3-0B05-EAE9-E9DD49A1B1D7}"/>
-              </a:ext>
-            </a:extLst>
-          </p:cNvPr>
-          <p:cNvPicPr>
-            <a:picLocks noChangeAspect="1"/>
-          </p:cNvPicPr>
-          <p:nvPr/>
-        </p:nvPicPr>
-        <p:blipFill rotWithShape="1">
-          <a:blip r:embed="rId3"/>
-          <a:srcRect t="12296"/>
-          <a:stretch/>
-        </p:blipFill>
-        <p:spPr>
-          <a:xfrm>
-            <a:off x="5931609" y="81031"/>
-            <a:ext cx="5692408" cy="3295028"/>
-          </a:xfrm>
-          <a:prstGeom prst="rect">
-            <a:avLst/>
-          </a:prstGeom>
-        </p:spPr>
-      </p:pic>
-      <p:pic>
-        <p:nvPicPr>
-          <p:cNvPr id="27" name="Picture 26">
-            <a:extLst>
-              <a:ext uri="{FF2B5EF4-FFF2-40B4-BE49-F238E27FC236}">
-                <a16:creationId xmlns:a16="http://schemas.microsoft.com/office/drawing/2014/main" id="{33091F32-F283-B9C7-4380-2B1AA98AC228}"/>
-              </a:ext>
-            </a:extLst>
-          </p:cNvPr>
-          <p:cNvPicPr>
-            <a:picLocks noChangeAspect="1"/>
-          </p:cNvPicPr>
-          <p:nvPr/>
-        </p:nvPicPr>
-        <p:blipFill>
-          <a:blip r:embed="rId4"/>
-          <a:stretch>
-            <a:fillRect/>
-          </a:stretch>
-        </p:blipFill>
-        <p:spPr>
-          <a:xfrm>
-            <a:off x="3115818" y="3416906"/>
-            <a:ext cx="6634632" cy="3400247"/>
-          </a:xfrm>
-          <a:prstGeom prst="rect">
-            <a:avLst/>
-          </a:prstGeom>
-        </p:spPr>
-      </p:pic>
-    </p:spTree>
-    <p:extLst>
-      <p:ext uri="{BB962C8B-B14F-4D97-AF65-F5344CB8AC3E}">
-        <p14:creationId xmlns:p14="http://schemas.microsoft.com/office/powerpoint/2010/main" val="1673587675"/>
       </p:ext>
     </p:extLst>
   </p:cSld>
@@ -30539,6 +31683,93 @@
           </a:p>
         </p:txBody>
       </p:sp>
+      <p:sp>
+        <p:nvSpPr>
+          <p:cNvPr id="3" name="Date Placeholder 2">
+            <a:extLst>
+              <a:ext uri="{FF2B5EF4-FFF2-40B4-BE49-F238E27FC236}">
+                <a16:creationId xmlns:a16="http://schemas.microsoft.com/office/drawing/2014/main" id="{9CE6D34A-9686-45B2-97D0-AD20167B2D54}"/>
+              </a:ext>
+            </a:extLst>
+          </p:cNvPr>
+          <p:cNvSpPr>
+            <a:spLocks noGrp="1"/>
+          </p:cNvSpPr>
+          <p:nvPr>
+            <p:ph type="dt" sz="half" idx="10"/>
+          </p:nvPr>
+        </p:nvSpPr>
+        <p:spPr>
+          <a:xfrm>
+            <a:off x="7013448" y="6355080"/>
+            <a:ext cx="4352544" cy="365125"/>
+          </a:xfrm>
+        </p:spPr>
+        <p:txBody>
+          <a:bodyPr vert="horz" lIns="91440" tIns="45720" rIns="91440" bIns="45720" rtlCol="0" anchor="ctr">
+            <a:normAutofit/>
+          </a:bodyPr>
+          <a:lstStyle/>
+          <a:p>
+            <a:pPr lvl="0">
+              <a:spcAft>
+                <a:spcPts val="600"/>
+              </a:spcAft>
+            </a:pPr>
+            <a:r>
+              <a:rPr lang="en-US" noProof="0" dirty="0"/>
+              <a:t>2022</a:t>
+            </a:r>
+            <a:endParaRPr lang="en-US" noProof="0"/>
+          </a:p>
+        </p:txBody>
+      </p:sp>
+      <p:sp>
+        <p:nvSpPr>
+          <p:cNvPr id="4" name="Slide Number Placeholder 3">
+            <a:extLst>
+              <a:ext uri="{FF2B5EF4-FFF2-40B4-BE49-F238E27FC236}">
+                <a16:creationId xmlns:a16="http://schemas.microsoft.com/office/drawing/2014/main" id="{AC0EC6D8-4D66-4B16-AD3F-2850D613518A}"/>
+              </a:ext>
+            </a:extLst>
+          </p:cNvPr>
+          <p:cNvSpPr>
+            <a:spLocks noGrp="1"/>
+          </p:cNvSpPr>
+          <p:nvPr>
+            <p:ph type="sldNum" sz="quarter" idx="12"/>
+          </p:nvPr>
+        </p:nvSpPr>
+        <p:spPr>
+          <a:xfrm>
+            <a:off x="11365992" y="6356350"/>
+            <a:ext cx="630936" cy="365125"/>
+          </a:xfrm>
+        </p:spPr>
+        <p:txBody>
+          <a:bodyPr vert="horz" lIns="91440" tIns="45720" rIns="91440" bIns="45720" rtlCol="0" anchor="ctr">
+            <a:normAutofit/>
+          </a:bodyPr>
+          <a:lstStyle/>
+          <a:p>
+            <a:pPr lvl="0">
+              <a:spcAft>
+                <a:spcPts val="600"/>
+              </a:spcAft>
+            </a:pPr>
+            <a:fld id="{06B786C7-B8F9-4072-AAAA-17258464D730}" type="slidenum">
+              <a:rPr lang="en-US" noProof="0" smtClean="0"/>
+              <a:pPr lvl="0">
+                <a:spcAft>
+                  <a:spcPts val="600"/>
+                </a:spcAft>
+              </a:pPr>
+              <a:t>9</a:t>
+            </a:fld>
+            <a:endParaRPr lang="en-US" noProof="0"/>
+          </a:p>
+        </p:txBody>
+      </p:sp>
       <p:pic>
         <p:nvPicPr>
           <p:cNvPr id="30" name="Picture 29">
@@ -30583,8 +31814,8 @@
         </p:nvSpPr>
         <p:spPr>
           <a:xfrm>
-            <a:off x="2190994" y="363675"/>
-            <a:ext cx="3318320" cy="3104510"/>
+            <a:off x="2178523" y="274262"/>
+            <a:ext cx="2697059" cy="2931222"/>
           </a:xfrm>
           <a:prstGeom prst="rect">
             <a:avLst/>
@@ -30606,19 +31837,8 @@
             </a:pPr>
             <a:r>
               <a:rPr lang="en-US" sz="1600" spc="-20" dirty="0"/>
-              <a:t>Revenue from in-app purchases and advertisements across regions.</a:t>
+              <a:t>Number of Unity games</a:t>
             </a:r>
-          </a:p>
-          <a:p>
-            <a:pPr>
-              <a:lnSpc>
-                <a:spcPct val="110000"/>
-              </a:lnSpc>
-              <a:spcAft>
-                <a:spcPts val="600"/>
-              </a:spcAft>
-            </a:pPr>
-            <a:endParaRPr lang="en-US" sz="1600" spc="-20" dirty="0"/>
           </a:p>
           <a:p>
             <a:pPr>
@@ -30631,11 +31851,24 @@
             </a:pPr>
             <a:r>
               <a:rPr lang="en-US" sz="1600" spc="-20" dirty="0"/>
-              <a:t>From 2020 to 2021:</a:t>
+              <a:t>published per genre</a:t>
             </a:r>
           </a:p>
           <a:p>
-            <a:pPr marL="285750" indent="-285750">
+            <a:pPr indent="-228600">
+              <a:lnSpc>
+                <a:spcPct val="110000"/>
+              </a:lnSpc>
+              <a:spcAft>
+                <a:spcPts val="600"/>
+              </a:spcAft>
+              <a:buFont typeface="Arial" panose="020B0604020202020204" pitchFamily="34" charset="0"/>
+              <a:buChar char="•"/>
+            </a:pPr>
+            <a:endParaRPr lang="en-US" sz="1600" spc="-20" dirty="0"/>
+          </a:p>
+          <a:p>
+            <a:pPr indent="-228600">
               <a:lnSpc>
                 <a:spcPct val="110000"/>
               </a:lnSpc>
@@ -30647,25 +31880,11 @@
             </a:pPr>
             <a:r>
               <a:rPr lang="en-US" sz="1600" spc="-20" dirty="0"/>
-              <a:t>Total revenue grown by 30%</a:t>
+              <a:t>Casual up 53%,</a:t>
             </a:r>
           </a:p>
           <a:p>
-            <a:pPr>
-              <a:lnSpc>
-                <a:spcPct val="110000"/>
-              </a:lnSpc>
-              <a:spcAft>
-                <a:spcPts val="600"/>
-              </a:spcAft>
-            </a:pPr>
-            <a:r>
-              <a:rPr lang="en-US" sz="1600" spc="-20" dirty="0"/>
-              <a:t>From 2019 to 2021:</a:t>
-            </a:r>
-          </a:p>
-          <a:p>
-            <a:pPr marL="285750" indent="-285750">
+            <a:pPr indent="-228600">
               <a:lnSpc>
                 <a:spcPct val="110000"/>
               </a:lnSpc>
@@ -30677,11 +31896,11 @@
             </a:pPr>
             <a:r>
               <a:rPr lang="en-US" sz="1600" spc="-20" dirty="0"/>
-              <a:t>EU Ad revenue grown by 98%</a:t>
+              <a:t>Midcore up 54%,</a:t>
             </a:r>
           </a:p>
           <a:p>
-            <a:pPr marL="285750" indent="-285750">
+            <a:pPr indent="-228600">
               <a:lnSpc>
                 <a:spcPct val="110000"/>
               </a:lnSpc>
@@ -30693,17 +31912,46 @@
             </a:pPr>
             <a:r>
               <a:rPr lang="en-US" sz="1600" spc="-20" dirty="0"/>
-              <a:t>EU IAP grown by 418%</a:t>
+              <a:t>Hardcore up 55%,</a:t>
             </a:r>
+          </a:p>
+          <a:p>
+            <a:pPr indent="-228600">
+              <a:lnSpc>
+                <a:spcPct val="110000"/>
+              </a:lnSpc>
+              <a:spcAft>
+                <a:spcPts val="600"/>
+              </a:spcAft>
+              <a:buFont typeface="Arial" panose="020B0604020202020204" pitchFamily="34" charset="0"/>
+              <a:buChar char="•"/>
+            </a:pPr>
+            <a:r>
+              <a:rPr lang="en-US" sz="1600" spc="-20" dirty="0"/>
+              <a:t>Hyper-casual up 137%</a:t>
+            </a:r>
+          </a:p>
+          <a:p>
+            <a:pPr indent="-228600">
+              <a:lnSpc>
+                <a:spcPct val="110000"/>
+              </a:lnSpc>
+              <a:spcAft>
+                <a:spcPts val="600"/>
+              </a:spcAft>
+              <a:buFont typeface="Arial" panose="020B0604020202020204" pitchFamily="34" charset="0"/>
+              <a:buChar char="•"/>
+            </a:pPr>
+            <a:endParaRPr lang="en-US" spc="-20" dirty="0"/>
           </a:p>
         </p:txBody>
       </p:sp>
       <p:pic>
         <p:nvPicPr>
-          <p:cNvPr id="7" name="Picture 6">
+          <p:cNvPr id="24" name="Picture 23">
             <a:extLst>
               <a:ext uri="{FF2B5EF4-FFF2-40B4-BE49-F238E27FC236}">
-                <a16:creationId xmlns:a16="http://schemas.microsoft.com/office/drawing/2014/main" id="{181A880E-EED8-078C-7AC8-4F7B918D200A}"/>
+                <a16:creationId xmlns:a16="http://schemas.microsoft.com/office/drawing/2014/main" id="{686B98B9-65D3-0B05-EAE9-E9DD49A1B1D7}"/>
               </a:ext>
             </a:extLst>
           </p:cNvPr>
@@ -30714,13 +31962,13 @@
         </p:nvPicPr>
         <p:blipFill rotWithShape="1">
           <a:blip r:embed="rId3"/>
-          <a:srcRect r="19087"/>
+          <a:srcRect t="12296"/>
           <a:stretch/>
         </p:blipFill>
         <p:spPr>
           <a:xfrm>
-            <a:off x="1952657" y="3561940"/>
-            <a:ext cx="4574344" cy="3202304"/>
+            <a:off x="5931609" y="81031"/>
+            <a:ext cx="5692408" cy="3295028"/>
           </a:xfrm>
           <a:prstGeom prst="rect">
             <a:avLst/>
@@ -30729,10 +31977,10 @@
       </p:pic>
       <p:pic>
         <p:nvPicPr>
-          <p:cNvPr id="9" name="Picture 8">
+          <p:cNvPr id="27" name="Picture 26">
             <a:extLst>
               <a:ext uri="{FF2B5EF4-FFF2-40B4-BE49-F238E27FC236}">
-                <a16:creationId xmlns:a16="http://schemas.microsoft.com/office/drawing/2014/main" id="{BE1F526F-368B-C0AE-D8B3-CCCB4EF0CB64}"/>
+                <a16:creationId xmlns:a16="http://schemas.microsoft.com/office/drawing/2014/main" id="{33091F32-F283-B9C7-4380-2B1AA98AC228}"/>
               </a:ext>
             </a:extLst>
           </p:cNvPr>
@@ -30749,134 +31997,18 @@
         </p:blipFill>
         <p:spPr>
           <a:xfrm>
-            <a:off x="6595793" y="3332636"/>
-            <a:ext cx="5469928" cy="3431606"/>
+            <a:off x="3115818" y="3416906"/>
+            <a:ext cx="6634632" cy="3400247"/>
           </a:xfrm>
           <a:prstGeom prst="rect">
             <a:avLst/>
           </a:prstGeom>
         </p:spPr>
       </p:pic>
-      <p:pic>
-        <p:nvPicPr>
-          <p:cNvPr id="11" name="Picture 10">
-            <a:extLst>
-              <a:ext uri="{FF2B5EF4-FFF2-40B4-BE49-F238E27FC236}">
-                <a16:creationId xmlns:a16="http://schemas.microsoft.com/office/drawing/2014/main" id="{4222A479-805C-BD1F-5299-04E5BCFFEB6F}"/>
-              </a:ext>
-            </a:extLst>
-          </p:cNvPr>
-          <p:cNvPicPr>
-            <a:picLocks noChangeAspect="1"/>
-          </p:cNvPicPr>
-          <p:nvPr/>
-        </p:nvPicPr>
-        <p:blipFill>
-          <a:blip r:embed="rId5"/>
-          <a:stretch>
-            <a:fillRect/>
-          </a:stretch>
-        </p:blipFill>
-        <p:spPr>
-          <a:xfrm>
-            <a:off x="6595793" y="93758"/>
-            <a:ext cx="5469926" cy="3212396"/>
-          </a:xfrm>
-          <a:prstGeom prst="rect">
-            <a:avLst/>
-          </a:prstGeom>
-        </p:spPr>
-      </p:pic>
-      <p:sp>
-        <p:nvSpPr>
-          <p:cNvPr id="3" name="Date Placeholder 2">
-            <a:extLst>
-              <a:ext uri="{FF2B5EF4-FFF2-40B4-BE49-F238E27FC236}">
-                <a16:creationId xmlns:a16="http://schemas.microsoft.com/office/drawing/2014/main" id="{9CE6D34A-9686-45B2-97D0-AD20167B2D54}"/>
-              </a:ext>
-            </a:extLst>
-          </p:cNvPr>
-          <p:cNvSpPr>
-            <a:spLocks noGrp="1"/>
-          </p:cNvSpPr>
-          <p:nvPr>
-            <p:ph type="dt" sz="half" idx="10"/>
-          </p:nvPr>
-        </p:nvSpPr>
-        <p:spPr>
-          <a:xfrm>
-            <a:off x="7013448" y="6355080"/>
-            <a:ext cx="4352544" cy="365125"/>
-          </a:xfrm>
-        </p:spPr>
-        <p:txBody>
-          <a:bodyPr vert="horz" lIns="91440" tIns="45720" rIns="91440" bIns="45720" rtlCol="0" anchor="ctr">
-            <a:normAutofit/>
-          </a:bodyPr>
-          <a:lstStyle/>
-          <a:p>
-            <a:pPr lvl="0">
-              <a:spcAft>
-                <a:spcPts val="600"/>
-              </a:spcAft>
-            </a:pPr>
-            <a:r>
-              <a:rPr lang="en-US" noProof="0" dirty="0"/>
-              <a:t>2022</a:t>
-            </a:r>
-          </a:p>
-        </p:txBody>
-      </p:sp>
-      <p:sp>
-        <p:nvSpPr>
-          <p:cNvPr id="4" name="Slide Number Placeholder 3">
-            <a:extLst>
-              <a:ext uri="{FF2B5EF4-FFF2-40B4-BE49-F238E27FC236}">
-                <a16:creationId xmlns:a16="http://schemas.microsoft.com/office/drawing/2014/main" id="{AC0EC6D8-4D66-4B16-AD3F-2850D613518A}"/>
-              </a:ext>
-            </a:extLst>
-          </p:cNvPr>
-          <p:cNvSpPr>
-            <a:spLocks noGrp="1"/>
-          </p:cNvSpPr>
-          <p:nvPr>
-            <p:ph type="sldNum" sz="quarter" idx="12"/>
-          </p:nvPr>
-        </p:nvSpPr>
-        <p:spPr>
-          <a:xfrm>
-            <a:off x="11365992" y="6356350"/>
-            <a:ext cx="630936" cy="365125"/>
-          </a:xfrm>
-        </p:spPr>
-        <p:txBody>
-          <a:bodyPr vert="horz" lIns="91440" tIns="45720" rIns="91440" bIns="45720" rtlCol="0" anchor="ctr">
-            <a:normAutofit/>
-          </a:bodyPr>
-          <a:lstStyle/>
-          <a:p>
-            <a:pPr lvl="0">
-              <a:spcAft>
-                <a:spcPts val="600"/>
-              </a:spcAft>
-            </a:pPr>
-            <a:fld id="{06B786C7-B8F9-4072-AAAA-17258464D730}" type="slidenum">
-              <a:rPr lang="en-US" noProof="0" smtClean="0"/>
-              <a:pPr lvl="0">
-                <a:spcAft>
-                  <a:spcPts val="600"/>
-                </a:spcAft>
-              </a:pPr>
-              <a:t>9</a:t>
-            </a:fld>
-            <a:endParaRPr lang="en-US" noProof="0" dirty="0"/>
-          </a:p>
-        </p:txBody>
-      </p:sp>
     </p:spTree>
     <p:extLst>
       <p:ext uri="{BB962C8B-B14F-4D97-AF65-F5344CB8AC3E}">
-        <p14:creationId xmlns:p14="http://schemas.microsoft.com/office/powerpoint/2010/main" val="3546298949"/>
+        <p14:creationId xmlns:p14="http://schemas.microsoft.com/office/powerpoint/2010/main" val="1673587675"/>
       </p:ext>
     </p:extLst>
   </p:cSld>

--- a/CT6018 Joe Mason s4001719.pptx
+++ b/CT6018 Joe Mason s4001719.pptx
@@ -5,10 +5,10 @@
     <p:sldMasterId id="2147483648" r:id="rId4"/>
   </p:sldMasterIdLst>
   <p:notesMasterIdLst>
-    <p:notesMasterId r:id="rId27"/>
+    <p:notesMasterId r:id="rId29"/>
   </p:notesMasterIdLst>
   <p:handoutMasterIdLst>
-    <p:handoutMasterId r:id="rId28"/>
+    <p:handoutMasterId r:id="rId30"/>
   </p:handoutMasterIdLst>
   <p:sldIdLst>
     <p:sldId id="256" r:id="rId5"/>
@@ -21,18 +21,20 @@
     <p:sldId id="280" r:id="rId12"/>
     <p:sldId id="279" r:id="rId13"/>
     <p:sldId id="293" r:id="rId14"/>
-    <p:sldId id="281" r:id="rId15"/>
-    <p:sldId id="282" r:id="rId16"/>
-    <p:sldId id="286" r:id="rId17"/>
-    <p:sldId id="283" r:id="rId18"/>
-    <p:sldId id="285" r:id="rId19"/>
-    <p:sldId id="287" r:id="rId20"/>
-    <p:sldId id="289" r:id="rId21"/>
-    <p:sldId id="288" r:id="rId22"/>
-    <p:sldId id="290" r:id="rId23"/>
-    <p:sldId id="291" r:id="rId24"/>
-    <p:sldId id="275" r:id="rId25"/>
-    <p:sldId id="276" r:id="rId26"/>
+    <p:sldId id="296" r:id="rId15"/>
+    <p:sldId id="297" r:id="rId16"/>
+    <p:sldId id="281" r:id="rId17"/>
+    <p:sldId id="282" r:id="rId18"/>
+    <p:sldId id="286" r:id="rId19"/>
+    <p:sldId id="283" r:id="rId20"/>
+    <p:sldId id="285" r:id="rId21"/>
+    <p:sldId id="287" r:id="rId22"/>
+    <p:sldId id="289" r:id="rId23"/>
+    <p:sldId id="288" r:id="rId24"/>
+    <p:sldId id="290" r:id="rId25"/>
+    <p:sldId id="291" r:id="rId26"/>
+    <p:sldId id="275" r:id="rId27"/>
+    <p:sldId id="276" r:id="rId28"/>
   </p:sldIdLst>
   <p:sldSz cx="12192000" cy="6858000"/>
   <p:notesSz cx="6858000" cy="9144000"/>
@@ -3274,7 +3276,7 @@
 <dgm:dataModel xmlns:dgm="http://schemas.openxmlformats.org/drawingml/2006/diagram" xmlns:a="http://schemas.openxmlformats.org/drawingml/2006/main">
   <dgm:ptLst>
     <dgm:pt modelId="{0DD8915E-DC14-41D6-9BB5-F49E1C265163}" type="doc">
-      <dgm:prSet loTypeId="urn:microsoft.com/office/officeart/2005/8/layout/default" loCatId="list" qsTypeId="urn:microsoft.com/office/officeart/2005/8/quickstyle/simple1" qsCatId="simple" csTypeId="urn:microsoft.com/office/officeart/2005/8/colors/colorful2" csCatId="colorful" phldr="1"/>
+      <dgm:prSet loTypeId="urn:microsoft.com/office/officeart/2005/8/layout/vList5" loCatId="list" qsTypeId="urn:microsoft.com/office/officeart/2005/8/quickstyle/simple1" qsCatId="simple" csTypeId="urn:microsoft.com/office/officeart/2005/8/colors/colorful2" csCatId="colorful" phldr="1"/>
       <dgm:spPr/>
       <dgm:t>
         <a:bodyPr/>
@@ -3292,14 +3294,14 @@
         <a:lstStyle/>
         <a:p>
           <a:r>
-            <a:rPr lang="en-US" b="1">
+            <a:rPr lang="en-US" b="1" dirty="0">
               <a:latin typeface="+mj-lt"/>
               <a:ea typeface="Calibri" charset="0"/>
               <a:cs typeface="Calibri" charset="0"/>
             </a:rPr>
-            <a:t>Title</a:t>
+            <a:t>Gap In Market</a:t>
           </a:r>
-          <a:endParaRPr lang="en-US" b="1">
+          <a:endParaRPr lang="en-US" b="1" dirty="0">
             <a:latin typeface="+mj-lt"/>
           </a:endParaRPr>
         </a:p>
@@ -3338,14 +3340,13 @@
             <a:buNone/>
           </a:pPr>
           <a:r>
-            <a:rPr lang="en-US" b="0" i="0"/>
-            <a:t>text</a:t>
+            <a:rPr lang="en-US" dirty="0">
+              <a:latin typeface="Calibri" charset="0"/>
+              <a:ea typeface="Calibri" charset="0"/>
+              <a:cs typeface="Calibri" charset="0"/>
+            </a:rPr>
+            <a:t>Combines features and mechanics from competitor's products</a:t>
           </a:r>
-          <a:endParaRPr lang="en-US">
-            <a:latin typeface="Calibri" charset="0"/>
-            <a:ea typeface="Calibri" charset="0"/>
-            <a:cs typeface="Calibri" charset="0"/>
-          </a:endParaRPr>
         </a:p>
       </dgm:t>
     </dgm:pt>
@@ -3379,12 +3380,12 @@
         <a:lstStyle/>
         <a:p>
           <a:r>
-            <a:rPr lang="en-US" b="1">
+            <a:rPr lang="en-US" b="1" dirty="0">
               <a:latin typeface="+mj-lt"/>
               <a:ea typeface="Calibri" charset="0"/>
               <a:cs typeface="Calibri" charset="0"/>
             </a:rPr>
-            <a:t>Title</a:t>
+            <a:t>Existing Audience</a:t>
           </a:r>
         </a:p>
       </dgm:t>
@@ -3422,14 +3423,13 @@
             <a:buNone/>
           </a:pPr>
           <a:r>
-            <a:rPr lang="en-US" b="0" i="0"/>
-            <a:t>text</a:t>
+            <a:rPr lang="en-US" dirty="0">
+              <a:latin typeface="Calibri" charset="0"/>
+              <a:ea typeface="Calibri" charset="0"/>
+              <a:cs typeface="Calibri" charset="0"/>
+            </a:rPr>
+            <a:t>Competitors already have a large fanbase, OutDig does not directly compete</a:t>
           </a:r>
-          <a:endParaRPr lang="en-US">
-            <a:latin typeface="Calibri" charset="0"/>
-            <a:ea typeface="Calibri" charset="0"/>
-            <a:cs typeface="Calibri" charset="0"/>
-          </a:endParaRPr>
         </a:p>
       </dgm:t>
     </dgm:pt>
@@ -3463,12 +3463,12 @@
         <a:lstStyle/>
         <a:p>
           <a:r>
-            <a:rPr lang="en-US" b="1">
+            <a:rPr lang="en-US" b="1" dirty="0">
               <a:latin typeface="+mj-lt"/>
               <a:ea typeface="Calibri" charset="0"/>
               <a:cs typeface="Calibri" charset="0"/>
             </a:rPr>
-            <a:t>Title</a:t>
+            <a:t>Wide Audience</a:t>
           </a:r>
         </a:p>
       </dgm:t>
@@ -3506,14 +3506,13 @@
             <a:buNone/>
           </a:pPr>
           <a:r>
-            <a:rPr lang="en-US" b="0" i="0"/>
-            <a:t>text</a:t>
+            <a:rPr lang="en-US" dirty="0">
+              <a:latin typeface="Calibri" charset="0"/>
+              <a:ea typeface="Calibri" charset="0"/>
+              <a:cs typeface="Calibri" charset="0"/>
+            </a:rPr>
+            <a:t>Strictly casual and more competitive players both have applicable modes</a:t>
           </a:r>
-          <a:endParaRPr lang="en-US">
-            <a:latin typeface="Calibri" charset="0"/>
-            <a:ea typeface="Calibri" charset="0"/>
-            <a:cs typeface="Calibri" charset="0"/>
-          </a:endParaRPr>
         </a:p>
       </dgm:t>
     </dgm:pt>
@@ -3547,12 +3546,12 @@
         <a:lstStyle/>
         <a:p>
           <a:r>
-            <a:rPr lang="en-US" b="1">
+            <a:rPr lang="en-US" b="1" dirty="0">
               <a:latin typeface="+mj-lt"/>
               <a:ea typeface="Calibri" charset="0"/>
               <a:cs typeface="Calibri" charset="0"/>
             </a:rPr>
-            <a:t>Title</a:t>
+            <a:t>Multiple Revenue Streams</a:t>
           </a:r>
         </a:p>
       </dgm:t>
@@ -3590,14 +3589,13 @@
             <a:buNone/>
           </a:pPr>
           <a:r>
-            <a:rPr lang="en-US" b="0" i="0"/>
-            <a:t>text</a:t>
+            <a:rPr lang="en-US" dirty="0">
+              <a:latin typeface="Calibri" charset="0"/>
+              <a:ea typeface="Calibri" charset="0"/>
+              <a:cs typeface="Calibri" charset="0"/>
+            </a:rPr>
+            <a:t>Ads to open loot boxes, IAP for loot boxes, currencies, subscriptions</a:t>
           </a:r>
-          <a:endParaRPr lang="en-US">
-            <a:latin typeface="Calibri" charset="0"/>
-            <a:ea typeface="Calibri" charset="0"/>
-            <a:cs typeface="Calibri" charset="0"/>
-          </a:endParaRPr>
         </a:p>
       </dgm:t>
     </dgm:pt>
@@ -3631,12 +3629,12 @@
         <a:lstStyle/>
         <a:p>
           <a:r>
-            <a:rPr lang="en-US" b="1">
+            <a:rPr lang="en-US" b="1" dirty="0">
               <a:latin typeface="+mj-lt"/>
               <a:ea typeface="Calibri" charset="0"/>
               <a:cs typeface="Calibri" charset="0"/>
             </a:rPr>
-            <a:t>Title</a:t>
+            <a:t>High User Retention</a:t>
           </a:r>
         </a:p>
       </dgm:t>
@@ -3674,14 +3672,13 @@
             <a:buNone/>
           </a:pPr>
           <a:r>
-            <a:rPr lang="en-US" b="0" i="0"/>
-            <a:t>text</a:t>
+            <a:rPr lang="en-US" dirty="0">
+              <a:latin typeface="Calibri" charset="0"/>
+              <a:ea typeface="Calibri" charset="0"/>
+              <a:cs typeface="Calibri" charset="0"/>
+            </a:rPr>
+            <a:t>Players can play the game for free, without ads, increasing retention rate</a:t>
           </a:r>
-          <a:endParaRPr lang="en-US">
-            <a:latin typeface="Calibri" charset="0"/>
-            <a:ea typeface="Calibri" charset="0"/>
-            <a:cs typeface="Calibri" charset="0"/>
-          </a:endParaRPr>
         </a:p>
       </dgm:t>
     </dgm:pt>
@@ -3707,65 +3704,131 @@
         </a:p>
       </dgm:t>
     </dgm:pt>
-    <dgm:pt modelId="{170081F2-7295-4097-AFED-9EF1EE6940D4}" type="pres">
-      <dgm:prSet presAssocID="{0DD8915E-DC14-41D6-9BB5-F49E1C265163}" presName="diagram" presStyleCnt="0">
+    <dgm:pt modelId="{D0374A2D-AA24-475B-B3F6-E58F97E1D9E3}" type="pres">
+      <dgm:prSet presAssocID="{0DD8915E-DC14-41D6-9BB5-F49E1C265163}" presName="Name0" presStyleCnt="0">
         <dgm:presLayoutVars>
           <dgm:dir/>
+          <dgm:animLvl val="lvl"/>
           <dgm:resizeHandles val="exact"/>
         </dgm:presLayoutVars>
       </dgm:prSet>
       <dgm:spPr/>
     </dgm:pt>
-    <dgm:pt modelId="{0C4764F2-6771-4DDF-AA07-1CFB58CD7393}" type="pres">
-      <dgm:prSet presAssocID="{CEA68BC1-0214-475A-AAEB-F2C106BEDF3D}" presName="node" presStyleLbl="node1" presStyleIdx="0" presStyleCnt="5">
+    <dgm:pt modelId="{0A13187A-B5B8-443F-9F36-A4905E60F334}" type="pres">
+      <dgm:prSet presAssocID="{CEA68BC1-0214-475A-AAEB-F2C106BEDF3D}" presName="linNode" presStyleCnt="0"/>
+      <dgm:spPr/>
+    </dgm:pt>
+    <dgm:pt modelId="{F36E4E49-5964-4ECC-827D-1C5DE199FC86}" type="pres">
+      <dgm:prSet presAssocID="{CEA68BC1-0214-475A-AAEB-F2C106BEDF3D}" presName="parentText" presStyleLbl="node1" presStyleIdx="0" presStyleCnt="5">
+        <dgm:presLayoutVars>
+          <dgm:chMax val="1"/>
+          <dgm:bulletEnabled val="1"/>
+        </dgm:presLayoutVars>
+      </dgm:prSet>
+      <dgm:spPr/>
+    </dgm:pt>
+    <dgm:pt modelId="{E3B78A12-BB33-435B-A932-4178819AEFCA}" type="pres">
+      <dgm:prSet presAssocID="{CEA68BC1-0214-475A-AAEB-F2C106BEDF3D}" presName="descendantText" presStyleLbl="alignAccFollowNode1" presStyleIdx="0" presStyleCnt="5">
         <dgm:presLayoutVars>
           <dgm:bulletEnabled val="1"/>
         </dgm:presLayoutVars>
       </dgm:prSet>
       <dgm:spPr/>
     </dgm:pt>
-    <dgm:pt modelId="{1517A623-3A53-438A-8ACB-1A8629B32E53}" type="pres">
-      <dgm:prSet presAssocID="{D52D63DB-7300-43C9-9B4D-DCAB119753ED}" presName="sibTrans" presStyleCnt="0"/>
+    <dgm:pt modelId="{74FED0B1-5D21-4EC7-9A29-FB485F4D9985}" type="pres">
+      <dgm:prSet presAssocID="{D52D63DB-7300-43C9-9B4D-DCAB119753ED}" presName="sp" presStyleCnt="0"/>
       <dgm:spPr/>
     </dgm:pt>
-    <dgm:pt modelId="{E5710201-F26E-4606-8ED5-1AECADBA84A2}" type="pres">
-      <dgm:prSet presAssocID="{57B30C7E-2C98-474C-972A-4A9F013596F6}" presName="node" presStyleLbl="node1" presStyleIdx="1" presStyleCnt="5">
+    <dgm:pt modelId="{3FCE7C38-732D-42DA-BF79-E0C748EEF755}" type="pres">
+      <dgm:prSet presAssocID="{57B30C7E-2C98-474C-972A-4A9F013596F6}" presName="linNode" presStyleCnt="0"/>
+      <dgm:spPr/>
+    </dgm:pt>
+    <dgm:pt modelId="{58FB097B-A90E-48CF-808A-510F9D4146C8}" type="pres">
+      <dgm:prSet presAssocID="{57B30C7E-2C98-474C-972A-4A9F013596F6}" presName="parentText" presStyleLbl="node1" presStyleIdx="1" presStyleCnt="5">
+        <dgm:presLayoutVars>
+          <dgm:chMax val="1"/>
+          <dgm:bulletEnabled val="1"/>
+        </dgm:presLayoutVars>
+      </dgm:prSet>
+      <dgm:spPr/>
+    </dgm:pt>
+    <dgm:pt modelId="{7EEF04DB-B74C-4634-A290-73B3BF67D17B}" type="pres">
+      <dgm:prSet presAssocID="{57B30C7E-2C98-474C-972A-4A9F013596F6}" presName="descendantText" presStyleLbl="alignAccFollowNode1" presStyleIdx="1" presStyleCnt="5">
         <dgm:presLayoutVars>
           <dgm:bulletEnabled val="1"/>
         </dgm:presLayoutVars>
       </dgm:prSet>
       <dgm:spPr/>
     </dgm:pt>
-    <dgm:pt modelId="{D4488202-4E58-472F-BDA0-46DCFCBA7789}" type="pres">
-      <dgm:prSet presAssocID="{7F14057D-1A20-4F64-A110-C77AC5F00602}" presName="sibTrans" presStyleCnt="0"/>
+    <dgm:pt modelId="{69AA01AD-DB3B-4838-8223-0C31BF8BD6E5}" type="pres">
+      <dgm:prSet presAssocID="{7F14057D-1A20-4F64-A110-C77AC5F00602}" presName="sp" presStyleCnt="0"/>
       <dgm:spPr/>
     </dgm:pt>
-    <dgm:pt modelId="{B5A67127-A819-4111-B647-C489007CBD65}" type="pres">
-      <dgm:prSet presAssocID="{0A954AA6-C6B0-4271-8792-CCCE30CE7D69}" presName="node" presStyleLbl="node1" presStyleIdx="2" presStyleCnt="5">
+    <dgm:pt modelId="{6C0FC165-E26E-408E-905C-CA1B1D219A92}" type="pres">
+      <dgm:prSet presAssocID="{0A954AA6-C6B0-4271-8792-CCCE30CE7D69}" presName="linNode" presStyleCnt="0"/>
+      <dgm:spPr/>
+    </dgm:pt>
+    <dgm:pt modelId="{BC019423-F128-4E8F-BA41-BA6B543D6D11}" type="pres">
+      <dgm:prSet presAssocID="{0A954AA6-C6B0-4271-8792-CCCE30CE7D69}" presName="parentText" presStyleLbl="node1" presStyleIdx="2" presStyleCnt="5">
+        <dgm:presLayoutVars>
+          <dgm:chMax val="1"/>
+          <dgm:bulletEnabled val="1"/>
+        </dgm:presLayoutVars>
+      </dgm:prSet>
+      <dgm:spPr/>
+    </dgm:pt>
+    <dgm:pt modelId="{1FBE6090-C246-42C3-9E8A-6B139961A46E}" type="pres">
+      <dgm:prSet presAssocID="{0A954AA6-C6B0-4271-8792-CCCE30CE7D69}" presName="descendantText" presStyleLbl="alignAccFollowNode1" presStyleIdx="2" presStyleCnt="5">
         <dgm:presLayoutVars>
           <dgm:bulletEnabled val="1"/>
         </dgm:presLayoutVars>
       </dgm:prSet>
       <dgm:spPr/>
     </dgm:pt>
-    <dgm:pt modelId="{32620FD3-928B-42CA-A025-5B0C2C7EEDCA}" type="pres">
-      <dgm:prSet presAssocID="{7635DF39-FFCE-4F67-A43A-C3F7B847830D}" presName="sibTrans" presStyleCnt="0"/>
+    <dgm:pt modelId="{CFA7FF03-C53C-49C7-9E84-8AF04FE51F3D}" type="pres">
+      <dgm:prSet presAssocID="{7635DF39-FFCE-4F67-A43A-C3F7B847830D}" presName="sp" presStyleCnt="0"/>
       <dgm:spPr/>
     </dgm:pt>
-    <dgm:pt modelId="{F416398C-AF6E-4B64-9CA4-AAFB7FF42521}" type="pres">
-      <dgm:prSet presAssocID="{1E1BD5C7-7E98-4E9C-980A-6231C710F86D}" presName="node" presStyleLbl="node1" presStyleIdx="3" presStyleCnt="5">
+    <dgm:pt modelId="{FFC1229A-F9E9-42C7-9F63-908EECA43429}" type="pres">
+      <dgm:prSet presAssocID="{1E1BD5C7-7E98-4E9C-980A-6231C710F86D}" presName="linNode" presStyleCnt="0"/>
+      <dgm:spPr/>
+    </dgm:pt>
+    <dgm:pt modelId="{74A033BF-FB50-43FC-84A5-239D0B6B7605}" type="pres">
+      <dgm:prSet presAssocID="{1E1BD5C7-7E98-4E9C-980A-6231C710F86D}" presName="parentText" presStyleLbl="node1" presStyleIdx="3" presStyleCnt="5">
+        <dgm:presLayoutVars>
+          <dgm:chMax val="1"/>
+          <dgm:bulletEnabled val="1"/>
+        </dgm:presLayoutVars>
+      </dgm:prSet>
+      <dgm:spPr/>
+    </dgm:pt>
+    <dgm:pt modelId="{38095544-1DC2-4E49-BEBD-B06E7F66285A}" type="pres">
+      <dgm:prSet presAssocID="{1E1BD5C7-7E98-4E9C-980A-6231C710F86D}" presName="descendantText" presStyleLbl="alignAccFollowNode1" presStyleIdx="3" presStyleCnt="5">
         <dgm:presLayoutVars>
           <dgm:bulletEnabled val="1"/>
         </dgm:presLayoutVars>
       </dgm:prSet>
       <dgm:spPr/>
     </dgm:pt>
-    <dgm:pt modelId="{6829AF2D-DEAD-46C7-BC83-BBC00576887F}" type="pres">
-      <dgm:prSet presAssocID="{BDC49242-DD3A-494A-A4AF-E750AD6D3DAB}" presName="sibTrans" presStyleCnt="0"/>
+    <dgm:pt modelId="{17BDC108-3CF7-4470-A248-CA86A78DCF6E}" type="pres">
+      <dgm:prSet presAssocID="{BDC49242-DD3A-494A-A4AF-E750AD6D3DAB}" presName="sp" presStyleCnt="0"/>
       <dgm:spPr/>
     </dgm:pt>
-    <dgm:pt modelId="{B1B227DE-7A07-456A-932B-0C19711C1C42}" type="pres">
-      <dgm:prSet presAssocID="{13416990-6629-4AE4-B0B2-7DE8418884DB}" presName="node" presStyleLbl="node1" presStyleIdx="4" presStyleCnt="5">
+    <dgm:pt modelId="{5B2E2078-5248-49D8-BA6B-E833FD979321}" type="pres">
+      <dgm:prSet presAssocID="{13416990-6629-4AE4-B0B2-7DE8418884DB}" presName="linNode" presStyleCnt="0"/>
+      <dgm:spPr/>
+    </dgm:pt>
+    <dgm:pt modelId="{D11DDA47-D86C-49C3-972A-6A7A90BC1B26}" type="pres">
+      <dgm:prSet presAssocID="{13416990-6629-4AE4-B0B2-7DE8418884DB}" presName="parentText" presStyleLbl="node1" presStyleIdx="4" presStyleCnt="5">
+        <dgm:presLayoutVars>
+          <dgm:chMax val="1"/>
+          <dgm:bulletEnabled val="1"/>
+        </dgm:presLayoutVars>
+      </dgm:prSet>
+      <dgm:spPr/>
+    </dgm:pt>
+    <dgm:pt modelId="{98AC1FC0-C3B6-4577-AC72-4E4F5DB2E032}" type="pres">
+      <dgm:prSet presAssocID="{13416990-6629-4AE4-B0B2-7DE8418884DB}" presName="descendantText" presStyleLbl="alignAccFollowNode1" presStyleIdx="4" presStyleCnt="5">
         <dgm:presLayoutVars>
           <dgm:bulletEnabled val="1"/>
         </dgm:presLayoutVars>
@@ -3774,36 +3837,46 @@
     </dgm:pt>
   </dgm:ptLst>
   <dgm:cxnLst>
-    <dgm:cxn modelId="{70A24F04-D888-42B4-92D9-9D4D7175B684}" type="presOf" srcId="{0A954AA6-C6B0-4271-8792-CCCE30CE7D69}" destId="{B5A67127-A819-4111-B647-C489007CBD65}" srcOrd="0" destOrd="0" presId="urn:microsoft.com/office/officeart/2005/8/layout/default"/>
     <dgm:cxn modelId="{4A7F6715-186E-49A7-B901-131CC9610C6D}" srcId="{0DD8915E-DC14-41D6-9BB5-F49E1C265163}" destId="{CEA68BC1-0214-475A-AAEB-F2C106BEDF3D}" srcOrd="0" destOrd="0" parTransId="{D39F5498-D166-4D4F-959E-220D13F281F2}" sibTransId="{D52D63DB-7300-43C9-9B4D-DCAB119753ED}"/>
-    <dgm:cxn modelId="{E2ECE91B-2EB3-4889-BFD8-1FE0DD47FEC4}" type="presOf" srcId="{1E1BD5C7-7E98-4E9C-980A-6231C710F86D}" destId="{F416398C-AF6E-4B64-9CA4-AAFB7FF42521}" srcOrd="0" destOrd="0" presId="urn:microsoft.com/office/officeart/2005/8/layout/default"/>
-    <dgm:cxn modelId="{77ACC01E-4809-4C57-902A-D7B6F308AC25}" type="presOf" srcId="{CEA68BC1-0214-475A-AAEB-F2C106BEDF3D}" destId="{0C4764F2-6771-4DDF-AA07-1CFB58CD7393}" srcOrd="0" destOrd="0" presId="urn:microsoft.com/office/officeart/2005/8/layout/default"/>
     <dgm:cxn modelId="{13126A2F-129D-4762-93CF-9798949EB589}" srcId="{0DD8915E-DC14-41D6-9BB5-F49E1C265163}" destId="{57B30C7E-2C98-474C-972A-4A9F013596F6}" srcOrd="1" destOrd="0" parTransId="{3C56CB1B-7905-41E8-90E6-A55A14BA7821}" sibTransId="{7F14057D-1A20-4F64-A110-C77AC5F00602}"/>
+    <dgm:cxn modelId="{FC518434-059E-4877-A8CF-67F21A2779E3}" type="presOf" srcId="{B45FF3C1-5A75-4E4C-B2B6-84B0FAC421C2}" destId="{7EEF04DB-B74C-4634-A290-73B3BF67D17B}" srcOrd="0" destOrd="0" presId="urn:microsoft.com/office/officeart/2005/8/layout/vList5"/>
     <dgm:cxn modelId="{61DE8435-87FC-4ED8-A1D9-A0E36224C192}" srcId="{0DD8915E-DC14-41D6-9BB5-F49E1C265163}" destId="{0A954AA6-C6B0-4271-8792-CCCE30CE7D69}" srcOrd="2" destOrd="0" parTransId="{81CA91A9-12C9-4000-A833-6528B617CCA1}" sibTransId="{7635DF39-FFCE-4F67-A43A-C3F7B847830D}"/>
     <dgm:cxn modelId="{DA65D739-98AB-49B5-B28F-78D06B43157F}" srcId="{1E1BD5C7-7E98-4E9C-980A-6231C710F86D}" destId="{A0B60079-4AAF-49AC-8F08-8A2DFAEE29DB}" srcOrd="0" destOrd="0" parTransId="{94E190C2-DE76-4E92-9B8B-12C8AC85398D}" sibTransId="{B3783AFC-A7BD-4A0E-8A53-49FBB33EB50F}"/>
     <dgm:cxn modelId="{711E093C-AD42-45A4-8D40-A2D39702062E}" srcId="{13416990-6629-4AE4-B0B2-7DE8418884DB}" destId="{8FE81FEC-2664-411F-AEB3-065F29F52751}" srcOrd="0" destOrd="0" parTransId="{BCBC007E-0269-421B-9C41-DE26D5C3A822}" sibTransId="{80230EB7-7230-4881-A631-309C07417378}"/>
     <dgm:cxn modelId="{F291143C-5080-4FD6-BEEA-B126FBAFEC70}" srcId="{0DD8915E-DC14-41D6-9BB5-F49E1C265163}" destId="{1E1BD5C7-7E98-4E9C-980A-6231C710F86D}" srcOrd="3" destOrd="0" parTransId="{63D0BD99-D324-4743-A063-0F16264E6A03}" sibTransId="{BDC49242-DD3A-494A-A4AF-E750AD6D3DAB}"/>
-    <dgm:cxn modelId="{6073655E-0BFF-4CB0-9950-BA9E476D8A30}" type="presOf" srcId="{B45FF3C1-5A75-4E4C-B2B6-84B0FAC421C2}" destId="{E5710201-F26E-4606-8ED5-1AECADBA84A2}" srcOrd="0" destOrd="1" presId="urn:microsoft.com/office/officeart/2005/8/layout/default"/>
-    <dgm:cxn modelId="{89B4175F-C6DC-4FD4-AAB0-149FE66EA464}" type="presOf" srcId="{6E78410F-604C-43A6-A991-1F6A0685C76E}" destId="{0C4764F2-6771-4DDF-AA07-1CFB58CD7393}" srcOrd="0" destOrd="1" presId="urn:microsoft.com/office/officeart/2005/8/layout/default"/>
-    <dgm:cxn modelId="{2D0B1B62-3D9E-43DD-BE23-1D9491E330E8}" type="presOf" srcId="{13416990-6629-4AE4-B0B2-7DE8418884DB}" destId="{B1B227DE-7A07-456A-932B-0C19711C1C42}" srcOrd="0" destOrd="0" presId="urn:microsoft.com/office/officeart/2005/8/layout/default"/>
+    <dgm:cxn modelId="{FB9CED4C-6713-4076-BABB-C265AC01E3F0}" type="presOf" srcId="{6E78410F-604C-43A6-A991-1F6A0685C76E}" destId="{E3B78A12-BB33-435B-A932-4178819AEFCA}" srcOrd="0" destOrd="0" presId="urn:microsoft.com/office/officeart/2005/8/layout/vList5"/>
+    <dgm:cxn modelId="{CE20BD73-2E07-4F84-951E-D2B263B53B52}" type="presOf" srcId="{13416990-6629-4AE4-B0B2-7DE8418884DB}" destId="{D11DDA47-D86C-49C3-972A-6A7A90BC1B26}" srcOrd="0" destOrd="0" presId="urn:microsoft.com/office/officeart/2005/8/layout/vList5"/>
+    <dgm:cxn modelId="{BF4C0A83-B89E-4446-B80C-C8F3D86CBF29}" type="presOf" srcId="{A0B60079-4AAF-49AC-8F08-8A2DFAEE29DB}" destId="{38095544-1DC2-4E49-BEBD-B06E7F66285A}" srcOrd="0" destOrd="0" presId="urn:microsoft.com/office/officeart/2005/8/layout/vList5"/>
     <dgm:cxn modelId="{E6E94786-140A-4645-ACBD-B11A56308E02}" srcId="{CEA68BC1-0214-475A-AAEB-F2C106BEDF3D}" destId="{6E78410F-604C-43A6-A991-1F6A0685C76E}" srcOrd="0" destOrd="0" parTransId="{B87758DC-95B9-415D-8FA2-3A592F03EEB6}" sibTransId="{81ADE71D-3BBC-45B9-8FE7-89C53F21FB8E}"/>
-    <dgm:cxn modelId="{33255289-D452-4AAB-BE23-18CF81D20DDF}" type="presOf" srcId="{A0B60079-4AAF-49AC-8F08-8A2DFAEE29DB}" destId="{F416398C-AF6E-4B64-9CA4-AAFB7FF42521}" srcOrd="0" destOrd="1" presId="urn:microsoft.com/office/officeart/2005/8/layout/default"/>
+    <dgm:cxn modelId="{23B0DA88-C24C-40B3-8915-EB6C35EA8C6A}" type="presOf" srcId="{1E1BD5C7-7E98-4E9C-980A-6231C710F86D}" destId="{74A033BF-FB50-43FC-84A5-239D0B6B7605}" srcOrd="0" destOrd="0" presId="urn:microsoft.com/office/officeart/2005/8/layout/vList5"/>
+    <dgm:cxn modelId="{092B988D-090F-4248-BD47-179BC3E54520}" type="presOf" srcId="{8FE81FEC-2664-411F-AEB3-065F29F52751}" destId="{98AC1FC0-C3B6-4577-AC72-4E4F5DB2E032}" srcOrd="0" destOrd="0" presId="urn:microsoft.com/office/officeart/2005/8/layout/vList5"/>
+    <dgm:cxn modelId="{69A59992-717E-4B38-9413-28EAB8684308}" type="presOf" srcId="{0DD8915E-DC14-41D6-9BB5-F49E1C265163}" destId="{D0374A2D-AA24-475B-B3F6-E58F97E1D9E3}" srcOrd="0" destOrd="0" presId="urn:microsoft.com/office/officeart/2005/8/layout/vList5"/>
+    <dgm:cxn modelId="{91A1F8BF-E2A6-440B-ABF1-B95CED2E48CB}" type="presOf" srcId="{CEA68BC1-0214-475A-AAEB-F2C106BEDF3D}" destId="{F36E4E49-5964-4ECC-827D-1C5DE199FC86}" srcOrd="0" destOrd="0" presId="urn:microsoft.com/office/officeart/2005/8/layout/vList5"/>
     <dgm:cxn modelId="{D6AF6FC0-4B56-4246-AC09-69D41F1CFC6B}" srcId="{57B30C7E-2C98-474C-972A-4A9F013596F6}" destId="{B45FF3C1-5A75-4E4C-B2B6-84B0FAC421C2}" srcOrd="0" destOrd="0" parTransId="{34A81C80-FF70-48EA-B442-BDB1EF403754}" sibTransId="{5B9815BA-8A8F-4251-B182-AD39A4FE26DD}"/>
-    <dgm:cxn modelId="{530A7CC3-8D15-46D8-8F00-469279193FF8}" type="presOf" srcId="{57B30C7E-2C98-474C-972A-4A9F013596F6}" destId="{E5710201-F26E-4606-8ED5-1AECADBA84A2}" srcOrd="0" destOrd="0" presId="urn:microsoft.com/office/officeart/2005/8/layout/default"/>
-    <dgm:cxn modelId="{7AF7ABE6-D058-4137-AD70-FDF5E950D049}" type="presOf" srcId="{838BD54C-88AD-40D7-AF5F-AB65EB0898A5}" destId="{B5A67127-A819-4111-B647-C489007CBD65}" srcOrd="0" destOrd="1" presId="urn:microsoft.com/office/officeart/2005/8/layout/default"/>
-    <dgm:cxn modelId="{7AE2FEF4-69B7-4248-8C11-B36588A7C4ED}" type="presOf" srcId="{0DD8915E-DC14-41D6-9BB5-F49E1C265163}" destId="{170081F2-7295-4097-AFED-9EF1EE6940D4}" srcOrd="0" destOrd="0" presId="urn:microsoft.com/office/officeart/2005/8/layout/default"/>
+    <dgm:cxn modelId="{B3DA6EF6-38AA-428B-A2E5-550036CC879E}" type="presOf" srcId="{838BD54C-88AD-40D7-AF5F-AB65EB0898A5}" destId="{1FBE6090-C246-42C3-9E8A-6B139961A46E}" srcOrd="0" destOrd="0" presId="urn:microsoft.com/office/officeart/2005/8/layout/vList5"/>
     <dgm:cxn modelId="{122438FB-0EB1-4DC7-B97A-C5EDE3236321}" srcId="{0A954AA6-C6B0-4271-8792-CCCE30CE7D69}" destId="{838BD54C-88AD-40D7-AF5F-AB65EB0898A5}" srcOrd="0" destOrd="0" parTransId="{FD106F30-FED7-4A4D-9063-A51FC1861B8D}" sibTransId="{C5AC6457-3C00-4583-9061-8DA5017D63FF}"/>
+    <dgm:cxn modelId="{0C9E29FD-118A-494C-A3E4-735C51663338}" type="presOf" srcId="{0A954AA6-C6B0-4271-8792-CCCE30CE7D69}" destId="{BC019423-F128-4E8F-BA41-BA6B543D6D11}" srcOrd="0" destOrd="0" presId="urn:microsoft.com/office/officeart/2005/8/layout/vList5"/>
     <dgm:cxn modelId="{88C7DEFE-ACEF-4A9F-B154-781CBBFCBE18}" srcId="{0DD8915E-DC14-41D6-9BB5-F49E1C265163}" destId="{13416990-6629-4AE4-B0B2-7DE8418884DB}" srcOrd="4" destOrd="0" parTransId="{180D8207-97DB-48B4-AFB6-E1571502D51D}" sibTransId="{355D6E8A-518E-4B49-955A-8C7CE0CBDA24}"/>
-    <dgm:cxn modelId="{CA08BDFF-BF7B-4735-A6B8-AC5C19127759}" type="presOf" srcId="{8FE81FEC-2664-411F-AEB3-065F29F52751}" destId="{B1B227DE-7A07-456A-932B-0C19711C1C42}" srcOrd="0" destOrd="1" presId="urn:microsoft.com/office/officeart/2005/8/layout/default"/>
-    <dgm:cxn modelId="{9099A2CB-FB6F-4993-B513-67DA0A0FE32E}" type="presParOf" srcId="{170081F2-7295-4097-AFED-9EF1EE6940D4}" destId="{0C4764F2-6771-4DDF-AA07-1CFB58CD7393}" srcOrd="0" destOrd="0" presId="urn:microsoft.com/office/officeart/2005/8/layout/default"/>
-    <dgm:cxn modelId="{16936C2D-88A4-4797-8A0E-154A2A6370C2}" type="presParOf" srcId="{170081F2-7295-4097-AFED-9EF1EE6940D4}" destId="{1517A623-3A53-438A-8ACB-1A8629B32E53}" srcOrd="1" destOrd="0" presId="urn:microsoft.com/office/officeart/2005/8/layout/default"/>
-    <dgm:cxn modelId="{A67E5AB8-709A-4732-8753-D2325D0FDDB3}" type="presParOf" srcId="{170081F2-7295-4097-AFED-9EF1EE6940D4}" destId="{E5710201-F26E-4606-8ED5-1AECADBA84A2}" srcOrd="2" destOrd="0" presId="urn:microsoft.com/office/officeart/2005/8/layout/default"/>
-    <dgm:cxn modelId="{6BA47AA6-C309-482D-B84E-1FC5A0DE8840}" type="presParOf" srcId="{170081F2-7295-4097-AFED-9EF1EE6940D4}" destId="{D4488202-4E58-472F-BDA0-46DCFCBA7789}" srcOrd="3" destOrd="0" presId="urn:microsoft.com/office/officeart/2005/8/layout/default"/>
-    <dgm:cxn modelId="{DAFCC2EE-6ED3-4CFF-B329-065B909CD9C3}" type="presParOf" srcId="{170081F2-7295-4097-AFED-9EF1EE6940D4}" destId="{B5A67127-A819-4111-B647-C489007CBD65}" srcOrd="4" destOrd="0" presId="urn:microsoft.com/office/officeart/2005/8/layout/default"/>
-    <dgm:cxn modelId="{29D28184-A300-440C-9D79-64566CAD4FA4}" type="presParOf" srcId="{170081F2-7295-4097-AFED-9EF1EE6940D4}" destId="{32620FD3-928B-42CA-A025-5B0C2C7EEDCA}" srcOrd="5" destOrd="0" presId="urn:microsoft.com/office/officeart/2005/8/layout/default"/>
-    <dgm:cxn modelId="{F3469C98-5B13-4A77-85FD-1CBE526F5980}" type="presParOf" srcId="{170081F2-7295-4097-AFED-9EF1EE6940D4}" destId="{F416398C-AF6E-4B64-9CA4-AAFB7FF42521}" srcOrd="6" destOrd="0" presId="urn:microsoft.com/office/officeart/2005/8/layout/default"/>
-    <dgm:cxn modelId="{A0C61896-4169-487A-A5D0-F92B7E32E558}" type="presParOf" srcId="{170081F2-7295-4097-AFED-9EF1EE6940D4}" destId="{6829AF2D-DEAD-46C7-BC83-BBC00576887F}" srcOrd="7" destOrd="0" presId="urn:microsoft.com/office/officeart/2005/8/layout/default"/>
-    <dgm:cxn modelId="{28C531A5-BC55-4211-9F67-78A561E98738}" type="presParOf" srcId="{170081F2-7295-4097-AFED-9EF1EE6940D4}" destId="{B1B227DE-7A07-456A-932B-0C19711C1C42}" srcOrd="8" destOrd="0" presId="urn:microsoft.com/office/officeart/2005/8/layout/default"/>
+    <dgm:cxn modelId="{4AAE43FF-E6B2-4AA2-9FCF-0620B4F95D2E}" type="presOf" srcId="{57B30C7E-2C98-474C-972A-4A9F013596F6}" destId="{58FB097B-A90E-48CF-808A-510F9D4146C8}" srcOrd="0" destOrd="0" presId="urn:microsoft.com/office/officeart/2005/8/layout/vList5"/>
+    <dgm:cxn modelId="{EBA379C0-469C-4647-AB8A-3AE326811706}" type="presParOf" srcId="{D0374A2D-AA24-475B-B3F6-E58F97E1D9E3}" destId="{0A13187A-B5B8-443F-9F36-A4905E60F334}" srcOrd="0" destOrd="0" presId="urn:microsoft.com/office/officeart/2005/8/layout/vList5"/>
+    <dgm:cxn modelId="{F04B87E2-416F-40FB-9C7D-35930035591D}" type="presParOf" srcId="{0A13187A-B5B8-443F-9F36-A4905E60F334}" destId="{F36E4E49-5964-4ECC-827D-1C5DE199FC86}" srcOrd="0" destOrd="0" presId="urn:microsoft.com/office/officeart/2005/8/layout/vList5"/>
+    <dgm:cxn modelId="{29FD6EA0-20D7-4A4D-BA51-80689FB15A13}" type="presParOf" srcId="{0A13187A-B5B8-443F-9F36-A4905E60F334}" destId="{E3B78A12-BB33-435B-A932-4178819AEFCA}" srcOrd="1" destOrd="0" presId="urn:microsoft.com/office/officeart/2005/8/layout/vList5"/>
+    <dgm:cxn modelId="{D7B47EEA-BD50-4328-A2BA-B913625B2D5B}" type="presParOf" srcId="{D0374A2D-AA24-475B-B3F6-E58F97E1D9E3}" destId="{74FED0B1-5D21-4EC7-9A29-FB485F4D9985}" srcOrd="1" destOrd="0" presId="urn:microsoft.com/office/officeart/2005/8/layout/vList5"/>
+    <dgm:cxn modelId="{7EF7B49B-E3AF-4378-9FA7-1D61247A47B5}" type="presParOf" srcId="{D0374A2D-AA24-475B-B3F6-E58F97E1D9E3}" destId="{3FCE7C38-732D-42DA-BF79-E0C748EEF755}" srcOrd="2" destOrd="0" presId="urn:microsoft.com/office/officeart/2005/8/layout/vList5"/>
+    <dgm:cxn modelId="{122C3FE6-AB91-4973-889A-928165CD54BF}" type="presParOf" srcId="{3FCE7C38-732D-42DA-BF79-E0C748EEF755}" destId="{58FB097B-A90E-48CF-808A-510F9D4146C8}" srcOrd="0" destOrd="0" presId="urn:microsoft.com/office/officeart/2005/8/layout/vList5"/>
+    <dgm:cxn modelId="{7E6D1A74-2F83-4FA7-A67D-0182028B8DA8}" type="presParOf" srcId="{3FCE7C38-732D-42DA-BF79-E0C748EEF755}" destId="{7EEF04DB-B74C-4634-A290-73B3BF67D17B}" srcOrd="1" destOrd="0" presId="urn:microsoft.com/office/officeart/2005/8/layout/vList5"/>
+    <dgm:cxn modelId="{0750814F-109A-47BB-A748-A51EAF9E9A13}" type="presParOf" srcId="{D0374A2D-AA24-475B-B3F6-E58F97E1D9E3}" destId="{69AA01AD-DB3B-4838-8223-0C31BF8BD6E5}" srcOrd="3" destOrd="0" presId="urn:microsoft.com/office/officeart/2005/8/layout/vList5"/>
+    <dgm:cxn modelId="{86EA67E8-DC62-4403-AC01-3DAC42BE3304}" type="presParOf" srcId="{D0374A2D-AA24-475B-B3F6-E58F97E1D9E3}" destId="{6C0FC165-E26E-408E-905C-CA1B1D219A92}" srcOrd="4" destOrd="0" presId="urn:microsoft.com/office/officeart/2005/8/layout/vList5"/>
+    <dgm:cxn modelId="{09A4A748-F420-440E-890F-D79B71CD4385}" type="presParOf" srcId="{6C0FC165-E26E-408E-905C-CA1B1D219A92}" destId="{BC019423-F128-4E8F-BA41-BA6B543D6D11}" srcOrd="0" destOrd="0" presId="urn:microsoft.com/office/officeart/2005/8/layout/vList5"/>
+    <dgm:cxn modelId="{642755A2-B56A-492C-BB60-0046ACB5317E}" type="presParOf" srcId="{6C0FC165-E26E-408E-905C-CA1B1D219A92}" destId="{1FBE6090-C246-42C3-9E8A-6B139961A46E}" srcOrd="1" destOrd="0" presId="urn:microsoft.com/office/officeart/2005/8/layout/vList5"/>
+    <dgm:cxn modelId="{FC16BDE9-350F-446A-A7ED-C92BBC677825}" type="presParOf" srcId="{D0374A2D-AA24-475B-B3F6-E58F97E1D9E3}" destId="{CFA7FF03-C53C-49C7-9E84-8AF04FE51F3D}" srcOrd="5" destOrd="0" presId="urn:microsoft.com/office/officeart/2005/8/layout/vList5"/>
+    <dgm:cxn modelId="{15FF8A12-628D-4AD9-AE2F-24E29AC5E91B}" type="presParOf" srcId="{D0374A2D-AA24-475B-B3F6-E58F97E1D9E3}" destId="{FFC1229A-F9E9-42C7-9F63-908EECA43429}" srcOrd="6" destOrd="0" presId="urn:microsoft.com/office/officeart/2005/8/layout/vList5"/>
+    <dgm:cxn modelId="{D65269A5-02E0-4F9E-B168-2E26A4C52D9A}" type="presParOf" srcId="{FFC1229A-F9E9-42C7-9F63-908EECA43429}" destId="{74A033BF-FB50-43FC-84A5-239D0B6B7605}" srcOrd="0" destOrd="0" presId="urn:microsoft.com/office/officeart/2005/8/layout/vList5"/>
+    <dgm:cxn modelId="{BBA591FD-F225-4913-975B-202A70C08807}" type="presParOf" srcId="{FFC1229A-F9E9-42C7-9F63-908EECA43429}" destId="{38095544-1DC2-4E49-BEBD-B06E7F66285A}" srcOrd="1" destOrd="0" presId="urn:microsoft.com/office/officeart/2005/8/layout/vList5"/>
+    <dgm:cxn modelId="{834C43D1-7B92-4460-929E-D616AE3E1751}" type="presParOf" srcId="{D0374A2D-AA24-475B-B3F6-E58F97E1D9E3}" destId="{17BDC108-3CF7-4470-A248-CA86A78DCF6E}" srcOrd="7" destOrd="0" presId="urn:microsoft.com/office/officeart/2005/8/layout/vList5"/>
+    <dgm:cxn modelId="{E9FAB9D8-4985-4AC1-B168-100D83C43432}" type="presParOf" srcId="{D0374A2D-AA24-475B-B3F6-E58F97E1D9E3}" destId="{5B2E2078-5248-49D8-BA6B-E833FD979321}" srcOrd="8" destOrd="0" presId="urn:microsoft.com/office/officeart/2005/8/layout/vList5"/>
+    <dgm:cxn modelId="{34172A02-23B9-4FAB-9F48-128D8A8684BB}" type="presParOf" srcId="{5B2E2078-5248-49D8-BA6B-E833FD979321}" destId="{D11DDA47-D86C-49C3-972A-6A7A90BC1B26}" srcOrd="0" destOrd="0" presId="urn:microsoft.com/office/officeart/2005/8/layout/vList5"/>
+    <dgm:cxn modelId="{23FE7CAF-F48F-4741-87F9-FF66A1F44280}" type="presParOf" srcId="{5B2E2078-5248-49D8-BA6B-E833FD979321}" destId="{98AC1FC0-C3B6-4577-AC72-4E4F5DB2E032}" srcOrd="1" destOrd="0" presId="urn:microsoft.com/office/officeart/2005/8/layout/vList5"/>
   </dgm:cxnLst>
   <dgm:bg/>
   <dgm:whole/>
@@ -3842,7 +3915,7 @@
               <a:ea typeface="Calibri" charset="0"/>
               <a:cs typeface="Calibri" charset="0"/>
             </a:rPr>
-            <a:t>January</a:t>
+            <a:t>Early January</a:t>
           </a:r>
           <a:endParaRPr lang="en-US" sz="2100" b="1" dirty="0">
             <a:latin typeface="+mj-lt"/>
@@ -3932,22 +4005,8 @@
               <a:ea typeface="Calibri" charset="0"/>
               <a:cs typeface="Calibri" charset="0"/>
             </a:rPr>
-            <a:t>February </a:t>
+            <a:t>Late January</a:t>
           </a:r>
-          <a:r>
-            <a:rPr lang="en-US" sz="2000" b="1" dirty="0">
-              <a:latin typeface="+mj-lt"/>
-              <a:ea typeface="Calibri" charset="0"/>
-              <a:cs typeface="Calibri" charset="0"/>
-              <a:sym typeface="Wingdings" panose="05000000000000000000" pitchFamily="2" charset="2"/>
-            </a:rPr>
-            <a:t> March</a:t>
-          </a:r>
-          <a:endParaRPr lang="en-US" sz="2000" b="1" dirty="0">
-            <a:latin typeface="+mj-lt"/>
-            <a:ea typeface="Calibri" charset="0"/>
-            <a:cs typeface="Calibri" charset="0"/>
-          </a:endParaRPr>
         </a:p>
       </dgm:t>
     </dgm:pt>
@@ -4028,7 +4087,7 @@
               <a:ea typeface="Calibri" charset="0"/>
               <a:cs typeface="Calibri" charset="0"/>
             </a:rPr>
-            <a:t>April </a:t>
+            <a:t>February </a:t>
           </a:r>
           <a:r>
             <a:rPr lang="en-US" sz="2000" b="1" dirty="0">
@@ -4129,22 +4188,8 @@
               <a:ea typeface="Calibri" charset="0"/>
               <a:cs typeface="Calibri" charset="0"/>
             </a:rPr>
-            <a:t>August </a:t>
+            <a:t>August</a:t>
           </a:r>
-          <a:r>
-            <a:rPr lang="en-US" sz="2000" b="1" dirty="0">
-              <a:latin typeface="+mj-lt"/>
-              <a:ea typeface="Calibri" charset="0"/>
-              <a:cs typeface="Calibri" charset="0"/>
-              <a:sym typeface="Wingdings" panose="05000000000000000000" pitchFamily="2" charset="2"/>
-            </a:rPr>
-            <a:t> September</a:t>
-          </a:r>
-          <a:endParaRPr lang="en-US" sz="2000" b="1" dirty="0">
-            <a:latin typeface="+mj-lt"/>
-            <a:ea typeface="Calibri" charset="0"/>
-            <a:cs typeface="Calibri" charset="0"/>
-          </a:endParaRPr>
         </a:p>
       </dgm:t>
     </dgm:pt>
@@ -4189,7 +4234,7 @@
               <a:ea typeface="Calibri" charset="0"/>
               <a:cs typeface="Calibri" charset="0"/>
             </a:rPr>
-            <a:t>Bug fixes and gameplay balance tested</a:t>
+            <a:t>Soft launch, feedback opportunity</a:t>
           </a:r>
         </a:p>
       </dgm:t>
@@ -4229,7 +4274,7 @@
               <a:ea typeface="Calibri" charset="0"/>
               <a:cs typeface="Calibri" charset="0"/>
             </a:rPr>
-            <a:t>October</a:t>
+            <a:t>September</a:t>
           </a:r>
         </a:p>
       </dgm:t>
@@ -4275,7 +4320,7 @@
               <a:ea typeface="Calibri" charset="0"/>
               <a:cs typeface="Calibri" charset="0"/>
             </a:rPr>
-            <a:t>Pre-launch, beta testing, polishing</a:t>
+            <a:t>Bug fixes and gameplay balance adjusted</a:t>
           </a:r>
         </a:p>
       </dgm:t>
@@ -4510,7 +4555,7 @@
               <a:ea typeface="Calibri" charset="0"/>
               <a:cs typeface="Calibri" charset="0"/>
             </a:rPr>
-            <a:t>November</a:t>
+            <a:t>October</a:t>
           </a:r>
         </a:p>
       </dgm:t>
@@ -5272,17 +5317,101 @@
       <dsp:cNvGrpSpPr/>
     </dsp:nvGrpSpPr>
     <dsp:grpSpPr/>
-    <dsp:sp modelId="{0C4764F2-6771-4DDF-AA07-1CFB58CD7393}">
+    <dsp:sp modelId="{E3B78A12-BB33-435B-A932-4178819AEFCA}">
+      <dsp:nvSpPr>
+        <dsp:cNvPr id="0" name=""/>
+        <dsp:cNvSpPr/>
+      </dsp:nvSpPr>
+      <dsp:spPr>
+        <a:xfrm rot="5400000">
+          <a:off x="6852846" y="-2971594"/>
+          <a:ext cx="645178" cy="6753351"/>
+        </a:xfrm>
+        <a:prstGeom prst="round2SameRect">
+          <a:avLst/>
+        </a:prstGeom>
+        <a:solidFill>
+          <a:schemeClr val="accent2">
+            <a:tint val="40000"/>
+            <a:alpha val="90000"/>
+            <a:hueOff val="0"/>
+            <a:satOff val="0"/>
+            <a:lumOff val="0"/>
+            <a:alphaOff val="0"/>
+          </a:schemeClr>
+        </a:solidFill>
+        <a:ln w="12700" cap="flat" cmpd="sng" algn="ctr">
+          <a:solidFill>
+            <a:schemeClr val="accent2">
+              <a:tint val="40000"/>
+              <a:alpha val="90000"/>
+              <a:hueOff val="0"/>
+              <a:satOff val="0"/>
+              <a:lumOff val="0"/>
+              <a:alphaOff val="0"/>
+            </a:schemeClr>
+          </a:solidFill>
+          <a:prstDash val="solid"/>
+          <a:miter lim="800000"/>
+        </a:ln>
+        <a:effectLst/>
+      </dsp:spPr>
+      <dsp:style>
+        <a:lnRef idx="2">
+          <a:scrgbClr r="0" g="0" b="0"/>
+        </a:lnRef>
+        <a:fillRef idx="1">
+          <a:scrgbClr r="0" g="0" b="0"/>
+        </a:fillRef>
+        <a:effectRef idx="0">
+          <a:scrgbClr r="0" g="0" b="0"/>
+        </a:effectRef>
+        <a:fontRef idx="minor"/>
+      </dsp:style>
+      <dsp:txBody>
+        <a:bodyPr spcFirstLastPara="0" vert="horz" wrap="square" lIns="182880" tIns="182880" rIns="182880" bIns="182880" numCol="1" spcCol="1270" anchor="ctr" anchorCtr="0">
+          <a:noAutofit/>
+        </a:bodyPr>
+        <a:lstStyle/>
+        <a:p>
+          <a:pPr marL="0" lvl="1" indent="-114300" algn="l" defTabSz="666750">
+            <a:lnSpc>
+              <a:spcPct val="90000"/>
+            </a:lnSpc>
+            <a:spcBef>
+              <a:spcPct val="0"/>
+            </a:spcBef>
+            <a:spcAft>
+              <a:spcPct val="15000"/>
+            </a:spcAft>
+            <a:buNone/>
+          </a:pPr>
+          <a:r>
+            <a:rPr lang="en-US" sz="1500" kern="1200" dirty="0">
+              <a:latin typeface="Calibri" charset="0"/>
+              <a:ea typeface="Calibri" charset="0"/>
+              <a:cs typeface="Calibri" charset="0"/>
+            </a:rPr>
+            <a:t>Combines features and mechanics from competitor's products</a:t>
+          </a:r>
+        </a:p>
+      </dsp:txBody>
+      <dsp:txXfrm rot="-5400000">
+        <a:off x="3798760" y="113987"/>
+        <a:ext cx="6721856" cy="582188"/>
+      </dsp:txXfrm>
+    </dsp:sp>
+    <dsp:sp modelId="{F36E4E49-5964-4ECC-827D-1C5DE199FC86}">
       <dsp:nvSpPr>
         <dsp:cNvPr id="0" name=""/>
         <dsp:cNvSpPr/>
       </dsp:nvSpPr>
       <dsp:spPr>
         <a:xfrm>
-          <a:off x="115413" y="2164"/>
-          <a:ext cx="3225401" cy="1935240"/>
+          <a:off x="0" y="1844"/>
+          <a:ext cx="3798760" cy="806473"/>
         </a:xfrm>
-        <a:prstGeom prst="rect">
+        <a:prstGeom prst="roundRect">
           <a:avLst/>
         </a:prstGeom>
         <a:solidFill>
@@ -5322,12 +5451,12 @@
         </a:fontRef>
       </dsp:style>
       <dsp:txBody>
-        <a:bodyPr spcFirstLastPara="0" vert="horz" wrap="square" lIns="194310" tIns="194310" rIns="194310" bIns="194310" numCol="1" spcCol="1270" anchor="t" anchorCtr="0">
+        <a:bodyPr spcFirstLastPara="0" vert="horz" wrap="square" lIns="87630" tIns="43815" rIns="87630" bIns="43815" numCol="1" spcCol="1270" anchor="ctr" anchorCtr="0">
           <a:noAutofit/>
         </a:bodyPr>
         <a:lstStyle/>
         <a:p>
-          <a:pPr marL="0" lvl="0" indent="0" algn="l" defTabSz="2266950">
+          <a:pPr marL="0" lvl="0" indent="0" algn="ctr" defTabSz="1022350">
             <a:lnSpc>
               <a:spcPct val="90000"/>
             </a:lnSpc>
@@ -5340,19 +5469,81 @@
             <a:buNone/>
           </a:pPr>
           <a:r>
-            <a:rPr lang="en-US" sz="5100" b="1" kern="1200">
+            <a:rPr lang="en-US" sz="2300" b="1" kern="1200" dirty="0">
               <a:latin typeface="+mj-lt"/>
               <a:ea typeface="Calibri" charset="0"/>
               <a:cs typeface="Calibri" charset="0"/>
             </a:rPr>
-            <a:t>Title</a:t>
+            <a:t>Gap In Market</a:t>
           </a:r>
-          <a:endParaRPr lang="en-US" sz="5100" b="1" kern="1200">
+          <a:endParaRPr lang="en-US" sz="2300" b="1" kern="1200" dirty="0">
             <a:latin typeface="+mj-lt"/>
           </a:endParaRPr>
         </a:p>
+      </dsp:txBody>
+      <dsp:txXfrm>
+        <a:off x="39369" y="41213"/>
+        <a:ext cx="3720022" cy="727735"/>
+      </dsp:txXfrm>
+    </dsp:sp>
+    <dsp:sp modelId="{7EEF04DB-B74C-4634-A290-73B3BF67D17B}">
+      <dsp:nvSpPr>
+        <dsp:cNvPr id="0" name=""/>
+        <dsp:cNvSpPr/>
+      </dsp:nvSpPr>
+      <dsp:spPr>
+        <a:xfrm rot="5400000">
+          <a:off x="6852846" y="-2124797"/>
+          <a:ext cx="645178" cy="6753351"/>
+        </a:xfrm>
+        <a:prstGeom prst="round2SameRect">
+          <a:avLst/>
+        </a:prstGeom>
+        <a:solidFill>
+          <a:schemeClr val="accent2">
+            <a:tint val="40000"/>
+            <a:alpha val="90000"/>
+            <a:hueOff val="699602"/>
+            <a:satOff val="10600"/>
+            <a:lumOff val="956"/>
+            <a:alphaOff val="0"/>
+          </a:schemeClr>
+        </a:solidFill>
+        <a:ln w="12700" cap="flat" cmpd="sng" algn="ctr">
+          <a:solidFill>
+            <a:schemeClr val="accent2">
+              <a:tint val="40000"/>
+              <a:alpha val="90000"/>
+              <a:hueOff val="699602"/>
+              <a:satOff val="10600"/>
+              <a:lumOff val="956"/>
+              <a:alphaOff val="0"/>
+            </a:schemeClr>
+          </a:solidFill>
+          <a:prstDash val="solid"/>
+          <a:miter lim="800000"/>
+        </a:ln>
+        <a:effectLst/>
+      </dsp:spPr>
+      <dsp:style>
+        <a:lnRef idx="2">
+          <a:scrgbClr r="0" g="0" b="0"/>
+        </a:lnRef>
+        <a:fillRef idx="1">
+          <a:scrgbClr r="0" g="0" b="0"/>
+        </a:fillRef>
+        <a:effectRef idx="0">
+          <a:scrgbClr r="0" g="0" b="0"/>
+        </a:effectRef>
+        <a:fontRef idx="minor"/>
+      </dsp:style>
+      <dsp:txBody>
+        <a:bodyPr spcFirstLastPara="0" vert="horz" wrap="square" lIns="182880" tIns="182880" rIns="182880" bIns="182880" numCol="1" spcCol="1270" anchor="ctr" anchorCtr="0">
+          <a:noAutofit/>
+        </a:bodyPr>
+        <a:lstStyle/>
         <a:p>
-          <a:pPr marL="0" lvl="1" indent="-285750" algn="l" defTabSz="1778000">
+          <a:pPr marL="0" lvl="1" indent="-114300" algn="l" defTabSz="666750">
             <a:lnSpc>
               <a:spcPct val="90000"/>
             </a:lnSpc>
@@ -5365,32 +5556,31 @@
             <a:buNone/>
           </a:pPr>
           <a:r>
-            <a:rPr lang="en-US" sz="4000" b="0" i="0" kern="1200"/>
-            <a:t>text</a:t>
+            <a:rPr lang="en-US" sz="1500" kern="1200" dirty="0">
+              <a:latin typeface="Calibri" charset="0"/>
+              <a:ea typeface="Calibri" charset="0"/>
+              <a:cs typeface="Calibri" charset="0"/>
+            </a:rPr>
+            <a:t>Competitors already have a large fanbase, OutDig does not directly compete</a:t>
           </a:r>
-          <a:endParaRPr lang="en-US" sz="4000" kern="1200">
-            <a:latin typeface="Calibri" charset="0"/>
-            <a:ea typeface="Calibri" charset="0"/>
-            <a:cs typeface="Calibri" charset="0"/>
-          </a:endParaRPr>
         </a:p>
       </dsp:txBody>
-      <dsp:txXfrm>
-        <a:off x="115413" y="2164"/>
-        <a:ext cx="3225401" cy="1935240"/>
+      <dsp:txXfrm rot="-5400000">
+        <a:off x="3798760" y="960784"/>
+        <a:ext cx="6721856" cy="582188"/>
       </dsp:txXfrm>
     </dsp:sp>
-    <dsp:sp modelId="{E5710201-F26E-4606-8ED5-1AECADBA84A2}">
+    <dsp:sp modelId="{58FB097B-A90E-48CF-808A-510F9D4146C8}">
       <dsp:nvSpPr>
         <dsp:cNvPr id="0" name=""/>
         <dsp:cNvSpPr/>
       </dsp:nvSpPr>
       <dsp:spPr>
         <a:xfrm>
-          <a:off x="3663355" y="2164"/>
-          <a:ext cx="3225401" cy="1935240"/>
+          <a:off x="0" y="848641"/>
+          <a:ext cx="3798760" cy="806473"/>
         </a:xfrm>
-        <a:prstGeom prst="rect">
+        <a:prstGeom prst="roundRect">
           <a:avLst/>
         </a:prstGeom>
         <a:solidFill>
@@ -5430,12 +5620,12 @@
         </a:fontRef>
       </dsp:style>
       <dsp:txBody>
-        <a:bodyPr spcFirstLastPara="0" vert="horz" wrap="square" lIns="194310" tIns="194310" rIns="194310" bIns="194310" numCol="1" spcCol="1270" anchor="t" anchorCtr="0">
+        <a:bodyPr spcFirstLastPara="0" vert="horz" wrap="square" lIns="87630" tIns="43815" rIns="87630" bIns="43815" numCol="1" spcCol="1270" anchor="ctr" anchorCtr="0">
           <a:noAutofit/>
         </a:bodyPr>
         <a:lstStyle/>
         <a:p>
-          <a:pPr marL="0" lvl="0" indent="0" algn="l" defTabSz="2266950">
+          <a:pPr marL="0" lvl="0" indent="0" algn="ctr" defTabSz="1022350">
             <a:lnSpc>
               <a:spcPct val="90000"/>
             </a:lnSpc>
@@ -5448,16 +5638,78 @@
             <a:buNone/>
           </a:pPr>
           <a:r>
-            <a:rPr lang="en-US" sz="5100" b="1" kern="1200">
+            <a:rPr lang="en-US" sz="2300" b="1" kern="1200" dirty="0">
               <a:latin typeface="+mj-lt"/>
               <a:ea typeface="Calibri" charset="0"/>
               <a:cs typeface="Calibri" charset="0"/>
             </a:rPr>
-            <a:t>Title</a:t>
+            <a:t>Existing Audience</a:t>
           </a:r>
         </a:p>
+      </dsp:txBody>
+      <dsp:txXfrm>
+        <a:off x="39369" y="888010"/>
+        <a:ext cx="3720022" cy="727735"/>
+      </dsp:txXfrm>
+    </dsp:sp>
+    <dsp:sp modelId="{1FBE6090-C246-42C3-9E8A-6B139961A46E}">
+      <dsp:nvSpPr>
+        <dsp:cNvPr id="0" name=""/>
+        <dsp:cNvSpPr/>
+      </dsp:nvSpPr>
+      <dsp:spPr>
+        <a:xfrm rot="5400000">
+          <a:off x="6852846" y="-1278000"/>
+          <a:ext cx="645178" cy="6753351"/>
+        </a:xfrm>
+        <a:prstGeom prst="round2SameRect">
+          <a:avLst/>
+        </a:prstGeom>
+        <a:solidFill>
+          <a:schemeClr val="accent2">
+            <a:tint val="40000"/>
+            <a:alpha val="90000"/>
+            <a:hueOff val="1399204"/>
+            <a:satOff val="21201"/>
+            <a:lumOff val="1912"/>
+            <a:alphaOff val="0"/>
+          </a:schemeClr>
+        </a:solidFill>
+        <a:ln w="12700" cap="flat" cmpd="sng" algn="ctr">
+          <a:solidFill>
+            <a:schemeClr val="accent2">
+              <a:tint val="40000"/>
+              <a:alpha val="90000"/>
+              <a:hueOff val="1399204"/>
+              <a:satOff val="21201"/>
+              <a:lumOff val="1912"/>
+              <a:alphaOff val="0"/>
+            </a:schemeClr>
+          </a:solidFill>
+          <a:prstDash val="solid"/>
+          <a:miter lim="800000"/>
+        </a:ln>
+        <a:effectLst/>
+      </dsp:spPr>
+      <dsp:style>
+        <a:lnRef idx="2">
+          <a:scrgbClr r="0" g="0" b="0"/>
+        </a:lnRef>
+        <a:fillRef idx="1">
+          <a:scrgbClr r="0" g="0" b="0"/>
+        </a:fillRef>
+        <a:effectRef idx="0">
+          <a:scrgbClr r="0" g="0" b="0"/>
+        </a:effectRef>
+        <a:fontRef idx="minor"/>
+      </dsp:style>
+      <dsp:txBody>
+        <a:bodyPr spcFirstLastPara="0" vert="horz" wrap="square" lIns="182880" tIns="182880" rIns="182880" bIns="182880" numCol="1" spcCol="1270" anchor="ctr" anchorCtr="0">
+          <a:noAutofit/>
+        </a:bodyPr>
+        <a:lstStyle/>
         <a:p>
-          <a:pPr marL="0" lvl="1" indent="-285750" algn="l" defTabSz="1778000">
+          <a:pPr marL="0" lvl="1" indent="-114300" algn="l" defTabSz="666750">
             <a:lnSpc>
               <a:spcPct val="90000"/>
             </a:lnSpc>
@@ -5470,32 +5722,31 @@
             <a:buNone/>
           </a:pPr>
           <a:r>
-            <a:rPr lang="en-US" sz="4000" b="0" i="0" kern="1200"/>
-            <a:t>text</a:t>
+            <a:rPr lang="en-US" sz="1500" kern="1200" dirty="0">
+              <a:latin typeface="Calibri" charset="0"/>
+              <a:ea typeface="Calibri" charset="0"/>
+              <a:cs typeface="Calibri" charset="0"/>
+            </a:rPr>
+            <a:t>Strictly casual and more competitive players both have applicable modes</a:t>
           </a:r>
-          <a:endParaRPr lang="en-US" sz="4000" kern="1200">
-            <a:latin typeface="Calibri" charset="0"/>
-            <a:ea typeface="Calibri" charset="0"/>
-            <a:cs typeface="Calibri" charset="0"/>
-          </a:endParaRPr>
         </a:p>
       </dsp:txBody>
-      <dsp:txXfrm>
-        <a:off x="3663355" y="2164"/>
-        <a:ext cx="3225401" cy="1935240"/>
+      <dsp:txXfrm rot="-5400000">
+        <a:off x="3798760" y="1807581"/>
+        <a:ext cx="6721856" cy="582188"/>
       </dsp:txXfrm>
     </dsp:sp>
-    <dsp:sp modelId="{B5A67127-A819-4111-B647-C489007CBD65}">
+    <dsp:sp modelId="{BC019423-F128-4E8F-BA41-BA6B543D6D11}">
       <dsp:nvSpPr>
         <dsp:cNvPr id="0" name=""/>
         <dsp:cNvSpPr/>
       </dsp:nvSpPr>
       <dsp:spPr>
         <a:xfrm>
-          <a:off x="7211296" y="2164"/>
-          <a:ext cx="3225401" cy="1935240"/>
+          <a:off x="0" y="1695438"/>
+          <a:ext cx="3798760" cy="806473"/>
         </a:xfrm>
-        <a:prstGeom prst="rect">
+        <a:prstGeom prst="roundRect">
           <a:avLst/>
         </a:prstGeom>
         <a:solidFill>
@@ -5535,12 +5786,12 @@
         </a:fontRef>
       </dsp:style>
       <dsp:txBody>
-        <a:bodyPr spcFirstLastPara="0" vert="horz" wrap="square" lIns="194310" tIns="194310" rIns="194310" bIns="194310" numCol="1" spcCol="1270" anchor="t" anchorCtr="0">
+        <a:bodyPr spcFirstLastPara="0" vert="horz" wrap="square" lIns="87630" tIns="43815" rIns="87630" bIns="43815" numCol="1" spcCol="1270" anchor="ctr" anchorCtr="0">
           <a:noAutofit/>
         </a:bodyPr>
         <a:lstStyle/>
         <a:p>
-          <a:pPr marL="0" lvl="0" indent="0" algn="l" defTabSz="2266950">
+          <a:pPr marL="0" lvl="0" indent="0" algn="ctr" defTabSz="1022350">
             <a:lnSpc>
               <a:spcPct val="90000"/>
             </a:lnSpc>
@@ -5553,16 +5804,78 @@
             <a:buNone/>
           </a:pPr>
           <a:r>
-            <a:rPr lang="en-US" sz="5100" b="1" kern="1200">
+            <a:rPr lang="en-US" sz="2300" b="1" kern="1200" dirty="0">
               <a:latin typeface="+mj-lt"/>
               <a:ea typeface="Calibri" charset="0"/>
               <a:cs typeface="Calibri" charset="0"/>
             </a:rPr>
-            <a:t>Title</a:t>
+            <a:t>Wide Audience</a:t>
           </a:r>
         </a:p>
+      </dsp:txBody>
+      <dsp:txXfrm>
+        <a:off x="39369" y="1734807"/>
+        <a:ext cx="3720022" cy="727735"/>
+      </dsp:txXfrm>
+    </dsp:sp>
+    <dsp:sp modelId="{38095544-1DC2-4E49-BEBD-B06E7F66285A}">
+      <dsp:nvSpPr>
+        <dsp:cNvPr id="0" name=""/>
+        <dsp:cNvSpPr/>
+      </dsp:nvSpPr>
+      <dsp:spPr>
+        <a:xfrm rot="5400000">
+          <a:off x="6852846" y="-431203"/>
+          <a:ext cx="645178" cy="6753351"/>
+        </a:xfrm>
+        <a:prstGeom prst="round2SameRect">
+          <a:avLst/>
+        </a:prstGeom>
+        <a:solidFill>
+          <a:schemeClr val="accent2">
+            <a:tint val="40000"/>
+            <a:alpha val="90000"/>
+            <a:hueOff val="2098805"/>
+            <a:satOff val="31801"/>
+            <a:lumOff val="2868"/>
+            <a:alphaOff val="0"/>
+          </a:schemeClr>
+        </a:solidFill>
+        <a:ln w="12700" cap="flat" cmpd="sng" algn="ctr">
+          <a:solidFill>
+            <a:schemeClr val="accent2">
+              <a:tint val="40000"/>
+              <a:alpha val="90000"/>
+              <a:hueOff val="2098805"/>
+              <a:satOff val="31801"/>
+              <a:lumOff val="2868"/>
+              <a:alphaOff val="0"/>
+            </a:schemeClr>
+          </a:solidFill>
+          <a:prstDash val="solid"/>
+          <a:miter lim="800000"/>
+        </a:ln>
+        <a:effectLst/>
+      </dsp:spPr>
+      <dsp:style>
+        <a:lnRef idx="2">
+          <a:scrgbClr r="0" g="0" b="0"/>
+        </a:lnRef>
+        <a:fillRef idx="1">
+          <a:scrgbClr r="0" g="0" b="0"/>
+        </a:fillRef>
+        <a:effectRef idx="0">
+          <a:scrgbClr r="0" g="0" b="0"/>
+        </a:effectRef>
+        <a:fontRef idx="minor"/>
+      </dsp:style>
+      <dsp:txBody>
+        <a:bodyPr spcFirstLastPara="0" vert="horz" wrap="square" lIns="182880" tIns="182880" rIns="182880" bIns="182880" numCol="1" spcCol="1270" anchor="ctr" anchorCtr="0">
+          <a:noAutofit/>
+        </a:bodyPr>
+        <a:lstStyle/>
         <a:p>
-          <a:pPr marL="0" lvl="1" indent="-285750" algn="l" defTabSz="1778000">
+          <a:pPr marL="0" lvl="1" indent="-114300" algn="l" defTabSz="666750">
             <a:lnSpc>
               <a:spcPct val="90000"/>
             </a:lnSpc>
@@ -5575,32 +5888,31 @@
             <a:buNone/>
           </a:pPr>
           <a:r>
-            <a:rPr lang="en-US" sz="4000" b="0" i="0" kern="1200"/>
-            <a:t>text</a:t>
+            <a:rPr lang="en-US" sz="1500" kern="1200" dirty="0">
+              <a:latin typeface="Calibri" charset="0"/>
+              <a:ea typeface="Calibri" charset="0"/>
+              <a:cs typeface="Calibri" charset="0"/>
+            </a:rPr>
+            <a:t>Ads to open loot boxes, IAP for loot boxes, currencies, subscriptions</a:t>
           </a:r>
-          <a:endParaRPr lang="en-US" sz="4000" kern="1200">
-            <a:latin typeface="Calibri" charset="0"/>
-            <a:ea typeface="Calibri" charset="0"/>
-            <a:cs typeface="Calibri" charset="0"/>
-          </a:endParaRPr>
         </a:p>
       </dsp:txBody>
-      <dsp:txXfrm>
-        <a:off x="7211296" y="2164"/>
-        <a:ext cx="3225401" cy="1935240"/>
+      <dsp:txXfrm rot="-5400000">
+        <a:off x="3798760" y="2654378"/>
+        <a:ext cx="6721856" cy="582188"/>
       </dsp:txXfrm>
     </dsp:sp>
-    <dsp:sp modelId="{F416398C-AF6E-4B64-9CA4-AAFB7FF42521}">
+    <dsp:sp modelId="{74A033BF-FB50-43FC-84A5-239D0B6B7605}">
       <dsp:nvSpPr>
         <dsp:cNvPr id="0" name=""/>
         <dsp:cNvSpPr/>
       </dsp:nvSpPr>
       <dsp:spPr>
         <a:xfrm>
-          <a:off x="1889384" y="2259945"/>
-          <a:ext cx="3225401" cy="1935240"/>
+          <a:off x="0" y="2542235"/>
+          <a:ext cx="3798760" cy="806473"/>
         </a:xfrm>
-        <a:prstGeom prst="rect">
+        <a:prstGeom prst="roundRect">
           <a:avLst/>
         </a:prstGeom>
         <a:solidFill>
@@ -5640,12 +5952,12 @@
         </a:fontRef>
       </dsp:style>
       <dsp:txBody>
-        <a:bodyPr spcFirstLastPara="0" vert="horz" wrap="square" lIns="194310" tIns="194310" rIns="194310" bIns="194310" numCol="1" spcCol="1270" anchor="t" anchorCtr="0">
+        <a:bodyPr spcFirstLastPara="0" vert="horz" wrap="square" lIns="87630" tIns="43815" rIns="87630" bIns="43815" numCol="1" spcCol="1270" anchor="ctr" anchorCtr="0">
           <a:noAutofit/>
         </a:bodyPr>
         <a:lstStyle/>
         <a:p>
-          <a:pPr marL="0" lvl="0" indent="0" algn="l" defTabSz="2266950">
+          <a:pPr marL="0" lvl="0" indent="0" algn="ctr" defTabSz="1022350">
             <a:lnSpc>
               <a:spcPct val="90000"/>
             </a:lnSpc>
@@ -5658,16 +5970,78 @@
             <a:buNone/>
           </a:pPr>
           <a:r>
-            <a:rPr lang="en-US" sz="5100" b="1" kern="1200">
+            <a:rPr lang="en-US" sz="2300" b="1" kern="1200" dirty="0">
               <a:latin typeface="+mj-lt"/>
               <a:ea typeface="Calibri" charset="0"/>
               <a:cs typeface="Calibri" charset="0"/>
             </a:rPr>
-            <a:t>Title</a:t>
+            <a:t>Multiple Revenue Streams</a:t>
           </a:r>
         </a:p>
+      </dsp:txBody>
+      <dsp:txXfrm>
+        <a:off x="39369" y="2581604"/>
+        <a:ext cx="3720022" cy="727735"/>
+      </dsp:txXfrm>
+    </dsp:sp>
+    <dsp:sp modelId="{98AC1FC0-C3B6-4577-AC72-4E4F5DB2E032}">
+      <dsp:nvSpPr>
+        <dsp:cNvPr id="0" name=""/>
+        <dsp:cNvSpPr/>
+      </dsp:nvSpPr>
+      <dsp:spPr>
+        <a:xfrm rot="5400000">
+          <a:off x="6852846" y="415592"/>
+          <a:ext cx="645178" cy="6753351"/>
+        </a:xfrm>
+        <a:prstGeom prst="round2SameRect">
+          <a:avLst/>
+        </a:prstGeom>
+        <a:solidFill>
+          <a:schemeClr val="accent2">
+            <a:tint val="40000"/>
+            <a:alpha val="90000"/>
+            <a:hueOff val="2798407"/>
+            <a:satOff val="42402"/>
+            <a:lumOff val="3824"/>
+            <a:alphaOff val="0"/>
+          </a:schemeClr>
+        </a:solidFill>
+        <a:ln w="12700" cap="flat" cmpd="sng" algn="ctr">
+          <a:solidFill>
+            <a:schemeClr val="accent2">
+              <a:tint val="40000"/>
+              <a:alpha val="90000"/>
+              <a:hueOff val="2798407"/>
+              <a:satOff val="42402"/>
+              <a:lumOff val="3824"/>
+              <a:alphaOff val="0"/>
+            </a:schemeClr>
+          </a:solidFill>
+          <a:prstDash val="solid"/>
+          <a:miter lim="800000"/>
+        </a:ln>
+        <a:effectLst/>
+      </dsp:spPr>
+      <dsp:style>
+        <a:lnRef idx="2">
+          <a:scrgbClr r="0" g="0" b="0"/>
+        </a:lnRef>
+        <a:fillRef idx="1">
+          <a:scrgbClr r="0" g="0" b="0"/>
+        </a:fillRef>
+        <a:effectRef idx="0">
+          <a:scrgbClr r="0" g="0" b="0"/>
+        </a:effectRef>
+        <a:fontRef idx="minor"/>
+      </dsp:style>
+      <dsp:txBody>
+        <a:bodyPr spcFirstLastPara="0" vert="horz" wrap="square" lIns="182880" tIns="182880" rIns="182880" bIns="182880" numCol="1" spcCol="1270" anchor="ctr" anchorCtr="0">
+          <a:noAutofit/>
+        </a:bodyPr>
+        <a:lstStyle/>
         <a:p>
-          <a:pPr marL="0" lvl="1" indent="-285750" algn="l" defTabSz="1778000">
+          <a:pPr marL="0" lvl="1" indent="-114300" algn="l" defTabSz="666750">
             <a:lnSpc>
               <a:spcPct val="90000"/>
             </a:lnSpc>
@@ -5680,32 +6054,31 @@
             <a:buNone/>
           </a:pPr>
           <a:r>
-            <a:rPr lang="en-US" sz="4000" b="0" i="0" kern="1200"/>
-            <a:t>text</a:t>
+            <a:rPr lang="en-US" sz="1500" kern="1200" dirty="0">
+              <a:latin typeface="Calibri" charset="0"/>
+              <a:ea typeface="Calibri" charset="0"/>
+              <a:cs typeface="Calibri" charset="0"/>
+            </a:rPr>
+            <a:t>Players can play the game for free, without ads, increasing retention rate</a:t>
           </a:r>
-          <a:endParaRPr lang="en-US" sz="4000" kern="1200">
-            <a:latin typeface="Calibri" charset="0"/>
-            <a:ea typeface="Calibri" charset="0"/>
-            <a:cs typeface="Calibri" charset="0"/>
-          </a:endParaRPr>
         </a:p>
       </dsp:txBody>
-      <dsp:txXfrm>
-        <a:off x="1889384" y="2259945"/>
-        <a:ext cx="3225401" cy="1935240"/>
+      <dsp:txXfrm rot="-5400000">
+        <a:off x="3798760" y="3501174"/>
+        <a:ext cx="6721856" cy="582188"/>
       </dsp:txXfrm>
     </dsp:sp>
-    <dsp:sp modelId="{B1B227DE-7A07-456A-932B-0C19711C1C42}">
+    <dsp:sp modelId="{D11DDA47-D86C-49C3-972A-6A7A90BC1B26}">
       <dsp:nvSpPr>
         <dsp:cNvPr id="0" name=""/>
         <dsp:cNvSpPr/>
       </dsp:nvSpPr>
       <dsp:spPr>
         <a:xfrm>
-          <a:off x="5437326" y="2259945"/>
-          <a:ext cx="3225401" cy="1935240"/>
+          <a:off x="0" y="3389032"/>
+          <a:ext cx="3798760" cy="806473"/>
         </a:xfrm>
-        <a:prstGeom prst="rect">
+        <a:prstGeom prst="roundRect">
           <a:avLst/>
         </a:prstGeom>
         <a:solidFill>
@@ -5745,12 +6118,12 @@
         </a:fontRef>
       </dsp:style>
       <dsp:txBody>
-        <a:bodyPr spcFirstLastPara="0" vert="horz" wrap="square" lIns="194310" tIns="194310" rIns="194310" bIns="194310" numCol="1" spcCol="1270" anchor="t" anchorCtr="0">
+        <a:bodyPr spcFirstLastPara="0" vert="horz" wrap="square" lIns="87630" tIns="43815" rIns="87630" bIns="43815" numCol="1" spcCol="1270" anchor="ctr" anchorCtr="0">
           <a:noAutofit/>
         </a:bodyPr>
         <a:lstStyle/>
         <a:p>
-          <a:pPr marL="0" lvl="0" indent="0" algn="l" defTabSz="2266950">
+          <a:pPr marL="0" lvl="0" indent="0" algn="ctr" defTabSz="1022350">
             <a:lnSpc>
               <a:spcPct val="90000"/>
             </a:lnSpc>
@@ -5763,41 +6136,18 @@
             <a:buNone/>
           </a:pPr>
           <a:r>
-            <a:rPr lang="en-US" sz="5100" b="1" kern="1200">
+            <a:rPr lang="en-US" sz="2300" b="1" kern="1200" dirty="0">
               <a:latin typeface="+mj-lt"/>
               <a:ea typeface="Calibri" charset="0"/>
               <a:cs typeface="Calibri" charset="0"/>
             </a:rPr>
-            <a:t>Title</a:t>
+            <a:t>High User Retention</a:t>
           </a:r>
-        </a:p>
-        <a:p>
-          <a:pPr marL="0" lvl="1" indent="-285750" algn="l" defTabSz="1778000">
-            <a:lnSpc>
-              <a:spcPct val="90000"/>
-            </a:lnSpc>
-            <a:spcBef>
-              <a:spcPct val="0"/>
-            </a:spcBef>
-            <a:spcAft>
-              <a:spcPct val="15000"/>
-            </a:spcAft>
-            <a:buNone/>
-          </a:pPr>
-          <a:r>
-            <a:rPr lang="en-US" sz="4000" b="0" i="0" kern="1200"/>
-            <a:t>text</a:t>
-          </a:r>
-          <a:endParaRPr lang="en-US" sz="4000" kern="1200">
-            <a:latin typeface="Calibri" charset="0"/>
-            <a:ea typeface="Calibri" charset="0"/>
-            <a:cs typeface="Calibri" charset="0"/>
-          </a:endParaRPr>
         </a:p>
       </dsp:txBody>
       <dsp:txXfrm>
-        <a:off x="5437326" y="2259945"/>
-        <a:ext cx="3225401" cy="1935240"/>
+        <a:off x="39369" y="3428401"/>
+        <a:ext cx="3720022" cy="727735"/>
       </dsp:txXfrm>
     </dsp:sp>
   </dsp:spTree>
@@ -5885,7 +6235,7 @@
               <a:ea typeface="Calibri" charset="0"/>
               <a:cs typeface="Calibri" charset="0"/>
             </a:rPr>
-            <a:t>January</a:t>
+            <a:t>Early January</a:t>
           </a:r>
           <a:endParaRPr lang="en-US" sz="2100" b="1" kern="1200" dirty="0">
             <a:latin typeface="+mj-lt"/>
@@ -6055,22 +6405,8 @@
               <a:ea typeface="Calibri" charset="0"/>
               <a:cs typeface="Calibri" charset="0"/>
             </a:rPr>
-            <a:t>February </a:t>
+            <a:t>Late January</a:t>
           </a:r>
-          <a:r>
-            <a:rPr lang="en-US" sz="2000" b="1" kern="1200" dirty="0">
-              <a:latin typeface="+mj-lt"/>
-              <a:ea typeface="Calibri" charset="0"/>
-              <a:cs typeface="Calibri" charset="0"/>
-              <a:sym typeface="Wingdings" panose="05000000000000000000" pitchFamily="2" charset="2"/>
-            </a:rPr>
-            <a:t> March</a:t>
-          </a:r>
-          <a:endParaRPr lang="en-US" sz="2000" b="1" kern="1200" dirty="0">
-            <a:latin typeface="+mj-lt"/>
-            <a:ea typeface="Calibri" charset="0"/>
-            <a:cs typeface="Calibri" charset="0"/>
-          </a:endParaRPr>
         </a:p>
       </dsp:txBody>
       <dsp:txXfrm>
@@ -6231,7 +6567,7 @@
               <a:ea typeface="Calibri" charset="0"/>
               <a:cs typeface="Calibri" charset="0"/>
             </a:rPr>
-            <a:t>April </a:t>
+            <a:t>February </a:t>
           </a:r>
           <a:r>
             <a:rPr lang="en-US" sz="2000" b="1" kern="1200" dirty="0">
@@ -6412,22 +6748,8 @@
               <a:ea typeface="Calibri" charset="0"/>
               <a:cs typeface="Calibri" charset="0"/>
             </a:rPr>
-            <a:t>August </a:t>
+            <a:t>August</a:t>
           </a:r>
-          <a:r>
-            <a:rPr lang="en-US" sz="2000" b="1" kern="1200" dirty="0">
-              <a:latin typeface="+mj-lt"/>
-              <a:ea typeface="Calibri" charset="0"/>
-              <a:cs typeface="Calibri" charset="0"/>
-              <a:sym typeface="Wingdings" panose="05000000000000000000" pitchFamily="2" charset="2"/>
-            </a:rPr>
-            <a:t> September</a:t>
-          </a:r>
-          <a:endParaRPr lang="en-US" sz="2000" b="1" kern="1200" dirty="0">
-            <a:latin typeface="+mj-lt"/>
-            <a:ea typeface="Calibri" charset="0"/>
-            <a:cs typeface="Calibri" charset="0"/>
-          </a:endParaRPr>
         </a:p>
       </dsp:txBody>
       <dsp:txXfrm>
@@ -6510,7 +6832,7 @@
               <a:ea typeface="Calibri" charset="0"/>
               <a:cs typeface="Calibri" charset="0"/>
             </a:rPr>
-            <a:t>Bug fixes and gameplay balance tested</a:t>
+            <a:t>Soft launch, feedback opportunity</a:t>
           </a:r>
         </a:p>
       </dsp:txBody>
@@ -6592,7 +6914,7 @@
               <a:ea typeface="Calibri" charset="0"/>
               <a:cs typeface="Calibri" charset="0"/>
             </a:rPr>
-            <a:t>October</a:t>
+            <a:t>September</a:t>
           </a:r>
         </a:p>
       </dsp:txBody>
@@ -6676,7 +6998,7 @@
               <a:ea typeface="Calibri" charset="0"/>
               <a:cs typeface="Calibri" charset="0"/>
             </a:rPr>
-            <a:t>Pre-launch, beta testing, polishing</a:t>
+            <a:t>Bug fixes and gameplay balance adjusted</a:t>
           </a:r>
         </a:p>
       </dsp:txBody>
@@ -6768,7 +7090,7 @@
               <a:ea typeface="Calibri" charset="0"/>
               <a:cs typeface="Calibri" charset="0"/>
             </a:rPr>
-            <a:t>November</a:t>
+            <a:t>October</a:t>
           </a:r>
         </a:p>
       </dsp:txBody>
@@ -7721,11 +8043,12 @@
 </file>
 
 <file path=ppt/diagrams/layout1.xml><?xml version="1.0" encoding="utf-8"?>
-<dgm:layoutDef xmlns:dgm="http://schemas.openxmlformats.org/drawingml/2006/diagram" xmlns:a="http://schemas.openxmlformats.org/drawingml/2006/main" uniqueId="urn:microsoft.com/office/officeart/2005/8/layout/default">
+<dgm:layoutDef xmlns:dgm="http://schemas.openxmlformats.org/drawingml/2006/diagram" xmlns:a="http://schemas.openxmlformats.org/drawingml/2006/main" uniqueId="urn:microsoft.com/office/officeart/2005/8/layout/vList5">
   <dgm:title val=""/>
   <dgm:desc val=""/>
   <dgm:catLst>
-    <dgm:cat type="list" pri="400"/>
+    <dgm:cat type="list" pri="15000"/>
+    <dgm:cat type="convert" pri="2000"/>
   </dgm:catLst>
   <dgm:sampData>
     <dgm:dataModel>
@@ -7734,25 +8057,41 @@
         <dgm:pt modelId="1">
           <dgm:prSet phldr="1"/>
         </dgm:pt>
+        <dgm:pt modelId="11">
+          <dgm:prSet phldr="1"/>
+        </dgm:pt>
+        <dgm:pt modelId="12">
+          <dgm:prSet phldr="1"/>
+        </dgm:pt>
         <dgm:pt modelId="2">
+          <dgm:prSet phldr="1"/>
+        </dgm:pt>
+        <dgm:pt modelId="21">
+          <dgm:prSet phldr="1"/>
+        </dgm:pt>
+        <dgm:pt modelId="22">
           <dgm:prSet phldr="1"/>
         </dgm:pt>
         <dgm:pt modelId="3">
           <dgm:prSet phldr="1"/>
         </dgm:pt>
-        <dgm:pt modelId="4">
+        <dgm:pt modelId="31">
           <dgm:prSet phldr="1"/>
         </dgm:pt>
-        <dgm:pt modelId="5">
+        <dgm:pt modelId="32">
           <dgm:prSet phldr="1"/>
         </dgm:pt>
       </dgm:ptLst>
       <dgm:cxnLst>
-        <dgm:cxn modelId="6" srcId="0" destId="1" srcOrd="0" destOrd="0"/>
-        <dgm:cxn modelId="7" srcId="0" destId="2" srcOrd="1" destOrd="0"/>
-        <dgm:cxn modelId="8" srcId="0" destId="3" srcOrd="2" destOrd="0"/>
-        <dgm:cxn modelId="9" srcId="0" destId="4" srcOrd="3" destOrd="0"/>
-        <dgm:cxn modelId="10" srcId="0" destId="5" srcOrd="4" destOrd="0"/>
+        <dgm:cxn modelId="4" srcId="0" destId="1" srcOrd="0" destOrd="0"/>
+        <dgm:cxn modelId="5" srcId="0" destId="2" srcOrd="1" destOrd="0"/>
+        <dgm:cxn modelId="6" srcId="0" destId="3" srcOrd="2" destOrd="0"/>
+        <dgm:cxn modelId="13" srcId="1" destId="11" srcOrd="0" destOrd="0"/>
+        <dgm:cxn modelId="14" srcId="1" destId="12" srcOrd="1" destOrd="0"/>
+        <dgm:cxn modelId="23" srcId="2" destId="21" srcOrd="0" destOrd="0"/>
+        <dgm:cxn modelId="24" srcId="2" destId="22" srcOrd="1" destOrd="0"/>
+        <dgm:cxn modelId="33" srcId="3" destId="31" srcOrd="0" destOrd="0"/>
+        <dgm:cxn modelId="34" srcId="3" destId="32" srcOrd="1" destOrd="0"/>
       </dgm:cxnLst>
       <dgm:bg/>
       <dgm:whole/>
@@ -7763,11 +8102,15 @@
       <dgm:ptLst>
         <dgm:pt modelId="0" type="doc"/>
         <dgm:pt modelId="1"/>
+        <dgm:pt modelId="11"/>
         <dgm:pt modelId="2"/>
+        <dgm:pt modelId="21"/>
       </dgm:ptLst>
       <dgm:cxnLst>
-        <dgm:cxn modelId="3" srcId="0" destId="1" srcOrd="0" destOrd="0"/>
-        <dgm:cxn modelId="4" srcId="0" destId="2" srcOrd="1" destOrd="0"/>
+        <dgm:cxn modelId="4" srcId="0" destId="1" srcOrd="0" destOrd="0"/>
+        <dgm:cxn modelId="5" srcId="0" destId="2" srcOrd="1" destOrd="0"/>
+        <dgm:cxn modelId="13" srcId="1" destId="11" srcOrd="0" destOrd="0"/>
+        <dgm:cxn modelId="23" srcId="2" destId="21" srcOrd="0" destOrd="0"/>
       </dgm:cxnLst>
       <dgm:bg/>
       <dgm:whole/>
@@ -7778,44 +8121,45 @@
       <dgm:ptLst>
         <dgm:pt modelId="0" type="doc"/>
         <dgm:pt modelId="1"/>
+        <dgm:pt modelId="11"/>
         <dgm:pt modelId="2"/>
+        <dgm:pt modelId="21"/>
         <dgm:pt modelId="3"/>
+        <dgm:pt modelId="31"/>
         <dgm:pt modelId="4"/>
-        <dgm:pt modelId="5"/>
-        <dgm:pt modelId="6"/>
+        <dgm:pt modelId="41"/>
       </dgm:ptLst>
       <dgm:cxnLst>
-        <dgm:cxn modelId="7" srcId="0" destId="1" srcOrd="0" destOrd="0"/>
-        <dgm:cxn modelId="8" srcId="0" destId="2" srcOrd="1" destOrd="0"/>
-        <dgm:cxn modelId="9" srcId="0" destId="3" srcOrd="2" destOrd="0"/>
-        <dgm:cxn modelId="10" srcId="0" destId="4" srcOrd="3" destOrd="0"/>
-        <dgm:cxn modelId="11" srcId="0" destId="5" srcOrd="4" destOrd="0"/>
-        <dgm:cxn modelId="12" srcId="0" destId="6" srcOrd="5" destOrd="0"/>
+        <dgm:cxn modelId="5" srcId="0" destId="1" srcOrd="0" destOrd="0"/>
+        <dgm:cxn modelId="6" srcId="0" destId="2" srcOrd="1" destOrd="0"/>
+        <dgm:cxn modelId="7" srcId="0" destId="3" srcOrd="2" destOrd="0"/>
+        <dgm:cxn modelId="8" srcId="0" destId="4" srcOrd="3" destOrd="0"/>
+        <dgm:cxn modelId="13" srcId="1" destId="11" srcOrd="0" destOrd="0"/>
+        <dgm:cxn modelId="23" srcId="2" destId="21" srcOrd="0" destOrd="0"/>
+        <dgm:cxn modelId="33" srcId="3" destId="31" srcOrd="0" destOrd="0"/>
+        <dgm:cxn modelId="43" srcId="4" destId="41" srcOrd="0" destOrd="0"/>
       </dgm:cxnLst>
       <dgm:bg/>
       <dgm:whole/>
     </dgm:dataModel>
   </dgm:clrData>
-  <dgm:layoutNode name="diagram">
+  <dgm:layoutNode name="Name0">
     <dgm:varLst>
       <dgm:dir/>
+      <dgm:animLvl val="lvl"/>
       <dgm:resizeHandles val="exact"/>
     </dgm:varLst>
-    <dgm:choose name="Name0">
-      <dgm:if name="Name1" func="var" arg="dir" op="equ" val="norm">
-        <dgm:alg type="snake">
-          <dgm:param type="grDir" val="tL"/>
-          <dgm:param type="flowDir" val="row"/>
-          <dgm:param type="contDir" val="sameDir"/>
-          <dgm:param type="off" val="ctr"/>
+    <dgm:choose name="Name1">
+      <dgm:if name="Name2" func="var" arg="dir" op="equ" val="norm">
+        <dgm:alg type="lin">
+          <dgm:param type="linDir" val="fromT"/>
+          <dgm:param type="nodeHorzAlign" val="l"/>
         </dgm:alg>
       </dgm:if>
-      <dgm:else name="Name2">
-        <dgm:alg type="snake">
-          <dgm:param type="grDir" val="tR"/>
-          <dgm:param type="flowDir" val="row"/>
-          <dgm:param type="contDir" val="sameDir"/>
-          <dgm:param type="off" val="ctr"/>
+      <dgm:else name="Name3">
+        <dgm:alg type="lin">
+          <dgm:param type="linDir" val="fromT"/>
+          <dgm:param type="nodeHorzAlign" val="r"/>
         </dgm:alg>
       </dgm:else>
     </dgm:choose>
@@ -7824,35 +8168,99 @@
     </dgm:shape>
     <dgm:presOf/>
     <dgm:constrLst>
-      <dgm:constr type="w" for="ch" forName="node" refType="w"/>
-      <dgm:constr type="h" for="ch" forName="node" refType="w" refFor="ch" refForName="node" fact="0.6"/>
-      <dgm:constr type="w" for="ch" forName="sibTrans" refType="w" refFor="ch" refForName="node" fact="0.1"/>
-      <dgm:constr type="sp" refType="w" refFor="ch" refForName="sibTrans"/>
-      <dgm:constr type="primFontSz" for="ch" forName="node" op="equ" val="65"/>
+      <dgm:constr type="h" for="ch" forName="linNode" refType="h"/>
+      <dgm:constr type="w" for="ch" forName="linNode" refType="w"/>
+      <dgm:constr type="h" for="ch" forName="sp" refType="h" fact="0.05"/>
+      <dgm:constr type="primFontSz" for="des" forName="parentText" op="equ" val="65"/>
+      <dgm:constr type="secFontSz" for="des" forName="descendantText" op="equ"/>
     </dgm:constrLst>
     <dgm:ruleLst/>
-    <dgm:forEach name="Name3" axis="ch" ptType="node">
-      <dgm:layoutNode name="node">
-        <dgm:varLst>
-          <dgm:bulletEnabled val="1"/>
-        </dgm:varLst>
-        <dgm:alg type="tx"/>
-        <dgm:shape xmlns:r="http://schemas.openxmlformats.org/officeDocument/2006/relationships" type="rect" r:blip="">
+    <dgm:forEach name="Name4" axis="ch" ptType="node">
+      <dgm:layoutNode name="linNode">
+        <dgm:choose name="Name5">
+          <dgm:if name="Name6" func="var" arg="dir" op="equ" val="norm">
+            <dgm:alg type="lin">
+              <dgm:param type="linDir" val="fromL"/>
+            </dgm:alg>
+          </dgm:if>
+          <dgm:else name="Name7">
+            <dgm:alg type="lin">
+              <dgm:param type="linDir" val="fromR"/>
+            </dgm:alg>
+          </dgm:else>
+        </dgm:choose>
+        <dgm:shape xmlns:r="http://schemas.openxmlformats.org/officeDocument/2006/relationships" r:blip="">
           <dgm:adjLst/>
         </dgm:shape>
-        <dgm:presOf axis="desOrSelf" ptType="node"/>
+        <dgm:presOf/>
         <dgm:constrLst>
-          <dgm:constr type="lMarg" refType="primFontSz" fact="0.3"/>
-          <dgm:constr type="rMarg" refType="primFontSz" fact="0.3"/>
-          <dgm:constr type="tMarg" refType="primFontSz" fact="0.3"/>
-          <dgm:constr type="bMarg" refType="primFontSz" fact="0.3"/>
+          <dgm:constr type="w" for="ch" forName="parentText" refType="w" fact="0.36"/>
+          <dgm:constr type="w" for="ch" forName="descendantText" refType="w" fact="0.64"/>
+          <dgm:constr type="h" for="ch" forName="parentText" refType="h"/>
+          <dgm:constr type="h" for="ch" forName="descendantText" refType="h" refFor="ch" refForName="parentText" fact="0.8"/>
         </dgm:constrLst>
-        <dgm:ruleLst>
-          <dgm:rule type="primFontSz" val="5" fact="NaN" max="NaN"/>
-        </dgm:ruleLst>
+        <dgm:ruleLst/>
+        <dgm:layoutNode name="parentText">
+          <dgm:varLst>
+            <dgm:chMax val="1"/>
+            <dgm:bulletEnabled val="1"/>
+          </dgm:varLst>
+          <dgm:alg type="tx"/>
+          <dgm:shape xmlns:r="http://schemas.openxmlformats.org/officeDocument/2006/relationships" type="roundRect" r:blip="" zOrderOff="3">
+            <dgm:adjLst/>
+          </dgm:shape>
+          <dgm:presOf axis="self" ptType="node"/>
+          <dgm:constrLst>
+            <dgm:constr type="tMarg" refType="primFontSz" fact="0.15"/>
+            <dgm:constr type="bMarg" refType="primFontSz" fact="0.15"/>
+            <dgm:constr type="lMarg" refType="primFontSz" fact="0.3"/>
+            <dgm:constr type="rMarg" refType="primFontSz" fact="0.3"/>
+          </dgm:constrLst>
+          <dgm:ruleLst>
+            <dgm:rule type="primFontSz" val="5" fact="NaN" max="NaN"/>
+          </dgm:ruleLst>
+        </dgm:layoutNode>
+        <dgm:choose name="Name8">
+          <dgm:if name="Name9" axis="ch" ptType="node" func="cnt" op="gte" val="1">
+            <dgm:layoutNode name="descendantText" styleLbl="alignAccFollowNode1">
+              <dgm:varLst>
+                <dgm:bulletEnabled val="1"/>
+              </dgm:varLst>
+              <dgm:alg type="tx">
+                <dgm:param type="stBulletLvl" val="1"/>
+                <dgm:param type="txAnchorVertCh" val="mid"/>
+              </dgm:alg>
+              <dgm:choose name="Name10">
+                <dgm:if name="Name11" func="var" arg="dir" op="equ" val="norm">
+                  <dgm:shape xmlns:r="http://schemas.openxmlformats.org/officeDocument/2006/relationships" rot="90" type="round2SameRect" r:blip="">
+                    <dgm:adjLst/>
+                  </dgm:shape>
+                </dgm:if>
+                <dgm:else name="Name12">
+                  <dgm:shape xmlns:r="http://schemas.openxmlformats.org/officeDocument/2006/relationships" rot="-90" type="round2SameRect" r:blip="">
+                    <dgm:adjLst/>
+                  </dgm:shape>
+                </dgm:else>
+              </dgm:choose>
+              <dgm:presOf axis="des" ptType="node"/>
+              <dgm:constrLst>
+                <dgm:constr type="secFontSz" val="65"/>
+                <dgm:constr type="primFontSz" refType="secFontSz"/>
+                <dgm:constr type="lMarg" refType="secFontSz" fact="0.3"/>
+                <dgm:constr type="rMarg" refType="secFontSz" fact="0.3"/>
+                <dgm:constr type="tMarg" refType="secFontSz" fact="0.15"/>
+                <dgm:constr type="bMarg" refType="secFontSz" fact="0.15"/>
+              </dgm:constrLst>
+              <dgm:ruleLst>
+                <dgm:rule type="secFontSz" val="5" fact="NaN" max="NaN"/>
+              </dgm:ruleLst>
+            </dgm:layoutNode>
+          </dgm:if>
+          <dgm:else name="Name13"/>
+        </dgm:choose>
       </dgm:layoutNode>
-      <dgm:forEach name="Name4" axis="followSib" ptType="sibTrans" cnt="1">
-        <dgm:layoutNode name="sibTrans">
+      <dgm:forEach name="Name14" axis="followSib" ptType="sibTrans" cnt="1">
+        <dgm:layoutNode name="sp">
           <dgm:alg type="sp"/>
           <dgm:shape xmlns:r="http://schemas.openxmlformats.org/officeDocument/2006/relationships" r:blip="">
             <dgm:adjLst/>
@@ -12598,7 +13006,7 @@
           <a:p>
             <a:fld id="{9410D272-305C-421E-A9EF-95D63D599B42}" type="datetimeFigureOut">
               <a:rPr lang="en-US" smtClean="0"/>
-              <a:t>11/30/2022</a:t>
+              <a:t>12/1/2022</a:t>
             </a:fld>
             <a:endParaRPr lang="en-US" dirty="0"/>
           </a:p>
@@ -12775,7 +13183,7 @@
           <a:p>
             <a:fld id="{05E16E63-7886-43BC-8DD4-4F14C3DD7360}" type="datetimeFigureOut">
               <a:rPr lang="en-US" smtClean="0"/>
-              <a:t>11/30/2022</a:t>
+              <a:t>12/1/2022</a:t>
             </a:fld>
             <a:endParaRPr lang="en-US" dirty="0"/>
           </a:p>
@@ -13103,7 +13511,66 @@
               <a:tabLst/>
               <a:defRPr/>
             </a:pPr>
+            <a:r>
+              <a:rPr lang="en-US" dirty="0"/>
+              <a:t>What is being outsourced and when – big updates, big events </a:t>
+            </a:r>
+            <a:r>
+              <a:rPr lang="en-US" dirty="0" err="1"/>
+              <a:t>etc</a:t>
+            </a:r>
             <a:endParaRPr lang="en-US" dirty="0"/>
+          </a:p>
+          <a:p>
+            <a:pPr marL="0" marR="0" lvl="0" indent="0" algn="l" defTabSz="914400" rtl="0" eaLnBrk="1" fontAlgn="auto" latinLnBrk="0" hangingPunct="1">
+              <a:lnSpc>
+                <a:spcPct val="100000"/>
+              </a:lnSpc>
+              <a:spcBef>
+                <a:spcPts val="0"/>
+              </a:spcBef>
+              <a:spcAft>
+                <a:spcPts val="0"/>
+              </a:spcAft>
+              <a:buClrTx/>
+              <a:buSzTx/>
+              <a:buFontTx/>
+              <a:buNone/>
+              <a:tabLst/>
+              <a:defRPr/>
+            </a:pPr>
+            <a:r>
+              <a:rPr lang="en-US" dirty="0"/>
+              <a:t>Hire marketing analyst to keep track of finances, attention of game, where money is and isn’t coming from, good and bad events </a:t>
+            </a:r>
+            <a:r>
+              <a:rPr lang="en-US" dirty="0" err="1"/>
+              <a:t>etc</a:t>
+            </a:r>
+            <a:endParaRPr lang="en-US" dirty="0"/>
+          </a:p>
+          <a:p>
+            <a:pPr marL="0" marR="0" lvl="0" indent="0" algn="l" defTabSz="914400" rtl="0" eaLnBrk="1" fontAlgn="auto" latinLnBrk="0" hangingPunct="1">
+              <a:lnSpc>
+                <a:spcPct val="100000"/>
+              </a:lnSpc>
+              <a:spcBef>
+                <a:spcPts val="0"/>
+              </a:spcBef>
+              <a:spcAft>
+                <a:spcPts val="0"/>
+              </a:spcAft>
+              <a:buClrTx/>
+              <a:buSzTx/>
+              <a:buFontTx/>
+              <a:buNone/>
+              <a:tabLst/>
+              <a:defRPr/>
+            </a:pPr>
+            <a:r>
+              <a:rPr lang="en-US" dirty="0"/>
+              <a:t>Rent servers based around the world such as America and China, language and legal stuff for those regions</a:t>
+            </a:r>
           </a:p>
         </p:txBody>
       </p:sp>
@@ -13203,6 +13670,96 @@
 </p:notes>
 </file>
 
+<file path=ppt/notesSlides/notesSlide10.xml><?xml version="1.0" encoding="utf-8"?>
+<p:notes xmlns:a="http://schemas.openxmlformats.org/drawingml/2006/main" xmlns:r="http://schemas.openxmlformats.org/officeDocument/2006/relationships" xmlns:p="http://schemas.openxmlformats.org/presentationml/2006/main">
+  <p:cSld>
+    <p:spTree>
+      <p:nvGrpSpPr>
+        <p:cNvPr id="1" name=""/>
+        <p:cNvGrpSpPr/>
+        <p:nvPr/>
+      </p:nvGrpSpPr>
+      <p:grpSpPr>
+        <a:xfrm>
+          <a:off x="0" y="0"/>
+          <a:ext cx="0" cy="0"/>
+          <a:chOff x="0" y="0"/>
+          <a:chExt cx="0" cy="0"/>
+        </a:xfrm>
+      </p:grpSpPr>
+      <p:sp>
+        <p:nvSpPr>
+          <p:cNvPr id="2" name="Slide Image Placeholder 1"/>
+          <p:cNvSpPr>
+            <a:spLocks noGrp="1" noRot="1" noChangeAspect="1"/>
+          </p:cNvSpPr>
+          <p:nvPr>
+            <p:ph type="sldImg"/>
+          </p:nvPr>
+        </p:nvSpPr>
+        <p:spPr/>
+      </p:sp>
+      <p:sp>
+        <p:nvSpPr>
+          <p:cNvPr id="3" name="Notes Placeholder 2"/>
+          <p:cNvSpPr>
+            <a:spLocks noGrp="1"/>
+          </p:cNvSpPr>
+          <p:nvPr>
+            <p:ph type="body" idx="1"/>
+          </p:nvPr>
+        </p:nvSpPr>
+        <p:spPr/>
+        <p:txBody>
+          <a:bodyPr/>
+          <a:lstStyle/>
+          <a:p>
+            <a:r>
+              <a:rPr lang="en-GB" dirty="0"/>
+              <a:t>Unity Mobile Insights 2022</a:t>
+            </a:r>
+          </a:p>
+          <a:p>
+            <a:endParaRPr lang="en-GB" dirty="0"/>
+          </a:p>
+        </p:txBody>
+      </p:sp>
+      <p:sp>
+        <p:nvSpPr>
+          <p:cNvPr id="4" name="Slide Number Placeholder 3"/>
+          <p:cNvSpPr>
+            <a:spLocks noGrp="1"/>
+          </p:cNvSpPr>
+          <p:nvPr>
+            <p:ph type="sldNum" sz="quarter" idx="5"/>
+          </p:nvPr>
+        </p:nvSpPr>
+        <p:spPr/>
+        <p:txBody>
+          <a:bodyPr/>
+          <a:lstStyle/>
+          <a:p>
+            <a:fld id="{798C5307-140F-447F-BCBA-BB92E3A2906B}" type="slidenum">
+              <a:rPr lang="en-US" smtClean="0"/>
+              <a:t>12</a:t>
+            </a:fld>
+            <a:endParaRPr lang="en-US" dirty="0"/>
+          </a:p>
+        </p:txBody>
+      </p:sp>
+    </p:spTree>
+    <p:extLst>
+      <p:ext uri="{BB962C8B-B14F-4D97-AF65-F5344CB8AC3E}">
+        <p14:creationId xmlns:p14="http://schemas.microsoft.com/office/powerpoint/2010/main" val="1664763794"/>
+      </p:ext>
+    </p:extLst>
+  </p:cSld>
+  <p:clrMapOvr>
+    <a:masterClrMapping/>
+  </p:clrMapOvr>
+</p:notes>
+</file>
+
 <file path=ppt/notesSlides/notesSlide2.xml><?xml version="1.0" encoding="utf-8"?>
 <p:notes xmlns:a="http://schemas.openxmlformats.org/drawingml/2006/main" xmlns:r="http://schemas.openxmlformats.org/officeDocument/2006/relationships" xmlns:p="http://schemas.openxmlformats.org/presentationml/2006/main">
   <p:cSld>
@@ -13565,7 +14122,37 @@
           <a:bodyPr/>
           <a:lstStyle/>
           <a:p>
+            <a:r>
+              <a:rPr lang="en-GB" dirty="0"/>
+              <a:t>Use your coins to buy building blocks, wooden blocks are cheap and hardened stone blocks are expensive</a:t>
+            </a:r>
+          </a:p>
+          <a:p>
+            <a:r>
+              <a:rPr lang="en-GB" dirty="0"/>
+              <a:t>Use them strategically, you could build walls to give yourself an advantage in fights or block off unwanted tunnels</a:t>
+            </a:r>
+          </a:p>
+          <a:p>
+            <a:r>
+              <a:rPr lang="en-GB" dirty="0"/>
+              <a:t>Takes small amount of time to place and cancelled if you move, so cannot be abused</a:t>
+            </a:r>
+          </a:p>
+          <a:p>
             <a:endParaRPr lang="en-GB" dirty="0"/>
+          </a:p>
+          <a:p>
+            <a:r>
+              <a:rPr lang="en-GB" dirty="0"/>
+              <a:t>Small missions that are random every game, e.g. accumulate 100 gold, get 10 kills, steal a flag</a:t>
+            </a:r>
+          </a:p>
+          <a:p>
+            <a:r>
+              <a:rPr lang="en-GB" dirty="0"/>
+              <a:t>Main objective of the inner game loop depends on mode – steal their flag as many times as you can in CTF, or destroy their base first in siege</a:t>
+            </a:r>
           </a:p>
         </p:txBody>
       </p:sp>
@@ -13596,6 +14183,368 @@
     <p:extLst>
       <p:ext uri="{BB962C8B-B14F-4D97-AF65-F5344CB8AC3E}">
         <p14:creationId xmlns:p14="http://schemas.microsoft.com/office/powerpoint/2010/main" val="731838837"/>
+      </p:ext>
+    </p:extLst>
+  </p:cSld>
+  <p:clrMapOvr>
+    <a:masterClrMapping/>
+  </p:clrMapOvr>
+</p:notes>
+</file>
+
+<file path=ppt/notesSlides/notesSlide6.xml><?xml version="1.0" encoding="utf-8"?>
+<p:notes xmlns:a="http://schemas.openxmlformats.org/drawingml/2006/main" xmlns:r="http://schemas.openxmlformats.org/officeDocument/2006/relationships" xmlns:p="http://schemas.openxmlformats.org/presentationml/2006/main">
+  <p:cSld>
+    <p:spTree>
+      <p:nvGrpSpPr>
+        <p:cNvPr id="1" name=""/>
+        <p:cNvGrpSpPr/>
+        <p:nvPr/>
+      </p:nvGrpSpPr>
+      <p:grpSpPr>
+        <a:xfrm>
+          <a:off x="0" y="0"/>
+          <a:ext cx="0" cy="0"/>
+          <a:chOff x="0" y="0"/>
+          <a:chExt cx="0" cy="0"/>
+        </a:xfrm>
+      </p:grpSpPr>
+      <p:sp>
+        <p:nvSpPr>
+          <p:cNvPr id="2" name="Slide Image Placeholder 1"/>
+          <p:cNvSpPr>
+            <a:spLocks noGrp="1" noRot="1" noChangeAspect="1"/>
+          </p:cNvSpPr>
+          <p:nvPr>
+            <p:ph type="sldImg"/>
+          </p:nvPr>
+        </p:nvSpPr>
+        <p:spPr/>
+      </p:sp>
+      <p:sp>
+        <p:nvSpPr>
+          <p:cNvPr id="3" name="Notes Placeholder 2"/>
+          <p:cNvSpPr>
+            <a:spLocks noGrp="1"/>
+          </p:cNvSpPr>
+          <p:nvPr>
+            <p:ph type="body" idx="1"/>
+          </p:nvPr>
+        </p:nvSpPr>
+        <p:spPr/>
+        <p:txBody>
+          <a:bodyPr/>
+          <a:lstStyle/>
+          <a:p>
+            <a:r>
+              <a:rPr lang="en-GB" dirty="0"/>
+              <a:t>Figures from reflection.io &amp; </a:t>
+            </a:r>
+            <a:r>
+              <a:rPr lang="en-GB" dirty="0" err="1"/>
+              <a:t>appstore</a:t>
+            </a:r>
+            <a:endParaRPr lang="en-GB" dirty="0"/>
+          </a:p>
+        </p:txBody>
+      </p:sp>
+      <p:sp>
+        <p:nvSpPr>
+          <p:cNvPr id="4" name="Slide Number Placeholder 3"/>
+          <p:cNvSpPr>
+            <a:spLocks noGrp="1"/>
+          </p:cNvSpPr>
+          <p:nvPr>
+            <p:ph type="sldNum" sz="quarter" idx="5"/>
+          </p:nvPr>
+        </p:nvSpPr>
+        <p:spPr/>
+        <p:txBody>
+          <a:bodyPr/>
+          <a:lstStyle/>
+          <a:p>
+            <a:fld id="{798C5307-140F-447F-BCBA-BB92E3A2906B}" type="slidenum">
+              <a:rPr lang="en-US" smtClean="0"/>
+              <a:t>7</a:t>
+            </a:fld>
+            <a:endParaRPr lang="en-US" dirty="0"/>
+          </a:p>
+        </p:txBody>
+      </p:sp>
+    </p:spTree>
+    <p:extLst>
+      <p:ext uri="{BB962C8B-B14F-4D97-AF65-F5344CB8AC3E}">
+        <p14:creationId xmlns:p14="http://schemas.microsoft.com/office/powerpoint/2010/main" val="1959526316"/>
+      </p:ext>
+    </p:extLst>
+  </p:cSld>
+  <p:clrMapOvr>
+    <a:masterClrMapping/>
+  </p:clrMapOvr>
+</p:notes>
+</file>
+
+<file path=ppt/notesSlides/notesSlide7.xml><?xml version="1.0" encoding="utf-8"?>
+<p:notes xmlns:a="http://schemas.openxmlformats.org/drawingml/2006/main" xmlns:r="http://schemas.openxmlformats.org/officeDocument/2006/relationships" xmlns:p="http://schemas.openxmlformats.org/presentationml/2006/main">
+  <p:cSld>
+    <p:spTree>
+      <p:nvGrpSpPr>
+        <p:cNvPr id="1" name=""/>
+        <p:cNvGrpSpPr/>
+        <p:nvPr/>
+      </p:nvGrpSpPr>
+      <p:grpSpPr>
+        <a:xfrm>
+          <a:off x="0" y="0"/>
+          <a:ext cx="0" cy="0"/>
+          <a:chOff x="0" y="0"/>
+          <a:chExt cx="0" cy="0"/>
+        </a:xfrm>
+      </p:grpSpPr>
+      <p:sp>
+        <p:nvSpPr>
+          <p:cNvPr id="2" name="Slide Image Placeholder 1"/>
+          <p:cNvSpPr>
+            <a:spLocks noGrp="1" noRot="1" noChangeAspect="1"/>
+          </p:cNvSpPr>
+          <p:nvPr>
+            <p:ph type="sldImg"/>
+          </p:nvPr>
+        </p:nvSpPr>
+        <p:spPr/>
+      </p:sp>
+      <p:sp>
+        <p:nvSpPr>
+          <p:cNvPr id="3" name="Notes Placeholder 2"/>
+          <p:cNvSpPr>
+            <a:spLocks noGrp="1"/>
+          </p:cNvSpPr>
+          <p:nvPr>
+            <p:ph type="body" idx="1"/>
+          </p:nvPr>
+        </p:nvSpPr>
+        <p:spPr/>
+        <p:txBody>
+          <a:bodyPr/>
+          <a:lstStyle/>
+          <a:p>
+            <a:r>
+              <a:rPr lang="en-GB" dirty="0"/>
+              <a:t>Unity Gaming Report 2022</a:t>
+            </a:r>
+          </a:p>
+          <a:p>
+            <a:r>
+              <a:rPr lang="en-GB" dirty="0"/>
+              <a:t>Total games in casual genre up 53% from 2020 to 2022</a:t>
+            </a:r>
+          </a:p>
+        </p:txBody>
+      </p:sp>
+      <p:sp>
+        <p:nvSpPr>
+          <p:cNvPr id="4" name="Slide Number Placeholder 3"/>
+          <p:cNvSpPr>
+            <a:spLocks noGrp="1"/>
+          </p:cNvSpPr>
+          <p:nvPr>
+            <p:ph type="sldNum" sz="quarter" idx="5"/>
+          </p:nvPr>
+        </p:nvSpPr>
+        <p:spPr/>
+        <p:txBody>
+          <a:bodyPr/>
+          <a:lstStyle/>
+          <a:p>
+            <a:fld id="{798C5307-140F-447F-BCBA-BB92E3A2906B}" type="slidenum">
+              <a:rPr lang="en-US" smtClean="0"/>
+              <a:t>9</a:t>
+            </a:fld>
+            <a:endParaRPr lang="en-US" dirty="0"/>
+          </a:p>
+        </p:txBody>
+      </p:sp>
+    </p:spTree>
+    <p:extLst>
+      <p:ext uri="{BB962C8B-B14F-4D97-AF65-F5344CB8AC3E}">
+        <p14:creationId xmlns:p14="http://schemas.microsoft.com/office/powerpoint/2010/main" val="959911865"/>
+      </p:ext>
+    </p:extLst>
+  </p:cSld>
+  <p:clrMapOvr>
+    <a:masterClrMapping/>
+  </p:clrMapOvr>
+</p:notes>
+</file>
+
+<file path=ppt/notesSlides/notesSlide8.xml><?xml version="1.0" encoding="utf-8"?>
+<p:notes xmlns:a="http://schemas.openxmlformats.org/drawingml/2006/main" xmlns:r="http://schemas.openxmlformats.org/officeDocument/2006/relationships" xmlns:p="http://schemas.openxmlformats.org/presentationml/2006/main">
+  <p:cSld>
+    <p:spTree>
+      <p:nvGrpSpPr>
+        <p:cNvPr id="1" name=""/>
+        <p:cNvGrpSpPr/>
+        <p:nvPr/>
+      </p:nvGrpSpPr>
+      <p:grpSpPr>
+        <a:xfrm>
+          <a:off x="0" y="0"/>
+          <a:ext cx="0" cy="0"/>
+          <a:chOff x="0" y="0"/>
+          <a:chExt cx="0" cy="0"/>
+        </a:xfrm>
+      </p:grpSpPr>
+      <p:sp>
+        <p:nvSpPr>
+          <p:cNvPr id="2" name="Slide Image Placeholder 1"/>
+          <p:cNvSpPr>
+            <a:spLocks noGrp="1" noRot="1" noChangeAspect="1"/>
+          </p:cNvSpPr>
+          <p:nvPr>
+            <p:ph type="sldImg"/>
+          </p:nvPr>
+        </p:nvSpPr>
+        <p:spPr/>
+      </p:sp>
+      <p:sp>
+        <p:nvSpPr>
+          <p:cNvPr id="3" name="Notes Placeholder 2"/>
+          <p:cNvSpPr>
+            <a:spLocks noGrp="1"/>
+          </p:cNvSpPr>
+          <p:nvPr>
+            <p:ph type="body" idx="1"/>
+          </p:nvPr>
+        </p:nvSpPr>
+        <p:spPr/>
+        <p:txBody>
+          <a:bodyPr/>
+          <a:lstStyle/>
+          <a:p>
+            <a:r>
+              <a:rPr lang="en-GB" dirty="0"/>
+              <a:t>Unity Gaming Report 2021</a:t>
+            </a:r>
+          </a:p>
+        </p:txBody>
+      </p:sp>
+      <p:sp>
+        <p:nvSpPr>
+          <p:cNvPr id="4" name="Slide Number Placeholder 3"/>
+          <p:cNvSpPr>
+            <a:spLocks noGrp="1"/>
+          </p:cNvSpPr>
+          <p:nvPr>
+            <p:ph type="sldNum" sz="quarter" idx="5"/>
+          </p:nvPr>
+        </p:nvSpPr>
+        <p:spPr/>
+        <p:txBody>
+          <a:bodyPr/>
+          <a:lstStyle/>
+          <a:p>
+            <a:fld id="{798C5307-140F-447F-BCBA-BB92E3A2906B}" type="slidenum">
+              <a:rPr lang="en-US" smtClean="0"/>
+              <a:t>10</a:t>
+            </a:fld>
+            <a:endParaRPr lang="en-US" dirty="0"/>
+          </a:p>
+        </p:txBody>
+      </p:sp>
+    </p:spTree>
+    <p:extLst>
+      <p:ext uri="{BB962C8B-B14F-4D97-AF65-F5344CB8AC3E}">
+        <p14:creationId xmlns:p14="http://schemas.microsoft.com/office/powerpoint/2010/main" val="2103379978"/>
+      </p:ext>
+    </p:extLst>
+  </p:cSld>
+  <p:clrMapOvr>
+    <a:masterClrMapping/>
+  </p:clrMapOvr>
+</p:notes>
+</file>
+
+<file path=ppt/notesSlides/notesSlide9.xml><?xml version="1.0" encoding="utf-8"?>
+<p:notes xmlns:a="http://schemas.openxmlformats.org/drawingml/2006/main" xmlns:r="http://schemas.openxmlformats.org/officeDocument/2006/relationships" xmlns:p="http://schemas.openxmlformats.org/presentationml/2006/main">
+  <p:cSld>
+    <p:spTree>
+      <p:nvGrpSpPr>
+        <p:cNvPr id="1" name=""/>
+        <p:cNvGrpSpPr/>
+        <p:nvPr/>
+      </p:nvGrpSpPr>
+      <p:grpSpPr>
+        <a:xfrm>
+          <a:off x="0" y="0"/>
+          <a:ext cx="0" cy="0"/>
+          <a:chOff x="0" y="0"/>
+          <a:chExt cx="0" cy="0"/>
+        </a:xfrm>
+      </p:grpSpPr>
+      <p:sp>
+        <p:nvSpPr>
+          <p:cNvPr id="2" name="Slide Image Placeholder 1"/>
+          <p:cNvSpPr>
+            <a:spLocks noGrp="1" noRot="1" noChangeAspect="1"/>
+          </p:cNvSpPr>
+          <p:nvPr>
+            <p:ph type="sldImg"/>
+          </p:nvPr>
+        </p:nvSpPr>
+        <p:spPr/>
+      </p:sp>
+      <p:sp>
+        <p:nvSpPr>
+          <p:cNvPr id="3" name="Notes Placeholder 2"/>
+          <p:cNvSpPr>
+            <a:spLocks noGrp="1"/>
+          </p:cNvSpPr>
+          <p:nvPr>
+            <p:ph type="body" idx="1"/>
+          </p:nvPr>
+        </p:nvSpPr>
+        <p:spPr/>
+        <p:txBody>
+          <a:bodyPr/>
+          <a:lstStyle/>
+          <a:p>
+            <a:r>
+              <a:rPr lang="en-GB" dirty="0"/>
+              <a:t>Unity Mobile Insights 2022</a:t>
+            </a:r>
+          </a:p>
+          <a:p>
+            <a:endParaRPr lang="en-GB" dirty="0"/>
+          </a:p>
+        </p:txBody>
+      </p:sp>
+      <p:sp>
+        <p:nvSpPr>
+          <p:cNvPr id="4" name="Slide Number Placeholder 3"/>
+          <p:cNvSpPr>
+            <a:spLocks noGrp="1"/>
+          </p:cNvSpPr>
+          <p:nvPr>
+            <p:ph type="sldNum" sz="quarter" idx="5"/>
+          </p:nvPr>
+        </p:nvSpPr>
+        <p:spPr/>
+        <p:txBody>
+          <a:bodyPr/>
+          <a:lstStyle/>
+          <a:p>
+            <a:fld id="{798C5307-140F-447F-BCBA-BB92E3A2906B}" type="slidenum">
+              <a:rPr lang="en-US" smtClean="0"/>
+              <a:t>11</a:t>
+            </a:fld>
+            <a:endParaRPr lang="en-US" dirty="0"/>
+          </a:p>
+        </p:txBody>
+      </p:sp>
+    </p:spTree>
+    <p:extLst>
+      <p:ext uri="{BB962C8B-B14F-4D97-AF65-F5344CB8AC3E}">
+        <p14:creationId xmlns:p14="http://schemas.microsoft.com/office/powerpoint/2010/main" val="3507597199"/>
       </p:ext>
     </p:extLst>
   </p:cSld>
@@ -20269,8 +21218,8 @@
         </p:nvSpPr>
         <p:spPr>
           <a:xfrm>
-            <a:off x="126281" y="637886"/>
-            <a:ext cx="1826375" cy="1567986"/>
+            <a:off x="139959" y="1380741"/>
+            <a:ext cx="1826375" cy="3275341"/>
           </a:xfrm>
         </p:spPr>
         <p:txBody>
@@ -20285,12 +21234,42 @@
               </a:lnSpc>
             </a:pPr>
             <a:r>
-              <a:rPr lang="en-US" sz="2800" spc="-40" dirty="0">
+              <a:rPr lang="en-US" sz="2600" spc="-40" dirty="0">
                 <a:solidFill>
                   <a:srgbClr val="FFFFFF"/>
                 </a:solidFill>
               </a:rPr>
               <a:t>Market Potential</a:t>
+            </a:r>
+            <a:br>
+              <a:rPr lang="en-US" sz="2600" spc="-40" dirty="0">
+                <a:solidFill>
+                  <a:srgbClr val="FFFFFF"/>
+                </a:solidFill>
+              </a:rPr>
+            </a:br>
+            <a:r>
+              <a:rPr lang="en-US" sz="2600" spc="-40" dirty="0">
+                <a:solidFill>
+                  <a:srgbClr val="FFFFFF"/>
+                </a:solidFill>
+              </a:rPr>
+              <a:t>    -</a:t>
+            </a:r>
+            <a:br>
+              <a:rPr lang="en-US" sz="2600" spc="-40" dirty="0">
+                <a:solidFill>
+                  <a:srgbClr val="FFFFFF"/>
+                </a:solidFill>
+              </a:rPr>
+            </a:br>
+            <a:r>
+              <a:rPr lang="en-US" sz="2600" spc="-40" dirty="0">
+                <a:solidFill>
+                  <a:srgbClr val="FFFFFF"/>
+                </a:solidFill>
+              </a:rPr>
+              <a:t>Revenue</a:t>
             </a:r>
           </a:p>
         </p:txBody>
@@ -20357,7 +21336,7 @@
           <p:nvPr/>
         </p:nvPicPr>
         <p:blipFill>
-          <a:blip r:embed="rId2"/>
+          <a:blip r:embed="rId3"/>
           <a:stretch>
             <a:fillRect/>
           </a:stretch>
@@ -20387,7 +21366,7 @@
         <p:spPr>
           <a:xfrm>
             <a:off x="2190994" y="363675"/>
-            <a:ext cx="3318320" cy="3104510"/>
+            <a:ext cx="3405214" cy="3104510"/>
           </a:xfrm>
           <a:prstGeom prst="rect">
             <a:avLst/>
@@ -20409,19 +21388,8 @@
             </a:pPr>
             <a:r>
               <a:rPr lang="en-US" sz="1600" spc="-20" dirty="0"/>
-              <a:t>Revenue from in-app purchases and advertisements across regions.</a:t>
+              <a:t>Revenue from in-app purchases and advertisements across regions</a:t>
             </a:r>
-          </a:p>
-          <a:p>
-            <a:pPr>
-              <a:lnSpc>
-                <a:spcPct val="110000"/>
-              </a:lnSpc>
-              <a:spcAft>
-                <a:spcPts val="600"/>
-              </a:spcAft>
-            </a:pPr>
-            <a:endParaRPr lang="en-US" sz="1600" spc="-20" dirty="0"/>
           </a:p>
           <a:p>
             <a:pPr>
@@ -20434,8 +21402,19 @@
             </a:pPr>
             <a:r>
               <a:rPr lang="en-US" sz="1600" spc="-20" dirty="0"/>
-              <a:t>From 2020 to 2021:</a:t>
+              <a:t>(2020 to 2021)</a:t>
             </a:r>
+          </a:p>
+          <a:p>
+            <a:pPr>
+              <a:lnSpc>
+                <a:spcPct val="110000"/>
+              </a:lnSpc>
+              <a:spcAft>
+                <a:spcPts val="600"/>
+              </a:spcAft>
+            </a:pPr>
+            <a:endParaRPr lang="en-US" sz="1600" spc="-20" dirty="0"/>
           </a:p>
           <a:p>
             <a:pPr marL="285750" indent="-285750">
@@ -20454,20 +21433,6 @@
             </a:r>
           </a:p>
           <a:p>
-            <a:pPr>
-              <a:lnSpc>
-                <a:spcPct val="110000"/>
-              </a:lnSpc>
-              <a:spcAft>
-                <a:spcPts val="600"/>
-              </a:spcAft>
-            </a:pPr>
-            <a:r>
-              <a:rPr lang="en-US" sz="1600" spc="-20" dirty="0"/>
-              <a:t>From 2019 to 2021:</a:t>
-            </a:r>
-          </a:p>
-          <a:p>
             <a:pPr marL="285750" indent="-285750">
               <a:lnSpc>
                 <a:spcPct val="110000"/>
@@ -20480,7 +21445,7 @@
             </a:pPr>
             <a:r>
               <a:rPr lang="en-US" sz="1600" spc="-20" dirty="0"/>
-              <a:t>EU Ad revenue grown by 98%</a:t>
+              <a:t>EU Ad revenue grown by 52%</a:t>
             </a:r>
           </a:p>
           <a:p>
@@ -20496,7 +21461,7 @@
             </a:pPr>
             <a:r>
               <a:rPr lang="en-US" sz="1600" spc="-20" dirty="0"/>
-              <a:t>EU IAP grown by 418%</a:t>
+              <a:t>EU IAP revenue grown by 105%</a:t>
             </a:r>
           </a:p>
         </p:txBody>
@@ -20516,7 +21481,7 @@
           <p:nvPr/>
         </p:nvPicPr>
         <p:blipFill rotWithShape="1">
-          <a:blip r:embed="rId3"/>
+          <a:blip r:embed="rId4"/>
           <a:srcRect r="19087"/>
           <a:stretch/>
         </p:blipFill>
@@ -20545,7 +21510,7 @@
           <p:nvPr/>
         </p:nvPicPr>
         <p:blipFill>
-          <a:blip r:embed="rId4"/>
+          <a:blip r:embed="rId5"/>
           <a:stretch>
             <a:fillRect/>
           </a:stretch>
@@ -20575,7 +21540,7 @@
           <p:nvPr/>
         </p:nvPicPr>
         <p:blipFill>
-          <a:blip r:embed="rId5"/>
+          <a:blip r:embed="rId6"/>
           <a:stretch>
             <a:fillRect/>
           </a:stretch>
@@ -20676,6 +21641,35 @@
           </a:p>
         </p:txBody>
       </p:sp>
+      <p:pic>
+        <p:nvPicPr>
+          <p:cNvPr id="5" name="Picture 4">
+            <a:extLst>
+              <a:ext uri="{FF2B5EF4-FFF2-40B4-BE49-F238E27FC236}">
+                <a16:creationId xmlns:a16="http://schemas.microsoft.com/office/drawing/2014/main" id="{197CCC22-B271-4EDC-F0F5-1D9BABAC137E}"/>
+              </a:ext>
+            </a:extLst>
+          </p:cNvPr>
+          <p:cNvPicPr>
+            <a:picLocks noChangeAspect="1"/>
+          </p:cNvPicPr>
+          <p:nvPr/>
+        </p:nvPicPr>
+        <p:blipFill rotWithShape="1">
+          <a:blip r:embed="rId7"/>
+          <a:srcRect l="5370" r="6416"/>
+          <a:stretch/>
+        </p:blipFill>
+        <p:spPr>
+          <a:xfrm>
+            <a:off x="86923" y="47601"/>
+            <a:ext cx="819106" cy="792789"/>
+          </a:xfrm>
+          <a:prstGeom prst="rect">
+            <a:avLst/>
+          </a:prstGeom>
+        </p:spPr>
+      </p:pic>
     </p:spTree>
     <p:extLst>
       <p:ext uri="{BB962C8B-B14F-4D97-AF65-F5344CB8AC3E}">
@@ -20690,6 +21684,1163 @@
 </file>
 
 <file path=ppt/slides/slide11.xml><?xml version="1.0" encoding="utf-8"?>
+<p:sld xmlns:a="http://schemas.openxmlformats.org/drawingml/2006/main" xmlns:r="http://schemas.openxmlformats.org/officeDocument/2006/relationships" xmlns:p="http://schemas.openxmlformats.org/presentationml/2006/main">
+  <p:cSld>
+    <p:bg>
+      <p:bgPr>
+        <a:solidFill>
+          <a:schemeClr val="bg1"/>
+        </a:solidFill>
+        <a:effectLst/>
+      </p:bgPr>
+    </p:bg>
+    <p:spTree>
+      <p:nvGrpSpPr>
+        <p:cNvPr id="1" name=""/>
+        <p:cNvGrpSpPr/>
+        <p:nvPr/>
+      </p:nvGrpSpPr>
+      <p:grpSpPr>
+        <a:xfrm>
+          <a:off x="0" y="0"/>
+          <a:ext cx="0" cy="0"/>
+          <a:chOff x="0" y="0"/>
+          <a:chExt cx="0" cy="0"/>
+        </a:xfrm>
+      </p:grpSpPr>
+      <p:sp useBgFill="1">
+        <p:nvSpPr>
+          <p:cNvPr id="46" name="Rectangle 45">
+            <a:extLst>
+              <a:ext uri="{FF2B5EF4-FFF2-40B4-BE49-F238E27FC236}">
+                <a16:creationId xmlns:a16="http://schemas.microsoft.com/office/drawing/2014/main" id="{DA9750BD-DA78-42B2-B5A4-A84E29984CD9}"/>
+              </a:ext>
+              <a:ext uri="{C183D7F6-B498-43B3-948B-1728B52AA6E4}">
+                <adec:decorative xmlns:adec="http://schemas.microsoft.com/office/drawing/2017/decorative" val="1"/>
+              </a:ext>
+            </a:extLst>
+          </p:cNvPr>
+          <p:cNvSpPr>
+            <a:spLocks noGrp="1" noRot="1" noChangeAspect="1" noMove="1" noResize="1" noEditPoints="1" noAdjustHandles="1" noChangeArrowheads="1" noChangeShapeType="1" noTextEdit="1"/>
+          </p:cNvSpPr>
+          <p:nvPr>
+            <p:extLst>
+              <p:ext uri="{386F3935-93C4-4BCD-93E2-E3B085C9AB24}">
+                <p16:designElem xmlns:p16="http://schemas.microsoft.com/office/powerpoint/2015/main" val="1"/>
+              </p:ext>
+            </p:extLst>
+          </p:nvPr>
+        </p:nvSpPr>
+        <p:spPr>
+          <a:xfrm>
+            <a:off x="0" y="0"/>
+            <a:ext cx="12192000" cy="6858000"/>
+          </a:xfrm>
+          <a:prstGeom prst="rect">
+            <a:avLst/>
+          </a:prstGeom>
+          <a:ln w="12700" cap="flat" cmpd="sng" algn="ctr">
+            <a:noFill/>
+            <a:prstDash val="solid"/>
+            <a:miter lim="800000"/>
+          </a:ln>
+          <a:effectLst/>
+          <a:extLst>
+            <a:ext uri="{91240B29-F687-4F45-9708-019B960494DF}">
+              <a14:hiddenLine xmlns:a14="http://schemas.microsoft.com/office/drawing/2010/main" w="12700" cap="flat" cmpd="sng" algn="ctr">
+                <a:solidFill>
+                  <a:schemeClr val="accent1">
+                    <a:shade val="50000"/>
+                  </a:schemeClr>
+                </a:solidFill>
+                <a:prstDash val="solid"/>
+                <a:miter lim="800000"/>
+              </a14:hiddenLine>
+            </a:ext>
+          </a:extLst>
+        </p:spPr>
+        <p:style>
+          <a:lnRef idx="2">
+            <a:schemeClr val="accent1">
+              <a:shade val="50000"/>
+            </a:schemeClr>
+          </a:lnRef>
+          <a:fillRef idx="1">
+            <a:schemeClr val="accent1"/>
+          </a:fillRef>
+          <a:effectRef idx="0">
+            <a:schemeClr val="accent1"/>
+          </a:effectRef>
+          <a:fontRef idx="minor">
+            <a:schemeClr val="lt1"/>
+          </a:fontRef>
+        </p:style>
+        <p:txBody>
+          <a:bodyPr rtlCol="0" anchor="ctr"/>
+          <a:lstStyle/>
+          <a:p>
+            <a:pPr algn="ctr"/>
+            <a:endParaRPr lang="en-US"/>
+          </a:p>
+        </p:txBody>
+      </p:sp>
+      <p:sp>
+        <p:nvSpPr>
+          <p:cNvPr id="48" name="Rectangle 47">
+            <a:extLst>
+              <a:ext uri="{FF2B5EF4-FFF2-40B4-BE49-F238E27FC236}">
+                <a16:creationId xmlns:a16="http://schemas.microsoft.com/office/drawing/2014/main" id="{C606A26C-8C0A-411E-BF72-5EE06043487A}"/>
+              </a:ext>
+              <a:ext uri="{C183D7F6-B498-43B3-948B-1728B52AA6E4}">
+                <adec:decorative xmlns:adec="http://schemas.microsoft.com/office/drawing/2017/decorative" val="1"/>
+              </a:ext>
+            </a:extLst>
+          </p:cNvPr>
+          <p:cNvSpPr>
+            <a:spLocks noGrp="1" noRot="1" noChangeAspect="1" noMove="1" noResize="1" noEditPoints="1" noAdjustHandles="1" noChangeArrowheads="1" noChangeShapeType="1" noTextEdit="1"/>
+          </p:cNvSpPr>
+          <p:nvPr>
+            <p:extLst>
+              <p:ext uri="{386F3935-93C4-4BCD-93E2-E3B085C9AB24}">
+                <p16:designElem xmlns:p16="http://schemas.microsoft.com/office/powerpoint/2015/main" val="1"/>
+              </p:ext>
+            </p:extLst>
+          </p:nvPr>
+        </p:nvSpPr>
+        <p:spPr>
+          <a:xfrm>
+            <a:off x="0" y="0"/>
+            <a:ext cx="3048000" cy="6858000"/>
+          </a:xfrm>
+          <a:prstGeom prst="rect">
+            <a:avLst/>
+          </a:prstGeom>
+          <a:ln>
+            <a:noFill/>
+          </a:ln>
+        </p:spPr>
+        <p:style>
+          <a:lnRef idx="2">
+            <a:schemeClr val="accent1">
+              <a:shade val="50000"/>
+            </a:schemeClr>
+          </a:lnRef>
+          <a:fillRef idx="1">
+            <a:schemeClr val="accent1"/>
+          </a:fillRef>
+          <a:effectRef idx="0">
+            <a:schemeClr val="accent1"/>
+          </a:effectRef>
+          <a:fontRef idx="minor">
+            <a:schemeClr val="lt1"/>
+          </a:fontRef>
+        </p:style>
+        <p:txBody>
+          <a:bodyPr rtlCol="0" anchor="ctr"/>
+          <a:lstStyle/>
+          <a:p>
+            <a:pPr algn="ctr"/>
+            <a:endParaRPr lang="en-US"/>
+          </a:p>
+        </p:txBody>
+      </p:sp>
+      <p:sp>
+        <p:nvSpPr>
+          <p:cNvPr id="41" name="Title 40">
+            <a:extLst>
+              <a:ext uri="{FF2B5EF4-FFF2-40B4-BE49-F238E27FC236}">
+                <a16:creationId xmlns:a16="http://schemas.microsoft.com/office/drawing/2014/main" id="{0622F47C-D986-4C50-BD14-2C1E537C27FB}"/>
+              </a:ext>
+            </a:extLst>
+          </p:cNvPr>
+          <p:cNvSpPr>
+            <a:spLocks noGrp="1"/>
+          </p:cNvSpPr>
+          <p:nvPr>
+            <p:ph type="title"/>
+          </p:nvPr>
+        </p:nvSpPr>
+        <p:spPr>
+          <a:xfrm>
+            <a:off x="139959" y="1380741"/>
+            <a:ext cx="1826375" cy="3674735"/>
+          </a:xfrm>
+        </p:spPr>
+        <p:txBody>
+          <a:bodyPr vert="horz" lIns="91440" tIns="45720" rIns="91440" bIns="45720" rtlCol="0" anchor="t">
+            <a:normAutofit/>
+          </a:bodyPr>
+          <a:lstStyle/>
+          <a:p>
+            <a:pPr algn="l">
+              <a:lnSpc>
+                <a:spcPct val="90000"/>
+              </a:lnSpc>
+            </a:pPr>
+            <a:r>
+              <a:rPr lang="en-US" sz="2600" spc="-40" dirty="0">
+                <a:solidFill>
+                  <a:srgbClr val="FFFFFF"/>
+                </a:solidFill>
+              </a:rPr>
+              <a:t>Market Potential</a:t>
+            </a:r>
+            <a:br>
+              <a:rPr lang="en-US" sz="2600" spc="-40" dirty="0">
+                <a:solidFill>
+                  <a:srgbClr val="FFFFFF"/>
+                </a:solidFill>
+              </a:rPr>
+            </a:br>
+            <a:r>
+              <a:rPr lang="en-US" sz="2600" spc="-40" dirty="0">
+                <a:solidFill>
+                  <a:srgbClr val="FFFFFF"/>
+                </a:solidFill>
+              </a:rPr>
+              <a:t>    -</a:t>
+            </a:r>
+            <a:br>
+              <a:rPr lang="en-US" sz="2600" spc="-40" dirty="0">
+                <a:solidFill>
+                  <a:srgbClr val="FFFFFF"/>
+                </a:solidFill>
+              </a:rPr>
+            </a:br>
+            <a:r>
+              <a:rPr lang="en-US" sz="2600" spc="-40" dirty="0">
+                <a:solidFill>
+                  <a:srgbClr val="FFFFFF"/>
+                </a:solidFill>
+              </a:rPr>
+              <a:t>Optimal Soft &amp; Main Launch</a:t>
+            </a:r>
+          </a:p>
+        </p:txBody>
+      </p:sp>
+      <p:sp>
+        <p:nvSpPr>
+          <p:cNvPr id="2" name="Footer Placeholder 1">
+            <a:extLst>
+              <a:ext uri="{FF2B5EF4-FFF2-40B4-BE49-F238E27FC236}">
+                <a16:creationId xmlns:a16="http://schemas.microsoft.com/office/drawing/2014/main" id="{2C20C49D-5E38-4E7C-A240-4B2D015F3AC7}"/>
+              </a:ext>
+            </a:extLst>
+          </p:cNvPr>
+          <p:cNvSpPr>
+            <a:spLocks noGrp="1"/>
+          </p:cNvSpPr>
+          <p:nvPr>
+            <p:ph type="ftr" sz="quarter" idx="11"/>
+          </p:nvPr>
+        </p:nvSpPr>
+        <p:spPr>
+          <a:xfrm>
+            <a:off x="201168" y="6356350"/>
+            <a:ext cx="2713482" cy="365125"/>
+          </a:xfrm>
+        </p:spPr>
+        <p:txBody>
+          <a:bodyPr vert="horz" lIns="91440" tIns="45720" rIns="91440" bIns="45720" rtlCol="0" anchor="ctr">
+            <a:normAutofit/>
+          </a:bodyPr>
+          <a:lstStyle/>
+          <a:p>
+            <a:pPr lvl="0">
+              <a:spcAft>
+                <a:spcPts val="600"/>
+              </a:spcAft>
+            </a:pPr>
+            <a:r>
+              <a:rPr lang="en-US" kern="1200" noProof="0">
+                <a:solidFill>
+                  <a:srgbClr val="FFFFFF"/>
+                </a:solidFill>
+                <a:latin typeface="+mn-lt"/>
+                <a:ea typeface="+mn-ea"/>
+                <a:cs typeface="+mn-cs"/>
+              </a:rPr>
+              <a:t>OutDig</a:t>
+            </a:r>
+          </a:p>
+        </p:txBody>
+      </p:sp>
+      <p:pic>
+        <p:nvPicPr>
+          <p:cNvPr id="30" name="Picture 29">
+            <a:extLst>
+              <a:ext uri="{FF2B5EF4-FFF2-40B4-BE49-F238E27FC236}">
+                <a16:creationId xmlns:a16="http://schemas.microsoft.com/office/drawing/2014/main" id="{87246A19-C527-A977-2EF3-43FB2869CF04}"/>
+              </a:ext>
+            </a:extLst>
+          </p:cNvPr>
+          <p:cNvPicPr>
+            <a:picLocks noChangeAspect="1"/>
+          </p:cNvPicPr>
+          <p:nvPr/>
+        </p:nvPicPr>
+        <p:blipFill>
+          <a:blip r:embed="rId3"/>
+          <a:stretch>
+            <a:fillRect/>
+          </a:stretch>
+        </p:blipFill>
+        <p:spPr>
+          <a:xfrm>
+            <a:off x="1897498" y="0"/>
+            <a:ext cx="1375162" cy="6858000"/>
+          </a:xfrm>
+          <a:prstGeom prst="rect">
+            <a:avLst/>
+          </a:prstGeom>
+        </p:spPr>
+      </p:pic>
+      <p:sp>
+        <p:nvSpPr>
+          <p:cNvPr id="25" name="TextBox 24">
+            <a:extLst>
+              <a:ext uri="{FF2B5EF4-FFF2-40B4-BE49-F238E27FC236}">
+                <a16:creationId xmlns:a16="http://schemas.microsoft.com/office/drawing/2014/main" id="{6FDEE004-1220-7B14-EDF9-5227528EB89D}"/>
+              </a:ext>
+            </a:extLst>
+          </p:cNvPr>
+          <p:cNvSpPr txBox="1"/>
+          <p:nvPr/>
+        </p:nvSpPr>
+        <p:spPr>
+          <a:xfrm>
+            <a:off x="2190994" y="363675"/>
+            <a:ext cx="3405214" cy="3104510"/>
+          </a:xfrm>
+          <a:prstGeom prst="rect">
+            <a:avLst/>
+          </a:prstGeom>
+        </p:spPr>
+        <p:txBody>
+          <a:bodyPr vert="horz" lIns="91440" tIns="45720" rIns="91440" bIns="45720" rtlCol="0">
+            <a:normAutofit/>
+          </a:bodyPr>
+          <a:lstStyle/>
+          <a:p>
+            <a:pPr>
+              <a:lnSpc>
+                <a:spcPct val="110000"/>
+              </a:lnSpc>
+              <a:spcAft>
+                <a:spcPts val="600"/>
+              </a:spcAft>
+            </a:pPr>
+            <a:r>
+              <a:rPr lang="en-US" sz="1600" spc="-20" dirty="0"/>
+              <a:t>text</a:t>
+            </a:r>
+          </a:p>
+        </p:txBody>
+      </p:sp>
+      <p:sp>
+        <p:nvSpPr>
+          <p:cNvPr id="3" name="Date Placeholder 2">
+            <a:extLst>
+              <a:ext uri="{FF2B5EF4-FFF2-40B4-BE49-F238E27FC236}">
+                <a16:creationId xmlns:a16="http://schemas.microsoft.com/office/drawing/2014/main" id="{9CE6D34A-9686-45B2-97D0-AD20167B2D54}"/>
+              </a:ext>
+            </a:extLst>
+          </p:cNvPr>
+          <p:cNvSpPr>
+            <a:spLocks noGrp="1"/>
+          </p:cNvSpPr>
+          <p:nvPr>
+            <p:ph type="dt" sz="half" idx="10"/>
+          </p:nvPr>
+        </p:nvSpPr>
+        <p:spPr>
+          <a:xfrm>
+            <a:off x="7013448" y="6355080"/>
+            <a:ext cx="4352544" cy="365125"/>
+          </a:xfrm>
+        </p:spPr>
+        <p:txBody>
+          <a:bodyPr vert="horz" lIns="91440" tIns="45720" rIns="91440" bIns="45720" rtlCol="0" anchor="ctr">
+            <a:normAutofit/>
+          </a:bodyPr>
+          <a:lstStyle/>
+          <a:p>
+            <a:pPr lvl="0">
+              <a:spcAft>
+                <a:spcPts val="600"/>
+              </a:spcAft>
+            </a:pPr>
+            <a:r>
+              <a:rPr lang="en-US" noProof="0" dirty="0"/>
+              <a:t>2022</a:t>
+            </a:r>
+          </a:p>
+        </p:txBody>
+      </p:sp>
+      <p:sp>
+        <p:nvSpPr>
+          <p:cNvPr id="4" name="Slide Number Placeholder 3">
+            <a:extLst>
+              <a:ext uri="{FF2B5EF4-FFF2-40B4-BE49-F238E27FC236}">
+                <a16:creationId xmlns:a16="http://schemas.microsoft.com/office/drawing/2014/main" id="{AC0EC6D8-4D66-4B16-AD3F-2850D613518A}"/>
+              </a:ext>
+            </a:extLst>
+          </p:cNvPr>
+          <p:cNvSpPr>
+            <a:spLocks noGrp="1"/>
+          </p:cNvSpPr>
+          <p:nvPr>
+            <p:ph type="sldNum" sz="quarter" idx="12"/>
+          </p:nvPr>
+        </p:nvSpPr>
+        <p:spPr>
+          <a:xfrm>
+            <a:off x="11365992" y="6356350"/>
+            <a:ext cx="630936" cy="365125"/>
+          </a:xfrm>
+        </p:spPr>
+        <p:txBody>
+          <a:bodyPr vert="horz" lIns="91440" tIns="45720" rIns="91440" bIns="45720" rtlCol="0" anchor="ctr">
+            <a:normAutofit/>
+          </a:bodyPr>
+          <a:lstStyle/>
+          <a:p>
+            <a:pPr lvl="0">
+              <a:spcAft>
+                <a:spcPts val="600"/>
+              </a:spcAft>
+            </a:pPr>
+            <a:fld id="{06B786C7-B8F9-4072-AAAA-17258464D730}" type="slidenum">
+              <a:rPr lang="en-US" noProof="0" smtClean="0"/>
+              <a:pPr lvl="0">
+                <a:spcAft>
+                  <a:spcPts val="600"/>
+                </a:spcAft>
+              </a:pPr>
+              <a:t>11</a:t>
+            </a:fld>
+            <a:endParaRPr lang="en-US" noProof="0" dirty="0"/>
+          </a:p>
+        </p:txBody>
+      </p:sp>
+      <p:pic>
+        <p:nvPicPr>
+          <p:cNvPr id="5" name="Picture 4">
+            <a:extLst>
+              <a:ext uri="{FF2B5EF4-FFF2-40B4-BE49-F238E27FC236}">
+                <a16:creationId xmlns:a16="http://schemas.microsoft.com/office/drawing/2014/main" id="{197CCC22-B271-4EDC-F0F5-1D9BABAC137E}"/>
+              </a:ext>
+            </a:extLst>
+          </p:cNvPr>
+          <p:cNvPicPr>
+            <a:picLocks noChangeAspect="1"/>
+          </p:cNvPicPr>
+          <p:nvPr/>
+        </p:nvPicPr>
+        <p:blipFill rotWithShape="1">
+          <a:blip r:embed="rId4"/>
+          <a:srcRect l="5370" r="6416"/>
+          <a:stretch/>
+        </p:blipFill>
+        <p:spPr>
+          <a:xfrm>
+            <a:off x="86923" y="47601"/>
+            <a:ext cx="819106" cy="792789"/>
+          </a:xfrm>
+          <a:prstGeom prst="rect">
+            <a:avLst/>
+          </a:prstGeom>
+        </p:spPr>
+      </p:pic>
+      <p:pic>
+        <p:nvPicPr>
+          <p:cNvPr id="12" name="Picture 11">
+            <a:extLst>
+              <a:ext uri="{FF2B5EF4-FFF2-40B4-BE49-F238E27FC236}">
+                <a16:creationId xmlns:a16="http://schemas.microsoft.com/office/drawing/2014/main" id="{A7B0F63E-FFE0-D71C-9E51-0AFA5B687FBB}"/>
+              </a:ext>
+            </a:extLst>
+          </p:cNvPr>
+          <p:cNvPicPr>
+            <a:picLocks noChangeAspect="1"/>
+          </p:cNvPicPr>
+          <p:nvPr/>
+        </p:nvPicPr>
+        <p:blipFill>
+          <a:blip r:embed="rId5"/>
+          <a:stretch>
+            <a:fillRect/>
+          </a:stretch>
+        </p:blipFill>
+        <p:spPr>
+          <a:xfrm>
+            <a:off x="8657230" y="186093"/>
+            <a:ext cx="3405215" cy="2731708"/>
+          </a:xfrm>
+          <a:prstGeom prst="rect">
+            <a:avLst/>
+          </a:prstGeom>
+        </p:spPr>
+      </p:pic>
+      <p:pic>
+        <p:nvPicPr>
+          <p:cNvPr id="18" name="Picture 17">
+            <a:extLst>
+              <a:ext uri="{FF2B5EF4-FFF2-40B4-BE49-F238E27FC236}">
+                <a16:creationId xmlns:a16="http://schemas.microsoft.com/office/drawing/2014/main" id="{D5D685BC-D19C-1B97-116C-52A9B662EF15}"/>
+              </a:ext>
+            </a:extLst>
+          </p:cNvPr>
+          <p:cNvPicPr>
+            <a:picLocks noChangeAspect="1"/>
+          </p:cNvPicPr>
+          <p:nvPr/>
+        </p:nvPicPr>
+        <p:blipFill>
+          <a:blip r:embed="rId6"/>
+          <a:stretch>
+            <a:fillRect/>
+          </a:stretch>
+        </p:blipFill>
+        <p:spPr>
+          <a:xfrm>
+            <a:off x="6885130" y="3057437"/>
+            <a:ext cx="4928265" cy="2278003"/>
+          </a:xfrm>
+          <a:prstGeom prst="rect">
+            <a:avLst/>
+          </a:prstGeom>
+        </p:spPr>
+      </p:pic>
+    </p:spTree>
+    <p:extLst>
+      <p:ext uri="{BB962C8B-B14F-4D97-AF65-F5344CB8AC3E}">
+        <p14:creationId xmlns:p14="http://schemas.microsoft.com/office/powerpoint/2010/main" val="3648781903"/>
+      </p:ext>
+    </p:extLst>
+  </p:cSld>
+  <p:clrMapOvr>
+    <a:masterClrMapping/>
+  </p:clrMapOvr>
+</p:sld>
+</file>
+
+<file path=ppt/slides/slide12.xml><?xml version="1.0" encoding="utf-8"?>
+<p:sld xmlns:a="http://schemas.openxmlformats.org/drawingml/2006/main" xmlns:r="http://schemas.openxmlformats.org/officeDocument/2006/relationships" xmlns:p="http://schemas.openxmlformats.org/presentationml/2006/main">
+  <p:cSld>
+    <p:bg>
+      <p:bgPr>
+        <a:solidFill>
+          <a:schemeClr val="bg1"/>
+        </a:solidFill>
+        <a:effectLst/>
+      </p:bgPr>
+    </p:bg>
+    <p:spTree>
+      <p:nvGrpSpPr>
+        <p:cNvPr id="1" name=""/>
+        <p:cNvGrpSpPr/>
+        <p:nvPr/>
+      </p:nvGrpSpPr>
+      <p:grpSpPr>
+        <a:xfrm>
+          <a:off x="0" y="0"/>
+          <a:ext cx="0" cy="0"/>
+          <a:chOff x="0" y="0"/>
+          <a:chExt cx="0" cy="0"/>
+        </a:xfrm>
+      </p:grpSpPr>
+      <p:sp useBgFill="1">
+        <p:nvSpPr>
+          <p:cNvPr id="46" name="Rectangle 45">
+            <a:extLst>
+              <a:ext uri="{FF2B5EF4-FFF2-40B4-BE49-F238E27FC236}">
+                <a16:creationId xmlns:a16="http://schemas.microsoft.com/office/drawing/2014/main" id="{DA9750BD-DA78-42B2-B5A4-A84E29984CD9}"/>
+              </a:ext>
+              <a:ext uri="{C183D7F6-B498-43B3-948B-1728B52AA6E4}">
+                <adec:decorative xmlns:adec="http://schemas.microsoft.com/office/drawing/2017/decorative" val="1"/>
+              </a:ext>
+            </a:extLst>
+          </p:cNvPr>
+          <p:cNvSpPr>
+            <a:spLocks noGrp="1" noRot="1" noChangeAspect="1" noMove="1" noResize="1" noEditPoints="1" noAdjustHandles="1" noChangeArrowheads="1" noChangeShapeType="1" noTextEdit="1"/>
+          </p:cNvSpPr>
+          <p:nvPr>
+            <p:extLst>
+              <p:ext uri="{386F3935-93C4-4BCD-93E2-E3B085C9AB24}">
+                <p16:designElem xmlns:p16="http://schemas.microsoft.com/office/powerpoint/2015/main" val="1"/>
+              </p:ext>
+            </p:extLst>
+          </p:nvPr>
+        </p:nvSpPr>
+        <p:spPr>
+          <a:xfrm>
+            <a:off x="0" y="0"/>
+            <a:ext cx="12192000" cy="6858000"/>
+          </a:xfrm>
+          <a:prstGeom prst="rect">
+            <a:avLst/>
+          </a:prstGeom>
+          <a:ln w="12700" cap="flat" cmpd="sng" algn="ctr">
+            <a:noFill/>
+            <a:prstDash val="solid"/>
+            <a:miter lim="800000"/>
+          </a:ln>
+          <a:effectLst/>
+          <a:extLst>
+            <a:ext uri="{91240B29-F687-4F45-9708-019B960494DF}">
+              <a14:hiddenLine xmlns:a14="http://schemas.microsoft.com/office/drawing/2010/main" w="12700" cap="flat" cmpd="sng" algn="ctr">
+                <a:solidFill>
+                  <a:schemeClr val="accent1">
+                    <a:shade val="50000"/>
+                  </a:schemeClr>
+                </a:solidFill>
+                <a:prstDash val="solid"/>
+                <a:miter lim="800000"/>
+              </a14:hiddenLine>
+            </a:ext>
+          </a:extLst>
+        </p:spPr>
+        <p:style>
+          <a:lnRef idx="2">
+            <a:schemeClr val="accent1">
+              <a:shade val="50000"/>
+            </a:schemeClr>
+          </a:lnRef>
+          <a:fillRef idx="1">
+            <a:schemeClr val="accent1"/>
+          </a:fillRef>
+          <a:effectRef idx="0">
+            <a:schemeClr val="accent1"/>
+          </a:effectRef>
+          <a:fontRef idx="minor">
+            <a:schemeClr val="lt1"/>
+          </a:fontRef>
+        </p:style>
+        <p:txBody>
+          <a:bodyPr rtlCol="0" anchor="ctr"/>
+          <a:lstStyle/>
+          <a:p>
+            <a:pPr algn="ctr"/>
+            <a:endParaRPr lang="en-US"/>
+          </a:p>
+        </p:txBody>
+      </p:sp>
+      <p:sp>
+        <p:nvSpPr>
+          <p:cNvPr id="48" name="Rectangle 47">
+            <a:extLst>
+              <a:ext uri="{FF2B5EF4-FFF2-40B4-BE49-F238E27FC236}">
+                <a16:creationId xmlns:a16="http://schemas.microsoft.com/office/drawing/2014/main" id="{C606A26C-8C0A-411E-BF72-5EE06043487A}"/>
+              </a:ext>
+              <a:ext uri="{C183D7F6-B498-43B3-948B-1728B52AA6E4}">
+                <adec:decorative xmlns:adec="http://schemas.microsoft.com/office/drawing/2017/decorative" val="1"/>
+              </a:ext>
+            </a:extLst>
+          </p:cNvPr>
+          <p:cNvSpPr>
+            <a:spLocks noGrp="1" noRot="1" noChangeAspect="1" noMove="1" noResize="1" noEditPoints="1" noAdjustHandles="1" noChangeArrowheads="1" noChangeShapeType="1" noTextEdit="1"/>
+          </p:cNvSpPr>
+          <p:nvPr>
+            <p:extLst>
+              <p:ext uri="{386F3935-93C4-4BCD-93E2-E3B085C9AB24}">
+                <p16:designElem xmlns:p16="http://schemas.microsoft.com/office/powerpoint/2015/main" val="1"/>
+              </p:ext>
+            </p:extLst>
+          </p:nvPr>
+        </p:nvSpPr>
+        <p:spPr>
+          <a:xfrm>
+            <a:off x="0" y="0"/>
+            <a:ext cx="3048000" cy="6858000"/>
+          </a:xfrm>
+          <a:prstGeom prst="rect">
+            <a:avLst/>
+          </a:prstGeom>
+          <a:ln>
+            <a:noFill/>
+          </a:ln>
+        </p:spPr>
+        <p:style>
+          <a:lnRef idx="2">
+            <a:schemeClr val="accent1">
+              <a:shade val="50000"/>
+            </a:schemeClr>
+          </a:lnRef>
+          <a:fillRef idx="1">
+            <a:schemeClr val="accent1"/>
+          </a:fillRef>
+          <a:effectRef idx="0">
+            <a:schemeClr val="accent1"/>
+          </a:effectRef>
+          <a:fontRef idx="minor">
+            <a:schemeClr val="lt1"/>
+          </a:fontRef>
+        </p:style>
+        <p:txBody>
+          <a:bodyPr rtlCol="0" anchor="ctr"/>
+          <a:lstStyle/>
+          <a:p>
+            <a:pPr algn="ctr"/>
+            <a:endParaRPr lang="en-US"/>
+          </a:p>
+        </p:txBody>
+      </p:sp>
+      <p:sp>
+        <p:nvSpPr>
+          <p:cNvPr id="41" name="Title 40">
+            <a:extLst>
+              <a:ext uri="{FF2B5EF4-FFF2-40B4-BE49-F238E27FC236}">
+                <a16:creationId xmlns:a16="http://schemas.microsoft.com/office/drawing/2014/main" id="{0622F47C-D986-4C50-BD14-2C1E537C27FB}"/>
+              </a:ext>
+            </a:extLst>
+          </p:cNvPr>
+          <p:cNvSpPr>
+            <a:spLocks noGrp="1"/>
+          </p:cNvSpPr>
+          <p:nvPr>
+            <p:ph type="title"/>
+          </p:nvPr>
+        </p:nvSpPr>
+        <p:spPr>
+          <a:xfrm>
+            <a:off x="139959" y="1380742"/>
+            <a:ext cx="1826375" cy="3443506"/>
+          </a:xfrm>
+        </p:spPr>
+        <p:txBody>
+          <a:bodyPr vert="horz" lIns="91440" tIns="45720" rIns="91440" bIns="45720" rtlCol="0" anchor="t">
+            <a:normAutofit/>
+          </a:bodyPr>
+          <a:lstStyle/>
+          <a:p>
+            <a:pPr algn="l">
+              <a:lnSpc>
+                <a:spcPct val="90000"/>
+              </a:lnSpc>
+            </a:pPr>
+            <a:r>
+              <a:rPr lang="en-US" sz="2600" spc="-40" dirty="0">
+                <a:solidFill>
+                  <a:srgbClr val="FFFFFF"/>
+                </a:solidFill>
+              </a:rPr>
+              <a:t>Market Potential</a:t>
+            </a:r>
+            <a:br>
+              <a:rPr lang="en-US" sz="2600" spc="-40" dirty="0">
+                <a:solidFill>
+                  <a:srgbClr val="FFFFFF"/>
+                </a:solidFill>
+              </a:rPr>
+            </a:br>
+            <a:r>
+              <a:rPr lang="en-US" sz="2600" spc="-40" dirty="0">
+                <a:solidFill>
+                  <a:srgbClr val="FFFFFF"/>
+                </a:solidFill>
+              </a:rPr>
+              <a:t>    -</a:t>
+            </a:r>
+            <a:br>
+              <a:rPr lang="en-US" sz="2600" spc="-40" dirty="0">
+                <a:solidFill>
+                  <a:srgbClr val="FFFFFF"/>
+                </a:solidFill>
+              </a:rPr>
+            </a:br>
+            <a:r>
+              <a:rPr lang="en-US" sz="2600" spc="-40" dirty="0">
+                <a:solidFill>
+                  <a:srgbClr val="FFFFFF"/>
+                </a:solidFill>
+              </a:rPr>
+              <a:t>Ad Campaign</a:t>
+            </a:r>
+          </a:p>
+        </p:txBody>
+      </p:sp>
+      <p:sp>
+        <p:nvSpPr>
+          <p:cNvPr id="2" name="Footer Placeholder 1">
+            <a:extLst>
+              <a:ext uri="{FF2B5EF4-FFF2-40B4-BE49-F238E27FC236}">
+                <a16:creationId xmlns:a16="http://schemas.microsoft.com/office/drawing/2014/main" id="{2C20C49D-5E38-4E7C-A240-4B2D015F3AC7}"/>
+              </a:ext>
+            </a:extLst>
+          </p:cNvPr>
+          <p:cNvSpPr>
+            <a:spLocks noGrp="1"/>
+          </p:cNvSpPr>
+          <p:nvPr>
+            <p:ph type="ftr" sz="quarter" idx="11"/>
+          </p:nvPr>
+        </p:nvSpPr>
+        <p:spPr>
+          <a:xfrm>
+            <a:off x="201168" y="6356350"/>
+            <a:ext cx="2713482" cy="365125"/>
+          </a:xfrm>
+        </p:spPr>
+        <p:txBody>
+          <a:bodyPr vert="horz" lIns="91440" tIns="45720" rIns="91440" bIns="45720" rtlCol="0" anchor="ctr">
+            <a:normAutofit/>
+          </a:bodyPr>
+          <a:lstStyle/>
+          <a:p>
+            <a:pPr lvl="0">
+              <a:spcAft>
+                <a:spcPts val="600"/>
+              </a:spcAft>
+            </a:pPr>
+            <a:r>
+              <a:rPr lang="en-US" kern="1200" noProof="0">
+                <a:solidFill>
+                  <a:srgbClr val="FFFFFF"/>
+                </a:solidFill>
+                <a:latin typeface="+mn-lt"/>
+                <a:ea typeface="+mn-ea"/>
+                <a:cs typeface="+mn-cs"/>
+              </a:rPr>
+              <a:t>OutDig</a:t>
+            </a:r>
+          </a:p>
+        </p:txBody>
+      </p:sp>
+      <p:pic>
+        <p:nvPicPr>
+          <p:cNvPr id="30" name="Picture 29">
+            <a:extLst>
+              <a:ext uri="{FF2B5EF4-FFF2-40B4-BE49-F238E27FC236}">
+                <a16:creationId xmlns:a16="http://schemas.microsoft.com/office/drawing/2014/main" id="{87246A19-C527-A977-2EF3-43FB2869CF04}"/>
+              </a:ext>
+            </a:extLst>
+          </p:cNvPr>
+          <p:cNvPicPr>
+            <a:picLocks noChangeAspect="1"/>
+          </p:cNvPicPr>
+          <p:nvPr/>
+        </p:nvPicPr>
+        <p:blipFill>
+          <a:blip r:embed="rId3"/>
+          <a:stretch>
+            <a:fillRect/>
+          </a:stretch>
+        </p:blipFill>
+        <p:spPr>
+          <a:xfrm>
+            <a:off x="1897498" y="0"/>
+            <a:ext cx="1375162" cy="6858000"/>
+          </a:xfrm>
+          <a:prstGeom prst="rect">
+            <a:avLst/>
+          </a:prstGeom>
+        </p:spPr>
+      </p:pic>
+      <p:sp>
+        <p:nvSpPr>
+          <p:cNvPr id="3" name="Date Placeholder 2">
+            <a:extLst>
+              <a:ext uri="{FF2B5EF4-FFF2-40B4-BE49-F238E27FC236}">
+                <a16:creationId xmlns:a16="http://schemas.microsoft.com/office/drawing/2014/main" id="{9CE6D34A-9686-45B2-97D0-AD20167B2D54}"/>
+              </a:ext>
+            </a:extLst>
+          </p:cNvPr>
+          <p:cNvSpPr>
+            <a:spLocks noGrp="1"/>
+          </p:cNvSpPr>
+          <p:nvPr>
+            <p:ph type="dt" sz="half" idx="10"/>
+          </p:nvPr>
+        </p:nvSpPr>
+        <p:spPr>
+          <a:xfrm>
+            <a:off x="7013448" y="6355080"/>
+            <a:ext cx="4352544" cy="365125"/>
+          </a:xfrm>
+        </p:spPr>
+        <p:txBody>
+          <a:bodyPr vert="horz" lIns="91440" tIns="45720" rIns="91440" bIns="45720" rtlCol="0" anchor="ctr">
+            <a:normAutofit/>
+          </a:bodyPr>
+          <a:lstStyle/>
+          <a:p>
+            <a:pPr lvl="0">
+              <a:spcAft>
+                <a:spcPts val="600"/>
+              </a:spcAft>
+            </a:pPr>
+            <a:r>
+              <a:rPr lang="en-US" noProof="0" dirty="0"/>
+              <a:t>2022</a:t>
+            </a:r>
+          </a:p>
+        </p:txBody>
+      </p:sp>
+      <p:sp>
+        <p:nvSpPr>
+          <p:cNvPr id="4" name="Slide Number Placeholder 3">
+            <a:extLst>
+              <a:ext uri="{FF2B5EF4-FFF2-40B4-BE49-F238E27FC236}">
+                <a16:creationId xmlns:a16="http://schemas.microsoft.com/office/drawing/2014/main" id="{AC0EC6D8-4D66-4B16-AD3F-2850D613518A}"/>
+              </a:ext>
+            </a:extLst>
+          </p:cNvPr>
+          <p:cNvSpPr>
+            <a:spLocks noGrp="1"/>
+          </p:cNvSpPr>
+          <p:nvPr>
+            <p:ph type="sldNum" sz="quarter" idx="12"/>
+          </p:nvPr>
+        </p:nvSpPr>
+        <p:spPr>
+          <a:xfrm>
+            <a:off x="11365992" y="6356350"/>
+            <a:ext cx="630936" cy="365125"/>
+          </a:xfrm>
+        </p:spPr>
+        <p:txBody>
+          <a:bodyPr vert="horz" lIns="91440" tIns="45720" rIns="91440" bIns="45720" rtlCol="0" anchor="ctr">
+            <a:normAutofit/>
+          </a:bodyPr>
+          <a:lstStyle/>
+          <a:p>
+            <a:pPr lvl="0">
+              <a:spcAft>
+                <a:spcPts val="600"/>
+              </a:spcAft>
+            </a:pPr>
+            <a:fld id="{06B786C7-B8F9-4072-AAAA-17258464D730}" type="slidenum">
+              <a:rPr lang="en-US" noProof="0" smtClean="0"/>
+              <a:pPr lvl="0">
+                <a:spcAft>
+                  <a:spcPts val="600"/>
+                </a:spcAft>
+              </a:pPr>
+              <a:t>12</a:t>
+            </a:fld>
+            <a:endParaRPr lang="en-US" noProof="0" dirty="0"/>
+          </a:p>
+        </p:txBody>
+      </p:sp>
+      <p:pic>
+        <p:nvPicPr>
+          <p:cNvPr id="5" name="Picture 4">
+            <a:extLst>
+              <a:ext uri="{FF2B5EF4-FFF2-40B4-BE49-F238E27FC236}">
+                <a16:creationId xmlns:a16="http://schemas.microsoft.com/office/drawing/2014/main" id="{197CCC22-B271-4EDC-F0F5-1D9BABAC137E}"/>
+              </a:ext>
+            </a:extLst>
+          </p:cNvPr>
+          <p:cNvPicPr>
+            <a:picLocks noChangeAspect="1"/>
+          </p:cNvPicPr>
+          <p:nvPr/>
+        </p:nvPicPr>
+        <p:blipFill rotWithShape="1">
+          <a:blip r:embed="rId4"/>
+          <a:srcRect l="5370" r="6416"/>
+          <a:stretch/>
+        </p:blipFill>
+        <p:spPr>
+          <a:xfrm>
+            <a:off x="86923" y="47601"/>
+            <a:ext cx="819106" cy="792789"/>
+          </a:xfrm>
+          <a:prstGeom prst="rect">
+            <a:avLst/>
+          </a:prstGeom>
+        </p:spPr>
+      </p:pic>
+      <p:pic>
+        <p:nvPicPr>
+          <p:cNvPr id="7" name="Picture 6">
+            <a:extLst>
+              <a:ext uri="{FF2B5EF4-FFF2-40B4-BE49-F238E27FC236}">
+                <a16:creationId xmlns:a16="http://schemas.microsoft.com/office/drawing/2014/main" id="{BDF2A053-4E75-6108-FF19-E0103C4D280E}"/>
+              </a:ext>
+            </a:extLst>
+          </p:cNvPr>
+          <p:cNvPicPr>
+            <a:picLocks noChangeAspect="1"/>
+          </p:cNvPicPr>
+          <p:nvPr/>
+        </p:nvPicPr>
+        <p:blipFill rotWithShape="1">
+          <a:blip r:embed="rId5"/>
+          <a:srcRect l="28106" b="9274"/>
+          <a:stretch/>
+        </p:blipFill>
+        <p:spPr>
+          <a:xfrm>
+            <a:off x="2064604" y="4499079"/>
+            <a:ext cx="9305637" cy="1927866"/>
+          </a:xfrm>
+          <a:prstGeom prst="rect">
+            <a:avLst/>
+          </a:prstGeom>
+        </p:spPr>
+      </p:pic>
+      <p:pic>
+        <p:nvPicPr>
+          <p:cNvPr id="11" name="Picture 10">
+            <a:extLst>
+              <a:ext uri="{FF2B5EF4-FFF2-40B4-BE49-F238E27FC236}">
+                <a16:creationId xmlns:a16="http://schemas.microsoft.com/office/drawing/2014/main" id="{77E01423-C9E6-B4A7-A085-7E0FE5BB3B0B}"/>
+              </a:ext>
+            </a:extLst>
+          </p:cNvPr>
+          <p:cNvPicPr>
+            <a:picLocks noChangeAspect="1"/>
+          </p:cNvPicPr>
+          <p:nvPr/>
+        </p:nvPicPr>
+        <p:blipFill rotWithShape="1">
+          <a:blip r:embed="rId6"/>
+          <a:srcRect b="32093"/>
+          <a:stretch/>
+        </p:blipFill>
+        <p:spPr>
+          <a:xfrm>
+            <a:off x="2012533" y="3347422"/>
+            <a:ext cx="3820702" cy="1140413"/>
+          </a:xfrm>
+          <a:prstGeom prst="rect">
+            <a:avLst/>
+          </a:prstGeom>
+        </p:spPr>
+      </p:pic>
+      <p:pic>
+        <p:nvPicPr>
+          <p:cNvPr id="13" name="Picture 12">
+            <a:extLst>
+              <a:ext uri="{FF2B5EF4-FFF2-40B4-BE49-F238E27FC236}">
+                <a16:creationId xmlns:a16="http://schemas.microsoft.com/office/drawing/2014/main" id="{6CCF23B1-D850-0EB7-F60C-C72A9D5668A8}"/>
+              </a:ext>
+            </a:extLst>
+          </p:cNvPr>
+          <p:cNvPicPr>
+            <a:picLocks noChangeAspect="1"/>
+          </p:cNvPicPr>
+          <p:nvPr/>
+        </p:nvPicPr>
+        <p:blipFill rotWithShape="1">
+          <a:blip r:embed="rId6"/>
+          <a:srcRect t="67907"/>
+          <a:stretch/>
+        </p:blipFill>
+        <p:spPr>
+          <a:xfrm>
+            <a:off x="5890051" y="3948872"/>
+            <a:ext cx="3820702" cy="538963"/>
+          </a:xfrm>
+          <a:prstGeom prst="rect">
+            <a:avLst/>
+          </a:prstGeom>
+        </p:spPr>
+      </p:pic>
+      <p:pic>
+        <p:nvPicPr>
+          <p:cNvPr id="15" name="Picture 14">
+            <a:extLst>
+              <a:ext uri="{FF2B5EF4-FFF2-40B4-BE49-F238E27FC236}">
+                <a16:creationId xmlns:a16="http://schemas.microsoft.com/office/drawing/2014/main" id="{85D27D1B-2115-BC1F-9416-89BF3A27F961}"/>
+              </a:ext>
+            </a:extLst>
+          </p:cNvPr>
+          <p:cNvPicPr>
+            <a:picLocks noChangeAspect="1"/>
+          </p:cNvPicPr>
+          <p:nvPr/>
+        </p:nvPicPr>
+        <p:blipFill rotWithShape="1">
+          <a:blip r:embed="rId7"/>
+          <a:srcRect b="18381"/>
+          <a:stretch/>
+        </p:blipFill>
+        <p:spPr>
+          <a:xfrm>
+            <a:off x="2012533" y="125805"/>
+            <a:ext cx="3718088" cy="1140414"/>
+          </a:xfrm>
+          <a:prstGeom prst="rect">
+            <a:avLst/>
+          </a:prstGeom>
+        </p:spPr>
+      </p:pic>
+      <p:pic>
+        <p:nvPicPr>
+          <p:cNvPr id="17" name="Picture 16">
+            <a:extLst>
+              <a:ext uri="{FF2B5EF4-FFF2-40B4-BE49-F238E27FC236}">
+                <a16:creationId xmlns:a16="http://schemas.microsoft.com/office/drawing/2014/main" id="{52EA1964-46AE-B1EB-C8F5-7CA7D1CB79F5}"/>
+              </a:ext>
+            </a:extLst>
+          </p:cNvPr>
+          <p:cNvPicPr>
+            <a:picLocks noChangeAspect="1"/>
+          </p:cNvPicPr>
+          <p:nvPr/>
+        </p:nvPicPr>
+        <p:blipFill rotWithShape="1">
+          <a:blip r:embed="rId7"/>
+          <a:srcRect t="80477"/>
+          <a:stretch/>
+        </p:blipFill>
+        <p:spPr>
+          <a:xfrm>
+            <a:off x="5873286" y="716595"/>
+            <a:ext cx="3718088" cy="272792"/>
+          </a:xfrm>
+          <a:prstGeom prst="rect">
+            <a:avLst/>
+          </a:prstGeom>
+        </p:spPr>
+      </p:pic>
+      <p:pic>
+        <p:nvPicPr>
+          <p:cNvPr id="20" name="Picture 19">
+            <a:extLst>
+              <a:ext uri="{FF2B5EF4-FFF2-40B4-BE49-F238E27FC236}">
+                <a16:creationId xmlns:a16="http://schemas.microsoft.com/office/drawing/2014/main" id="{73D6A1AA-CF96-8EC9-265A-B5C635F8D888}"/>
+              </a:ext>
+            </a:extLst>
+          </p:cNvPr>
+          <p:cNvPicPr>
+            <a:picLocks noChangeAspect="1"/>
+          </p:cNvPicPr>
+          <p:nvPr/>
+        </p:nvPicPr>
+        <p:blipFill>
+          <a:blip r:embed="rId8"/>
+          <a:stretch>
+            <a:fillRect/>
+          </a:stretch>
+        </p:blipFill>
+        <p:spPr>
+          <a:xfrm>
+            <a:off x="2194557" y="1257490"/>
+            <a:ext cx="9045730" cy="1821829"/>
+          </a:xfrm>
+          <a:prstGeom prst="rect">
+            <a:avLst/>
+          </a:prstGeom>
+        </p:spPr>
+      </p:pic>
+    </p:spTree>
+    <p:extLst>
+      <p:ext uri="{BB962C8B-B14F-4D97-AF65-F5344CB8AC3E}">
+        <p14:creationId xmlns:p14="http://schemas.microsoft.com/office/powerpoint/2010/main" val="3557119477"/>
+      </p:ext>
+    </p:extLst>
+  </p:cSld>
+  <p:clrMapOvr>
+    <a:masterClrMapping/>
+  </p:clrMapOvr>
+</p:sld>
+</file>
+
+<file path=ppt/slides/slide13.xml><?xml version="1.0" encoding="utf-8"?>
 <p:sld xmlns:a="http://schemas.openxmlformats.org/drawingml/2006/main" xmlns:r="http://schemas.openxmlformats.org/officeDocument/2006/relationships" xmlns:p="http://schemas.openxmlformats.org/presentationml/2006/main">
   <p:cSld>
     <p:spTree>
@@ -21022,7 +23173,7 @@
             <a:fld id="{06B786C7-B8F9-4072-AAAA-17258464D730}" type="slidenum">
               <a:rPr lang="en-US" noProof="0" smtClean="0"/>
               <a:pPr lvl="0"/>
-              <a:t>11</a:t>
+              <a:t>13</a:t>
             </a:fld>
             <a:endParaRPr lang="en-US" noProof="0" dirty="0"/>
           </a:p>
@@ -21883,678 +24034,39 @@
           </a:p>
         </p:txBody>
       </p:sp>
+      <p:pic>
+        <p:nvPicPr>
+          <p:cNvPr id="5" name="Picture 4">
+            <a:extLst>
+              <a:ext uri="{FF2B5EF4-FFF2-40B4-BE49-F238E27FC236}">
+                <a16:creationId xmlns:a16="http://schemas.microsoft.com/office/drawing/2014/main" id="{E672F65C-6372-BD35-2EAD-36588FC005A6}"/>
+              </a:ext>
+            </a:extLst>
+          </p:cNvPr>
+          <p:cNvPicPr>
+            <a:picLocks noChangeAspect="1"/>
+          </p:cNvPicPr>
+          <p:nvPr/>
+        </p:nvPicPr>
+        <p:blipFill rotWithShape="1">
+          <a:blip r:embed="rId2"/>
+          <a:srcRect l="5370" r="6416"/>
+          <a:stretch/>
+        </p:blipFill>
+        <p:spPr>
+          <a:xfrm>
+            <a:off x="86923" y="47601"/>
+            <a:ext cx="819106" cy="792789"/>
+          </a:xfrm>
+          <a:prstGeom prst="rect">
+            <a:avLst/>
+          </a:prstGeom>
+        </p:spPr>
+      </p:pic>
     </p:spTree>
     <p:extLst>
       <p:ext uri="{BB962C8B-B14F-4D97-AF65-F5344CB8AC3E}">
         <p14:creationId xmlns:p14="http://schemas.microsoft.com/office/powerpoint/2010/main" val="2119425584"/>
-      </p:ext>
-    </p:extLst>
-  </p:cSld>
-  <p:clrMapOvr>
-    <a:masterClrMapping/>
-  </p:clrMapOvr>
-</p:sld>
-</file>
-
-<file path=ppt/slides/slide12.xml><?xml version="1.0" encoding="utf-8"?>
-<p:sld xmlns:a="http://schemas.openxmlformats.org/drawingml/2006/main" xmlns:r="http://schemas.openxmlformats.org/officeDocument/2006/relationships" xmlns:p="http://schemas.openxmlformats.org/presentationml/2006/main">
-  <p:cSld>
-    <p:spTree>
-      <p:nvGrpSpPr>
-        <p:cNvPr id="1" name=""/>
-        <p:cNvGrpSpPr/>
-        <p:nvPr/>
-      </p:nvGrpSpPr>
-      <p:grpSpPr>
-        <a:xfrm>
-          <a:off x="0" y="0"/>
-          <a:ext cx="0" cy="0"/>
-          <a:chOff x="0" y="0"/>
-          <a:chExt cx="0" cy="0"/>
-        </a:xfrm>
-      </p:grpSpPr>
-      <p:sp>
-        <p:nvSpPr>
-          <p:cNvPr id="41" name="Title 40">
-            <a:extLst>
-              <a:ext uri="{FF2B5EF4-FFF2-40B4-BE49-F238E27FC236}">
-                <a16:creationId xmlns:a16="http://schemas.microsoft.com/office/drawing/2014/main" id="{0622F47C-D986-4C50-BD14-2C1E537C27FB}"/>
-              </a:ext>
-            </a:extLst>
-          </p:cNvPr>
-          <p:cNvSpPr>
-            <a:spLocks noGrp="1"/>
-          </p:cNvSpPr>
-          <p:nvPr>
-            <p:ph type="title"/>
-          </p:nvPr>
-        </p:nvSpPr>
-        <p:spPr>
-          <a:xfrm>
-            <a:off x="1879600" y="183988"/>
-            <a:ext cx="9406372" cy="803380"/>
-          </a:xfrm>
-        </p:spPr>
-        <p:txBody>
-          <a:bodyPr>
-            <a:normAutofit fontScale="90000"/>
-          </a:bodyPr>
-          <a:lstStyle/>
-          <a:p>
-            <a:r>
-              <a:rPr lang="en-US" dirty="0"/>
-              <a:t>Engagement</a:t>
-            </a:r>
-          </a:p>
-        </p:txBody>
-      </p:sp>
-      <p:sp>
-        <p:nvSpPr>
-          <p:cNvPr id="12" name="Text Placeholder 11">
-            <a:extLst>
-              <a:ext uri="{FF2B5EF4-FFF2-40B4-BE49-F238E27FC236}">
-                <a16:creationId xmlns:a16="http://schemas.microsoft.com/office/drawing/2014/main" id="{D05AC8F8-F459-42EB-AA23-F556AEDD721A}"/>
-              </a:ext>
-            </a:extLst>
-          </p:cNvPr>
-          <p:cNvSpPr>
-            <a:spLocks noGrp="1"/>
-          </p:cNvSpPr>
-          <p:nvPr>
-            <p:ph type="body" sz="quarter" idx="14"/>
-          </p:nvPr>
-        </p:nvSpPr>
-        <p:spPr>
-          <a:xfrm>
-            <a:off x="851300" y="1764193"/>
-            <a:ext cx="3327366" cy="597604"/>
-          </a:xfrm>
-        </p:spPr>
-        <p:txBody>
-          <a:bodyPr/>
-          <a:lstStyle/>
-          <a:p>
-            <a:r>
-              <a:rPr lang="en-US" dirty="0"/>
-              <a:t>Subtitle</a:t>
-            </a:r>
-          </a:p>
-        </p:txBody>
-      </p:sp>
-      <p:sp>
-        <p:nvSpPr>
-          <p:cNvPr id="11" name="Content Placeholder 10">
-            <a:extLst>
-              <a:ext uri="{FF2B5EF4-FFF2-40B4-BE49-F238E27FC236}">
-                <a16:creationId xmlns:a16="http://schemas.microsoft.com/office/drawing/2014/main" id="{DFFE8322-74A2-43C3-B71A-8DD6B2DC0DF8}"/>
-              </a:ext>
-            </a:extLst>
-          </p:cNvPr>
-          <p:cNvSpPr>
-            <a:spLocks noGrp="1"/>
-          </p:cNvSpPr>
-          <p:nvPr>
-            <p:ph type="body" sz="quarter" idx="19"/>
-          </p:nvPr>
-        </p:nvSpPr>
-        <p:spPr>
-          <a:xfrm>
-            <a:off x="851193" y="2374899"/>
-            <a:ext cx="3327366" cy="3485573"/>
-          </a:xfrm>
-        </p:spPr>
-        <p:txBody>
-          <a:bodyPr>
-            <a:normAutofit/>
-          </a:bodyPr>
-          <a:lstStyle/>
-          <a:p>
-            <a:pPr marL="0" lvl="0" indent="0">
-              <a:buNone/>
-            </a:pPr>
-            <a:r>
-              <a:rPr lang="en-US" dirty="0"/>
-              <a:t>text</a:t>
-            </a:r>
-          </a:p>
-        </p:txBody>
-      </p:sp>
-      <p:sp>
-        <p:nvSpPr>
-          <p:cNvPr id="16" name="Text Placeholder 15">
-            <a:extLst>
-              <a:ext uri="{FF2B5EF4-FFF2-40B4-BE49-F238E27FC236}">
-                <a16:creationId xmlns:a16="http://schemas.microsoft.com/office/drawing/2014/main" id="{88417E53-E35C-4BA6-B238-61D2C004A237}"/>
-              </a:ext>
-            </a:extLst>
-          </p:cNvPr>
-          <p:cNvSpPr>
-            <a:spLocks noGrp="1"/>
-          </p:cNvSpPr>
-          <p:nvPr>
-            <p:ph type="body" sz="quarter" idx="18"/>
-          </p:nvPr>
-        </p:nvSpPr>
-        <p:spPr>
-          <a:xfrm>
-            <a:off x="4432317" y="1764193"/>
-            <a:ext cx="3327366" cy="597604"/>
-          </a:xfrm>
-        </p:spPr>
-        <p:txBody>
-          <a:bodyPr/>
-          <a:lstStyle/>
-          <a:p>
-            <a:r>
-              <a:rPr lang="en-US" dirty="0"/>
-              <a:t>Subtitle</a:t>
-            </a:r>
-          </a:p>
-        </p:txBody>
-      </p:sp>
-      <p:sp>
-        <p:nvSpPr>
-          <p:cNvPr id="13" name="Content Placeholder 12">
-            <a:extLst>
-              <a:ext uri="{FF2B5EF4-FFF2-40B4-BE49-F238E27FC236}">
-                <a16:creationId xmlns:a16="http://schemas.microsoft.com/office/drawing/2014/main" id="{32AA922F-7FCE-49A0-92E0-60263B0E006A}"/>
-              </a:ext>
-            </a:extLst>
-          </p:cNvPr>
-          <p:cNvSpPr>
-            <a:spLocks noGrp="1"/>
-          </p:cNvSpPr>
-          <p:nvPr>
-            <p:ph type="body" sz="quarter" idx="20"/>
-          </p:nvPr>
-        </p:nvSpPr>
-        <p:spPr>
-          <a:xfrm>
-            <a:off x="4432317" y="2374899"/>
-            <a:ext cx="3327366" cy="3485573"/>
-          </a:xfrm>
-        </p:spPr>
-        <p:txBody>
-          <a:bodyPr>
-            <a:normAutofit/>
-          </a:bodyPr>
-          <a:lstStyle/>
-          <a:p>
-            <a:pPr marL="0" indent="0">
-              <a:buNone/>
-            </a:pPr>
-            <a:r>
-              <a:rPr lang="en-US" dirty="0"/>
-              <a:t>This is content from “growth strategy”, rename other to “growth”, show and explain benefit to users, income </a:t>
-            </a:r>
-            <a:r>
-              <a:rPr lang="en-US" dirty="0" err="1"/>
-              <a:t>etc</a:t>
-            </a:r>
-            <a:r>
-              <a:rPr lang="en-US" dirty="0"/>
-              <a:t> from the engagement tactics</a:t>
-            </a:r>
-          </a:p>
-        </p:txBody>
-      </p:sp>
-      <p:sp>
-        <p:nvSpPr>
-          <p:cNvPr id="14" name="Text Placeholder 13">
-            <a:extLst>
-              <a:ext uri="{FF2B5EF4-FFF2-40B4-BE49-F238E27FC236}">
-                <a16:creationId xmlns:a16="http://schemas.microsoft.com/office/drawing/2014/main" id="{94D68F73-4FB1-4145-BF89-FE36142E5100}"/>
-              </a:ext>
-            </a:extLst>
-          </p:cNvPr>
-          <p:cNvSpPr>
-            <a:spLocks noGrp="1"/>
-          </p:cNvSpPr>
-          <p:nvPr>
-            <p:ph type="body" sz="quarter" idx="16"/>
-          </p:nvPr>
-        </p:nvSpPr>
-        <p:spPr>
-          <a:xfrm>
-            <a:off x="8025393" y="1764193"/>
-            <a:ext cx="3327366" cy="597604"/>
-          </a:xfrm>
-        </p:spPr>
-        <p:txBody>
-          <a:bodyPr/>
-          <a:lstStyle/>
-          <a:p>
-            <a:r>
-              <a:rPr lang="en-US" dirty="0"/>
-              <a:t>Subtitle</a:t>
-            </a:r>
-          </a:p>
-        </p:txBody>
-      </p:sp>
-      <p:sp>
-        <p:nvSpPr>
-          <p:cNvPr id="15" name="Content Placeholder 14">
-            <a:extLst>
-              <a:ext uri="{FF2B5EF4-FFF2-40B4-BE49-F238E27FC236}">
-                <a16:creationId xmlns:a16="http://schemas.microsoft.com/office/drawing/2014/main" id="{967F3EB6-BBF7-400D-831B-2949763446D0}"/>
-              </a:ext>
-            </a:extLst>
-          </p:cNvPr>
-          <p:cNvSpPr>
-            <a:spLocks noGrp="1"/>
-          </p:cNvSpPr>
-          <p:nvPr>
-            <p:ph type="body" sz="quarter" idx="21"/>
-          </p:nvPr>
-        </p:nvSpPr>
-        <p:spPr>
-          <a:xfrm>
-            <a:off x="8025393" y="2374899"/>
-            <a:ext cx="3327366" cy="3485573"/>
-          </a:xfrm>
-        </p:spPr>
-        <p:txBody>
-          <a:bodyPr>
-            <a:normAutofit/>
-          </a:bodyPr>
-          <a:lstStyle/>
-          <a:p>
-            <a:pPr marL="0" indent="0">
-              <a:buNone/>
-            </a:pPr>
-            <a:r>
-              <a:rPr lang="en-US" dirty="0"/>
-              <a:t>text</a:t>
-            </a:r>
-          </a:p>
-        </p:txBody>
-      </p:sp>
-      <p:sp>
-        <p:nvSpPr>
-          <p:cNvPr id="2" name="Footer Placeholder 1">
-            <a:extLst>
-              <a:ext uri="{FF2B5EF4-FFF2-40B4-BE49-F238E27FC236}">
-                <a16:creationId xmlns:a16="http://schemas.microsoft.com/office/drawing/2014/main" id="{2C20C49D-5E38-4E7C-A240-4B2D015F3AC7}"/>
-              </a:ext>
-            </a:extLst>
-          </p:cNvPr>
-          <p:cNvSpPr>
-            <a:spLocks noGrp="1"/>
-          </p:cNvSpPr>
-          <p:nvPr>
-            <p:ph type="ftr" sz="quarter" idx="11"/>
-          </p:nvPr>
-        </p:nvSpPr>
-        <p:spPr>
-          <a:xfrm>
-            <a:off x="201168" y="6356350"/>
-            <a:ext cx="4837176" cy="365125"/>
-          </a:xfrm>
-        </p:spPr>
-        <p:txBody>
-          <a:bodyPr/>
-          <a:lstStyle/>
-          <a:p>
-            <a:pPr lvl="0"/>
-            <a:r>
-              <a:rPr lang="en-US" noProof="0" dirty="0"/>
-              <a:t>OutDig</a:t>
-            </a:r>
-          </a:p>
-        </p:txBody>
-      </p:sp>
-      <p:sp>
-        <p:nvSpPr>
-          <p:cNvPr id="3" name="Date Placeholder 2">
-            <a:extLst>
-              <a:ext uri="{FF2B5EF4-FFF2-40B4-BE49-F238E27FC236}">
-                <a16:creationId xmlns:a16="http://schemas.microsoft.com/office/drawing/2014/main" id="{9CE6D34A-9686-45B2-97D0-AD20167B2D54}"/>
-              </a:ext>
-            </a:extLst>
-          </p:cNvPr>
-          <p:cNvSpPr>
-            <a:spLocks noGrp="1"/>
-          </p:cNvSpPr>
-          <p:nvPr>
-            <p:ph type="dt" sz="half" idx="10"/>
-          </p:nvPr>
-        </p:nvSpPr>
-        <p:spPr>
-          <a:xfrm>
-            <a:off x="7013448" y="6355080"/>
-            <a:ext cx="4352544" cy="365125"/>
-          </a:xfrm>
-        </p:spPr>
-        <p:txBody>
-          <a:bodyPr/>
-          <a:lstStyle/>
-          <a:p>
-            <a:pPr lvl="0"/>
-            <a:r>
-              <a:rPr lang="en-US" noProof="0" dirty="0"/>
-              <a:t>2022</a:t>
-            </a:r>
-          </a:p>
-        </p:txBody>
-      </p:sp>
-      <p:sp>
-        <p:nvSpPr>
-          <p:cNvPr id="4" name="Slide Number Placeholder 3">
-            <a:extLst>
-              <a:ext uri="{FF2B5EF4-FFF2-40B4-BE49-F238E27FC236}">
-                <a16:creationId xmlns:a16="http://schemas.microsoft.com/office/drawing/2014/main" id="{AC0EC6D8-4D66-4B16-AD3F-2850D613518A}"/>
-              </a:ext>
-            </a:extLst>
-          </p:cNvPr>
-          <p:cNvSpPr>
-            <a:spLocks noGrp="1"/>
-          </p:cNvSpPr>
-          <p:nvPr>
-            <p:ph type="sldNum" sz="quarter" idx="12"/>
-          </p:nvPr>
-        </p:nvSpPr>
-        <p:spPr>
-          <a:xfrm>
-            <a:off x="11365992" y="6356350"/>
-            <a:ext cx="630936" cy="365125"/>
-          </a:xfrm>
-        </p:spPr>
-        <p:txBody>
-          <a:bodyPr/>
-          <a:lstStyle/>
-          <a:p>
-            <a:pPr lvl="0"/>
-            <a:fld id="{06B786C7-B8F9-4072-AAAA-17258464D730}" type="slidenum">
-              <a:rPr lang="en-US" noProof="0" smtClean="0"/>
-              <a:pPr lvl="0"/>
-              <a:t>12</a:t>
-            </a:fld>
-            <a:endParaRPr lang="en-US" noProof="0" dirty="0"/>
-          </a:p>
-        </p:txBody>
-      </p:sp>
-    </p:spTree>
-    <p:extLst>
-      <p:ext uri="{BB962C8B-B14F-4D97-AF65-F5344CB8AC3E}">
-        <p14:creationId xmlns:p14="http://schemas.microsoft.com/office/powerpoint/2010/main" val="1041430324"/>
-      </p:ext>
-    </p:extLst>
-  </p:cSld>
-  <p:clrMapOvr>
-    <a:masterClrMapping/>
-  </p:clrMapOvr>
-</p:sld>
-</file>
-
-<file path=ppt/slides/slide13.xml><?xml version="1.0" encoding="utf-8"?>
-<p:sld xmlns:a="http://schemas.openxmlformats.org/drawingml/2006/main" xmlns:r="http://schemas.openxmlformats.org/officeDocument/2006/relationships" xmlns:p="http://schemas.openxmlformats.org/presentationml/2006/main">
-  <p:cSld>
-    <p:spTree>
-      <p:nvGrpSpPr>
-        <p:cNvPr id="1" name=""/>
-        <p:cNvGrpSpPr/>
-        <p:nvPr/>
-      </p:nvGrpSpPr>
-      <p:grpSpPr>
-        <a:xfrm>
-          <a:off x="0" y="0"/>
-          <a:ext cx="0" cy="0"/>
-          <a:chOff x="0" y="0"/>
-          <a:chExt cx="0" cy="0"/>
-        </a:xfrm>
-      </p:grpSpPr>
-      <p:sp>
-        <p:nvSpPr>
-          <p:cNvPr id="25" name="Title 24">
-            <a:extLst>
-              <a:ext uri="{FF2B5EF4-FFF2-40B4-BE49-F238E27FC236}">
-                <a16:creationId xmlns:a16="http://schemas.microsoft.com/office/drawing/2014/main" id="{330F6403-11BB-440A-81D1-11DAFA7ABF5D}"/>
-              </a:ext>
-            </a:extLst>
-          </p:cNvPr>
-          <p:cNvSpPr>
-            <a:spLocks noGrp="1"/>
-          </p:cNvSpPr>
-          <p:nvPr>
-            <p:ph type="title"/>
-          </p:nvPr>
-        </p:nvSpPr>
-        <p:spPr>
-          <a:xfrm>
-            <a:off x="1000759" y="194783"/>
-            <a:ext cx="10022841" cy="760892"/>
-          </a:xfrm>
-        </p:spPr>
-        <p:txBody>
-          <a:bodyPr>
-            <a:normAutofit fontScale="90000"/>
-          </a:bodyPr>
-          <a:lstStyle/>
-          <a:p>
-            <a:pPr algn="r"/>
-            <a:r>
-              <a:rPr lang="en-US" dirty="0"/>
-              <a:t>Growth Strategy</a:t>
-            </a:r>
-          </a:p>
-        </p:txBody>
-      </p:sp>
-      <p:sp>
-        <p:nvSpPr>
-          <p:cNvPr id="4" name="Footer Placeholder 3">
-            <a:extLst>
-              <a:ext uri="{FF2B5EF4-FFF2-40B4-BE49-F238E27FC236}">
-                <a16:creationId xmlns:a16="http://schemas.microsoft.com/office/drawing/2014/main" id="{1C63F48C-BFC1-4227-8BB0-C06C473D6F55}"/>
-              </a:ext>
-            </a:extLst>
-          </p:cNvPr>
-          <p:cNvSpPr>
-            <a:spLocks noGrp="1"/>
-          </p:cNvSpPr>
-          <p:nvPr>
-            <p:ph type="ftr" sz="quarter" idx="11"/>
-          </p:nvPr>
-        </p:nvSpPr>
-        <p:spPr>
-          <a:xfrm>
-            <a:off x="201168" y="6356350"/>
-            <a:ext cx="4837176" cy="365125"/>
-          </a:xfrm>
-        </p:spPr>
-        <p:txBody>
-          <a:bodyPr/>
-          <a:lstStyle/>
-          <a:p>
-            <a:pPr lvl="0"/>
-            <a:r>
-              <a:rPr lang="en-US" noProof="0" dirty="0"/>
-              <a:t>OutDig</a:t>
-            </a:r>
-          </a:p>
-        </p:txBody>
-      </p:sp>
-      <p:sp>
-        <p:nvSpPr>
-          <p:cNvPr id="3" name="Date Placeholder 2">
-            <a:extLst>
-              <a:ext uri="{FF2B5EF4-FFF2-40B4-BE49-F238E27FC236}">
-                <a16:creationId xmlns:a16="http://schemas.microsoft.com/office/drawing/2014/main" id="{1E532E67-6C01-41FF-AA5B-AEEE3DFA51CB}"/>
-              </a:ext>
-            </a:extLst>
-          </p:cNvPr>
-          <p:cNvSpPr>
-            <a:spLocks noGrp="1"/>
-          </p:cNvSpPr>
-          <p:nvPr>
-            <p:ph type="dt" sz="half" idx="10"/>
-          </p:nvPr>
-        </p:nvSpPr>
-        <p:spPr>
-          <a:xfrm>
-            <a:off x="7013448" y="6355080"/>
-            <a:ext cx="4352544" cy="365125"/>
-          </a:xfrm>
-        </p:spPr>
-        <p:txBody>
-          <a:bodyPr/>
-          <a:lstStyle/>
-          <a:p>
-            <a:pPr lvl="0"/>
-            <a:r>
-              <a:rPr lang="en-US" noProof="0" dirty="0"/>
-              <a:t>2022</a:t>
-            </a:r>
-          </a:p>
-        </p:txBody>
-      </p:sp>
-      <p:sp>
-        <p:nvSpPr>
-          <p:cNvPr id="5" name="Slide Number Placeholder 4">
-            <a:extLst>
-              <a:ext uri="{FF2B5EF4-FFF2-40B4-BE49-F238E27FC236}">
-                <a16:creationId xmlns:a16="http://schemas.microsoft.com/office/drawing/2014/main" id="{AA33C4C9-9778-4A59-9001-6EC6F52349CA}"/>
-              </a:ext>
-            </a:extLst>
-          </p:cNvPr>
-          <p:cNvSpPr>
-            <a:spLocks noGrp="1"/>
-          </p:cNvSpPr>
-          <p:nvPr>
-            <p:ph type="sldNum" sz="quarter" idx="12"/>
-          </p:nvPr>
-        </p:nvSpPr>
-        <p:spPr>
-          <a:xfrm>
-            <a:off x="11365992" y="6356350"/>
-            <a:ext cx="630936" cy="365125"/>
-          </a:xfrm>
-        </p:spPr>
-        <p:txBody>
-          <a:bodyPr/>
-          <a:lstStyle/>
-          <a:p>
-            <a:pPr lvl="0"/>
-            <a:fld id="{06B786C7-B8F9-4072-AAAA-17258464D730}" type="slidenum">
-              <a:rPr lang="en-US" noProof="0" smtClean="0"/>
-              <a:pPr lvl="0"/>
-              <a:t>13</a:t>
-            </a:fld>
-            <a:endParaRPr lang="en-US" noProof="0" dirty="0"/>
-          </a:p>
-        </p:txBody>
-      </p:sp>
-      <p:sp>
-        <p:nvSpPr>
-          <p:cNvPr id="6" name="Content Placeholder 5">
-            <a:extLst>
-              <a:ext uri="{FF2B5EF4-FFF2-40B4-BE49-F238E27FC236}">
-                <a16:creationId xmlns:a16="http://schemas.microsoft.com/office/drawing/2014/main" id="{B3EC07CF-0B58-D0FC-6837-9D9500A1AE26}"/>
-              </a:ext>
-            </a:extLst>
-          </p:cNvPr>
-          <p:cNvSpPr>
-            <a:spLocks noGrp="1"/>
-          </p:cNvSpPr>
-          <p:nvPr>
-            <p:ph sz="quarter" idx="14"/>
-          </p:nvPr>
-        </p:nvSpPr>
-        <p:spPr>
-          <a:xfrm>
-            <a:off x="646111" y="1560513"/>
-            <a:ext cx="10967623" cy="4341812"/>
-          </a:xfrm>
-        </p:spPr>
-        <p:txBody>
-          <a:bodyPr>
-            <a:normAutofit/>
-          </a:bodyPr>
-          <a:lstStyle/>
-          <a:p>
-            <a:pPr marL="0" indent="0">
-              <a:buNone/>
-            </a:pPr>
-            <a:r>
-              <a:rPr lang="en-GB" dirty="0"/>
-              <a:t>- Onboarding process for new users</a:t>
-            </a:r>
-          </a:p>
-          <a:p>
-            <a:pPr>
-              <a:buFontTx/>
-              <a:buChar char="-"/>
-            </a:pPr>
-            <a:r>
-              <a:rPr lang="en-GB" dirty="0"/>
-              <a:t>No account required, but recommended and rewarded</a:t>
-            </a:r>
-          </a:p>
-          <a:p>
-            <a:pPr>
-              <a:buFontTx/>
-              <a:buChar char="-"/>
-            </a:pPr>
-            <a:r>
-              <a:rPr lang="en-GB" dirty="0"/>
-              <a:t>Linking with socials rewarded, scaling rewards for inviting friends to the game</a:t>
-            </a:r>
-          </a:p>
-          <a:p>
-            <a:pPr>
-              <a:buFontTx/>
-              <a:buChar char="-"/>
-            </a:pPr>
-            <a:r>
-              <a:rPr lang="en-GB" dirty="0"/>
-              <a:t>Reward multiple loot boxes that each take an amount of time to open for free</a:t>
-            </a:r>
-          </a:p>
-          <a:p>
-            <a:pPr>
-              <a:buFontTx/>
-              <a:buChar char="-"/>
-            </a:pPr>
-            <a:r>
-              <a:rPr lang="en-GB" dirty="0"/>
-              <a:t>Targeted &amp; tailored push notifications</a:t>
-            </a:r>
-          </a:p>
-          <a:p>
-            <a:pPr>
-              <a:buFontTx/>
-              <a:buChar char="-"/>
-            </a:pPr>
-            <a:r>
-              <a:rPr lang="en-GB" dirty="0"/>
-              <a:t>Daily, weekly and monthly competitions</a:t>
-            </a:r>
-          </a:p>
-          <a:p>
-            <a:pPr>
-              <a:buFontTx/>
-              <a:buChar char="-"/>
-            </a:pPr>
-            <a:r>
-              <a:rPr lang="en-GB" dirty="0"/>
-              <a:t>Seasonal events Halloween Christmas etc</a:t>
-            </a:r>
-          </a:p>
-          <a:p>
-            <a:pPr>
-              <a:buFontTx/>
-              <a:buChar char="-"/>
-            </a:pPr>
-            <a:r>
-              <a:rPr lang="en-GB" dirty="0"/>
-              <a:t>Keep track of analytics to identify strong and weak areas</a:t>
-            </a:r>
-          </a:p>
-        </p:txBody>
-      </p:sp>
-    </p:spTree>
-    <p:extLst>
-      <p:ext uri="{BB962C8B-B14F-4D97-AF65-F5344CB8AC3E}">
-        <p14:creationId xmlns:p14="http://schemas.microsoft.com/office/powerpoint/2010/main" val="1725933328"/>
       </p:ext>
     </p:extLst>
   </p:cSld>
@@ -22583,6 +24095,732 @@
       </p:grpSpPr>
       <p:sp>
         <p:nvSpPr>
+          <p:cNvPr id="41" name="Title 40">
+            <a:extLst>
+              <a:ext uri="{FF2B5EF4-FFF2-40B4-BE49-F238E27FC236}">
+                <a16:creationId xmlns:a16="http://schemas.microsoft.com/office/drawing/2014/main" id="{0622F47C-D986-4C50-BD14-2C1E537C27FB}"/>
+              </a:ext>
+            </a:extLst>
+          </p:cNvPr>
+          <p:cNvSpPr>
+            <a:spLocks noGrp="1"/>
+          </p:cNvSpPr>
+          <p:nvPr>
+            <p:ph type="title"/>
+          </p:nvPr>
+        </p:nvSpPr>
+        <p:spPr>
+          <a:xfrm>
+            <a:off x="1879600" y="183988"/>
+            <a:ext cx="9406372" cy="803380"/>
+          </a:xfrm>
+        </p:spPr>
+        <p:txBody>
+          <a:bodyPr>
+            <a:normAutofit fontScale="90000"/>
+          </a:bodyPr>
+          <a:lstStyle/>
+          <a:p>
+            <a:r>
+              <a:rPr lang="en-US" dirty="0"/>
+              <a:t>Engagement</a:t>
+            </a:r>
+          </a:p>
+        </p:txBody>
+      </p:sp>
+      <p:sp>
+        <p:nvSpPr>
+          <p:cNvPr id="12" name="Text Placeholder 11">
+            <a:extLst>
+              <a:ext uri="{FF2B5EF4-FFF2-40B4-BE49-F238E27FC236}">
+                <a16:creationId xmlns:a16="http://schemas.microsoft.com/office/drawing/2014/main" id="{D05AC8F8-F459-42EB-AA23-F556AEDD721A}"/>
+              </a:ext>
+            </a:extLst>
+          </p:cNvPr>
+          <p:cNvSpPr>
+            <a:spLocks noGrp="1"/>
+          </p:cNvSpPr>
+          <p:nvPr>
+            <p:ph type="body" sz="quarter" idx="14"/>
+          </p:nvPr>
+        </p:nvSpPr>
+        <p:spPr>
+          <a:xfrm>
+            <a:off x="851300" y="1764193"/>
+            <a:ext cx="3327366" cy="597604"/>
+          </a:xfrm>
+        </p:spPr>
+        <p:txBody>
+          <a:bodyPr/>
+          <a:lstStyle/>
+          <a:p>
+            <a:r>
+              <a:rPr lang="en-US" dirty="0"/>
+              <a:t>Subtitle</a:t>
+            </a:r>
+          </a:p>
+        </p:txBody>
+      </p:sp>
+      <p:sp>
+        <p:nvSpPr>
+          <p:cNvPr id="11" name="Content Placeholder 10">
+            <a:extLst>
+              <a:ext uri="{FF2B5EF4-FFF2-40B4-BE49-F238E27FC236}">
+                <a16:creationId xmlns:a16="http://schemas.microsoft.com/office/drawing/2014/main" id="{DFFE8322-74A2-43C3-B71A-8DD6B2DC0DF8}"/>
+              </a:ext>
+            </a:extLst>
+          </p:cNvPr>
+          <p:cNvSpPr>
+            <a:spLocks noGrp="1"/>
+          </p:cNvSpPr>
+          <p:nvPr>
+            <p:ph type="body" sz="quarter" idx="19"/>
+          </p:nvPr>
+        </p:nvSpPr>
+        <p:spPr>
+          <a:xfrm>
+            <a:off x="851193" y="2374899"/>
+            <a:ext cx="3327366" cy="3485573"/>
+          </a:xfrm>
+        </p:spPr>
+        <p:txBody>
+          <a:bodyPr>
+            <a:normAutofit/>
+          </a:bodyPr>
+          <a:lstStyle/>
+          <a:p>
+            <a:pPr marL="0" lvl="0" indent="0">
+              <a:buNone/>
+            </a:pPr>
+            <a:r>
+              <a:rPr lang="en-US" dirty="0"/>
+              <a:t>text</a:t>
+            </a:r>
+          </a:p>
+        </p:txBody>
+      </p:sp>
+      <p:sp>
+        <p:nvSpPr>
+          <p:cNvPr id="16" name="Text Placeholder 15">
+            <a:extLst>
+              <a:ext uri="{FF2B5EF4-FFF2-40B4-BE49-F238E27FC236}">
+                <a16:creationId xmlns:a16="http://schemas.microsoft.com/office/drawing/2014/main" id="{88417E53-E35C-4BA6-B238-61D2C004A237}"/>
+              </a:ext>
+            </a:extLst>
+          </p:cNvPr>
+          <p:cNvSpPr>
+            <a:spLocks noGrp="1"/>
+          </p:cNvSpPr>
+          <p:nvPr>
+            <p:ph type="body" sz="quarter" idx="18"/>
+          </p:nvPr>
+        </p:nvSpPr>
+        <p:spPr>
+          <a:xfrm>
+            <a:off x="4432317" y="1764193"/>
+            <a:ext cx="3327366" cy="597604"/>
+          </a:xfrm>
+        </p:spPr>
+        <p:txBody>
+          <a:bodyPr/>
+          <a:lstStyle/>
+          <a:p>
+            <a:r>
+              <a:rPr lang="en-US" dirty="0"/>
+              <a:t>Subtitle</a:t>
+            </a:r>
+          </a:p>
+        </p:txBody>
+      </p:sp>
+      <p:sp>
+        <p:nvSpPr>
+          <p:cNvPr id="13" name="Content Placeholder 12">
+            <a:extLst>
+              <a:ext uri="{FF2B5EF4-FFF2-40B4-BE49-F238E27FC236}">
+                <a16:creationId xmlns:a16="http://schemas.microsoft.com/office/drawing/2014/main" id="{32AA922F-7FCE-49A0-92E0-60263B0E006A}"/>
+              </a:ext>
+            </a:extLst>
+          </p:cNvPr>
+          <p:cNvSpPr>
+            <a:spLocks noGrp="1"/>
+          </p:cNvSpPr>
+          <p:nvPr>
+            <p:ph type="body" sz="quarter" idx="20"/>
+          </p:nvPr>
+        </p:nvSpPr>
+        <p:spPr>
+          <a:xfrm>
+            <a:off x="4432317" y="2374899"/>
+            <a:ext cx="3327366" cy="3485573"/>
+          </a:xfrm>
+        </p:spPr>
+        <p:txBody>
+          <a:bodyPr>
+            <a:normAutofit/>
+          </a:bodyPr>
+          <a:lstStyle/>
+          <a:p>
+            <a:pPr marL="0" indent="0">
+              <a:buNone/>
+            </a:pPr>
+            <a:r>
+              <a:rPr lang="en-US" dirty="0"/>
+              <a:t>This is content from “growth strategy”, rename other to “growth”, show and explain benefit to users, income </a:t>
+            </a:r>
+            <a:r>
+              <a:rPr lang="en-US" dirty="0" err="1"/>
+              <a:t>etc</a:t>
+            </a:r>
+            <a:r>
+              <a:rPr lang="en-US" dirty="0"/>
+              <a:t> from the engagement tactics</a:t>
+            </a:r>
+          </a:p>
+        </p:txBody>
+      </p:sp>
+      <p:sp>
+        <p:nvSpPr>
+          <p:cNvPr id="14" name="Text Placeholder 13">
+            <a:extLst>
+              <a:ext uri="{FF2B5EF4-FFF2-40B4-BE49-F238E27FC236}">
+                <a16:creationId xmlns:a16="http://schemas.microsoft.com/office/drawing/2014/main" id="{94D68F73-4FB1-4145-BF89-FE36142E5100}"/>
+              </a:ext>
+            </a:extLst>
+          </p:cNvPr>
+          <p:cNvSpPr>
+            <a:spLocks noGrp="1"/>
+          </p:cNvSpPr>
+          <p:nvPr>
+            <p:ph type="body" sz="quarter" idx="16"/>
+          </p:nvPr>
+        </p:nvSpPr>
+        <p:spPr>
+          <a:xfrm>
+            <a:off x="8025393" y="1764193"/>
+            <a:ext cx="3327366" cy="597604"/>
+          </a:xfrm>
+        </p:spPr>
+        <p:txBody>
+          <a:bodyPr/>
+          <a:lstStyle/>
+          <a:p>
+            <a:r>
+              <a:rPr lang="en-US" dirty="0"/>
+              <a:t>Subtitle</a:t>
+            </a:r>
+          </a:p>
+        </p:txBody>
+      </p:sp>
+      <p:sp>
+        <p:nvSpPr>
+          <p:cNvPr id="15" name="Content Placeholder 14">
+            <a:extLst>
+              <a:ext uri="{FF2B5EF4-FFF2-40B4-BE49-F238E27FC236}">
+                <a16:creationId xmlns:a16="http://schemas.microsoft.com/office/drawing/2014/main" id="{967F3EB6-BBF7-400D-831B-2949763446D0}"/>
+              </a:ext>
+            </a:extLst>
+          </p:cNvPr>
+          <p:cNvSpPr>
+            <a:spLocks noGrp="1"/>
+          </p:cNvSpPr>
+          <p:nvPr>
+            <p:ph type="body" sz="quarter" idx="21"/>
+          </p:nvPr>
+        </p:nvSpPr>
+        <p:spPr>
+          <a:xfrm>
+            <a:off x="8025393" y="2374899"/>
+            <a:ext cx="3327366" cy="3485573"/>
+          </a:xfrm>
+        </p:spPr>
+        <p:txBody>
+          <a:bodyPr>
+            <a:normAutofit/>
+          </a:bodyPr>
+          <a:lstStyle/>
+          <a:p>
+            <a:pPr marL="0" indent="0">
+              <a:buNone/>
+            </a:pPr>
+            <a:r>
+              <a:rPr lang="en-US" dirty="0"/>
+              <a:t>text</a:t>
+            </a:r>
+          </a:p>
+        </p:txBody>
+      </p:sp>
+      <p:sp>
+        <p:nvSpPr>
+          <p:cNvPr id="2" name="Footer Placeholder 1">
+            <a:extLst>
+              <a:ext uri="{FF2B5EF4-FFF2-40B4-BE49-F238E27FC236}">
+                <a16:creationId xmlns:a16="http://schemas.microsoft.com/office/drawing/2014/main" id="{2C20C49D-5E38-4E7C-A240-4B2D015F3AC7}"/>
+              </a:ext>
+            </a:extLst>
+          </p:cNvPr>
+          <p:cNvSpPr>
+            <a:spLocks noGrp="1"/>
+          </p:cNvSpPr>
+          <p:nvPr>
+            <p:ph type="ftr" sz="quarter" idx="11"/>
+          </p:nvPr>
+        </p:nvSpPr>
+        <p:spPr>
+          <a:xfrm>
+            <a:off x="201168" y="6356350"/>
+            <a:ext cx="4837176" cy="365125"/>
+          </a:xfrm>
+        </p:spPr>
+        <p:txBody>
+          <a:bodyPr/>
+          <a:lstStyle/>
+          <a:p>
+            <a:pPr lvl="0"/>
+            <a:r>
+              <a:rPr lang="en-US" noProof="0" dirty="0"/>
+              <a:t>OutDig</a:t>
+            </a:r>
+          </a:p>
+        </p:txBody>
+      </p:sp>
+      <p:sp>
+        <p:nvSpPr>
+          <p:cNvPr id="3" name="Date Placeholder 2">
+            <a:extLst>
+              <a:ext uri="{FF2B5EF4-FFF2-40B4-BE49-F238E27FC236}">
+                <a16:creationId xmlns:a16="http://schemas.microsoft.com/office/drawing/2014/main" id="{9CE6D34A-9686-45B2-97D0-AD20167B2D54}"/>
+              </a:ext>
+            </a:extLst>
+          </p:cNvPr>
+          <p:cNvSpPr>
+            <a:spLocks noGrp="1"/>
+          </p:cNvSpPr>
+          <p:nvPr>
+            <p:ph type="dt" sz="half" idx="10"/>
+          </p:nvPr>
+        </p:nvSpPr>
+        <p:spPr>
+          <a:xfrm>
+            <a:off x="7013448" y="6355080"/>
+            <a:ext cx="4352544" cy="365125"/>
+          </a:xfrm>
+        </p:spPr>
+        <p:txBody>
+          <a:bodyPr/>
+          <a:lstStyle/>
+          <a:p>
+            <a:pPr lvl="0"/>
+            <a:r>
+              <a:rPr lang="en-US" noProof="0" dirty="0"/>
+              <a:t>2022</a:t>
+            </a:r>
+          </a:p>
+        </p:txBody>
+      </p:sp>
+      <p:sp>
+        <p:nvSpPr>
+          <p:cNvPr id="4" name="Slide Number Placeholder 3">
+            <a:extLst>
+              <a:ext uri="{FF2B5EF4-FFF2-40B4-BE49-F238E27FC236}">
+                <a16:creationId xmlns:a16="http://schemas.microsoft.com/office/drawing/2014/main" id="{AC0EC6D8-4D66-4B16-AD3F-2850D613518A}"/>
+              </a:ext>
+            </a:extLst>
+          </p:cNvPr>
+          <p:cNvSpPr>
+            <a:spLocks noGrp="1"/>
+          </p:cNvSpPr>
+          <p:nvPr>
+            <p:ph type="sldNum" sz="quarter" idx="12"/>
+          </p:nvPr>
+        </p:nvSpPr>
+        <p:spPr>
+          <a:xfrm>
+            <a:off x="11365992" y="6356350"/>
+            <a:ext cx="630936" cy="365125"/>
+          </a:xfrm>
+        </p:spPr>
+        <p:txBody>
+          <a:bodyPr/>
+          <a:lstStyle/>
+          <a:p>
+            <a:pPr lvl="0"/>
+            <a:fld id="{06B786C7-B8F9-4072-AAAA-17258464D730}" type="slidenum">
+              <a:rPr lang="en-US" noProof="0" smtClean="0"/>
+              <a:pPr lvl="0"/>
+              <a:t>14</a:t>
+            </a:fld>
+            <a:endParaRPr lang="en-US" noProof="0" dirty="0"/>
+          </a:p>
+        </p:txBody>
+      </p:sp>
+      <p:pic>
+        <p:nvPicPr>
+          <p:cNvPr id="5" name="Picture 4">
+            <a:extLst>
+              <a:ext uri="{FF2B5EF4-FFF2-40B4-BE49-F238E27FC236}">
+                <a16:creationId xmlns:a16="http://schemas.microsoft.com/office/drawing/2014/main" id="{8A463AC6-C67D-1F20-3A4D-C12915FAA329}"/>
+              </a:ext>
+            </a:extLst>
+          </p:cNvPr>
+          <p:cNvPicPr>
+            <a:picLocks noChangeAspect="1"/>
+          </p:cNvPicPr>
+          <p:nvPr/>
+        </p:nvPicPr>
+        <p:blipFill rotWithShape="1">
+          <a:blip r:embed="rId2"/>
+          <a:srcRect l="5370" r="6416"/>
+          <a:stretch/>
+        </p:blipFill>
+        <p:spPr>
+          <a:xfrm>
+            <a:off x="86923" y="47601"/>
+            <a:ext cx="819106" cy="792789"/>
+          </a:xfrm>
+          <a:prstGeom prst="rect">
+            <a:avLst/>
+          </a:prstGeom>
+        </p:spPr>
+      </p:pic>
+    </p:spTree>
+    <p:extLst>
+      <p:ext uri="{BB962C8B-B14F-4D97-AF65-F5344CB8AC3E}">
+        <p14:creationId xmlns:p14="http://schemas.microsoft.com/office/powerpoint/2010/main" val="1041430324"/>
+      </p:ext>
+    </p:extLst>
+  </p:cSld>
+  <p:clrMapOvr>
+    <a:masterClrMapping/>
+  </p:clrMapOvr>
+</p:sld>
+</file>
+
+<file path=ppt/slides/slide15.xml><?xml version="1.0" encoding="utf-8"?>
+<p:sld xmlns:a="http://schemas.openxmlformats.org/drawingml/2006/main" xmlns:r="http://schemas.openxmlformats.org/officeDocument/2006/relationships" xmlns:p="http://schemas.openxmlformats.org/presentationml/2006/main">
+  <p:cSld>
+    <p:spTree>
+      <p:nvGrpSpPr>
+        <p:cNvPr id="1" name=""/>
+        <p:cNvGrpSpPr/>
+        <p:nvPr/>
+      </p:nvGrpSpPr>
+      <p:grpSpPr>
+        <a:xfrm>
+          <a:off x="0" y="0"/>
+          <a:ext cx="0" cy="0"/>
+          <a:chOff x="0" y="0"/>
+          <a:chExt cx="0" cy="0"/>
+        </a:xfrm>
+      </p:grpSpPr>
+      <p:sp>
+        <p:nvSpPr>
+          <p:cNvPr id="25" name="Title 24">
+            <a:extLst>
+              <a:ext uri="{FF2B5EF4-FFF2-40B4-BE49-F238E27FC236}">
+                <a16:creationId xmlns:a16="http://schemas.microsoft.com/office/drawing/2014/main" id="{330F6403-11BB-440A-81D1-11DAFA7ABF5D}"/>
+              </a:ext>
+            </a:extLst>
+          </p:cNvPr>
+          <p:cNvSpPr>
+            <a:spLocks noGrp="1"/>
+          </p:cNvSpPr>
+          <p:nvPr>
+            <p:ph type="title"/>
+          </p:nvPr>
+        </p:nvSpPr>
+        <p:spPr>
+          <a:xfrm>
+            <a:off x="1000759" y="194783"/>
+            <a:ext cx="10022841" cy="760892"/>
+          </a:xfrm>
+        </p:spPr>
+        <p:txBody>
+          <a:bodyPr>
+            <a:normAutofit fontScale="90000"/>
+          </a:bodyPr>
+          <a:lstStyle/>
+          <a:p>
+            <a:pPr algn="r"/>
+            <a:r>
+              <a:rPr lang="en-US" dirty="0"/>
+              <a:t>Growth Strategy</a:t>
+            </a:r>
+          </a:p>
+        </p:txBody>
+      </p:sp>
+      <p:sp>
+        <p:nvSpPr>
+          <p:cNvPr id="4" name="Footer Placeholder 3">
+            <a:extLst>
+              <a:ext uri="{FF2B5EF4-FFF2-40B4-BE49-F238E27FC236}">
+                <a16:creationId xmlns:a16="http://schemas.microsoft.com/office/drawing/2014/main" id="{1C63F48C-BFC1-4227-8BB0-C06C473D6F55}"/>
+              </a:ext>
+            </a:extLst>
+          </p:cNvPr>
+          <p:cNvSpPr>
+            <a:spLocks noGrp="1"/>
+          </p:cNvSpPr>
+          <p:nvPr>
+            <p:ph type="ftr" sz="quarter" idx="11"/>
+          </p:nvPr>
+        </p:nvSpPr>
+        <p:spPr>
+          <a:xfrm>
+            <a:off x="201168" y="6356350"/>
+            <a:ext cx="4837176" cy="365125"/>
+          </a:xfrm>
+        </p:spPr>
+        <p:txBody>
+          <a:bodyPr/>
+          <a:lstStyle/>
+          <a:p>
+            <a:pPr lvl="0"/>
+            <a:r>
+              <a:rPr lang="en-US" noProof="0" dirty="0"/>
+              <a:t>OutDig</a:t>
+            </a:r>
+          </a:p>
+        </p:txBody>
+      </p:sp>
+      <p:sp>
+        <p:nvSpPr>
+          <p:cNvPr id="3" name="Date Placeholder 2">
+            <a:extLst>
+              <a:ext uri="{FF2B5EF4-FFF2-40B4-BE49-F238E27FC236}">
+                <a16:creationId xmlns:a16="http://schemas.microsoft.com/office/drawing/2014/main" id="{1E532E67-6C01-41FF-AA5B-AEEE3DFA51CB}"/>
+              </a:ext>
+            </a:extLst>
+          </p:cNvPr>
+          <p:cNvSpPr>
+            <a:spLocks noGrp="1"/>
+          </p:cNvSpPr>
+          <p:nvPr>
+            <p:ph type="dt" sz="half" idx="10"/>
+          </p:nvPr>
+        </p:nvSpPr>
+        <p:spPr>
+          <a:xfrm>
+            <a:off x="7013448" y="6355080"/>
+            <a:ext cx="4352544" cy="365125"/>
+          </a:xfrm>
+        </p:spPr>
+        <p:txBody>
+          <a:bodyPr/>
+          <a:lstStyle/>
+          <a:p>
+            <a:pPr lvl="0"/>
+            <a:r>
+              <a:rPr lang="en-US" noProof="0" dirty="0"/>
+              <a:t>2022</a:t>
+            </a:r>
+          </a:p>
+        </p:txBody>
+      </p:sp>
+      <p:sp>
+        <p:nvSpPr>
+          <p:cNvPr id="5" name="Slide Number Placeholder 4">
+            <a:extLst>
+              <a:ext uri="{FF2B5EF4-FFF2-40B4-BE49-F238E27FC236}">
+                <a16:creationId xmlns:a16="http://schemas.microsoft.com/office/drawing/2014/main" id="{AA33C4C9-9778-4A59-9001-6EC6F52349CA}"/>
+              </a:ext>
+            </a:extLst>
+          </p:cNvPr>
+          <p:cNvSpPr>
+            <a:spLocks noGrp="1"/>
+          </p:cNvSpPr>
+          <p:nvPr>
+            <p:ph type="sldNum" sz="quarter" idx="12"/>
+          </p:nvPr>
+        </p:nvSpPr>
+        <p:spPr>
+          <a:xfrm>
+            <a:off x="11365992" y="6356350"/>
+            <a:ext cx="630936" cy="365125"/>
+          </a:xfrm>
+        </p:spPr>
+        <p:txBody>
+          <a:bodyPr/>
+          <a:lstStyle/>
+          <a:p>
+            <a:pPr lvl="0"/>
+            <a:fld id="{06B786C7-B8F9-4072-AAAA-17258464D730}" type="slidenum">
+              <a:rPr lang="en-US" noProof="0" smtClean="0"/>
+              <a:pPr lvl="0"/>
+              <a:t>15</a:t>
+            </a:fld>
+            <a:endParaRPr lang="en-US" noProof="0" dirty="0"/>
+          </a:p>
+        </p:txBody>
+      </p:sp>
+      <p:sp>
+        <p:nvSpPr>
+          <p:cNvPr id="6" name="Content Placeholder 5">
+            <a:extLst>
+              <a:ext uri="{FF2B5EF4-FFF2-40B4-BE49-F238E27FC236}">
+                <a16:creationId xmlns:a16="http://schemas.microsoft.com/office/drawing/2014/main" id="{B3EC07CF-0B58-D0FC-6837-9D9500A1AE26}"/>
+              </a:ext>
+            </a:extLst>
+          </p:cNvPr>
+          <p:cNvSpPr>
+            <a:spLocks noGrp="1"/>
+          </p:cNvSpPr>
+          <p:nvPr>
+            <p:ph sz="quarter" idx="14"/>
+          </p:nvPr>
+        </p:nvSpPr>
+        <p:spPr>
+          <a:xfrm>
+            <a:off x="646111" y="1560513"/>
+            <a:ext cx="10967623" cy="4341812"/>
+          </a:xfrm>
+        </p:spPr>
+        <p:txBody>
+          <a:bodyPr>
+            <a:normAutofit/>
+          </a:bodyPr>
+          <a:lstStyle/>
+          <a:p>
+            <a:pPr marL="0" indent="0">
+              <a:buNone/>
+            </a:pPr>
+            <a:r>
+              <a:rPr lang="en-GB" dirty="0"/>
+              <a:t>- Onboarding process for new users</a:t>
+            </a:r>
+          </a:p>
+          <a:p>
+            <a:pPr>
+              <a:buFontTx/>
+              <a:buChar char="-"/>
+            </a:pPr>
+            <a:r>
+              <a:rPr lang="en-GB" dirty="0"/>
+              <a:t>No account required, but recommended and rewarded</a:t>
+            </a:r>
+          </a:p>
+          <a:p>
+            <a:pPr>
+              <a:buFontTx/>
+              <a:buChar char="-"/>
+            </a:pPr>
+            <a:r>
+              <a:rPr lang="en-GB" dirty="0"/>
+              <a:t>Linking with socials rewarded, scaling rewards for inviting friends to the game</a:t>
+            </a:r>
+          </a:p>
+          <a:p>
+            <a:pPr>
+              <a:buFontTx/>
+              <a:buChar char="-"/>
+            </a:pPr>
+            <a:r>
+              <a:rPr lang="en-GB" dirty="0"/>
+              <a:t>Reward multiple loot boxes that each take an amount of time to open for free</a:t>
+            </a:r>
+          </a:p>
+          <a:p>
+            <a:pPr>
+              <a:buFontTx/>
+              <a:buChar char="-"/>
+            </a:pPr>
+            <a:r>
+              <a:rPr lang="en-GB" dirty="0"/>
+              <a:t>Targeted &amp; tailored push notifications</a:t>
+            </a:r>
+          </a:p>
+          <a:p>
+            <a:pPr>
+              <a:buFontTx/>
+              <a:buChar char="-"/>
+            </a:pPr>
+            <a:r>
+              <a:rPr lang="en-GB" dirty="0"/>
+              <a:t>Daily, weekly and monthly competitions</a:t>
+            </a:r>
+          </a:p>
+          <a:p>
+            <a:pPr>
+              <a:buFontTx/>
+              <a:buChar char="-"/>
+            </a:pPr>
+            <a:r>
+              <a:rPr lang="en-GB" dirty="0"/>
+              <a:t>Seasonal events Halloween Christmas etc</a:t>
+            </a:r>
+          </a:p>
+          <a:p>
+            <a:pPr>
+              <a:buFontTx/>
+              <a:buChar char="-"/>
+            </a:pPr>
+            <a:r>
+              <a:rPr lang="en-GB" dirty="0"/>
+              <a:t>Keep track of analytics to identify strong and weak areas</a:t>
+            </a:r>
+          </a:p>
+        </p:txBody>
+      </p:sp>
+      <p:pic>
+        <p:nvPicPr>
+          <p:cNvPr id="2" name="Picture 1">
+            <a:extLst>
+              <a:ext uri="{FF2B5EF4-FFF2-40B4-BE49-F238E27FC236}">
+                <a16:creationId xmlns:a16="http://schemas.microsoft.com/office/drawing/2014/main" id="{46E53A4B-3857-72DD-FAC9-98D99331E077}"/>
+              </a:ext>
+            </a:extLst>
+          </p:cNvPr>
+          <p:cNvPicPr>
+            <a:picLocks noChangeAspect="1"/>
+          </p:cNvPicPr>
+          <p:nvPr/>
+        </p:nvPicPr>
+        <p:blipFill rotWithShape="1">
+          <a:blip r:embed="rId2"/>
+          <a:srcRect l="5370" r="6416"/>
+          <a:stretch/>
+        </p:blipFill>
+        <p:spPr>
+          <a:xfrm>
+            <a:off x="86923" y="47601"/>
+            <a:ext cx="819106" cy="792789"/>
+          </a:xfrm>
+          <a:prstGeom prst="rect">
+            <a:avLst/>
+          </a:prstGeom>
+        </p:spPr>
+      </p:pic>
+    </p:spTree>
+    <p:extLst>
+      <p:ext uri="{BB962C8B-B14F-4D97-AF65-F5344CB8AC3E}">
+        <p14:creationId xmlns:p14="http://schemas.microsoft.com/office/powerpoint/2010/main" val="1725933328"/>
+      </p:ext>
+    </p:extLst>
+  </p:cSld>
+  <p:clrMapOvr>
+    <a:masterClrMapping/>
+  </p:clrMapOvr>
+</p:sld>
+</file>
+
+<file path=ppt/slides/slide16.xml><?xml version="1.0" encoding="utf-8"?>
+<p:sld xmlns:a="http://schemas.openxmlformats.org/drawingml/2006/main" xmlns:r="http://schemas.openxmlformats.org/officeDocument/2006/relationships" xmlns:p="http://schemas.openxmlformats.org/presentationml/2006/main">
+  <p:cSld>
+    <p:spTree>
+      <p:nvGrpSpPr>
+        <p:cNvPr id="1" name=""/>
+        <p:cNvGrpSpPr/>
+        <p:nvPr/>
+      </p:nvGrpSpPr>
+      <p:grpSpPr>
+        <a:xfrm>
+          <a:off x="0" y="0"/>
+          <a:ext cx="0" cy="0"/>
+          <a:chOff x="0" y="0"/>
+          <a:chExt cx="0" cy="0"/>
+        </a:xfrm>
+      </p:grpSpPr>
+      <p:sp>
+        <p:nvSpPr>
           <p:cNvPr id="33" name="Title 32">
             <a:extLst>
               <a:ext uri="{FF2B5EF4-FFF2-40B4-BE49-F238E27FC236}">
@@ -22715,7 +24953,7 @@
             <a:fld id="{06B786C7-B8F9-4072-AAAA-17258464D730}" type="slidenum">
               <a:rPr lang="en-US" noProof="0" smtClean="0"/>
               <a:pPr lvl="0"/>
-              <a:t>14</a:t>
+              <a:t>16</a:t>
             </a:fld>
             <a:endParaRPr lang="en-US" noProof="0" dirty="0"/>
           </a:p>
@@ -22781,6 +25019,35 @@
           </a:prstGeom>
         </p:spPr>
       </p:pic>
+      <p:pic>
+        <p:nvPicPr>
+          <p:cNvPr id="2" name="Picture 1">
+            <a:extLst>
+              <a:ext uri="{FF2B5EF4-FFF2-40B4-BE49-F238E27FC236}">
+                <a16:creationId xmlns:a16="http://schemas.microsoft.com/office/drawing/2014/main" id="{C0948E41-DFC3-75BA-6592-487F6E24B270}"/>
+              </a:ext>
+            </a:extLst>
+          </p:cNvPr>
+          <p:cNvPicPr>
+            <a:picLocks noChangeAspect="1"/>
+          </p:cNvPicPr>
+          <p:nvPr/>
+        </p:nvPicPr>
+        <p:blipFill rotWithShape="1">
+          <a:blip r:embed="rId4"/>
+          <a:srcRect l="5370" r="6416"/>
+          <a:stretch/>
+        </p:blipFill>
+        <p:spPr>
+          <a:xfrm>
+            <a:off x="86923" y="47601"/>
+            <a:ext cx="819106" cy="792789"/>
+          </a:xfrm>
+          <a:prstGeom prst="rect">
+            <a:avLst/>
+          </a:prstGeom>
+        </p:spPr>
+      </p:pic>
     </p:spTree>
     <p:extLst>
       <p:ext uri="{BB962C8B-B14F-4D97-AF65-F5344CB8AC3E}">
@@ -22794,7 +25061,7 @@
 </p:sld>
 </file>
 
-<file path=ppt/slides/slide15.xml><?xml version="1.0" encoding="utf-8"?>
+<file path=ppt/slides/slide17.xml><?xml version="1.0" encoding="utf-8"?>
 <p:sld xmlns:a="http://schemas.openxmlformats.org/drawingml/2006/main" xmlns:r="http://schemas.openxmlformats.org/officeDocument/2006/relationships" xmlns:p="http://schemas.openxmlformats.org/presentationml/2006/main">
   <p:cSld>
     <p:spTree>
@@ -23000,7 +25267,7 @@
             <a:fld id="{06B786C7-B8F9-4072-AAAA-17258464D730}" type="slidenum">
               <a:rPr lang="en-US" noProof="0" smtClean="0"/>
               <a:pPr lvl="0"/>
-              <a:t>15</a:t>
+              <a:t>17</a:t>
             </a:fld>
             <a:endParaRPr lang="en-US" noProof="0" dirty="0"/>
           </a:p>
@@ -23019,7 +25286,7 @@
 </p:sld>
 </file>
 
-<file path=ppt/slides/slide16.xml><?xml version="1.0" encoding="utf-8"?>
+<file path=ppt/slides/slide18.xml><?xml version="1.0" encoding="utf-8"?>
 <p:sld xmlns:a="http://schemas.openxmlformats.org/drawingml/2006/main" xmlns:r="http://schemas.openxmlformats.org/officeDocument/2006/relationships" xmlns:p="http://schemas.openxmlformats.org/presentationml/2006/main">
   <p:cSld>
     <p:spTree>
@@ -23424,7 +25691,7 @@
             <a:fld id="{06B786C7-B8F9-4072-AAAA-17258464D730}" type="slidenum">
               <a:rPr lang="en-US" noProof="0" smtClean="0"/>
               <a:pPr lvl="0"/>
-              <a:t>16</a:t>
+              <a:t>18</a:t>
             </a:fld>
             <a:endParaRPr lang="en-US" noProof="0" dirty="0"/>
           </a:p>
@@ -24048,6 +26315,35 @@
           </a:p>
         </p:txBody>
       </p:sp>
+      <p:pic>
+        <p:nvPicPr>
+          <p:cNvPr id="8" name="Picture 7">
+            <a:extLst>
+              <a:ext uri="{FF2B5EF4-FFF2-40B4-BE49-F238E27FC236}">
+                <a16:creationId xmlns:a16="http://schemas.microsoft.com/office/drawing/2014/main" id="{BB870CBD-B72B-A23E-FF4F-0786DB9B9E1E}"/>
+              </a:ext>
+            </a:extLst>
+          </p:cNvPr>
+          <p:cNvPicPr>
+            <a:picLocks noChangeAspect="1"/>
+          </p:cNvPicPr>
+          <p:nvPr/>
+        </p:nvPicPr>
+        <p:blipFill rotWithShape="1">
+          <a:blip r:embed="rId2"/>
+          <a:srcRect l="5370" r="6416"/>
+          <a:stretch/>
+        </p:blipFill>
+        <p:spPr>
+          <a:xfrm>
+            <a:off x="86923" y="47601"/>
+            <a:ext cx="819106" cy="792789"/>
+          </a:xfrm>
+          <a:prstGeom prst="rect">
+            <a:avLst/>
+          </a:prstGeom>
+        </p:spPr>
+      </p:pic>
     </p:spTree>
     <p:extLst>
       <p:ext uri="{BB962C8B-B14F-4D97-AF65-F5344CB8AC3E}">
@@ -24061,7 +26357,7 @@
 </p:sld>
 </file>
 
-<file path=ppt/slides/slide17.xml><?xml version="1.0" encoding="utf-8"?>
+<file path=ppt/slides/slide19.xml><?xml version="1.0" encoding="utf-8"?>
 <p:sld xmlns:a="http://schemas.openxmlformats.org/drawingml/2006/main" xmlns:r="http://schemas.openxmlformats.org/officeDocument/2006/relationships" xmlns:p="http://schemas.openxmlformats.org/presentationml/2006/main">
   <p:cSld>
     <p:spTree>
@@ -24211,7 +26507,7 @@
             <a:fld id="{06B786C7-B8F9-4072-AAAA-17258464D730}" type="slidenum">
               <a:rPr lang="en-US" noProof="0" smtClean="0"/>
               <a:pPr lvl="0"/>
-              <a:t>17</a:t>
+              <a:t>19</a:t>
             </a:fld>
             <a:endParaRPr lang="en-US" noProof="0" dirty="0"/>
           </a:p>
@@ -24236,7 +26532,7 @@
             <p:ph sz="quarter" idx="14"/>
             <p:extLst>
               <p:ext uri="{D42A27DB-BD31-4B8C-83A1-F6EECF244321}">
-                <p14:modId xmlns:p14="http://schemas.microsoft.com/office/powerpoint/2010/main" val="1196551151"/>
+                <p14:modId xmlns:p14="http://schemas.microsoft.com/office/powerpoint/2010/main" val="2374925508"/>
               </p:ext>
             </p:extLst>
           </p:nvPr>
@@ -24269,7 +26565,7 @@
           <p:nvPr>
             <p:extLst>
               <p:ext uri="{D42A27DB-BD31-4B8C-83A1-F6EECF244321}">
-                <p14:modId xmlns:p14="http://schemas.microsoft.com/office/powerpoint/2010/main" val="2718025496"/>
+                <p14:modId xmlns:p14="http://schemas.microsoft.com/office/powerpoint/2010/main" val="2512535391"/>
               </p:ext>
             </p:extLst>
           </p:nvPr>
@@ -24486,6 +26782,35 @@
           </a:p>
         </p:txBody>
       </p:sp>
+      <p:pic>
+        <p:nvPicPr>
+          <p:cNvPr id="6" name="Picture 5">
+            <a:extLst>
+              <a:ext uri="{FF2B5EF4-FFF2-40B4-BE49-F238E27FC236}">
+                <a16:creationId xmlns:a16="http://schemas.microsoft.com/office/drawing/2014/main" id="{6B83BBD4-CE3D-6806-80DF-754575C868FF}"/>
+              </a:ext>
+            </a:extLst>
+          </p:cNvPr>
+          <p:cNvPicPr>
+            <a:picLocks noChangeAspect="1"/>
+          </p:cNvPicPr>
+          <p:nvPr/>
+        </p:nvPicPr>
+        <p:blipFill rotWithShape="1">
+          <a:blip r:embed="rId12"/>
+          <a:srcRect l="5370" r="6416"/>
+          <a:stretch/>
+        </p:blipFill>
+        <p:spPr>
+          <a:xfrm>
+            <a:off x="86923" y="47601"/>
+            <a:ext cx="819106" cy="792789"/>
+          </a:xfrm>
+          <a:prstGeom prst="rect">
+            <a:avLst/>
+          </a:prstGeom>
+        </p:spPr>
+      </p:pic>
     </p:spTree>
     <p:extLst>
       <p:ext uri="{BB962C8B-B14F-4D97-AF65-F5344CB8AC3E}">
@@ -24499,7 +26824,438 @@
 </p:sld>
 </file>
 
-<file path=ppt/slides/slide18.xml><?xml version="1.0" encoding="utf-8"?>
+<file path=ppt/slides/slide2.xml><?xml version="1.0" encoding="utf-8"?>
+<p:sld xmlns:a="http://schemas.openxmlformats.org/drawingml/2006/main" xmlns:r="http://schemas.openxmlformats.org/officeDocument/2006/relationships" xmlns:p="http://schemas.openxmlformats.org/presentationml/2006/main">
+  <p:cSld>
+    <p:bg>
+      <p:bgPr>
+        <a:solidFill>
+          <a:schemeClr val="bg1"/>
+        </a:solidFill>
+        <a:effectLst/>
+      </p:bgPr>
+    </p:bg>
+    <p:spTree>
+      <p:nvGrpSpPr>
+        <p:cNvPr id="1" name=""/>
+        <p:cNvGrpSpPr/>
+        <p:nvPr/>
+      </p:nvGrpSpPr>
+      <p:grpSpPr>
+        <a:xfrm>
+          <a:off x="0" y="0"/>
+          <a:ext cx="0" cy="0"/>
+          <a:chOff x="0" y="0"/>
+          <a:chExt cx="0" cy="0"/>
+        </a:xfrm>
+      </p:grpSpPr>
+      <p:sp useBgFill="1">
+        <p:nvSpPr>
+          <p:cNvPr id="26" name="Rectangle 25">
+            <a:extLst>
+              <a:ext uri="{FF2B5EF4-FFF2-40B4-BE49-F238E27FC236}">
+                <a16:creationId xmlns:a16="http://schemas.microsoft.com/office/drawing/2014/main" id="{36B9F8E7-EAA1-4B1C-BC13-EEB5C78CFCAF}"/>
+              </a:ext>
+              <a:ext uri="{C183D7F6-B498-43B3-948B-1728B52AA6E4}">
+                <adec:decorative xmlns:adec="http://schemas.microsoft.com/office/drawing/2017/decorative" val="1"/>
+              </a:ext>
+            </a:extLst>
+          </p:cNvPr>
+          <p:cNvSpPr>
+            <a:spLocks noGrp="1" noRot="1" noChangeAspect="1" noMove="1" noResize="1" noEditPoints="1" noAdjustHandles="1" noChangeArrowheads="1" noChangeShapeType="1" noTextEdit="1"/>
+          </p:cNvSpPr>
+          <p:nvPr>
+            <p:extLst>
+              <p:ext uri="{386F3935-93C4-4BCD-93E2-E3B085C9AB24}">
+                <p16:designElem xmlns:p16="http://schemas.microsoft.com/office/powerpoint/2015/main" val="1"/>
+              </p:ext>
+            </p:extLst>
+          </p:nvPr>
+        </p:nvSpPr>
+        <p:spPr>
+          <a:xfrm>
+            <a:off x="0" y="0"/>
+            <a:ext cx="12192000" cy="6858000"/>
+          </a:xfrm>
+          <a:prstGeom prst="rect">
+            <a:avLst/>
+          </a:prstGeom>
+          <a:ln w="12700" cap="flat" cmpd="sng" algn="ctr">
+            <a:noFill/>
+            <a:prstDash val="solid"/>
+            <a:miter lim="800000"/>
+          </a:ln>
+          <a:effectLst/>
+          <a:extLst>
+            <a:ext uri="{91240B29-F687-4F45-9708-019B960494DF}">
+              <a14:hiddenLine xmlns:a14="http://schemas.microsoft.com/office/drawing/2010/main" w="12700" cap="flat" cmpd="sng" algn="ctr">
+                <a:solidFill>
+                  <a:schemeClr val="accent1">
+                    <a:shade val="50000"/>
+                  </a:schemeClr>
+                </a:solidFill>
+                <a:prstDash val="solid"/>
+                <a:miter lim="800000"/>
+              </a14:hiddenLine>
+            </a:ext>
+          </a:extLst>
+        </p:spPr>
+        <p:style>
+          <a:lnRef idx="2">
+            <a:schemeClr val="accent1">
+              <a:shade val="50000"/>
+            </a:schemeClr>
+          </a:lnRef>
+          <a:fillRef idx="1">
+            <a:schemeClr val="accent1"/>
+          </a:fillRef>
+          <a:effectRef idx="0">
+            <a:schemeClr val="accent1"/>
+          </a:effectRef>
+          <a:fontRef idx="minor">
+            <a:schemeClr val="lt1"/>
+          </a:fontRef>
+        </p:style>
+        <p:txBody>
+          <a:bodyPr rtlCol="0" anchor="ctr"/>
+          <a:lstStyle/>
+          <a:p>
+            <a:pPr algn="ctr"/>
+            <a:endParaRPr lang="en-US"/>
+          </a:p>
+        </p:txBody>
+      </p:sp>
+      <p:sp>
+        <p:nvSpPr>
+          <p:cNvPr id="28" name="Rectangle 27">
+            <a:extLst>
+              <a:ext uri="{FF2B5EF4-FFF2-40B4-BE49-F238E27FC236}">
+                <a16:creationId xmlns:a16="http://schemas.microsoft.com/office/drawing/2014/main" id="{18A7734B-518B-46E3-AF41-1134F2FF7BA1}"/>
+              </a:ext>
+              <a:ext uri="{C183D7F6-B498-43B3-948B-1728B52AA6E4}">
+                <adec:decorative xmlns:adec="http://schemas.microsoft.com/office/drawing/2017/decorative" val="1"/>
+              </a:ext>
+            </a:extLst>
+          </p:cNvPr>
+          <p:cNvSpPr>
+            <a:spLocks noGrp="1" noRot="1" noChangeAspect="1" noMove="1" noResize="1" noEditPoints="1" noAdjustHandles="1" noChangeArrowheads="1" noChangeShapeType="1" noTextEdit="1"/>
+          </p:cNvSpPr>
+          <p:nvPr>
+            <p:extLst>
+              <p:ext uri="{386F3935-93C4-4BCD-93E2-E3B085C9AB24}">
+                <p16:designElem xmlns:p16="http://schemas.microsoft.com/office/powerpoint/2015/main" val="1"/>
+              </p:ext>
+            </p:extLst>
+          </p:nvPr>
+        </p:nvSpPr>
+        <p:spPr>
+          <a:xfrm>
+            <a:off x="0" y="0"/>
+            <a:ext cx="12192000" cy="2286000"/>
+          </a:xfrm>
+          <a:prstGeom prst="rect">
+            <a:avLst/>
+          </a:prstGeom>
+          <a:ln>
+            <a:noFill/>
+          </a:ln>
+        </p:spPr>
+        <p:style>
+          <a:lnRef idx="2">
+            <a:schemeClr val="accent1">
+              <a:shade val="50000"/>
+            </a:schemeClr>
+          </a:lnRef>
+          <a:fillRef idx="1">
+            <a:schemeClr val="accent1"/>
+          </a:fillRef>
+          <a:effectRef idx="0">
+            <a:schemeClr val="accent1"/>
+          </a:effectRef>
+          <a:fontRef idx="minor">
+            <a:schemeClr val="lt1"/>
+          </a:fontRef>
+        </p:style>
+        <p:txBody>
+          <a:bodyPr rtlCol="0" anchor="ctr"/>
+          <a:lstStyle/>
+          <a:p>
+            <a:pPr algn="ctr"/>
+            <a:endParaRPr lang="en-US"/>
+          </a:p>
+        </p:txBody>
+      </p:sp>
+      <p:sp>
+        <p:nvSpPr>
+          <p:cNvPr id="15" name="Title 14">
+            <a:extLst>
+              <a:ext uri="{FF2B5EF4-FFF2-40B4-BE49-F238E27FC236}">
+                <a16:creationId xmlns:a16="http://schemas.microsoft.com/office/drawing/2014/main" id="{8DED76B9-5273-4139-ACC9-B6E36ADE2385}"/>
+              </a:ext>
+            </a:extLst>
+          </p:cNvPr>
+          <p:cNvSpPr>
+            <a:spLocks noGrp="1"/>
+          </p:cNvSpPr>
+          <p:nvPr>
+            <p:ph type="title"/>
+          </p:nvPr>
+        </p:nvSpPr>
+        <p:spPr>
+          <a:xfrm>
+            <a:off x="305473" y="193589"/>
+            <a:ext cx="11496269" cy="1919606"/>
+          </a:xfrm>
+        </p:spPr>
+        <p:txBody>
+          <a:bodyPr vert="horz" lIns="91440" tIns="45720" rIns="91440" bIns="45720" rtlCol="0" anchor="t">
+            <a:normAutofit/>
+          </a:bodyPr>
+          <a:lstStyle/>
+          <a:p>
+            <a:r>
+              <a:rPr lang="en-US" spc="-40" dirty="0">
+                <a:solidFill>
+                  <a:srgbClr val="FFFFFF"/>
+                </a:solidFill>
+                <a:latin typeface="Arial" panose="020B0604020202020204" pitchFamily="34" charset="0"/>
+                <a:cs typeface="Arial" panose="020B0604020202020204" pitchFamily="34" charset="0"/>
+              </a:rPr>
+              <a:t>Who are we?</a:t>
+            </a:r>
+            <a:br>
+              <a:rPr lang="en-US" sz="5400" spc="-40" dirty="0">
+                <a:solidFill>
+                  <a:srgbClr val="FFFFFF"/>
+                </a:solidFill>
+                <a:latin typeface="Arial" panose="020B0604020202020204" pitchFamily="34" charset="0"/>
+                <a:cs typeface="Arial" panose="020B0604020202020204" pitchFamily="34" charset="0"/>
+              </a:rPr>
+            </a:br>
+            <a:r>
+              <a:rPr lang="en-US" sz="5400" spc="-40" dirty="0">
+                <a:solidFill>
+                  <a:srgbClr val="FFFFFF"/>
+                </a:solidFill>
+                <a:latin typeface="Arial" panose="020B0604020202020204" pitchFamily="34" charset="0"/>
+                <a:cs typeface="Arial" panose="020B0604020202020204" pitchFamily="34" charset="0"/>
+              </a:rPr>
+              <a:t>					</a:t>
+            </a:r>
+            <a:r>
+              <a:rPr lang="en-US" sz="6700" spc="-40" dirty="0">
+                <a:solidFill>
+                  <a:srgbClr val="FFFFFF"/>
+                </a:solidFill>
+                <a:latin typeface="Arial" panose="020B0604020202020204" pitchFamily="34" charset="0"/>
+                <a:cs typeface="Arial" panose="020B0604020202020204" pitchFamily="34" charset="0"/>
+              </a:rPr>
+              <a:t>Joe’s Games</a:t>
+            </a:r>
+            <a:endParaRPr lang="en-US" sz="5400" spc="-40" dirty="0">
+              <a:solidFill>
+                <a:srgbClr val="FFFFFF"/>
+              </a:solidFill>
+              <a:latin typeface="Arial" panose="020B0604020202020204" pitchFamily="34" charset="0"/>
+              <a:cs typeface="Arial" panose="020B0604020202020204" pitchFamily="34" charset="0"/>
+            </a:endParaRPr>
+          </a:p>
+        </p:txBody>
+      </p:sp>
+      <p:pic>
+        <p:nvPicPr>
+          <p:cNvPr id="3" name="Picture 2">
+            <a:extLst>
+              <a:ext uri="{FF2B5EF4-FFF2-40B4-BE49-F238E27FC236}">
+                <a16:creationId xmlns:a16="http://schemas.microsoft.com/office/drawing/2014/main" id="{10B72CAF-C024-4F09-BEEE-0AE8939558CA}"/>
+              </a:ext>
+            </a:extLst>
+          </p:cNvPr>
+          <p:cNvPicPr>
+            <a:picLocks noChangeAspect="1"/>
+          </p:cNvPicPr>
+          <p:nvPr/>
+        </p:nvPicPr>
+        <p:blipFill rotWithShape="1">
+          <a:blip r:embed="rId3"/>
+          <a:srcRect l="5370" r="6416"/>
+          <a:stretch/>
+        </p:blipFill>
+        <p:spPr>
+          <a:xfrm>
+            <a:off x="454784" y="2306784"/>
+            <a:ext cx="4723769" cy="4572000"/>
+          </a:xfrm>
+          <a:prstGeom prst="rect">
+            <a:avLst/>
+          </a:prstGeom>
+        </p:spPr>
+      </p:pic>
+      <p:sp>
+        <p:nvSpPr>
+          <p:cNvPr id="18" name="Text Placeholder 17">
+            <a:extLst>
+              <a:ext uri="{FF2B5EF4-FFF2-40B4-BE49-F238E27FC236}">
+                <a16:creationId xmlns:a16="http://schemas.microsoft.com/office/drawing/2014/main" id="{87F2C169-25EA-4609-BC8A-BCA7C433EEE4}"/>
+              </a:ext>
+            </a:extLst>
+          </p:cNvPr>
+          <p:cNvSpPr>
+            <a:spLocks noGrp="1"/>
+          </p:cNvSpPr>
+          <p:nvPr>
+            <p:ph type="body" sz="quarter" idx="15"/>
+          </p:nvPr>
+        </p:nvSpPr>
+        <p:spPr>
+          <a:xfrm>
+            <a:off x="5824594" y="2681488"/>
+            <a:ext cx="5610113" cy="3535797"/>
+          </a:xfrm>
+        </p:spPr>
+        <p:txBody>
+          <a:bodyPr vert="horz" lIns="91440" tIns="45720" rIns="91440" bIns="45720" rtlCol="0">
+            <a:normAutofit/>
+          </a:bodyPr>
+          <a:lstStyle/>
+          <a:p>
+            <a:pPr marL="0" indent="-228600"/>
+            <a:r>
+              <a:rPr lang="en-US" dirty="0"/>
+              <a:t>Limited company founded by Joe Mason</a:t>
+            </a:r>
+          </a:p>
+          <a:p>
+            <a:pPr marL="0" indent="-228600"/>
+            <a:r>
+              <a:rPr lang="en-US" dirty="0"/>
+              <a:t>Indie game studio producing games for mobile devices</a:t>
+            </a:r>
+          </a:p>
+          <a:p>
+            <a:pPr marL="0" indent="-228600"/>
+            <a:r>
+              <a:rPr lang="en-US" dirty="0"/>
+              <a:t>Owner &amp; 1 employee, outsourcing for additional development</a:t>
+            </a:r>
+          </a:p>
+          <a:p>
+            <a:pPr marL="0" indent="-228600"/>
+            <a:r>
+              <a:rPr lang="en-US" dirty="0"/>
+              <a:t>Based in Cheltenham, Gloucestershire</a:t>
+            </a:r>
+          </a:p>
+          <a:p>
+            <a:pPr marL="0" indent="-228600"/>
+            <a:r>
+              <a:rPr lang="en-US" dirty="0"/>
+              <a:t>Content available worldwide on a range of mobile devices</a:t>
+            </a:r>
+          </a:p>
+        </p:txBody>
+      </p:sp>
+      <p:sp>
+        <p:nvSpPr>
+          <p:cNvPr id="19" name="Date Placeholder 18">
+            <a:extLst>
+              <a:ext uri="{FF2B5EF4-FFF2-40B4-BE49-F238E27FC236}">
+                <a16:creationId xmlns:a16="http://schemas.microsoft.com/office/drawing/2014/main" id="{CE93697D-BFA2-4D84-A860-BA620414419D}"/>
+              </a:ext>
+            </a:extLst>
+          </p:cNvPr>
+          <p:cNvSpPr>
+            <a:spLocks noGrp="1"/>
+          </p:cNvSpPr>
+          <p:nvPr>
+            <p:ph type="dt" sz="half" idx="10"/>
+          </p:nvPr>
+        </p:nvSpPr>
+        <p:spPr>
+          <a:xfrm>
+            <a:off x="7013448" y="6355080"/>
+            <a:ext cx="4352544" cy="365125"/>
+          </a:xfrm>
+        </p:spPr>
+        <p:txBody>
+          <a:bodyPr vert="horz" lIns="91440" tIns="45720" rIns="91440" bIns="45720" rtlCol="0" anchor="ctr">
+            <a:normAutofit/>
+          </a:bodyPr>
+          <a:lstStyle/>
+          <a:p>
+            <a:pPr lvl="0">
+              <a:spcAft>
+                <a:spcPts val="600"/>
+              </a:spcAft>
+            </a:pPr>
+            <a:r>
+              <a:rPr lang="en-US" noProof="0" dirty="0"/>
+              <a:t>2022</a:t>
+            </a:r>
+            <a:endParaRPr lang="en-US" noProof="0"/>
+          </a:p>
+        </p:txBody>
+      </p:sp>
+      <p:sp>
+        <p:nvSpPr>
+          <p:cNvPr id="21" name="Slide Number Placeholder 20">
+            <a:extLst>
+              <a:ext uri="{FF2B5EF4-FFF2-40B4-BE49-F238E27FC236}">
+                <a16:creationId xmlns:a16="http://schemas.microsoft.com/office/drawing/2014/main" id="{C19BFBA5-3E41-40F8-9EFB-9DF730F5B6E4}"/>
+              </a:ext>
+            </a:extLst>
+          </p:cNvPr>
+          <p:cNvSpPr>
+            <a:spLocks noGrp="1"/>
+          </p:cNvSpPr>
+          <p:nvPr>
+            <p:ph type="sldNum" sz="quarter" idx="12"/>
+          </p:nvPr>
+        </p:nvSpPr>
+        <p:spPr>
+          <a:xfrm>
+            <a:off x="11365992" y="6356350"/>
+            <a:ext cx="630936" cy="365125"/>
+          </a:xfrm>
+        </p:spPr>
+        <p:txBody>
+          <a:bodyPr vert="horz" lIns="91440" tIns="45720" rIns="91440" bIns="45720" rtlCol="0" anchor="ctr">
+            <a:normAutofit/>
+          </a:bodyPr>
+          <a:lstStyle/>
+          <a:p>
+            <a:pPr lvl="0">
+              <a:spcAft>
+                <a:spcPts val="600"/>
+              </a:spcAft>
+            </a:pPr>
+            <a:fld id="{244D815C-8BF3-4ECF-A945-A2A7C2983AF9}" type="slidenum">
+              <a:rPr lang="en-US" noProof="0" smtClean="0"/>
+              <a:pPr lvl="0">
+                <a:spcAft>
+                  <a:spcPts val="600"/>
+                </a:spcAft>
+              </a:pPr>
+              <a:t>2</a:t>
+            </a:fld>
+            <a:endParaRPr lang="en-US" noProof="0"/>
+          </a:p>
+        </p:txBody>
+      </p:sp>
+    </p:spTree>
+    <p:extLst>
+      <p:ext uri="{BB962C8B-B14F-4D97-AF65-F5344CB8AC3E}">
+        <p14:creationId xmlns:p14="http://schemas.microsoft.com/office/powerpoint/2010/main" val="2106347884"/>
+      </p:ext>
+    </p:extLst>
+  </p:cSld>
+  <p:clrMapOvr>
+    <a:masterClrMapping/>
+  </p:clrMapOvr>
+</p:sld>
+</file>
+
+<file path=ppt/slides/slide20.xml><?xml version="1.0" encoding="utf-8"?>
 <p:sld xmlns:a="http://schemas.openxmlformats.org/drawingml/2006/main" xmlns:r="http://schemas.openxmlformats.org/officeDocument/2006/relationships" xmlns:p="http://schemas.openxmlformats.org/presentationml/2006/main">
   <p:cSld>
     <p:spTree>
@@ -24534,7 +27290,7 @@
         </p:nvSpPr>
         <p:spPr>
           <a:xfrm>
-            <a:off x="331787" y="996950"/>
+            <a:off x="354723" y="1249199"/>
             <a:ext cx="2384425" cy="4946650"/>
           </a:xfrm>
         </p:spPr>
@@ -25208,7 +27964,7 @@
             <a:fld id="{06B786C7-B8F9-4072-AAAA-17258464D730}" type="slidenum">
               <a:rPr lang="en-US" noProof="0" smtClean="0"/>
               <a:pPr lvl="0"/>
-              <a:t>18</a:t>
+              <a:t>20</a:t>
             </a:fld>
             <a:endParaRPr lang="en-US" noProof="0" dirty="0"/>
           </a:p>
@@ -25229,7 +27985,7 @@
         <p:spPr>
           <a:xfrm>
             <a:off x="4657458" y="196553"/>
-            <a:ext cx="6486258" cy="1200329"/>
+            <a:ext cx="6486258" cy="2031325"/>
           </a:xfrm>
           <a:prstGeom prst="rect">
             <a:avLst/>
@@ -25258,11 +28014,49 @@
           <a:p>
             <a:r>
               <a:rPr lang="en-GB" dirty="0"/>
-              <a:t>Account for new costs e.g. smaller team using freelancers for around 4 months</a:t>
+              <a:t>Account for new costs e.g. smaller team using freelancers for around 6 months – SPLIT INTO EACH JOB E.G. SOUND 2 MONTHS, ART 6 MONTHS, PROGRAMMING 5 MONTHS</a:t>
+            </a:r>
+          </a:p>
+          <a:p>
+            <a:endParaRPr lang="en-GB" dirty="0"/>
+          </a:p>
+          <a:p>
+            <a:r>
+              <a:rPr lang="en-GB" dirty="0"/>
+              <a:t>0.9% of DAU make purchases</a:t>
             </a:r>
           </a:p>
         </p:txBody>
       </p:sp>
+      <p:pic>
+        <p:nvPicPr>
+          <p:cNvPr id="6" name="Picture 5">
+            <a:extLst>
+              <a:ext uri="{FF2B5EF4-FFF2-40B4-BE49-F238E27FC236}">
+                <a16:creationId xmlns:a16="http://schemas.microsoft.com/office/drawing/2014/main" id="{CC6F9057-8CFC-F947-52D9-CC970D672638}"/>
+              </a:ext>
+            </a:extLst>
+          </p:cNvPr>
+          <p:cNvPicPr>
+            <a:picLocks noChangeAspect="1"/>
+          </p:cNvPicPr>
+          <p:nvPr/>
+        </p:nvPicPr>
+        <p:blipFill rotWithShape="1">
+          <a:blip r:embed="rId2"/>
+          <a:srcRect l="5370" r="6416"/>
+          <a:stretch/>
+        </p:blipFill>
+        <p:spPr>
+          <a:xfrm>
+            <a:off x="86923" y="47601"/>
+            <a:ext cx="819106" cy="792789"/>
+          </a:xfrm>
+          <a:prstGeom prst="rect">
+            <a:avLst/>
+          </a:prstGeom>
+        </p:spPr>
+      </p:pic>
     </p:spTree>
     <p:extLst>
       <p:ext uri="{BB962C8B-B14F-4D97-AF65-F5344CB8AC3E}">
@@ -25276,7 +28070,7 @@
 </p:sld>
 </file>
 
-<file path=ppt/slides/slide19.xml><?xml version="1.0" encoding="utf-8"?>
+<file path=ppt/slides/slide21.xml><?xml version="1.0" encoding="utf-8"?>
 <p:sld xmlns:a="http://schemas.openxmlformats.org/drawingml/2006/main" xmlns:r="http://schemas.openxmlformats.org/officeDocument/2006/relationships" xmlns:p="http://schemas.openxmlformats.org/presentationml/2006/main">
   <p:cSld>
     <p:spTree>
@@ -25311,7 +28105,7 @@
         </p:nvSpPr>
         <p:spPr>
           <a:xfrm>
-            <a:off x="331787" y="996950"/>
+            <a:off x="392633" y="1291239"/>
             <a:ext cx="2384425" cy="4946650"/>
           </a:xfrm>
         </p:spPr>
@@ -26265,7 +29059,7 @@
             <a:fld id="{06B786C7-B8F9-4072-AAAA-17258464D730}" type="slidenum">
               <a:rPr lang="en-US" noProof="0" smtClean="0"/>
               <a:pPr lvl="0"/>
-              <a:t>19</a:t>
+              <a:t>21</a:t>
             </a:fld>
             <a:endParaRPr lang="en-US" noProof="0" dirty="0"/>
           </a:p>
@@ -26323,6 +29117,35 @@
           </a:p>
         </p:txBody>
       </p:sp>
+      <p:pic>
+        <p:nvPicPr>
+          <p:cNvPr id="2" name="Picture 1">
+            <a:extLst>
+              <a:ext uri="{FF2B5EF4-FFF2-40B4-BE49-F238E27FC236}">
+                <a16:creationId xmlns:a16="http://schemas.microsoft.com/office/drawing/2014/main" id="{CE83589A-322F-6B59-3EC4-145C876CBF82}"/>
+              </a:ext>
+            </a:extLst>
+          </p:cNvPr>
+          <p:cNvPicPr>
+            <a:picLocks noChangeAspect="1"/>
+          </p:cNvPicPr>
+          <p:nvPr/>
+        </p:nvPicPr>
+        <p:blipFill rotWithShape="1">
+          <a:blip r:embed="rId2"/>
+          <a:srcRect l="5370" r="6416"/>
+          <a:stretch/>
+        </p:blipFill>
+        <p:spPr>
+          <a:xfrm>
+            <a:off x="86923" y="47601"/>
+            <a:ext cx="819106" cy="792789"/>
+          </a:xfrm>
+          <a:prstGeom prst="rect">
+            <a:avLst/>
+          </a:prstGeom>
+        </p:spPr>
+      </p:pic>
     </p:spTree>
     <p:extLst>
       <p:ext uri="{BB962C8B-B14F-4D97-AF65-F5344CB8AC3E}">
@@ -26336,438 +29159,7 @@
 </p:sld>
 </file>
 
-<file path=ppt/slides/slide2.xml><?xml version="1.0" encoding="utf-8"?>
-<p:sld xmlns:a="http://schemas.openxmlformats.org/drawingml/2006/main" xmlns:r="http://schemas.openxmlformats.org/officeDocument/2006/relationships" xmlns:p="http://schemas.openxmlformats.org/presentationml/2006/main">
-  <p:cSld>
-    <p:bg>
-      <p:bgPr>
-        <a:solidFill>
-          <a:schemeClr val="bg1"/>
-        </a:solidFill>
-        <a:effectLst/>
-      </p:bgPr>
-    </p:bg>
-    <p:spTree>
-      <p:nvGrpSpPr>
-        <p:cNvPr id="1" name=""/>
-        <p:cNvGrpSpPr/>
-        <p:nvPr/>
-      </p:nvGrpSpPr>
-      <p:grpSpPr>
-        <a:xfrm>
-          <a:off x="0" y="0"/>
-          <a:ext cx="0" cy="0"/>
-          <a:chOff x="0" y="0"/>
-          <a:chExt cx="0" cy="0"/>
-        </a:xfrm>
-      </p:grpSpPr>
-      <p:sp useBgFill="1">
-        <p:nvSpPr>
-          <p:cNvPr id="26" name="Rectangle 25">
-            <a:extLst>
-              <a:ext uri="{FF2B5EF4-FFF2-40B4-BE49-F238E27FC236}">
-                <a16:creationId xmlns:a16="http://schemas.microsoft.com/office/drawing/2014/main" id="{36B9F8E7-EAA1-4B1C-BC13-EEB5C78CFCAF}"/>
-              </a:ext>
-              <a:ext uri="{C183D7F6-B498-43B3-948B-1728B52AA6E4}">
-                <adec:decorative xmlns:adec="http://schemas.microsoft.com/office/drawing/2017/decorative" val="1"/>
-              </a:ext>
-            </a:extLst>
-          </p:cNvPr>
-          <p:cNvSpPr>
-            <a:spLocks noGrp="1" noRot="1" noChangeAspect="1" noMove="1" noResize="1" noEditPoints="1" noAdjustHandles="1" noChangeArrowheads="1" noChangeShapeType="1" noTextEdit="1"/>
-          </p:cNvSpPr>
-          <p:nvPr>
-            <p:extLst>
-              <p:ext uri="{386F3935-93C4-4BCD-93E2-E3B085C9AB24}">
-                <p16:designElem xmlns:p16="http://schemas.microsoft.com/office/powerpoint/2015/main" val="1"/>
-              </p:ext>
-            </p:extLst>
-          </p:nvPr>
-        </p:nvSpPr>
-        <p:spPr>
-          <a:xfrm>
-            <a:off x="0" y="0"/>
-            <a:ext cx="12192000" cy="6858000"/>
-          </a:xfrm>
-          <a:prstGeom prst="rect">
-            <a:avLst/>
-          </a:prstGeom>
-          <a:ln w="12700" cap="flat" cmpd="sng" algn="ctr">
-            <a:noFill/>
-            <a:prstDash val="solid"/>
-            <a:miter lim="800000"/>
-          </a:ln>
-          <a:effectLst/>
-          <a:extLst>
-            <a:ext uri="{91240B29-F687-4F45-9708-019B960494DF}">
-              <a14:hiddenLine xmlns:a14="http://schemas.microsoft.com/office/drawing/2010/main" w="12700" cap="flat" cmpd="sng" algn="ctr">
-                <a:solidFill>
-                  <a:schemeClr val="accent1">
-                    <a:shade val="50000"/>
-                  </a:schemeClr>
-                </a:solidFill>
-                <a:prstDash val="solid"/>
-                <a:miter lim="800000"/>
-              </a14:hiddenLine>
-            </a:ext>
-          </a:extLst>
-        </p:spPr>
-        <p:style>
-          <a:lnRef idx="2">
-            <a:schemeClr val="accent1">
-              <a:shade val="50000"/>
-            </a:schemeClr>
-          </a:lnRef>
-          <a:fillRef idx="1">
-            <a:schemeClr val="accent1"/>
-          </a:fillRef>
-          <a:effectRef idx="0">
-            <a:schemeClr val="accent1"/>
-          </a:effectRef>
-          <a:fontRef idx="minor">
-            <a:schemeClr val="lt1"/>
-          </a:fontRef>
-        </p:style>
-        <p:txBody>
-          <a:bodyPr rtlCol="0" anchor="ctr"/>
-          <a:lstStyle/>
-          <a:p>
-            <a:pPr algn="ctr"/>
-            <a:endParaRPr lang="en-US"/>
-          </a:p>
-        </p:txBody>
-      </p:sp>
-      <p:sp>
-        <p:nvSpPr>
-          <p:cNvPr id="28" name="Rectangle 27">
-            <a:extLst>
-              <a:ext uri="{FF2B5EF4-FFF2-40B4-BE49-F238E27FC236}">
-                <a16:creationId xmlns:a16="http://schemas.microsoft.com/office/drawing/2014/main" id="{18A7734B-518B-46E3-AF41-1134F2FF7BA1}"/>
-              </a:ext>
-              <a:ext uri="{C183D7F6-B498-43B3-948B-1728B52AA6E4}">
-                <adec:decorative xmlns:adec="http://schemas.microsoft.com/office/drawing/2017/decorative" val="1"/>
-              </a:ext>
-            </a:extLst>
-          </p:cNvPr>
-          <p:cNvSpPr>
-            <a:spLocks noGrp="1" noRot="1" noChangeAspect="1" noMove="1" noResize="1" noEditPoints="1" noAdjustHandles="1" noChangeArrowheads="1" noChangeShapeType="1" noTextEdit="1"/>
-          </p:cNvSpPr>
-          <p:nvPr>
-            <p:extLst>
-              <p:ext uri="{386F3935-93C4-4BCD-93E2-E3B085C9AB24}">
-                <p16:designElem xmlns:p16="http://schemas.microsoft.com/office/powerpoint/2015/main" val="1"/>
-              </p:ext>
-            </p:extLst>
-          </p:nvPr>
-        </p:nvSpPr>
-        <p:spPr>
-          <a:xfrm>
-            <a:off x="0" y="0"/>
-            <a:ext cx="12192000" cy="2286000"/>
-          </a:xfrm>
-          <a:prstGeom prst="rect">
-            <a:avLst/>
-          </a:prstGeom>
-          <a:ln>
-            <a:noFill/>
-          </a:ln>
-        </p:spPr>
-        <p:style>
-          <a:lnRef idx="2">
-            <a:schemeClr val="accent1">
-              <a:shade val="50000"/>
-            </a:schemeClr>
-          </a:lnRef>
-          <a:fillRef idx="1">
-            <a:schemeClr val="accent1"/>
-          </a:fillRef>
-          <a:effectRef idx="0">
-            <a:schemeClr val="accent1"/>
-          </a:effectRef>
-          <a:fontRef idx="minor">
-            <a:schemeClr val="lt1"/>
-          </a:fontRef>
-        </p:style>
-        <p:txBody>
-          <a:bodyPr rtlCol="0" anchor="ctr"/>
-          <a:lstStyle/>
-          <a:p>
-            <a:pPr algn="ctr"/>
-            <a:endParaRPr lang="en-US"/>
-          </a:p>
-        </p:txBody>
-      </p:sp>
-      <p:sp>
-        <p:nvSpPr>
-          <p:cNvPr id="15" name="Title 14">
-            <a:extLst>
-              <a:ext uri="{FF2B5EF4-FFF2-40B4-BE49-F238E27FC236}">
-                <a16:creationId xmlns:a16="http://schemas.microsoft.com/office/drawing/2014/main" id="{8DED76B9-5273-4139-ACC9-B6E36ADE2385}"/>
-              </a:ext>
-            </a:extLst>
-          </p:cNvPr>
-          <p:cNvSpPr>
-            <a:spLocks noGrp="1"/>
-          </p:cNvSpPr>
-          <p:nvPr>
-            <p:ph type="title"/>
-          </p:nvPr>
-        </p:nvSpPr>
-        <p:spPr>
-          <a:xfrm>
-            <a:off x="305473" y="193589"/>
-            <a:ext cx="11496269" cy="1919606"/>
-          </a:xfrm>
-        </p:spPr>
-        <p:txBody>
-          <a:bodyPr vert="horz" lIns="91440" tIns="45720" rIns="91440" bIns="45720" rtlCol="0" anchor="t">
-            <a:normAutofit/>
-          </a:bodyPr>
-          <a:lstStyle/>
-          <a:p>
-            <a:r>
-              <a:rPr lang="en-US" spc="-40" dirty="0">
-                <a:solidFill>
-                  <a:srgbClr val="FFFFFF"/>
-                </a:solidFill>
-                <a:latin typeface="Arial" panose="020B0604020202020204" pitchFamily="34" charset="0"/>
-                <a:cs typeface="Arial" panose="020B0604020202020204" pitchFamily="34" charset="0"/>
-              </a:rPr>
-              <a:t>Who are we?</a:t>
-            </a:r>
-            <a:br>
-              <a:rPr lang="en-US" sz="5400" spc="-40" dirty="0">
-                <a:solidFill>
-                  <a:srgbClr val="FFFFFF"/>
-                </a:solidFill>
-                <a:latin typeface="Arial" panose="020B0604020202020204" pitchFamily="34" charset="0"/>
-                <a:cs typeface="Arial" panose="020B0604020202020204" pitchFamily="34" charset="0"/>
-              </a:rPr>
-            </a:br>
-            <a:r>
-              <a:rPr lang="en-US" sz="5400" spc="-40" dirty="0">
-                <a:solidFill>
-                  <a:srgbClr val="FFFFFF"/>
-                </a:solidFill>
-                <a:latin typeface="Arial" panose="020B0604020202020204" pitchFamily="34" charset="0"/>
-                <a:cs typeface="Arial" panose="020B0604020202020204" pitchFamily="34" charset="0"/>
-              </a:rPr>
-              <a:t>					</a:t>
-            </a:r>
-            <a:r>
-              <a:rPr lang="en-US" sz="6700" spc="-40" dirty="0">
-                <a:solidFill>
-                  <a:srgbClr val="FFFFFF"/>
-                </a:solidFill>
-                <a:latin typeface="Arial" panose="020B0604020202020204" pitchFamily="34" charset="0"/>
-                <a:cs typeface="Arial" panose="020B0604020202020204" pitchFamily="34" charset="0"/>
-              </a:rPr>
-              <a:t>Joe’s Games</a:t>
-            </a:r>
-            <a:endParaRPr lang="en-US" sz="5400" spc="-40" dirty="0">
-              <a:solidFill>
-                <a:srgbClr val="FFFFFF"/>
-              </a:solidFill>
-              <a:latin typeface="Arial" panose="020B0604020202020204" pitchFamily="34" charset="0"/>
-              <a:cs typeface="Arial" panose="020B0604020202020204" pitchFamily="34" charset="0"/>
-            </a:endParaRPr>
-          </a:p>
-        </p:txBody>
-      </p:sp>
-      <p:pic>
-        <p:nvPicPr>
-          <p:cNvPr id="3" name="Picture 2">
-            <a:extLst>
-              <a:ext uri="{FF2B5EF4-FFF2-40B4-BE49-F238E27FC236}">
-                <a16:creationId xmlns:a16="http://schemas.microsoft.com/office/drawing/2014/main" id="{10B72CAF-C024-4F09-BEEE-0AE8939558CA}"/>
-              </a:ext>
-            </a:extLst>
-          </p:cNvPr>
-          <p:cNvPicPr>
-            <a:picLocks noChangeAspect="1"/>
-          </p:cNvPicPr>
-          <p:nvPr/>
-        </p:nvPicPr>
-        <p:blipFill rotWithShape="1">
-          <a:blip r:embed="rId3"/>
-          <a:srcRect l="5370"/>
-          <a:stretch/>
-        </p:blipFill>
-        <p:spPr>
-          <a:xfrm>
-            <a:off x="1" y="2286000"/>
-            <a:ext cx="5067300" cy="4572000"/>
-          </a:xfrm>
-          <a:prstGeom prst="rect">
-            <a:avLst/>
-          </a:prstGeom>
-        </p:spPr>
-      </p:pic>
-      <p:sp>
-        <p:nvSpPr>
-          <p:cNvPr id="18" name="Text Placeholder 17">
-            <a:extLst>
-              <a:ext uri="{FF2B5EF4-FFF2-40B4-BE49-F238E27FC236}">
-                <a16:creationId xmlns:a16="http://schemas.microsoft.com/office/drawing/2014/main" id="{87F2C169-25EA-4609-BC8A-BCA7C433EEE4}"/>
-              </a:ext>
-            </a:extLst>
-          </p:cNvPr>
-          <p:cNvSpPr>
-            <a:spLocks noGrp="1"/>
-          </p:cNvSpPr>
-          <p:nvPr>
-            <p:ph type="body" sz="quarter" idx="15"/>
-          </p:nvPr>
-        </p:nvSpPr>
-        <p:spPr>
-          <a:xfrm>
-            <a:off x="5824594" y="2681488"/>
-            <a:ext cx="5610113" cy="3535797"/>
-          </a:xfrm>
-        </p:spPr>
-        <p:txBody>
-          <a:bodyPr vert="horz" lIns="91440" tIns="45720" rIns="91440" bIns="45720" rtlCol="0">
-            <a:normAutofit/>
-          </a:bodyPr>
-          <a:lstStyle/>
-          <a:p>
-            <a:pPr marL="0" indent="-228600"/>
-            <a:r>
-              <a:rPr lang="en-US" dirty="0"/>
-              <a:t>Limited company founded by Joe Mason</a:t>
-            </a:r>
-          </a:p>
-          <a:p>
-            <a:pPr marL="0" indent="-228600"/>
-            <a:r>
-              <a:rPr lang="en-US" dirty="0"/>
-              <a:t>Indie game studio producing games for mobile devices</a:t>
-            </a:r>
-          </a:p>
-          <a:p>
-            <a:pPr marL="0" indent="-228600"/>
-            <a:r>
-              <a:rPr lang="en-US" dirty="0"/>
-              <a:t>Owner &amp; 1 employee, outsourcing for additional development</a:t>
-            </a:r>
-          </a:p>
-          <a:p>
-            <a:pPr marL="0" indent="-228600"/>
-            <a:r>
-              <a:rPr lang="en-US" dirty="0"/>
-              <a:t>Based in Cheltenham, Gloucestershire</a:t>
-            </a:r>
-          </a:p>
-          <a:p>
-            <a:pPr marL="0" indent="-228600"/>
-            <a:r>
-              <a:rPr lang="en-US" dirty="0"/>
-              <a:t>Content available worldwide on a range of mobile devices</a:t>
-            </a:r>
-          </a:p>
-        </p:txBody>
-      </p:sp>
-      <p:sp>
-        <p:nvSpPr>
-          <p:cNvPr id="19" name="Date Placeholder 18">
-            <a:extLst>
-              <a:ext uri="{FF2B5EF4-FFF2-40B4-BE49-F238E27FC236}">
-                <a16:creationId xmlns:a16="http://schemas.microsoft.com/office/drawing/2014/main" id="{CE93697D-BFA2-4D84-A860-BA620414419D}"/>
-              </a:ext>
-            </a:extLst>
-          </p:cNvPr>
-          <p:cNvSpPr>
-            <a:spLocks noGrp="1"/>
-          </p:cNvSpPr>
-          <p:nvPr>
-            <p:ph type="dt" sz="half" idx="10"/>
-          </p:nvPr>
-        </p:nvSpPr>
-        <p:spPr>
-          <a:xfrm>
-            <a:off x="7013448" y="6355080"/>
-            <a:ext cx="4352544" cy="365125"/>
-          </a:xfrm>
-        </p:spPr>
-        <p:txBody>
-          <a:bodyPr vert="horz" lIns="91440" tIns="45720" rIns="91440" bIns="45720" rtlCol="0" anchor="ctr">
-            <a:normAutofit/>
-          </a:bodyPr>
-          <a:lstStyle/>
-          <a:p>
-            <a:pPr lvl="0">
-              <a:spcAft>
-                <a:spcPts val="600"/>
-              </a:spcAft>
-            </a:pPr>
-            <a:r>
-              <a:rPr lang="en-US" noProof="0" dirty="0"/>
-              <a:t>2022</a:t>
-            </a:r>
-            <a:endParaRPr lang="en-US" noProof="0"/>
-          </a:p>
-        </p:txBody>
-      </p:sp>
-      <p:sp>
-        <p:nvSpPr>
-          <p:cNvPr id="21" name="Slide Number Placeholder 20">
-            <a:extLst>
-              <a:ext uri="{FF2B5EF4-FFF2-40B4-BE49-F238E27FC236}">
-                <a16:creationId xmlns:a16="http://schemas.microsoft.com/office/drawing/2014/main" id="{C19BFBA5-3E41-40F8-9EFB-9DF730F5B6E4}"/>
-              </a:ext>
-            </a:extLst>
-          </p:cNvPr>
-          <p:cNvSpPr>
-            <a:spLocks noGrp="1"/>
-          </p:cNvSpPr>
-          <p:nvPr>
-            <p:ph type="sldNum" sz="quarter" idx="12"/>
-          </p:nvPr>
-        </p:nvSpPr>
-        <p:spPr>
-          <a:xfrm>
-            <a:off x="11365992" y="6356350"/>
-            <a:ext cx="630936" cy="365125"/>
-          </a:xfrm>
-        </p:spPr>
-        <p:txBody>
-          <a:bodyPr vert="horz" lIns="91440" tIns="45720" rIns="91440" bIns="45720" rtlCol="0" anchor="ctr">
-            <a:normAutofit/>
-          </a:bodyPr>
-          <a:lstStyle/>
-          <a:p>
-            <a:pPr lvl="0">
-              <a:spcAft>
-                <a:spcPts val="600"/>
-              </a:spcAft>
-            </a:pPr>
-            <a:fld id="{244D815C-8BF3-4ECF-A945-A2A7C2983AF9}" type="slidenum">
-              <a:rPr lang="en-US" noProof="0" smtClean="0"/>
-              <a:pPr lvl="0">
-                <a:spcAft>
-                  <a:spcPts val="600"/>
-                </a:spcAft>
-              </a:pPr>
-              <a:t>2</a:t>
-            </a:fld>
-            <a:endParaRPr lang="en-US" noProof="0"/>
-          </a:p>
-        </p:txBody>
-      </p:sp>
-    </p:spTree>
-    <p:extLst>
-      <p:ext uri="{BB962C8B-B14F-4D97-AF65-F5344CB8AC3E}">
-        <p14:creationId xmlns:p14="http://schemas.microsoft.com/office/powerpoint/2010/main" val="2106347884"/>
-      </p:ext>
-    </p:extLst>
-  </p:cSld>
-  <p:clrMapOvr>
-    <a:masterClrMapping/>
-  </p:clrMapOvr>
-</p:sld>
-</file>
-
-<file path=ppt/slides/slide20.xml><?xml version="1.0" encoding="utf-8"?>
+<file path=ppt/slides/slide22.xml><?xml version="1.0" encoding="utf-8"?>
 <p:sld xmlns:a="http://schemas.openxmlformats.org/drawingml/2006/main" xmlns:r="http://schemas.openxmlformats.org/officeDocument/2006/relationships" xmlns:p="http://schemas.openxmlformats.org/presentationml/2006/main">
   <p:cSld>
     <p:spTree>
@@ -26952,7 +29344,7 @@
             <a:fld id="{06B786C7-B8F9-4072-AAAA-17258464D730}" type="slidenum">
               <a:rPr lang="en-US" noProof="0" smtClean="0"/>
               <a:pPr lvl="0"/>
-              <a:t>20</a:t>
+              <a:t>22</a:t>
             </a:fld>
             <a:endParaRPr lang="en-US" noProof="0" dirty="0"/>
           </a:p>
@@ -26993,6 +29385,35 @@
           </a:p>
         </p:txBody>
       </p:sp>
+      <p:pic>
+        <p:nvPicPr>
+          <p:cNvPr id="6" name="Picture 5">
+            <a:extLst>
+              <a:ext uri="{FF2B5EF4-FFF2-40B4-BE49-F238E27FC236}">
+                <a16:creationId xmlns:a16="http://schemas.microsoft.com/office/drawing/2014/main" id="{82D95477-92FE-537C-A4EB-0D19B0C07DE4}"/>
+              </a:ext>
+            </a:extLst>
+          </p:cNvPr>
+          <p:cNvPicPr>
+            <a:picLocks noChangeAspect="1"/>
+          </p:cNvPicPr>
+          <p:nvPr/>
+        </p:nvPicPr>
+        <p:blipFill rotWithShape="1">
+          <a:blip r:embed="rId7"/>
+          <a:srcRect l="5370" r="6416"/>
+          <a:stretch/>
+        </p:blipFill>
+        <p:spPr>
+          <a:xfrm>
+            <a:off x="86923" y="47601"/>
+            <a:ext cx="819106" cy="792789"/>
+          </a:xfrm>
+          <a:prstGeom prst="rect">
+            <a:avLst/>
+          </a:prstGeom>
+        </p:spPr>
+      </p:pic>
     </p:spTree>
     <p:extLst>
       <p:ext uri="{BB962C8B-B14F-4D97-AF65-F5344CB8AC3E}">
@@ -27006,7 +29427,7 @@
 </p:sld>
 </file>
 
-<file path=ppt/slides/slide21.xml><?xml version="1.0" encoding="utf-8"?>
+<file path=ppt/slides/slide23.xml><?xml version="1.0" encoding="utf-8"?>
 <p:sld xmlns:a="http://schemas.openxmlformats.org/drawingml/2006/main" xmlns:r="http://schemas.openxmlformats.org/officeDocument/2006/relationships" xmlns:p="http://schemas.openxmlformats.org/presentationml/2006/main">
   <p:cSld>
     <p:spTree>
@@ -27323,7 +29744,7 @@
             <a:fld id="{D39F39FF-F5CB-4ACA-9B46-4CCF89ECA75F}" type="slidenum">
               <a:rPr lang="en-US" noProof="0" smtClean="0"/>
               <a:pPr lvl="0"/>
-              <a:t>21</a:t>
+              <a:t>23</a:t>
             </a:fld>
             <a:endParaRPr lang="en-US" noProof="0" dirty="0"/>
           </a:p>
@@ -27342,7 +29763,7 @@
 </p:sld>
 </file>
 
-<file path=ppt/slides/slide22.xml><?xml version="1.0" encoding="utf-8"?>
+<file path=ppt/slides/slide24.xml><?xml version="1.0" encoding="utf-8"?>
 <p:sld xmlns:a="http://schemas.openxmlformats.org/drawingml/2006/main" xmlns:r="http://schemas.openxmlformats.org/officeDocument/2006/relationships" xmlns:p="http://schemas.openxmlformats.org/presentationml/2006/main">
   <p:cSld>
     <p:spTree>
@@ -29611,6 +32032,35 @@
           </a:prstGeom>
         </p:spPr>
       </p:pic>
+      <p:pic>
+        <p:nvPicPr>
+          <p:cNvPr id="4" name="Picture 3">
+            <a:extLst>
+              <a:ext uri="{FF2B5EF4-FFF2-40B4-BE49-F238E27FC236}">
+                <a16:creationId xmlns:a16="http://schemas.microsoft.com/office/drawing/2014/main" id="{2F7E6B4C-C078-B1B2-3370-D1E0F0106023}"/>
+              </a:ext>
+            </a:extLst>
+          </p:cNvPr>
+          <p:cNvPicPr>
+            <a:picLocks noChangeAspect="1"/>
+          </p:cNvPicPr>
+          <p:nvPr/>
+        </p:nvPicPr>
+        <p:blipFill rotWithShape="1">
+          <a:blip r:embed="rId5"/>
+          <a:srcRect l="5370" r="6416"/>
+          <a:stretch/>
+        </p:blipFill>
+        <p:spPr>
+          <a:xfrm>
+            <a:off x="86923" y="47601"/>
+            <a:ext cx="819106" cy="792789"/>
+          </a:xfrm>
+          <a:prstGeom prst="rect">
+            <a:avLst/>
+          </a:prstGeom>
+        </p:spPr>
+      </p:pic>
     </p:spTree>
     <p:extLst>
       <p:ext uri="{BB962C8B-B14F-4D97-AF65-F5344CB8AC3E}">
@@ -29708,76 +32158,6 @@
               <a:rPr lang="en-US" noProof="0" dirty="0"/>
               <a:t>OutDig</a:t>
             </a:r>
-          </a:p>
-        </p:txBody>
-      </p:sp>
-      <p:sp>
-        <p:nvSpPr>
-          <p:cNvPr id="6" name="Date Placeholder 5">
-            <a:extLst>
-              <a:ext uri="{FF2B5EF4-FFF2-40B4-BE49-F238E27FC236}">
-                <a16:creationId xmlns:a16="http://schemas.microsoft.com/office/drawing/2014/main" id="{6EF65B39-4112-473E-B203-73AC0F564D47}"/>
-              </a:ext>
-            </a:extLst>
-          </p:cNvPr>
-          <p:cNvSpPr>
-            <a:spLocks noGrp="1"/>
-          </p:cNvSpPr>
-          <p:nvPr>
-            <p:ph type="dt" sz="half" idx="10"/>
-          </p:nvPr>
-        </p:nvSpPr>
-        <p:spPr>
-          <a:xfrm>
-            <a:off x="7013448" y="6355080"/>
-            <a:ext cx="4352544" cy="365125"/>
-          </a:xfrm>
-        </p:spPr>
-        <p:txBody>
-          <a:bodyPr/>
-          <a:lstStyle/>
-          <a:p>
-            <a:pPr lvl="0"/>
-            <a:r>
-              <a:rPr lang="en-US" noProof="0" dirty="0"/>
-              <a:t>2022</a:t>
-            </a:r>
-          </a:p>
-        </p:txBody>
-      </p:sp>
-      <p:sp>
-        <p:nvSpPr>
-          <p:cNvPr id="8" name="Slide Number Placeholder 7">
-            <a:extLst>
-              <a:ext uri="{FF2B5EF4-FFF2-40B4-BE49-F238E27FC236}">
-                <a16:creationId xmlns:a16="http://schemas.microsoft.com/office/drawing/2014/main" id="{99800B7A-B486-4409-9EDD-0A7B9628EDE8}"/>
-              </a:ext>
-            </a:extLst>
-          </p:cNvPr>
-          <p:cNvSpPr>
-            <a:spLocks noGrp="1"/>
-          </p:cNvSpPr>
-          <p:nvPr>
-            <p:ph type="sldNum" sz="quarter" idx="12"/>
-          </p:nvPr>
-        </p:nvSpPr>
-        <p:spPr>
-          <a:xfrm>
-            <a:off x="11365992" y="6356350"/>
-            <a:ext cx="630936" cy="365125"/>
-          </a:xfrm>
-        </p:spPr>
-        <p:txBody>
-          <a:bodyPr/>
-          <a:lstStyle/>
-          <a:p>
-            <a:pPr lvl="0"/>
-            <a:fld id="{06B786C7-B8F9-4072-AAAA-17258464D730}" type="slidenum">
-              <a:rPr lang="en-US" noProof="0" smtClean="0"/>
-              <a:pPr lvl="0"/>
-              <a:t>6</a:t>
-            </a:fld>
-            <a:endParaRPr lang="en-US" noProof="0" dirty="0"/>
           </a:p>
         </p:txBody>
       </p:sp>
@@ -30505,6 +32885,195 @@
           </a:p>
         </p:txBody>
       </p:sp>
+      <p:pic>
+        <p:nvPicPr>
+          <p:cNvPr id="10" name="Picture 9">
+            <a:extLst>
+              <a:ext uri="{FF2B5EF4-FFF2-40B4-BE49-F238E27FC236}">
+                <a16:creationId xmlns:a16="http://schemas.microsoft.com/office/drawing/2014/main" id="{203733F1-AD98-05F3-BA2F-8531259E7032}"/>
+              </a:ext>
+            </a:extLst>
+          </p:cNvPr>
+          <p:cNvPicPr>
+            <a:picLocks noChangeAspect="1"/>
+          </p:cNvPicPr>
+          <p:nvPr/>
+        </p:nvPicPr>
+        <p:blipFill>
+          <a:blip r:embed="rId3"/>
+          <a:stretch>
+            <a:fillRect/>
+          </a:stretch>
+        </p:blipFill>
+        <p:spPr>
+          <a:xfrm>
+            <a:off x="6267826" y="1310829"/>
+            <a:ext cx="5108525" cy="2643177"/>
+          </a:xfrm>
+          <a:prstGeom prst="rect">
+            <a:avLst/>
+          </a:prstGeom>
+        </p:spPr>
+      </p:pic>
+      <p:pic>
+        <p:nvPicPr>
+          <p:cNvPr id="12" name="Picture 11">
+            <a:extLst>
+              <a:ext uri="{FF2B5EF4-FFF2-40B4-BE49-F238E27FC236}">
+                <a16:creationId xmlns:a16="http://schemas.microsoft.com/office/drawing/2014/main" id="{02B08EB9-0661-AA21-C107-94B0D4D00DCD}"/>
+              </a:ext>
+            </a:extLst>
+          </p:cNvPr>
+          <p:cNvPicPr>
+            <a:picLocks noChangeAspect="1"/>
+          </p:cNvPicPr>
+          <p:nvPr/>
+        </p:nvPicPr>
+        <p:blipFill>
+          <a:blip r:embed="rId4"/>
+          <a:stretch>
+            <a:fillRect/>
+          </a:stretch>
+        </p:blipFill>
+        <p:spPr>
+          <a:xfrm>
+            <a:off x="9093314" y="4113290"/>
+            <a:ext cx="2489086" cy="2666880"/>
+          </a:xfrm>
+          <a:prstGeom prst="rect">
+            <a:avLst/>
+          </a:prstGeom>
+        </p:spPr>
+      </p:pic>
+      <p:pic>
+        <p:nvPicPr>
+          <p:cNvPr id="14" name="Picture 13">
+            <a:extLst>
+              <a:ext uri="{FF2B5EF4-FFF2-40B4-BE49-F238E27FC236}">
+                <a16:creationId xmlns:a16="http://schemas.microsoft.com/office/drawing/2014/main" id="{050270D3-C6FE-B32D-2293-AC49AEDD53A4}"/>
+              </a:ext>
+            </a:extLst>
+          </p:cNvPr>
+          <p:cNvPicPr>
+            <a:picLocks noChangeAspect="1"/>
+          </p:cNvPicPr>
+          <p:nvPr/>
+        </p:nvPicPr>
+        <p:blipFill>
+          <a:blip r:embed="rId5"/>
+          <a:stretch>
+            <a:fillRect/>
+          </a:stretch>
+        </p:blipFill>
+        <p:spPr>
+          <a:xfrm>
+            <a:off x="6133795" y="4113743"/>
+            <a:ext cx="2759838" cy="2666427"/>
+          </a:xfrm>
+          <a:prstGeom prst="rect">
+            <a:avLst/>
+          </a:prstGeom>
+        </p:spPr>
+      </p:pic>
+      <p:sp>
+        <p:nvSpPr>
+          <p:cNvPr id="6" name="Date Placeholder 5">
+            <a:extLst>
+              <a:ext uri="{FF2B5EF4-FFF2-40B4-BE49-F238E27FC236}">
+                <a16:creationId xmlns:a16="http://schemas.microsoft.com/office/drawing/2014/main" id="{6EF65B39-4112-473E-B203-73AC0F564D47}"/>
+              </a:ext>
+            </a:extLst>
+          </p:cNvPr>
+          <p:cNvSpPr>
+            <a:spLocks noGrp="1"/>
+          </p:cNvSpPr>
+          <p:nvPr>
+            <p:ph type="dt" sz="half" idx="10"/>
+          </p:nvPr>
+        </p:nvSpPr>
+        <p:spPr>
+          <a:xfrm>
+            <a:off x="7013448" y="6355080"/>
+            <a:ext cx="4352544" cy="365125"/>
+          </a:xfrm>
+        </p:spPr>
+        <p:txBody>
+          <a:bodyPr/>
+          <a:lstStyle/>
+          <a:p>
+            <a:pPr lvl="0"/>
+            <a:r>
+              <a:rPr lang="en-US" noProof="0" dirty="0"/>
+              <a:t>2022</a:t>
+            </a:r>
+          </a:p>
+        </p:txBody>
+      </p:sp>
+      <p:sp>
+        <p:nvSpPr>
+          <p:cNvPr id="8" name="Slide Number Placeholder 7">
+            <a:extLst>
+              <a:ext uri="{FF2B5EF4-FFF2-40B4-BE49-F238E27FC236}">
+                <a16:creationId xmlns:a16="http://schemas.microsoft.com/office/drawing/2014/main" id="{99800B7A-B486-4409-9EDD-0A7B9628EDE8}"/>
+              </a:ext>
+            </a:extLst>
+          </p:cNvPr>
+          <p:cNvSpPr>
+            <a:spLocks noGrp="1"/>
+          </p:cNvSpPr>
+          <p:nvPr>
+            <p:ph type="sldNum" sz="quarter" idx="12"/>
+          </p:nvPr>
+        </p:nvSpPr>
+        <p:spPr>
+          <a:xfrm>
+            <a:off x="11365992" y="6356350"/>
+            <a:ext cx="630936" cy="365125"/>
+          </a:xfrm>
+        </p:spPr>
+        <p:txBody>
+          <a:bodyPr/>
+          <a:lstStyle/>
+          <a:p>
+            <a:pPr lvl="0"/>
+            <a:fld id="{06B786C7-B8F9-4072-AAAA-17258464D730}" type="slidenum">
+              <a:rPr lang="en-US" noProof="0" smtClean="0"/>
+              <a:pPr lvl="0"/>
+              <a:t>6</a:t>
+            </a:fld>
+            <a:endParaRPr lang="en-US" noProof="0" dirty="0"/>
+          </a:p>
+        </p:txBody>
+      </p:sp>
+      <p:pic>
+        <p:nvPicPr>
+          <p:cNvPr id="15" name="Picture 14">
+            <a:extLst>
+              <a:ext uri="{FF2B5EF4-FFF2-40B4-BE49-F238E27FC236}">
+                <a16:creationId xmlns:a16="http://schemas.microsoft.com/office/drawing/2014/main" id="{8B1AC9C7-4597-4859-9639-0F91BA393EB1}"/>
+              </a:ext>
+            </a:extLst>
+          </p:cNvPr>
+          <p:cNvPicPr>
+            <a:picLocks noChangeAspect="1"/>
+          </p:cNvPicPr>
+          <p:nvPr/>
+        </p:nvPicPr>
+        <p:blipFill rotWithShape="1">
+          <a:blip r:embed="rId6"/>
+          <a:srcRect l="5370" r="6416"/>
+          <a:stretch/>
+        </p:blipFill>
+        <p:spPr>
+          <a:xfrm>
+            <a:off x="86923" y="47601"/>
+            <a:ext cx="819106" cy="792789"/>
+          </a:xfrm>
+          <a:prstGeom prst="rect">
+            <a:avLst/>
+          </a:prstGeom>
+        </p:spPr>
+      </p:pic>
     </p:spTree>
     <p:extLst>
       <p:ext uri="{BB962C8B-B14F-4D97-AF65-F5344CB8AC3E}">
@@ -30589,8 +33158,8 @@
         </p:nvSpPr>
         <p:spPr>
           <a:xfrm>
-            <a:off x="539296" y="1375146"/>
-            <a:ext cx="3327366" cy="597604"/>
+            <a:off x="539296" y="1375145"/>
+            <a:ext cx="3327366" cy="1147337"/>
           </a:xfrm>
         </p:spPr>
         <p:txBody>
@@ -30599,8 +33168,17 @@
           <a:p>
             <a:r>
               <a:rPr lang="en-US" dirty="0"/>
-              <a:t>Company 1</a:t>
+              <a:t>Brawlhalla</a:t>
             </a:r>
+          </a:p>
+          <a:p>
+            <a:r>
+              <a:rPr lang="en-US" sz="1400" dirty="0"/>
+              <a:t>    2020 - Blue Mammoth Games</a:t>
+            </a:r>
+          </a:p>
+          <a:p>
+            <a:endParaRPr lang="en-US" dirty="0"/>
           </a:p>
         </p:txBody>
       </p:sp>
@@ -30622,8 +33200,8 @@
         </p:nvSpPr>
         <p:spPr>
           <a:xfrm>
-            <a:off x="539189" y="1985852"/>
-            <a:ext cx="4118268" cy="4369228"/>
+            <a:off x="507417" y="2301132"/>
+            <a:ext cx="3359245" cy="2419456"/>
           </a:xfrm>
         </p:spPr>
         <p:txBody>
@@ -30632,69 +33210,22 @@
           </a:bodyPr>
           <a:lstStyle/>
           <a:p>
-            <a:pPr marL="0" lvl="0" indent="0">
-              <a:buNone/>
-            </a:pPr>
             <a:r>
               <a:rPr lang="en-US" dirty="0"/>
-              <a:t>Market influence</a:t>
+              <a:t>10m total downloads (free)</a:t>
             </a:r>
           </a:p>
           <a:p>
-            <a:pPr marL="0" lvl="0" indent="0">
-              <a:buNone/>
-            </a:pPr>
             <a:r>
               <a:rPr lang="en-US" dirty="0"/>
-              <a:t>Financials</a:t>
+              <a:t>963k new downloads (2021)</a:t>
             </a:r>
           </a:p>
           <a:p>
-            <a:pPr marL="0" lvl="0" indent="0">
-              <a:buNone/>
-            </a:pPr>
             <a:r>
               <a:rPr lang="en-US" dirty="0"/>
-              <a:t>Similarities</a:t>
+              <a:t>£268,000 revenue   (2021)</a:t>
             </a:r>
-          </a:p>
-          <a:p>
-            <a:pPr marL="0" lvl="0" indent="0">
-              <a:buNone/>
-            </a:pPr>
-            <a:r>
-              <a:rPr lang="en-US" dirty="0"/>
-              <a:t>Potential to overtake</a:t>
-            </a:r>
-          </a:p>
-          <a:p>
-            <a:pPr marL="0" lvl="0" indent="0">
-              <a:buNone/>
-            </a:pPr>
-            <a:endParaRPr lang="en-US" dirty="0"/>
-          </a:p>
-          <a:p>
-            <a:pPr marL="0" lvl="0" indent="0">
-              <a:buNone/>
-            </a:pPr>
-            <a:r>
-              <a:rPr lang="en-US" dirty="0"/>
-              <a:t>Use lemmings as 3</a:t>
-            </a:r>
-            <a:r>
-              <a:rPr lang="en-US" baseline="30000" dirty="0"/>
-              <a:t>rd</a:t>
-            </a:r>
-            <a:r>
-              <a:rPr lang="en-US" dirty="0"/>
-              <a:t> example</a:t>
-            </a:r>
-          </a:p>
-          <a:p>
-            <a:pPr marL="0" lvl="0" indent="0">
-              <a:buNone/>
-            </a:pPr>
-            <a:endParaRPr lang="en-US" dirty="0"/>
           </a:p>
         </p:txBody>
       </p:sp>
@@ -30716,8 +33247,8 @@
         </p:nvSpPr>
         <p:spPr>
           <a:xfrm>
-            <a:off x="4970702" y="1375146"/>
-            <a:ext cx="3327366" cy="597604"/>
+            <a:off x="4348030" y="1375146"/>
+            <a:ext cx="3327366" cy="1147336"/>
           </a:xfrm>
         </p:spPr>
         <p:txBody>
@@ -30726,8 +33257,15 @@
           <a:p>
             <a:r>
               <a:rPr lang="en-US" dirty="0"/>
-              <a:t>Company 2</a:t>
+              <a:t>Terraria</a:t>
             </a:r>
+          </a:p>
+          <a:p>
+            <a:r>
+              <a:rPr lang="en-US" sz="1400" dirty="0"/>
+              <a:t>    2013 - Re-Logic</a:t>
+            </a:r>
+            <a:endParaRPr lang="en-US" dirty="0"/>
           </a:p>
         </p:txBody>
       </p:sp>
@@ -30749,8 +33287,8 @@
         </p:nvSpPr>
         <p:spPr>
           <a:xfrm>
-            <a:off x="4970701" y="1985852"/>
-            <a:ext cx="4118269" cy="4367958"/>
+            <a:off x="4348031" y="2306054"/>
+            <a:ext cx="3359244" cy="2414534"/>
           </a:xfrm>
         </p:spPr>
         <p:txBody>
@@ -30759,66 +33297,21 @@
           </a:bodyPr>
           <a:lstStyle/>
           <a:p>
-            <a:pPr marL="0" indent="0">
-              <a:buNone/>
-            </a:pPr>
             <a:r>
               <a:rPr lang="en-US" dirty="0"/>
-              <a:t>from “reflection.io”</a:t>
+              <a:t>9.3m total downloads (£4.59)</a:t>
             </a:r>
           </a:p>
           <a:p>
-            <a:pPr marL="0" indent="0">
-              <a:buNone/>
-            </a:pPr>
             <a:r>
               <a:rPr lang="en-US" dirty="0"/>
-              <a:t>“brawlhalla”</a:t>
+              <a:t>228k new downloads (2021)</a:t>
             </a:r>
           </a:p>
           <a:p>
             <a:r>
               <a:rPr lang="en-US" dirty="0"/>
-              <a:t>10m total downloads (free)</a:t>
-            </a:r>
-          </a:p>
-          <a:p>
-            <a:r>
-              <a:rPr lang="en-US" dirty="0"/>
-              <a:t>1.02m new downloads per year</a:t>
-            </a:r>
-          </a:p>
-          <a:p>
-            <a:r>
-              <a:rPr lang="en-US" dirty="0"/>
-              <a:t>£325,000 revenue per year</a:t>
-            </a:r>
-          </a:p>
-          <a:p>
-            <a:pPr marL="0" indent="0">
-              <a:buNone/>
-            </a:pPr>
-            <a:r>
-              <a:rPr lang="en-US" dirty="0"/>
-              <a:t>“terraria”</a:t>
-            </a:r>
-          </a:p>
-          <a:p>
-            <a:r>
-              <a:rPr lang="en-US" dirty="0"/>
-              <a:t>1.9m total downloads (£4.59)</a:t>
-            </a:r>
-          </a:p>
-          <a:p>
-            <a:r>
-              <a:rPr lang="en-US" dirty="0"/>
-              <a:t>240k new downloads per year</a:t>
-            </a:r>
-          </a:p>
-          <a:p>
-            <a:r>
-              <a:rPr lang="en-US" dirty="0"/>
-              <a:t>£465,000 revenue per year</a:t>
+              <a:t>£452,000 revenue   (2021)</a:t>
             </a:r>
           </a:p>
         </p:txBody>
@@ -30929,10 +33422,10 @@
       </p:sp>
       <p:pic>
         <p:nvPicPr>
-          <p:cNvPr id="9" name="Picture Placeholder 52" descr="A picture containing mountain, sky, snow, outdoor">
+          <p:cNvPr id="5" name="Picture 4">
             <a:extLst>
               <a:ext uri="{FF2B5EF4-FFF2-40B4-BE49-F238E27FC236}">
-                <a16:creationId xmlns:a16="http://schemas.microsoft.com/office/drawing/2014/main" id="{A78D3100-7D1B-70DA-956C-E735495B8148}"/>
+                <a16:creationId xmlns:a16="http://schemas.microsoft.com/office/drawing/2014/main" id="{12513EB2-7EAF-C5E2-3007-C5B56ED5C28A}"/>
               </a:ext>
             </a:extLst>
           </p:cNvPr>
@@ -30942,20 +33435,461 @@
           <p:nvPr/>
         </p:nvPicPr>
         <p:blipFill rotWithShape="1">
-          <a:blip r:embed="rId2" cstate="screen">
-            <a:extLst>
-              <a:ext uri="{28A0092B-C50C-407E-A947-70E740481C1C}">
-                <a14:useLocalDpi xmlns:a14="http://schemas.microsoft.com/office/drawing/2010/main" val="0"/>
-              </a:ext>
-            </a:extLst>
-          </a:blip>
-          <a:srcRect/>
+          <a:blip r:embed="rId3"/>
+          <a:srcRect l="5370" r="6416"/>
           <a:stretch/>
         </p:blipFill>
         <p:spPr>
           <a:xfrm>
-            <a:off x="9686030" y="1219308"/>
-            <a:ext cx="2214562" cy="2513012"/>
+            <a:off x="86923" y="47601"/>
+            <a:ext cx="819106" cy="792789"/>
+          </a:xfrm>
+          <a:prstGeom prst="rect">
+            <a:avLst/>
+          </a:prstGeom>
+        </p:spPr>
+      </p:pic>
+      <p:sp>
+        <p:nvSpPr>
+          <p:cNvPr id="6" name="Text Placeholder 15">
+            <a:extLst>
+              <a:ext uri="{FF2B5EF4-FFF2-40B4-BE49-F238E27FC236}">
+                <a16:creationId xmlns:a16="http://schemas.microsoft.com/office/drawing/2014/main" id="{A3D7300F-E52D-CD05-CCBC-4892B215D506}"/>
+              </a:ext>
+            </a:extLst>
+          </p:cNvPr>
+          <p:cNvSpPr txBox="1">
+            <a:spLocks/>
+          </p:cNvSpPr>
+          <p:nvPr/>
+        </p:nvSpPr>
+        <p:spPr>
+          <a:xfrm>
+            <a:off x="8188643" y="1421339"/>
+            <a:ext cx="3327366" cy="1147336"/>
+          </a:xfrm>
+          <a:prstGeom prst="rect">
+            <a:avLst/>
+          </a:prstGeom>
+        </p:spPr>
+        <p:txBody>
+          <a:bodyPr vert="horz" lIns="91440" tIns="45720" rIns="91440" bIns="45720" rtlCol="0">
+            <a:normAutofit/>
+          </a:bodyPr>
+          <a:lstStyle>
+            <a:lvl1pPr marL="0" indent="0" algn="l" defTabSz="914400" rtl="0" eaLnBrk="1" latinLnBrk="0" hangingPunct="1">
+              <a:lnSpc>
+                <a:spcPct val="110000"/>
+              </a:lnSpc>
+              <a:spcBef>
+                <a:spcPts val="1000"/>
+              </a:spcBef>
+              <a:buFont typeface="Arial" panose="020B0604020202020204" pitchFamily="34" charset="0"/>
+              <a:buNone/>
+              <a:defRPr sz="2400" b="1" kern="1200" spc="-20" baseline="0">
+                <a:solidFill>
+                  <a:schemeClr val="accent2"/>
+                </a:solidFill>
+                <a:latin typeface="+mn-lt"/>
+                <a:ea typeface="+mn-ea"/>
+                <a:cs typeface="+mn-cs"/>
+              </a:defRPr>
+            </a:lvl1pPr>
+            <a:lvl2pPr marL="685800" indent="-228600" algn="l" defTabSz="914400" rtl="0" eaLnBrk="1" latinLnBrk="0" hangingPunct="1">
+              <a:lnSpc>
+                <a:spcPct val="110000"/>
+              </a:lnSpc>
+              <a:spcBef>
+                <a:spcPts val="500"/>
+              </a:spcBef>
+              <a:buFont typeface="Arial" panose="020B0604020202020204" pitchFamily="34" charset="0"/>
+              <a:buChar char="•"/>
+              <a:defRPr sz="2000" kern="1200" spc="-20" baseline="0">
+                <a:solidFill>
+                  <a:schemeClr val="tx1"/>
+                </a:solidFill>
+                <a:latin typeface="+mn-lt"/>
+                <a:ea typeface="+mn-ea"/>
+                <a:cs typeface="+mn-cs"/>
+              </a:defRPr>
+            </a:lvl2pPr>
+            <a:lvl3pPr marL="1143000" indent="-228600" algn="l" defTabSz="914400" rtl="0" eaLnBrk="1" latinLnBrk="0" hangingPunct="1">
+              <a:lnSpc>
+                <a:spcPct val="110000"/>
+              </a:lnSpc>
+              <a:spcBef>
+                <a:spcPts val="500"/>
+              </a:spcBef>
+              <a:buFont typeface="Arial" panose="020B0604020202020204" pitchFamily="34" charset="0"/>
+              <a:buChar char="•"/>
+              <a:defRPr sz="1800" kern="1200" spc="-20" baseline="0">
+                <a:solidFill>
+                  <a:schemeClr val="tx1"/>
+                </a:solidFill>
+                <a:latin typeface="+mn-lt"/>
+                <a:ea typeface="+mn-ea"/>
+                <a:cs typeface="+mn-cs"/>
+              </a:defRPr>
+            </a:lvl3pPr>
+            <a:lvl4pPr marL="1600200" indent="-228600" algn="l" defTabSz="914400" rtl="0" eaLnBrk="1" latinLnBrk="0" hangingPunct="1">
+              <a:lnSpc>
+                <a:spcPct val="110000"/>
+              </a:lnSpc>
+              <a:spcBef>
+                <a:spcPts val="500"/>
+              </a:spcBef>
+              <a:buFont typeface="Arial" panose="020B0604020202020204" pitchFamily="34" charset="0"/>
+              <a:buChar char="•"/>
+              <a:defRPr sz="1600" kern="1200" spc="-20" baseline="0">
+                <a:solidFill>
+                  <a:schemeClr val="tx1"/>
+                </a:solidFill>
+                <a:latin typeface="+mn-lt"/>
+                <a:ea typeface="+mn-ea"/>
+                <a:cs typeface="+mn-cs"/>
+              </a:defRPr>
+            </a:lvl4pPr>
+            <a:lvl5pPr marL="2057400" indent="-228600" algn="l" defTabSz="914400" rtl="0" eaLnBrk="1" latinLnBrk="0" hangingPunct="1">
+              <a:lnSpc>
+                <a:spcPct val="110000"/>
+              </a:lnSpc>
+              <a:spcBef>
+                <a:spcPts val="500"/>
+              </a:spcBef>
+              <a:buFont typeface="Arial" panose="020B0604020202020204" pitchFamily="34" charset="0"/>
+              <a:buChar char="•"/>
+              <a:defRPr sz="1600" kern="1200" spc="-20" baseline="0">
+                <a:solidFill>
+                  <a:schemeClr val="tx1"/>
+                </a:solidFill>
+                <a:latin typeface="+mn-lt"/>
+                <a:ea typeface="+mn-ea"/>
+                <a:cs typeface="+mn-cs"/>
+              </a:defRPr>
+            </a:lvl5pPr>
+            <a:lvl6pPr marL="2514600" indent="-228600" algn="l" defTabSz="914400" rtl="0" eaLnBrk="1" latinLnBrk="0" hangingPunct="1">
+              <a:lnSpc>
+                <a:spcPct val="90000"/>
+              </a:lnSpc>
+              <a:spcBef>
+                <a:spcPts val="500"/>
+              </a:spcBef>
+              <a:buFont typeface="Arial" panose="020B0604020202020204" pitchFamily="34" charset="0"/>
+              <a:buChar char="•"/>
+              <a:defRPr sz="1800" kern="1200">
+                <a:solidFill>
+                  <a:schemeClr val="tx1"/>
+                </a:solidFill>
+                <a:latin typeface="+mn-lt"/>
+                <a:ea typeface="+mn-ea"/>
+                <a:cs typeface="+mn-cs"/>
+              </a:defRPr>
+            </a:lvl6pPr>
+            <a:lvl7pPr marL="2971800" indent="-228600" algn="l" defTabSz="914400" rtl="0" eaLnBrk="1" latinLnBrk="0" hangingPunct="1">
+              <a:lnSpc>
+                <a:spcPct val="90000"/>
+              </a:lnSpc>
+              <a:spcBef>
+                <a:spcPts val="500"/>
+              </a:spcBef>
+              <a:buFont typeface="Arial" panose="020B0604020202020204" pitchFamily="34" charset="0"/>
+              <a:buChar char="•"/>
+              <a:defRPr sz="1800" kern="1200">
+                <a:solidFill>
+                  <a:schemeClr val="tx1"/>
+                </a:solidFill>
+                <a:latin typeface="+mn-lt"/>
+                <a:ea typeface="+mn-ea"/>
+                <a:cs typeface="+mn-cs"/>
+              </a:defRPr>
+            </a:lvl7pPr>
+            <a:lvl8pPr marL="3429000" indent="-228600" algn="l" defTabSz="914400" rtl="0" eaLnBrk="1" latinLnBrk="0" hangingPunct="1">
+              <a:lnSpc>
+                <a:spcPct val="90000"/>
+              </a:lnSpc>
+              <a:spcBef>
+                <a:spcPts val="500"/>
+              </a:spcBef>
+              <a:buFont typeface="Arial" panose="020B0604020202020204" pitchFamily="34" charset="0"/>
+              <a:buChar char="•"/>
+              <a:defRPr sz="1800" kern="1200">
+                <a:solidFill>
+                  <a:schemeClr val="tx1"/>
+                </a:solidFill>
+                <a:latin typeface="+mn-lt"/>
+                <a:ea typeface="+mn-ea"/>
+                <a:cs typeface="+mn-cs"/>
+              </a:defRPr>
+            </a:lvl8pPr>
+            <a:lvl9pPr marL="3886200" indent="-228600" algn="l" defTabSz="914400" rtl="0" eaLnBrk="1" latinLnBrk="0" hangingPunct="1">
+              <a:lnSpc>
+                <a:spcPct val="90000"/>
+              </a:lnSpc>
+              <a:spcBef>
+                <a:spcPts val="500"/>
+              </a:spcBef>
+              <a:buFont typeface="Arial" panose="020B0604020202020204" pitchFamily="34" charset="0"/>
+              <a:buChar char="•"/>
+              <a:defRPr sz="1800" kern="1200">
+                <a:solidFill>
+                  <a:schemeClr val="tx1"/>
+                </a:solidFill>
+                <a:latin typeface="+mn-lt"/>
+                <a:ea typeface="+mn-ea"/>
+                <a:cs typeface="+mn-cs"/>
+              </a:defRPr>
+            </a:lvl9pPr>
+          </a:lstStyle>
+          <a:p>
+            <a:r>
+              <a:rPr lang="en-US" dirty="0"/>
+              <a:t>Lemmings</a:t>
+            </a:r>
+          </a:p>
+          <a:p>
+            <a:r>
+              <a:rPr lang="en-US" sz="1400" dirty="0"/>
+              <a:t>    2018 - Exient</a:t>
+            </a:r>
+            <a:endParaRPr lang="en-US" dirty="0"/>
+          </a:p>
+        </p:txBody>
+      </p:sp>
+      <p:sp>
+        <p:nvSpPr>
+          <p:cNvPr id="7" name="Content Placeholder 12">
+            <a:extLst>
+              <a:ext uri="{FF2B5EF4-FFF2-40B4-BE49-F238E27FC236}">
+                <a16:creationId xmlns:a16="http://schemas.microsoft.com/office/drawing/2014/main" id="{1B7F91AD-0BE2-146F-79AA-D5BA300F81F7}"/>
+              </a:ext>
+            </a:extLst>
+          </p:cNvPr>
+          <p:cNvSpPr txBox="1">
+            <a:spLocks/>
+          </p:cNvSpPr>
+          <p:nvPr/>
+        </p:nvSpPr>
+        <p:spPr>
+          <a:xfrm>
+            <a:off x="8188643" y="2352247"/>
+            <a:ext cx="3359245" cy="2368341"/>
+          </a:xfrm>
+          <a:prstGeom prst="rect">
+            <a:avLst/>
+          </a:prstGeom>
+        </p:spPr>
+        <p:txBody>
+          <a:bodyPr vert="horz" lIns="91440" tIns="45720" rIns="91440" bIns="45720" rtlCol="0">
+            <a:normAutofit/>
+          </a:bodyPr>
+          <a:lstStyle>
+            <a:lvl1pPr marL="228600" indent="-228600" algn="l" defTabSz="914400" rtl="0" eaLnBrk="1" latinLnBrk="0" hangingPunct="1">
+              <a:lnSpc>
+                <a:spcPct val="110000"/>
+              </a:lnSpc>
+              <a:spcBef>
+                <a:spcPts val="1000"/>
+              </a:spcBef>
+              <a:buFont typeface="Arial" panose="020B0604020202020204" pitchFamily="34" charset="0"/>
+              <a:buChar char="•"/>
+              <a:defRPr sz="2000" kern="1200" spc="-20" baseline="0">
+                <a:solidFill>
+                  <a:schemeClr val="tx1"/>
+                </a:solidFill>
+                <a:latin typeface="+mn-lt"/>
+                <a:ea typeface="+mn-ea"/>
+                <a:cs typeface="+mn-cs"/>
+              </a:defRPr>
+            </a:lvl1pPr>
+            <a:lvl2pPr marL="685800" indent="-228600" algn="l" defTabSz="914400" rtl="0" eaLnBrk="1" latinLnBrk="0" hangingPunct="1">
+              <a:lnSpc>
+                <a:spcPct val="110000"/>
+              </a:lnSpc>
+              <a:spcBef>
+                <a:spcPts val="500"/>
+              </a:spcBef>
+              <a:buFont typeface="Arial" panose="020B0604020202020204" pitchFamily="34" charset="0"/>
+              <a:buChar char="•"/>
+              <a:defRPr sz="2000" kern="1200" spc="-20" baseline="0">
+                <a:solidFill>
+                  <a:schemeClr val="tx1"/>
+                </a:solidFill>
+                <a:latin typeface="+mn-lt"/>
+                <a:ea typeface="+mn-ea"/>
+                <a:cs typeface="+mn-cs"/>
+              </a:defRPr>
+            </a:lvl2pPr>
+            <a:lvl3pPr marL="1143000" indent="-228600" algn="l" defTabSz="914400" rtl="0" eaLnBrk="1" latinLnBrk="0" hangingPunct="1">
+              <a:lnSpc>
+                <a:spcPct val="110000"/>
+              </a:lnSpc>
+              <a:spcBef>
+                <a:spcPts val="500"/>
+              </a:spcBef>
+              <a:buFont typeface="Arial" panose="020B0604020202020204" pitchFamily="34" charset="0"/>
+              <a:buChar char="•"/>
+              <a:defRPr sz="1800" kern="1200" spc="-20" baseline="0">
+                <a:solidFill>
+                  <a:schemeClr val="tx1"/>
+                </a:solidFill>
+                <a:latin typeface="+mn-lt"/>
+                <a:ea typeface="+mn-ea"/>
+                <a:cs typeface="+mn-cs"/>
+              </a:defRPr>
+            </a:lvl3pPr>
+            <a:lvl4pPr marL="1600200" indent="-228600" algn="l" defTabSz="914400" rtl="0" eaLnBrk="1" latinLnBrk="0" hangingPunct="1">
+              <a:lnSpc>
+                <a:spcPct val="110000"/>
+              </a:lnSpc>
+              <a:spcBef>
+                <a:spcPts val="500"/>
+              </a:spcBef>
+              <a:buFont typeface="Arial" panose="020B0604020202020204" pitchFamily="34" charset="0"/>
+              <a:buChar char="•"/>
+              <a:defRPr sz="1600" kern="1200" spc="-20" baseline="0">
+                <a:solidFill>
+                  <a:schemeClr val="tx1"/>
+                </a:solidFill>
+                <a:latin typeface="+mn-lt"/>
+                <a:ea typeface="+mn-ea"/>
+                <a:cs typeface="+mn-cs"/>
+              </a:defRPr>
+            </a:lvl4pPr>
+            <a:lvl5pPr marL="2057400" indent="-228600" algn="l" defTabSz="914400" rtl="0" eaLnBrk="1" latinLnBrk="0" hangingPunct="1">
+              <a:lnSpc>
+                <a:spcPct val="110000"/>
+              </a:lnSpc>
+              <a:spcBef>
+                <a:spcPts val="500"/>
+              </a:spcBef>
+              <a:buFont typeface="Arial" panose="020B0604020202020204" pitchFamily="34" charset="0"/>
+              <a:buChar char="•"/>
+              <a:defRPr sz="1600" kern="1200" spc="-20" baseline="0">
+                <a:solidFill>
+                  <a:schemeClr val="tx1"/>
+                </a:solidFill>
+                <a:latin typeface="+mn-lt"/>
+                <a:ea typeface="+mn-ea"/>
+                <a:cs typeface="+mn-cs"/>
+              </a:defRPr>
+            </a:lvl5pPr>
+            <a:lvl6pPr marL="2514600" indent="-228600" algn="l" defTabSz="914400" rtl="0" eaLnBrk="1" latinLnBrk="0" hangingPunct="1">
+              <a:lnSpc>
+                <a:spcPct val="90000"/>
+              </a:lnSpc>
+              <a:spcBef>
+                <a:spcPts val="500"/>
+              </a:spcBef>
+              <a:buFont typeface="Arial" panose="020B0604020202020204" pitchFamily="34" charset="0"/>
+              <a:buChar char="•"/>
+              <a:defRPr sz="1800" kern="1200">
+                <a:solidFill>
+                  <a:schemeClr val="tx1"/>
+                </a:solidFill>
+                <a:latin typeface="+mn-lt"/>
+                <a:ea typeface="+mn-ea"/>
+                <a:cs typeface="+mn-cs"/>
+              </a:defRPr>
+            </a:lvl6pPr>
+            <a:lvl7pPr marL="2971800" indent="-228600" algn="l" defTabSz="914400" rtl="0" eaLnBrk="1" latinLnBrk="0" hangingPunct="1">
+              <a:lnSpc>
+                <a:spcPct val="90000"/>
+              </a:lnSpc>
+              <a:spcBef>
+                <a:spcPts val="500"/>
+              </a:spcBef>
+              <a:buFont typeface="Arial" panose="020B0604020202020204" pitchFamily="34" charset="0"/>
+              <a:buChar char="•"/>
+              <a:defRPr sz="1800" kern="1200">
+                <a:solidFill>
+                  <a:schemeClr val="tx1"/>
+                </a:solidFill>
+                <a:latin typeface="+mn-lt"/>
+                <a:ea typeface="+mn-ea"/>
+                <a:cs typeface="+mn-cs"/>
+              </a:defRPr>
+            </a:lvl7pPr>
+            <a:lvl8pPr marL="3429000" indent="-228600" algn="l" defTabSz="914400" rtl="0" eaLnBrk="1" latinLnBrk="0" hangingPunct="1">
+              <a:lnSpc>
+                <a:spcPct val="90000"/>
+              </a:lnSpc>
+              <a:spcBef>
+                <a:spcPts val="500"/>
+              </a:spcBef>
+              <a:buFont typeface="Arial" panose="020B0604020202020204" pitchFamily="34" charset="0"/>
+              <a:buChar char="•"/>
+              <a:defRPr sz="1800" kern="1200">
+                <a:solidFill>
+                  <a:schemeClr val="tx1"/>
+                </a:solidFill>
+                <a:latin typeface="+mn-lt"/>
+                <a:ea typeface="+mn-ea"/>
+                <a:cs typeface="+mn-cs"/>
+              </a:defRPr>
+            </a:lvl8pPr>
+            <a:lvl9pPr marL="3886200" indent="-228600" algn="l" defTabSz="914400" rtl="0" eaLnBrk="1" latinLnBrk="0" hangingPunct="1">
+              <a:lnSpc>
+                <a:spcPct val="90000"/>
+              </a:lnSpc>
+              <a:spcBef>
+                <a:spcPts val="500"/>
+              </a:spcBef>
+              <a:buFont typeface="Arial" panose="020B0604020202020204" pitchFamily="34" charset="0"/>
+              <a:buChar char="•"/>
+              <a:defRPr sz="1800" kern="1200">
+                <a:solidFill>
+                  <a:schemeClr val="tx1"/>
+                </a:solidFill>
+                <a:latin typeface="+mn-lt"/>
+                <a:ea typeface="+mn-ea"/>
+                <a:cs typeface="+mn-cs"/>
+              </a:defRPr>
+            </a:lvl9pPr>
+          </a:lstStyle>
+          <a:p>
+            <a:r>
+              <a:rPr lang="en-US" dirty="0"/>
+              <a:t>5m total downloads  (free)</a:t>
+            </a:r>
+          </a:p>
+          <a:p>
+            <a:r>
+              <a:rPr lang="en-US" dirty="0"/>
+              <a:t>720k new downloads (2021)</a:t>
+            </a:r>
+          </a:p>
+          <a:p>
+            <a:r>
+              <a:rPr lang="en-US" dirty="0"/>
+              <a:t>£278,000 revenue   (2021)</a:t>
+            </a:r>
+          </a:p>
+        </p:txBody>
+      </p:sp>
+      <p:pic>
+        <p:nvPicPr>
+          <p:cNvPr id="14" name="Picture 13">
+            <a:extLst>
+              <a:ext uri="{FF2B5EF4-FFF2-40B4-BE49-F238E27FC236}">
+                <a16:creationId xmlns:a16="http://schemas.microsoft.com/office/drawing/2014/main" id="{673CFBE1-0ADF-64AA-92D9-E0A76A993B98}"/>
+              </a:ext>
+            </a:extLst>
+          </p:cNvPr>
+          <p:cNvPicPr>
+            <a:picLocks noChangeAspect="1"/>
+          </p:cNvPicPr>
+          <p:nvPr/>
+        </p:nvPicPr>
+        <p:blipFill>
+          <a:blip r:embed="rId4"/>
+          <a:stretch>
+            <a:fillRect/>
+          </a:stretch>
+        </p:blipFill>
+        <p:spPr>
+          <a:xfrm>
+            <a:off x="847514" y="4618789"/>
+            <a:ext cx="2064171" cy="2055571"/>
           </a:xfrm>
           <a:prstGeom prst="rect">
             <a:avLst/>
@@ -30964,10 +33898,10 @@
       </p:pic>
       <p:pic>
         <p:nvPicPr>
-          <p:cNvPr id="10" name="Picture Placeholder 24" descr="A picture containing nature, outdoor, mountain, night sky">
+          <p:cNvPr id="17" name="Picture 16">
             <a:extLst>
               <a:ext uri="{FF2B5EF4-FFF2-40B4-BE49-F238E27FC236}">
-                <a16:creationId xmlns:a16="http://schemas.microsoft.com/office/drawing/2014/main" id="{886D81A3-668D-EF1A-2974-73B3B8B01C86}"/>
+                <a16:creationId xmlns:a16="http://schemas.microsoft.com/office/drawing/2014/main" id="{A1773C31-1CFA-5205-4C08-CE4B9843BFD2}"/>
               </a:ext>
             </a:extLst>
           </p:cNvPr>
@@ -30976,21 +33910,46 @@
           </p:cNvPicPr>
           <p:nvPr/>
         </p:nvPicPr>
-        <p:blipFill rotWithShape="1">
-          <a:blip r:embed="rId3" cstate="screen">
-            <a:extLst>
-              <a:ext uri="{28A0092B-C50C-407E-A947-70E740481C1C}">
-                <a14:useLocalDpi xmlns:a14="http://schemas.microsoft.com/office/drawing/2010/main" val="0"/>
-              </a:ext>
-            </a:extLst>
-          </a:blip>
-          <a:srcRect/>
-          <a:stretch/>
+        <p:blipFill>
+          <a:blip r:embed="rId5"/>
+          <a:stretch>
+            <a:fillRect/>
+          </a:stretch>
         </p:blipFill>
         <p:spPr>
           <a:xfrm>
-            <a:off x="9681138" y="4161000"/>
-            <a:ext cx="2214562" cy="2513012"/>
+            <a:off x="4771345" y="4573843"/>
+            <a:ext cx="2117743" cy="2100169"/>
+          </a:xfrm>
+          <a:prstGeom prst="rect">
+            <a:avLst/>
+          </a:prstGeom>
+        </p:spPr>
+      </p:pic>
+      <p:pic>
+        <p:nvPicPr>
+          <p:cNvPr id="19" name="Picture 18">
+            <a:extLst>
+              <a:ext uri="{FF2B5EF4-FFF2-40B4-BE49-F238E27FC236}">
+                <a16:creationId xmlns:a16="http://schemas.microsoft.com/office/drawing/2014/main" id="{DE02E186-7A14-D069-C5D1-B9366BB391FF}"/>
+              </a:ext>
+            </a:extLst>
+          </p:cNvPr>
+          <p:cNvPicPr>
+            <a:picLocks noChangeAspect="1"/>
+          </p:cNvPicPr>
+          <p:nvPr/>
+        </p:nvPicPr>
+        <p:blipFill>
+          <a:blip r:embed="rId6"/>
+          <a:stretch>
+            <a:fillRect/>
+          </a:stretch>
+        </p:blipFill>
+        <p:spPr>
+          <a:xfrm>
+            <a:off x="8498901" y="4613688"/>
+            <a:ext cx="2136068" cy="2136068"/>
           </a:xfrm>
           <a:prstGeom prst="rect">
             <a:avLst/>
@@ -31368,13 +34327,13 @@
             <p:ph sz="quarter" idx="14"/>
             <p:extLst>
               <p:ext uri="{D42A27DB-BD31-4B8C-83A1-F6EECF244321}">
-                <p14:modId xmlns:p14="http://schemas.microsoft.com/office/powerpoint/2010/main" val="1906694569"/>
+                <p14:modId xmlns:p14="http://schemas.microsoft.com/office/powerpoint/2010/main" val="1385669300"/>
               </p:ext>
             </p:extLst>
           </p:nvPr>
         </p:nvGraphicFramePr>
         <p:xfrm>
-          <a:off x="649288" y="1984375"/>
+          <a:off x="649288" y="1753147"/>
           <a:ext cx="10552112" cy="4197350"/>
         </p:xfrm>
         <a:graphic>
@@ -31383,41 +34342,35 @@
           </a:graphicData>
         </a:graphic>
       </p:graphicFrame>
-      <p:sp>
-        <p:nvSpPr>
-          <p:cNvPr id="2" name="TextBox 1">
+      <p:pic>
+        <p:nvPicPr>
+          <p:cNvPr id="6" name="Picture 5">
             <a:extLst>
               <a:ext uri="{FF2B5EF4-FFF2-40B4-BE49-F238E27FC236}">
-                <a16:creationId xmlns:a16="http://schemas.microsoft.com/office/drawing/2014/main" id="{5048ADD0-97F3-F1A8-BA3B-CFF19089621A}"/>
+                <a16:creationId xmlns:a16="http://schemas.microsoft.com/office/drawing/2014/main" id="{F8DA31EA-A8F1-D4C4-AFB1-64609A2AA905}"/>
               </a:ext>
             </a:extLst>
           </p:cNvPr>
-          <p:cNvSpPr txBox="1"/>
+          <p:cNvPicPr>
+            <a:picLocks noChangeAspect="1"/>
+          </p:cNvPicPr>
           <p:nvPr/>
-        </p:nvSpPr>
+        </p:nvPicPr>
+        <p:blipFill rotWithShape="1">
+          <a:blip r:embed="rId7"/>
+          <a:srcRect l="5370" r="6416"/>
+          <a:stretch/>
+        </p:blipFill>
         <p:spPr>
           <a:xfrm>
-            <a:off x="2709017" y="1198089"/>
-            <a:ext cx="4067798" cy="369332"/>
+            <a:off x="86923" y="47601"/>
+            <a:ext cx="819106" cy="792789"/>
           </a:xfrm>
           <a:prstGeom prst="rect">
             <a:avLst/>
           </a:prstGeom>
-          <a:noFill/>
         </p:spPr>
-        <p:txBody>
-          <a:bodyPr wrap="square" rtlCol="0">
-            <a:spAutoFit/>
-          </a:bodyPr>
-          <a:lstStyle/>
-          <a:p>
-            <a:r>
-              <a:rPr lang="en-GB" dirty="0"/>
-              <a:t>Why will it make money</a:t>
-            </a:r>
-          </a:p>
-        </p:txBody>
-      </p:sp>
+      </p:pic>
     </p:spTree>
     <p:extLst>
       <p:ext uri="{BB962C8B-B14F-4D97-AF65-F5344CB8AC3E}">
@@ -31610,8 +34563,8 @@
         </p:nvSpPr>
         <p:spPr>
           <a:xfrm>
-            <a:off x="126281" y="637886"/>
-            <a:ext cx="1826375" cy="1567986"/>
+            <a:off x="136146" y="1373610"/>
+            <a:ext cx="1826375" cy="3639824"/>
           </a:xfrm>
         </p:spPr>
         <p:txBody>
@@ -31626,12 +34579,42 @@
               </a:lnSpc>
             </a:pPr>
             <a:r>
-              <a:rPr lang="en-US" sz="2800" spc="-40" dirty="0">
+              <a:rPr lang="en-US" sz="2600" spc="-40" dirty="0">
                 <a:solidFill>
                   <a:srgbClr val="FFFFFF"/>
                 </a:solidFill>
               </a:rPr>
               <a:t>Market Potential</a:t>
+            </a:r>
+            <a:br>
+              <a:rPr lang="en-US" sz="2600" spc="-40" dirty="0">
+                <a:solidFill>
+                  <a:srgbClr val="FFFFFF"/>
+                </a:solidFill>
+              </a:rPr>
+            </a:br>
+            <a:r>
+              <a:rPr lang="en-US" sz="2600" spc="-40" dirty="0">
+                <a:solidFill>
+                  <a:srgbClr val="FFFFFF"/>
+                </a:solidFill>
+              </a:rPr>
+              <a:t>    -</a:t>
+            </a:r>
+            <a:br>
+              <a:rPr lang="en-US" sz="2600" spc="-40" dirty="0">
+                <a:solidFill>
+                  <a:srgbClr val="FFFFFF"/>
+                </a:solidFill>
+              </a:rPr>
+            </a:br>
+            <a:r>
+              <a:rPr lang="en-US" sz="2600" spc="-40" dirty="0">
+                <a:solidFill>
+                  <a:srgbClr val="FFFFFF"/>
+                </a:solidFill>
+              </a:rPr>
+              <a:t>Games published</a:t>
             </a:r>
           </a:p>
         </p:txBody>
@@ -31785,7 +34768,7 @@
           <p:nvPr/>
         </p:nvPicPr>
         <p:blipFill>
-          <a:blip r:embed="rId2"/>
+          <a:blip r:embed="rId3"/>
           <a:stretch>
             <a:fillRect/>
           </a:stretch>
@@ -31814,8 +34797,8 @@
         </p:nvSpPr>
         <p:spPr>
           <a:xfrm>
-            <a:off x="2178523" y="274262"/>
-            <a:ext cx="2697059" cy="2931222"/>
+            <a:off x="2178523" y="274261"/>
+            <a:ext cx="2697059" cy="6041241"/>
           </a:xfrm>
           <a:prstGeom prst="rect">
             <a:avLst/>
@@ -31855,6 +34838,21 @@
             </a:r>
           </a:p>
           <a:p>
+            <a:pPr>
+              <a:lnSpc>
+                <a:spcPct val="110000"/>
+              </a:lnSpc>
+              <a:spcAft>
+                <a:spcPts val="600"/>
+              </a:spcAft>
+            </a:pPr>
+            <a:r>
+              <a:rPr lang="en-US" sz="1600" spc="-20" dirty="0"/>
+              <a:t>(2022 to 2021)</a:t>
+            </a:r>
+            <a:endParaRPr lang="en-US" sz="1400" spc="-20" dirty="0"/>
+          </a:p>
+          <a:p>
             <a:pPr indent="-228600">
               <a:lnSpc>
                 <a:spcPct val="110000"/>
@@ -31880,7 +34878,7 @@
             </a:pPr>
             <a:r>
               <a:rPr lang="en-US" sz="1600" spc="-20" dirty="0"/>
-              <a:t>Casual up 53%,</a:t>
+              <a:t>Casual up 53%</a:t>
             </a:r>
           </a:p>
           <a:p>
@@ -31896,7 +34894,7 @@
             </a:pPr>
             <a:r>
               <a:rPr lang="en-US" sz="1600" spc="-20" dirty="0"/>
-              <a:t>Midcore up 54%,</a:t>
+              <a:t>Midcore up 54%</a:t>
             </a:r>
           </a:p>
           <a:p>
@@ -31912,7 +34910,7 @@
             </a:pPr>
             <a:r>
               <a:rPr lang="en-US" sz="1600" spc="-20" dirty="0"/>
-              <a:t>Hardcore up 55%,</a:t>
+              <a:t>Hardcore up 55%</a:t>
             </a:r>
           </a:p>
           <a:p>
@@ -31942,6 +34940,73 @@
               <a:buFont typeface="Arial" panose="020B0604020202020204" pitchFamily="34" charset="0"/>
               <a:buChar char="•"/>
             </a:pPr>
+            <a:endParaRPr lang="en-US" sz="1600" spc="-20" dirty="0"/>
+          </a:p>
+          <a:p>
+            <a:pPr>
+              <a:lnSpc>
+                <a:spcPct val="110000"/>
+              </a:lnSpc>
+              <a:spcAft>
+                <a:spcPts val="600"/>
+              </a:spcAft>
+            </a:pPr>
+            <a:endParaRPr lang="en-US" sz="1600" spc="-20" dirty="0"/>
+          </a:p>
+          <a:p>
+            <a:pPr>
+              <a:lnSpc>
+                <a:spcPct val="110000"/>
+              </a:lnSpc>
+              <a:spcAft>
+                <a:spcPts val="600"/>
+              </a:spcAft>
+            </a:pPr>
+            <a:endParaRPr lang="en-US" sz="1600" spc="-20" dirty="0"/>
+          </a:p>
+          <a:p>
+            <a:pPr indent="-228600">
+              <a:lnSpc>
+                <a:spcPct val="110000"/>
+              </a:lnSpc>
+              <a:spcAft>
+                <a:spcPts val="600"/>
+              </a:spcAft>
+              <a:buFont typeface="Arial" panose="020B0604020202020204" pitchFamily="34" charset="0"/>
+              <a:buChar char="•"/>
+            </a:pPr>
+            <a:r>
+              <a:rPr lang="en-US" sz="1600" spc="-20" dirty="0"/>
+              <a:t>Action up 2.9%</a:t>
+            </a:r>
+          </a:p>
+          <a:p>
+            <a:pPr indent="-228600">
+              <a:lnSpc>
+                <a:spcPct val="110000"/>
+              </a:lnSpc>
+              <a:spcAft>
+                <a:spcPts val="600"/>
+              </a:spcAft>
+              <a:buFont typeface="Arial" panose="020B0604020202020204" pitchFamily="34" charset="0"/>
+              <a:buChar char="•"/>
+            </a:pPr>
+            <a:r>
+              <a:rPr lang="en-US" sz="1600" spc="-20" dirty="0"/>
+              <a:t>Casual up 13.0%</a:t>
+            </a:r>
+          </a:p>
+          <a:p>
+            <a:pPr indent="-228600">
+              <a:lnSpc>
+                <a:spcPct val="110000"/>
+              </a:lnSpc>
+              <a:spcAft>
+                <a:spcPts val="600"/>
+              </a:spcAft>
+              <a:buFont typeface="Arial" panose="020B0604020202020204" pitchFamily="34" charset="0"/>
+              <a:buChar char="•"/>
+            </a:pPr>
             <a:endParaRPr lang="en-US" spc="-20" dirty="0"/>
           </a:p>
         </p:txBody>
@@ -31961,7 +35026,7 @@
           <p:nvPr/>
         </p:nvPicPr>
         <p:blipFill rotWithShape="1">
-          <a:blip r:embed="rId3"/>
+          <a:blip r:embed="rId4"/>
           <a:srcRect t="12296"/>
           <a:stretch/>
         </p:blipFill>
@@ -31990,15 +35055,44 @@
           <p:nvPr/>
         </p:nvPicPr>
         <p:blipFill>
-          <a:blip r:embed="rId4"/>
+          <a:blip r:embed="rId5"/>
           <a:stretch>
             <a:fillRect/>
           </a:stretch>
         </p:blipFill>
         <p:spPr>
           <a:xfrm>
-            <a:off x="3115818" y="3416906"/>
+            <a:off x="4307888" y="3416906"/>
             <a:ext cx="6634632" cy="3400247"/>
+          </a:xfrm>
+          <a:prstGeom prst="rect">
+            <a:avLst/>
+          </a:prstGeom>
+        </p:spPr>
+      </p:pic>
+      <p:pic>
+        <p:nvPicPr>
+          <p:cNvPr id="5" name="Picture 4">
+            <a:extLst>
+              <a:ext uri="{FF2B5EF4-FFF2-40B4-BE49-F238E27FC236}">
+                <a16:creationId xmlns:a16="http://schemas.microsoft.com/office/drawing/2014/main" id="{814D4521-742D-70E0-2DD1-92E571222144}"/>
+              </a:ext>
+            </a:extLst>
+          </p:cNvPr>
+          <p:cNvPicPr>
+            <a:picLocks noChangeAspect="1"/>
+          </p:cNvPicPr>
+          <p:nvPr/>
+        </p:nvPicPr>
+        <p:blipFill rotWithShape="1">
+          <a:blip r:embed="rId6"/>
+          <a:srcRect l="5370" r="6416"/>
+          <a:stretch/>
+        </p:blipFill>
+        <p:spPr>
+          <a:xfrm>
+            <a:off x="86923" y="47601"/>
+            <a:ext cx="819106" cy="792789"/>
           </a:xfrm>
           <a:prstGeom prst="rect">
             <a:avLst/>
@@ -32810,34 +35904,6 @@
 </file>
 
 <file path=customXml/item1.xml><?xml version="1.0" encoding="utf-8"?>
-<?mso-contentType ?>
-<FormTemplates xmlns="http://schemas.microsoft.com/sharepoint/v3/contenttype/forms">
-  <Display>DocumentLibraryForm</Display>
-  <Edit>DocumentLibraryForm</Edit>
-  <New>DocumentLibraryForm</New>
-</FormTemplates>
-</file>
-
-<file path=customXml/item2.xml><?xml version="1.0" encoding="utf-8"?>
-<p:properties xmlns:p="http://schemas.microsoft.com/office/2006/metadata/properties" xmlns:xsi="http://www.w3.org/2001/XMLSchema-instance" xmlns:pc="http://schemas.microsoft.com/office/infopath/2007/PartnerControls">
-  <documentManagement>
-    <Status xmlns="71af3243-3dd4-4a8d-8c0d-dd76da1f02a5">Not started</Status>
-    <_ip_UnifiedCompliancePolicyUIAction xmlns="http://schemas.microsoft.com/sharepoint/v3" xsi:nil="true"/>
-    <Image xmlns="71af3243-3dd4-4a8d-8c0d-dd76da1f02a5">
-      <Url xsi:nil="true"/>
-      <Description xsi:nil="true"/>
-    </Image>
-    <_ip_UnifiedCompliancePolicyProperties xmlns="http://schemas.microsoft.com/sharepoint/v3" xsi:nil="true"/>
-    <ImageTagsTaxHTField xmlns="71af3243-3dd4-4a8d-8c0d-dd76da1f02a5">
-      <Terms xmlns="http://schemas.microsoft.com/office/infopath/2007/PartnerControls"/>
-    </ImageTagsTaxHTField>
-    <TaxCatchAll xmlns="230e9df3-be65-4c73-a93b-d1236ebd677e"/>
-    <MediaServiceKeyPoints xmlns="71af3243-3dd4-4a8d-8c0d-dd76da1f02a5" xsi:nil="true"/>
-  </documentManagement>
-</p:properties>
-</file>
-
-<file path=customXml/item3.xml><?xml version="1.0" encoding="utf-8"?>
 <ct:contentTypeSchema xmlns:ct="http://schemas.microsoft.com/office/2006/metadata/contentType" xmlns:ma="http://schemas.microsoft.com/office/2006/metadata/properties/metaAttributes" ct:_="" ma:_="" ma:contentTypeName="Document" ma:contentTypeID="0x01010079F111ED35F8CC479449609E8A0923A6" ma:contentTypeVersion="20" ma:contentTypeDescription="Create a new document." ma:contentTypeScope="" ma:versionID="1267097ee5f5874adfcc408041ae252e">
   <xsd:schema xmlns:xsd="http://www.w3.org/2001/XMLSchema" xmlns:xs="http://www.w3.org/2001/XMLSchema" xmlns:p="http://schemas.microsoft.com/office/2006/metadata/properties" xmlns:ns1="http://schemas.microsoft.com/sharepoint/v3" xmlns:ns2="71af3243-3dd4-4a8d-8c0d-dd76da1f02a5" xmlns:ns3="16c05727-aa75-4e4a-9b5f-8a80a1165891" xmlns:ns4="230e9df3-be65-4c73-a93b-d1236ebd677e" targetNamespace="http://schemas.microsoft.com/office/2006/metadata/properties" ma:root="true" ma:fieldsID="395891a93df65b14727750f2c06c306c" ns1:_="" ns2:_="" ns3:_="" ns4:_="">
     <xsd:import namespace="http://schemas.microsoft.com/sharepoint/v3"/>
@@ -33113,27 +36179,35 @@
 </ct:contentTypeSchema>
 </file>
 
-<file path=customXml/itemProps1.xml><?xml version="1.0" encoding="utf-8"?>
-<ds:datastoreItem xmlns:ds="http://schemas.openxmlformats.org/officeDocument/2006/customXml" ds:itemID="{A5CCB28C-7D26-4A36-9CFC-D739C28F3D18}">
-  <ds:schemaRefs>
-    <ds:schemaRef ds:uri="http://schemas.microsoft.com/sharepoint/v3/contenttype/forms"/>
-  </ds:schemaRefs>
-</ds:datastoreItem>
+<file path=customXml/item2.xml><?xml version="1.0" encoding="utf-8"?>
+<p:properties xmlns:p="http://schemas.microsoft.com/office/2006/metadata/properties" xmlns:xsi="http://www.w3.org/2001/XMLSchema-instance" xmlns:pc="http://schemas.microsoft.com/office/infopath/2007/PartnerControls">
+  <documentManagement>
+    <Status xmlns="71af3243-3dd4-4a8d-8c0d-dd76da1f02a5">Not started</Status>
+    <_ip_UnifiedCompliancePolicyUIAction xmlns="http://schemas.microsoft.com/sharepoint/v3" xsi:nil="true"/>
+    <Image xmlns="71af3243-3dd4-4a8d-8c0d-dd76da1f02a5">
+      <Url xsi:nil="true"/>
+      <Description xsi:nil="true"/>
+    </Image>
+    <_ip_UnifiedCompliancePolicyProperties xmlns="http://schemas.microsoft.com/sharepoint/v3" xsi:nil="true"/>
+    <ImageTagsTaxHTField xmlns="71af3243-3dd4-4a8d-8c0d-dd76da1f02a5">
+      <Terms xmlns="http://schemas.microsoft.com/office/infopath/2007/PartnerControls"/>
+    </ImageTagsTaxHTField>
+    <TaxCatchAll xmlns="230e9df3-be65-4c73-a93b-d1236ebd677e"/>
+    <MediaServiceKeyPoints xmlns="71af3243-3dd4-4a8d-8c0d-dd76da1f02a5" xsi:nil="true"/>
+  </documentManagement>
+</p:properties>
 </file>
 
-<file path=customXml/itemProps2.xml><?xml version="1.0" encoding="utf-8"?>
-<ds:datastoreItem xmlns:ds="http://schemas.openxmlformats.org/officeDocument/2006/customXml" ds:itemID="{08757C30-AE9A-4680-90EB-19D282EC2B7C}">
-  <ds:schemaRefs>
-    <ds:schemaRef ds:uri="http://schemas.microsoft.com/office/2006/metadata/properties"/>
-    <ds:schemaRef ds:uri="http://schemas.microsoft.com/office/infopath/2007/PartnerControls"/>
-    <ds:schemaRef ds:uri="71af3243-3dd4-4a8d-8c0d-dd76da1f02a5"/>
-    <ds:schemaRef ds:uri="http://schemas.microsoft.com/sharepoint/v3"/>
-    <ds:schemaRef ds:uri="230e9df3-be65-4c73-a93b-d1236ebd677e"/>
-  </ds:schemaRefs>
-</ds:datastoreItem>
+<file path=customXml/item3.xml><?xml version="1.0" encoding="utf-8"?>
+<?mso-contentType ?>
+<FormTemplates xmlns="http://schemas.microsoft.com/sharepoint/v3/contenttype/forms">
+  <Display>DocumentLibraryForm</Display>
+  <Edit>DocumentLibraryForm</Edit>
+  <New>DocumentLibraryForm</New>
+</FormTemplates>
 </file>
 
-<file path=customXml/itemProps3.xml><?xml version="1.0" encoding="utf-8"?>
+<file path=customXml/itemProps1.xml><?xml version="1.0" encoding="utf-8"?>
 <ds:datastoreItem xmlns:ds="http://schemas.openxmlformats.org/officeDocument/2006/customXml" ds:itemID="{0AF0BF08-C674-44E3-8BFC-85BC65E095F1}">
   <ds:schemaRefs>
     <ds:schemaRef ds:uri="http://schemas.microsoft.com/office/2006/metadata/contentType"/>
@@ -33154,6 +36228,26 @@
 </ds:datastoreItem>
 </file>
 
+<file path=customXml/itemProps2.xml><?xml version="1.0" encoding="utf-8"?>
+<ds:datastoreItem xmlns:ds="http://schemas.openxmlformats.org/officeDocument/2006/customXml" ds:itemID="{08757C30-AE9A-4680-90EB-19D282EC2B7C}">
+  <ds:schemaRefs>
+    <ds:schemaRef ds:uri="http://schemas.microsoft.com/office/2006/metadata/properties"/>
+    <ds:schemaRef ds:uri="http://schemas.microsoft.com/office/infopath/2007/PartnerControls"/>
+    <ds:schemaRef ds:uri="71af3243-3dd4-4a8d-8c0d-dd76da1f02a5"/>
+    <ds:schemaRef ds:uri="http://schemas.microsoft.com/sharepoint/v3"/>
+    <ds:schemaRef ds:uri="230e9df3-be65-4c73-a93b-d1236ebd677e"/>
+  </ds:schemaRefs>
+</ds:datastoreItem>
+</file>
+
+<file path=customXml/itemProps3.xml><?xml version="1.0" encoding="utf-8"?>
+<ds:datastoreItem xmlns:ds="http://schemas.openxmlformats.org/officeDocument/2006/customXml" ds:itemID="{A5CCB28C-7D26-4A36-9CFC-D739C28F3D18}">
+  <ds:schemaRefs>
+    <ds:schemaRef ds:uri="http://schemas.microsoft.com/sharepoint/v3/contenttype/forms"/>
+  </ds:schemaRefs>
+</ds:datastoreItem>
+</file>
+
 <file path=docMetadata/LabelInfo.xml><?xml version="1.0" encoding="utf-8"?>
 <clbl:labelList xmlns:clbl="http://schemas.microsoft.com/office/2020/mipLabelMetadata">
   <clbl:label id="{f42aa342-8706-4288-bd11-ebb85995028c}" enabled="1" method="Standard" siteId="{72f988bf-86f1-41af-91ab-2d7cd011db47}" contentBits="0" removed="0"/>
